--- a/Presentation1bkp.pptx
+++ b/Presentation1bkp.pptx
@@ -20,42 +20,43 @@
     <p:sldId id="294" r:id="rId14"/>
     <p:sldId id="307" r:id="rId15"/>
     <p:sldId id="287" r:id="rId16"/>
-    <p:sldId id="308" r:id="rId17"/>
-    <p:sldId id="309" r:id="rId18"/>
-    <p:sldId id="310" r:id="rId19"/>
-    <p:sldId id="311" r:id="rId20"/>
-    <p:sldId id="312" r:id="rId21"/>
-    <p:sldId id="313" r:id="rId22"/>
-    <p:sldId id="315" r:id="rId23"/>
-    <p:sldId id="329" r:id="rId24"/>
-    <p:sldId id="316" r:id="rId25"/>
-    <p:sldId id="317" r:id="rId26"/>
-    <p:sldId id="327" r:id="rId27"/>
-    <p:sldId id="322" r:id="rId28"/>
-    <p:sldId id="323" r:id="rId29"/>
-    <p:sldId id="324" r:id="rId30"/>
-    <p:sldId id="325" r:id="rId31"/>
-    <p:sldId id="326" r:id="rId32"/>
-    <p:sldId id="339" r:id="rId33"/>
-    <p:sldId id="340" r:id="rId34"/>
-    <p:sldId id="321" r:id="rId35"/>
-    <p:sldId id="318" r:id="rId36"/>
-    <p:sldId id="319" r:id="rId37"/>
-    <p:sldId id="342" r:id="rId38"/>
-    <p:sldId id="341" r:id="rId39"/>
-    <p:sldId id="343" r:id="rId40"/>
-    <p:sldId id="345" r:id="rId41"/>
-    <p:sldId id="344" r:id="rId42"/>
-    <p:sldId id="328" r:id="rId43"/>
-    <p:sldId id="330" r:id="rId44"/>
-    <p:sldId id="332" r:id="rId45"/>
-    <p:sldId id="331" r:id="rId46"/>
-    <p:sldId id="333" r:id="rId47"/>
-    <p:sldId id="335" r:id="rId48"/>
-    <p:sldId id="334" r:id="rId49"/>
-    <p:sldId id="336" r:id="rId50"/>
-    <p:sldId id="337" r:id="rId51"/>
-    <p:sldId id="338" r:id="rId52"/>
+    <p:sldId id="347" r:id="rId17"/>
+    <p:sldId id="308" r:id="rId18"/>
+    <p:sldId id="309" r:id="rId19"/>
+    <p:sldId id="310" r:id="rId20"/>
+    <p:sldId id="311" r:id="rId21"/>
+    <p:sldId id="312" r:id="rId22"/>
+    <p:sldId id="313" r:id="rId23"/>
+    <p:sldId id="315" r:id="rId24"/>
+    <p:sldId id="329" r:id="rId25"/>
+    <p:sldId id="316" r:id="rId26"/>
+    <p:sldId id="317" r:id="rId27"/>
+    <p:sldId id="327" r:id="rId28"/>
+    <p:sldId id="322" r:id="rId29"/>
+    <p:sldId id="323" r:id="rId30"/>
+    <p:sldId id="324" r:id="rId31"/>
+    <p:sldId id="325" r:id="rId32"/>
+    <p:sldId id="326" r:id="rId33"/>
+    <p:sldId id="339" r:id="rId34"/>
+    <p:sldId id="340" r:id="rId35"/>
+    <p:sldId id="321" r:id="rId36"/>
+    <p:sldId id="318" r:id="rId37"/>
+    <p:sldId id="319" r:id="rId38"/>
+    <p:sldId id="342" r:id="rId39"/>
+    <p:sldId id="341" r:id="rId40"/>
+    <p:sldId id="343" r:id="rId41"/>
+    <p:sldId id="345" r:id="rId42"/>
+    <p:sldId id="344" r:id="rId43"/>
+    <p:sldId id="328" r:id="rId44"/>
+    <p:sldId id="330" r:id="rId45"/>
+    <p:sldId id="332" r:id="rId46"/>
+    <p:sldId id="331" r:id="rId47"/>
+    <p:sldId id="333" r:id="rId48"/>
+    <p:sldId id="335" r:id="rId49"/>
+    <p:sldId id="334" r:id="rId50"/>
+    <p:sldId id="336" r:id="rId51"/>
+    <p:sldId id="337" r:id="rId52"/>
+    <p:sldId id="338" r:id="rId53"/>
   </p:sldIdLst>
   <p:sldSz cx="12192000" cy="6858000"/>
   <p:notesSz cx="6858000" cy="9144000"/>
@@ -5672,6 +5673,11 @@
                 </a:outerShdw>
               </a:effectLst>
             </c:spPr>
+            <c:extLst>
+              <c:ext xmlns:c16="http://schemas.microsoft.com/office/drawing/2014/chart" uri="{C3380CC4-5D6E-409C-BE32-E72D297353CC}">
+                <c16:uniqueId val="{00000003-853D-4BBB-8B9A-DF6EEF5566C9}"/>
+              </c:ext>
+            </c:extLst>
           </c:dPt>
           <c:dPt>
             <c:idx val="2"/>
@@ -5808,6 +5814,11 @@
                 </a:outerShdw>
               </a:effectLst>
             </c:spPr>
+            <c:extLst>
+              <c:ext xmlns:c16="http://schemas.microsoft.com/office/drawing/2014/chart" uri="{C3380CC4-5D6E-409C-BE32-E72D297353CC}">
+                <c16:uniqueId val="{00000009-853D-4BBB-8B9A-DF6EEF5566C9}"/>
+              </c:ext>
+            </c:extLst>
           </c:dPt>
           <c:dPt>
             <c:idx val="5"/>
@@ -5850,6 +5861,11 @@
                 </a:outerShdw>
               </a:effectLst>
             </c:spPr>
+            <c:extLst>
+              <c:ext xmlns:c16="http://schemas.microsoft.com/office/drawing/2014/chart" uri="{C3380CC4-5D6E-409C-BE32-E72D297353CC}">
+                <c16:uniqueId val="{0000000B-853D-4BBB-8B9A-DF6EEF5566C9}"/>
+              </c:ext>
+            </c:extLst>
           </c:dPt>
           <c:dPt>
             <c:idx val="6"/>
@@ -15975,8 +15991,8 @@
         </p:nvSpPr>
         <p:spPr>
           <a:xfrm>
-            <a:off x="334297" y="500390"/>
-            <a:ext cx="9729019" cy="646331"/>
+            <a:off x="2231923" y="1749086"/>
+            <a:ext cx="7305368" cy="646331"/>
           </a:xfrm>
           <a:prstGeom prst="rect">
             <a:avLst/>
@@ -16089,6 +16105,764 @@
 </file>
 
 <file path=ppt/slides/slide16.xml><?xml version="1.0" encoding="utf-8"?>
+<p:sld xmlns:a="http://schemas.openxmlformats.org/drawingml/2006/main" xmlns:r="http://schemas.openxmlformats.org/officeDocument/2006/relationships" xmlns:p="http://schemas.openxmlformats.org/presentationml/2006/main">
+  <p:cSld>
+    <p:bg>
+      <p:bgPr>
+        <a:blipFill dpi="0" rotWithShape="1">
+          <a:blip r:embed="rId2">
+            <a:extLst>
+              <a:ext uri="{BEBA8EAE-BF5A-486C-A8C5-ECC9F3942E4B}">
+                <a14:imgProps xmlns:a14="http://schemas.microsoft.com/office/drawing/2010/main">
+                  <a14:imgLayer r:embed="rId3">
+                    <a14:imgEffect>
+                      <a14:brightnessContrast bright="-20000"/>
+                    </a14:imgEffect>
+                  </a14:imgLayer>
+                </a14:imgProps>
+              </a:ext>
+            </a:extLst>
+          </a:blip>
+          <a:srcRect/>
+          <a:stretch>
+            <a:fillRect l="-9000" t="-39000" b="-11000"/>
+          </a:stretch>
+        </a:blipFill>
+        <a:effectLst/>
+      </p:bgPr>
+    </p:bg>
+    <p:spTree>
+      <p:nvGrpSpPr>
+        <p:cNvPr id="1" name=""/>
+        <p:cNvGrpSpPr/>
+        <p:nvPr/>
+      </p:nvGrpSpPr>
+      <p:grpSpPr>
+        <a:xfrm>
+          <a:off x="0" y="0"/>
+          <a:ext cx="0" cy="0"/>
+          <a:chOff x="0" y="0"/>
+          <a:chExt cx="0" cy="0"/>
+        </a:xfrm>
+      </p:grpSpPr>
+      <p:sp>
+        <p:nvSpPr>
+          <p:cNvPr id="2" name="TextBox 1">
+            <a:extLst>
+              <a:ext uri="{FF2B5EF4-FFF2-40B4-BE49-F238E27FC236}">
+                <a16:creationId xmlns:a16="http://schemas.microsoft.com/office/drawing/2014/main" id="{D344A9EB-8552-6F62-3FA6-E62E8415A9A0}"/>
+              </a:ext>
+            </a:extLst>
+          </p:cNvPr>
+          <p:cNvSpPr txBox="1"/>
+          <p:nvPr/>
+        </p:nvSpPr>
+        <p:spPr>
+          <a:xfrm>
+            <a:off x="403123" y="402066"/>
+            <a:ext cx="7305368" cy="646331"/>
+          </a:xfrm>
+          <a:prstGeom prst="rect">
+            <a:avLst/>
+          </a:prstGeom>
+          <a:noFill/>
+        </p:spPr>
+        <p:txBody>
+          <a:bodyPr wrap="square" rtlCol="0">
+            <a:spAutoFit/>
+          </a:bodyPr>
+          <a:lstStyle/>
+          <a:p>
+            <a:r>
+              <a:rPr lang="en-US" sz="3600" b="1" dirty="0">
+                <a:solidFill>
+                  <a:schemeClr val="bg1"/>
+                </a:solidFill>
+              </a:rPr>
+              <a:t>Engineering our own features: </a:t>
+            </a:r>
+            <a:endParaRPr lang="en-ZA" sz="3600" b="1" dirty="0">
+              <a:solidFill>
+                <a:schemeClr val="bg1"/>
+              </a:solidFill>
+            </a:endParaRPr>
+          </a:p>
+        </p:txBody>
+      </p:sp>
+      <mc:AlternateContent xmlns:mc="http://schemas.openxmlformats.org/markup-compatibility/2006">
+        <mc:Choice xmlns:a14="http://schemas.microsoft.com/office/drawing/2010/main" Requires="a14">
+          <p:sp>
+            <p:nvSpPr>
+              <p:cNvPr id="5" name="TextBox 4">
+                <a:extLst>
+                  <a:ext uri="{FF2B5EF4-FFF2-40B4-BE49-F238E27FC236}">
+                    <a16:creationId xmlns:a16="http://schemas.microsoft.com/office/drawing/2014/main" id="{751078E4-4E22-81F5-4398-BE436CBA061B}"/>
+                  </a:ext>
+                </a:extLst>
+              </p:cNvPr>
+              <p:cNvSpPr txBox="1"/>
+              <p:nvPr/>
+            </p:nvSpPr>
+            <p:spPr>
+              <a:xfrm>
+                <a:off x="786581" y="1199536"/>
+                <a:ext cx="9281651" cy="1504707"/>
+              </a:xfrm>
+              <a:prstGeom prst="rect">
+                <a:avLst/>
+              </a:prstGeom>
+              <a:noFill/>
+            </p:spPr>
+            <p:txBody>
+              <a:bodyPr wrap="square">
+                <a:spAutoFit/>
+              </a:bodyPr>
+              <a:lstStyle/>
+              <a:p>
+                <a:r>
+                  <a:rPr lang="en-ZA" sz="2000" b="1" dirty="0">
+                    <a:highlight>
+                      <a:srgbClr val="55D2B0"/>
+                    </a:highlight>
+                  </a:rPr>
+                  <a:t>Activity Score:</a:t>
+                </a:r>
+              </a:p>
+              <a:p>
+                <a:r>
+                  <a:rPr lang="en-ZA" sz="2000" dirty="0"/>
+                  <a:t>	</a:t>
+                </a:r>
+                <a:r>
+                  <a:rPr lang="en-ZA" sz="2000" dirty="0">
+                    <a:solidFill>
+                      <a:schemeClr val="bg1"/>
+                    </a:solidFill>
+                  </a:rPr>
+                  <a:t>Indicates how much a user interacts on days that they are active.</a:t>
+                </a:r>
+                <a:endParaRPr lang="en-ZA" sz="2000" dirty="0"/>
+              </a:p>
+              <a:p>
+                <a:endParaRPr lang="en-ZA" sz="2000" b="1" dirty="0"/>
+              </a:p>
+              <a:p>
+                <a:r>
+                  <a:rPr lang="en-ZA" sz="2000" b="1" dirty="0"/>
+                  <a:t>		</a:t>
+                </a:r>
+                <a14:m>
+                  <m:oMath xmlns:m="http://schemas.openxmlformats.org/officeDocument/2006/math">
+                    <m:r>
+                      <a:rPr lang="en-ZA" sz="2000" b="1" i="1" smtClean="0">
+                        <a:solidFill>
+                          <a:schemeClr val="bg1"/>
+                        </a:solidFill>
+                        <a:latin typeface="Cambria Math" panose="02040503050406030204" pitchFamily="18" charset="0"/>
+                      </a:rPr>
+                      <m:t>𝑫𝒂𝒊𝒍𝒚</m:t>
+                    </m:r>
+                    <m:r>
+                      <a:rPr lang="en-ZA" sz="2000" b="1" i="1" smtClean="0">
+                        <a:solidFill>
+                          <a:schemeClr val="bg1"/>
+                        </a:solidFill>
+                        <a:latin typeface="Cambria Math" panose="02040503050406030204" pitchFamily="18" charset="0"/>
+                      </a:rPr>
+                      <m:t> </m:t>
+                    </m:r>
+                    <m:r>
+                      <a:rPr lang="en-ZA" sz="2000" b="1" i="1" smtClean="0">
+                        <a:solidFill>
+                          <a:schemeClr val="bg1"/>
+                        </a:solidFill>
+                        <a:latin typeface="Cambria Math" panose="02040503050406030204" pitchFamily="18" charset="0"/>
+                      </a:rPr>
+                      <m:t>𝒂𝒄𝒕𝒊𝒗𝒊𝒕𝒚</m:t>
+                    </m:r>
+                    <m:r>
+                      <a:rPr lang="en-ZA" sz="2000" b="1" i="1" smtClean="0">
+                        <a:solidFill>
+                          <a:schemeClr val="bg1"/>
+                        </a:solidFill>
+                        <a:latin typeface="Cambria Math" panose="02040503050406030204" pitchFamily="18" charset="0"/>
+                      </a:rPr>
+                      <m:t> </m:t>
+                    </m:r>
+                    <m:r>
+                      <a:rPr lang="en-ZA" sz="2000" b="1" i="1" smtClean="0">
+                        <a:solidFill>
+                          <a:schemeClr val="bg1"/>
+                        </a:solidFill>
+                        <a:latin typeface="Cambria Math" panose="02040503050406030204" pitchFamily="18" charset="0"/>
+                      </a:rPr>
+                      <m:t>𝒔𝒄𝒐𝒓𝒆</m:t>
+                    </m:r>
+                    <m:r>
+                      <a:rPr lang="en-ZA" sz="2000" b="1" i="1" smtClean="0">
+                        <a:solidFill>
+                          <a:schemeClr val="bg1"/>
+                        </a:solidFill>
+                        <a:latin typeface="Cambria Math" panose="02040503050406030204" pitchFamily="18" charset="0"/>
+                      </a:rPr>
+                      <m:t>=</m:t>
+                    </m:r>
+                    <m:f>
+                      <m:fPr>
+                        <m:ctrlPr>
+                          <a:rPr lang="en-ZA" sz="2000" b="1" i="1" smtClean="0">
+                            <a:solidFill>
+                              <a:schemeClr val="bg1"/>
+                            </a:solidFill>
+                            <a:latin typeface="Cambria Math" panose="02040503050406030204" pitchFamily="18" charset="0"/>
+                          </a:rPr>
+                        </m:ctrlPr>
+                      </m:fPr>
+                      <m:num>
+                        <m:r>
+                          <a:rPr lang="en-ZA" sz="2000" b="1" i="1" smtClean="0">
+                            <a:solidFill>
+                              <a:schemeClr val="bg1"/>
+                            </a:solidFill>
+                            <a:latin typeface="Cambria Math" panose="02040503050406030204" pitchFamily="18" charset="0"/>
+                          </a:rPr>
+                          <m:t>𝒕𝒐𝒕𝒂𝒍</m:t>
+                        </m:r>
+                        <m:r>
+                          <a:rPr lang="en-ZA" sz="2000" b="1" i="1" smtClean="0">
+                            <a:solidFill>
+                              <a:schemeClr val="bg1"/>
+                            </a:solidFill>
+                            <a:latin typeface="Cambria Math" panose="02040503050406030204" pitchFamily="18" charset="0"/>
+                          </a:rPr>
+                          <m:t> </m:t>
+                        </m:r>
+                        <m:r>
+                          <a:rPr lang="en-ZA" sz="2000" b="1" i="1" smtClean="0">
+                            <a:solidFill>
+                              <a:schemeClr val="bg1"/>
+                            </a:solidFill>
+                            <a:latin typeface="Cambria Math" panose="02040503050406030204" pitchFamily="18" charset="0"/>
+                          </a:rPr>
+                          <m:t>𝒏𝒖𝒎𝒃𝒆𝒓</m:t>
+                        </m:r>
+                        <m:r>
+                          <a:rPr lang="en-ZA" sz="2000" b="1" i="1" smtClean="0">
+                            <a:solidFill>
+                              <a:schemeClr val="bg1"/>
+                            </a:solidFill>
+                            <a:latin typeface="Cambria Math" panose="02040503050406030204" pitchFamily="18" charset="0"/>
+                          </a:rPr>
+                          <m:t> </m:t>
+                        </m:r>
+                        <m:r>
+                          <a:rPr lang="en-ZA" sz="2000" b="1" i="1" smtClean="0">
+                            <a:solidFill>
+                              <a:schemeClr val="bg1"/>
+                            </a:solidFill>
+                            <a:latin typeface="Cambria Math" panose="02040503050406030204" pitchFamily="18" charset="0"/>
+                          </a:rPr>
+                          <m:t>𝒐𝒇</m:t>
+                        </m:r>
+                        <m:r>
+                          <a:rPr lang="en-ZA" sz="2000" b="1" i="1" smtClean="0">
+                            <a:solidFill>
+                              <a:schemeClr val="bg1"/>
+                            </a:solidFill>
+                            <a:latin typeface="Cambria Math" panose="02040503050406030204" pitchFamily="18" charset="0"/>
+                          </a:rPr>
+                          <m:t> </m:t>
+                        </m:r>
+                        <m:r>
+                          <a:rPr lang="en-ZA" sz="2000" b="1" i="1" smtClean="0">
+                            <a:solidFill>
+                              <a:schemeClr val="bg1"/>
+                            </a:solidFill>
+                            <a:latin typeface="Cambria Math" panose="02040503050406030204" pitchFamily="18" charset="0"/>
+                          </a:rPr>
+                          <m:t>𝒊𝒏𝒕𝒆𝒓𝒂𝒄𝒕𝒊𝒐𝒏𝒔</m:t>
+                        </m:r>
+                      </m:num>
+                      <m:den>
+                        <m:r>
+                          <a:rPr lang="en-ZA" sz="2000" b="1" i="1" smtClean="0">
+                            <a:solidFill>
+                              <a:schemeClr val="bg1"/>
+                            </a:solidFill>
+                            <a:latin typeface="Cambria Math" panose="02040503050406030204" pitchFamily="18" charset="0"/>
+                          </a:rPr>
+                          <m:t>𝒏𝒖𝒎𝒃𝒆𝒓</m:t>
+                        </m:r>
+                        <m:r>
+                          <a:rPr lang="en-ZA" sz="2000" b="1" i="1" smtClean="0">
+                            <a:solidFill>
+                              <a:schemeClr val="bg1"/>
+                            </a:solidFill>
+                            <a:latin typeface="Cambria Math" panose="02040503050406030204" pitchFamily="18" charset="0"/>
+                          </a:rPr>
+                          <m:t> </m:t>
+                        </m:r>
+                        <m:r>
+                          <a:rPr lang="en-ZA" sz="2000" b="1" i="1" smtClean="0">
+                            <a:solidFill>
+                              <a:schemeClr val="bg1"/>
+                            </a:solidFill>
+                            <a:latin typeface="Cambria Math" panose="02040503050406030204" pitchFamily="18" charset="0"/>
+                          </a:rPr>
+                          <m:t>𝒐𝒇</m:t>
+                        </m:r>
+                        <m:r>
+                          <a:rPr lang="en-ZA" sz="2000" b="1" i="1" smtClean="0">
+                            <a:solidFill>
+                              <a:schemeClr val="bg1"/>
+                            </a:solidFill>
+                            <a:latin typeface="Cambria Math" panose="02040503050406030204" pitchFamily="18" charset="0"/>
+                          </a:rPr>
+                          <m:t> </m:t>
+                        </m:r>
+                        <m:r>
+                          <a:rPr lang="en-ZA" sz="2000" b="1" i="1" smtClean="0">
+                            <a:solidFill>
+                              <a:schemeClr val="bg1"/>
+                            </a:solidFill>
+                            <a:latin typeface="Cambria Math" panose="02040503050406030204" pitchFamily="18" charset="0"/>
+                          </a:rPr>
+                          <m:t>𝒂𝒄𝒕𝒊𝒗𝒆</m:t>
+                        </m:r>
+                        <m:r>
+                          <a:rPr lang="en-ZA" sz="2000" b="1" i="1" smtClean="0">
+                            <a:solidFill>
+                              <a:schemeClr val="bg1"/>
+                            </a:solidFill>
+                            <a:latin typeface="Cambria Math" panose="02040503050406030204" pitchFamily="18" charset="0"/>
+                          </a:rPr>
+                          <m:t> </m:t>
+                        </m:r>
+                        <m:r>
+                          <a:rPr lang="en-ZA" sz="2000" b="1" i="1" smtClean="0">
+                            <a:solidFill>
+                              <a:schemeClr val="bg1"/>
+                            </a:solidFill>
+                            <a:latin typeface="Cambria Math" panose="02040503050406030204" pitchFamily="18" charset="0"/>
+                          </a:rPr>
+                          <m:t>𝒅𝒂𝒚𝒔</m:t>
+                        </m:r>
+                      </m:den>
+                    </m:f>
+                  </m:oMath>
+                </a14:m>
+                <a:endParaRPr lang="en-ZA" sz="2000" b="1" dirty="0"/>
+              </a:p>
+            </p:txBody>
+          </p:sp>
+        </mc:Choice>
+        <mc:Fallback>
+          <p:sp>
+            <p:nvSpPr>
+              <p:cNvPr id="5" name="TextBox 4">
+                <a:extLst>
+                  <a:ext uri="{FF2B5EF4-FFF2-40B4-BE49-F238E27FC236}">
+                    <a16:creationId xmlns:a16="http://schemas.microsoft.com/office/drawing/2014/main" id="{751078E4-4E22-81F5-4398-BE436CBA061B}"/>
+                  </a:ext>
+                </a:extLst>
+              </p:cNvPr>
+              <p:cNvSpPr txBox="1">
+                <a:spLocks noRot="1" noChangeAspect="1" noMove="1" noResize="1" noEditPoints="1" noAdjustHandles="1" noChangeArrowheads="1" noChangeShapeType="1" noTextEdit="1"/>
+              </p:cNvSpPr>
+              <p:nvPr/>
+            </p:nvSpPr>
+            <p:spPr>
+              <a:xfrm>
+                <a:off x="786581" y="1199536"/>
+                <a:ext cx="9281651" cy="1504707"/>
+              </a:xfrm>
+              <a:prstGeom prst="rect">
+                <a:avLst/>
+              </a:prstGeom>
+              <a:blipFill>
+                <a:blip r:embed="rId4"/>
+                <a:stretch>
+                  <a:fillRect l="-657" t="-2429"/>
+                </a:stretch>
+              </a:blipFill>
+            </p:spPr>
+            <p:txBody>
+              <a:bodyPr/>
+              <a:lstStyle/>
+              <a:p>
+                <a:r>
+                  <a:rPr lang="en-ZA">
+                    <a:noFill/>
+                  </a:rPr>
+                  <a:t> </a:t>
+                </a:r>
+              </a:p>
+            </p:txBody>
+          </p:sp>
+        </mc:Fallback>
+      </mc:AlternateContent>
+      <mc:AlternateContent xmlns:mc="http://schemas.openxmlformats.org/markup-compatibility/2006">
+        <mc:Choice xmlns:a14="http://schemas.microsoft.com/office/drawing/2010/main" Requires="a14">
+          <p:sp>
+            <p:nvSpPr>
+              <p:cNvPr id="4" name="TextBox 3">
+                <a:extLst>
+                  <a:ext uri="{FF2B5EF4-FFF2-40B4-BE49-F238E27FC236}">
+                    <a16:creationId xmlns:a16="http://schemas.microsoft.com/office/drawing/2014/main" id="{126F75D3-6A54-C725-56E2-F3C23B23E1B4}"/>
+                  </a:ext>
+                </a:extLst>
+              </p:cNvPr>
+              <p:cNvSpPr txBox="1"/>
+              <p:nvPr/>
+            </p:nvSpPr>
+            <p:spPr>
+              <a:xfrm>
+                <a:off x="786580" y="3102031"/>
+                <a:ext cx="8967019" cy="1504707"/>
+              </a:xfrm>
+              <a:prstGeom prst="rect">
+                <a:avLst/>
+              </a:prstGeom>
+              <a:noFill/>
+            </p:spPr>
+            <p:txBody>
+              <a:bodyPr wrap="square">
+                <a:spAutoFit/>
+              </a:bodyPr>
+              <a:lstStyle/>
+              <a:p>
+                <a:r>
+                  <a:rPr lang="en-ZA" sz="2000" b="1" dirty="0">
+                    <a:highlight>
+                      <a:srgbClr val="55D2B0"/>
+                    </a:highlight>
+                  </a:rPr>
+                  <a:t>Activity Rate:</a:t>
+                </a:r>
+              </a:p>
+              <a:p>
+                <a:r>
+                  <a:rPr lang="en-ZA" sz="2000" dirty="0"/>
+                  <a:t>	</a:t>
+                </a:r>
+                <a:r>
+                  <a:rPr lang="en-ZA" sz="2000" dirty="0">
+                    <a:solidFill>
+                      <a:schemeClr val="bg1"/>
+                    </a:solidFill>
+                  </a:rPr>
+                  <a:t>Indicates how often a user is active over the period of the dataset.</a:t>
+                </a:r>
+                <a:endParaRPr lang="en-ZA" sz="2000" dirty="0"/>
+              </a:p>
+              <a:p>
+                <a:endParaRPr lang="en-ZA" sz="2000" b="1" dirty="0"/>
+              </a:p>
+              <a:p>
+                <a:r>
+                  <a:rPr lang="en-ZA" sz="2000" b="1" dirty="0"/>
+                  <a:t>		</a:t>
+                </a:r>
+                <a14:m>
+                  <m:oMath xmlns:m="http://schemas.openxmlformats.org/officeDocument/2006/math">
+                    <m:r>
+                      <a:rPr lang="en-ZA" sz="2000" b="1" i="1" smtClean="0">
+                        <a:solidFill>
+                          <a:schemeClr val="bg1"/>
+                        </a:solidFill>
+                        <a:latin typeface="Cambria Math" panose="02040503050406030204" pitchFamily="18" charset="0"/>
+                      </a:rPr>
+                      <m:t>𝑨𝒄𝒕𝒊𝒗𝒊𝒕𝒚</m:t>
+                    </m:r>
+                    <m:r>
+                      <a:rPr lang="en-ZA" sz="2000" b="1" i="1" smtClean="0">
+                        <a:solidFill>
+                          <a:schemeClr val="bg1"/>
+                        </a:solidFill>
+                        <a:latin typeface="Cambria Math" panose="02040503050406030204" pitchFamily="18" charset="0"/>
+                      </a:rPr>
+                      <m:t> </m:t>
+                    </m:r>
+                    <m:r>
+                      <a:rPr lang="en-ZA" sz="2000" b="1" i="1" smtClean="0">
+                        <a:solidFill>
+                          <a:schemeClr val="bg1"/>
+                        </a:solidFill>
+                        <a:latin typeface="Cambria Math" panose="02040503050406030204" pitchFamily="18" charset="0"/>
+                      </a:rPr>
+                      <m:t>𝒓𝒂𝒕𝒆</m:t>
+                    </m:r>
+                    <m:r>
+                      <a:rPr lang="en-ZA" sz="2000" b="1" i="1" smtClean="0">
+                        <a:solidFill>
+                          <a:schemeClr val="bg1"/>
+                        </a:solidFill>
+                        <a:latin typeface="Cambria Math" panose="02040503050406030204" pitchFamily="18" charset="0"/>
+                      </a:rPr>
+                      <m:t>=</m:t>
+                    </m:r>
+                    <m:f>
+                      <m:fPr>
+                        <m:ctrlPr>
+                          <a:rPr lang="en-ZA" sz="2000" b="1" i="1" smtClean="0">
+                            <a:solidFill>
+                              <a:schemeClr val="bg1"/>
+                            </a:solidFill>
+                            <a:latin typeface="Cambria Math" panose="02040503050406030204" pitchFamily="18" charset="0"/>
+                          </a:rPr>
+                        </m:ctrlPr>
+                      </m:fPr>
+                      <m:num>
+                        <m:r>
+                          <a:rPr lang="en-ZA" sz="2000" b="1" i="1" smtClean="0">
+                            <a:solidFill>
+                              <a:schemeClr val="bg1"/>
+                            </a:solidFill>
+                            <a:latin typeface="Cambria Math" panose="02040503050406030204" pitchFamily="18" charset="0"/>
+                          </a:rPr>
+                          <m:t>𝑵𝒖𝒎𝒃𝒆𝒓</m:t>
+                        </m:r>
+                        <m:r>
+                          <a:rPr lang="en-ZA" sz="2000" b="1" i="1" smtClean="0">
+                            <a:solidFill>
+                              <a:schemeClr val="bg1"/>
+                            </a:solidFill>
+                            <a:latin typeface="Cambria Math" panose="02040503050406030204" pitchFamily="18" charset="0"/>
+                          </a:rPr>
+                          <m:t> </m:t>
+                        </m:r>
+                        <m:r>
+                          <a:rPr lang="en-ZA" sz="2000" b="1" i="1" smtClean="0">
+                            <a:solidFill>
+                              <a:schemeClr val="bg1"/>
+                            </a:solidFill>
+                            <a:latin typeface="Cambria Math" panose="02040503050406030204" pitchFamily="18" charset="0"/>
+                          </a:rPr>
+                          <m:t>𝒐𝒇</m:t>
+                        </m:r>
+                        <m:r>
+                          <a:rPr lang="en-ZA" sz="2000" b="1" i="1" smtClean="0">
+                            <a:solidFill>
+                              <a:schemeClr val="bg1"/>
+                            </a:solidFill>
+                            <a:latin typeface="Cambria Math" panose="02040503050406030204" pitchFamily="18" charset="0"/>
+                          </a:rPr>
+                          <m:t> </m:t>
+                        </m:r>
+                        <m:r>
+                          <a:rPr lang="en-ZA" sz="2000" b="1" i="1" smtClean="0">
+                            <a:solidFill>
+                              <a:schemeClr val="bg1"/>
+                            </a:solidFill>
+                            <a:latin typeface="Cambria Math" panose="02040503050406030204" pitchFamily="18" charset="0"/>
+                          </a:rPr>
+                          <m:t>𝒂𝒄𝒕𝒊𝒗𝒆</m:t>
+                        </m:r>
+                        <m:r>
+                          <a:rPr lang="en-ZA" sz="2000" b="1" i="1" smtClean="0">
+                            <a:solidFill>
+                              <a:schemeClr val="bg1"/>
+                            </a:solidFill>
+                            <a:latin typeface="Cambria Math" panose="02040503050406030204" pitchFamily="18" charset="0"/>
+                          </a:rPr>
+                          <m:t> </m:t>
+                        </m:r>
+                        <m:r>
+                          <a:rPr lang="en-ZA" sz="2000" b="1" i="1" smtClean="0">
+                            <a:solidFill>
+                              <a:schemeClr val="bg1"/>
+                            </a:solidFill>
+                            <a:latin typeface="Cambria Math" panose="02040503050406030204" pitchFamily="18" charset="0"/>
+                          </a:rPr>
+                          <m:t>𝒅𝒂𝒚𝒔</m:t>
+                        </m:r>
+                      </m:num>
+                      <m:den>
+                        <m:r>
+                          <a:rPr lang="en-ZA" sz="2000" b="1" i="1" smtClean="0">
+                            <a:solidFill>
+                              <a:schemeClr val="bg1"/>
+                            </a:solidFill>
+                            <a:latin typeface="Cambria Math" panose="02040503050406030204" pitchFamily="18" charset="0"/>
+                          </a:rPr>
+                          <m:t>𝒕𝒐𝒕𝒂𝒍</m:t>
+                        </m:r>
+                        <m:r>
+                          <a:rPr lang="en-ZA" sz="2000" b="1" i="1" smtClean="0">
+                            <a:solidFill>
+                              <a:schemeClr val="bg1"/>
+                            </a:solidFill>
+                            <a:latin typeface="Cambria Math" panose="02040503050406030204" pitchFamily="18" charset="0"/>
+                          </a:rPr>
+                          <m:t> </m:t>
+                        </m:r>
+                        <m:r>
+                          <a:rPr lang="en-ZA" sz="2000" b="1" i="1" smtClean="0">
+                            <a:solidFill>
+                              <a:schemeClr val="bg1"/>
+                            </a:solidFill>
+                            <a:latin typeface="Cambria Math" panose="02040503050406030204" pitchFamily="18" charset="0"/>
+                          </a:rPr>
+                          <m:t>𝒏𝒖𝒎𝒃𝒆𝒓</m:t>
+                        </m:r>
+                        <m:r>
+                          <a:rPr lang="en-ZA" sz="2000" b="1" i="1" smtClean="0">
+                            <a:solidFill>
+                              <a:schemeClr val="bg1"/>
+                            </a:solidFill>
+                            <a:latin typeface="Cambria Math" panose="02040503050406030204" pitchFamily="18" charset="0"/>
+                          </a:rPr>
+                          <m:t> </m:t>
+                        </m:r>
+                        <m:r>
+                          <a:rPr lang="en-ZA" sz="2000" b="1" i="1" smtClean="0">
+                            <a:solidFill>
+                              <a:schemeClr val="bg1"/>
+                            </a:solidFill>
+                            <a:latin typeface="Cambria Math" panose="02040503050406030204" pitchFamily="18" charset="0"/>
+                          </a:rPr>
+                          <m:t>𝒐𝒇</m:t>
+                        </m:r>
+                        <m:r>
+                          <a:rPr lang="en-ZA" sz="2000" b="1" i="1" smtClean="0">
+                            <a:solidFill>
+                              <a:schemeClr val="bg1"/>
+                            </a:solidFill>
+                            <a:latin typeface="Cambria Math" panose="02040503050406030204" pitchFamily="18" charset="0"/>
+                          </a:rPr>
+                          <m:t> </m:t>
+                        </m:r>
+                        <m:r>
+                          <a:rPr lang="en-ZA" sz="2000" b="1" i="1" smtClean="0">
+                            <a:solidFill>
+                              <a:schemeClr val="bg1"/>
+                            </a:solidFill>
+                            <a:latin typeface="Cambria Math" panose="02040503050406030204" pitchFamily="18" charset="0"/>
+                          </a:rPr>
+                          <m:t>𝒅𝒂𝒚𝒔</m:t>
+                        </m:r>
+                        <m:r>
+                          <a:rPr lang="en-ZA" sz="2000" b="1" i="1" smtClean="0">
+                            <a:solidFill>
+                              <a:schemeClr val="bg1"/>
+                            </a:solidFill>
+                            <a:latin typeface="Cambria Math" panose="02040503050406030204" pitchFamily="18" charset="0"/>
+                          </a:rPr>
+                          <m:t> </m:t>
+                        </m:r>
+                        <m:r>
+                          <a:rPr lang="en-ZA" sz="2000" b="1" i="1" smtClean="0">
+                            <a:solidFill>
+                              <a:schemeClr val="bg1"/>
+                            </a:solidFill>
+                            <a:latin typeface="Cambria Math" panose="02040503050406030204" pitchFamily="18" charset="0"/>
+                          </a:rPr>
+                          <m:t>𝒊𝒏</m:t>
+                        </m:r>
+                        <m:r>
+                          <a:rPr lang="en-ZA" sz="2000" b="1" i="1" smtClean="0">
+                            <a:solidFill>
+                              <a:schemeClr val="bg1"/>
+                            </a:solidFill>
+                            <a:latin typeface="Cambria Math" panose="02040503050406030204" pitchFamily="18" charset="0"/>
+                          </a:rPr>
+                          <m:t> </m:t>
+                        </m:r>
+                        <m:r>
+                          <a:rPr lang="en-ZA" sz="2000" b="1" i="1" smtClean="0">
+                            <a:solidFill>
+                              <a:schemeClr val="bg1"/>
+                            </a:solidFill>
+                            <a:latin typeface="Cambria Math" panose="02040503050406030204" pitchFamily="18" charset="0"/>
+                          </a:rPr>
+                          <m:t>𝒕𝒉𝒆</m:t>
+                        </m:r>
+                        <m:r>
+                          <a:rPr lang="en-ZA" sz="2000" b="1" i="1" smtClean="0">
+                            <a:solidFill>
+                              <a:schemeClr val="bg1"/>
+                            </a:solidFill>
+                            <a:latin typeface="Cambria Math" panose="02040503050406030204" pitchFamily="18" charset="0"/>
+                          </a:rPr>
+                          <m:t> </m:t>
+                        </m:r>
+                        <m:r>
+                          <a:rPr lang="en-ZA" sz="2000" b="1" i="1" smtClean="0">
+                            <a:solidFill>
+                              <a:schemeClr val="bg1"/>
+                            </a:solidFill>
+                            <a:latin typeface="Cambria Math" panose="02040503050406030204" pitchFamily="18" charset="0"/>
+                          </a:rPr>
+                          <m:t>𝒅𝒂𝒕𝒔𝒆𝒕</m:t>
+                        </m:r>
+                      </m:den>
+                    </m:f>
+                  </m:oMath>
+                </a14:m>
+                <a:endParaRPr lang="en-ZA" sz="2000" b="1" dirty="0"/>
+              </a:p>
+            </p:txBody>
+          </p:sp>
+        </mc:Choice>
+        <mc:Fallback>
+          <p:sp>
+            <p:nvSpPr>
+              <p:cNvPr id="4" name="TextBox 3">
+                <a:extLst>
+                  <a:ext uri="{FF2B5EF4-FFF2-40B4-BE49-F238E27FC236}">
+                    <a16:creationId xmlns:a16="http://schemas.microsoft.com/office/drawing/2014/main" id="{126F75D3-6A54-C725-56E2-F3C23B23E1B4}"/>
+                  </a:ext>
+                </a:extLst>
+              </p:cNvPr>
+              <p:cNvSpPr txBox="1">
+                <a:spLocks noRot="1" noChangeAspect="1" noMove="1" noResize="1" noEditPoints="1" noAdjustHandles="1" noChangeArrowheads="1" noChangeShapeType="1" noTextEdit="1"/>
+              </p:cNvSpPr>
+              <p:nvPr/>
+            </p:nvSpPr>
+            <p:spPr>
+              <a:xfrm>
+                <a:off x="786580" y="3102031"/>
+                <a:ext cx="8967019" cy="1504707"/>
+              </a:xfrm>
+              <a:prstGeom prst="rect">
+                <a:avLst/>
+              </a:prstGeom>
+              <a:blipFill>
+                <a:blip r:embed="rId5"/>
+                <a:stretch>
+                  <a:fillRect l="-680" t="-2429"/>
+                </a:stretch>
+              </a:blipFill>
+            </p:spPr>
+            <p:txBody>
+              <a:bodyPr/>
+              <a:lstStyle/>
+              <a:p>
+                <a:r>
+                  <a:rPr lang="en-ZA">
+                    <a:noFill/>
+                  </a:rPr>
+                  <a:t> </a:t>
+                </a:r>
+              </a:p>
+            </p:txBody>
+          </p:sp>
+        </mc:Fallback>
+      </mc:AlternateContent>
+    </p:spTree>
+    <p:extLst>
+      <p:ext uri="{BB962C8B-B14F-4D97-AF65-F5344CB8AC3E}">
+        <p14:creationId xmlns:p14="http://schemas.microsoft.com/office/powerpoint/2010/main" val="3991536903"/>
+      </p:ext>
+    </p:extLst>
+  </p:cSld>
+  <p:clrMapOvr>
+    <a:masterClrMapping/>
+  </p:clrMapOvr>
+</p:sld>
+</file>
+
+<file path=ppt/slides/slide17.xml><?xml version="1.0" encoding="utf-8"?>
 <p:sld xmlns:a="http://schemas.openxmlformats.org/drawingml/2006/main" xmlns:r="http://schemas.openxmlformats.org/officeDocument/2006/relationships" xmlns:p="http://schemas.openxmlformats.org/presentationml/2006/main">
   <p:cSld>
     <p:bg>
@@ -16187,7 +16961,7 @@
 </p:sld>
 </file>
 
-<file path=ppt/slides/slide17.xml><?xml version="1.0" encoding="utf-8"?>
+<file path=ppt/slides/slide18.xml><?xml version="1.0" encoding="utf-8"?>
 <p:sld xmlns:a="http://schemas.openxmlformats.org/drawingml/2006/main" xmlns:r="http://schemas.openxmlformats.org/officeDocument/2006/relationships" xmlns:p="http://schemas.openxmlformats.org/presentationml/2006/main">
   <p:cSld>
     <p:bg>
@@ -16323,459 +17097,6 @@
     <p:extLst>
       <p:ext uri="{BB962C8B-B14F-4D97-AF65-F5344CB8AC3E}">
         <p14:creationId xmlns:p14="http://schemas.microsoft.com/office/powerpoint/2010/main" val="3821358238"/>
-      </p:ext>
-    </p:extLst>
-  </p:cSld>
-  <p:clrMapOvr>
-    <a:masterClrMapping/>
-  </p:clrMapOvr>
-</p:sld>
-</file>
-
-<file path=ppt/slides/slide18.xml><?xml version="1.0" encoding="utf-8"?>
-<p:sld xmlns:a="http://schemas.openxmlformats.org/drawingml/2006/main" xmlns:r="http://schemas.openxmlformats.org/officeDocument/2006/relationships" xmlns:p="http://schemas.openxmlformats.org/presentationml/2006/main">
-  <p:cSld>
-    <p:bg>
-      <p:bgPr>
-        <a:blipFill dpi="0" rotWithShape="1">
-          <a:blip r:embed="rId2">
-            <a:extLst>
-              <a:ext uri="{BEBA8EAE-BF5A-486C-A8C5-ECC9F3942E4B}">
-                <a14:imgProps xmlns:a14="http://schemas.microsoft.com/office/drawing/2010/main">
-                  <a14:imgLayer r:embed="rId3">
-                    <a14:imgEffect>
-                      <a14:brightnessContrast bright="-20000"/>
-                    </a14:imgEffect>
-                  </a14:imgLayer>
-                </a14:imgProps>
-              </a:ext>
-            </a:extLst>
-          </a:blip>
-          <a:srcRect/>
-          <a:stretch>
-            <a:fillRect l="-9000" t="-39000" b="-11000"/>
-          </a:stretch>
-        </a:blipFill>
-        <a:effectLst/>
-      </p:bgPr>
-    </p:bg>
-    <p:spTree>
-      <p:nvGrpSpPr>
-        <p:cNvPr id="1" name=""/>
-        <p:cNvGrpSpPr/>
-        <p:nvPr/>
-      </p:nvGrpSpPr>
-      <p:grpSpPr>
-        <a:xfrm>
-          <a:off x="0" y="0"/>
-          <a:ext cx="0" cy="0"/>
-          <a:chOff x="0" y="0"/>
-          <a:chExt cx="0" cy="0"/>
-        </a:xfrm>
-      </p:grpSpPr>
-      <p:sp>
-        <p:nvSpPr>
-          <p:cNvPr id="4" name="TextBox 3">
-            <a:extLst>
-              <a:ext uri="{FF2B5EF4-FFF2-40B4-BE49-F238E27FC236}">
-                <a16:creationId xmlns:a16="http://schemas.microsoft.com/office/drawing/2014/main" id="{B216AF57-F29C-D05C-D5C9-C32762A12133}"/>
-              </a:ext>
-            </a:extLst>
-          </p:cNvPr>
-          <p:cNvSpPr txBox="1"/>
-          <p:nvPr/>
-        </p:nvSpPr>
-        <p:spPr>
-          <a:xfrm>
-            <a:off x="835743" y="526372"/>
-            <a:ext cx="5663381" cy="584775"/>
-          </a:xfrm>
-          <a:prstGeom prst="rect">
-            <a:avLst/>
-          </a:prstGeom>
-          <a:noFill/>
-        </p:spPr>
-        <p:txBody>
-          <a:bodyPr wrap="square" rtlCol="0">
-            <a:spAutoFit/>
-          </a:bodyPr>
-          <a:lstStyle/>
-          <a:p>
-            <a:r>
-              <a:rPr lang="en-US" sz="3200" b="1" dirty="0" err="1">
-                <a:solidFill>
-                  <a:schemeClr val="bg1"/>
-                </a:solidFill>
-              </a:rPr>
-              <a:t>LightFM</a:t>
-            </a:r>
-            <a:r>
-              <a:rPr lang="en-US" sz="2800" b="1" dirty="0">
-                <a:solidFill>
-                  <a:schemeClr val="bg1"/>
-                </a:solidFill>
-              </a:rPr>
-              <a:t> </a:t>
-            </a:r>
-            <a:endParaRPr lang="en-ZA" sz="2800" b="1" dirty="0">
-              <a:solidFill>
-                <a:schemeClr val="bg1"/>
-              </a:solidFill>
-            </a:endParaRPr>
-          </a:p>
-        </p:txBody>
-      </p:sp>
-      <p:sp>
-        <p:nvSpPr>
-          <p:cNvPr id="5" name="TextBox 4">
-            <a:extLst>
-              <a:ext uri="{FF2B5EF4-FFF2-40B4-BE49-F238E27FC236}">
-                <a16:creationId xmlns:a16="http://schemas.microsoft.com/office/drawing/2014/main" id="{0EA44A33-796B-71BF-87DC-BBE918C42794}"/>
-              </a:ext>
-            </a:extLst>
-          </p:cNvPr>
-          <p:cNvSpPr txBox="1"/>
-          <p:nvPr/>
-        </p:nvSpPr>
-        <p:spPr>
-          <a:xfrm>
-            <a:off x="1877961" y="1573163"/>
-            <a:ext cx="7944465" cy="2862322"/>
-          </a:xfrm>
-          <a:prstGeom prst="rect">
-            <a:avLst/>
-          </a:prstGeom>
-          <a:noFill/>
-        </p:spPr>
-        <p:txBody>
-          <a:bodyPr wrap="square">
-            <a:spAutoFit/>
-          </a:bodyPr>
-          <a:lstStyle/>
-          <a:p>
-            <a:r>
-              <a:rPr lang="en-US" b="0" i="0" dirty="0" err="1">
-                <a:solidFill>
-                  <a:schemeClr val="bg1"/>
-                </a:solidFill>
-                <a:effectLst/>
-                <a:latin typeface="Lato" panose="020F0502020204030204" pitchFamily="34" charset="0"/>
-              </a:rPr>
-              <a:t>LightFM</a:t>
-            </a:r>
-            <a:r>
-              <a:rPr lang="en-US" b="0" i="0" dirty="0">
-                <a:solidFill>
-                  <a:schemeClr val="bg1"/>
-                </a:solidFill>
-                <a:effectLst/>
-                <a:latin typeface="Lato" panose="020F0502020204030204" pitchFamily="34" charset="0"/>
-              </a:rPr>
-              <a:t> is a Python implementation of a number of popular recommendation algorithms for both implicit and explicit feedback.</a:t>
-            </a:r>
-          </a:p>
-          <a:p>
-            <a:r>
-              <a:rPr lang="en-US" b="0" i="0" dirty="0">
-                <a:solidFill>
-                  <a:schemeClr val="bg1"/>
-                </a:solidFill>
-                <a:effectLst/>
-                <a:latin typeface="Lato" panose="020F0502020204030204" pitchFamily="34" charset="0"/>
-              </a:rPr>
-              <a:t>It also makes it possible to incorporate both item and user metadata into the traditional matrix factorization algorithms. It represents each user and item as the sum of the latent representations of their features, thus allowing recommendations to </a:t>
-            </a:r>
-            <a:r>
-              <a:rPr lang="en-US" b="0" i="0" dirty="0" err="1">
-                <a:solidFill>
-                  <a:schemeClr val="bg1"/>
-                </a:solidFill>
-                <a:effectLst/>
-                <a:latin typeface="Lato" panose="020F0502020204030204" pitchFamily="34" charset="0"/>
-              </a:rPr>
-              <a:t>generalise</a:t>
-            </a:r>
-            <a:r>
-              <a:rPr lang="en-US" b="0" i="0" dirty="0">
-                <a:solidFill>
-                  <a:schemeClr val="bg1"/>
-                </a:solidFill>
-                <a:effectLst/>
-                <a:latin typeface="Lato" panose="020F0502020204030204" pitchFamily="34" charset="0"/>
-              </a:rPr>
-              <a:t> to new items (via item features) and to new users (via user features)</a:t>
-            </a:r>
-          </a:p>
-          <a:p>
-            <a:endParaRPr lang="en-US" u="sng" dirty="0">
-              <a:solidFill>
-                <a:schemeClr val="bg1"/>
-              </a:solidFill>
-              <a:latin typeface="Lato" panose="020F0502020204030204" pitchFamily="34" charset="0"/>
-            </a:endParaRPr>
-          </a:p>
-          <a:p>
-            <a:r>
-              <a:rPr lang="en-ZA" dirty="0">
-                <a:solidFill>
-                  <a:schemeClr val="bg1"/>
-                </a:solidFill>
-              </a:rPr>
-              <a:t>			-  </a:t>
-            </a:r>
-            <a:r>
-              <a:rPr lang="en-ZA" dirty="0">
-                <a:solidFill>
-                  <a:schemeClr val="bg1"/>
-                </a:solidFill>
-                <a:hlinkClick r:id="rId4"/>
-              </a:rPr>
-              <a:t>https://making.lyst.com/lightfm/docs/home.html</a:t>
-            </a:r>
-            <a:endParaRPr lang="en-ZA" dirty="0">
-              <a:solidFill>
-                <a:schemeClr val="bg1"/>
-              </a:solidFill>
-            </a:endParaRPr>
-          </a:p>
-          <a:p>
-            <a:endParaRPr lang="en-US" b="0" i="0" dirty="0">
-              <a:solidFill>
-                <a:schemeClr val="bg1"/>
-              </a:solidFill>
-              <a:effectLst/>
-              <a:latin typeface="Lato" panose="020F0502020204030204" pitchFamily="34" charset="0"/>
-            </a:endParaRPr>
-          </a:p>
-        </p:txBody>
-      </p:sp>
-      <p:sp>
-        <p:nvSpPr>
-          <p:cNvPr id="7" name="TextBox 6">
-            <a:extLst>
-              <a:ext uri="{FF2B5EF4-FFF2-40B4-BE49-F238E27FC236}">
-                <a16:creationId xmlns:a16="http://schemas.microsoft.com/office/drawing/2014/main" id="{E19F5259-0999-C573-04B4-FA4BA43DCA64}"/>
-              </a:ext>
-            </a:extLst>
-          </p:cNvPr>
-          <p:cNvSpPr txBox="1"/>
-          <p:nvPr/>
-        </p:nvSpPr>
-        <p:spPr>
-          <a:xfrm>
-            <a:off x="1877960" y="5314205"/>
-            <a:ext cx="6096000" cy="615553"/>
-          </a:xfrm>
-          <a:prstGeom prst="rect">
-            <a:avLst/>
-          </a:prstGeom>
-          <a:noFill/>
-        </p:spPr>
-        <p:txBody>
-          <a:bodyPr wrap="square">
-            <a:spAutoFit/>
-          </a:bodyPr>
-          <a:lstStyle/>
-          <a:p>
-            <a:r>
-              <a:rPr lang="en-ZA" dirty="0">
-                <a:solidFill>
-                  <a:schemeClr val="bg1"/>
-                </a:solidFill>
-                <a:hlinkClick r:id="rId5"/>
-              </a:rPr>
-              <a:t>https://doi.org/10.48550/arXiv.1507.08439</a:t>
-            </a:r>
-            <a:endParaRPr lang="en-ZA" dirty="0">
-              <a:solidFill>
-                <a:schemeClr val="bg1"/>
-              </a:solidFill>
-            </a:endParaRPr>
-          </a:p>
-          <a:p>
-            <a:r>
-              <a:rPr lang="en-ZA" sz="1600" dirty="0">
-                <a:solidFill>
-                  <a:schemeClr val="bg1"/>
-                </a:solidFill>
-              </a:rPr>
-              <a:t>Maciej Kula</a:t>
-            </a:r>
-          </a:p>
-        </p:txBody>
-      </p:sp>
-      <p:sp>
-        <p:nvSpPr>
-          <p:cNvPr id="8" name="TextBox 7">
-            <a:extLst>
-              <a:ext uri="{FF2B5EF4-FFF2-40B4-BE49-F238E27FC236}">
-                <a16:creationId xmlns:a16="http://schemas.microsoft.com/office/drawing/2014/main" id="{FB24D7E0-AE33-C1FD-A43F-E9EEB6559DF1}"/>
-              </a:ext>
-            </a:extLst>
-          </p:cNvPr>
-          <p:cNvSpPr txBox="1"/>
-          <p:nvPr/>
-        </p:nvSpPr>
-        <p:spPr>
-          <a:xfrm>
-            <a:off x="1637071" y="1356955"/>
-            <a:ext cx="776747" cy="584775"/>
-          </a:xfrm>
-          <a:prstGeom prst="rect">
-            <a:avLst/>
-          </a:prstGeom>
-          <a:noFill/>
-        </p:spPr>
-        <p:txBody>
-          <a:bodyPr wrap="square" rtlCol="0">
-            <a:spAutoFit/>
-          </a:bodyPr>
-          <a:lstStyle/>
-          <a:p>
-            <a:r>
-              <a:rPr lang="en-ZA" sz="3200" dirty="0">
-                <a:solidFill>
-                  <a:schemeClr val="bg1"/>
-                </a:solidFill>
-              </a:rPr>
-              <a:t>“</a:t>
-            </a:r>
-          </a:p>
-        </p:txBody>
-      </p:sp>
-      <p:sp>
-        <p:nvSpPr>
-          <p:cNvPr id="9" name="TextBox 8">
-            <a:extLst>
-              <a:ext uri="{FF2B5EF4-FFF2-40B4-BE49-F238E27FC236}">
-                <a16:creationId xmlns:a16="http://schemas.microsoft.com/office/drawing/2014/main" id="{F8C5A3D5-4A94-A265-1DA8-DE88BEEF2378}"/>
-              </a:ext>
-            </a:extLst>
-          </p:cNvPr>
-          <p:cNvSpPr txBox="1"/>
-          <p:nvPr/>
-        </p:nvSpPr>
-        <p:spPr>
-          <a:xfrm>
-            <a:off x="4336026" y="3125287"/>
-            <a:ext cx="776747" cy="584775"/>
-          </a:xfrm>
-          <a:prstGeom prst="rect">
-            <a:avLst/>
-          </a:prstGeom>
-          <a:noFill/>
-        </p:spPr>
-        <p:txBody>
-          <a:bodyPr wrap="square" rtlCol="0">
-            <a:spAutoFit/>
-          </a:bodyPr>
-          <a:lstStyle/>
-          <a:p>
-            <a:r>
-              <a:rPr lang="en-ZA" sz="3200" dirty="0">
-                <a:solidFill>
-                  <a:schemeClr val="bg1"/>
-                </a:solidFill>
-              </a:rPr>
-              <a:t> ”</a:t>
-            </a:r>
-          </a:p>
-        </p:txBody>
-      </p:sp>
-      <p:sp>
-        <p:nvSpPr>
-          <p:cNvPr id="11" name="TextBox 10">
-            <a:extLst>
-              <a:ext uri="{FF2B5EF4-FFF2-40B4-BE49-F238E27FC236}">
-                <a16:creationId xmlns:a16="http://schemas.microsoft.com/office/drawing/2014/main" id="{6FEE2D34-4BA7-8F51-6477-BB50A68C713C}"/>
-              </a:ext>
-            </a:extLst>
-          </p:cNvPr>
-          <p:cNvSpPr txBox="1"/>
-          <p:nvPr/>
-        </p:nvSpPr>
-        <p:spPr>
-          <a:xfrm>
-            <a:off x="1877960" y="4918706"/>
-            <a:ext cx="7708491" cy="338554"/>
-          </a:xfrm>
-          <a:prstGeom prst="rect">
-            <a:avLst/>
-          </a:prstGeom>
-          <a:noFill/>
-        </p:spPr>
-        <p:txBody>
-          <a:bodyPr wrap="square">
-            <a:spAutoFit/>
-          </a:bodyPr>
-          <a:lstStyle/>
-          <a:p>
-            <a:pPr algn="l"/>
-            <a:r>
-              <a:rPr lang="en-US" sz="1600" i="1" dirty="0">
-                <a:solidFill>
-                  <a:schemeClr val="bg1"/>
-                </a:solidFill>
-                <a:effectLst/>
-                <a:latin typeface="Lucida Grande"/>
-              </a:rPr>
-              <a:t>Metadata Embeddings for User and Item Cold-start Recommendations</a:t>
-            </a:r>
-          </a:p>
-        </p:txBody>
-      </p:sp>
-      <p:sp>
-        <p:nvSpPr>
-          <p:cNvPr id="13" name="TextBox 12">
-            <a:extLst>
-              <a:ext uri="{FF2B5EF4-FFF2-40B4-BE49-F238E27FC236}">
-                <a16:creationId xmlns:a16="http://schemas.microsoft.com/office/drawing/2014/main" id="{1043CEA5-DE7D-9F23-BDA6-B8A64488C3D2}"/>
-              </a:ext>
-            </a:extLst>
-          </p:cNvPr>
-          <p:cNvSpPr txBox="1"/>
-          <p:nvPr/>
-        </p:nvSpPr>
-        <p:spPr>
-          <a:xfrm>
-            <a:off x="1288026" y="4492429"/>
-            <a:ext cx="6096000" cy="369332"/>
-          </a:xfrm>
-          <a:prstGeom prst="rect">
-            <a:avLst/>
-          </a:prstGeom>
-          <a:noFill/>
-        </p:spPr>
-        <p:txBody>
-          <a:bodyPr wrap="square">
-            <a:spAutoFit/>
-          </a:bodyPr>
-          <a:lstStyle/>
-          <a:p>
-            <a:r>
-              <a:rPr lang="en-US" sz="1800" b="1" dirty="0" err="1">
-                <a:solidFill>
-                  <a:schemeClr val="bg1"/>
-                </a:solidFill>
-              </a:rPr>
-              <a:t>LightFM</a:t>
-            </a:r>
-            <a:r>
-              <a:rPr lang="en-US" sz="1800" b="1" dirty="0">
-                <a:solidFill>
-                  <a:schemeClr val="bg1"/>
-                </a:solidFill>
-              </a:rPr>
-              <a:t> Paper:</a:t>
-            </a:r>
-            <a:endParaRPr lang="en-ZA" dirty="0"/>
-          </a:p>
-        </p:txBody>
-      </p:sp>
-    </p:spTree>
-    <p:extLst>
-      <p:ext uri="{BB962C8B-B14F-4D97-AF65-F5344CB8AC3E}">
-        <p14:creationId xmlns:p14="http://schemas.microsoft.com/office/powerpoint/2010/main" val="3768656342"/>
       </p:ext>
     </p:extLst>
   </p:cSld>
@@ -16855,14 +17176,6 @@
           <a:lstStyle/>
           <a:p>
             <a:r>
-              <a:rPr lang="en-US" sz="3200" b="1" dirty="0">
-                <a:solidFill>
-                  <a:schemeClr val="bg1"/>
-                </a:solidFill>
-              </a:rPr>
-              <a:t>Why we chose </a:t>
-            </a:r>
-            <a:r>
               <a:rPr lang="en-US" sz="3200" b="1" dirty="0" err="1">
                 <a:solidFill>
                   <a:schemeClr val="bg1"/>
@@ -16871,14 +17184,6 @@
               <a:t>LightFM</a:t>
             </a:r>
             <a:r>
-              <a:rPr lang="en-US" sz="3200" b="1" dirty="0">
-                <a:solidFill>
-                  <a:schemeClr val="bg1"/>
-                </a:solidFill>
-              </a:rPr>
-              <a:t>:</a:t>
-            </a:r>
-            <a:r>
               <a:rPr lang="en-US" sz="2800" b="1" dirty="0">
                 <a:solidFill>
                   <a:schemeClr val="bg1"/>
@@ -16896,10 +17201,10 @@
       </p:sp>
       <p:sp>
         <p:nvSpPr>
-          <p:cNvPr id="3" name="TextBox 2">
+          <p:cNvPr id="5" name="TextBox 4">
             <a:extLst>
               <a:ext uri="{FF2B5EF4-FFF2-40B4-BE49-F238E27FC236}">
-                <a16:creationId xmlns:a16="http://schemas.microsoft.com/office/drawing/2014/main" id="{8881192E-822B-6516-7DAA-BD41B953AFFC}"/>
+                <a16:creationId xmlns:a16="http://schemas.microsoft.com/office/drawing/2014/main" id="{0EA44A33-796B-71BF-87DC-BBE918C42794}"/>
               </a:ext>
             </a:extLst>
           </p:cNvPr>
@@ -16908,8 +17213,8 @@
         </p:nvSpPr>
         <p:spPr>
           <a:xfrm>
-            <a:off x="1917291" y="1559542"/>
-            <a:ext cx="7413522" cy="4401205"/>
+            <a:off x="1877961" y="1573163"/>
+            <a:ext cx="7944465" cy="2862322"/>
           </a:xfrm>
           <a:prstGeom prst="rect">
             <a:avLst/>
@@ -16923,43 +17228,306 @@
           <a:lstStyle/>
           <a:p>
             <a:r>
-              <a:rPr lang="en-ZA" sz="2000" b="1" dirty="0">
+              <a:rPr lang="en-US" b="0" i="0" dirty="0" err="1">
+                <a:solidFill>
+                  <a:schemeClr val="bg1"/>
+                </a:solidFill>
+                <a:effectLst/>
+                <a:latin typeface="Lato" panose="020F0502020204030204" pitchFamily="34" charset="0"/>
+              </a:rPr>
+              <a:t>LightFM</a:t>
+            </a:r>
+            <a:r>
+              <a:rPr lang="en-US" b="0" i="0" dirty="0">
+                <a:solidFill>
+                  <a:schemeClr val="bg1"/>
+                </a:solidFill>
+                <a:effectLst/>
+                <a:latin typeface="Lato" panose="020F0502020204030204" pitchFamily="34" charset="0"/>
+              </a:rPr>
+              <a:t> is a Python implementation of a number of popular recommendation algorithms for both implicit and explicit feedback.</a:t>
+            </a:r>
+          </a:p>
+          <a:p>
+            <a:r>
+              <a:rPr lang="en-US" b="0" i="0" dirty="0">
+                <a:solidFill>
+                  <a:schemeClr val="bg1"/>
+                </a:solidFill>
+                <a:effectLst/>
+                <a:latin typeface="Lato" panose="020F0502020204030204" pitchFamily="34" charset="0"/>
+              </a:rPr>
+              <a:t>It also makes it possible to incorporate both item and user metadata into the traditional matrix factorization algorithms. It represents each user and item as the sum of the latent representations of their features, thus allowing recommendations to </a:t>
+            </a:r>
+            <a:r>
+              <a:rPr lang="en-US" b="0" i="0" dirty="0" err="1">
+                <a:solidFill>
+                  <a:schemeClr val="bg1"/>
+                </a:solidFill>
+                <a:effectLst/>
+                <a:latin typeface="Lato" panose="020F0502020204030204" pitchFamily="34" charset="0"/>
+              </a:rPr>
+              <a:t>generalise</a:t>
+            </a:r>
+            <a:r>
+              <a:rPr lang="en-US" b="0" i="0" dirty="0">
+                <a:solidFill>
+                  <a:schemeClr val="bg1"/>
+                </a:solidFill>
+                <a:effectLst/>
+                <a:latin typeface="Lato" panose="020F0502020204030204" pitchFamily="34" charset="0"/>
+              </a:rPr>
+              <a:t> to new items (via item features) and to new users (via user features)</a:t>
+            </a:r>
+          </a:p>
+          <a:p>
+            <a:endParaRPr lang="en-US" u="sng" dirty="0">
+              <a:solidFill>
+                <a:schemeClr val="bg1"/>
+              </a:solidFill>
+              <a:latin typeface="Lato" panose="020F0502020204030204" pitchFamily="34" charset="0"/>
+            </a:endParaRPr>
+          </a:p>
+          <a:p>
+            <a:r>
+              <a:rPr lang="en-ZA" dirty="0">
                 <a:solidFill>
                   <a:schemeClr val="bg1"/>
                 </a:solidFill>
               </a:rPr>
-              <a:t>From </a:t>
-            </a:r>
-            <a:r>
-              <a:rPr lang="en-ZA" sz="2000" b="1" dirty="0" err="1">
+              <a:t>			-  </a:t>
+            </a:r>
+            <a:r>
+              <a:rPr lang="en-ZA" dirty="0">
+                <a:solidFill>
+                  <a:schemeClr val="bg1"/>
+                </a:solidFill>
+                <a:hlinkClick r:id="rId4"/>
+              </a:rPr>
+              <a:t>https://making.lyst.com/lightfm/docs/home.html</a:t>
+            </a:r>
+            <a:endParaRPr lang="en-ZA" dirty="0">
+              <a:solidFill>
+                <a:schemeClr val="bg1"/>
+              </a:solidFill>
+            </a:endParaRPr>
+          </a:p>
+          <a:p>
+            <a:endParaRPr lang="en-US" b="0" i="0" dirty="0">
+              <a:solidFill>
+                <a:schemeClr val="bg1"/>
+              </a:solidFill>
+              <a:effectLst/>
+              <a:latin typeface="Lato" panose="020F0502020204030204" pitchFamily="34" charset="0"/>
+            </a:endParaRPr>
+          </a:p>
+        </p:txBody>
+      </p:sp>
+      <p:sp>
+        <p:nvSpPr>
+          <p:cNvPr id="7" name="TextBox 6">
+            <a:extLst>
+              <a:ext uri="{FF2B5EF4-FFF2-40B4-BE49-F238E27FC236}">
+                <a16:creationId xmlns:a16="http://schemas.microsoft.com/office/drawing/2014/main" id="{E19F5259-0999-C573-04B4-FA4BA43DCA64}"/>
+              </a:ext>
+            </a:extLst>
+          </p:cNvPr>
+          <p:cNvSpPr txBox="1"/>
+          <p:nvPr/>
+        </p:nvSpPr>
+        <p:spPr>
+          <a:xfrm>
+            <a:off x="1877960" y="5314205"/>
+            <a:ext cx="6096000" cy="615553"/>
+          </a:xfrm>
+          <a:prstGeom prst="rect">
+            <a:avLst/>
+          </a:prstGeom>
+          <a:noFill/>
+        </p:spPr>
+        <p:txBody>
+          <a:bodyPr wrap="square">
+            <a:spAutoFit/>
+          </a:bodyPr>
+          <a:lstStyle/>
+          <a:p>
+            <a:r>
+              <a:rPr lang="en-ZA" dirty="0">
+                <a:solidFill>
+                  <a:schemeClr val="bg1"/>
+                </a:solidFill>
+                <a:hlinkClick r:id="rId5"/>
+              </a:rPr>
+              <a:t>https://doi.org/10.48550/arXiv.1507.08439</a:t>
+            </a:r>
+            <a:endParaRPr lang="en-ZA" dirty="0">
+              <a:solidFill>
+                <a:schemeClr val="bg1"/>
+              </a:solidFill>
+            </a:endParaRPr>
+          </a:p>
+          <a:p>
+            <a:r>
+              <a:rPr lang="en-ZA" sz="1600" dirty="0">
                 <a:solidFill>
                   <a:schemeClr val="bg1"/>
                 </a:solidFill>
               </a:rPr>
-              <a:t>LightFM’s</a:t>
-            </a:r>
-            <a:r>
-              <a:rPr lang="en-ZA" sz="2000" b="1" dirty="0">
+              <a:t>Maciej Kula</a:t>
+            </a:r>
+          </a:p>
+        </p:txBody>
+      </p:sp>
+      <p:sp>
+        <p:nvSpPr>
+          <p:cNvPr id="8" name="TextBox 7">
+            <a:extLst>
+              <a:ext uri="{FF2B5EF4-FFF2-40B4-BE49-F238E27FC236}">
+                <a16:creationId xmlns:a16="http://schemas.microsoft.com/office/drawing/2014/main" id="{FB24D7E0-AE33-C1FD-A43F-E9EEB6559DF1}"/>
+              </a:ext>
+            </a:extLst>
+          </p:cNvPr>
+          <p:cNvSpPr txBox="1"/>
+          <p:nvPr/>
+        </p:nvSpPr>
+        <p:spPr>
+          <a:xfrm>
+            <a:off x="1637071" y="1356955"/>
+            <a:ext cx="776747" cy="584775"/>
+          </a:xfrm>
+          <a:prstGeom prst="rect">
+            <a:avLst/>
+          </a:prstGeom>
+          <a:noFill/>
+        </p:spPr>
+        <p:txBody>
+          <a:bodyPr wrap="square" rtlCol="0">
+            <a:spAutoFit/>
+          </a:bodyPr>
+          <a:lstStyle/>
+          <a:p>
+            <a:r>
+              <a:rPr lang="en-ZA" sz="3200" dirty="0">
                 <a:solidFill>
                   <a:schemeClr val="bg1"/>
                 </a:solidFill>
               </a:rPr>
-              <a:t> paper:</a:t>
-            </a:r>
-          </a:p>
-          <a:p>
-            <a:endParaRPr lang="en-ZA" sz="2000" b="1" dirty="0">
-              <a:solidFill>
-                <a:schemeClr val="bg1"/>
-              </a:solidFill>
-            </a:endParaRPr>
-          </a:p>
-          <a:p>
-            <a:pPr marL="800100" lvl="1" indent="-342900">
-              <a:buAutoNum type="arabicPeriod"/>
-            </a:pPr>
-            <a:r>
-              <a:rPr lang="en-ZA" sz="2000" dirty="0" err="1">
+              <a:t>“</a:t>
+            </a:r>
+          </a:p>
+        </p:txBody>
+      </p:sp>
+      <p:sp>
+        <p:nvSpPr>
+          <p:cNvPr id="9" name="TextBox 8">
+            <a:extLst>
+              <a:ext uri="{FF2B5EF4-FFF2-40B4-BE49-F238E27FC236}">
+                <a16:creationId xmlns:a16="http://schemas.microsoft.com/office/drawing/2014/main" id="{F8C5A3D5-4A94-A265-1DA8-DE88BEEF2378}"/>
+              </a:ext>
+            </a:extLst>
+          </p:cNvPr>
+          <p:cNvSpPr txBox="1"/>
+          <p:nvPr/>
+        </p:nvSpPr>
+        <p:spPr>
+          <a:xfrm>
+            <a:off x="4336026" y="3125287"/>
+            <a:ext cx="776747" cy="584775"/>
+          </a:xfrm>
+          <a:prstGeom prst="rect">
+            <a:avLst/>
+          </a:prstGeom>
+          <a:noFill/>
+        </p:spPr>
+        <p:txBody>
+          <a:bodyPr wrap="square" rtlCol="0">
+            <a:spAutoFit/>
+          </a:bodyPr>
+          <a:lstStyle/>
+          <a:p>
+            <a:r>
+              <a:rPr lang="en-ZA" sz="3200" dirty="0">
+                <a:solidFill>
+                  <a:schemeClr val="bg1"/>
+                </a:solidFill>
+              </a:rPr>
+              <a:t> ”</a:t>
+            </a:r>
+          </a:p>
+        </p:txBody>
+      </p:sp>
+      <p:sp>
+        <p:nvSpPr>
+          <p:cNvPr id="11" name="TextBox 10">
+            <a:extLst>
+              <a:ext uri="{FF2B5EF4-FFF2-40B4-BE49-F238E27FC236}">
+                <a16:creationId xmlns:a16="http://schemas.microsoft.com/office/drawing/2014/main" id="{6FEE2D34-4BA7-8F51-6477-BB50A68C713C}"/>
+              </a:ext>
+            </a:extLst>
+          </p:cNvPr>
+          <p:cNvSpPr txBox="1"/>
+          <p:nvPr/>
+        </p:nvSpPr>
+        <p:spPr>
+          <a:xfrm>
+            <a:off x="1877960" y="4918706"/>
+            <a:ext cx="7708491" cy="338554"/>
+          </a:xfrm>
+          <a:prstGeom prst="rect">
+            <a:avLst/>
+          </a:prstGeom>
+          <a:noFill/>
+        </p:spPr>
+        <p:txBody>
+          <a:bodyPr wrap="square">
+            <a:spAutoFit/>
+          </a:bodyPr>
+          <a:lstStyle/>
+          <a:p>
+            <a:pPr algn="l"/>
+            <a:r>
+              <a:rPr lang="en-US" sz="1600" i="1" dirty="0">
+                <a:solidFill>
+                  <a:schemeClr val="bg1"/>
+                </a:solidFill>
+                <a:effectLst/>
+                <a:latin typeface="Lucida Grande"/>
+              </a:rPr>
+              <a:t>Metadata Embeddings for User and Item Cold-start Recommendations</a:t>
+            </a:r>
+          </a:p>
+        </p:txBody>
+      </p:sp>
+      <p:sp>
+        <p:nvSpPr>
+          <p:cNvPr id="13" name="TextBox 12">
+            <a:extLst>
+              <a:ext uri="{FF2B5EF4-FFF2-40B4-BE49-F238E27FC236}">
+                <a16:creationId xmlns:a16="http://schemas.microsoft.com/office/drawing/2014/main" id="{1043CEA5-DE7D-9F23-BDA6-B8A64488C3D2}"/>
+              </a:ext>
+            </a:extLst>
+          </p:cNvPr>
+          <p:cNvSpPr txBox="1"/>
+          <p:nvPr/>
+        </p:nvSpPr>
+        <p:spPr>
+          <a:xfrm>
+            <a:off x="1288026" y="4492429"/>
+            <a:ext cx="6096000" cy="369332"/>
+          </a:xfrm>
+          <a:prstGeom prst="rect">
+            <a:avLst/>
+          </a:prstGeom>
+          <a:noFill/>
+        </p:spPr>
+        <p:txBody>
+          <a:bodyPr wrap="square">
+            <a:spAutoFit/>
+          </a:bodyPr>
+          <a:lstStyle/>
+          <a:p>
+            <a:r>
+              <a:rPr lang="en-US" sz="1800" b="1" dirty="0" err="1">
                 <a:solidFill>
                   <a:schemeClr val="bg1"/>
                 </a:solidFill>
@@ -16967,75 +17535,21 @@
               <a:t>LightFM</a:t>
             </a:r>
             <a:r>
-              <a:rPr lang="en-ZA" sz="2000" dirty="0">
+              <a:rPr lang="en-US" sz="1800" b="1" dirty="0">
                 <a:solidFill>
                   <a:schemeClr val="bg1"/>
                 </a:solidFill>
               </a:rPr>
-              <a:t> performs at least as well as a specialised model across a wide range of collaborative data sparsity scenarios. It outperforms existing content-based and hybrid models in cold-start scenarios where collaborative data is abundant or where user metadata is available.</a:t>
-            </a:r>
-          </a:p>
-          <a:p>
-            <a:pPr marL="800100" lvl="1" indent="-342900">
-              <a:buAutoNum type="arabicPeriod"/>
-            </a:pPr>
-            <a:r>
-              <a:rPr lang="en-ZA" sz="2000" dirty="0">
-                <a:solidFill>
-                  <a:schemeClr val="bg1"/>
-                </a:solidFill>
-              </a:rPr>
-              <a:t>It produces high-quality content feature embeddings that capture important semantic information about the problem domain, and can be used for related tasks such as tag recommendations.</a:t>
-            </a:r>
-          </a:p>
-          <a:p>
-            <a:pPr marL="800100" lvl="1" indent="-342900">
-              <a:buAutoNum type="arabicPeriod"/>
-            </a:pPr>
-            <a:endParaRPr lang="en-ZA" sz="2000" dirty="0">
-              <a:solidFill>
-                <a:schemeClr val="bg1"/>
-              </a:solidFill>
-            </a:endParaRPr>
-          </a:p>
-          <a:p>
-            <a:pPr lvl="1"/>
-            <a:r>
-              <a:rPr lang="en-US" sz="2000" dirty="0">
-                <a:solidFill>
-                  <a:schemeClr val="bg1"/>
-                </a:solidFill>
-              </a:rPr>
-              <a:t>Both properties make </a:t>
-            </a:r>
-            <a:r>
-              <a:rPr lang="en-US" sz="2000" dirty="0" err="1">
-                <a:solidFill>
-                  <a:schemeClr val="bg1"/>
-                </a:solidFill>
-              </a:rPr>
-              <a:t>LightFM</a:t>
-            </a:r>
-            <a:r>
-              <a:rPr lang="en-US" sz="2000" dirty="0">
-                <a:solidFill>
-                  <a:schemeClr val="bg1"/>
-                </a:solidFill>
-              </a:rPr>
-              <a:t> an attractive model, applicable both in cold- and warm-start settings.</a:t>
-            </a:r>
-            <a:endParaRPr lang="en-ZA" sz="2000" dirty="0">
-              <a:solidFill>
-                <a:schemeClr val="bg1"/>
-              </a:solidFill>
-            </a:endParaRPr>
+              <a:t> Paper:</a:t>
+            </a:r>
+            <a:endParaRPr lang="en-ZA" dirty="0"/>
           </a:p>
         </p:txBody>
       </p:sp>
     </p:spTree>
     <p:extLst>
       <p:ext uri="{BB962C8B-B14F-4D97-AF65-F5344CB8AC3E}">
-        <p14:creationId xmlns:p14="http://schemas.microsoft.com/office/powerpoint/2010/main" val="715635747"/>
+        <p14:creationId xmlns:p14="http://schemas.microsoft.com/office/powerpoint/2010/main" val="3768656342"/>
       </p:ext>
     </p:extLst>
   </p:cSld>
@@ -17316,6 +17830,266 @@
         </p:nvSpPr>
         <p:spPr>
           <a:xfrm>
+            <a:off x="1917291" y="1559542"/>
+            <a:ext cx="7413522" cy="4401205"/>
+          </a:xfrm>
+          <a:prstGeom prst="rect">
+            <a:avLst/>
+          </a:prstGeom>
+          <a:noFill/>
+        </p:spPr>
+        <p:txBody>
+          <a:bodyPr wrap="square">
+            <a:spAutoFit/>
+          </a:bodyPr>
+          <a:lstStyle/>
+          <a:p>
+            <a:r>
+              <a:rPr lang="en-ZA" sz="2000" b="1" dirty="0">
+                <a:solidFill>
+                  <a:schemeClr val="bg1"/>
+                </a:solidFill>
+              </a:rPr>
+              <a:t>From </a:t>
+            </a:r>
+            <a:r>
+              <a:rPr lang="en-ZA" sz="2000" b="1" dirty="0" err="1">
+                <a:solidFill>
+                  <a:schemeClr val="bg1"/>
+                </a:solidFill>
+              </a:rPr>
+              <a:t>LightFM’s</a:t>
+            </a:r>
+            <a:r>
+              <a:rPr lang="en-ZA" sz="2000" b="1" dirty="0">
+                <a:solidFill>
+                  <a:schemeClr val="bg1"/>
+                </a:solidFill>
+              </a:rPr>
+              <a:t> paper:</a:t>
+            </a:r>
+          </a:p>
+          <a:p>
+            <a:endParaRPr lang="en-ZA" sz="2000" b="1" dirty="0">
+              <a:solidFill>
+                <a:schemeClr val="bg1"/>
+              </a:solidFill>
+            </a:endParaRPr>
+          </a:p>
+          <a:p>
+            <a:pPr marL="800100" lvl="1" indent="-342900">
+              <a:buAutoNum type="arabicPeriod"/>
+            </a:pPr>
+            <a:r>
+              <a:rPr lang="en-ZA" sz="2000" dirty="0" err="1">
+                <a:solidFill>
+                  <a:schemeClr val="bg1"/>
+                </a:solidFill>
+              </a:rPr>
+              <a:t>LightFM</a:t>
+            </a:r>
+            <a:r>
+              <a:rPr lang="en-ZA" sz="2000" dirty="0">
+                <a:solidFill>
+                  <a:schemeClr val="bg1"/>
+                </a:solidFill>
+              </a:rPr>
+              <a:t> performs at least as well as a specialised model across a wide range of collaborative data sparsity scenarios. It outperforms existing content-based and hybrid models in cold-start scenarios where collaborative data is abundant or where user metadata is available.</a:t>
+            </a:r>
+          </a:p>
+          <a:p>
+            <a:pPr marL="800100" lvl="1" indent="-342900">
+              <a:buAutoNum type="arabicPeriod"/>
+            </a:pPr>
+            <a:r>
+              <a:rPr lang="en-ZA" sz="2000" dirty="0">
+                <a:solidFill>
+                  <a:schemeClr val="bg1"/>
+                </a:solidFill>
+              </a:rPr>
+              <a:t>It produces high-quality content feature embeddings that capture important semantic information about the problem domain, and can be used for related tasks such as tag recommendations.</a:t>
+            </a:r>
+          </a:p>
+          <a:p>
+            <a:pPr marL="800100" lvl="1" indent="-342900">
+              <a:buAutoNum type="arabicPeriod"/>
+            </a:pPr>
+            <a:endParaRPr lang="en-ZA" sz="2000" dirty="0">
+              <a:solidFill>
+                <a:schemeClr val="bg1"/>
+              </a:solidFill>
+            </a:endParaRPr>
+          </a:p>
+          <a:p>
+            <a:pPr lvl="1"/>
+            <a:r>
+              <a:rPr lang="en-US" sz="2000" dirty="0">
+                <a:solidFill>
+                  <a:schemeClr val="bg1"/>
+                </a:solidFill>
+              </a:rPr>
+              <a:t>Both properties make </a:t>
+            </a:r>
+            <a:r>
+              <a:rPr lang="en-US" sz="2000" dirty="0" err="1">
+                <a:solidFill>
+                  <a:schemeClr val="bg1"/>
+                </a:solidFill>
+              </a:rPr>
+              <a:t>LightFM</a:t>
+            </a:r>
+            <a:r>
+              <a:rPr lang="en-US" sz="2000" dirty="0">
+                <a:solidFill>
+                  <a:schemeClr val="bg1"/>
+                </a:solidFill>
+              </a:rPr>
+              <a:t> an attractive model, applicable both in cold- and warm-start settings.</a:t>
+            </a:r>
+            <a:endParaRPr lang="en-ZA" sz="2000" dirty="0">
+              <a:solidFill>
+                <a:schemeClr val="bg1"/>
+              </a:solidFill>
+            </a:endParaRPr>
+          </a:p>
+        </p:txBody>
+      </p:sp>
+    </p:spTree>
+    <p:extLst>
+      <p:ext uri="{BB962C8B-B14F-4D97-AF65-F5344CB8AC3E}">
+        <p14:creationId xmlns:p14="http://schemas.microsoft.com/office/powerpoint/2010/main" val="715635747"/>
+      </p:ext>
+    </p:extLst>
+  </p:cSld>
+  <p:clrMapOvr>
+    <a:masterClrMapping/>
+  </p:clrMapOvr>
+</p:sld>
+</file>
+
+<file path=ppt/slides/slide21.xml><?xml version="1.0" encoding="utf-8"?>
+<p:sld xmlns:a="http://schemas.openxmlformats.org/drawingml/2006/main" xmlns:r="http://schemas.openxmlformats.org/officeDocument/2006/relationships" xmlns:p="http://schemas.openxmlformats.org/presentationml/2006/main">
+  <p:cSld>
+    <p:bg>
+      <p:bgPr>
+        <a:blipFill dpi="0" rotWithShape="1">
+          <a:blip r:embed="rId2">
+            <a:extLst>
+              <a:ext uri="{BEBA8EAE-BF5A-486C-A8C5-ECC9F3942E4B}">
+                <a14:imgProps xmlns:a14="http://schemas.microsoft.com/office/drawing/2010/main">
+                  <a14:imgLayer r:embed="rId3">
+                    <a14:imgEffect>
+                      <a14:brightnessContrast bright="-20000"/>
+                    </a14:imgEffect>
+                  </a14:imgLayer>
+                </a14:imgProps>
+              </a:ext>
+            </a:extLst>
+          </a:blip>
+          <a:srcRect/>
+          <a:stretch>
+            <a:fillRect l="-9000" t="-39000" b="-11000"/>
+          </a:stretch>
+        </a:blipFill>
+        <a:effectLst/>
+      </p:bgPr>
+    </p:bg>
+    <p:spTree>
+      <p:nvGrpSpPr>
+        <p:cNvPr id="1" name=""/>
+        <p:cNvGrpSpPr/>
+        <p:nvPr/>
+      </p:nvGrpSpPr>
+      <p:grpSpPr>
+        <a:xfrm>
+          <a:off x="0" y="0"/>
+          <a:ext cx="0" cy="0"/>
+          <a:chOff x="0" y="0"/>
+          <a:chExt cx="0" cy="0"/>
+        </a:xfrm>
+      </p:grpSpPr>
+      <p:sp>
+        <p:nvSpPr>
+          <p:cNvPr id="4" name="TextBox 3">
+            <a:extLst>
+              <a:ext uri="{FF2B5EF4-FFF2-40B4-BE49-F238E27FC236}">
+                <a16:creationId xmlns:a16="http://schemas.microsoft.com/office/drawing/2014/main" id="{B216AF57-F29C-D05C-D5C9-C32762A12133}"/>
+              </a:ext>
+            </a:extLst>
+          </p:cNvPr>
+          <p:cNvSpPr txBox="1"/>
+          <p:nvPr/>
+        </p:nvSpPr>
+        <p:spPr>
+          <a:xfrm>
+            <a:off x="835743" y="526372"/>
+            <a:ext cx="5663381" cy="584775"/>
+          </a:xfrm>
+          <a:prstGeom prst="rect">
+            <a:avLst/>
+          </a:prstGeom>
+          <a:noFill/>
+        </p:spPr>
+        <p:txBody>
+          <a:bodyPr wrap="square" rtlCol="0">
+            <a:spAutoFit/>
+          </a:bodyPr>
+          <a:lstStyle/>
+          <a:p>
+            <a:r>
+              <a:rPr lang="en-US" sz="3200" b="1" dirty="0">
+                <a:solidFill>
+                  <a:schemeClr val="bg1"/>
+                </a:solidFill>
+              </a:rPr>
+              <a:t>Why we chose </a:t>
+            </a:r>
+            <a:r>
+              <a:rPr lang="en-US" sz="3200" b="1" dirty="0" err="1">
+                <a:solidFill>
+                  <a:schemeClr val="bg1"/>
+                </a:solidFill>
+              </a:rPr>
+              <a:t>LightFM</a:t>
+            </a:r>
+            <a:r>
+              <a:rPr lang="en-US" sz="3200" b="1" dirty="0">
+                <a:solidFill>
+                  <a:schemeClr val="bg1"/>
+                </a:solidFill>
+              </a:rPr>
+              <a:t>:</a:t>
+            </a:r>
+            <a:r>
+              <a:rPr lang="en-US" sz="2800" b="1" dirty="0">
+                <a:solidFill>
+                  <a:schemeClr val="bg1"/>
+                </a:solidFill>
+              </a:rPr>
+              <a:t> </a:t>
+            </a:r>
+            <a:endParaRPr lang="en-ZA" sz="2800" b="1" dirty="0">
+              <a:solidFill>
+                <a:schemeClr val="bg1"/>
+              </a:solidFill>
+            </a:endParaRPr>
+          </a:p>
+        </p:txBody>
+      </p:sp>
+      <p:sp>
+        <p:nvSpPr>
+          <p:cNvPr id="3" name="TextBox 2">
+            <a:extLst>
+              <a:ext uri="{FF2B5EF4-FFF2-40B4-BE49-F238E27FC236}">
+                <a16:creationId xmlns:a16="http://schemas.microsoft.com/office/drawing/2014/main" id="{8881192E-822B-6516-7DAA-BD41B953AFFC}"/>
+              </a:ext>
+            </a:extLst>
+          </p:cNvPr>
+          <p:cNvSpPr txBox="1"/>
+          <p:nvPr/>
+        </p:nvSpPr>
+        <p:spPr>
+          <a:xfrm>
             <a:off x="1976283" y="1705451"/>
             <a:ext cx="8239433" cy="3754874"/>
           </a:xfrm>
@@ -17469,7 +18243,7 @@
 </p:sld>
 </file>
 
-<file path=ppt/slides/slide21.xml><?xml version="1.0" encoding="utf-8"?>
+<file path=ppt/slides/slide22.xml><?xml version="1.0" encoding="utf-8"?>
 <p:sld xmlns:a="http://schemas.openxmlformats.org/drawingml/2006/main" xmlns:r="http://schemas.openxmlformats.org/officeDocument/2006/relationships" xmlns:p="http://schemas.openxmlformats.org/presentationml/2006/main">
   <p:cSld>
     <p:bg>
@@ -17766,7 +18540,7 @@
 </p:sld>
 </file>
 
-<file path=ppt/slides/slide22.xml><?xml version="1.0" encoding="utf-8"?>
+<file path=ppt/slides/slide23.xml><?xml version="1.0" encoding="utf-8"?>
 <p:sld xmlns:a="http://schemas.openxmlformats.org/drawingml/2006/main" xmlns:r="http://schemas.openxmlformats.org/officeDocument/2006/relationships" xmlns:p="http://schemas.openxmlformats.org/presentationml/2006/main">
   <p:cSld>
     <p:bg>
@@ -18007,7 +18781,7 @@
 </p:sld>
 </file>
 
-<file path=ppt/slides/slide23.xml><?xml version="1.0" encoding="utf-8"?>
+<file path=ppt/slides/slide24.xml><?xml version="1.0" encoding="utf-8"?>
 <p:sld xmlns:a="http://schemas.openxmlformats.org/drawingml/2006/main" xmlns:r="http://schemas.openxmlformats.org/officeDocument/2006/relationships" xmlns:p="http://schemas.openxmlformats.org/presentationml/2006/main">
   <p:cSld>
     <p:bg>
@@ -22734,7 +23508,7 @@
 </p:sld>
 </file>
 
-<file path=ppt/slides/slide24.xml><?xml version="1.0" encoding="utf-8"?>
+<file path=ppt/slides/slide25.xml><?xml version="1.0" encoding="utf-8"?>
 <p:sld xmlns:a="http://schemas.openxmlformats.org/drawingml/2006/main" xmlns:r="http://schemas.openxmlformats.org/officeDocument/2006/relationships" xmlns:p="http://schemas.openxmlformats.org/presentationml/2006/main">
   <p:cSld>
     <p:bg>
@@ -23031,7 +23805,7 @@
 </p:sld>
 </file>
 
-<file path=ppt/slides/slide25.xml><?xml version="1.0" encoding="utf-8"?>
+<file path=ppt/slides/slide26.xml><?xml version="1.0" encoding="utf-8"?>
 <p:sld xmlns:a="http://schemas.openxmlformats.org/drawingml/2006/main" xmlns:r="http://schemas.openxmlformats.org/officeDocument/2006/relationships" xmlns:p="http://schemas.openxmlformats.org/presentationml/2006/main">
   <p:cSld>
     <p:bg>
@@ -23507,531 +24281,6 @@
 </p:sld>
 </file>
 
-<file path=ppt/slides/slide26.xml><?xml version="1.0" encoding="utf-8"?>
-<p:sld xmlns:a="http://schemas.openxmlformats.org/drawingml/2006/main" xmlns:r="http://schemas.openxmlformats.org/officeDocument/2006/relationships" xmlns:p="http://schemas.openxmlformats.org/presentationml/2006/main">
-  <p:cSld>
-    <p:bg>
-      <p:bgPr>
-        <a:blipFill dpi="0" rotWithShape="1">
-          <a:blip r:embed="rId2">
-            <a:extLst>
-              <a:ext uri="{BEBA8EAE-BF5A-486C-A8C5-ECC9F3942E4B}">
-                <a14:imgProps xmlns:a14="http://schemas.microsoft.com/office/drawing/2010/main">
-                  <a14:imgLayer r:embed="rId3">
-                    <a14:imgEffect>
-                      <a14:brightnessContrast bright="-20000"/>
-                    </a14:imgEffect>
-                  </a14:imgLayer>
-                </a14:imgProps>
-              </a:ext>
-            </a:extLst>
-          </a:blip>
-          <a:srcRect/>
-          <a:stretch>
-            <a:fillRect l="-9000" t="-39000" b="-11000"/>
-          </a:stretch>
-        </a:blipFill>
-        <a:effectLst/>
-      </p:bgPr>
-    </p:bg>
-    <p:spTree>
-      <p:nvGrpSpPr>
-        <p:cNvPr id="1" name=""/>
-        <p:cNvGrpSpPr/>
-        <p:nvPr/>
-      </p:nvGrpSpPr>
-      <p:grpSpPr>
-        <a:xfrm>
-          <a:off x="0" y="0"/>
-          <a:ext cx="0" cy="0"/>
-          <a:chOff x="0" y="0"/>
-          <a:chExt cx="0" cy="0"/>
-        </a:xfrm>
-      </p:grpSpPr>
-      <p:sp>
-        <p:nvSpPr>
-          <p:cNvPr id="8" name="TextBox 7">
-            <a:extLst>
-              <a:ext uri="{FF2B5EF4-FFF2-40B4-BE49-F238E27FC236}">
-                <a16:creationId xmlns:a16="http://schemas.microsoft.com/office/drawing/2014/main" id="{C0882B99-1574-09ED-8ED5-42D1D668A3BD}"/>
-              </a:ext>
-            </a:extLst>
-          </p:cNvPr>
-          <p:cNvSpPr txBox="1"/>
-          <p:nvPr/>
-        </p:nvSpPr>
-        <p:spPr>
-          <a:xfrm>
-            <a:off x="275303" y="211620"/>
-            <a:ext cx="6096000" cy="461665"/>
-          </a:xfrm>
-          <a:prstGeom prst="rect">
-            <a:avLst/>
-          </a:prstGeom>
-          <a:noFill/>
-        </p:spPr>
-        <p:txBody>
-          <a:bodyPr wrap="square">
-            <a:spAutoFit/>
-          </a:bodyPr>
-          <a:lstStyle/>
-          <a:p>
-            <a:pPr marR="0" lvl="0" algn="l" defTabSz="914400" rtl="0" eaLnBrk="1" fontAlgn="auto" latinLnBrk="0" hangingPunct="1">
-              <a:lnSpc>
-                <a:spcPct val="100000"/>
-              </a:lnSpc>
-              <a:spcBef>
-                <a:spcPts val="0"/>
-              </a:spcBef>
-              <a:spcAft>
-                <a:spcPts val="0"/>
-              </a:spcAft>
-              <a:buClrTx/>
-              <a:buSzTx/>
-              <a:tabLst/>
-              <a:defRPr/>
-            </a:pPr>
-            <a:r>
-              <a:rPr kumimoji="0" lang="en-ZA" sz="2400" b="1" i="0" u="none" strike="noStrike" kern="1200" cap="none" spc="0" normalizeH="0" baseline="0" noProof="0" dirty="0">
-                <a:ln>
-                  <a:noFill/>
-                </a:ln>
-                <a:solidFill>
-                  <a:prstClr val="white"/>
-                </a:solidFill>
-                <a:effectLst/>
-                <a:uLnTx/>
-                <a:uFillTx/>
-                <a:latin typeface="Aptos" panose="02110004020202020204"/>
-                <a:ea typeface="+mn-ea"/>
-                <a:cs typeface="+mn-cs"/>
-              </a:rPr>
-              <a:t>2. User Features</a:t>
-            </a:r>
-          </a:p>
-        </p:txBody>
-      </p:sp>
-      <p:sp>
-        <p:nvSpPr>
-          <p:cNvPr id="2" name="TextBox 1">
-            <a:extLst>
-              <a:ext uri="{FF2B5EF4-FFF2-40B4-BE49-F238E27FC236}">
-                <a16:creationId xmlns:a16="http://schemas.microsoft.com/office/drawing/2014/main" id="{36536420-2259-FDCB-A3D7-C1AD14ED1FC9}"/>
-              </a:ext>
-            </a:extLst>
-          </p:cNvPr>
-          <p:cNvSpPr txBox="1"/>
-          <p:nvPr/>
-        </p:nvSpPr>
-        <p:spPr>
-          <a:xfrm>
-            <a:off x="688257" y="807287"/>
-            <a:ext cx="9429135" cy="4247317"/>
-          </a:xfrm>
-          <a:prstGeom prst="rect">
-            <a:avLst/>
-          </a:prstGeom>
-          <a:noFill/>
-        </p:spPr>
-        <p:txBody>
-          <a:bodyPr wrap="square">
-            <a:spAutoFit/>
-          </a:bodyPr>
-          <a:lstStyle/>
-          <a:p>
-            <a:pPr marL="285750" indent="-285750">
-              <a:buFont typeface="Arial" panose="020B0604020202020204" pitchFamily="34" charset="0"/>
-              <a:buChar char="•"/>
-            </a:pPr>
-            <a:r>
-              <a:rPr lang="en-ZA" dirty="0">
-                <a:solidFill>
-                  <a:schemeClr val="bg1"/>
-                </a:solidFill>
-              </a:rPr>
-              <a:t>Income Segment:</a:t>
-            </a:r>
-          </a:p>
-          <a:p>
-            <a:pPr marL="285750" indent="-285750">
-              <a:buFont typeface="Arial" panose="020B0604020202020204" pitchFamily="34" charset="0"/>
-              <a:buChar char="•"/>
-            </a:pPr>
-            <a:endParaRPr lang="en-ZA" dirty="0">
-              <a:solidFill>
-                <a:schemeClr val="bg1"/>
-              </a:solidFill>
-            </a:endParaRPr>
-          </a:p>
-          <a:p>
-            <a:pPr marL="285750" indent="-285750">
-              <a:buFont typeface="Arial" panose="020B0604020202020204" pitchFamily="34" charset="0"/>
-              <a:buChar char="•"/>
-            </a:pPr>
-            <a:endParaRPr lang="en-ZA" dirty="0">
-              <a:solidFill>
-                <a:schemeClr val="bg1"/>
-              </a:solidFill>
-            </a:endParaRPr>
-          </a:p>
-          <a:p>
-            <a:pPr marL="285750" indent="-285750">
-              <a:buFont typeface="Arial" panose="020B0604020202020204" pitchFamily="34" charset="0"/>
-              <a:buChar char="•"/>
-            </a:pPr>
-            <a:endParaRPr lang="en-ZA" dirty="0">
-              <a:solidFill>
-                <a:schemeClr val="bg1"/>
-              </a:solidFill>
-            </a:endParaRPr>
-          </a:p>
-          <a:p>
-            <a:pPr marL="285750" indent="-285750">
-              <a:buFont typeface="Arial" panose="020B0604020202020204" pitchFamily="34" charset="0"/>
-              <a:buChar char="•"/>
-            </a:pPr>
-            <a:endParaRPr lang="en-ZA" dirty="0">
-              <a:solidFill>
-                <a:schemeClr val="bg1"/>
-              </a:solidFill>
-            </a:endParaRPr>
-          </a:p>
-          <a:p>
-            <a:pPr marL="285750" indent="-285750">
-              <a:buFont typeface="Arial" panose="020B0604020202020204" pitchFamily="34" charset="0"/>
-              <a:buChar char="•"/>
-            </a:pPr>
-            <a:r>
-              <a:rPr lang="en-ZA" dirty="0">
-                <a:solidFill>
-                  <a:schemeClr val="bg1"/>
-                </a:solidFill>
-              </a:rPr>
-              <a:t>Behavioural segment</a:t>
-            </a:r>
-          </a:p>
-          <a:p>
-            <a:pPr marL="285750" indent="-285750">
-              <a:buFont typeface="Arial" panose="020B0604020202020204" pitchFamily="34" charset="0"/>
-              <a:buChar char="•"/>
-            </a:pPr>
-            <a:r>
-              <a:rPr lang="en-ZA" dirty="0">
-                <a:solidFill>
-                  <a:schemeClr val="bg1"/>
-                </a:solidFill>
-              </a:rPr>
-              <a:t>Activity index</a:t>
-            </a:r>
-          </a:p>
-          <a:p>
-            <a:pPr marL="285750" indent="-285750">
-              <a:buFont typeface="Arial" panose="020B0604020202020204" pitchFamily="34" charset="0"/>
-              <a:buChar char="•"/>
-            </a:pPr>
-            <a:r>
-              <a:rPr lang="en-ZA" dirty="0">
-                <a:solidFill>
-                  <a:schemeClr val="bg1"/>
-                </a:solidFill>
-              </a:rPr>
-              <a:t>Time of day </a:t>
-            </a:r>
-          </a:p>
-          <a:p>
-            <a:pPr marL="285750" indent="-285750">
-              <a:buFont typeface="Arial" panose="020B0604020202020204" pitchFamily="34" charset="0"/>
-              <a:buChar char="•"/>
-            </a:pPr>
-            <a:r>
-              <a:rPr lang="en-ZA" dirty="0">
-                <a:solidFill>
-                  <a:schemeClr val="bg1"/>
-                </a:solidFill>
-              </a:rPr>
-              <a:t>Most interacted item type</a:t>
-            </a:r>
-          </a:p>
-          <a:p>
-            <a:pPr marL="285750" indent="-285750">
-              <a:buFont typeface="Arial" panose="020B0604020202020204" pitchFamily="34" charset="0"/>
-              <a:buChar char="•"/>
-            </a:pPr>
-            <a:r>
-              <a:rPr lang="en-ZA" dirty="0">
-                <a:solidFill>
-                  <a:schemeClr val="bg1"/>
-                </a:solidFill>
-              </a:rPr>
-              <a:t>Most interacted item</a:t>
-            </a:r>
-          </a:p>
-          <a:p>
-            <a:pPr marL="285750" indent="-285750">
-              <a:buFont typeface="Arial" panose="020B0604020202020204" pitchFamily="34" charset="0"/>
-              <a:buChar char="•"/>
-            </a:pPr>
-            <a:r>
-              <a:rPr lang="en-ZA" dirty="0">
-                <a:solidFill>
-                  <a:schemeClr val="bg1"/>
-                </a:solidFill>
-              </a:rPr>
-              <a:t>Activity score bin</a:t>
-            </a:r>
-          </a:p>
-          <a:p>
-            <a:pPr marL="285750" indent="-285750">
-              <a:buFont typeface="Arial" panose="020B0604020202020204" pitchFamily="34" charset="0"/>
-              <a:buChar char="•"/>
-            </a:pPr>
-            <a:r>
-              <a:rPr lang="en-ZA" dirty="0">
-                <a:solidFill>
-                  <a:schemeClr val="bg1"/>
-                </a:solidFill>
-              </a:rPr>
-              <a:t>Activity rate bin</a:t>
-            </a:r>
-          </a:p>
-          <a:p>
-            <a:pPr marL="285750" indent="-285750">
-              <a:buFont typeface="Arial" panose="020B0604020202020204" pitchFamily="34" charset="0"/>
-              <a:buChar char="•"/>
-            </a:pPr>
-            <a:r>
-              <a:rPr lang="en-ZA" dirty="0">
-                <a:solidFill>
-                  <a:schemeClr val="bg1"/>
-                </a:solidFill>
-              </a:rPr>
-              <a:t>Amount of interactions</a:t>
-            </a:r>
-          </a:p>
-          <a:p>
-            <a:pPr marL="285750" indent="-285750">
-              <a:buFont typeface="Arial" panose="020B0604020202020204" pitchFamily="34" charset="0"/>
-              <a:buChar char="•"/>
-            </a:pPr>
-            <a:r>
-              <a:rPr lang="en-ZA" dirty="0">
-                <a:solidFill>
-                  <a:schemeClr val="bg1"/>
-                </a:solidFill>
-              </a:rPr>
-              <a:t>Most frequent day of week interacted</a:t>
-            </a:r>
-          </a:p>
-          <a:p>
-            <a:pPr marL="285750" indent="-285750">
-              <a:buFont typeface="Arial" panose="020B0604020202020204" pitchFamily="34" charset="0"/>
-              <a:buChar char="•"/>
-            </a:pPr>
-            <a:endParaRPr lang="en-ZA" dirty="0"/>
-          </a:p>
-        </p:txBody>
-      </p:sp>
-      <p:graphicFrame>
-        <p:nvGraphicFramePr>
-          <p:cNvPr id="3" name="Table 2">
-            <a:extLst>
-              <a:ext uri="{FF2B5EF4-FFF2-40B4-BE49-F238E27FC236}">
-                <a16:creationId xmlns:a16="http://schemas.microsoft.com/office/drawing/2014/main" id="{76ADA40C-7CB6-AA4E-B662-08350974E915}"/>
-              </a:ext>
-            </a:extLst>
-          </p:cNvPr>
-          <p:cNvGraphicFramePr>
-            <a:graphicFrameLocks noGrp="1"/>
-          </p:cNvGraphicFramePr>
-          <p:nvPr/>
-        </p:nvGraphicFramePr>
-        <p:xfrm>
-          <a:off x="1074994" y="1267913"/>
-          <a:ext cx="4693264" cy="741680"/>
-        </p:xfrm>
-        <a:graphic>
-          <a:graphicData uri="http://schemas.openxmlformats.org/drawingml/2006/table">
-            <a:tbl>
-              <a:tblPr firstRow="1" bandRow="1">
-                <a:tableStyleId>{EB9631B5-78F2-41C9-869B-9F39066F8104}</a:tableStyleId>
-              </a:tblPr>
-              <a:tblGrid>
-                <a:gridCol w="1173316">
-                  <a:extLst>
-                    <a:ext uri="{9D8B030D-6E8A-4147-A177-3AD203B41FA5}">
-                      <a16:colId xmlns:a16="http://schemas.microsoft.com/office/drawing/2014/main" val="3400634612"/>
-                    </a:ext>
-                  </a:extLst>
-                </a:gridCol>
-                <a:gridCol w="1173316">
-                  <a:extLst>
-                    <a:ext uri="{9D8B030D-6E8A-4147-A177-3AD203B41FA5}">
-                      <a16:colId xmlns:a16="http://schemas.microsoft.com/office/drawing/2014/main" val="701412954"/>
-                    </a:ext>
-                  </a:extLst>
-                </a:gridCol>
-                <a:gridCol w="1173316">
-                  <a:extLst>
-                    <a:ext uri="{9D8B030D-6E8A-4147-A177-3AD203B41FA5}">
-                      <a16:colId xmlns:a16="http://schemas.microsoft.com/office/drawing/2014/main" val="224371639"/>
-                    </a:ext>
-                  </a:extLst>
-                </a:gridCol>
-                <a:gridCol w="1173316">
-                  <a:extLst>
-                    <a:ext uri="{9D8B030D-6E8A-4147-A177-3AD203B41FA5}">
-                      <a16:colId xmlns:a16="http://schemas.microsoft.com/office/drawing/2014/main" val="3317639608"/>
-                    </a:ext>
-                  </a:extLst>
-                </a:gridCol>
-              </a:tblGrid>
-              <a:tr h="370840">
-                <a:tc>
-                  <a:txBody>
-                    <a:bodyPr/>
-                    <a:lstStyle/>
-                    <a:p>
-                      <a:r>
-                        <a:rPr lang="en-ZA" sz="1600" dirty="0"/>
-                        <a:t>Segment 1</a:t>
-                      </a:r>
-                    </a:p>
-                  </a:txBody>
-                  <a:tcPr/>
-                </a:tc>
-                <a:tc>
-                  <a:txBody>
-                    <a:bodyPr/>
-                    <a:lstStyle/>
-                    <a:p>
-                      <a:r>
-                        <a:rPr lang="en-ZA" sz="1600" dirty="0"/>
-                        <a:t>Segment 2</a:t>
-                      </a:r>
-                    </a:p>
-                  </a:txBody>
-                  <a:tcPr/>
-                </a:tc>
-                <a:tc>
-                  <a:txBody>
-                    <a:bodyPr/>
-                    <a:lstStyle/>
-                    <a:p>
-                      <a:r>
-                        <a:rPr lang="en-ZA" sz="1600" dirty="0"/>
-                        <a:t>Segment 3</a:t>
-                      </a:r>
-                    </a:p>
-                  </a:txBody>
-                  <a:tcPr/>
-                </a:tc>
-                <a:tc>
-                  <a:txBody>
-                    <a:bodyPr/>
-                    <a:lstStyle/>
-                    <a:p>
-                      <a:r>
-                        <a:rPr lang="en-ZA" sz="1600" dirty="0"/>
-                        <a:t>Segment 4</a:t>
-                      </a:r>
-                    </a:p>
-                  </a:txBody>
-                  <a:tcPr/>
-                </a:tc>
-                <a:extLst>
-                  <a:ext uri="{0D108BD9-81ED-4DB2-BD59-A6C34878D82A}">
-                    <a16:rowId xmlns:a16="http://schemas.microsoft.com/office/drawing/2014/main" val="2245114912"/>
-                  </a:ext>
-                </a:extLst>
-              </a:tr>
-              <a:tr h="370840">
-                <a:tc>
-                  <a:txBody>
-                    <a:bodyPr/>
-                    <a:lstStyle/>
-                    <a:p>
-                      <a:r>
-                        <a:rPr lang="en-ZA" sz="1600" dirty="0"/>
-                        <a:t>0</a:t>
-                      </a:r>
-                    </a:p>
-                  </a:txBody>
-                  <a:tcPr/>
-                </a:tc>
-                <a:tc>
-                  <a:txBody>
-                    <a:bodyPr/>
-                    <a:lstStyle/>
-                    <a:p>
-                      <a:r>
-                        <a:rPr lang="en-ZA" sz="1600" dirty="0"/>
-                        <a:t>0</a:t>
-                      </a:r>
-                    </a:p>
-                  </a:txBody>
-                  <a:tcPr/>
-                </a:tc>
-                <a:tc>
-                  <a:txBody>
-                    <a:bodyPr/>
-                    <a:lstStyle/>
-                    <a:p>
-                      <a:r>
-                        <a:rPr lang="en-ZA" sz="1600" dirty="0"/>
-                        <a:t>1</a:t>
-                      </a:r>
-                    </a:p>
-                  </a:txBody>
-                  <a:tcPr/>
-                </a:tc>
-                <a:tc>
-                  <a:txBody>
-                    <a:bodyPr/>
-                    <a:lstStyle/>
-                    <a:p>
-                      <a:r>
-                        <a:rPr lang="en-ZA" sz="1600" dirty="0"/>
-                        <a:t>0</a:t>
-                      </a:r>
-                    </a:p>
-                  </a:txBody>
-                  <a:tcPr/>
-                </a:tc>
-                <a:extLst>
-                  <a:ext uri="{0D108BD9-81ED-4DB2-BD59-A6C34878D82A}">
-                    <a16:rowId xmlns:a16="http://schemas.microsoft.com/office/drawing/2014/main" val="294810486"/>
-                  </a:ext>
-                </a:extLst>
-              </a:tr>
-            </a:tbl>
-          </a:graphicData>
-        </a:graphic>
-      </p:graphicFrame>
-    </p:spTree>
-    <p:extLst>
-      <p:ext uri="{BB962C8B-B14F-4D97-AF65-F5344CB8AC3E}">
-        <p14:creationId xmlns:p14="http://schemas.microsoft.com/office/powerpoint/2010/main" val="96080187"/>
-      </p:ext>
-    </p:extLst>
-  </p:cSld>
-  <p:clrMapOvr>
-    <a:masterClrMapping/>
-  </p:clrMapOvr>
-  <mc:AlternateContent xmlns:mc="http://schemas.openxmlformats.org/markup-compatibility/2006" xmlns:p14="http://schemas.microsoft.com/office/powerpoint/2010/main">
-    <mc:Choice Requires="p14">
-      <p:transition spd="med" p14:dur="700">
-        <p:fade/>
-      </p:transition>
-    </mc:Choice>
-    <mc:Fallback xmlns="">
-      <p:transition spd="med">
-        <p:fade/>
-      </p:transition>
-    </mc:Fallback>
-  </mc:AlternateContent>
-</p:sld>
-</file>
-
 <file path=ppt/slides/slide27.xml><?xml version="1.0" encoding="utf-8"?>
 <p:sld xmlns:a="http://schemas.openxmlformats.org/drawingml/2006/main" xmlns:r="http://schemas.openxmlformats.org/officeDocument/2006/relationships" xmlns:p="http://schemas.openxmlformats.org/presentationml/2006/main">
   <p:cSld>
@@ -24174,21 +24423,7 @@
                   <a:schemeClr val="bg1"/>
                 </a:solidFill>
               </a:rPr>
-              <a:t>Income Segment</a:t>
-            </a:r>
-          </a:p>
-          <a:p>
-            <a:pPr marL="285750" indent="-285750">
-              <a:buFont typeface="Arial" panose="020B0604020202020204" pitchFamily="34" charset="0"/>
-              <a:buChar char="•"/>
-            </a:pPr>
-            <a:r>
-              <a:rPr lang="en-ZA" dirty="0">
-                <a:solidFill>
-                  <a:schemeClr val="bg1"/>
-                </a:solidFill>
-              </a:rPr>
-              <a:t>Behavioural segment:</a:t>
+              <a:t>Income Segment:</a:t>
             </a:r>
           </a:p>
           <a:p>
@@ -24246,7 +24481,21 @@
                   <a:schemeClr val="bg1"/>
                 </a:solidFill>
               </a:rPr>
-              <a:t>Activity index </a:t>
+              <a:t>Behavioural segment</a:t>
+            </a:r>
+          </a:p>
+          <a:p>
+            <a:pPr marL="285750" indent="-285750">
+              <a:buFont typeface="Arial" panose="020B0604020202020204" pitchFamily="34" charset="0"/>
+              <a:buChar char="•"/>
+            </a:pPr>
+            <a:r>
+              <a:rPr lang="en-ZA" dirty="0">
+                <a:solidFill>
+                  <a:schemeClr val="bg1"/>
+                </a:solidFill>
+              </a:rPr>
+              <a:t>Activity index</a:t>
             </a:r>
           </a:p>
           <a:p>
@@ -24368,17 +24617,11 @@
           <p:cNvGraphicFramePr>
             <a:graphicFrameLocks noGrp="1"/>
           </p:cNvGraphicFramePr>
-          <p:nvPr>
-            <p:extLst>
-              <p:ext uri="{D42A27DB-BD31-4B8C-83A1-F6EECF244321}">
-                <p14:modId xmlns:p14="http://schemas.microsoft.com/office/powerpoint/2010/main" val="894919126"/>
-              </p:ext>
-            </p:extLst>
-          </p:nvPr>
+          <p:nvPr/>
         </p:nvGraphicFramePr>
         <p:xfrm>
-          <a:off x="1074994" y="1524327"/>
-          <a:ext cx="4693269" cy="741680"/>
+          <a:off x="1074994" y="1267913"/>
+          <a:ext cx="4693264" cy="741680"/>
         </p:xfrm>
         <a:graphic>
           <a:graphicData uri="http://schemas.openxmlformats.org/drawingml/2006/table">
@@ -24387,55 +24630,34 @@
                 <a:tableStyleId>{EB9631B5-78F2-41C9-869B-9F39066F8104}</a:tableStyleId>
               </a:tblPr>
               <a:tblGrid>
-                <a:gridCol w="670467">
+                <a:gridCol w="1173316">
                   <a:extLst>
                     <a:ext uri="{9D8B030D-6E8A-4147-A177-3AD203B41FA5}">
                       <a16:colId xmlns:a16="http://schemas.microsoft.com/office/drawing/2014/main" val="3400634612"/>
                     </a:ext>
                   </a:extLst>
                 </a:gridCol>
-                <a:gridCol w="670467">
+                <a:gridCol w="1173316">
                   <a:extLst>
                     <a:ext uri="{9D8B030D-6E8A-4147-A177-3AD203B41FA5}">
                       <a16:colId xmlns:a16="http://schemas.microsoft.com/office/drawing/2014/main" val="701412954"/>
                     </a:ext>
                   </a:extLst>
                 </a:gridCol>
-                <a:gridCol w="670467">
+                <a:gridCol w="1173316">
                   <a:extLst>
                     <a:ext uri="{9D8B030D-6E8A-4147-A177-3AD203B41FA5}">
                       <a16:colId xmlns:a16="http://schemas.microsoft.com/office/drawing/2014/main" val="224371639"/>
                     </a:ext>
                   </a:extLst>
                 </a:gridCol>
-                <a:gridCol w="670467">
+                <a:gridCol w="1173316">
                   <a:extLst>
                     <a:ext uri="{9D8B030D-6E8A-4147-A177-3AD203B41FA5}">
                       <a16:colId xmlns:a16="http://schemas.microsoft.com/office/drawing/2014/main" val="3317639608"/>
                     </a:ext>
                   </a:extLst>
                 </a:gridCol>
-                <a:gridCol w="670467">
-                  <a:extLst>
-                    <a:ext uri="{9D8B030D-6E8A-4147-A177-3AD203B41FA5}">
-                      <a16:colId xmlns:a16="http://schemas.microsoft.com/office/drawing/2014/main" val="2721267651"/>
-                    </a:ext>
-                  </a:extLst>
-                </a:gridCol>
-                <a:gridCol w="670467">
-                  <a:extLst>
-                    <a:ext uri="{9D8B030D-6E8A-4147-A177-3AD203B41FA5}">
-                      <a16:colId xmlns:a16="http://schemas.microsoft.com/office/drawing/2014/main" val="1500200790"/>
-                    </a:ext>
-                  </a:extLst>
-                </a:gridCol>
-                <a:gridCol w="670467">
-                  <a:extLst>
-                    <a:ext uri="{9D8B030D-6E8A-4147-A177-3AD203B41FA5}">
-                      <a16:colId xmlns:a16="http://schemas.microsoft.com/office/drawing/2014/main" val="3707198262"/>
-                    </a:ext>
-                  </a:extLst>
-                </a:gridCol>
               </a:tblGrid>
               <a:tr h="370840">
                 <a:tc>
@@ -24445,7 +24667,7 @@
                     <a:p>
                       <a:r>
                         <a:rPr lang="en-ZA" sz="1600" dirty="0"/>
-                        <a:t>B01</a:t>
+                        <a:t>Segment 1</a:t>
                       </a:r>
                     </a:p>
                   </a:txBody>
@@ -24458,7 +24680,7 @@
                     <a:p>
                       <a:r>
                         <a:rPr lang="en-ZA" sz="1600" dirty="0"/>
-                        <a:t>B02</a:t>
+                        <a:t>Segment 2</a:t>
                       </a:r>
                     </a:p>
                   </a:txBody>
@@ -24471,7 +24693,7 @@
                     <a:p>
                       <a:r>
                         <a:rPr lang="en-ZA" sz="1600" dirty="0"/>
-                        <a:t>B03</a:t>
+                        <a:t>Segment 3</a:t>
                       </a:r>
                     </a:p>
                   </a:txBody>
@@ -24484,47 +24706,7 @@
                     <a:p>
                       <a:r>
                         <a:rPr lang="en-ZA" sz="1600" dirty="0"/>
-                        <a:t>B04</a:t>
-                      </a:r>
-                    </a:p>
-                  </a:txBody>
-                  <a:tcPr/>
-                </a:tc>
-                <a:tc>
-                  <a:txBody>
-                    <a:bodyPr/>
-                    <a:lstStyle/>
-                    <a:p>
-                      <a:r>
-                        <a:rPr lang="en-ZA" sz="1600" dirty="0"/>
-                        <a:t>B05</a:t>
-                      </a:r>
-                    </a:p>
-                  </a:txBody>
-                  <a:tcPr/>
-                </a:tc>
-                <a:tc>
-                  <a:txBody>
-                    <a:bodyPr/>
-                    <a:lstStyle/>
-                    <a:p>
-                      <a:pPr algn="ctr"/>
-                      <a:r>
-                        <a:rPr lang="en-ZA" sz="1600" dirty="0"/>
-                        <a:t>. . .</a:t>
-                      </a:r>
-                    </a:p>
-                  </a:txBody>
-                  <a:tcPr/>
-                </a:tc>
-                <a:tc>
-                  <a:txBody>
-                    <a:bodyPr/>
-                    <a:lstStyle/>
-                    <a:p>
-                      <a:r>
-                        <a:rPr lang="en-ZA" sz="1600" dirty="0"/>
-                        <a:t>B50</a:t>
+                        <a:t>Segment 4</a:t>
                       </a:r>
                     </a:p>
                   </a:txBody>
@@ -24571,46 +24753,6 @@
                       <a:r>
                         <a:rPr lang="en-ZA" sz="1600" dirty="0"/>
                         <a:t>1</a:t>
-                      </a:r>
-                    </a:p>
-                  </a:txBody>
-                  <a:tcPr/>
-                </a:tc>
-                <a:tc>
-                  <a:txBody>
-                    <a:bodyPr/>
-                    <a:lstStyle/>
-                    <a:p>
-                      <a:r>
-                        <a:rPr lang="en-ZA" sz="1600" dirty="0"/>
-                        <a:t>0</a:t>
-                      </a:r>
-                    </a:p>
-                  </a:txBody>
-                  <a:tcPr/>
-                </a:tc>
-                <a:tc>
-                  <a:txBody>
-                    <a:bodyPr/>
-                    <a:lstStyle/>
-                    <a:p>
-                      <a:r>
-                        <a:rPr lang="en-ZA" sz="1600" dirty="0"/>
-                        <a:t>0</a:t>
-                      </a:r>
-                    </a:p>
-                  </a:txBody>
-                  <a:tcPr/>
-                </a:tc>
-                <a:tc>
-                  <a:txBody>
-                    <a:bodyPr/>
-                    <a:lstStyle/>
-                    <a:p>
-                      <a:pPr algn="ctr"/>
-                      <a:r>
-                        <a:rPr lang="en-ZA" sz="1600" dirty="0"/>
-                        <a:t>. . .</a:t>
                       </a:r>
                     </a:p>
                   </a:txBody>
@@ -24642,7 +24784,7 @@
     </p:spTree>
     <p:extLst>
       <p:ext uri="{BB962C8B-B14F-4D97-AF65-F5344CB8AC3E}">
-        <p14:creationId xmlns:p14="http://schemas.microsoft.com/office/powerpoint/2010/main" val="535843785"/>
+        <p14:creationId xmlns:p14="http://schemas.microsoft.com/office/powerpoint/2010/main" val="96080187"/>
       </p:ext>
     </p:extLst>
   </p:cSld>
@@ -24820,21 +24962,7 @@
                   <a:schemeClr val="bg1"/>
                 </a:solidFill>
               </a:rPr>
-              <a:t>Behavioural segment</a:t>
-            </a:r>
-          </a:p>
-          <a:p>
-            <a:pPr marL="285750" indent="-285750">
-              <a:buFont typeface="Arial" panose="020B0604020202020204" pitchFamily="34" charset="0"/>
-              <a:buChar char="•"/>
-            </a:pPr>
-            <a:r>
-              <a:rPr lang="en-ZA" dirty="0">
-                <a:solidFill>
-                  <a:schemeClr val="bg1"/>
-                </a:solidFill>
-              </a:rPr>
-              <a:t>Activity index:</a:t>
+              <a:t>Behavioural segment:</a:t>
             </a:r>
           </a:p>
           <a:p>
@@ -24892,7 +25020,21 @@
                   <a:schemeClr val="bg1"/>
                 </a:solidFill>
               </a:rPr>
-              <a:t>Time of day</a:t>
+              <a:t>Activity index </a:t>
+            </a:r>
+          </a:p>
+          <a:p>
+            <a:pPr marL="285750" indent="-285750">
+              <a:buFont typeface="Arial" panose="020B0604020202020204" pitchFamily="34" charset="0"/>
+              <a:buChar char="•"/>
+            </a:pPr>
+            <a:r>
+              <a:rPr lang="en-ZA" dirty="0">
+                <a:solidFill>
+                  <a:schemeClr val="bg1"/>
+                </a:solidFill>
+              </a:rPr>
+              <a:t>Time of day </a:t>
             </a:r>
           </a:p>
           <a:p>
@@ -24990,10 +25132,10 @@
       </p:sp>
       <p:graphicFrame>
         <p:nvGraphicFramePr>
-          <p:cNvPr id="4" name="Table 3">
+          <p:cNvPr id="3" name="Table 2">
             <a:extLst>
               <a:ext uri="{FF2B5EF4-FFF2-40B4-BE49-F238E27FC236}">
-                <a16:creationId xmlns:a16="http://schemas.microsoft.com/office/drawing/2014/main" id="{D7B3C7A9-8A63-D447-C46A-4E2DDC810983}"/>
+                <a16:creationId xmlns:a16="http://schemas.microsoft.com/office/drawing/2014/main" id="{76ADA40C-7CB6-AA4E-B662-08350974E915}"/>
               </a:ext>
             </a:extLst>
           </p:cNvPr>
@@ -25003,14 +25145,14 @@
           <p:nvPr>
             <p:extLst>
               <p:ext uri="{D42A27DB-BD31-4B8C-83A1-F6EECF244321}">
-                <p14:modId xmlns:p14="http://schemas.microsoft.com/office/powerpoint/2010/main" val="2517606476"/>
+                <p14:modId xmlns:p14="http://schemas.microsoft.com/office/powerpoint/2010/main" val="894919126"/>
               </p:ext>
             </p:extLst>
           </p:nvPr>
         </p:nvGraphicFramePr>
         <p:xfrm>
-          <a:off x="1065161" y="1818519"/>
-          <a:ext cx="3998451" cy="741680"/>
+          <a:off x="1074994" y="1524327"/>
+          <a:ext cx="4693269" cy="741680"/>
         </p:xfrm>
         <a:graphic>
           <a:graphicData uri="http://schemas.openxmlformats.org/drawingml/2006/table">
@@ -25019,27 +25161,55 @@
                 <a:tableStyleId>{EB9631B5-78F2-41C9-869B-9F39066F8104}</a:tableStyleId>
               </a:tblPr>
               <a:tblGrid>
-                <a:gridCol w="1332817">
+                <a:gridCol w="670467">
                   <a:extLst>
                     <a:ext uri="{9D8B030D-6E8A-4147-A177-3AD203B41FA5}">
                       <a16:colId xmlns:a16="http://schemas.microsoft.com/office/drawing/2014/main" val="3400634612"/>
                     </a:ext>
                   </a:extLst>
                 </a:gridCol>
-                <a:gridCol w="1332817">
+                <a:gridCol w="670467">
                   <a:extLst>
                     <a:ext uri="{9D8B030D-6E8A-4147-A177-3AD203B41FA5}">
                       <a16:colId xmlns:a16="http://schemas.microsoft.com/office/drawing/2014/main" val="701412954"/>
                     </a:ext>
                   </a:extLst>
                 </a:gridCol>
-                <a:gridCol w="1332817">
+                <a:gridCol w="670467">
                   <a:extLst>
                     <a:ext uri="{9D8B030D-6E8A-4147-A177-3AD203B41FA5}">
                       <a16:colId xmlns:a16="http://schemas.microsoft.com/office/drawing/2014/main" val="224371639"/>
                     </a:ext>
                   </a:extLst>
                 </a:gridCol>
+                <a:gridCol w="670467">
+                  <a:extLst>
+                    <a:ext uri="{9D8B030D-6E8A-4147-A177-3AD203B41FA5}">
+                      <a16:colId xmlns:a16="http://schemas.microsoft.com/office/drawing/2014/main" val="3317639608"/>
+                    </a:ext>
+                  </a:extLst>
+                </a:gridCol>
+                <a:gridCol w="670467">
+                  <a:extLst>
+                    <a:ext uri="{9D8B030D-6E8A-4147-A177-3AD203B41FA5}">
+                      <a16:colId xmlns:a16="http://schemas.microsoft.com/office/drawing/2014/main" val="2721267651"/>
+                    </a:ext>
+                  </a:extLst>
+                </a:gridCol>
+                <a:gridCol w="670467">
+                  <a:extLst>
+                    <a:ext uri="{9D8B030D-6E8A-4147-A177-3AD203B41FA5}">
+                      <a16:colId xmlns:a16="http://schemas.microsoft.com/office/drawing/2014/main" val="1500200790"/>
+                    </a:ext>
+                  </a:extLst>
+                </a:gridCol>
+                <a:gridCol w="670467">
+                  <a:extLst>
+                    <a:ext uri="{9D8B030D-6E8A-4147-A177-3AD203B41FA5}">
+                      <a16:colId xmlns:a16="http://schemas.microsoft.com/office/drawing/2014/main" val="3707198262"/>
+                    </a:ext>
+                  </a:extLst>
+                </a:gridCol>
               </a:tblGrid>
               <a:tr h="370840">
                 <a:tc>
@@ -25049,7 +25219,7 @@
                     <a:p>
                       <a:r>
                         <a:rPr lang="en-ZA" sz="1600" dirty="0"/>
-                        <a:t>Cold start</a:t>
+                        <a:t>B01</a:t>
                       </a:r>
                     </a:p>
                   </a:txBody>
@@ -25062,7 +25232,7 @@
                     <a:p>
                       <a:r>
                         <a:rPr lang="en-ZA" sz="1600" dirty="0"/>
-                        <a:t>Semi Active</a:t>
+                        <a:t>B02</a:t>
                       </a:r>
                     </a:p>
                   </a:txBody>
@@ -25075,7 +25245,60 @@
                     <a:p>
                       <a:r>
                         <a:rPr lang="en-ZA" sz="1600" dirty="0"/>
-                        <a:t>Active</a:t>
+                        <a:t>B03</a:t>
+                      </a:r>
+                    </a:p>
+                  </a:txBody>
+                  <a:tcPr/>
+                </a:tc>
+                <a:tc>
+                  <a:txBody>
+                    <a:bodyPr/>
+                    <a:lstStyle/>
+                    <a:p>
+                      <a:r>
+                        <a:rPr lang="en-ZA" sz="1600" dirty="0"/>
+                        <a:t>B04</a:t>
+                      </a:r>
+                    </a:p>
+                  </a:txBody>
+                  <a:tcPr/>
+                </a:tc>
+                <a:tc>
+                  <a:txBody>
+                    <a:bodyPr/>
+                    <a:lstStyle/>
+                    <a:p>
+                      <a:r>
+                        <a:rPr lang="en-ZA" sz="1600" dirty="0"/>
+                        <a:t>B05</a:t>
+                      </a:r>
+                    </a:p>
+                  </a:txBody>
+                  <a:tcPr/>
+                </a:tc>
+                <a:tc>
+                  <a:txBody>
+                    <a:bodyPr/>
+                    <a:lstStyle/>
+                    <a:p>
+                      <a:pPr algn="ctr"/>
+                      <a:r>
+                        <a:rPr lang="en-ZA" sz="1600" dirty="0"/>
+                        <a:t>. . .</a:t>
+                      </a:r>
+                    </a:p>
+                  </a:txBody>
+                  <a:tcPr/>
+                </a:tc>
+                <a:tc>
+                  <a:txBody>
+                    <a:bodyPr/>
+                    <a:lstStyle/>
+                    <a:p>
+                      <a:r>
+                        <a:rPr lang="en-ZA" sz="1600" dirty="0"/>
+                        <a:t>B50</a:t>
                       </a:r>
                     </a:p>
                   </a:txBody>
@@ -25108,7 +25331,60 @@
                     <a:p>
                       <a:r>
                         <a:rPr lang="en-ZA" sz="1600" dirty="0"/>
+                        <a:t>0</a:t>
+                      </a:r>
+                    </a:p>
+                  </a:txBody>
+                  <a:tcPr/>
+                </a:tc>
+                <a:tc>
+                  <a:txBody>
+                    <a:bodyPr/>
+                    <a:lstStyle/>
+                    <a:p>
+                      <a:r>
+                        <a:rPr lang="en-ZA" sz="1600" dirty="0"/>
                         <a:t>1</a:t>
+                      </a:r>
+                    </a:p>
+                  </a:txBody>
+                  <a:tcPr/>
+                </a:tc>
+                <a:tc>
+                  <a:txBody>
+                    <a:bodyPr/>
+                    <a:lstStyle/>
+                    <a:p>
+                      <a:r>
+                        <a:rPr lang="en-ZA" sz="1600" dirty="0"/>
+                        <a:t>0</a:t>
+                      </a:r>
+                    </a:p>
+                  </a:txBody>
+                  <a:tcPr/>
+                </a:tc>
+                <a:tc>
+                  <a:txBody>
+                    <a:bodyPr/>
+                    <a:lstStyle/>
+                    <a:p>
+                      <a:r>
+                        <a:rPr lang="en-ZA" sz="1600" dirty="0"/>
+                        <a:t>0</a:t>
+                      </a:r>
+                    </a:p>
+                  </a:txBody>
+                  <a:tcPr/>
+                </a:tc>
+                <a:tc>
+                  <a:txBody>
+                    <a:bodyPr/>
+                    <a:lstStyle/>
+                    <a:p>
+                      <a:pPr algn="ctr"/>
+                      <a:r>
+                        <a:rPr lang="en-ZA" sz="1600" dirty="0"/>
+                        <a:t>. . .</a:t>
                       </a:r>
                     </a:p>
                   </a:txBody>
@@ -25140,7 +25416,7 @@
     </p:spTree>
     <p:extLst>
       <p:ext uri="{BB962C8B-B14F-4D97-AF65-F5344CB8AC3E}">
-        <p14:creationId xmlns:p14="http://schemas.microsoft.com/office/powerpoint/2010/main" val="953317750"/>
+        <p14:creationId xmlns:p14="http://schemas.microsoft.com/office/powerpoint/2010/main" val="535843785"/>
       </p:ext>
     </p:extLst>
   </p:cSld>
@@ -25332,21 +25608,7 @@
                   <a:schemeClr val="bg1"/>
                 </a:solidFill>
               </a:rPr>
-              <a:t>Activity index</a:t>
-            </a:r>
-          </a:p>
-          <a:p>
-            <a:pPr marL="285750" indent="-285750">
-              <a:buFont typeface="Arial" panose="020B0604020202020204" pitchFamily="34" charset="0"/>
-              <a:buChar char="•"/>
-            </a:pPr>
-            <a:r>
-              <a:rPr lang="en-ZA" dirty="0">
-                <a:solidFill>
-                  <a:schemeClr val="bg1"/>
-                </a:solidFill>
-              </a:rPr>
-              <a:t>Time of day :</a:t>
+              <a:t>Activity index:</a:t>
             </a:r>
           </a:p>
           <a:p>
@@ -25392,6 +25654,20 @@
                 <a:schemeClr val="bg1"/>
               </a:solidFill>
             </a:endParaRPr>
+          </a:p>
+          <a:p>
+            <a:pPr marL="285750" indent="-285750">
+              <a:buFont typeface="Arial" panose="020B0604020202020204" pitchFamily="34" charset="0"/>
+              <a:buChar char="•"/>
+            </a:pPr>
+            <a:r>
+              <a:rPr lang="en-ZA" dirty="0">
+                <a:solidFill>
+                  <a:schemeClr val="bg1"/>
+                </a:solidFill>
+              </a:rPr>
+              <a:t>Time of day</a:t>
+            </a:r>
           </a:p>
           <a:p>
             <a:pPr marL="285750" indent="-285750">
@@ -25498,11 +25774,17 @@
           <p:cNvGraphicFramePr>
             <a:graphicFrameLocks noGrp="1"/>
           </p:cNvGraphicFramePr>
-          <p:nvPr/>
+          <p:nvPr>
+            <p:extLst>
+              <p:ext uri="{D42A27DB-BD31-4B8C-83A1-F6EECF244321}">
+                <p14:modId xmlns:p14="http://schemas.microsoft.com/office/powerpoint/2010/main" val="2517606476"/>
+              </p:ext>
+            </p:extLst>
+          </p:nvPr>
         </p:nvGraphicFramePr>
         <p:xfrm>
-          <a:off x="1055330" y="2113487"/>
-          <a:ext cx="4693264" cy="741680"/>
+          <a:off x="1065161" y="1818519"/>
+          <a:ext cx="3998451" cy="741680"/>
         </p:xfrm>
         <a:graphic>
           <a:graphicData uri="http://schemas.openxmlformats.org/drawingml/2006/table">
@@ -25511,34 +25793,27 @@
                 <a:tableStyleId>{EB9631B5-78F2-41C9-869B-9F39066F8104}</a:tableStyleId>
               </a:tblPr>
               <a:tblGrid>
-                <a:gridCol w="1173316">
+                <a:gridCol w="1332817">
                   <a:extLst>
                     <a:ext uri="{9D8B030D-6E8A-4147-A177-3AD203B41FA5}">
                       <a16:colId xmlns:a16="http://schemas.microsoft.com/office/drawing/2014/main" val="3400634612"/>
                     </a:ext>
                   </a:extLst>
                 </a:gridCol>
-                <a:gridCol w="1173316">
+                <a:gridCol w="1332817">
                   <a:extLst>
                     <a:ext uri="{9D8B030D-6E8A-4147-A177-3AD203B41FA5}">
                       <a16:colId xmlns:a16="http://schemas.microsoft.com/office/drawing/2014/main" val="701412954"/>
                     </a:ext>
                   </a:extLst>
                 </a:gridCol>
-                <a:gridCol w="1173316">
+                <a:gridCol w="1332817">
                   <a:extLst>
                     <a:ext uri="{9D8B030D-6E8A-4147-A177-3AD203B41FA5}">
                       <a16:colId xmlns:a16="http://schemas.microsoft.com/office/drawing/2014/main" val="224371639"/>
                     </a:ext>
                   </a:extLst>
                 </a:gridCol>
-                <a:gridCol w="1173316">
-                  <a:extLst>
-                    <a:ext uri="{9D8B030D-6E8A-4147-A177-3AD203B41FA5}">
-                      <a16:colId xmlns:a16="http://schemas.microsoft.com/office/drawing/2014/main" val="3317639608"/>
-                    </a:ext>
-                  </a:extLst>
-                </a:gridCol>
               </a:tblGrid>
               <a:tr h="370840">
                 <a:tc>
@@ -25548,7 +25823,7 @@
                     <a:p>
                       <a:r>
                         <a:rPr lang="en-ZA" sz="1600" dirty="0"/>
-                        <a:t>Early</a:t>
+                        <a:t>Cold start</a:t>
                       </a:r>
                     </a:p>
                   </a:txBody>
@@ -25561,7 +25836,7 @@
                     <a:p>
                       <a:r>
                         <a:rPr lang="en-ZA" sz="1600" dirty="0"/>
-                        <a:t>Morning</a:t>
+                        <a:t>Semi Active</a:t>
                       </a:r>
                     </a:p>
                   </a:txBody>
@@ -25574,20 +25849,7 @@
                     <a:p>
                       <a:r>
                         <a:rPr lang="en-ZA" sz="1600" dirty="0"/>
-                        <a:t>Afternoon</a:t>
-                      </a:r>
-                    </a:p>
-                  </a:txBody>
-                  <a:tcPr/>
-                </a:tc>
-                <a:tc>
-                  <a:txBody>
-                    <a:bodyPr/>
-                    <a:lstStyle/>
-                    <a:p>
-                      <a:r>
-                        <a:rPr lang="en-ZA" sz="1600" dirty="0"/>
-                        <a:t>Evening</a:t>
+                        <a:t>Active</a:t>
                       </a:r>
                     </a:p>
                   </a:txBody>
@@ -25621,19 +25883,6 @@
                       <a:r>
                         <a:rPr lang="en-ZA" sz="1600" dirty="0"/>
                         <a:t>1</a:t>
-                      </a:r>
-                    </a:p>
-                  </a:txBody>
-                  <a:tcPr/>
-                </a:tc>
-                <a:tc>
-                  <a:txBody>
-                    <a:bodyPr/>
-                    <a:lstStyle/>
-                    <a:p>
-                      <a:r>
-                        <a:rPr lang="en-ZA" sz="1600" dirty="0"/>
-                        <a:t>0</a:t>
                       </a:r>
                     </a:p>
                   </a:txBody>
@@ -25665,7 +25914,7 @@
     </p:spTree>
     <p:extLst>
       <p:ext uri="{BB962C8B-B14F-4D97-AF65-F5344CB8AC3E}">
-        <p14:creationId xmlns:p14="http://schemas.microsoft.com/office/powerpoint/2010/main" val="1267132980"/>
+        <p14:creationId xmlns:p14="http://schemas.microsoft.com/office/powerpoint/2010/main" val="953317750"/>
       </p:ext>
     </p:extLst>
   </p:cSld>
@@ -25674,13 +25923,13 @@
   </p:clrMapOvr>
   <mc:AlternateContent xmlns:mc="http://schemas.openxmlformats.org/markup-compatibility/2006" xmlns:p14="http://schemas.microsoft.com/office/powerpoint/2010/main">
     <mc:Choice Requires="p14">
-      <p:transition p14:dur="100">
-        <p:cut/>
+      <p:transition spd="med" p14:dur="700">
+        <p:fade/>
       </p:transition>
     </mc:Choice>
     <mc:Fallback xmlns="">
-      <p:transition>
-        <p:cut/>
+      <p:transition spd="med">
+        <p:fade/>
       </p:transition>
     </mc:Fallback>
   </mc:AlternateContent>
@@ -27279,21 +27528,7 @@
                   <a:schemeClr val="bg1"/>
                 </a:solidFill>
               </a:rPr>
-              <a:t>Time of day </a:t>
-            </a:r>
-          </a:p>
-          <a:p>
-            <a:pPr marL="285750" indent="-285750">
-              <a:buFont typeface="Arial" panose="020B0604020202020204" pitchFamily="34" charset="0"/>
-              <a:buChar char="•"/>
-            </a:pPr>
-            <a:r>
-              <a:rPr lang="en-ZA" dirty="0">
-                <a:solidFill>
-                  <a:schemeClr val="bg1"/>
-                </a:solidFill>
-              </a:rPr>
-              <a:t>Most interacted item type:</a:t>
+              <a:t>Time of day :</a:t>
             </a:r>
           </a:p>
           <a:p>
@@ -27351,6 +27586,20 @@
                   <a:schemeClr val="bg1"/>
                 </a:solidFill>
               </a:rPr>
+              <a:t>Most interacted item type</a:t>
+            </a:r>
+          </a:p>
+          <a:p>
+            <a:pPr marL="285750" indent="-285750">
+              <a:buFont typeface="Arial" panose="020B0604020202020204" pitchFamily="34" charset="0"/>
+              <a:buChar char="•"/>
+            </a:pPr>
+            <a:r>
+              <a:rPr lang="en-ZA" dirty="0">
+                <a:solidFill>
+                  <a:schemeClr val="bg1"/>
+                </a:solidFill>
+              </a:rPr>
               <a:t>Most interacted item</a:t>
             </a:r>
           </a:p>
@@ -27421,27 +27670,21 @@
       </p:sp>
       <p:graphicFrame>
         <p:nvGraphicFramePr>
-          <p:cNvPr id="3" name="Table 2">
+          <p:cNvPr id="4" name="Table 3">
             <a:extLst>
               <a:ext uri="{FF2B5EF4-FFF2-40B4-BE49-F238E27FC236}">
-                <a16:creationId xmlns:a16="http://schemas.microsoft.com/office/drawing/2014/main" id="{D0E297A8-0FE5-EB8E-39DF-308D2C8DEFA4}"/>
+                <a16:creationId xmlns:a16="http://schemas.microsoft.com/office/drawing/2014/main" id="{D7B3C7A9-8A63-D447-C46A-4E2DDC810983}"/>
               </a:ext>
             </a:extLst>
           </p:cNvPr>
           <p:cNvGraphicFramePr>
             <a:graphicFrameLocks noGrp="1"/>
           </p:cNvGraphicFramePr>
-          <p:nvPr>
-            <p:extLst>
-              <p:ext uri="{D42A27DB-BD31-4B8C-83A1-F6EECF244321}">
-                <p14:modId xmlns:p14="http://schemas.microsoft.com/office/powerpoint/2010/main" val="451708208"/>
-              </p:ext>
-            </p:extLst>
-          </p:nvPr>
+          <p:nvPr/>
         </p:nvGraphicFramePr>
         <p:xfrm>
-          <a:off x="1055329" y="2369901"/>
-          <a:ext cx="7075950" cy="741680"/>
+          <a:off x="1055330" y="2113487"/>
+          <a:ext cx="4693264" cy="741680"/>
         </p:xfrm>
         <a:graphic>
           <a:graphicData uri="http://schemas.openxmlformats.org/drawingml/2006/table">
@@ -27450,48 +27693,34 @@
                 <a:tableStyleId>{EB9631B5-78F2-41C9-869B-9F39066F8104}</a:tableStyleId>
               </a:tblPr>
               <a:tblGrid>
-                <a:gridCol w="1179325">
+                <a:gridCol w="1173316">
                   <a:extLst>
                     <a:ext uri="{9D8B030D-6E8A-4147-A177-3AD203B41FA5}">
                       <a16:colId xmlns:a16="http://schemas.microsoft.com/office/drawing/2014/main" val="3400634612"/>
                     </a:ext>
                   </a:extLst>
                 </a:gridCol>
-                <a:gridCol w="1179325">
+                <a:gridCol w="1173316">
                   <a:extLst>
                     <a:ext uri="{9D8B030D-6E8A-4147-A177-3AD203B41FA5}">
                       <a16:colId xmlns:a16="http://schemas.microsoft.com/office/drawing/2014/main" val="701412954"/>
                     </a:ext>
                   </a:extLst>
                 </a:gridCol>
-                <a:gridCol w="1179325">
+                <a:gridCol w="1173316">
                   <a:extLst>
                     <a:ext uri="{9D8B030D-6E8A-4147-A177-3AD203B41FA5}">
                       <a16:colId xmlns:a16="http://schemas.microsoft.com/office/drawing/2014/main" val="224371639"/>
                     </a:ext>
                   </a:extLst>
                 </a:gridCol>
-                <a:gridCol w="1179325">
+                <a:gridCol w="1173316">
                   <a:extLst>
                     <a:ext uri="{9D8B030D-6E8A-4147-A177-3AD203B41FA5}">
                       <a16:colId xmlns:a16="http://schemas.microsoft.com/office/drawing/2014/main" val="3317639608"/>
                     </a:ext>
                   </a:extLst>
                 </a:gridCol>
-                <a:gridCol w="1179325">
-                  <a:extLst>
-                    <a:ext uri="{9D8B030D-6E8A-4147-A177-3AD203B41FA5}">
-                      <a16:colId xmlns:a16="http://schemas.microsoft.com/office/drawing/2014/main" val="2721267651"/>
-                    </a:ext>
-                  </a:extLst>
-                </a:gridCol>
-                <a:gridCol w="1179325">
-                  <a:extLst>
-                    <a:ext uri="{9D8B030D-6E8A-4147-A177-3AD203B41FA5}">
-                      <a16:colId xmlns:a16="http://schemas.microsoft.com/office/drawing/2014/main" val="1500200790"/>
-                    </a:ext>
-                  </a:extLst>
-                </a:gridCol>
               </a:tblGrid>
               <a:tr h="370840">
                 <a:tc>
@@ -27500,18 +27729,9 @@
                     <a:lstStyle/>
                     <a:p>
                       <a:r>
-                        <a:rPr lang="en-US" sz="1800" b="1" i="0" kern="1200" dirty="0">
-                          <a:solidFill>
-                            <a:schemeClr val="lt1"/>
-                          </a:solidFill>
-                          <a:effectLst/>
-                          <a:latin typeface="+mn-lt"/>
-                          <a:ea typeface="+mn-ea"/>
-                          <a:cs typeface="+mn-cs"/>
-                        </a:rPr>
-                        <a:t>INSURE</a:t>
-                      </a:r>
-                      <a:endParaRPr lang="en-ZA" sz="1600" b="1" dirty="0"/>
+                        <a:rPr lang="en-ZA" sz="1600" dirty="0"/>
+                        <a:t>Early</a:t>
+                      </a:r>
                     </a:p>
                   </a:txBody>
                   <a:tcPr/>
@@ -27522,18 +27742,9 @@
                     <a:lstStyle/>
                     <a:p>
                       <a:r>
-                        <a:rPr lang="en-US" sz="1600" b="1" i="0" kern="1200" dirty="0">
-                          <a:solidFill>
-                            <a:schemeClr val="lt1"/>
-                          </a:solidFill>
-                          <a:effectLst/>
-                          <a:latin typeface="+mn-lt"/>
-                          <a:ea typeface="+mn-ea"/>
-                          <a:cs typeface="+mn-cs"/>
-                        </a:rPr>
-                        <a:t>TRANSACT </a:t>
-                      </a:r>
-                      <a:endParaRPr lang="en-ZA" sz="1600" b="1" dirty="0"/>
+                        <a:rPr lang="en-ZA" sz="1600" dirty="0"/>
+                        <a:t>Morning</a:t>
+                      </a:r>
                     </a:p>
                   </a:txBody>
                   <a:tcPr/>
@@ -27544,18 +27755,9 @@
                     <a:lstStyle/>
                     <a:p>
                       <a:r>
-                        <a:rPr lang="en-US" sz="1600" b="1" i="0" kern="1200" dirty="0">
-                          <a:solidFill>
-                            <a:schemeClr val="lt1"/>
-                          </a:solidFill>
-                          <a:effectLst/>
-                          <a:latin typeface="+mn-lt"/>
-                          <a:ea typeface="+mn-ea"/>
-                          <a:cs typeface="+mn-cs"/>
-                        </a:rPr>
-                        <a:t>LEND</a:t>
-                      </a:r>
-                      <a:endParaRPr lang="en-ZA" sz="1600" b="1" dirty="0"/>
+                        <a:rPr lang="en-ZA" sz="1600" dirty="0"/>
+                        <a:t>Afternoon</a:t>
+                      </a:r>
                     </a:p>
                   </a:txBody>
                   <a:tcPr/>
@@ -27566,63 +27768,9 @@
                     <a:lstStyle/>
                     <a:p>
                       <a:r>
-                        <a:rPr lang="en-US" sz="1600" b="1" i="0" kern="1200" dirty="0">
-                          <a:solidFill>
-                            <a:schemeClr val="lt1"/>
-                          </a:solidFill>
-                          <a:effectLst/>
-                          <a:latin typeface="+mn-lt"/>
-                          <a:ea typeface="+mn-ea"/>
-                          <a:cs typeface="+mn-cs"/>
-                        </a:rPr>
-                        <a:t>INVEST</a:t>
-                      </a:r>
-                      <a:endParaRPr lang="en-ZA" sz="1600" b="1" dirty="0"/>
-                    </a:p>
-                  </a:txBody>
-                  <a:tcPr/>
-                </a:tc>
-                <a:tc>
-                  <a:txBody>
-                    <a:bodyPr/>
-                    <a:lstStyle/>
-                    <a:p>
-                      <a:r>
-                        <a:rPr lang="en-US" sz="1600" b="1" i="0" kern="1200" dirty="0">
-                          <a:solidFill>
-                            <a:schemeClr val="lt1"/>
-                          </a:solidFill>
-                          <a:effectLst/>
-                          <a:latin typeface="+mn-lt"/>
-                          <a:ea typeface="+mn-ea"/>
-                          <a:cs typeface="+mn-cs"/>
-                        </a:rPr>
-                        <a:t>LIFESTYLE</a:t>
-                      </a:r>
-                      <a:endParaRPr lang="en-ZA" sz="1600" b="1" dirty="0"/>
-                    </a:p>
-                  </a:txBody>
-                  <a:tcPr/>
-                </a:tc>
-                <a:tc>
-                  <a:txBody>
-                    <a:bodyPr/>
-                    <a:lstStyle/>
-                    <a:p>
-                      <a:pPr algn="l"/>
-                      <a:r>
-                        <a:rPr lang="en-US" sz="1600" b="1" i="0" kern="1200" dirty="0">
-                          <a:solidFill>
-                            <a:schemeClr val="lt1"/>
-                          </a:solidFill>
-                          <a:effectLst/>
-                          <a:latin typeface="+mn-lt"/>
-                          <a:ea typeface="+mn-ea"/>
-                          <a:cs typeface="+mn-cs"/>
-                        </a:rPr>
-                        <a:t>CONNECT</a:t>
-                      </a:r>
-                      <a:endParaRPr lang="en-ZA" sz="1600" b="1" dirty="0"/>
+                        <a:rPr lang="en-ZA" sz="1600" dirty="0"/>
+                        <a:t>Evening</a:t>
+                      </a:r>
                     </a:p>
                   </a:txBody>
                   <a:tcPr/>
@@ -27654,7 +27802,7 @@
                     <a:p>
                       <a:r>
                         <a:rPr lang="en-ZA" sz="1600" dirty="0"/>
-                        <a:t>0</a:t>
+                        <a:t>1</a:t>
                       </a:r>
                     </a:p>
                   </a:txBody>
@@ -27681,33 +27829,6 @@
                       <a:r>
                         <a:rPr lang="en-ZA" sz="1600" dirty="0"/>
                         <a:t>0</a:t>
-                      </a:r>
-                    </a:p>
-                  </a:txBody>
-                  <a:tcPr/>
-                </a:tc>
-                <a:tc>
-                  <a:txBody>
-                    <a:bodyPr/>
-                    <a:lstStyle/>
-                    <a:p>
-                      <a:r>
-                        <a:rPr lang="en-ZA" sz="1600" dirty="0"/>
-                        <a:t>0</a:t>
-                      </a:r>
-                    </a:p>
-                  </a:txBody>
-                  <a:tcPr/>
-                </a:tc>
-                <a:tc>
-                  <a:txBody>
-                    <a:bodyPr/>
-                    <a:lstStyle/>
-                    <a:p>
-                      <a:pPr algn="l"/>
-                      <a:r>
-                        <a:rPr lang="en-ZA" sz="1600" dirty="0"/>
-                        <a:t>1</a:t>
                       </a:r>
                     </a:p>
                   </a:txBody>
@@ -27726,7 +27847,7 @@
     </p:spTree>
     <p:extLst>
       <p:ext uri="{BB962C8B-B14F-4D97-AF65-F5344CB8AC3E}">
-        <p14:creationId xmlns:p14="http://schemas.microsoft.com/office/powerpoint/2010/main" val="2369026690"/>
+        <p14:creationId xmlns:p14="http://schemas.microsoft.com/office/powerpoint/2010/main" val="1267132980"/>
       </p:ext>
     </p:extLst>
   </p:cSld>
@@ -27946,6 +28067,659 @@
                   <a:schemeClr val="bg1"/>
                 </a:solidFill>
               </a:rPr>
+              <a:t>Most interacted item type:</a:t>
+            </a:r>
+          </a:p>
+          <a:p>
+            <a:pPr marL="285750" indent="-285750">
+              <a:buFont typeface="Arial" panose="020B0604020202020204" pitchFamily="34" charset="0"/>
+              <a:buChar char="•"/>
+            </a:pPr>
+            <a:endParaRPr lang="en-ZA" dirty="0">
+              <a:solidFill>
+                <a:schemeClr val="bg1"/>
+              </a:solidFill>
+            </a:endParaRPr>
+          </a:p>
+          <a:p>
+            <a:pPr marL="285750" indent="-285750">
+              <a:buFont typeface="Arial" panose="020B0604020202020204" pitchFamily="34" charset="0"/>
+              <a:buChar char="•"/>
+            </a:pPr>
+            <a:endParaRPr lang="en-ZA" dirty="0">
+              <a:solidFill>
+                <a:schemeClr val="bg1"/>
+              </a:solidFill>
+            </a:endParaRPr>
+          </a:p>
+          <a:p>
+            <a:pPr marL="285750" indent="-285750">
+              <a:buFont typeface="Arial" panose="020B0604020202020204" pitchFamily="34" charset="0"/>
+              <a:buChar char="•"/>
+            </a:pPr>
+            <a:endParaRPr lang="en-ZA" dirty="0">
+              <a:solidFill>
+                <a:schemeClr val="bg1"/>
+              </a:solidFill>
+            </a:endParaRPr>
+          </a:p>
+          <a:p>
+            <a:pPr marL="285750" indent="-285750">
+              <a:buFont typeface="Arial" panose="020B0604020202020204" pitchFamily="34" charset="0"/>
+              <a:buChar char="•"/>
+            </a:pPr>
+            <a:endParaRPr lang="en-ZA" dirty="0">
+              <a:solidFill>
+                <a:schemeClr val="bg1"/>
+              </a:solidFill>
+            </a:endParaRPr>
+          </a:p>
+          <a:p>
+            <a:pPr marL="285750" indent="-285750">
+              <a:buFont typeface="Arial" panose="020B0604020202020204" pitchFamily="34" charset="0"/>
+              <a:buChar char="•"/>
+            </a:pPr>
+            <a:r>
+              <a:rPr lang="en-ZA" dirty="0">
+                <a:solidFill>
+                  <a:schemeClr val="bg1"/>
+                </a:solidFill>
+              </a:rPr>
+              <a:t>Most interacted item</a:t>
+            </a:r>
+          </a:p>
+          <a:p>
+            <a:pPr marL="285750" indent="-285750">
+              <a:buFont typeface="Arial" panose="020B0604020202020204" pitchFamily="34" charset="0"/>
+              <a:buChar char="•"/>
+            </a:pPr>
+            <a:r>
+              <a:rPr lang="en-ZA" dirty="0">
+                <a:solidFill>
+                  <a:schemeClr val="bg1"/>
+                </a:solidFill>
+              </a:rPr>
+              <a:t>Activity score bin</a:t>
+            </a:r>
+          </a:p>
+          <a:p>
+            <a:pPr marL="285750" indent="-285750">
+              <a:buFont typeface="Arial" panose="020B0604020202020204" pitchFamily="34" charset="0"/>
+              <a:buChar char="•"/>
+            </a:pPr>
+            <a:r>
+              <a:rPr lang="en-ZA" dirty="0">
+                <a:solidFill>
+                  <a:schemeClr val="bg1"/>
+                </a:solidFill>
+              </a:rPr>
+              <a:t>Activity rate bin</a:t>
+            </a:r>
+          </a:p>
+          <a:p>
+            <a:pPr marL="285750" indent="-285750">
+              <a:buFont typeface="Arial" panose="020B0604020202020204" pitchFamily="34" charset="0"/>
+              <a:buChar char="•"/>
+            </a:pPr>
+            <a:r>
+              <a:rPr lang="en-ZA" dirty="0">
+                <a:solidFill>
+                  <a:schemeClr val="bg1"/>
+                </a:solidFill>
+              </a:rPr>
+              <a:t>Amount of interactions</a:t>
+            </a:r>
+          </a:p>
+          <a:p>
+            <a:pPr marL="285750" indent="-285750">
+              <a:buFont typeface="Arial" panose="020B0604020202020204" pitchFamily="34" charset="0"/>
+              <a:buChar char="•"/>
+            </a:pPr>
+            <a:r>
+              <a:rPr lang="en-ZA" dirty="0">
+                <a:solidFill>
+                  <a:schemeClr val="bg1"/>
+                </a:solidFill>
+              </a:rPr>
+              <a:t>Most frequent day of week interacted</a:t>
+            </a:r>
+          </a:p>
+          <a:p>
+            <a:pPr marL="285750" indent="-285750">
+              <a:buFont typeface="Arial" panose="020B0604020202020204" pitchFamily="34" charset="0"/>
+              <a:buChar char="•"/>
+            </a:pPr>
+            <a:endParaRPr lang="en-ZA" dirty="0"/>
+          </a:p>
+        </p:txBody>
+      </p:sp>
+      <p:graphicFrame>
+        <p:nvGraphicFramePr>
+          <p:cNvPr id="3" name="Table 2">
+            <a:extLst>
+              <a:ext uri="{FF2B5EF4-FFF2-40B4-BE49-F238E27FC236}">
+                <a16:creationId xmlns:a16="http://schemas.microsoft.com/office/drawing/2014/main" id="{D0E297A8-0FE5-EB8E-39DF-308D2C8DEFA4}"/>
+              </a:ext>
+            </a:extLst>
+          </p:cNvPr>
+          <p:cNvGraphicFramePr>
+            <a:graphicFrameLocks noGrp="1"/>
+          </p:cNvGraphicFramePr>
+          <p:nvPr>
+            <p:extLst>
+              <p:ext uri="{D42A27DB-BD31-4B8C-83A1-F6EECF244321}">
+                <p14:modId xmlns:p14="http://schemas.microsoft.com/office/powerpoint/2010/main" val="451708208"/>
+              </p:ext>
+            </p:extLst>
+          </p:nvPr>
+        </p:nvGraphicFramePr>
+        <p:xfrm>
+          <a:off x="1055329" y="2369901"/>
+          <a:ext cx="7075950" cy="741680"/>
+        </p:xfrm>
+        <a:graphic>
+          <a:graphicData uri="http://schemas.openxmlformats.org/drawingml/2006/table">
+            <a:tbl>
+              <a:tblPr firstRow="1" bandRow="1">
+                <a:tableStyleId>{EB9631B5-78F2-41C9-869B-9F39066F8104}</a:tableStyleId>
+              </a:tblPr>
+              <a:tblGrid>
+                <a:gridCol w="1179325">
+                  <a:extLst>
+                    <a:ext uri="{9D8B030D-6E8A-4147-A177-3AD203B41FA5}">
+                      <a16:colId xmlns:a16="http://schemas.microsoft.com/office/drawing/2014/main" val="3400634612"/>
+                    </a:ext>
+                  </a:extLst>
+                </a:gridCol>
+                <a:gridCol w="1179325">
+                  <a:extLst>
+                    <a:ext uri="{9D8B030D-6E8A-4147-A177-3AD203B41FA5}">
+                      <a16:colId xmlns:a16="http://schemas.microsoft.com/office/drawing/2014/main" val="701412954"/>
+                    </a:ext>
+                  </a:extLst>
+                </a:gridCol>
+                <a:gridCol w="1179325">
+                  <a:extLst>
+                    <a:ext uri="{9D8B030D-6E8A-4147-A177-3AD203B41FA5}">
+                      <a16:colId xmlns:a16="http://schemas.microsoft.com/office/drawing/2014/main" val="224371639"/>
+                    </a:ext>
+                  </a:extLst>
+                </a:gridCol>
+                <a:gridCol w="1179325">
+                  <a:extLst>
+                    <a:ext uri="{9D8B030D-6E8A-4147-A177-3AD203B41FA5}">
+                      <a16:colId xmlns:a16="http://schemas.microsoft.com/office/drawing/2014/main" val="3317639608"/>
+                    </a:ext>
+                  </a:extLst>
+                </a:gridCol>
+                <a:gridCol w="1179325">
+                  <a:extLst>
+                    <a:ext uri="{9D8B030D-6E8A-4147-A177-3AD203B41FA5}">
+                      <a16:colId xmlns:a16="http://schemas.microsoft.com/office/drawing/2014/main" val="2721267651"/>
+                    </a:ext>
+                  </a:extLst>
+                </a:gridCol>
+                <a:gridCol w="1179325">
+                  <a:extLst>
+                    <a:ext uri="{9D8B030D-6E8A-4147-A177-3AD203B41FA5}">
+                      <a16:colId xmlns:a16="http://schemas.microsoft.com/office/drawing/2014/main" val="1500200790"/>
+                    </a:ext>
+                  </a:extLst>
+                </a:gridCol>
+              </a:tblGrid>
+              <a:tr h="370840">
+                <a:tc>
+                  <a:txBody>
+                    <a:bodyPr/>
+                    <a:lstStyle/>
+                    <a:p>
+                      <a:r>
+                        <a:rPr lang="en-US" sz="1800" b="1" i="0" kern="1200" dirty="0">
+                          <a:solidFill>
+                            <a:schemeClr val="lt1"/>
+                          </a:solidFill>
+                          <a:effectLst/>
+                          <a:latin typeface="+mn-lt"/>
+                          <a:ea typeface="+mn-ea"/>
+                          <a:cs typeface="+mn-cs"/>
+                        </a:rPr>
+                        <a:t>INSURE</a:t>
+                      </a:r>
+                      <a:endParaRPr lang="en-ZA" sz="1600" b="1" dirty="0"/>
+                    </a:p>
+                  </a:txBody>
+                  <a:tcPr/>
+                </a:tc>
+                <a:tc>
+                  <a:txBody>
+                    <a:bodyPr/>
+                    <a:lstStyle/>
+                    <a:p>
+                      <a:r>
+                        <a:rPr lang="en-US" sz="1600" b="1" i="0" kern="1200" dirty="0">
+                          <a:solidFill>
+                            <a:schemeClr val="lt1"/>
+                          </a:solidFill>
+                          <a:effectLst/>
+                          <a:latin typeface="+mn-lt"/>
+                          <a:ea typeface="+mn-ea"/>
+                          <a:cs typeface="+mn-cs"/>
+                        </a:rPr>
+                        <a:t>TRANSACT </a:t>
+                      </a:r>
+                      <a:endParaRPr lang="en-ZA" sz="1600" b="1" dirty="0"/>
+                    </a:p>
+                  </a:txBody>
+                  <a:tcPr/>
+                </a:tc>
+                <a:tc>
+                  <a:txBody>
+                    <a:bodyPr/>
+                    <a:lstStyle/>
+                    <a:p>
+                      <a:r>
+                        <a:rPr lang="en-US" sz="1600" b="1" i="0" kern="1200" dirty="0">
+                          <a:solidFill>
+                            <a:schemeClr val="lt1"/>
+                          </a:solidFill>
+                          <a:effectLst/>
+                          <a:latin typeface="+mn-lt"/>
+                          <a:ea typeface="+mn-ea"/>
+                          <a:cs typeface="+mn-cs"/>
+                        </a:rPr>
+                        <a:t>LEND</a:t>
+                      </a:r>
+                      <a:endParaRPr lang="en-ZA" sz="1600" b="1" dirty="0"/>
+                    </a:p>
+                  </a:txBody>
+                  <a:tcPr/>
+                </a:tc>
+                <a:tc>
+                  <a:txBody>
+                    <a:bodyPr/>
+                    <a:lstStyle/>
+                    <a:p>
+                      <a:r>
+                        <a:rPr lang="en-US" sz="1600" b="1" i="0" kern="1200" dirty="0">
+                          <a:solidFill>
+                            <a:schemeClr val="lt1"/>
+                          </a:solidFill>
+                          <a:effectLst/>
+                          <a:latin typeface="+mn-lt"/>
+                          <a:ea typeface="+mn-ea"/>
+                          <a:cs typeface="+mn-cs"/>
+                        </a:rPr>
+                        <a:t>INVEST</a:t>
+                      </a:r>
+                      <a:endParaRPr lang="en-ZA" sz="1600" b="1" dirty="0"/>
+                    </a:p>
+                  </a:txBody>
+                  <a:tcPr/>
+                </a:tc>
+                <a:tc>
+                  <a:txBody>
+                    <a:bodyPr/>
+                    <a:lstStyle/>
+                    <a:p>
+                      <a:r>
+                        <a:rPr lang="en-US" sz="1600" b="1" i="0" kern="1200" dirty="0">
+                          <a:solidFill>
+                            <a:schemeClr val="lt1"/>
+                          </a:solidFill>
+                          <a:effectLst/>
+                          <a:latin typeface="+mn-lt"/>
+                          <a:ea typeface="+mn-ea"/>
+                          <a:cs typeface="+mn-cs"/>
+                        </a:rPr>
+                        <a:t>LIFESTYLE</a:t>
+                      </a:r>
+                      <a:endParaRPr lang="en-ZA" sz="1600" b="1" dirty="0"/>
+                    </a:p>
+                  </a:txBody>
+                  <a:tcPr/>
+                </a:tc>
+                <a:tc>
+                  <a:txBody>
+                    <a:bodyPr/>
+                    <a:lstStyle/>
+                    <a:p>
+                      <a:pPr algn="l"/>
+                      <a:r>
+                        <a:rPr lang="en-US" sz="1600" b="1" i="0" kern="1200" dirty="0">
+                          <a:solidFill>
+                            <a:schemeClr val="lt1"/>
+                          </a:solidFill>
+                          <a:effectLst/>
+                          <a:latin typeface="+mn-lt"/>
+                          <a:ea typeface="+mn-ea"/>
+                          <a:cs typeface="+mn-cs"/>
+                        </a:rPr>
+                        <a:t>CONNECT</a:t>
+                      </a:r>
+                      <a:endParaRPr lang="en-ZA" sz="1600" b="1" dirty="0"/>
+                    </a:p>
+                  </a:txBody>
+                  <a:tcPr/>
+                </a:tc>
+                <a:extLst>
+                  <a:ext uri="{0D108BD9-81ED-4DB2-BD59-A6C34878D82A}">
+                    <a16:rowId xmlns:a16="http://schemas.microsoft.com/office/drawing/2014/main" val="2245114912"/>
+                  </a:ext>
+                </a:extLst>
+              </a:tr>
+              <a:tr h="370840">
+                <a:tc>
+                  <a:txBody>
+                    <a:bodyPr/>
+                    <a:lstStyle/>
+                    <a:p>
+                      <a:r>
+                        <a:rPr lang="en-ZA" sz="1600" dirty="0"/>
+                        <a:t>0</a:t>
+                      </a:r>
+                    </a:p>
+                  </a:txBody>
+                  <a:tcPr/>
+                </a:tc>
+                <a:tc>
+                  <a:txBody>
+                    <a:bodyPr/>
+                    <a:lstStyle/>
+                    <a:p>
+                      <a:r>
+                        <a:rPr lang="en-ZA" sz="1600" dirty="0"/>
+                        <a:t>0</a:t>
+                      </a:r>
+                    </a:p>
+                  </a:txBody>
+                  <a:tcPr/>
+                </a:tc>
+                <a:tc>
+                  <a:txBody>
+                    <a:bodyPr/>
+                    <a:lstStyle/>
+                    <a:p>
+                      <a:r>
+                        <a:rPr lang="en-ZA" sz="1600" dirty="0"/>
+                        <a:t>0</a:t>
+                      </a:r>
+                    </a:p>
+                  </a:txBody>
+                  <a:tcPr/>
+                </a:tc>
+                <a:tc>
+                  <a:txBody>
+                    <a:bodyPr/>
+                    <a:lstStyle/>
+                    <a:p>
+                      <a:r>
+                        <a:rPr lang="en-ZA" sz="1600" dirty="0"/>
+                        <a:t>0</a:t>
+                      </a:r>
+                    </a:p>
+                  </a:txBody>
+                  <a:tcPr/>
+                </a:tc>
+                <a:tc>
+                  <a:txBody>
+                    <a:bodyPr/>
+                    <a:lstStyle/>
+                    <a:p>
+                      <a:r>
+                        <a:rPr lang="en-ZA" sz="1600" dirty="0"/>
+                        <a:t>0</a:t>
+                      </a:r>
+                    </a:p>
+                  </a:txBody>
+                  <a:tcPr/>
+                </a:tc>
+                <a:tc>
+                  <a:txBody>
+                    <a:bodyPr/>
+                    <a:lstStyle/>
+                    <a:p>
+                      <a:pPr algn="l"/>
+                      <a:r>
+                        <a:rPr lang="en-ZA" sz="1600" dirty="0"/>
+                        <a:t>1</a:t>
+                      </a:r>
+                    </a:p>
+                  </a:txBody>
+                  <a:tcPr/>
+                </a:tc>
+                <a:extLst>
+                  <a:ext uri="{0D108BD9-81ED-4DB2-BD59-A6C34878D82A}">
+                    <a16:rowId xmlns:a16="http://schemas.microsoft.com/office/drawing/2014/main" val="294810486"/>
+                  </a:ext>
+                </a:extLst>
+              </a:tr>
+            </a:tbl>
+          </a:graphicData>
+        </a:graphic>
+      </p:graphicFrame>
+    </p:spTree>
+    <p:extLst>
+      <p:ext uri="{BB962C8B-B14F-4D97-AF65-F5344CB8AC3E}">
+        <p14:creationId xmlns:p14="http://schemas.microsoft.com/office/powerpoint/2010/main" val="2369026690"/>
+      </p:ext>
+    </p:extLst>
+  </p:cSld>
+  <p:clrMapOvr>
+    <a:masterClrMapping/>
+  </p:clrMapOvr>
+  <mc:AlternateContent xmlns:mc="http://schemas.openxmlformats.org/markup-compatibility/2006" xmlns:p14="http://schemas.microsoft.com/office/powerpoint/2010/main">
+    <mc:Choice Requires="p14">
+      <p:transition p14:dur="100">
+        <p:cut/>
+      </p:transition>
+    </mc:Choice>
+    <mc:Fallback xmlns="">
+      <p:transition>
+        <p:cut/>
+      </p:transition>
+    </mc:Fallback>
+  </mc:AlternateContent>
+</p:sld>
+</file>
+
+<file path=ppt/slides/slide32.xml><?xml version="1.0" encoding="utf-8"?>
+<p:sld xmlns:a="http://schemas.openxmlformats.org/drawingml/2006/main" xmlns:r="http://schemas.openxmlformats.org/officeDocument/2006/relationships" xmlns:p="http://schemas.openxmlformats.org/presentationml/2006/main">
+  <p:cSld>
+    <p:bg>
+      <p:bgPr>
+        <a:blipFill dpi="0" rotWithShape="1">
+          <a:blip r:embed="rId2">
+            <a:extLst>
+              <a:ext uri="{BEBA8EAE-BF5A-486C-A8C5-ECC9F3942E4B}">
+                <a14:imgProps xmlns:a14="http://schemas.microsoft.com/office/drawing/2010/main">
+                  <a14:imgLayer r:embed="rId3">
+                    <a14:imgEffect>
+                      <a14:brightnessContrast bright="-20000"/>
+                    </a14:imgEffect>
+                  </a14:imgLayer>
+                </a14:imgProps>
+              </a:ext>
+            </a:extLst>
+          </a:blip>
+          <a:srcRect/>
+          <a:stretch>
+            <a:fillRect l="-9000" t="-39000" b="-11000"/>
+          </a:stretch>
+        </a:blipFill>
+        <a:effectLst/>
+      </p:bgPr>
+    </p:bg>
+    <p:spTree>
+      <p:nvGrpSpPr>
+        <p:cNvPr id="1" name=""/>
+        <p:cNvGrpSpPr/>
+        <p:nvPr/>
+      </p:nvGrpSpPr>
+      <p:grpSpPr>
+        <a:xfrm>
+          <a:off x="0" y="0"/>
+          <a:ext cx="0" cy="0"/>
+          <a:chOff x="0" y="0"/>
+          <a:chExt cx="0" cy="0"/>
+        </a:xfrm>
+      </p:grpSpPr>
+      <p:sp>
+        <p:nvSpPr>
+          <p:cNvPr id="8" name="TextBox 7">
+            <a:extLst>
+              <a:ext uri="{FF2B5EF4-FFF2-40B4-BE49-F238E27FC236}">
+                <a16:creationId xmlns:a16="http://schemas.microsoft.com/office/drawing/2014/main" id="{C0882B99-1574-09ED-8ED5-42D1D668A3BD}"/>
+              </a:ext>
+            </a:extLst>
+          </p:cNvPr>
+          <p:cNvSpPr txBox="1"/>
+          <p:nvPr/>
+        </p:nvSpPr>
+        <p:spPr>
+          <a:xfrm>
+            <a:off x="275303" y="211620"/>
+            <a:ext cx="6096000" cy="461665"/>
+          </a:xfrm>
+          <a:prstGeom prst="rect">
+            <a:avLst/>
+          </a:prstGeom>
+          <a:noFill/>
+        </p:spPr>
+        <p:txBody>
+          <a:bodyPr wrap="square">
+            <a:spAutoFit/>
+          </a:bodyPr>
+          <a:lstStyle/>
+          <a:p>
+            <a:pPr marR="0" lvl="0" algn="l" defTabSz="914400" rtl="0" eaLnBrk="1" fontAlgn="auto" latinLnBrk="0" hangingPunct="1">
+              <a:lnSpc>
+                <a:spcPct val="100000"/>
+              </a:lnSpc>
+              <a:spcBef>
+                <a:spcPts val="0"/>
+              </a:spcBef>
+              <a:spcAft>
+                <a:spcPts val="0"/>
+              </a:spcAft>
+              <a:buClrTx/>
+              <a:buSzTx/>
+              <a:tabLst/>
+              <a:defRPr/>
+            </a:pPr>
+            <a:r>
+              <a:rPr kumimoji="0" lang="en-ZA" sz="2400" b="1" i="0" u="none" strike="noStrike" kern="1200" cap="none" spc="0" normalizeH="0" baseline="0" noProof="0" dirty="0">
+                <a:ln>
+                  <a:noFill/>
+                </a:ln>
+                <a:solidFill>
+                  <a:prstClr val="white"/>
+                </a:solidFill>
+                <a:effectLst/>
+                <a:uLnTx/>
+                <a:uFillTx/>
+                <a:latin typeface="Aptos" panose="02110004020202020204"/>
+                <a:ea typeface="+mn-ea"/>
+                <a:cs typeface="+mn-cs"/>
+              </a:rPr>
+              <a:t>2. User Features</a:t>
+            </a:r>
+          </a:p>
+        </p:txBody>
+      </p:sp>
+      <p:sp>
+        <p:nvSpPr>
+          <p:cNvPr id="2" name="TextBox 1">
+            <a:extLst>
+              <a:ext uri="{FF2B5EF4-FFF2-40B4-BE49-F238E27FC236}">
+                <a16:creationId xmlns:a16="http://schemas.microsoft.com/office/drawing/2014/main" id="{36536420-2259-FDCB-A3D7-C1AD14ED1FC9}"/>
+              </a:ext>
+            </a:extLst>
+          </p:cNvPr>
+          <p:cNvSpPr txBox="1"/>
+          <p:nvPr/>
+        </p:nvSpPr>
+        <p:spPr>
+          <a:xfrm>
+            <a:off x="688257" y="807287"/>
+            <a:ext cx="9429135" cy="4247317"/>
+          </a:xfrm>
+          <a:prstGeom prst="rect">
+            <a:avLst/>
+          </a:prstGeom>
+          <a:noFill/>
+        </p:spPr>
+        <p:txBody>
+          <a:bodyPr wrap="square">
+            <a:spAutoFit/>
+          </a:bodyPr>
+          <a:lstStyle/>
+          <a:p>
+            <a:pPr marL="285750" indent="-285750">
+              <a:buFont typeface="Arial" panose="020B0604020202020204" pitchFamily="34" charset="0"/>
+              <a:buChar char="•"/>
+            </a:pPr>
+            <a:r>
+              <a:rPr lang="en-ZA" dirty="0">
+                <a:solidFill>
+                  <a:schemeClr val="bg1"/>
+                </a:solidFill>
+              </a:rPr>
+              <a:t>Income Segment</a:t>
+            </a:r>
+          </a:p>
+          <a:p>
+            <a:pPr marL="285750" indent="-285750">
+              <a:buFont typeface="Arial" panose="020B0604020202020204" pitchFamily="34" charset="0"/>
+              <a:buChar char="•"/>
+            </a:pPr>
+            <a:r>
+              <a:rPr lang="en-ZA" dirty="0">
+                <a:solidFill>
+                  <a:schemeClr val="bg1"/>
+                </a:solidFill>
+              </a:rPr>
+              <a:t>Behavioural segment</a:t>
+            </a:r>
+          </a:p>
+          <a:p>
+            <a:pPr marL="285750" indent="-285750">
+              <a:buFont typeface="Arial" panose="020B0604020202020204" pitchFamily="34" charset="0"/>
+              <a:buChar char="•"/>
+            </a:pPr>
+            <a:r>
+              <a:rPr lang="en-ZA" dirty="0">
+                <a:solidFill>
+                  <a:schemeClr val="bg1"/>
+                </a:solidFill>
+              </a:rPr>
+              <a:t>Activity index</a:t>
+            </a:r>
+          </a:p>
+          <a:p>
+            <a:pPr marL="285750" indent="-285750">
+              <a:buFont typeface="Arial" panose="020B0604020202020204" pitchFamily="34" charset="0"/>
+              <a:buChar char="•"/>
+            </a:pPr>
+            <a:r>
+              <a:rPr lang="en-ZA" dirty="0">
+                <a:solidFill>
+                  <a:schemeClr val="bg1"/>
+                </a:solidFill>
+              </a:rPr>
+              <a:t>Time of day </a:t>
+            </a:r>
+          </a:p>
+          <a:p>
+            <a:pPr marL="285750" indent="-285750">
+              <a:buFont typeface="Arial" panose="020B0604020202020204" pitchFamily="34" charset="0"/>
+              <a:buChar char="•"/>
+            </a:pPr>
+            <a:r>
+              <a:rPr lang="en-ZA" dirty="0">
+                <a:solidFill>
+                  <a:schemeClr val="bg1"/>
+                </a:solidFill>
+              </a:rPr>
               <a:t>Most interacted item type</a:t>
             </a:r>
           </a:p>
@@ -28457,7 +29231,7 @@
 </p:sld>
 </file>
 
-<file path=ppt/slides/slide32.xml><?xml version="1.0" encoding="utf-8"?>
+<file path=ppt/slides/slide33.xml><?xml version="1.0" encoding="utf-8"?>
 <p:sld xmlns:a="http://schemas.openxmlformats.org/drawingml/2006/main" xmlns:r="http://schemas.openxmlformats.org/officeDocument/2006/relationships" xmlns:p="http://schemas.openxmlformats.org/presentationml/2006/main">
   <p:cSld>
     <p:bg>
@@ -30036,7 +30810,7 @@
 </p:sld>
 </file>
 
-<file path=ppt/slides/slide33.xml><?xml version="1.0" encoding="utf-8"?>
+<file path=ppt/slides/slide34.xml><?xml version="1.0" encoding="utf-8"?>
 <p:sld xmlns:a="http://schemas.openxmlformats.org/drawingml/2006/main" xmlns:r="http://schemas.openxmlformats.org/officeDocument/2006/relationships" xmlns:p="http://schemas.openxmlformats.org/presentationml/2006/main">
   <p:cSld>
     <p:bg>
@@ -30644,7 +31418,7 @@
 </p:sld>
 </file>
 
-<file path=ppt/slides/slide34.xml><?xml version="1.0" encoding="utf-8"?>
+<file path=ppt/slides/slide35.xml><?xml version="1.0" encoding="utf-8"?>
 <p:sld xmlns:a="http://schemas.openxmlformats.org/drawingml/2006/main" xmlns:r="http://schemas.openxmlformats.org/officeDocument/2006/relationships" xmlns:p="http://schemas.openxmlformats.org/presentationml/2006/main">
   <p:cSld>
     <p:bg>
@@ -30935,7 +31709,7 @@
 </p:sld>
 </file>
 
-<file path=ppt/slides/slide35.xml><?xml version="1.0" encoding="utf-8"?>
+<file path=ppt/slides/slide36.xml><?xml version="1.0" encoding="utf-8"?>
 <p:sld xmlns:a="http://schemas.openxmlformats.org/drawingml/2006/main" xmlns:r="http://schemas.openxmlformats.org/officeDocument/2006/relationships" xmlns:p="http://schemas.openxmlformats.org/presentationml/2006/main">
   <p:cSld>
     <p:bg>
@@ -31211,220 +31985,6 @@
     <p:extLst>
       <p:ext uri="{BB962C8B-B14F-4D97-AF65-F5344CB8AC3E}">
         <p14:creationId xmlns:p14="http://schemas.microsoft.com/office/powerpoint/2010/main" val="270213799"/>
-      </p:ext>
-    </p:extLst>
-  </p:cSld>
-  <p:clrMapOvr>
-    <a:masterClrMapping/>
-  </p:clrMapOvr>
-  <mc:AlternateContent xmlns:mc="http://schemas.openxmlformats.org/markup-compatibility/2006" xmlns:p159="http://schemas.microsoft.com/office/powerpoint/2015/09/main">
-    <mc:Choice Requires="p159">
-      <p:transition xmlns:p14="http://schemas.microsoft.com/office/powerpoint/2010/main" spd="slow" p14:dur="2000">
-        <p159:morph option="byObject"/>
-      </p:transition>
-    </mc:Choice>
-    <mc:Fallback xmlns="">
-      <p:transition spd="slow">
-        <p:fade/>
-      </p:transition>
-    </mc:Fallback>
-  </mc:AlternateContent>
-</p:sld>
-</file>
-
-<file path=ppt/slides/slide36.xml><?xml version="1.0" encoding="utf-8"?>
-<p:sld xmlns:a="http://schemas.openxmlformats.org/drawingml/2006/main" xmlns:r="http://schemas.openxmlformats.org/officeDocument/2006/relationships" xmlns:p="http://schemas.openxmlformats.org/presentationml/2006/main">
-  <p:cSld>
-    <p:bg>
-      <p:bgPr>
-        <a:blipFill dpi="0" rotWithShape="1">
-          <a:blip r:embed="rId2">
-            <a:extLst>
-              <a:ext uri="{BEBA8EAE-BF5A-486C-A8C5-ECC9F3942E4B}">
-                <a14:imgProps xmlns:a14="http://schemas.microsoft.com/office/drawing/2010/main">
-                  <a14:imgLayer r:embed="rId3">
-                    <a14:imgEffect>
-                      <a14:brightnessContrast bright="-20000"/>
-                    </a14:imgEffect>
-                  </a14:imgLayer>
-                </a14:imgProps>
-              </a:ext>
-            </a:extLst>
-          </a:blip>
-          <a:srcRect/>
-          <a:stretch>
-            <a:fillRect l="-9000" t="-39000" b="-11000"/>
-          </a:stretch>
-        </a:blipFill>
-        <a:effectLst/>
-      </p:bgPr>
-    </p:bg>
-    <p:spTree>
-      <p:nvGrpSpPr>
-        <p:cNvPr id="1" name=""/>
-        <p:cNvGrpSpPr/>
-        <p:nvPr/>
-      </p:nvGrpSpPr>
-      <p:grpSpPr>
-        <a:xfrm>
-          <a:off x="0" y="0"/>
-          <a:ext cx="0" cy="0"/>
-          <a:chOff x="0" y="0"/>
-          <a:chExt cx="0" cy="0"/>
-        </a:xfrm>
-      </p:grpSpPr>
-      <p:sp>
-        <p:nvSpPr>
-          <p:cNvPr id="10" name="TextBox 9">
-            <a:extLst>
-              <a:ext uri="{FF2B5EF4-FFF2-40B4-BE49-F238E27FC236}">
-                <a16:creationId xmlns:a16="http://schemas.microsoft.com/office/drawing/2014/main" id="{23CF3E7A-ECD7-7CD8-E2D4-C69062F5E0B5}"/>
-              </a:ext>
-            </a:extLst>
-          </p:cNvPr>
-          <p:cNvSpPr txBox="1"/>
-          <p:nvPr/>
-        </p:nvSpPr>
-        <p:spPr>
-          <a:xfrm>
-            <a:off x="235974" y="181672"/>
-            <a:ext cx="6096000" cy="461665"/>
-          </a:xfrm>
-          <a:prstGeom prst="rect">
-            <a:avLst/>
-          </a:prstGeom>
-          <a:noFill/>
-        </p:spPr>
-        <p:txBody>
-          <a:bodyPr wrap="square">
-            <a:spAutoFit/>
-          </a:bodyPr>
-          <a:lstStyle/>
-          <a:p>
-            <a:pPr marR="0" lvl="0" algn="l" defTabSz="914400" rtl="0" eaLnBrk="1" fontAlgn="auto" latinLnBrk="0" hangingPunct="1">
-              <a:lnSpc>
-                <a:spcPct val="100000"/>
-              </a:lnSpc>
-              <a:spcBef>
-                <a:spcPts val="0"/>
-              </a:spcBef>
-              <a:spcAft>
-                <a:spcPts val="0"/>
-              </a:spcAft>
-              <a:buClrTx/>
-              <a:buSzTx/>
-              <a:tabLst/>
-              <a:defRPr/>
-            </a:pPr>
-            <a:r>
-              <a:rPr kumimoji="0" lang="en-ZA" sz="2400" b="1" i="0" u="none" strike="noStrike" kern="1200" cap="none" spc="0" normalizeH="0" baseline="0" noProof="0" dirty="0">
-                <a:ln>
-                  <a:noFill/>
-                </a:ln>
-                <a:solidFill>
-                  <a:prstClr val="white"/>
-                </a:solidFill>
-                <a:effectLst/>
-                <a:uLnTx/>
-                <a:uFillTx/>
-                <a:latin typeface="Aptos" panose="02110004020202020204"/>
-                <a:ea typeface="+mn-ea"/>
-                <a:cs typeface="+mn-cs"/>
-              </a:rPr>
-              <a:t>3. Item features</a:t>
-            </a:r>
-            <a:endParaRPr kumimoji="0" lang="en-ZA" sz="1800" b="0" i="0" u="none" strike="noStrike" kern="1200" cap="none" spc="0" normalizeH="0" baseline="0" noProof="0" dirty="0">
-              <a:ln>
-                <a:noFill/>
-              </a:ln>
-              <a:solidFill>
-                <a:prstClr val="white"/>
-              </a:solidFill>
-              <a:effectLst/>
-              <a:uLnTx/>
-              <a:uFillTx/>
-              <a:latin typeface="Aptos" panose="02110004020202020204"/>
-              <a:ea typeface="+mn-ea"/>
-              <a:cs typeface="+mn-cs"/>
-            </a:endParaRPr>
-          </a:p>
-        </p:txBody>
-      </p:sp>
-      <p:sp>
-        <p:nvSpPr>
-          <p:cNvPr id="3" name="TextBox 2">
-            <a:extLst>
-              <a:ext uri="{FF2B5EF4-FFF2-40B4-BE49-F238E27FC236}">
-                <a16:creationId xmlns:a16="http://schemas.microsoft.com/office/drawing/2014/main" id="{BF6288A0-0DCE-A954-D203-697CFCF9752E}"/>
-              </a:ext>
-            </a:extLst>
-          </p:cNvPr>
-          <p:cNvSpPr txBox="1"/>
-          <p:nvPr/>
-        </p:nvSpPr>
-        <p:spPr>
-          <a:xfrm>
-            <a:off x="304800" y="752448"/>
-            <a:ext cx="6096000" cy="923330"/>
-          </a:xfrm>
-          <a:prstGeom prst="rect">
-            <a:avLst/>
-          </a:prstGeom>
-          <a:noFill/>
-        </p:spPr>
-        <p:txBody>
-          <a:bodyPr wrap="square">
-            <a:spAutoFit/>
-          </a:bodyPr>
-          <a:lstStyle/>
-          <a:p>
-            <a:pPr marL="285750" indent="-285750">
-              <a:buFont typeface="Arial" panose="020B0604020202020204" pitchFamily="34" charset="0"/>
-              <a:buChar char="•"/>
-            </a:pPr>
-            <a:r>
-              <a:rPr lang="en-ZA" dirty="0">
-                <a:solidFill>
-                  <a:schemeClr val="bg1"/>
-                </a:solidFill>
-              </a:rPr>
-              <a:t>Item type</a:t>
-            </a:r>
-          </a:p>
-          <a:p>
-            <a:pPr marL="285750" indent="-285750">
-              <a:buFont typeface="Arial" panose="020B0604020202020204" pitchFamily="34" charset="0"/>
-              <a:buChar char="•"/>
-            </a:pPr>
-            <a:r>
-              <a:rPr lang="en-ZA" dirty="0">
-                <a:solidFill>
-                  <a:schemeClr val="bg1"/>
-                </a:solidFill>
-              </a:rPr>
-              <a:t>Most frequent day interacted on</a:t>
-            </a:r>
-          </a:p>
-          <a:p>
-            <a:pPr marL="285750" indent="-285750">
-              <a:buFont typeface="Arial" panose="020B0604020202020204" pitchFamily="34" charset="0"/>
-              <a:buChar char="•"/>
-            </a:pPr>
-            <a:r>
-              <a:rPr lang="en-ZA" dirty="0">
-                <a:solidFill>
-                  <a:schemeClr val="bg1"/>
-                </a:solidFill>
-              </a:rPr>
-              <a:t>Amount of unique users bin</a:t>
-            </a:r>
-          </a:p>
-        </p:txBody>
-      </p:sp>
-    </p:spTree>
-    <p:extLst>
-      <p:ext uri="{BB962C8B-B14F-4D97-AF65-F5344CB8AC3E}">
-        <p14:creationId xmlns:p14="http://schemas.microsoft.com/office/powerpoint/2010/main" val="2224103638"/>
       </p:ext>
     </p:extLst>
   </p:cSld>
@@ -31579,7 +32139,7 @@
         <p:spPr>
           <a:xfrm>
             <a:off x="304800" y="752448"/>
-            <a:ext cx="6096000" cy="2031325"/>
+            <a:ext cx="6096000" cy="923330"/>
           </a:xfrm>
           <a:prstGeom prst="rect">
             <a:avLst/>
@@ -31602,41 +32162,8 @@
                   <a:schemeClr val="bg1"/>
                 </a:solidFill>
               </a:rPr>
-              <a:t>Item type:</a:t>
-            </a:r>
-          </a:p>
-          <a:p>
-            <a:pPr marL="285750" indent="-285750">
-              <a:buFont typeface="Arial" panose="020B0604020202020204" pitchFamily="34" charset="0"/>
-              <a:buChar char="•"/>
-            </a:pPr>
-            <a:endParaRPr lang="en-ZA" dirty="0">
-              <a:solidFill>
-                <a:schemeClr val="bg1"/>
-              </a:solidFill>
-            </a:endParaRPr>
-          </a:p>
-          <a:p>
-            <a:pPr marL="285750" indent="-285750">
-              <a:buFont typeface="Arial" panose="020B0604020202020204" pitchFamily="34" charset="0"/>
-              <a:buChar char="•"/>
-            </a:pPr>
-            <a:endParaRPr lang="en-ZA" dirty="0">
-              <a:solidFill>
-                <a:schemeClr val="bg1"/>
-              </a:solidFill>
-            </a:endParaRPr>
-          </a:p>
-          <a:p>
-            <a:pPr marL="285750" indent="-285750">
-              <a:buFont typeface="Arial" panose="020B0604020202020204" pitchFamily="34" charset="0"/>
-              <a:buChar char="•"/>
-            </a:pPr>
-            <a:endParaRPr lang="en-ZA" dirty="0">
-              <a:solidFill>
-                <a:schemeClr val="bg1"/>
-              </a:solidFill>
-            </a:endParaRPr>
+              <a:t>Item type</a:t>
+            </a:r>
           </a:p>
           <a:p>
             <a:pPr marL="285750" indent="-285750">
@@ -31663,324 +32190,15 @@
                   <a:schemeClr val="bg1"/>
                 </a:solidFill>
               </a:rPr>
-              <a:t>Amount of unique users</a:t>
-            </a:r>
-          </a:p>
-          <a:p>
-            <a:pPr marL="285750" indent="-285750">
-              <a:buFont typeface="Arial" panose="020B0604020202020204" pitchFamily="34" charset="0"/>
-              <a:buChar char="•"/>
-            </a:pPr>
-            <a:endParaRPr lang="en-ZA" dirty="0">
-              <a:solidFill>
-                <a:schemeClr val="bg1"/>
-              </a:solidFill>
-            </a:endParaRPr>
+              <a:t>Amount of unique users bin</a:t>
+            </a:r>
           </a:p>
         </p:txBody>
       </p:sp>
-      <p:graphicFrame>
-        <p:nvGraphicFramePr>
-          <p:cNvPr id="2" name="Table 1">
-            <a:extLst>
-              <a:ext uri="{FF2B5EF4-FFF2-40B4-BE49-F238E27FC236}">
-                <a16:creationId xmlns:a16="http://schemas.microsoft.com/office/drawing/2014/main" id="{53833DAA-A7DB-F45A-C952-C7A56FD4C60F}"/>
-              </a:ext>
-            </a:extLst>
-          </p:cNvPr>
-          <p:cNvGraphicFramePr>
-            <a:graphicFrameLocks noGrp="1"/>
-          </p:cNvGraphicFramePr>
-          <p:nvPr/>
-        </p:nvGraphicFramePr>
-        <p:xfrm>
-          <a:off x="652207" y="1120272"/>
-          <a:ext cx="7075950" cy="741680"/>
-        </p:xfrm>
-        <a:graphic>
-          <a:graphicData uri="http://schemas.openxmlformats.org/drawingml/2006/table">
-            <a:tbl>
-              <a:tblPr firstRow="1" bandRow="1">
-                <a:tableStyleId>{EB9631B5-78F2-41C9-869B-9F39066F8104}</a:tableStyleId>
-              </a:tblPr>
-              <a:tblGrid>
-                <a:gridCol w="1179325">
-                  <a:extLst>
-                    <a:ext uri="{9D8B030D-6E8A-4147-A177-3AD203B41FA5}">
-                      <a16:colId xmlns:a16="http://schemas.microsoft.com/office/drawing/2014/main" val="3400634612"/>
-                    </a:ext>
-                  </a:extLst>
-                </a:gridCol>
-                <a:gridCol w="1179325">
-                  <a:extLst>
-                    <a:ext uri="{9D8B030D-6E8A-4147-A177-3AD203B41FA5}">
-                      <a16:colId xmlns:a16="http://schemas.microsoft.com/office/drawing/2014/main" val="701412954"/>
-                    </a:ext>
-                  </a:extLst>
-                </a:gridCol>
-                <a:gridCol w="1179325">
-                  <a:extLst>
-                    <a:ext uri="{9D8B030D-6E8A-4147-A177-3AD203B41FA5}">
-                      <a16:colId xmlns:a16="http://schemas.microsoft.com/office/drawing/2014/main" val="224371639"/>
-                    </a:ext>
-                  </a:extLst>
-                </a:gridCol>
-                <a:gridCol w="1179325">
-                  <a:extLst>
-                    <a:ext uri="{9D8B030D-6E8A-4147-A177-3AD203B41FA5}">
-                      <a16:colId xmlns:a16="http://schemas.microsoft.com/office/drawing/2014/main" val="3317639608"/>
-                    </a:ext>
-                  </a:extLst>
-                </a:gridCol>
-                <a:gridCol w="1179325">
-                  <a:extLst>
-                    <a:ext uri="{9D8B030D-6E8A-4147-A177-3AD203B41FA5}">
-                      <a16:colId xmlns:a16="http://schemas.microsoft.com/office/drawing/2014/main" val="2721267651"/>
-                    </a:ext>
-                  </a:extLst>
-                </a:gridCol>
-                <a:gridCol w="1179325">
-                  <a:extLst>
-                    <a:ext uri="{9D8B030D-6E8A-4147-A177-3AD203B41FA5}">
-                      <a16:colId xmlns:a16="http://schemas.microsoft.com/office/drawing/2014/main" val="1500200790"/>
-                    </a:ext>
-                  </a:extLst>
-                </a:gridCol>
-              </a:tblGrid>
-              <a:tr h="370840">
-                <a:tc>
-                  <a:txBody>
-                    <a:bodyPr/>
-                    <a:lstStyle/>
-                    <a:p>
-                      <a:r>
-                        <a:rPr lang="en-US" sz="1800" b="1" i="0" kern="1200" dirty="0">
-                          <a:solidFill>
-                            <a:schemeClr val="lt1"/>
-                          </a:solidFill>
-                          <a:effectLst/>
-                          <a:latin typeface="+mn-lt"/>
-                          <a:ea typeface="+mn-ea"/>
-                          <a:cs typeface="+mn-cs"/>
-                        </a:rPr>
-                        <a:t>INSURE</a:t>
-                      </a:r>
-                      <a:endParaRPr lang="en-ZA" sz="1600" b="1" dirty="0"/>
-                    </a:p>
-                  </a:txBody>
-                  <a:tcPr/>
-                </a:tc>
-                <a:tc>
-                  <a:txBody>
-                    <a:bodyPr/>
-                    <a:lstStyle/>
-                    <a:p>
-                      <a:r>
-                        <a:rPr lang="en-US" sz="1600" b="1" i="0" kern="1200" dirty="0">
-                          <a:solidFill>
-                            <a:schemeClr val="lt1"/>
-                          </a:solidFill>
-                          <a:effectLst/>
-                          <a:latin typeface="+mn-lt"/>
-                          <a:ea typeface="+mn-ea"/>
-                          <a:cs typeface="+mn-cs"/>
-                        </a:rPr>
-                        <a:t>TRANSACT </a:t>
-                      </a:r>
-                      <a:endParaRPr lang="en-ZA" sz="1600" b="1" dirty="0"/>
-                    </a:p>
-                  </a:txBody>
-                  <a:tcPr/>
-                </a:tc>
-                <a:tc>
-                  <a:txBody>
-                    <a:bodyPr/>
-                    <a:lstStyle/>
-                    <a:p>
-                      <a:r>
-                        <a:rPr lang="en-US" sz="1600" b="1" i="0" kern="1200" dirty="0">
-                          <a:solidFill>
-                            <a:schemeClr val="lt1"/>
-                          </a:solidFill>
-                          <a:effectLst/>
-                          <a:latin typeface="+mn-lt"/>
-                          <a:ea typeface="+mn-ea"/>
-                          <a:cs typeface="+mn-cs"/>
-                        </a:rPr>
-                        <a:t>LEND</a:t>
-                      </a:r>
-                      <a:endParaRPr lang="en-ZA" sz="1600" b="1" dirty="0"/>
-                    </a:p>
-                  </a:txBody>
-                  <a:tcPr/>
-                </a:tc>
-                <a:tc>
-                  <a:txBody>
-                    <a:bodyPr/>
-                    <a:lstStyle/>
-                    <a:p>
-                      <a:r>
-                        <a:rPr lang="en-US" sz="1600" b="1" i="0" kern="1200" dirty="0">
-                          <a:solidFill>
-                            <a:schemeClr val="lt1"/>
-                          </a:solidFill>
-                          <a:effectLst/>
-                          <a:latin typeface="+mn-lt"/>
-                          <a:ea typeface="+mn-ea"/>
-                          <a:cs typeface="+mn-cs"/>
-                        </a:rPr>
-                        <a:t>INVEST</a:t>
-                      </a:r>
-                      <a:endParaRPr lang="en-ZA" sz="1600" b="1" dirty="0"/>
-                    </a:p>
-                  </a:txBody>
-                  <a:tcPr/>
-                </a:tc>
-                <a:tc>
-                  <a:txBody>
-                    <a:bodyPr/>
-                    <a:lstStyle/>
-                    <a:p>
-                      <a:r>
-                        <a:rPr lang="en-US" sz="1600" b="1" i="0" kern="1200" dirty="0">
-                          <a:solidFill>
-                            <a:schemeClr val="lt1"/>
-                          </a:solidFill>
-                          <a:effectLst/>
-                          <a:latin typeface="+mn-lt"/>
-                          <a:ea typeface="+mn-ea"/>
-                          <a:cs typeface="+mn-cs"/>
-                        </a:rPr>
-                        <a:t>LIFESTYLE</a:t>
-                      </a:r>
-                      <a:endParaRPr lang="en-ZA" sz="1600" b="1" dirty="0"/>
-                    </a:p>
-                  </a:txBody>
-                  <a:tcPr/>
-                </a:tc>
-                <a:tc>
-                  <a:txBody>
-                    <a:bodyPr/>
-                    <a:lstStyle/>
-                    <a:p>
-                      <a:pPr algn="l"/>
-                      <a:r>
-                        <a:rPr lang="en-US" sz="1600" b="1" i="0" kern="1200" dirty="0">
-                          <a:solidFill>
-                            <a:schemeClr val="lt1"/>
-                          </a:solidFill>
-                          <a:effectLst/>
-                          <a:latin typeface="+mn-lt"/>
-                          <a:ea typeface="+mn-ea"/>
-                          <a:cs typeface="+mn-cs"/>
-                        </a:rPr>
-                        <a:t>CONNECT</a:t>
-                      </a:r>
-                      <a:endParaRPr lang="en-ZA" sz="1600" b="1" dirty="0"/>
-                    </a:p>
-                  </a:txBody>
-                  <a:tcPr/>
-                </a:tc>
-                <a:extLst>
-                  <a:ext uri="{0D108BD9-81ED-4DB2-BD59-A6C34878D82A}">
-                    <a16:rowId xmlns:a16="http://schemas.microsoft.com/office/drawing/2014/main" val="2245114912"/>
-                  </a:ext>
-                </a:extLst>
-              </a:tr>
-              <a:tr h="370840">
-                <a:tc>
-                  <a:txBody>
-                    <a:bodyPr/>
-                    <a:lstStyle/>
-                    <a:p>
-                      <a:r>
-                        <a:rPr lang="en-ZA" sz="1600" dirty="0"/>
-                        <a:t>0</a:t>
-                      </a:r>
-                    </a:p>
-                  </a:txBody>
-                  <a:tcPr/>
-                </a:tc>
-                <a:tc>
-                  <a:txBody>
-                    <a:bodyPr/>
-                    <a:lstStyle/>
-                    <a:p>
-                      <a:r>
-                        <a:rPr lang="en-ZA" sz="1600" dirty="0"/>
-                        <a:t>0</a:t>
-                      </a:r>
-                    </a:p>
-                  </a:txBody>
-                  <a:tcPr/>
-                </a:tc>
-                <a:tc>
-                  <a:txBody>
-                    <a:bodyPr/>
-                    <a:lstStyle/>
-                    <a:p>
-                      <a:r>
-                        <a:rPr lang="en-ZA" sz="1600" dirty="0"/>
-                        <a:t>0</a:t>
-                      </a:r>
-                    </a:p>
-                  </a:txBody>
-                  <a:tcPr/>
-                </a:tc>
-                <a:tc>
-                  <a:txBody>
-                    <a:bodyPr/>
-                    <a:lstStyle/>
-                    <a:p>
-                      <a:r>
-                        <a:rPr lang="en-ZA" sz="1600" dirty="0"/>
-                        <a:t>0</a:t>
-                      </a:r>
-                    </a:p>
-                  </a:txBody>
-                  <a:tcPr/>
-                </a:tc>
-                <a:tc>
-                  <a:txBody>
-                    <a:bodyPr/>
-                    <a:lstStyle/>
-                    <a:p>
-                      <a:r>
-                        <a:rPr lang="en-ZA" sz="1600" dirty="0"/>
-                        <a:t>0</a:t>
-                      </a:r>
-                    </a:p>
-                  </a:txBody>
-                  <a:tcPr/>
-                </a:tc>
-                <a:tc>
-                  <a:txBody>
-                    <a:bodyPr/>
-                    <a:lstStyle/>
-                    <a:p>
-                      <a:pPr algn="l"/>
-                      <a:r>
-                        <a:rPr lang="en-ZA" sz="1600" dirty="0"/>
-                        <a:t>1</a:t>
-                      </a:r>
-                    </a:p>
-                  </a:txBody>
-                  <a:tcPr/>
-                </a:tc>
-                <a:extLst>
-                  <a:ext uri="{0D108BD9-81ED-4DB2-BD59-A6C34878D82A}">
-                    <a16:rowId xmlns:a16="http://schemas.microsoft.com/office/drawing/2014/main" val="294810486"/>
-                  </a:ext>
-                </a:extLst>
-              </a:tr>
-            </a:tbl>
-          </a:graphicData>
-        </a:graphic>
-      </p:graphicFrame>
     </p:spTree>
     <p:extLst>
       <p:ext uri="{BB962C8B-B14F-4D97-AF65-F5344CB8AC3E}">
-        <p14:creationId xmlns:p14="http://schemas.microsoft.com/office/powerpoint/2010/main" val="784048404"/>
+        <p14:creationId xmlns:p14="http://schemas.microsoft.com/office/powerpoint/2010/main" val="2224103638"/>
       </p:ext>
     </p:extLst>
   </p:cSld>
@@ -32158,21 +32376,7 @@
                   <a:schemeClr val="bg1"/>
                 </a:solidFill>
               </a:rPr>
-              <a:t>Item type</a:t>
-            </a:r>
-          </a:p>
-          <a:p>
-            <a:pPr marL="285750" indent="-285750">
-              <a:buFont typeface="Arial" panose="020B0604020202020204" pitchFamily="34" charset="0"/>
-              <a:buChar char="•"/>
-            </a:pPr>
-            <a:r>
-              <a:rPr lang="en-ZA" dirty="0">
-                <a:solidFill>
-                  <a:schemeClr val="bg1"/>
-                </a:solidFill>
-              </a:rPr>
-              <a:t>Most frequent day interacted on:</a:t>
+              <a:t>Item type:</a:t>
             </a:r>
           </a:p>
           <a:p>
@@ -32213,11 +32417,14 @@
               <a:buFont typeface="Arial" panose="020B0604020202020204" pitchFamily="34" charset="0"/>
               <a:buChar char="•"/>
             </a:pPr>
-            <a:endParaRPr lang="en-ZA" dirty="0">
-              <a:solidFill>
-                <a:schemeClr val="bg1"/>
-              </a:solidFill>
-            </a:endParaRPr>
+            <a:r>
+              <a:rPr lang="en-ZA" dirty="0">
+                <a:solidFill>
+                  <a:schemeClr val="bg1"/>
+                </a:solidFill>
+              </a:rPr>
+              <a:t>Most frequent day interacted on</a:t>
+            </a:r>
           </a:p>
           <a:p>
             <a:pPr marL="285750" indent="-285750">
@@ -32233,31 +32440,36 @@
               <a:t>Amount of unique users</a:t>
             </a:r>
           </a:p>
+          <a:p>
+            <a:pPr marL="285750" indent="-285750">
+              <a:buFont typeface="Arial" panose="020B0604020202020204" pitchFamily="34" charset="0"/>
+              <a:buChar char="•"/>
+            </a:pPr>
+            <a:endParaRPr lang="en-ZA" dirty="0">
+              <a:solidFill>
+                <a:schemeClr val="bg1"/>
+              </a:solidFill>
+            </a:endParaRPr>
+          </a:p>
         </p:txBody>
       </p:sp>
       <p:graphicFrame>
         <p:nvGraphicFramePr>
-          <p:cNvPr id="4" name="Table 3">
+          <p:cNvPr id="2" name="Table 1">
             <a:extLst>
               <a:ext uri="{FF2B5EF4-FFF2-40B4-BE49-F238E27FC236}">
-                <a16:creationId xmlns:a16="http://schemas.microsoft.com/office/drawing/2014/main" id="{B3320DAF-154E-BD64-3146-F21A31416485}"/>
+                <a16:creationId xmlns:a16="http://schemas.microsoft.com/office/drawing/2014/main" id="{53833DAA-A7DB-F45A-C952-C7A56FD4C60F}"/>
               </a:ext>
             </a:extLst>
           </p:cNvPr>
           <p:cNvGraphicFramePr>
             <a:graphicFrameLocks noGrp="1"/>
           </p:cNvGraphicFramePr>
-          <p:nvPr>
-            <p:extLst>
-              <p:ext uri="{D42A27DB-BD31-4B8C-83A1-F6EECF244321}">
-                <p14:modId xmlns:p14="http://schemas.microsoft.com/office/powerpoint/2010/main" val="1735747866"/>
-              </p:ext>
-            </p:extLst>
-          </p:nvPr>
+          <p:nvPr/>
         </p:nvGraphicFramePr>
         <p:xfrm>
-          <a:off x="694812" y="1505159"/>
-          <a:ext cx="5512619" cy="741680"/>
+          <a:off x="652207" y="1120272"/>
+          <a:ext cx="7075950" cy="741680"/>
         </p:xfrm>
         <a:graphic>
           <a:graphicData uri="http://schemas.openxmlformats.org/drawingml/2006/table">
@@ -32266,55 +32478,48 @@
                 <a:tableStyleId>{EB9631B5-78F2-41C9-869B-9F39066F8104}</a:tableStyleId>
               </a:tblPr>
               <a:tblGrid>
-                <a:gridCol w="787517">
+                <a:gridCol w="1179325">
                   <a:extLst>
                     <a:ext uri="{9D8B030D-6E8A-4147-A177-3AD203B41FA5}">
                       <a16:colId xmlns:a16="http://schemas.microsoft.com/office/drawing/2014/main" val="3400634612"/>
                     </a:ext>
                   </a:extLst>
                 </a:gridCol>
-                <a:gridCol w="787517">
+                <a:gridCol w="1179325">
                   <a:extLst>
                     <a:ext uri="{9D8B030D-6E8A-4147-A177-3AD203B41FA5}">
                       <a16:colId xmlns:a16="http://schemas.microsoft.com/office/drawing/2014/main" val="701412954"/>
                     </a:ext>
                   </a:extLst>
                 </a:gridCol>
-                <a:gridCol w="787517">
+                <a:gridCol w="1179325">
                   <a:extLst>
                     <a:ext uri="{9D8B030D-6E8A-4147-A177-3AD203B41FA5}">
                       <a16:colId xmlns:a16="http://schemas.microsoft.com/office/drawing/2014/main" val="224371639"/>
                     </a:ext>
                   </a:extLst>
                 </a:gridCol>
-                <a:gridCol w="787517">
+                <a:gridCol w="1179325">
                   <a:extLst>
                     <a:ext uri="{9D8B030D-6E8A-4147-A177-3AD203B41FA5}">
                       <a16:colId xmlns:a16="http://schemas.microsoft.com/office/drawing/2014/main" val="3317639608"/>
                     </a:ext>
                   </a:extLst>
                 </a:gridCol>
-                <a:gridCol w="787517">
+                <a:gridCol w="1179325">
                   <a:extLst>
                     <a:ext uri="{9D8B030D-6E8A-4147-A177-3AD203B41FA5}">
                       <a16:colId xmlns:a16="http://schemas.microsoft.com/office/drawing/2014/main" val="2721267651"/>
                     </a:ext>
                   </a:extLst>
                 </a:gridCol>
-                <a:gridCol w="787517">
+                <a:gridCol w="1179325">
                   <a:extLst>
                     <a:ext uri="{9D8B030D-6E8A-4147-A177-3AD203B41FA5}">
                       <a16:colId xmlns:a16="http://schemas.microsoft.com/office/drawing/2014/main" val="1500200790"/>
                     </a:ext>
                   </a:extLst>
                 </a:gridCol>
-                <a:gridCol w="787517">
-                  <a:extLst>
-                    <a:ext uri="{9D8B030D-6E8A-4147-A177-3AD203B41FA5}">
-                      <a16:colId xmlns:a16="http://schemas.microsoft.com/office/drawing/2014/main" val="461007544"/>
-                    </a:ext>
-                  </a:extLst>
-                </a:gridCol>
               </a:tblGrid>
               <a:tr h="370840">
                 <a:tc>
@@ -32323,7 +32528,7 @@
                     <a:lstStyle/>
                     <a:p>
                       <a:r>
-                        <a:rPr lang="en-ZA" sz="1800" b="1" i="0" kern="1200" dirty="0">
+                        <a:rPr lang="en-US" sz="1800" b="1" i="0" kern="1200" dirty="0">
                           <a:solidFill>
                             <a:schemeClr val="lt1"/>
                           </a:solidFill>
@@ -32332,7 +32537,7 @@
                           <a:ea typeface="+mn-ea"/>
                           <a:cs typeface="+mn-cs"/>
                         </a:rPr>
-                        <a:t>Mon</a:t>
+                        <a:t>INSURE</a:t>
                       </a:r>
                       <a:endParaRPr lang="en-ZA" sz="1600" b="1" dirty="0"/>
                     </a:p>
@@ -32354,7 +32559,7 @@
                           <a:ea typeface="+mn-ea"/>
                           <a:cs typeface="+mn-cs"/>
                         </a:rPr>
-                        <a:t>Tue </a:t>
+                        <a:t>TRANSACT </a:t>
                       </a:r>
                       <a:endParaRPr lang="en-ZA" sz="1600" b="1" dirty="0"/>
                     </a:p>
@@ -32367,9 +32572,18 @@
                     <a:lstStyle/>
                     <a:p>
                       <a:r>
-                        <a:rPr lang="en-ZA" sz="1600" b="1" dirty="0"/>
-                        <a:t>Wed</a:t>
-                      </a:r>
+                        <a:rPr lang="en-US" sz="1600" b="1" i="0" kern="1200" dirty="0">
+                          <a:solidFill>
+                            <a:schemeClr val="lt1"/>
+                          </a:solidFill>
+                          <a:effectLst/>
+                          <a:latin typeface="+mn-lt"/>
+                          <a:ea typeface="+mn-ea"/>
+                          <a:cs typeface="+mn-cs"/>
+                        </a:rPr>
+                        <a:t>LEND</a:t>
+                      </a:r>
+                      <a:endParaRPr lang="en-ZA" sz="1600" b="1" dirty="0"/>
                     </a:p>
                   </a:txBody>
                   <a:tcPr/>
@@ -32380,9 +32594,18 @@
                     <a:lstStyle/>
                     <a:p>
                       <a:r>
-                        <a:rPr lang="en-ZA" sz="1600" b="1" dirty="0"/>
-                        <a:t>Thu</a:t>
-                      </a:r>
+                        <a:rPr lang="en-US" sz="1600" b="1" i="0" kern="1200" dirty="0">
+                          <a:solidFill>
+                            <a:schemeClr val="lt1"/>
+                          </a:solidFill>
+                          <a:effectLst/>
+                          <a:latin typeface="+mn-lt"/>
+                          <a:ea typeface="+mn-ea"/>
+                          <a:cs typeface="+mn-cs"/>
+                        </a:rPr>
+                        <a:t>INVEST</a:t>
+                      </a:r>
+                      <a:endParaRPr lang="en-ZA" sz="1600" b="1" dirty="0"/>
                     </a:p>
                   </a:txBody>
                   <a:tcPr/>
@@ -32393,9 +32616,18 @@
                     <a:lstStyle/>
                     <a:p>
                       <a:r>
-                        <a:rPr lang="en-ZA" sz="1600" b="1" dirty="0"/>
-                        <a:t>Fri</a:t>
-                      </a:r>
+                        <a:rPr lang="en-US" sz="1600" b="1" i="0" kern="1200" dirty="0">
+                          <a:solidFill>
+                            <a:schemeClr val="lt1"/>
+                          </a:solidFill>
+                          <a:effectLst/>
+                          <a:latin typeface="+mn-lt"/>
+                          <a:ea typeface="+mn-ea"/>
+                          <a:cs typeface="+mn-cs"/>
+                        </a:rPr>
+                        <a:t>LIFESTYLE</a:t>
+                      </a:r>
+                      <a:endParaRPr lang="en-ZA" sz="1600" b="1" dirty="0"/>
                     </a:p>
                   </a:txBody>
                   <a:tcPr/>
@@ -32407,23 +32639,18 @@
                     <a:p>
                       <a:pPr algn="l"/>
                       <a:r>
-                        <a:rPr lang="en-ZA" sz="1600" b="1" dirty="0"/>
-                        <a:t>Sat</a:t>
-                      </a:r>
-                    </a:p>
-                  </a:txBody>
-                  <a:tcPr/>
-                </a:tc>
-                <a:tc>
-                  <a:txBody>
-                    <a:bodyPr/>
-                    <a:lstStyle/>
-                    <a:p>
-                      <a:pPr algn="l"/>
-                      <a:r>
-                        <a:rPr lang="en-ZA" sz="1600" b="1" dirty="0"/>
-                        <a:t>Sun</a:t>
-                      </a:r>
+                        <a:rPr lang="en-US" sz="1600" b="1" i="0" kern="1200" dirty="0">
+                          <a:solidFill>
+                            <a:schemeClr val="lt1"/>
+                          </a:solidFill>
+                          <a:effectLst/>
+                          <a:latin typeface="+mn-lt"/>
+                          <a:ea typeface="+mn-ea"/>
+                          <a:cs typeface="+mn-cs"/>
+                        </a:rPr>
+                        <a:t>CONNECT</a:t>
+                      </a:r>
+                      <a:endParaRPr lang="en-ZA" sz="1600" b="1" dirty="0"/>
                     </a:p>
                   </a:txBody>
                   <a:tcPr/>
@@ -32509,20 +32736,6 @@
                       <a:r>
                         <a:rPr lang="en-ZA" sz="1600" dirty="0"/>
                         <a:t>1</a:t>
-                      </a:r>
-                    </a:p>
-                  </a:txBody>
-                  <a:tcPr/>
-                </a:tc>
-                <a:tc>
-                  <a:txBody>
-                    <a:bodyPr/>
-                    <a:lstStyle/>
-                    <a:p>
-                      <a:pPr algn="l"/>
-                      <a:r>
-                        <a:rPr lang="en-ZA" sz="1600" dirty="0"/>
-                        <a:t>0</a:t>
                       </a:r>
                     </a:p>
                   </a:txBody>
@@ -32541,7 +32754,7 @@
     </p:spTree>
     <p:extLst>
       <p:ext uri="{BB962C8B-B14F-4D97-AF65-F5344CB8AC3E}">
-        <p14:creationId xmlns:p14="http://schemas.microsoft.com/office/powerpoint/2010/main" val="2011482338"/>
+        <p14:creationId xmlns:p14="http://schemas.microsoft.com/office/powerpoint/2010/main" val="784048404"/>
       </p:ext>
     </p:extLst>
   </p:cSld>
@@ -32696,7 +32909,7 @@
         <p:spPr>
           <a:xfrm>
             <a:off x="304800" y="752448"/>
-            <a:ext cx="6096000" cy="923330"/>
+            <a:ext cx="6096000" cy="2031325"/>
           </a:xfrm>
           <a:prstGeom prst="rect">
             <a:avLst/>
@@ -32741,6 +32954,50 @@
               <a:buFont typeface="Arial" panose="020B0604020202020204" pitchFamily="34" charset="0"/>
               <a:buChar char="•"/>
             </a:pPr>
+            <a:endParaRPr lang="en-ZA" dirty="0">
+              <a:solidFill>
+                <a:schemeClr val="bg1"/>
+              </a:solidFill>
+            </a:endParaRPr>
+          </a:p>
+          <a:p>
+            <a:pPr marL="285750" indent="-285750">
+              <a:buFont typeface="Arial" panose="020B0604020202020204" pitchFamily="34" charset="0"/>
+              <a:buChar char="•"/>
+            </a:pPr>
+            <a:endParaRPr lang="en-ZA" dirty="0">
+              <a:solidFill>
+                <a:schemeClr val="bg1"/>
+              </a:solidFill>
+            </a:endParaRPr>
+          </a:p>
+          <a:p>
+            <a:pPr marL="285750" indent="-285750">
+              <a:buFont typeface="Arial" panose="020B0604020202020204" pitchFamily="34" charset="0"/>
+              <a:buChar char="•"/>
+            </a:pPr>
+            <a:endParaRPr lang="en-ZA" dirty="0">
+              <a:solidFill>
+                <a:schemeClr val="bg1"/>
+              </a:solidFill>
+            </a:endParaRPr>
+          </a:p>
+          <a:p>
+            <a:pPr marL="285750" indent="-285750">
+              <a:buFont typeface="Arial" panose="020B0604020202020204" pitchFamily="34" charset="0"/>
+              <a:buChar char="•"/>
+            </a:pPr>
+            <a:endParaRPr lang="en-ZA" dirty="0">
+              <a:solidFill>
+                <a:schemeClr val="bg1"/>
+              </a:solidFill>
+            </a:endParaRPr>
+          </a:p>
+          <a:p>
+            <a:pPr marL="285750" indent="-285750">
+              <a:buFont typeface="Arial" panose="020B0604020202020204" pitchFamily="34" charset="0"/>
+              <a:buChar char="•"/>
+            </a:pPr>
             <a:r>
               <a:rPr lang="en-ZA" dirty="0">
                 <a:solidFill>
@@ -32754,10 +33011,10 @@
       </p:sp>
       <p:graphicFrame>
         <p:nvGraphicFramePr>
-          <p:cNvPr id="2" name="Table 1">
+          <p:cNvPr id="4" name="Table 3">
             <a:extLst>
               <a:ext uri="{FF2B5EF4-FFF2-40B4-BE49-F238E27FC236}">
-                <a16:creationId xmlns:a16="http://schemas.microsoft.com/office/drawing/2014/main" id="{CFEE1B6C-D330-AD53-E4ED-1E829BC87353}"/>
+                <a16:creationId xmlns:a16="http://schemas.microsoft.com/office/drawing/2014/main" id="{B3320DAF-154E-BD64-3146-F21A31416485}"/>
               </a:ext>
             </a:extLst>
           </p:cNvPr>
@@ -32767,13 +33024,13 @@
           <p:nvPr>
             <p:extLst>
               <p:ext uri="{D42A27DB-BD31-4B8C-83A1-F6EECF244321}">
-                <p14:modId xmlns:p14="http://schemas.microsoft.com/office/powerpoint/2010/main" val="1035052119"/>
+                <p14:modId xmlns:p14="http://schemas.microsoft.com/office/powerpoint/2010/main" val="1735747866"/>
               </p:ext>
             </p:extLst>
           </p:nvPr>
         </p:nvGraphicFramePr>
         <p:xfrm>
-          <a:off x="688259" y="1784889"/>
+          <a:off x="694812" y="1505159"/>
           <a:ext cx="5512619" cy="741680"/>
         </p:xfrm>
         <a:graphic>
@@ -32849,7 +33106,7 @@
                           <a:ea typeface="+mn-ea"/>
                           <a:cs typeface="+mn-cs"/>
                         </a:rPr>
-                        <a:t>Bin 1</a:t>
+                        <a:t>Mon</a:t>
                       </a:r>
                       <a:endParaRPr lang="en-ZA" sz="1600" b="1" dirty="0"/>
                     </a:p>
@@ -32861,18 +33118,6 @@
                     <a:bodyPr/>
                     <a:lstStyle/>
                     <a:p>
-                      <a:r>
-                        <a:rPr lang="en-ZA" sz="1600" b="1" i="0" kern="1200" dirty="0">
-                          <a:solidFill>
-                            <a:schemeClr val="lt1"/>
-                          </a:solidFill>
-                          <a:effectLst/>
-                          <a:latin typeface="+mn-lt"/>
-                          <a:ea typeface="+mn-ea"/>
-                          <a:cs typeface="+mn-cs"/>
-                        </a:rPr>
-                        <a:t>Bin 2</a:t>
-                      </a:r>
                       <a:r>
                         <a:rPr lang="en-US" sz="1600" b="1" i="0" kern="1200" dirty="0">
                           <a:solidFill>
@@ -32883,7 +33128,7 @@
                           <a:ea typeface="+mn-ea"/>
                           <a:cs typeface="+mn-cs"/>
                         </a:rPr>
-                        <a:t> </a:t>
+                        <a:t>Tue </a:t>
                       </a:r>
                       <a:endParaRPr lang="en-ZA" sz="1600" b="1" dirty="0"/>
                     </a:p>
@@ -32896,18 +33141,9 @@
                     <a:lstStyle/>
                     <a:p>
                       <a:r>
-                        <a:rPr lang="en-ZA" sz="1600" b="1" i="0" kern="1200" dirty="0">
-                          <a:solidFill>
-                            <a:schemeClr val="lt1"/>
-                          </a:solidFill>
-                          <a:effectLst/>
-                          <a:latin typeface="+mn-lt"/>
-                          <a:ea typeface="+mn-ea"/>
-                          <a:cs typeface="+mn-cs"/>
-                        </a:rPr>
-                        <a:t>Bin 3</a:t>
-                      </a:r>
-                      <a:endParaRPr lang="en-ZA" sz="1600" b="1" dirty="0"/>
+                        <a:rPr lang="en-ZA" sz="1600" b="1" dirty="0"/>
+                        <a:t>Wed</a:t>
+                      </a:r>
                     </a:p>
                   </a:txBody>
                   <a:tcPr/>
@@ -32918,18 +33154,9 @@
                     <a:lstStyle/>
                     <a:p>
                       <a:r>
-                        <a:rPr lang="en-ZA" sz="1600" b="1" i="0" kern="1200" dirty="0">
-                          <a:solidFill>
-                            <a:schemeClr val="lt1"/>
-                          </a:solidFill>
-                          <a:effectLst/>
-                          <a:latin typeface="+mn-lt"/>
-                          <a:ea typeface="+mn-ea"/>
-                          <a:cs typeface="+mn-cs"/>
-                        </a:rPr>
-                        <a:t>Bin 4</a:t>
-                      </a:r>
-                      <a:endParaRPr lang="en-ZA" sz="1600" b="1" dirty="0"/>
+                        <a:rPr lang="en-ZA" sz="1600" b="1" dirty="0"/>
+                        <a:t>Thu</a:t>
+                      </a:r>
                     </a:p>
                   </a:txBody>
                   <a:tcPr/>
@@ -32940,18 +33167,9 @@
                     <a:lstStyle/>
                     <a:p>
                       <a:r>
-                        <a:rPr lang="en-ZA" sz="1600" b="1" i="0" kern="1200" dirty="0">
-                          <a:solidFill>
-                            <a:schemeClr val="lt1"/>
-                          </a:solidFill>
-                          <a:effectLst/>
-                          <a:latin typeface="+mn-lt"/>
-                          <a:ea typeface="+mn-ea"/>
-                          <a:cs typeface="+mn-cs"/>
-                        </a:rPr>
-                        <a:t>Bin 5</a:t>
-                      </a:r>
-                      <a:endParaRPr lang="en-ZA" sz="1600" b="1" dirty="0"/>
+                        <a:rPr lang="en-ZA" sz="1600" b="1" dirty="0"/>
+                        <a:t>Fri</a:t>
+                      </a:r>
                     </a:p>
                   </a:txBody>
                   <a:tcPr/>
@@ -32963,18 +33181,9 @@
                     <a:p>
                       <a:pPr algn="l"/>
                       <a:r>
-                        <a:rPr lang="en-US" sz="1600" b="1" i="0" kern="1200" dirty="0">
-                          <a:solidFill>
-                            <a:schemeClr val="lt1"/>
-                          </a:solidFill>
-                          <a:effectLst/>
-                          <a:latin typeface="+mn-lt"/>
-                          <a:ea typeface="+mn-ea"/>
-                          <a:cs typeface="+mn-cs"/>
-                        </a:rPr>
-                        <a:t>. . .</a:t>
-                      </a:r>
-                      <a:endParaRPr lang="en-ZA" sz="1600" b="1" dirty="0"/>
+                        <a:rPr lang="en-ZA" sz="1600" b="1" dirty="0"/>
+                        <a:t>Sat</a:t>
+                      </a:r>
                     </a:p>
                   </a:txBody>
                   <a:tcPr/>
@@ -32986,18 +33195,9 @@
                     <a:p>
                       <a:pPr algn="l"/>
                       <a:r>
-                        <a:rPr lang="en-ZA" sz="1800" b="1" i="0" kern="1200" dirty="0">
-                          <a:solidFill>
-                            <a:schemeClr val="lt1"/>
-                          </a:solidFill>
-                          <a:effectLst/>
-                          <a:latin typeface="+mn-lt"/>
-                          <a:ea typeface="+mn-ea"/>
-                          <a:cs typeface="+mn-cs"/>
-                        </a:rPr>
-                        <a:t>Bin x</a:t>
-                      </a:r>
-                      <a:endParaRPr lang="en-ZA" sz="1600" b="1" dirty="0"/>
+                        <a:rPr lang="en-ZA" sz="1600" b="1" dirty="0"/>
+                        <a:t>Sun</a:t>
+                      </a:r>
                     </a:p>
                   </a:txBody>
                   <a:tcPr/>
@@ -33055,7 +33255,7 @@
                     <a:p>
                       <a:r>
                         <a:rPr lang="en-ZA" sz="1600" dirty="0"/>
-                        <a:t>1</a:t>
+                        <a:t>0</a:t>
                       </a:r>
                     </a:p>
                   </a:txBody>
@@ -33082,7 +33282,7 @@
                       <a:pPr algn="l"/>
                       <a:r>
                         <a:rPr lang="en-ZA" sz="1600" dirty="0"/>
-                        <a:t>. . .</a:t>
+                        <a:t>1</a:t>
                       </a:r>
                     </a:p>
                   </a:txBody>
@@ -33112,94 +33312,10 @@
           </a:graphicData>
         </a:graphic>
       </p:graphicFrame>
-      <p:sp>
-        <p:nvSpPr>
-          <p:cNvPr id="5" name="TextBox 4">
-            <a:extLst>
-              <a:ext uri="{FF2B5EF4-FFF2-40B4-BE49-F238E27FC236}">
-                <a16:creationId xmlns:a16="http://schemas.microsoft.com/office/drawing/2014/main" id="{16E14432-3A04-9085-19D2-0CC04DD99CDB}"/>
-              </a:ext>
-            </a:extLst>
-          </p:cNvPr>
-          <p:cNvSpPr txBox="1"/>
-          <p:nvPr/>
-        </p:nvSpPr>
-        <p:spPr>
-          <a:xfrm>
-            <a:off x="7590503" y="1710814"/>
-            <a:ext cx="3814916" cy="3139321"/>
-          </a:xfrm>
-          <a:prstGeom prst="rect">
-            <a:avLst/>
-          </a:prstGeom>
-          <a:noFill/>
-        </p:spPr>
-        <p:txBody>
-          <a:bodyPr wrap="square">
-            <a:spAutoFit/>
-          </a:bodyPr>
-          <a:lstStyle/>
-          <a:p>
-            <a:r>
-              <a:rPr lang="en-ZA" b="1" dirty="0">
-                <a:solidFill>
-                  <a:schemeClr val="bg1"/>
-                </a:solidFill>
-              </a:rPr>
-              <a:t>*BINS:</a:t>
-            </a:r>
-          </a:p>
-          <a:p>
-            <a:r>
-              <a:rPr lang="en-ZA" dirty="0">
-                <a:solidFill>
-                  <a:schemeClr val="bg1"/>
-                </a:solidFill>
-              </a:rPr>
-              <a:t>For these features we use Doane’s formula to divide user’s score between X number of different bins. </a:t>
-            </a:r>
-          </a:p>
-          <a:p>
-            <a:endParaRPr lang="en-ZA" dirty="0">
-              <a:solidFill>
-                <a:schemeClr val="bg1"/>
-              </a:solidFill>
-            </a:endParaRPr>
-          </a:p>
-          <a:p>
-            <a:r>
-              <a:rPr lang="en-ZA" dirty="0">
-                <a:solidFill>
-                  <a:schemeClr val="bg1"/>
-                </a:solidFill>
-              </a:rPr>
-              <a:t>The number is based on the distribution of the data.</a:t>
-            </a:r>
-          </a:p>
-          <a:p>
-            <a:endParaRPr lang="en-ZA" dirty="0">
-              <a:solidFill>
-                <a:schemeClr val="bg1"/>
-              </a:solidFill>
-            </a:endParaRPr>
-          </a:p>
-          <a:p>
-            <a:r>
-              <a:rPr lang="en-ZA" dirty="0">
-                <a:solidFill>
-                  <a:schemeClr val="bg1"/>
-                </a:solidFill>
-              </a:rPr>
-              <a:t>This allows us to one-hot- encode our features, which suits our model best.</a:t>
-            </a:r>
-            <a:endParaRPr lang="en-ZA" dirty="0"/>
-          </a:p>
-        </p:txBody>
-      </p:sp>
     </p:spTree>
     <p:extLst>
       <p:ext uri="{BB962C8B-B14F-4D97-AF65-F5344CB8AC3E}">
-        <p14:creationId xmlns:p14="http://schemas.microsoft.com/office/powerpoint/2010/main" val="1773097009"/>
+        <p14:creationId xmlns:p14="http://schemas.microsoft.com/office/powerpoint/2010/main" val="2011482338"/>
       </p:ext>
     </p:extLst>
   </p:cSld>
@@ -33591,6 +33707,664 @@
                   <a:schemeClr val="bg1"/>
                 </a:solidFill>
               </a:rPr>
+              <a:t>Most frequent day interacted on:</a:t>
+            </a:r>
+          </a:p>
+          <a:p>
+            <a:pPr marL="285750" indent="-285750">
+              <a:buFont typeface="Arial" panose="020B0604020202020204" pitchFamily="34" charset="0"/>
+              <a:buChar char="•"/>
+            </a:pPr>
+            <a:r>
+              <a:rPr lang="en-ZA" dirty="0">
+                <a:solidFill>
+                  <a:schemeClr val="bg1"/>
+                </a:solidFill>
+              </a:rPr>
+              <a:t>Amount of unique users</a:t>
+            </a:r>
+          </a:p>
+        </p:txBody>
+      </p:sp>
+      <p:graphicFrame>
+        <p:nvGraphicFramePr>
+          <p:cNvPr id="2" name="Table 1">
+            <a:extLst>
+              <a:ext uri="{FF2B5EF4-FFF2-40B4-BE49-F238E27FC236}">
+                <a16:creationId xmlns:a16="http://schemas.microsoft.com/office/drawing/2014/main" id="{CFEE1B6C-D330-AD53-E4ED-1E829BC87353}"/>
+              </a:ext>
+            </a:extLst>
+          </p:cNvPr>
+          <p:cNvGraphicFramePr>
+            <a:graphicFrameLocks noGrp="1"/>
+          </p:cNvGraphicFramePr>
+          <p:nvPr>
+            <p:extLst>
+              <p:ext uri="{D42A27DB-BD31-4B8C-83A1-F6EECF244321}">
+                <p14:modId xmlns:p14="http://schemas.microsoft.com/office/powerpoint/2010/main" val="1035052119"/>
+              </p:ext>
+            </p:extLst>
+          </p:nvPr>
+        </p:nvGraphicFramePr>
+        <p:xfrm>
+          <a:off x="688259" y="1784889"/>
+          <a:ext cx="5512619" cy="741680"/>
+        </p:xfrm>
+        <a:graphic>
+          <a:graphicData uri="http://schemas.openxmlformats.org/drawingml/2006/table">
+            <a:tbl>
+              <a:tblPr firstRow="1" bandRow="1">
+                <a:tableStyleId>{EB9631B5-78F2-41C9-869B-9F39066F8104}</a:tableStyleId>
+              </a:tblPr>
+              <a:tblGrid>
+                <a:gridCol w="787517">
+                  <a:extLst>
+                    <a:ext uri="{9D8B030D-6E8A-4147-A177-3AD203B41FA5}">
+                      <a16:colId xmlns:a16="http://schemas.microsoft.com/office/drawing/2014/main" val="3400634612"/>
+                    </a:ext>
+                  </a:extLst>
+                </a:gridCol>
+                <a:gridCol w="787517">
+                  <a:extLst>
+                    <a:ext uri="{9D8B030D-6E8A-4147-A177-3AD203B41FA5}">
+                      <a16:colId xmlns:a16="http://schemas.microsoft.com/office/drawing/2014/main" val="701412954"/>
+                    </a:ext>
+                  </a:extLst>
+                </a:gridCol>
+                <a:gridCol w="787517">
+                  <a:extLst>
+                    <a:ext uri="{9D8B030D-6E8A-4147-A177-3AD203B41FA5}">
+                      <a16:colId xmlns:a16="http://schemas.microsoft.com/office/drawing/2014/main" val="224371639"/>
+                    </a:ext>
+                  </a:extLst>
+                </a:gridCol>
+                <a:gridCol w="787517">
+                  <a:extLst>
+                    <a:ext uri="{9D8B030D-6E8A-4147-A177-3AD203B41FA5}">
+                      <a16:colId xmlns:a16="http://schemas.microsoft.com/office/drawing/2014/main" val="3317639608"/>
+                    </a:ext>
+                  </a:extLst>
+                </a:gridCol>
+                <a:gridCol w="787517">
+                  <a:extLst>
+                    <a:ext uri="{9D8B030D-6E8A-4147-A177-3AD203B41FA5}">
+                      <a16:colId xmlns:a16="http://schemas.microsoft.com/office/drawing/2014/main" val="2721267651"/>
+                    </a:ext>
+                  </a:extLst>
+                </a:gridCol>
+                <a:gridCol w="787517">
+                  <a:extLst>
+                    <a:ext uri="{9D8B030D-6E8A-4147-A177-3AD203B41FA5}">
+                      <a16:colId xmlns:a16="http://schemas.microsoft.com/office/drawing/2014/main" val="1500200790"/>
+                    </a:ext>
+                  </a:extLst>
+                </a:gridCol>
+                <a:gridCol w="787517">
+                  <a:extLst>
+                    <a:ext uri="{9D8B030D-6E8A-4147-A177-3AD203B41FA5}">
+                      <a16:colId xmlns:a16="http://schemas.microsoft.com/office/drawing/2014/main" val="461007544"/>
+                    </a:ext>
+                  </a:extLst>
+                </a:gridCol>
+              </a:tblGrid>
+              <a:tr h="370840">
+                <a:tc>
+                  <a:txBody>
+                    <a:bodyPr/>
+                    <a:lstStyle/>
+                    <a:p>
+                      <a:r>
+                        <a:rPr lang="en-ZA" sz="1800" b="1" i="0" kern="1200" dirty="0">
+                          <a:solidFill>
+                            <a:schemeClr val="lt1"/>
+                          </a:solidFill>
+                          <a:effectLst/>
+                          <a:latin typeface="+mn-lt"/>
+                          <a:ea typeface="+mn-ea"/>
+                          <a:cs typeface="+mn-cs"/>
+                        </a:rPr>
+                        <a:t>Bin 1</a:t>
+                      </a:r>
+                      <a:endParaRPr lang="en-ZA" sz="1600" b="1" dirty="0"/>
+                    </a:p>
+                  </a:txBody>
+                  <a:tcPr/>
+                </a:tc>
+                <a:tc>
+                  <a:txBody>
+                    <a:bodyPr/>
+                    <a:lstStyle/>
+                    <a:p>
+                      <a:r>
+                        <a:rPr lang="en-ZA" sz="1600" b="1" i="0" kern="1200" dirty="0">
+                          <a:solidFill>
+                            <a:schemeClr val="lt1"/>
+                          </a:solidFill>
+                          <a:effectLst/>
+                          <a:latin typeface="+mn-lt"/>
+                          <a:ea typeface="+mn-ea"/>
+                          <a:cs typeface="+mn-cs"/>
+                        </a:rPr>
+                        <a:t>Bin 2</a:t>
+                      </a:r>
+                      <a:r>
+                        <a:rPr lang="en-US" sz="1600" b="1" i="0" kern="1200" dirty="0">
+                          <a:solidFill>
+                            <a:schemeClr val="lt1"/>
+                          </a:solidFill>
+                          <a:effectLst/>
+                          <a:latin typeface="+mn-lt"/>
+                          <a:ea typeface="+mn-ea"/>
+                          <a:cs typeface="+mn-cs"/>
+                        </a:rPr>
+                        <a:t> </a:t>
+                      </a:r>
+                      <a:endParaRPr lang="en-ZA" sz="1600" b="1" dirty="0"/>
+                    </a:p>
+                  </a:txBody>
+                  <a:tcPr/>
+                </a:tc>
+                <a:tc>
+                  <a:txBody>
+                    <a:bodyPr/>
+                    <a:lstStyle/>
+                    <a:p>
+                      <a:r>
+                        <a:rPr lang="en-ZA" sz="1600" b="1" i="0" kern="1200" dirty="0">
+                          <a:solidFill>
+                            <a:schemeClr val="lt1"/>
+                          </a:solidFill>
+                          <a:effectLst/>
+                          <a:latin typeface="+mn-lt"/>
+                          <a:ea typeface="+mn-ea"/>
+                          <a:cs typeface="+mn-cs"/>
+                        </a:rPr>
+                        <a:t>Bin 3</a:t>
+                      </a:r>
+                      <a:endParaRPr lang="en-ZA" sz="1600" b="1" dirty="0"/>
+                    </a:p>
+                  </a:txBody>
+                  <a:tcPr/>
+                </a:tc>
+                <a:tc>
+                  <a:txBody>
+                    <a:bodyPr/>
+                    <a:lstStyle/>
+                    <a:p>
+                      <a:r>
+                        <a:rPr lang="en-ZA" sz="1600" b="1" i="0" kern="1200" dirty="0">
+                          <a:solidFill>
+                            <a:schemeClr val="lt1"/>
+                          </a:solidFill>
+                          <a:effectLst/>
+                          <a:latin typeface="+mn-lt"/>
+                          <a:ea typeface="+mn-ea"/>
+                          <a:cs typeface="+mn-cs"/>
+                        </a:rPr>
+                        <a:t>Bin 4</a:t>
+                      </a:r>
+                      <a:endParaRPr lang="en-ZA" sz="1600" b="1" dirty="0"/>
+                    </a:p>
+                  </a:txBody>
+                  <a:tcPr/>
+                </a:tc>
+                <a:tc>
+                  <a:txBody>
+                    <a:bodyPr/>
+                    <a:lstStyle/>
+                    <a:p>
+                      <a:r>
+                        <a:rPr lang="en-ZA" sz="1600" b="1" i="0" kern="1200" dirty="0">
+                          <a:solidFill>
+                            <a:schemeClr val="lt1"/>
+                          </a:solidFill>
+                          <a:effectLst/>
+                          <a:latin typeface="+mn-lt"/>
+                          <a:ea typeface="+mn-ea"/>
+                          <a:cs typeface="+mn-cs"/>
+                        </a:rPr>
+                        <a:t>Bin 5</a:t>
+                      </a:r>
+                      <a:endParaRPr lang="en-ZA" sz="1600" b="1" dirty="0"/>
+                    </a:p>
+                  </a:txBody>
+                  <a:tcPr/>
+                </a:tc>
+                <a:tc>
+                  <a:txBody>
+                    <a:bodyPr/>
+                    <a:lstStyle/>
+                    <a:p>
+                      <a:pPr algn="l"/>
+                      <a:r>
+                        <a:rPr lang="en-US" sz="1600" b="1" i="0" kern="1200" dirty="0">
+                          <a:solidFill>
+                            <a:schemeClr val="lt1"/>
+                          </a:solidFill>
+                          <a:effectLst/>
+                          <a:latin typeface="+mn-lt"/>
+                          <a:ea typeface="+mn-ea"/>
+                          <a:cs typeface="+mn-cs"/>
+                        </a:rPr>
+                        <a:t>. . .</a:t>
+                      </a:r>
+                      <a:endParaRPr lang="en-ZA" sz="1600" b="1" dirty="0"/>
+                    </a:p>
+                  </a:txBody>
+                  <a:tcPr/>
+                </a:tc>
+                <a:tc>
+                  <a:txBody>
+                    <a:bodyPr/>
+                    <a:lstStyle/>
+                    <a:p>
+                      <a:pPr algn="l"/>
+                      <a:r>
+                        <a:rPr lang="en-ZA" sz="1800" b="1" i="0" kern="1200" dirty="0">
+                          <a:solidFill>
+                            <a:schemeClr val="lt1"/>
+                          </a:solidFill>
+                          <a:effectLst/>
+                          <a:latin typeface="+mn-lt"/>
+                          <a:ea typeface="+mn-ea"/>
+                          <a:cs typeface="+mn-cs"/>
+                        </a:rPr>
+                        <a:t>Bin x</a:t>
+                      </a:r>
+                      <a:endParaRPr lang="en-ZA" sz="1600" b="1" dirty="0"/>
+                    </a:p>
+                  </a:txBody>
+                  <a:tcPr/>
+                </a:tc>
+                <a:extLst>
+                  <a:ext uri="{0D108BD9-81ED-4DB2-BD59-A6C34878D82A}">
+                    <a16:rowId xmlns:a16="http://schemas.microsoft.com/office/drawing/2014/main" val="2245114912"/>
+                  </a:ext>
+                </a:extLst>
+              </a:tr>
+              <a:tr h="370840">
+                <a:tc>
+                  <a:txBody>
+                    <a:bodyPr/>
+                    <a:lstStyle/>
+                    <a:p>
+                      <a:r>
+                        <a:rPr lang="en-ZA" sz="1600" dirty="0"/>
+                        <a:t>0</a:t>
+                      </a:r>
+                    </a:p>
+                  </a:txBody>
+                  <a:tcPr/>
+                </a:tc>
+                <a:tc>
+                  <a:txBody>
+                    <a:bodyPr/>
+                    <a:lstStyle/>
+                    <a:p>
+                      <a:r>
+                        <a:rPr lang="en-ZA" sz="1600" dirty="0"/>
+                        <a:t>0</a:t>
+                      </a:r>
+                    </a:p>
+                  </a:txBody>
+                  <a:tcPr/>
+                </a:tc>
+                <a:tc>
+                  <a:txBody>
+                    <a:bodyPr/>
+                    <a:lstStyle/>
+                    <a:p>
+                      <a:r>
+                        <a:rPr lang="en-ZA" sz="1600" dirty="0"/>
+                        <a:t>0</a:t>
+                      </a:r>
+                    </a:p>
+                  </a:txBody>
+                  <a:tcPr/>
+                </a:tc>
+                <a:tc>
+                  <a:txBody>
+                    <a:bodyPr/>
+                    <a:lstStyle/>
+                    <a:p>
+                      <a:r>
+                        <a:rPr lang="en-ZA" sz="1600" dirty="0"/>
+                        <a:t>1</a:t>
+                      </a:r>
+                    </a:p>
+                  </a:txBody>
+                  <a:tcPr/>
+                </a:tc>
+                <a:tc>
+                  <a:txBody>
+                    <a:bodyPr/>
+                    <a:lstStyle/>
+                    <a:p>
+                      <a:r>
+                        <a:rPr lang="en-ZA" sz="1600" dirty="0"/>
+                        <a:t>0</a:t>
+                      </a:r>
+                    </a:p>
+                  </a:txBody>
+                  <a:tcPr/>
+                </a:tc>
+                <a:tc>
+                  <a:txBody>
+                    <a:bodyPr/>
+                    <a:lstStyle/>
+                    <a:p>
+                      <a:pPr algn="l"/>
+                      <a:r>
+                        <a:rPr lang="en-ZA" sz="1600" dirty="0"/>
+                        <a:t>. . .</a:t>
+                      </a:r>
+                    </a:p>
+                  </a:txBody>
+                  <a:tcPr/>
+                </a:tc>
+                <a:tc>
+                  <a:txBody>
+                    <a:bodyPr/>
+                    <a:lstStyle/>
+                    <a:p>
+                      <a:pPr algn="l"/>
+                      <a:r>
+                        <a:rPr lang="en-ZA" sz="1600" dirty="0"/>
+                        <a:t>0</a:t>
+                      </a:r>
+                    </a:p>
+                  </a:txBody>
+                  <a:tcPr/>
+                </a:tc>
+                <a:extLst>
+                  <a:ext uri="{0D108BD9-81ED-4DB2-BD59-A6C34878D82A}">
+                    <a16:rowId xmlns:a16="http://schemas.microsoft.com/office/drawing/2014/main" val="294810486"/>
+                  </a:ext>
+                </a:extLst>
+              </a:tr>
+            </a:tbl>
+          </a:graphicData>
+        </a:graphic>
+      </p:graphicFrame>
+      <p:sp>
+        <p:nvSpPr>
+          <p:cNvPr id="5" name="TextBox 4">
+            <a:extLst>
+              <a:ext uri="{FF2B5EF4-FFF2-40B4-BE49-F238E27FC236}">
+                <a16:creationId xmlns:a16="http://schemas.microsoft.com/office/drawing/2014/main" id="{16E14432-3A04-9085-19D2-0CC04DD99CDB}"/>
+              </a:ext>
+            </a:extLst>
+          </p:cNvPr>
+          <p:cNvSpPr txBox="1"/>
+          <p:nvPr/>
+        </p:nvSpPr>
+        <p:spPr>
+          <a:xfrm>
+            <a:off x="7590503" y="1710814"/>
+            <a:ext cx="3814916" cy="3139321"/>
+          </a:xfrm>
+          <a:prstGeom prst="rect">
+            <a:avLst/>
+          </a:prstGeom>
+          <a:noFill/>
+        </p:spPr>
+        <p:txBody>
+          <a:bodyPr wrap="square">
+            <a:spAutoFit/>
+          </a:bodyPr>
+          <a:lstStyle/>
+          <a:p>
+            <a:r>
+              <a:rPr lang="en-ZA" b="1" dirty="0">
+                <a:solidFill>
+                  <a:schemeClr val="bg1"/>
+                </a:solidFill>
+              </a:rPr>
+              <a:t>*BINS:</a:t>
+            </a:r>
+          </a:p>
+          <a:p>
+            <a:r>
+              <a:rPr lang="en-ZA" dirty="0">
+                <a:solidFill>
+                  <a:schemeClr val="bg1"/>
+                </a:solidFill>
+              </a:rPr>
+              <a:t>For these features we use Doane’s formula to divide user’s score between X number of different bins. </a:t>
+            </a:r>
+          </a:p>
+          <a:p>
+            <a:endParaRPr lang="en-ZA" dirty="0">
+              <a:solidFill>
+                <a:schemeClr val="bg1"/>
+              </a:solidFill>
+            </a:endParaRPr>
+          </a:p>
+          <a:p>
+            <a:r>
+              <a:rPr lang="en-ZA" dirty="0">
+                <a:solidFill>
+                  <a:schemeClr val="bg1"/>
+                </a:solidFill>
+              </a:rPr>
+              <a:t>The number is based on the distribution of the data.</a:t>
+            </a:r>
+          </a:p>
+          <a:p>
+            <a:endParaRPr lang="en-ZA" dirty="0">
+              <a:solidFill>
+                <a:schemeClr val="bg1"/>
+              </a:solidFill>
+            </a:endParaRPr>
+          </a:p>
+          <a:p>
+            <a:r>
+              <a:rPr lang="en-ZA" dirty="0">
+                <a:solidFill>
+                  <a:schemeClr val="bg1"/>
+                </a:solidFill>
+              </a:rPr>
+              <a:t>This allows us to one-hot- encode our features, which suits our model best.</a:t>
+            </a:r>
+            <a:endParaRPr lang="en-ZA" dirty="0"/>
+          </a:p>
+        </p:txBody>
+      </p:sp>
+    </p:spTree>
+    <p:extLst>
+      <p:ext uri="{BB962C8B-B14F-4D97-AF65-F5344CB8AC3E}">
+        <p14:creationId xmlns:p14="http://schemas.microsoft.com/office/powerpoint/2010/main" val="1773097009"/>
+      </p:ext>
+    </p:extLst>
+  </p:cSld>
+  <p:clrMapOvr>
+    <a:masterClrMapping/>
+  </p:clrMapOvr>
+  <mc:AlternateContent xmlns:mc="http://schemas.openxmlformats.org/markup-compatibility/2006" xmlns:p159="http://schemas.microsoft.com/office/powerpoint/2015/09/main">
+    <mc:Choice Requires="p159">
+      <p:transition xmlns:p14="http://schemas.microsoft.com/office/powerpoint/2010/main" spd="slow" p14:dur="2000">
+        <p159:morph option="byObject"/>
+      </p:transition>
+    </mc:Choice>
+    <mc:Fallback xmlns="">
+      <p:transition spd="slow">
+        <p:fade/>
+      </p:transition>
+    </mc:Fallback>
+  </mc:AlternateContent>
+</p:sld>
+</file>
+
+<file path=ppt/slides/slide41.xml><?xml version="1.0" encoding="utf-8"?>
+<p:sld xmlns:a="http://schemas.openxmlformats.org/drawingml/2006/main" xmlns:r="http://schemas.openxmlformats.org/officeDocument/2006/relationships" xmlns:p="http://schemas.openxmlformats.org/presentationml/2006/main">
+  <p:cSld>
+    <p:bg>
+      <p:bgPr>
+        <a:blipFill dpi="0" rotWithShape="1">
+          <a:blip r:embed="rId2">
+            <a:extLst>
+              <a:ext uri="{BEBA8EAE-BF5A-486C-A8C5-ECC9F3942E4B}">
+                <a14:imgProps xmlns:a14="http://schemas.microsoft.com/office/drawing/2010/main">
+                  <a14:imgLayer r:embed="rId3">
+                    <a14:imgEffect>
+                      <a14:brightnessContrast bright="-20000"/>
+                    </a14:imgEffect>
+                  </a14:imgLayer>
+                </a14:imgProps>
+              </a:ext>
+            </a:extLst>
+          </a:blip>
+          <a:srcRect/>
+          <a:stretch>
+            <a:fillRect l="-9000" t="-39000" b="-11000"/>
+          </a:stretch>
+        </a:blipFill>
+        <a:effectLst/>
+      </p:bgPr>
+    </p:bg>
+    <p:spTree>
+      <p:nvGrpSpPr>
+        <p:cNvPr id="1" name=""/>
+        <p:cNvGrpSpPr/>
+        <p:nvPr/>
+      </p:nvGrpSpPr>
+      <p:grpSpPr>
+        <a:xfrm>
+          <a:off x="0" y="0"/>
+          <a:ext cx="0" cy="0"/>
+          <a:chOff x="0" y="0"/>
+          <a:chExt cx="0" cy="0"/>
+        </a:xfrm>
+      </p:grpSpPr>
+      <p:sp>
+        <p:nvSpPr>
+          <p:cNvPr id="10" name="TextBox 9">
+            <a:extLst>
+              <a:ext uri="{FF2B5EF4-FFF2-40B4-BE49-F238E27FC236}">
+                <a16:creationId xmlns:a16="http://schemas.microsoft.com/office/drawing/2014/main" id="{23CF3E7A-ECD7-7CD8-E2D4-C69062F5E0B5}"/>
+              </a:ext>
+            </a:extLst>
+          </p:cNvPr>
+          <p:cNvSpPr txBox="1"/>
+          <p:nvPr/>
+        </p:nvSpPr>
+        <p:spPr>
+          <a:xfrm>
+            <a:off x="235974" y="181672"/>
+            <a:ext cx="6096000" cy="461665"/>
+          </a:xfrm>
+          <a:prstGeom prst="rect">
+            <a:avLst/>
+          </a:prstGeom>
+          <a:noFill/>
+        </p:spPr>
+        <p:txBody>
+          <a:bodyPr wrap="square">
+            <a:spAutoFit/>
+          </a:bodyPr>
+          <a:lstStyle/>
+          <a:p>
+            <a:pPr marR="0" lvl="0" algn="l" defTabSz="914400" rtl="0" eaLnBrk="1" fontAlgn="auto" latinLnBrk="0" hangingPunct="1">
+              <a:lnSpc>
+                <a:spcPct val="100000"/>
+              </a:lnSpc>
+              <a:spcBef>
+                <a:spcPts val="0"/>
+              </a:spcBef>
+              <a:spcAft>
+                <a:spcPts val="0"/>
+              </a:spcAft>
+              <a:buClrTx/>
+              <a:buSzTx/>
+              <a:tabLst/>
+              <a:defRPr/>
+            </a:pPr>
+            <a:r>
+              <a:rPr kumimoji="0" lang="en-ZA" sz="2400" b="1" i="0" u="none" strike="noStrike" kern="1200" cap="none" spc="0" normalizeH="0" baseline="0" noProof="0" dirty="0">
+                <a:ln>
+                  <a:noFill/>
+                </a:ln>
+                <a:solidFill>
+                  <a:prstClr val="white"/>
+                </a:solidFill>
+                <a:effectLst/>
+                <a:uLnTx/>
+                <a:uFillTx/>
+                <a:latin typeface="Aptos" panose="02110004020202020204"/>
+                <a:ea typeface="+mn-ea"/>
+                <a:cs typeface="+mn-cs"/>
+              </a:rPr>
+              <a:t>3. Item features</a:t>
+            </a:r>
+            <a:endParaRPr kumimoji="0" lang="en-ZA" sz="1800" b="0" i="0" u="none" strike="noStrike" kern="1200" cap="none" spc="0" normalizeH="0" baseline="0" noProof="0" dirty="0">
+              <a:ln>
+                <a:noFill/>
+              </a:ln>
+              <a:solidFill>
+                <a:prstClr val="white"/>
+              </a:solidFill>
+              <a:effectLst/>
+              <a:uLnTx/>
+              <a:uFillTx/>
+              <a:latin typeface="Aptos" panose="02110004020202020204"/>
+              <a:ea typeface="+mn-ea"/>
+              <a:cs typeface="+mn-cs"/>
+            </a:endParaRPr>
+          </a:p>
+        </p:txBody>
+      </p:sp>
+      <p:sp>
+        <p:nvSpPr>
+          <p:cNvPr id="3" name="TextBox 2">
+            <a:extLst>
+              <a:ext uri="{FF2B5EF4-FFF2-40B4-BE49-F238E27FC236}">
+                <a16:creationId xmlns:a16="http://schemas.microsoft.com/office/drawing/2014/main" id="{BF6288A0-0DCE-A954-D203-697CFCF9752E}"/>
+              </a:ext>
+            </a:extLst>
+          </p:cNvPr>
+          <p:cNvSpPr txBox="1"/>
+          <p:nvPr/>
+        </p:nvSpPr>
+        <p:spPr>
+          <a:xfrm>
+            <a:off x="304800" y="752448"/>
+            <a:ext cx="6096000" cy="923330"/>
+          </a:xfrm>
+          <a:prstGeom prst="rect">
+            <a:avLst/>
+          </a:prstGeom>
+          <a:noFill/>
+        </p:spPr>
+        <p:txBody>
+          <a:bodyPr wrap="square">
+            <a:spAutoFit/>
+          </a:bodyPr>
+          <a:lstStyle/>
+          <a:p>
+            <a:pPr marL="285750" indent="-285750">
+              <a:buFont typeface="Arial" panose="020B0604020202020204" pitchFamily="34" charset="0"/>
+              <a:buChar char="•"/>
+            </a:pPr>
+            <a:r>
+              <a:rPr lang="en-ZA" dirty="0">
+                <a:solidFill>
+                  <a:schemeClr val="bg1"/>
+                </a:solidFill>
+              </a:rPr>
+              <a:t>Item type</a:t>
+            </a:r>
+          </a:p>
+          <a:p>
+            <a:pPr marL="285750" indent="-285750">
+              <a:buFont typeface="Arial" panose="020B0604020202020204" pitchFamily="34" charset="0"/>
+              <a:buChar char="•"/>
+            </a:pPr>
+            <a:r>
+              <a:rPr lang="en-ZA" dirty="0">
+                <a:solidFill>
+                  <a:schemeClr val="bg1"/>
+                </a:solidFill>
+              </a:rPr>
               <a:t>Most frequent day interacted on</a:t>
             </a:r>
           </a:p>
@@ -33635,7 +34409,7 @@
 </p:sld>
 </file>
 
-<file path=ppt/slides/slide41.xml><?xml version="1.0" encoding="utf-8"?>
+<file path=ppt/slides/slide42.xml><?xml version="1.0" encoding="utf-8"?>
 <p:sld xmlns:a="http://schemas.openxmlformats.org/drawingml/2006/main" xmlns:r="http://schemas.openxmlformats.org/officeDocument/2006/relationships" xmlns:p="http://schemas.openxmlformats.org/presentationml/2006/main">
   <p:cSld>
     <p:bg>
@@ -33932,7 +34706,7 @@
 </p:sld>
 </file>
 
-<file path=ppt/slides/slide42.xml><?xml version="1.0" encoding="utf-8"?>
+<file path=ppt/slides/slide43.xml><?xml version="1.0" encoding="utf-8"?>
 <p:sld xmlns:a="http://schemas.openxmlformats.org/drawingml/2006/main" xmlns:r="http://schemas.openxmlformats.org/officeDocument/2006/relationships" xmlns:p="http://schemas.openxmlformats.org/presentationml/2006/main">
   <p:cSld>
     <p:bg>
@@ -34563,7 +35337,7 @@
 </p:sld>
 </file>
 
-<file path=ppt/slides/slide43.xml><?xml version="1.0" encoding="utf-8"?>
+<file path=ppt/slides/slide44.xml><?xml version="1.0" encoding="utf-8"?>
 <p:sld xmlns:a="http://schemas.openxmlformats.org/drawingml/2006/main" xmlns:r="http://schemas.openxmlformats.org/officeDocument/2006/relationships" xmlns:p="http://schemas.openxmlformats.org/presentationml/2006/main">
   <p:cSld>
     <p:bg>
@@ -35034,7 +35808,7 @@
 </p:sld>
 </file>
 
-<file path=ppt/slides/slide44.xml><?xml version="1.0" encoding="utf-8"?>
+<file path=ppt/slides/slide45.xml><?xml version="1.0" encoding="utf-8"?>
 <p:sld xmlns:a="http://schemas.openxmlformats.org/drawingml/2006/main" xmlns:r="http://schemas.openxmlformats.org/officeDocument/2006/relationships" xmlns:p="http://schemas.openxmlformats.org/presentationml/2006/main">
   <p:cSld>
     <p:bg>
@@ -35616,7 +36390,7 @@
 </p:sld>
 </file>
 
-<file path=ppt/slides/slide45.xml><?xml version="1.0" encoding="utf-8"?>
+<file path=ppt/slides/slide46.xml><?xml version="1.0" encoding="utf-8"?>
 <p:sld xmlns:a="http://schemas.openxmlformats.org/drawingml/2006/main" xmlns:r="http://schemas.openxmlformats.org/officeDocument/2006/relationships" xmlns:p="http://schemas.openxmlformats.org/presentationml/2006/main">
   <p:cSld>
     <p:bg>
@@ -36742,7 +37516,7 @@
 </p:sld>
 </file>
 
-<file path=ppt/slides/slide46.xml><?xml version="1.0" encoding="utf-8"?>
+<file path=ppt/slides/slide47.xml><?xml version="1.0" encoding="utf-8"?>
 <p:sld xmlns:a="http://schemas.openxmlformats.org/drawingml/2006/main" xmlns:r="http://schemas.openxmlformats.org/officeDocument/2006/relationships" xmlns:p="http://schemas.openxmlformats.org/presentationml/2006/main">
   <p:cSld>
     <p:bg>
@@ -37555,7 +38329,7 @@
 </p:sld>
 </file>
 
-<file path=ppt/slides/slide47.xml><?xml version="1.0" encoding="utf-8"?>
+<file path=ppt/slides/slide48.xml><?xml version="1.0" encoding="utf-8"?>
 <p:sld xmlns:a="http://schemas.openxmlformats.org/drawingml/2006/main" xmlns:r="http://schemas.openxmlformats.org/officeDocument/2006/relationships" xmlns:p="http://schemas.openxmlformats.org/presentationml/2006/main">
   <p:cSld>
     <p:bg>
@@ -38023,7 +38797,7 @@
 </p:sld>
 </file>
 
-<file path=ppt/slides/slide48.xml><?xml version="1.0" encoding="utf-8"?>
+<file path=ppt/slides/slide49.xml><?xml version="1.0" encoding="utf-8"?>
 <p:sld xmlns:a="http://schemas.openxmlformats.org/drawingml/2006/main" xmlns:r="http://schemas.openxmlformats.org/officeDocument/2006/relationships" xmlns:p="http://schemas.openxmlformats.org/presentationml/2006/main">
   <p:cSld>
     <p:bg>
@@ -38659,164 +39433,6 @@
     <p:extLst>
       <p:ext uri="{BB962C8B-B14F-4D97-AF65-F5344CB8AC3E}">
         <p14:creationId xmlns:p14="http://schemas.microsoft.com/office/powerpoint/2010/main" val="1700196433"/>
-      </p:ext>
-    </p:extLst>
-  </p:cSld>
-  <p:clrMapOvr>
-    <a:masterClrMapping/>
-  </p:clrMapOvr>
-  <mc:AlternateContent xmlns:mc="http://schemas.openxmlformats.org/markup-compatibility/2006" xmlns:p159="http://schemas.microsoft.com/office/powerpoint/2015/09/main">
-    <mc:Choice Requires="p159">
-      <p:transition xmlns:p14="http://schemas.microsoft.com/office/powerpoint/2010/main" spd="slow" p14:dur="2000">
-        <p159:morph option="byObject"/>
-      </p:transition>
-    </mc:Choice>
-    <mc:Fallback xmlns="">
-      <p:transition spd="slow">
-        <p:fade/>
-      </p:transition>
-    </mc:Fallback>
-  </mc:AlternateContent>
-</p:sld>
-</file>
-
-<file path=ppt/slides/slide49.xml><?xml version="1.0" encoding="utf-8"?>
-<p:sld xmlns:a="http://schemas.openxmlformats.org/drawingml/2006/main" xmlns:r="http://schemas.openxmlformats.org/officeDocument/2006/relationships" xmlns:p="http://schemas.openxmlformats.org/presentationml/2006/main">
-  <p:cSld>
-    <p:bg>
-      <p:bgPr>
-        <a:blipFill dpi="0" rotWithShape="1">
-          <a:blip r:embed="rId2">
-            <a:extLst>
-              <a:ext uri="{BEBA8EAE-BF5A-486C-A8C5-ECC9F3942E4B}">
-                <a14:imgProps xmlns:a14="http://schemas.microsoft.com/office/drawing/2010/main">
-                  <a14:imgLayer r:embed="rId3">
-                    <a14:imgEffect>
-                      <a14:brightnessContrast bright="-20000"/>
-                    </a14:imgEffect>
-                  </a14:imgLayer>
-                </a14:imgProps>
-              </a:ext>
-            </a:extLst>
-          </a:blip>
-          <a:srcRect/>
-          <a:stretch>
-            <a:fillRect l="-9000" t="-39000" b="-11000"/>
-          </a:stretch>
-        </a:blipFill>
-        <a:effectLst/>
-      </p:bgPr>
-    </p:bg>
-    <p:spTree>
-      <p:nvGrpSpPr>
-        <p:cNvPr id="1" name=""/>
-        <p:cNvGrpSpPr/>
-        <p:nvPr/>
-      </p:nvGrpSpPr>
-      <p:grpSpPr>
-        <a:xfrm>
-          <a:off x="0" y="0"/>
-          <a:ext cx="0" cy="0"/>
-          <a:chOff x="0" y="0"/>
-          <a:chExt cx="0" cy="0"/>
-        </a:xfrm>
-      </p:grpSpPr>
-      <p:sp>
-        <p:nvSpPr>
-          <p:cNvPr id="4" name="TextBox 3">
-            <a:extLst>
-              <a:ext uri="{FF2B5EF4-FFF2-40B4-BE49-F238E27FC236}">
-                <a16:creationId xmlns:a16="http://schemas.microsoft.com/office/drawing/2014/main" id="{B216AF57-F29C-D05C-D5C9-C32762A12133}"/>
-              </a:ext>
-            </a:extLst>
-          </p:cNvPr>
-          <p:cNvSpPr txBox="1"/>
-          <p:nvPr/>
-        </p:nvSpPr>
-        <p:spPr>
-          <a:xfrm>
-            <a:off x="835743" y="526372"/>
-            <a:ext cx="7580670" cy="584775"/>
-          </a:xfrm>
-          <a:prstGeom prst="rect">
-            <a:avLst/>
-          </a:prstGeom>
-          <a:noFill/>
-        </p:spPr>
-        <p:txBody>
-          <a:bodyPr wrap="square" rtlCol="0">
-            <a:spAutoFit/>
-          </a:bodyPr>
-          <a:lstStyle/>
-          <a:p>
-            <a:r>
-              <a:rPr lang="en-US" sz="3200" b="1" dirty="0">
-                <a:solidFill>
-                  <a:schemeClr val="bg1"/>
-                </a:solidFill>
-              </a:rPr>
-              <a:t>Model Evaluation :</a:t>
-            </a:r>
-            <a:r>
-              <a:rPr lang="en-US" sz="2800" b="1" dirty="0">
-                <a:solidFill>
-                  <a:schemeClr val="bg1"/>
-                </a:solidFill>
-              </a:rPr>
-              <a:t> </a:t>
-            </a:r>
-            <a:endParaRPr lang="en-ZA" sz="2800" b="1" dirty="0">
-              <a:solidFill>
-                <a:schemeClr val="bg1"/>
-              </a:solidFill>
-            </a:endParaRPr>
-          </a:p>
-        </p:txBody>
-      </p:sp>
-      <p:sp>
-        <p:nvSpPr>
-          <p:cNvPr id="3" name="TextBox 2">
-            <a:extLst>
-              <a:ext uri="{FF2B5EF4-FFF2-40B4-BE49-F238E27FC236}">
-                <a16:creationId xmlns:a16="http://schemas.microsoft.com/office/drawing/2014/main" id="{3E98D95D-B15A-D7C1-D8F0-E477F9AC3C0F}"/>
-              </a:ext>
-            </a:extLst>
-          </p:cNvPr>
-          <p:cNvSpPr txBox="1"/>
-          <p:nvPr/>
-        </p:nvSpPr>
-        <p:spPr>
-          <a:xfrm>
-            <a:off x="1229032" y="1762121"/>
-            <a:ext cx="6096000" cy="369332"/>
-          </a:xfrm>
-          <a:prstGeom prst="rect">
-            <a:avLst/>
-          </a:prstGeom>
-          <a:noFill/>
-        </p:spPr>
-        <p:txBody>
-          <a:bodyPr wrap="square">
-            <a:spAutoFit/>
-          </a:bodyPr>
-          <a:lstStyle/>
-          <a:p>
-            <a:r>
-              <a:rPr lang="en-ZA" dirty="0">
-                <a:solidFill>
-                  <a:schemeClr val="bg1"/>
-                </a:solidFill>
-              </a:rPr>
-              <a:t>80/20 random train test split</a:t>
-            </a:r>
-            <a:endParaRPr lang="en-ZA" dirty="0"/>
-          </a:p>
-        </p:txBody>
-      </p:sp>
-    </p:spTree>
-    <p:extLst>
-      <p:ext uri="{BB962C8B-B14F-4D97-AF65-F5344CB8AC3E}">
-        <p14:creationId xmlns:p14="http://schemas.microsoft.com/office/powerpoint/2010/main" val="698835099"/>
       </p:ext>
     </p:extLst>
   </p:cSld>
@@ -39012,6 +39628,164 @@
                   <a:schemeClr val="bg1"/>
                 </a:solidFill>
               </a:rPr>
+              <a:t>Model Evaluation :</a:t>
+            </a:r>
+            <a:r>
+              <a:rPr lang="en-US" sz="2800" b="1" dirty="0">
+                <a:solidFill>
+                  <a:schemeClr val="bg1"/>
+                </a:solidFill>
+              </a:rPr>
+              <a:t> </a:t>
+            </a:r>
+            <a:endParaRPr lang="en-ZA" sz="2800" b="1" dirty="0">
+              <a:solidFill>
+                <a:schemeClr val="bg1"/>
+              </a:solidFill>
+            </a:endParaRPr>
+          </a:p>
+        </p:txBody>
+      </p:sp>
+      <p:sp>
+        <p:nvSpPr>
+          <p:cNvPr id="3" name="TextBox 2">
+            <a:extLst>
+              <a:ext uri="{FF2B5EF4-FFF2-40B4-BE49-F238E27FC236}">
+                <a16:creationId xmlns:a16="http://schemas.microsoft.com/office/drawing/2014/main" id="{3E98D95D-B15A-D7C1-D8F0-E477F9AC3C0F}"/>
+              </a:ext>
+            </a:extLst>
+          </p:cNvPr>
+          <p:cNvSpPr txBox="1"/>
+          <p:nvPr/>
+        </p:nvSpPr>
+        <p:spPr>
+          <a:xfrm>
+            <a:off x="1229032" y="1762121"/>
+            <a:ext cx="6096000" cy="369332"/>
+          </a:xfrm>
+          <a:prstGeom prst="rect">
+            <a:avLst/>
+          </a:prstGeom>
+          <a:noFill/>
+        </p:spPr>
+        <p:txBody>
+          <a:bodyPr wrap="square">
+            <a:spAutoFit/>
+          </a:bodyPr>
+          <a:lstStyle/>
+          <a:p>
+            <a:r>
+              <a:rPr lang="en-ZA" dirty="0">
+                <a:solidFill>
+                  <a:schemeClr val="bg1"/>
+                </a:solidFill>
+              </a:rPr>
+              <a:t>80/20 random train test split</a:t>
+            </a:r>
+            <a:endParaRPr lang="en-ZA" dirty="0"/>
+          </a:p>
+        </p:txBody>
+      </p:sp>
+    </p:spTree>
+    <p:extLst>
+      <p:ext uri="{BB962C8B-B14F-4D97-AF65-F5344CB8AC3E}">
+        <p14:creationId xmlns:p14="http://schemas.microsoft.com/office/powerpoint/2010/main" val="698835099"/>
+      </p:ext>
+    </p:extLst>
+  </p:cSld>
+  <p:clrMapOvr>
+    <a:masterClrMapping/>
+  </p:clrMapOvr>
+  <mc:AlternateContent xmlns:mc="http://schemas.openxmlformats.org/markup-compatibility/2006" xmlns:p159="http://schemas.microsoft.com/office/powerpoint/2015/09/main">
+    <mc:Choice Requires="p159">
+      <p:transition xmlns:p14="http://schemas.microsoft.com/office/powerpoint/2010/main" spd="slow" p14:dur="2000">
+        <p159:morph option="byObject"/>
+      </p:transition>
+    </mc:Choice>
+    <mc:Fallback xmlns="">
+      <p:transition spd="slow">
+        <p:fade/>
+      </p:transition>
+    </mc:Fallback>
+  </mc:AlternateContent>
+</p:sld>
+</file>
+
+<file path=ppt/slides/slide51.xml><?xml version="1.0" encoding="utf-8"?>
+<p:sld xmlns:a="http://schemas.openxmlformats.org/drawingml/2006/main" xmlns:r="http://schemas.openxmlformats.org/officeDocument/2006/relationships" xmlns:p="http://schemas.openxmlformats.org/presentationml/2006/main">
+  <p:cSld>
+    <p:bg>
+      <p:bgPr>
+        <a:blipFill dpi="0" rotWithShape="1">
+          <a:blip r:embed="rId2">
+            <a:extLst>
+              <a:ext uri="{BEBA8EAE-BF5A-486C-A8C5-ECC9F3942E4B}">
+                <a14:imgProps xmlns:a14="http://schemas.microsoft.com/office/drawing/2010/main">
+                  <a14:imgLayer r:embed="rId3">
+                    <a14:imgEffect>
+                      <a14:brightnessContrast bright="-20000"/>
+                    </a14:imgEffect>
+                  </a14:imgLayer>
+                </a14:imgProps>
+              </a:ext>
+            </a:extLst>
+          </a:blip>
+          <a:srcRect/>
+          <a:stretch>
+            <a:fillRect l="-9000" t="-39000" b="-11000"/>
+          </a:stretch>
+        </a:blipFill>
+        <a:effectLst/>
+      </p:bgPr>
+    </p:bg>
+    <p:spTree>
+      <p:nvGrpSpPr>
+        <p:cNvPr id="1" name=""/>
+        <p:cNvGrpSpPr/>
+        <p:nvPr/>
+      </p:nvGrpSpPr>
+      <p:grpSpPr>
+        <a:xfrm>
+          <a:off x="0" y="0"/>
+          <a:ext cx="0" cy="0"/>
+          <a:chOff x="0" y="0"/>
+          <a:chExt cx="0" cy="0"/>
+        </a:xfrm>
+      </p:grpSpPr>
+      <p:sp>
+        <p:nvSpPr>
+          <p:cNvPr id="4" name="TextBox 3">
+            <a:extLst>
+              <a:ext uri="{FF2B5EF4-FFF2-40B4-BE49-F238E27FC236}">
+                <a16:creationId xmlns:a16="http://schemas.microsoft.com/office/drawing/2014/main" id="{B216AF57-F29C-D05C-D5C9-C32762A12133}"/>
+              </a:ext>
+            </a:extLst>
+          </p:cNvPr>
+          <p:cNvSpPr txBox="1"/>
+          <p:nvPr/>
+        </p:nvSpPr>
+        <p:spPr>
+          <a:xfrm>
+            <a:off x="835743" y="526372"/>
+            <a:ext cx="7580670" cy="584775"/>
+          </a:xfrm>
+          <a:prstGeom prst="rect">
+            <a:avLst/>
+          </a:prstGeom>
+          <a:noFill/>
+        </p:spPr>
+        <p:txBody>
+          <a:bodyPr wrap="square" rtlCol="0">
+            <a:spAutoFit/>
+          </a:bodyPr>
+          <a:lstStyle/>
+          <a:p>
+            <a:r>
+              <a:rPr lang="en-US" sz="3200" b="1" dirty="0">
+                <a:solidFill>
+                  <a:schemeClr val="bg1"/>
+                </a:solidFill>
+              </a:rPr>
               <a:t>Cold start problem:</a:t>
             </a:r>
             <a:r>
@@ -39129,7 +39903,7 @@
 </p:sld>
 </file>
 
-<file path=ppt/slides/slide51.xml><?xml version="1.0" encoding="utf-8"?>
+<file path=ppt/slides/slide52.xml><?xml version="1.0" encoding="utf-8"?>
 <p:sld xmlns:a="http://schemas.openxmlformats.org/drawingml/2006/main" xmlns:r="http://schemas.openxmlformats.org/officeDocument/2006/relationships" xmlns:p="http://schemas.openxmlformats.org/presentationml/2006/main">
   <p:cSld>
     <p:bg>

--- a/Presentation1bkp.pptx
+++ b/Presentation1bkp.pptx
@@ -15,48 +15,49 @@
     <p:sldId id="271" r:id="rId9"/>
     <p:sldId id="281" r:id="rId10"/>
     <p:sldId id="264" r:id="rId11"/>
-    <p:sldId id="285" r:id="rId12"/>
-    <p:sldId id="346" r:id="rId13"/>
-    <p:sldId id="294" r:id="rId14"/>
-    <p:sldId id="307" r:id="rId15"/>
-    <p:sldId id="287" r:id="rId16"/>
-    <p:sldId id="347" r:id="rId17"/>
-    <p:sldId id="308" r:id="rId18"/>
-    <p:sldId id="309" r:id="rId19"/>
-    <p:sldId id="310" r:id="rId20"/>
-    <p:sldId id="311" r:id="rId21"/>
-    <p:sldId id="312" r:id="rId22"/>
-    <p:sldId id="313" r:id="rId23"/>
-    <p:sldId id="315" r:id="rId24"/>
-    <p:sldId id="329" r:id="rId25"/>
-    <p:sldId id="316" r:id="rId26"/>
-    <p:sldId id="317" r:id="rId27"/>
-    <p:sldId id="327" r:id="rId28"/>
-    <p:sldId id="322" r:id="rId29"/>
-    <p:sldId id="323" r:id="rId30"/>
-    <p:sldId id="324" r:id="rId31"/>
-    <p:sldId id="325" r:id="rId32"/>
-    <p:sldId id="326" r:id="rId33"/>
-    <p:sldId id="339" r:id="rId34"/>
-    <p:sldId id="340" r:id="rId35"/>
-    <p:sldId id="321" r:id="rId36"/>
-    <p:sldId id="318" r:id="rId37"/>
-    <p:sldId id="319" r:id="rId38"/>
-    <p:sldId id="342" r:id="rId39"/>
-    <p:sldId id="341" r:id="rId40"/>
-    <p:sldId id="343" r:id="rId41"/>
-    <p:sldId id="345" r:id="rId42"/>
-    <p:sldId id="344" r:id="rId43"/>
-    <p:sldId id="328" r:id="rId44"/>
-    <p:sldId id="330" r:id="rId45"/>
-    <p:sldId id="332" r:id="rId46"/>
-    <p:sldId id="331" r:id="rId47"/>
-    <p:sldId id="333" r:id="rId48"/>
-    <p:sldId id="335" r:id="rId49"/>
-    <p:sldId id="334" r:id="rId50"/>
-    <p:sldId id="336" r:id="rId51"/>
-    <p:sldId id="337" r:id="rId52"/>
-    <p:sldId id="338" r:id="rId53"/>
+    <p:sldId id="346" r:id="rId12"/>
+    <p:sldId id="294" r:id="rId13"/>
+    <p:sldId id="307" r:id="rId14"/>
+    <p:sldId id="287" r:id="rId15"/>
+    <p:sldId id="347" r:id="rId16"/>
+    <p:sldId id="348" r:id="rId17"/>
+    <p:sldId id="285" r:id="rId18"/>
+    <p:sldId id="308" r:id="rId19"/>
+    <p:sldId id="309" r:id="rId20"/>
+    <p:sldId id="310" r:id="rId21"/>
+    <p:sldId id="311" r:id="rId22"/>
+    <p:sldId id="312" r:id="rId23"/>
+    <p:sldId id="313" r:id="rId24"/>
+    <p:sldId id="315" r:id="rId25"/>
+    <p:sldId id="329" r:id="rId26"/>
+    <p:sldId id="316" r:id="rId27"/>
+    <p:sldId id="317" r:id="rId28"/>
+    <p:sldId id="327" r:id="rId29"/>
+    <p:sldId id="322" r:id="rId30"/>
+    <p:sldId id="323" r:id="rId31"/>
+    <p:sldId id="324" r:id="rId32"/>
+    <p:sldId id="325" r:id="rId33"/>
+    <p:sldId id="326" r:id="rId34"/>
+    <p:sldId id="339" r:id="rId35"/>
+    <p:sldId id="340" r:id="rId36"/>
+    <p:sldId id="321" r:id="rId37"/>
+    <p:sldId id="318" r:id="rId38"/>
+    <p:sldId id="319" r:id="rId39"/>
+    <p:sldId id="342" r:id="rId40"/>
+    <p:sldId id="341" r:id="rId41"/>
+    <p:sldId id="343" r:id="rId42"/>
+    <p:sldId id="345" r:id="rId43"/>
+    <p:sldId id="344" r:id="rId44"/>
+    <p:sldId id="328" r:id="rId45"/>
+    <p:sldId id="330" r:id="rId46"/>
+    <p:sldId id="332" r:id="rId47"/>
+    <p:sldId id="331" r:id="rId48"/>
+    <p:sldId id="333" r:id="rId49"/>
+    <p:sldId id="335" r:id="rId50"/>
+    <p:sldId id="334" r:id="rId51"/>
+    <p:sldId id="336" r:id="rId52"/>
+    <p:sldId id="337" r:id="rId53"/>
+    <p:sldId id="338" r:id="rId54"/>
   </p:sldIdLst>
   <p:sldSz cx="12192000" cy="6858000"/>
   <p:notesSz cx="6858000" cy="9144000"/>
@@ -15250,196 +15251,6 @@
       </p:grpSpPr>
       <p:sp>
         <p:nvSpPr>
-          <p:cNvPr id="2" name="Title 1">
-            <a:extLst>
-              <a:ext uri="{FF2B5EF4-FFF2-40B4-BE49-F238E27FC236}">
-                <a16:creationId xmlns:a16="http://schemas.microsoft.com/office/drawing/2014/main" id="{7AB9283B-D885-DC3D-C04D-0FE8487A76EA}"/>
-              </a:ext>
-            </a:extLst>
-          </p:cNvPr>
-          <p:cNvSpPr>
-            <a:spLocks noGrp="1"/>
-          </p:cNvSpPr>
-          <p:nvPr>
-            <p:ph type="ctrTitle"/>
-          </p:nvPr>
-        </p:nvSpPr>
-        <p:spPr/>
-        <p:txBody>
-          <a:bodyPr/>
-          <a:lstStyle/>
-          <a:p>
-            <a:endParaRPr lang="en-ZA" dirty="0"/>
-          </a:p>
-        </p:txBody>
-      </p:sp>
-      <p:sp>
-        <p:nvSpPr>
-          <p:cNvPr id="3" name="Subtitle 2">
-            <a:extLst>
-              <a:ext uri="{FF2B5EF4-FFF2-40B4-BE49-F238E27FC236}">
-                <a16:creationId xmlns:a16="http://schemas.microsoft.com/office/drawing/2014/main" id="{2C3AF3F9-39E8-8F2A-990E-BC4833D6399B}"/>
-              </a:ext>
-            </a:extLst>
-          </p:cNvPr>
-          <p:cNvSpPr>
-            <a:spLocks noGrp="1"/>
-          </p:cNvSpPr>
-          <p:nvPr>
-            <p:ph type="subTitle" idx="1"/>
-          </p:nvPr>
-        </p:nvSpPr>
-        <p:spPr/>
-        <p:txBody>
-          <a:bodyPr/>
-          <a:lstStyle/>
-          <a:p>
-            <a:endParaRPr lang="en-ZA"/>
-          </a:p>
-        </p:txBody>
-      </p:sp>
-      <p:sp>
-        <p:nvSpPr>
-          <p:cNvPr id="4" name="TextBox 3">
-            <a:extLst>
-              <a:ext uri="{FF2B5EF4-FFF2-40B4-BE49-F238E27FC236}">
-                <a16:creationId xmlns:a16="http://schemas.microsoft.com/office/drawing/2014/main" id="{5B533428-C0D0-B007-B518-9749E36EE0D0}"/>
-              </a:ext>
-            </a:extLst>
-          </p:cNvPr>
-          <p:cNvSpPr txBox="1"/>
-          <p:nvPr/>
-        </p:nvSpPr>
-        <p:spPr>
-          <a:xfrm>
-            <a:off x="1170039" y="1122363"/>
-            <a:ext cx="4503174" cy="2585323"/>
-          </a:xfrm>
-          <a:prstGeom prst="rect">
-            <a:avLst/>
-          </a:prstGeom>
-          <a:solidFill>
-            <a:schemeClr val="bg1"/>
-          </a:solidFill>
-        </p:spPr>
-        <p:txBody>
-          <a:bodyPr wrap="square" rtlCol="0">
-            <a:spAutoFit/>
-          </a:bodyPr>
-          <a:lstStyle/>
-          <a:p>
-            <a:r>
-              <a:rPr lang="en-US" dirty="0"/>
-              <a:t>Are all interactions equal?</a:t>
-            </a:r>
-            <a:br>
-              <a:rPr lang="en-US" dirty="0"/>
-            </a:br>
-            <a:r>
-              <a:rPr lang="en-US" dirty="0"/>
-              <a:t>Display click checkout</a:t>
-            </a:r>
-          </a:p>
-          <a:p>
-            <a:pPr marL="285750" indent="-285750">
-              <a:buFontTx/>
-              <a:buChar char="-"/>
-            </a:pPr>
-            <a:r>
-              <a:rPr lang="en-US" dirty="0"/>
-              <a:t>Probability of item being checked out if clicked</a:t>
-            </a:r>
-          </a:p>
-          <a:p>
-            <a:pPr marL="285750" indent="-285750">
-              <a:buFontTx/>
-              <a:buChar char="-"/>
-            </a:pPr>
-            <a:r>
-              <a:rPr lang="en-US" dirty="0"/>
-              <a:t>Display shows None item, All item type, </a:t>
-            </a:r>
-            <a:r>
-              <a:rPr lang="en-US" dirty="0" err="1"/>
-              <a:t>etc</a:t>
-            </a:r>
-            <a:endParaRPr lang="en-US" dirty="0"/>
-          </a:p>
-          <a:p>
-            <a:pPr marL="285750" indent="-285750">
-              <a:buFontTx/>
-              <a:buChar char="-"/>
-            </a:pPr>
-            <a:endParaRPr lang="en-US" dirty="0"/>
-          </a:p>
-          <a:p>
-            <a:pPr marL="285750" indent="-285750">
-              <a:buFontTx/>
-              <a:buChar char="-"/>
-            </a:pPr>
-            <a:r>
-              <a:rPr lang="en-US" dirty="0"/>
-              <a:t>Screens probability of num clicks vs checkouts</a:t>
-            </a:r>
-          </a:p>
-        </p:txBody>
-      </p:sp>
-    </p:spTree>
-    <p:extLst>
-      <p:ext uri="{BB962C8B-B14F-4D97-AF65-F5344CB8AC3E}">
-        <p14:creationId xmlns:p14="http://schemas.microsoft.com/office/powerpoint/2010/main" val="3559100710"/>
-      </p:ext>
-    </p:extLst>
-  </p:cSld>
-  <p:clrMapOvr>
-    <a:masterClrMapping/>
-  </p:clrMapOvr>
-</p:sld>
-</file>
-
-<file path=ppt/slides/slide12.xml><?xml version="1.0" encoding="utf-8"?>
-<p:sld xmlns:a="http://schemas.openxmlformats.org/drawingml/2006/main" xmlns:r="http://schemas.openxmlformats.org/officeDocument/2006/relationships" xmlns:p="http://schemas.openxmlformats.org/presentationml/2006/main">
-  <p:cSld>
-    <p:bg>
-      <p:bgPr>
-        <a:blipFill dpi="0" rotWithShape="1">
-          <a:blip r:embed="rId2">
-            <a:extLst>
-              <a:ext uri="{BEBA8EAE-BF5A-486C-A8C5-ECC9F3942E4B}">
-                <a14:imgProps xmlns:a14="http://schemas.microsoft.com/office/drawing/2010/main">
-                  <a14:imgLayer r:embed="rId3">
-                    <a14:imgEffect>
-                      <a14:brightnessContrast bright="-20000"/>
-                    </a14:imgEffect>
-                  </a14:imgLayer>
-                </a14:imgProps>
-              </a:ext>
-            </a:extLst>
-          </a:blip>
-          <a:srcRect/>
-          <a:stretch>
-            <a:fillRect l="-9000" t="-39000" b="-11000"/>
-          </a:stretch>
-        </a:blipFill>
-        <a:effectLst/>
-      </p:bgPr>
-    </p:bg>
-    <p:spTree>
-      <p:nvGrpSpPr>
-        <p:cNvPr id="1" name=""/>
-        <p:cNvGrpSpPr/>
-        <p:nvPr/>
-      </p:nvGrpSpPr>
-      <p:grpSpPr>
-        <a:xfrm>
-          <a:off x="0" y="0"/>
-          <a:ext cx="0" cy="0"/>
-          <a:chOff x="0" y="0"/>
-          <a:chExt cx="0" cy="0"/>
-        </a:xfrm>
-      </p:grpSpPr>
-      <p:sp>
-        <p:nvSpPr>
           <p:cNvPr id="5" name="TextBox 4">
             <a:extLst>
               <a:ext uri="{FF2B5EF4-FFF2-40B4-BE49-F238E27FC236}">
@@ -15496,7 +15307,7 @@
 </p:sld>
 </file>
 
-<file path=ppt/slides/slide13.xml><?xml version="1.0" encoding="utf-8"?>
+<file path=ppt/slides/slide12.xml><?xml version="1.0" encoding="utf-8"?>
 <p:sld xmlns:a="http://schemas.openxmlformats.org/drawingml/2006/main" xmlns:r="http://schemas.openxmlformats.org/officeDocument/2006/relationships" xmlns:p="http://schemas.openxmlformats.org/presentationml/2006/main">
   <p:cSld>
     <p:bg>
@@ -15786,7 +15597,7 @@
 </p:sld>
 </file>
 
-<file path=ppt/slides/slide14.xml><?xml version="1.0" encoding="utf-8"?>
+<file path=ppt/slides/slide13.xml><?xml version="1.0" encoding="utf-8"?>
 <p:sld xmlns:a="http://schemas.openxmlformats.org/drawingml/2006/main" xmlns:r="http://schemas.openxmlformats.org/officeDocument/2006/relationships" xmlns:p="http://schemas.openxmlformats.org/presentationml/2006/main">
   <p:cSld>
     <p:bg>
@@ -15936,7 +15747,7 @@
 </p:sld>
 </file>
 
-<file path=ppt/slides/slide15.xml><?xml version="1.0" encoding="utf-8"?>
+<file path=ppt/slides/slide14.xml><?xml version="1.0" encoding="utf-8"?>
 <p:sld xmlns:a="http://schemas.openxmlformats.org/drawingml/2006/main" xmlns:r="http://schemas.openxmlformats.org/officeDocument/2006/relationships" xmlns:p="http://schemas.openxmlformats.org/presentationml/2006/main">
   <p:cSld>
     <p:bg>
@@ -16104,7 +15915,7 @@
 </p:sld>
 </file>
 
-<file path=ppt/slides/slide16.xml><?xml version="1.0" encoding="utf-8"?>
+<file path=ppt/slides/slide15.xml><?xml version="1.0" encoding="utf-8"?>
 <p:sld xmlns:a="http://schemas.openxmlformats.org/drawingml/2006/main" xmlns:r="http://schemas.openxmlformats.org/officeDocument/2006/relationships" xmlns:p="http://schemas.openxmlformats.org/presentationml/2006/main">
   <p:cSld>
     <p:bg>
@@ -16189,8 +16000,8 @@
           </a:p>
         </p:txBody>
       </p:sp>
-      <mc:AlternateContent xmlns:mc="http://schemas.openxmlformats.org/markup-compatibility/2006">
-        <mc:Choice xmlns:a14="http://schemas.microsoft.com/office/drawing/2010/main" Requires="a14">
+      <mc:AlternateContent xmlns:mc="http://schemas.openxmlformats.org/markup-compatibility/2006" xmlns:a14="http://schemas.microsoft.com/office/drawing/2010/main">
+        <mc:Choice Requires="a14">
           <p:sp>
             <p:nvSpPr>
               <p:cNvPr id="5" name="TextBox 4">
@@ -16456,7 +16267,7 @@
             </p:txBody>
           </p:sp>
         </mc:Choice>
-        <mc:Fallback>
+        <mc:Fallback xmlns="">
           <p:sp>
             <p:nvSpPr>
               <p:cNvPr id="5" name="TextBox 4">
@@ -16501,8 +16312,8 @@
           </p:sp>
         </mc:Fallback>
       </mc:AlternateContent>
-      <mc:AlternateContent xmlns:mc="http://schemas.openxmlformats.org/markup-compatibility/2006">
-        <mc:Choice xmlns:a14="http://schemas.microsoft.com/office/drawing/2010/main" Requires="a14">
+      <mc:AlternateContent xmlns:mc="http://schemas.openxmlformats.org/markup-compatibility/2006" xmlns:a14="http://schemas.microsoft.com/office/drawing/2010/main">
+        <mc:Choice Requires="a14">
           <p:sp>
             <p:nvSpPr>
               <p:cNvPr id="4" name="TextBox 3">
@@ -16804,7 +16615,7 @@
             </p:txBody>
           </p:sp>
         </mc:Choice>
-        <mc:Fallback>
+        <mc:Fallback xmlns="">
           <p:sp>
             <p:nvSpPr>
               <p:cNvPr id="4" name="TextBox 3">
@@ -16862,7 +16673,7 @@
 </p:sld>
 </file>
 
-<file path=ppt/slides/slide17.xml><?xml version="1.0" encoding="utf-8"?>
+<file path=ppt/slides/slide16.xml><?xml version="1.0" encoding="utf-8"?>
 <p:sld xmlns:a="http://schemas.openxmlformats.org/drawingml/2006/main" xmlns:r="http://schemas.openxmlformats.org/officeDocument/2006/relationships" xmlns:p="http://schemas.openxmlformats.org/presentationml/2006/main">
   <p:cSld>
     <p:bg>
@@ -16938,6 +16749,692 @@
                   <a:schemeClr val="bg1"/>
                 </a:solidFill>
               </a:rPr>
+              <a:t>Are all interactions equal?</a:t>
+            </a:r>
+            <a:endParaRPr lang="en-ZA" sz="2800" b="1" dirty="0">
+              <a:solidFill>
+                <a:schemeClr val="bg1"/>
+              </a:solidFill>
+            </a:endParaRPr>
+          </a:p>
+        </p:txBody>
+      </p:sp>
+    </p:spTree>
+    <p:extLst>
+      <p:ext uri="{BB962C8B-B14F-4D97-AF65-F5344CB8AC3E}">
+        <p14:creationId xmlns:p14="http://schemas.microsoft.com/office/powerpoint/2010/main" val="3871172804"/>
+      </p:ext>
+    </p:extLst>
+  </p:cSld>
+  <p:clrMapOvr>
+    <a:masterClrMapping/>
+  </p:clrMapOvr>
+</p:sld>
+</file>
+
+<file path=ppt/slides/slide17.xml><?xml version="1.0" encoding="utf-8"?>
+<p:sld xmlns:a="http://schemas.openxmlformats.org/drawingml/2006/main" xmlns:r="http://schemas.openxmlformats.org/officeDocument/2006/relationships" xmlns:p="http://schemas.openxmlformats.org/presentationml/2006/main">
+  <p:cSld>
+    <p:bg>
+      <p:bgPr>
+        <a:blipFill dpi="0" rotWithShape="1">
+          <a:blip r:embed="rId2">
+            <a:extLst>
+              <a:ext uri="{BEBA8EAE-BF5A-486C-A8C5-ECC9F3942E4B}">
+                <a14:imgProps xmlns:a14="http://schemas.microsoft.com/office/drawing/2010/main">
+                  <a14:imgLayer r:embed="rId3">
+                    <a14:imgEffect>
+                      <a14:brightnessContrast bright="-20000"/>
+                    </a14:imgEffect>
+                  </a14:imgLayer>
+                </a14:imgProps>
+              </a:ext>
+            </a:extLst>
+          </a:blip>
+          <a:srcRect/>
+          <a:stretch>
+            <a:fillRect l="-9000" t="-39000" b="-11000"/>
+          </a:stretch>
+        </a:blipFill>
+        <a:effectLst/>
+      </p:bgPr>
+    </p:bg>
+    <p:spTree>
+      <p:nvGrpSpPr>
+        <p:cNvPr id="1" name=""/>
+        <p:cNvGrpSpPr/>
+        <p:nvPr/>
+      </p:nvGrpSpPr>
+      <p:grpSpPr>
+        <a:xfrm>
+          <a:off x="0" y="0"/>
+          <a:ext cx="0" cy="0"/>
+          <a:chOff x="0" y="0"/>
+          <a:chExt cx="0" cy="0"/>
+        </a:xfrm>
+      </p:grpSpPr>
+      <p:sp>
+        <p:nvSpPr>
+          <p:cNvPr id="5" name="TextBox 4">
+            <a:extLst>
+              <a:ext uri="{FF2B5EF4-FFF2-40B4-BE49-F238E27FC236}">
+                <a16:creationId xmlns:a16="http://schemas.microsoft.com/office/drawing/2014/main" id="{27DBB678-748D-04C8-3054-4EDA8A7E3856}"/>
+              </a:ext>
+            </a:extLst>
+          </p:cNvPr>
+          <p:cNvSpPr txBox="1"/>
+          <p:nvPr/>
+        </p:nvSpPr>
+        <p:spPr>
+          <a:xfrm>
+            <a:off x="-167149" y="310064"/>
+            <a:ext cx="5663381" cy="523220"/>
+          </a:xfrm>
+          <a:prstGeom prst="rect">
+            <a:avLst/>
+          </a:prstGeom>
+          <a:noFill/>
+        </p:spPr>
+        <p:txBody>
+          <a:bodyPr wrap="square" rtlCol="0">
+            <a:spAutoFit/>
+          </a:bodyPr>
+          <a:lstStyle/>
+          <a:p>
+            <a:pPr algn="ctr"/>
+            <a:r>
+              <a:rPr lang="en-US" sz="2800" b="1" dirty="0">
+                <a:solidFill>
+                  <a:schemeClr val="bg1"/>
+                </a:solidFill>
+              </a:rPr>
+              <a:t>Are all interactions equal?</a:t>
+            </a:r>
+            <a:endParaRPr lang="en-ZA" sz="2800" b="1" dirty="0">
+              <a:solidFill>
+                <a:schemeClr val="bg1"/>
+              </a:solidFill>
+            </a:endParaRPr>
+          </a:p>
+        </p:txBody>
+      </p:sp>
+      <p:sp>
+        <p:nvSpPr>
+          <p:cNvPr id="6" name="TextBox 5">
+            <a:extLst>
+              <a:ext uri="{FF2B5EF4-FFF2-40B4-BE49-F238E27FC236}">
+                <a16:creationId xmlns:a16="http://schemas.microsoft.com/office/drawing/2014/main" id="{96FA0EAD-95A8-C7F6-AD97-913F8671AE24}"/>
+              </a:ext>
+            </a:extLst>
+          </p:cNvPr>
+          <p:cNvSpPr txBox="1"/>
+          <p:nvPr/>
+        </p:nvSpPr>
+        <p:spPr>
+          <a:xfrm>
+            <a:off x="766915" y="1145806"/>
+            <a:ext cx="4729317" cy="923330"/>
+          </a:xfrm>
+          <a:prstGeom prst="rect">
+            <a:avLst/>
+          </a:prstGeom>
+          <a:noFill/>
+        </p:spPr>
+        <p:txBody>
+          <a:bodyPr wrap="square" rtlCol="0">
+            <a:spAutoFit/>
+          </a:bodyPr>
+          <a:lstStyle/>
+          <a:p>
+            <a:r>
+              <a:rPr lang="en-ZA" dirty="0">
+                <a:solidFill>
+                  <a:schemeClr val="bg1"/>
+                </a:solidFill>
+              </a:rPr>
+              <a:t>We know that display type items do not indicate any particular interest in an item 			</a:t>
+            </a:r>
+          </a:p>
+        </p:txBody>
+      </p:sp>
+      <p:sp>
+        <p:nvSpPr>
+          <p:cNvPr id="8" name="TextBox 7">
+            <a:extLst>
+              <a:ext uri="{FF2B5EF4-FFF2-40B4-BE49-F238E27FC236}">
+                <a16:creationId xmlns:a16="http://schemas.microsoft.com/office/drawing/2014/main" id="{08BCDED2-409D-8EFB-0671-3860B888F2DE}"/>
+              </a:ext>
+            </a:extLst>
+          </p:cNvPr>
+          <p:cNvSpPr txBox="1"/>
+          <p:nvPr/>
+        </p:nvSpPr>
+        <p:spPr>
+          <a:xfrm>
+            <a:off x="6614654" y="1238139"/>
+            <a:ext cx="4407307" cy="369332"/>
+          </a:xfrm>
+          <a:prstGeom prst="rect">
+            <a:avLst/>
+          </a:prstGeom>
+          <a:noFill/>
+        </p:spPr>
+        <p:txBody>
+          <a:bodyPr wrap="square">
+            <a:spAutoFit/>
+          </a:bodyPr>
+          <a:lstStyle/>
+          <a:p>
+            <a:r>
+              <a:rPr lang="en-ZA" b="1" dirty="0">
+                <a:solidFill>
+                  <a:schemeClr val="bg1"/>
+                </a:solidFill>
+              </a:rPr>
+              <a:t>Thus we drop all NONE/Display items</a:t>
+            </a:r>
+            <a:endParaRPr lang="en-ZA" b="1" dirty="0"/>
+          </a:p>
+        </p:txBody>
+      </p:sp>
+      <p:sp>
+        <p:nvSpPr>
+          <p:cNvPr id="9" name="Arrow: Right 8">
+            <a:extLst>
+              <a:ext uri="{FF2B5EF4-FFF2-40B4-BE49-F238E27FC236}">
+                <a16:creationId xmlns:a16="http://schemas.microsoft.com/office/drawing/2014/main" id="{293D6221-D751-58BA-DD17-437276D6D3A4}"/>
+              </a:ext>
+            </a:extLst>
+          </p:cNvPr>
+          <p:cNvSpPr/>
+          <p:nvPr/>
+        </p:nvSpPr>
+        <p:spPr>
+          <a:xfrm>
+            <a:off x="5240593" y="1258529"/>
+            <a:ext cx="1091381" cy="334297"/>
+          </a:xfrm>
+          <a:prstGeom prst="rightArrow">
+            <a:avLst/>
+          </a:prstGeom>
+          <a:solidFill>
+            <a:srgbClr val="55D2B0"/>
+          </a:solidFill>
+          <a:ln>
+            <a:solidFill>
+              <a:schemeClr val="tx1"/>
+            </a:solidFill>
+          </a:ln>
+        </p:spPr>
+        <p:style>
+          <a:lnRef idx="2">
+            <a:schemeClr val="accent1">
+              <a:shade val="15000"/>
+            </a:schemeClr>
+          </a:lnRef>
+          <a:fillRef idx="1">
+            <a:schemeClr val="accent1"/>
+          </a:fillRef>
+          <a:effectRef idx="0">
+            <a:schemeClr val="accent1"/>
+          </a:effectRef>
+          <a:fontRef idx="minor">
+            <a:schemeClr val="lt1"/>
+          </a:fontRef>
+        </p:style>
+        <p:txBody>
+          <a:bodyPr rtlCol="0" anchor="ctr"/>
+          <a:lstStyle/>
+          <a:p>
+            <a:pPr algn="ctr"/>
+            <a:endParaRPr lang="en-ZA" dirty="0"/>
+          </a:p>
+        </p:txBody>
+      </p:sp>
+      <p:sp>
+        <p:nvSpPr>
+          <p:cNvPr id="11" name="TextBox 10">
+            <a:extLst>
+              <a:ext uri="{FF2B5EF4-FFF2-40B4-BE49-F238E27FC236}">
+                <a16:creationId xmlns:a16="http://schemas.microsoft.com/office/drawing/2014/main" id="{EF21CE23-9541-1880-BCCD-498A58BBDEA1}"/>
+              </a:ext>
+            </a:extLst>
+          </p:cNvPr>
+          <p:cNvSpPr txBox="1"/>
+          <p:nvPr/>
+        </p:nvSpPr>
+        <p:spPr>
+          <a:xfrm>
+            <a:off x="766915" y="2225673"/>
+            <a:ext cx="4375356" cy="1754326"/>
+          </a:xfrm>
+          <a:prstGeom prst="rect">
+            <a:avLst/>
+          </a:prstGeom>
+          <a:noFill/>
+        </p:spPr>
+        <p:txBody>
+          <a:bodyPr wrap="square">
+            <a:spAutoFit/>
+          </a:bodyPr>
+          <a:lstStyle/>
+          <a:p>
+            <a:r>
+              <a:rPr lang="en-ZA" dirty="0">
+                <a:solidFill>
+                  <a:schemeClr val="bg1"/>
+                </a:solidFill>
+              </a:rPr>
+              <a:t>An item may be clicked on but never checked out. The probability of an item being checked out on the same day that it was clicked on by a user is:  </a:t>
+            </a:r>
+            <a:r>
+              <a:rPr lang="en-ZA" b="1" dirty="0">
+                <a:solidFill>
+                  <a:schemeClr val="bg1"/>
+                </a:solidFill>
+              </a:rPr>
+              <a:t>0.6936</a:t>
+            </a:r>
+          </a:p>
+          <a:p>
+            <a:r>
+              <a:rPr lang="en-ZA" dirty="0">
+                <a:solidFill>
+                  <a:schemeClr val="bg1"/>
+                </a:solidFill>
+              </a:rPr>
+              <a:t>We assume that an item checkout is of more value to the company.</a:t>
+            </a:r>
+            <a:endParaRPr lang="en-ZA" dirty="0"/>
+          </a:p>
+        </p:txBody>
+      </p:sp>
+      <p:sp>
+        <p:nvSpPr>
+          <p:cNvPr id="12" name="Arrow: Right 11">
+            <a:extLst>
+              <a:ext uri="{FF2B5EF4-FFF2-40B4-BE49-F238E27FC236}">
+                <a16:creationId xmlns:a16="http://schemas.microsoft.com/office/drawing/2014/main" id="{6AF91F9C-F107-FBC2-82F6-AFD7C9F7BF1A}"/>
+              </a:ext>
+            </a:extLst>
+          </p:cNvPr>
+          <p:cNvSpPr/>
+          <p:nvPr/>
+        </p:nvSpPr>
+        <p:spPr>
+          <a:xfrm>
+            <a:off x="5334000" y="2494381"/>
+            <a:ext cx="1091381" cy="334297"/>
+          </a:xfrm>
+          <a:prstGeom prst="rightArrow">
+            <a:avLst/>
+          </a:prstGeom>
+          <a:solidFill>
+            <a:srgbClr val="55D2B0"/>
+          </a:solidFill>
+          <a:ln>
+            <a:solidFill>
+              <a:schemeClr val="tx1"/>
+            </a:solidFill>
+          </a:ln>
+        </p:spPr>
+        <p:style>
+          <a:lnRef idx="2">
+            <a:schemeClr val="accent1">
+              <a:shade val="15000"/>
+            </a:schemeClr>
+          </a:lnRef>
+          <a:fillRef idx="1">
+            <a:schemeClr val="accent1"/>
+          </a:fillRef>
+          <a:effectRef idx="0">
+            <a:schemeClr val="accent1"/>
+          </a:effectRef>
+          <a:fontRef idx="minor">
+            <a:schemeClr val="lt1"/>
+          </a:fontRef>
+        </p:style>
+        <p:txBody>
+          <a:bodyPr rtlCol="0" anchor="ctr"/>
+          <a:lstStyle/>
+          <a:p>
+            <a:pPr algn="ctr"/>
+            <a:endParaRPr lang="en-ZA"/>
+          </a:p>
+        </p:txBody>
+      </p:sp>
+      <p:sp>
+        <p:nvSpPr>
+          <p:cNvPr id="14" name="TextBox 13">
+            <a:extLst>
+              <a:ext uri="{FF2B5EF4-FFF2-40B4-BE49-F238E27FC236}">
+                <a16:creationId xmlns:a16="http://schemas.microsoft.com/office/drawing/2014/main" id="{56E6B65C-1180-618F-9AEA-5C8EC0C74156}"/>
+              </a:ext>
+            </a:extLst>
+          </p:cNvPr>
+          <p:cNvSpPr txBox="1"/>
+          <p:nvPr/>
+        </p:nvSpPr>
+        <p:spPr>
+          <a:xfrm>
+            <a:off x="6614654" y="2338363"/>
+            <a:ext cx="4476133" cy="646331"/>
+          </a:xfrm>
+          <a:prstGeom prst="rect">
+            <a:avLst/>
+          </a:prstGeom>
+          <a:noFill/>
+        </p:spPr>
+        <p:txBody>
+          <a:bodyPr wrap="square">
+            <a:spAutoFit/>
+          </a:bodyPr>
+          <a:lstStyle/>
+          <a:p>
+            <a:r>
+              <a:rPr lang="en-ZA" b="1" dirty="0">
+                <a:solidFill>
+                  <a:schemeClr val="bg1"/>
+                </a:solidFill>
+              </a:rPr>
+              <a:t>We will add weightings for different interaction types</a:t>
+            </a:r>
+            <a:endParaRPr lang="en-ZA" b="1" dirty="0"/>
+          </a:p>
+        </p:txBody>
+      </p:sp>
+      <p:sp>
+        <p:nvSpPr>
+          <p:cNvPr id="16" name="TextBox 15">
+            <a:extLst>
+              <a:ext uri="{FF2B5EF4-FFF2-40B4-BE49-F238E27FC236}">
+                <a16:creationId xmlns:a16="http://schemas.microsoft.com/office/drawing/2014/main" id="{A015A802-2C55-5FFA-0902-3A6F19D544FF}"/>
+              </a:ext>
+            </a:extLst>
+          </p:cNvPr>
+          <p:cNvSpPr txBox="1"/>
+          <p:nvPr/>
+        </p:nvSpPr>
+        <p:spPr>
+          <a:xfrm>
+            <a:off x="766915" y="4485287"/>
+            <a:ext cx="6179574" cy="2031325"/>
+          </a:xfrm>
+          <a:prstGeom prst="rect">
+            <a:avLst/>
+          </a:prstGeom>
+          <a:noFill/>
+        </p:spPr>
+        <p:txBody>
+          <a:bodyPr wrap="square">
+            <a:spAutoFit/>
+          </a:bodyPr>
+          <a:lstStyle/>
+          <a:p>
+            <a:r>
+              <a:rPr lang="en-ZA" dirty="0">
+                <a:solidFill>
+                  <a:schemeClr val="bg1"/>
+                </a:solidFill>
+              </a:rPr>
+              <a:t>There are 2 screens that users use to interact with items.</a:t>
+            </a:r>
+          </a:p>
+          <a:p>
+            <a:r>
+              <a:rPr lang="en-ZA" dirty="0">
+                <a:solidFill>
+                  <a:schemeClr val="bg1"/>
+                </a:solidFill>
+              </a:rPr>
+              <a:t>We can see that all items can be accessed on both screens.</a:t>
+            </a:r>
+          </a:p>
+          <a:p>
+            <a:r>
+              <a:rPr lang="en-ZA" dirty="0">
+                <a:solidFill>
+                  <a:schemeClr val="bg1"/>
+                </a:solidFill>
+              </a:rPr>
+              <a:t>The probability of an item being checked out on the same day that it was clicked on by a user is:  </a:t>
+            </a:r>
+          </a:p>
+          <a:p>
+            <a:pPr marL="285750" indent="-285750">
+              <a:buFontTx/>
+              <a:buChar char="-"/>
+            </a:pPr>
+            <a:r>
+              <a:rPr lang="en-ZA" b="1" dirty="0">
+                <a:solidFill>
+                  <a:schemeClr val="bg1"/>
+                </a:solidFill>
+              </a:rPr>
+              <a:t>0.6892 for screen 1 </a:t>
+            </a:r>
+          </a:p>
+          <a:p>
+            <a:pPr marL="285750" indent="-285750">
+              <a:buFontTx/>
+              <a:buChar char="-"/>
+            </a:pPr>
+            <a:r>
+              <a:rPr lang="en-ZA" b="1" dirty="0">
+                <a:solidFill>
+                  <a:schemeClr val="bg1"/>
+                </a:solidFill>
+              </a:rPr>
+              <a:t>0.7072 for screen 2</a:t>
+            </a:r>
+          </a:p>
+          <a:p>
+            <a:r>
+              <a:rPr lang="en-ZA" dirty="0">
+                <a:solidFill>
+                  <a:schemeClr val="bg1"/>
+                </a:solidFill>
+              </a:rPr>
+              <a:t>This is fairly consistent with the overall probability</a:t>
+            </a:r>
+          </a:p>
+        </p:txBody>
+      </p:sp>
+      <p:sp>
+        <p:nvSpPr>
+          <p:cNvPr id="17" name="Arrow: Right 16">
+            <a:extLst>
+              <a:ext uri="{FF2B5EF4-FFF2-40B4-BE49-F238E27FC236}">
+                <a16:creationId xmlns:a16="http://schemas.microsoft.com/office/drawing/2014/main" id="{15B1BE4C-04B4-B8B0-F5C5-1F516319DD9C}"/>
+              </a:ext>
+            </a:extLst>
+          </p:cNvPr>
+          <p:cNvSpPr/>
+          <p:nvPr/>
+        </p:nvSpPr>
+        <p:spPr>
+          <a:xfrm>
+            <a:off x="7098890" y="5333800"/>
+            <a:ext cx="1091381" cy="334297"/>
+          </a:xfrm>
+          <a:prstGeom prst="rightArrow">
+            <a:avLst/>
+          </a:prstGeom>
+          <a:solidFill>
+            <a:srgbClr val="55D2B0"/>
+          </a:solidFill>
+          <a:ln>
+            <a:solidFill>
+              <a:schemeClr val="tx1"/>
+            </a:solidFill>
+          </a:ln>
+        </p:spPr>
+        <p:style>
+          <a:lnRef idx="2">
+            <a:schemeClr val="accent1">
+              <a:shade val="15000"/>
+            </a:schemeClr>
+          </a:lnRef>
+          <a:fillRef idx="1">
+            <a:schemeClr val="accent1"/>
+          </a:fillRef>
+          <a:effectRef idx="0">
+            <a:schemeClr val="accent1"/>
+          </a:effectRef>
+          <a:fontRef idx="minor">
+            <a:schemeClr val="lt1"/>
+          </a:fontRef>
+        </p:style>
+        <p:txBody>
+          <a:bodyPr rtlCol="0" anchor="ctr"/>
+          <a:lstStyle/>
+          <a:p>
+            <a:pPr algn="ctr"/>
+            <a:endParaRPr lang="en-ZA"/>
+          </a:p>
+        </p:txBody>
+      </p:sp>
+      <p:sp>
+        <p:nvSpPr>
+          <p:cNvPr id="18" name="TextBox 17">
+            <a:extLst>
+              <a:ext uri="{FF2B5EF4-FFF2-40B4-BE49-F238E27FC236}">
+                <a16:creationId xmlns:a16="http://schemas.microsoft.com/office/drawing/2014/main" id="{9587F330-ADDA-1C7D-6C9A-424E639D8026}"/>
+              </a:ext>
+            </a:extLst>
+          </p:cNvPr>
+          <p:cNvSpPr txBox="1"/>
+          <p:nvPr/>
+        </p:nvSpPr>
+        <p:spPr>
+          <a:xfrm>
+            <a:off x="8342672" y="5039283"/>
+            <a:ext cx="3566650" cy="923330"/>
+          </a:xfrm>
+          <a:prstGeom prst="rect">
+            <a:avLst/>
+          </a:prstGeom>
+          <a:noFill/>
+        </p:spPr>
+        <p:txBody>
+          <a:bodyPr wrap="square">
+            <a:spAutoFit/>
+          </a:bodyPr>
+          <a:lstStyle/>
+          <a:p>
+            <a:r>
+              <a:rPr lang="en-ZA" b="1" dirty="0">
+                <a:solidFill>
+                  <a:schemeClr val="bg1"/>
+                </a:solidFill>
+              </a:rPr>
+              <a:t>We will treat interactions on both screens as equal value to the company</a:t>
+            </a:r>
+            <a:endParaRPr lang="en-ZA" b="1" dirty="0"/>
+          </a:p>
+        </p:txBody>
+      </p:sp>
+    </p:spTree>
+    <p:extLst>
+      <p:ext uri="{BB962C8B-B14F-4D97-AF65-F5344CB8AC3E}">
+        <p14:creationId xmlns:p14="http://schemas.microsoft.com/office/powerpoint/2010/main" val="3559100710"/>
+      </p:ext>
+    </p:extLst>
+  </p:cSld>
+  <p:clrMapOvr>
+    <a:masterClrMapping/>
+  </p:clrMapOvr>
+  <mc:AlternateContent xmlns:mc="http://schemas.openxmlformats.org/markup-compatibility/2006">
+    <mc:Choice xmlns:p159="http://schemas.microsoft.com/office/powerpoint/2015/09/main" Requires="p159">
+      <p:transition xmlns:p14="http://schemas.microsoft.com/office/powerpoint/2010/main" spd="slow" p14:dur="2000">
+        <p159:morph option="byObject"/>
+      </p:transition>
+    </mc:Choice>
+    <mc:Fallback>
+      <p:transition spd="slow">
+        <p:fade/>
+      </p:transition>
+    </mc:Fallback>
+  </mc:AlternateContent>
+</p:sld>
+</file>
+
+<file path=ppt/slides/slide18.xml><?xml version="1.0" encoding="utf-8"?>
+<p:sld xmlns:a="http://schemas.openxmlformats.org/drawingml/2006/main" xmlns:r="http://schemas.openxmlformats.org/officeDocument/2006/relationships" xmlns:p="http://schemas.openxmlformats.org/presentationml/2006/main">
+  <p:cSld>
+    <p:bg>
+      <p:bgPr>
+        <a:blipFill dpi="0" rotWithShape="1">
+          <a:blip r:embed="rId2">
+            <a:extLst>
+              <a:ext uri="{BEBA8EAE-BF5A-486C-A8C5-ECC9F3942E4B}">
+                <a14:imgProps xmlns:a14="http://schemas.microsoft.com/office/drawing/2010/main">
+                  <a14:imgLayer r:embed="rId3">
+                    <a14:imgEffect>
+                      <a14:brightnessContrast bright="-20000"/>
+                    </a14:imgEffect>
+                  </a14:imgLayer>
+                </a14:imgProps>
+              </a:ext>
+            </a:extLst>
+          </a:blip>
+          <a:srcRect/>
+          <a:stretch>
+            <a:fillRect l="-9000" t="-39000" b="-11000"/>
+          </a:stretch>
+        </a:blipFill>
+        <a:effectLst/>
+      </p:bgPr>
+    </p:bg>
+    <p:spTree>
+      <p:nvGrpSpPr>
+        <p:cNvPr id="1" name=""/>
+        <p:cNvGrpSpPr/>
+        <p:nvPr/>
+      </p:nvGrpSpPr>
+      <p:grpSpPr>
+        <a:xfrm>
+          <a:off x="0" y="0"/>
+          <a:ext cx="0" cy="0"/>
+          <a:chOff x="0" y="0"/>
+          <a:chExt cx="0" cy="0"/>
+        </a:xfrm>
+      </p:grpSpPr>
+      <p:sp>
+        <p:nvSpPr>
+          <p:cNvPr id="2" name="TextBox 1">
+            <a:extLst>
+              <a:ext uri="{FF2B5EF4-FFF2-40B4-BE49-F238E27FC236}">
+                <a16:creationId xmlns:a16="http://schemas.microsoft.com/office/drawing/2014/main" id="{9CC12499-9330-7886-DFDA-A5AD96DB331F}"/>
+              </a:ext>
+            </a:extLst>
+          </p:cNvPr>
+          <p:cNvSpPr txBox="1"/>
+          <p:nvPr/>
+        </p:nvSpPr>
+        <p:spPr>
+          <a:xfrm>
+            <a:off x="3264309" y="2905780"/>
+            <a:ext cx="5663381" cy="523220"/>
+          </a:xfrm>
+          <a:prstGeom prst="rect">
+            <a:avLst/>
+          </a:prstGeom>
+          <a:noFill/>
+        </p:spPr>
+        <p:txBody>
+          <a:bodyPr wrap="square" rtlCol="0">
+            <a:spAutoFit/>
+          </a:bodyPr>
+          <a:lstStyle/>
+          <a:p>
+            <a:pPr algn="ctr"/>
+            <a:r>
+              <a:rPr lang="en-US" sz="2800" b="1" dirty="0">
+                <a:solidFill>
+                  <a:schemeClr val="bg1"/>
+                </a:solidFill>
+              </a:rPr>
               <a:t>The Recommender System </a:t>
             </a:r>
             <a:endParaRPr lang="en-ZA" sz="2800" b="1" dirty="0">
@@ -16961,7 +17458,7 @@
 </p:sld>
 </file>
 
-<file path=ppt/slides/slide18.xml><?xml version="1.0" encoding="utf-8"?>
+<file path=ppt/slides/slide19.xml><?xml version="1.0" encoding="utf-8"?>
 <p:sld xmlns:a="http://schemas.openxmlformats.org/drawingml/2006/main" xmlns:r="http://schemas.openxmlformats.org/officeDocument/2006/relationships" xmlns:p="http://schemas.openxmlformats.org/presentationml/2006/main">
   <p:cSld>
     <p:bg>
@@ -17097,459 +17594,6 @@
     <p:extLst>
       <p:ext uri="{BB962C8B-B14F-4D97-AF65-F5344CB8AC3E}">
         <p14:creationId xmlns:p14="http://schemas.microsoft.com/office/powerpoint/2010/main" val="3821358238"/>
-      </p:ext>
-    </p:extLst>
-  </p:cSld>
-  <p:clrMapOvr>
-    <a:masterClrMapping/>
-  </p:clrMapOvr>
-</p:sld>
-</file>
-
-<file path=ppt/slides/slide19.xml><?xml version="1.0" encoding="utf-8"?>
-<p:sld xmlns:a="http://schemas.openxmlformats.org/drawingml/2006/main" xmlns:r="http://schemas.openxmlformats.org/officeDocument/2006/relationships" xmlns:p="http://schemas.openxmlformats.org/presentationml/2006/main">
-  <p:cSld>
-    <p:bg>
-      <p:bgPr>
-        <a:blipFill dpi="0" rotWithShape="1">
-          <a:blip r:embed="rId2">
-            <a:extLst>
-              <a:ext uri="{BEBA8EAE-BF5A-486C-A8C5-ECC9F3942E4B}">
-                <a14:imgProps xmlns:a14="http://schemas.microsoft.com/office/drawing/2010/main">
-                  <a14:imgLayer r:embed="rId3">
-                    <a14:imgEffect>
-                      <a14:brightnessContrast bright="-20000"/>
-                    </a14:imgEffect>
-                  </a14:imgLayer>
-                </a14:imgProps>
-              </a:ext>
-            </a:extLst>
-          </a:blip>
-          <a:srcRect/>
-          <a:stretch>
-            <a:fillRect l="-9000" t="-39000" b="-11000"/>
-          </a:stretch>
-        </a:blipFill>
-        <a:effectLst/>
-      </p:bgPr>
-    </p:bg>
-    <p:spTree>
-      <p:nvGrpSpPr>
-        <p:cNvPr id="1" name=""/>
-        <p:cNvGrpSpPr/>
-        <p:nvPr/>
-      </p:nvGrpSpPr>
-      <p:grpSpPr>
-        <a:xfrm>
-          <a:off x="0" y="0"/>
-          <a:ext cx="0" cy="0"/>
-          <a:chOff x="0" y="0"/>
-          <a:chExt cx="0" cy="0"/>
-        </a:xfrm>
-      </p:grpSpPr>
-      <p:sp>
-        <p:nvSpPr>
-          <p:cNvPr id="4" name="TextBox 3">
-            <a:extLst>
-              <a:ext uri="{FF2B5EF4-FFF2-40B4-BE49-F238E27FC236}">
-                <a16:creationId xmlns:a16="http://schemas.microsoft.com/office/drawing/2014/main" id="{B216AF57-F29C-D05C-D5C9-C32762A12133}"/>
-              </a:ext>
-            </a:extLst>
-          </p:cNvPr>
-          <p:cNvSpPr txBox="1"/>
-          <p:nvPr/>
-        </p:nvSpPr>
-        <p:spPr>
-          <a:xfrm>
-            <a:off x="835743" y="526372"/>
-            <a:ext cx="5663381" cy="584775"/>
-          </a:xfrm>
-          <a:prstGeom prst="rect">
-            <a:avLst/>
-          </a:prstGeom>
-          <a:noFill/>
-        </p:spPr>
-        <p:txBody>
-          <a:bodyPr wrap="square" rtlCol="0">
-            <a:spAutoFit/>
-          </a:bodyPr>
-          <a:lstStyle/>
-          <a:p>
-            <a:r>
-              <a:rPr lang="en-US" sz="3200" b="1" dirty="0" err="1">
-                <a:solidFill>
-                  <a:schemeClr val="bg1"/>
-                </a:solidFill>
-              </a:rPr>
-              <a:t>LightFM</a:t>
-            </a:r>
-            <a:r>
-              <a:rPr lang="en-US" sz="2800" b="1" dirty="0">
-                <a:solidFill>
-                  <a:schemeClr val="bg1"/>
-                </a:solidFill>
-              </a:rPr>
-              <a:t> </a:t>
-            </a:r>
-            <a:endParaRPr lang="en-ZA" sz="2800" b="1" dirty="0">
-              <a:solidFill>
-                <a:schemeClr val="bg1"/>
-              </a:solidFill>
-            </a:endParaRPr>
-          </a:p>
-        </p:txBody>
-      </p:sp>
-      <p:sp>
-        <p:nvSpPr>
-          <p:cNvPr id="5" name="TextBox 4">
-            <a:extLst>
-              <a:ext uri="{FF2B5EF4-FFF2-40B4-BE49-F238E27FC236}">
-                <a16:creationId xmlns:a16="http://schemas.microsoft.com/office/drawing/2014/main" id="{0EA44A33-796B-71BF-87DC-BBE918C42794}"/>
-              </a:ext>
-            </a:extLst>
-          </p:cNvPr>
-          <p:cNvSpPr txBox="1"/>
-          <p:nvPr/>
-        </p:nvSpPr>
-        <p:spPr>
-          <a:xfrm>
-            <a:off x="1877961" y="1573163"/>
-            <a:ext cx="7944465" cy="2862322"/>
-          </a:xfrm>
-          <a:prstGeom prst="rect">
-            <a:avLst/>
-          </a:prstGeom>
-          <a:noFill/>
-        </p:spPr>
-        <p:txBody>
-          <a:bodyPr wrap="square">
-            <a:spAutoFit/>
-          </a:bodyPr>
-          <a:lstStyle/>
-          <a:p>
-            <a:r>
-              <a:rPr lang="en-US" b="0" i="0" dirty="0" err="1">
-                <a:solidFill>
-                  <a:schemeClr val="bg1"/>
-                </a:solidFill>
-                <a:effectLst/>
-                <a:latin typeface="Lato" panose="020F0502020204030204" pitchFamily="34" charset="0"/>
-              </a:rPr>
-              <a:t>LightFM</a:t>
-            </a:r>
-            <a:r>
-              <a:rPr lang="en-US" b="0" i="0" dirty="0">
-                <a:solidFill>
-                  <a:schemeClr val="bg1"/>
-                </a:solidFill>
-                <a:effectLst/>
-                <a:latin typeface="Lato" panose="020F0502020204030204" pitchFamily="34" charset="0"/>
-              </a:rPr>
-              <a:t> is a Python implementation of a number of popular recommendation algorithms for both implicit and explicit feedback.</a:t>
-            </a:r>
-          </a:p>
-          <a:p>
-            <a:r>
-              <a:rPr lang="en-US" b="0" i="0" dirty="0">
-                <a:solidFill>
-                  <a:schemeClr val="bg1"/>
-                </a:solidFill>
-                <a:effectLst/>
-                <a:latin typeface="Lato" panose="020F0502020204030204" pitchFamily="34" charset="0"/>
-              </a:rPr>
-              <a:t>It also makes it possible to incorporate both item and user metadata into the traditional matrix factorization algorithms. It represents each user and item as the sum of the latent representations of their features, thus allowing recommendations to </a:t>
-            </a:r>
-            <a:r>
-              <a:rPr lang="en-US" b="0" i="0" dirty="0" err="1">
-                <a:solidFill>
-                  <a:schemeClr val="bg1"/>
-                </a:solidFill>
-                <a:effectLst/>
-                <a:latin typeface="Lato" panose="020F0502020204030204" pitchFamily="34" charset="0"/>
-              </a:rPr>
-              <a:t>generalise</a:t>
-            </a:r>
-            <a:r>
-              <a:rPr lang="en-US" b="0" i="0" dirty="0">
-                <a:solidFill>
-                  <a:schemeClr val="bg1"/>
-                </a:solidFill>
-                <a:effectLst/>
-                <a:latin typeface="Lato" panose="020F0502020204030204" pitchFamily="34" charset="0"/>
-              </a:rPr>
-              <a:t> to new items (via item features) and to new users (via user features)</a:t>
-            </a:r>
-          </a:p>
-          <a:p>
-            <a:endParaRPr lang="en-US" u="sng" dirty="0">
-              <a:solidFill>
-                <a:schemeClr val="bg1"/>
-              </a:solidFill>
-              <a:latin typeface="Lato" panose="020F0502020204030204" pitchFamily="34" charset="0"/>
-            </a:endParaRPr>
-          </a:p>
-          <a:p>
-            <a:r>
-              <a:rPr lang="en-ZA" dirty="0">
-                <a:solidFill>
-                  <a:schemeClr val="bg1"/>
-                </a:solidFill>
-              </a:rPr>
-              <a:t>			-  </a:t>
-            </a:r>
-            <a:r>
-              <a:rPr lang="en-ZA" dirty="0">
-                <a:solidFill>
-                  <a:schemeClr val="bg1"/>
-                </a:solidFill>
-                <a:hlinkClick r:id="rId4"/>
-              </a:rPr>
-              <a:t>https://making.lyst.com/lightfm/docs/home.html</a:t>
-            </a:r>
-            <a:endParaRPr lang="en-ZA" dirty="0">
-              <a:solidFill>
-                <a:schemeClr val="bg1"/>
-              </a:solidFill>
-            </a:endParaRPr>
-          </a:p>
-          <a:p>
-            <a:endParaRPr lang="en-US" b="0" i="0" dirty="0">
-              <a:solidFill>
-                <a:schemeClr val="bg1"/>
-              </a:solidFill>
-              <a:effectLst/>
-              <a:latin typeface="Lato" panose="020F0502020204030204" pitchFamily="34" charset="0"/>
-            </a:endParaRPr>
-          </a:p>
-        </p:txBody>
-      </p:sp>
-      <p:sp>
-        <p:nvSpPr>
-          <p:cNvPr id="7" name="TextBox 6">
-            <a:extLst>
-              <a:ext uri="{FF2B5EF4-FFF2-40B4-BE49-F238E27FC236}">
-                <a16:creationId xmlns:a16="http://schemas.microsoft.com/office/drawing/2014/main" id="{E19F5259-0999-C573-04B4-FA4BA43DCA64}"/>
-              </a:ext>
-            </a:extLst>
-          </p:cNvPr>
-          <p:cNvSpPr txBox="1"/>
-          <p:nvPr/>
-        </p:nvSpPr>
-        <p:spPr>
-          <a:xfrm>
-            <a:off x="1877960" y="5314205"/>
-            <a:ext cx="6096000" cy="615553"/>
-          </a:xfrm>
-          <a:prstGeom prst="rect">
-            <a:avLst/>
-          </a:prstGeom>
-          <a:noFill/>
-        </p:spPr>
-        <p:txBody>
-          <a:bodyPr wrap="square">
-            <a:spAutoFit/>
-          </a:bodyPr>
-          <a:lstStyle/>
-          <a:p>
-            <a:r>
-              <a:rPr lang="en-ZA" dirty="0">
-                <a:solidFill>
-                  <a:schemeClr val="bg1"/>
-                </a:solidFill>
-                <a:hlinkClick r:id="rId5"/>
-              </a:rPr>
-              <a:t>https://doi.org/10.48550/arXiv.1507.08439</a:t>
-            </a:r>
-            <a:endParaRPr lang="en-ZA" dirty="0">
-              <a:solidFill>
-                <a:schemeClr val="bg1"/>
-              </a:solidFill>
-            </a:endParaRPr>
-          </a:p>
-          <a:p>
-            <a:r>
-              <a:rPr lang="en-ZA" sz="1600" dirty="0">
-                <a:solidFill>
-                  <a:schemeClr val="bg1"/>
-                </a:solidFill>
-              </a:rPr>
-              <a:t>Maciej Kula</a:t>
-            </a:r>
-          </a:p>
-        </p:txBody>
-      </p:sp>
-      <p:sp>
-        <p:nvSpPr>
-          <p:cNvPr id="8" name="TextBox 7">
-            <a:extLst>
-              <a:ext uri="{FF2B5EF4-FFF2-40B4-BE49-F238E27FC236}">
-                <a16:creationId xmlns:a16="http://schemas.microsoft.com/office/drawing/2014/main" id="{FB24D7E0-AE33-C1FD-A43F-E9EEB6559DF1}"/>
-              </a:ext>
-            </a:extLst>
-          </p:cNvPr>
-          <p:cNvSpPr txBox="1"/>
-          <p:nvPr/>
-        </p:nvSpPr>
-        <p:spPr>
-          <a:xfrm>
-            <a:off x="1637071" y="1356955"/>
-            <a:ext cx="776747" cy="584775"/>
-          </a:xfrm>
-          <a:prstGeom prst="rect">
-            <a:avLst/>
-          </a:prstGeom>
-          <a:noFill/>
-        </p:spPr>
-        <p:txBody>
-          <a:bodyPr wrap="square" rtlCol="0">
-            <a:spAutoFit/>
-          </a:bodyPr>
-          <a:lstStyle/>
-          <a:p>
-            <a:r>
-              <a:rPr lang="en-ZA" sz="3200" dirty="0">
-                <a:solidFill>
-                  <a:schemeClr val="bg1"/>
-                </a:solidFill>
-              </a:rPr>
-              <a:t>“</a:t>
-            </a:r>
-          </a:p>
-        </p:txBody>
-      </p:sp>
-      <p:sp>
-        <p:nvSpPr>
-          <p:cNvPr id="9" name="TextBox 8">
-            <a:extLst>
-              <a:ext uri="{FF2B5EF4-FFF2-40B4-BE49-F238E27FC236}">
-                <a16:creationId xmlns:a16="http://schemas.microsoft.com/office/drawing/2014/main" id="{F8C5A3D5-4A94-A265-1DA8-DE88BEEF2378}"/>
-              </a:ext>
-            </a:extLst>
-          </p:cNvPr>
-          <p:cNvSpPr txBox="1"/>
-          <p:nvPr/>
-        </p:nvSpPr>
-        <p:spPr>
-          <a:xfrm>
-            <a:off x="4336026" y="3125287"/>
-            <a:ext cx="776747" cy="584775"/>
-          </a:xfrm>
-          <a:prstGeom prst="rect">
-            <a:avLst/>
-          </a:prstGeom>
-          <a:noFill/>
-        </p:spPr>
-        <p:txBody>
-          <a:bodyPr wrap="square" rtlCol="0">
-            <a:spAutoFit/>
-          </a:bodyPr>
-          <a:lstStyle/>
-          <a:p>
-            <a:r>
-              <a:rPr lang="en-ZA" sz="3200" dirty="0">
-                <a:solidFill>
-                  <a:schemeClr val="bg1"/>
-                </a:solidFill>
-              </a:rPr>
-              <a:t> ”</a:t>
-            </a:r>
-          </a:p>
-        </p:txBody>
-      </p:sp>
-      <p:sp>
-        <p:nvSpPr>
-          <p:cNvPr id="11" name="TextBox 10">
-            <a:extLst>
-              <a:ext uri="{FF2B5EF4-FFF2-40B4-BE49-F238E27FC236}">
-                <a16:creationId xmlns:a16="http://schemas.microsoft.com/office/drawing/2014/main" id="{6FEE2D34-4BA7-8F51-6477-BB50A68C713C}"/>
-              </a:ext>
-            </a:extLst>
-          </p:cNvPr>
-          <p:cNvSpPr txBox="1"/>
-          <p:nvPr/>
-        </p:nvSpPr>
-        <p:spPr>
-          <a:xfrm>
-            <a:off x="1877960" y="4918706"/>
-            <a:ext cx="7708491" cy="338554"/>
-          </a:xfrm>
-          <a:prstGeom prst="rect">
-            <a:avLst/>
-          </a:prstGeom>
-          <a:noFill/>
-        </p:spPr>
-        <p:txBody>
-          <a:bodyPr wrap="square">
-            <a:spAutoFit/>
-          </a:bodyPr>
-          <a:lstStyle/>
-          <a:p>
-            <a:pPr algn="l"/>
-            <a:r>
-              <a:rPr lang="en-US" sz="1600" i="1" dirty="0">
-                <a:solidFill>
-                  <a:schemeClr val="bg1"/>
-                </a:solidFill>
-                <a:effectLst/>
-                <a:latin typeface="Lucida Grande"/>
-              </a:rPr>
-              <a:t>Metadata Embeddings for User and Item Cold-start Recommendations</a:t>
-            </a:r>
-          </a:p>
-        </p:txBody>
-      </p:sp>
-      <p:sp>
-        <p:nvSpPr>
-          <p:cNvPr id="13" name="TextBox 12">
-            <a:extLst>
-              <a:ext uri="{FF2B5EF4-FFF2-40B4-BE49-F238E27FC236}">
-                <a16:creationId xmlns:a16="http://schemas.microsoft.com/office/drawing/2014/main" id="{1043CEA5-DE7D-9F23-BDA6-B8A64488C3D2}"/>
-              </a:ext>
-            </a:extLst>
-          </p:cNvPr>
-          <p:cNvSpPr txBox="1"/>
-          <p:nvPr/>
-        </p:nvSpPr>
-        <p:spPr>
-          <a:xfrm>
-            <a:off x="1288026" y="4492429"/>
-            <a:ext cx="6096000" cy="369332"/>
-          </a:xfrm>
-          <a:prstGeom prst="rect">
-            <a:avLst/>
-          </a:prstGeom>
-          <a:noFill/>
-        </p:spPr>
-        <p:txBody>
-          <a:bodyPr wrap="square">
-            <a:spAutoFit/>
-          </a:bodyPr>
-          <a:lstStyle/>
-          <a:p>
-            <a:r>
-              <a:rPr lang="en-US" sz="1800" b="1" dirty="0" err="1">
-                <a:solidFill>
-                  <a:schemeClr val="bg1"/>
-                </a:solidFill>
-              </a:rPr>
-              <a:t>LightFM</a:t>
-            </a:r>
-            <a:r>
-              <a:rPr lang="en-US" sz="1800" b="1" dirty="0">
-                <a:solidFill>
-                  <a:schemeClr val="bg1"/>
-                </a:solidFill>
-              </a:rPr>
-              <a:t> Paper:</a:t>
-            </a:r>
-            <a:endParaRPr lang="en-ZA" dirty="0"/>
-          </a:p>
-        </p:txBody>
-      </p:sp>
-    </p:spTree>
-    <p:extLst>
-      <p:ext uri="{BB962C8B-B14F-4D97-AF65-F5344CB8AC3E}">
-        <p14:creationId xmlns:p14="http://schemas.microsoft.com/office/powerpoint/2010/main" val="3768656342"/>
       </p:ext>
     </p:extLst>
   </p:cSld>
@@ -17777,14 +17821,6 @@
           <a:lstStyle/>
           <a:p>
             <a:r>
-              <a:rPr lang="en-US" sz="3200" b="1" dirty="0">
-                <a:solidFill>
-                  <a:schemeClr val="bg1"/>
-                </a:solidFill>
-              </a:rPr>
-              <a:t>Why we chose </a:t>
-            </a:r>
-            <a:r>
               <a:rPr lang="en-US" sz="3200" b="1" dirty="0" err="1">
                 <a:solidFill>
                   <a:schemeClr val="bg1"/>
@@ -17793,14 +17829,6 @@
               <a:t>LightFM</a:t>
             </a:r>
             <a:r>
-              <a:rPr lang="en-US" sz="3200" b="1" dirty="0">
-                <a:solidFill>
-                  <a:schemeClr val="bg1"/>
-                </a:solidFill>
-              </a:rPr>
-              <a:t>:</a:t>
-            </a:r>
-            <a:r>
               <a:rPr lang="en-US" sz="2800" b="1" dirty="0">
                 <a:solidFill>
                   <a:schemeClr val="bg1"/>
@@ -17818,10 +17846,10 @@
       </p:sp>
       <p:sp>
         <p:nvSpPr>
-          <p:cNvPr id="3" name="TextBox 2">
+          <p:cNvPr id="5" name="TextBox 4">
             <a:extLst>
               <a:ext uri="{FF2B5EF4-FFF2-40B4-BE49-F238E27FC236}">
-                <a16:creationId xmlns:a16="http://schemas.microsoft.com/office/drawing/2014/main" id="{8881192E-822B-6516-7DAA-BD41B953AFFC}"/>
+                <a16:creationId xmlns:a16="http://schemas.microsoft.com/office/drawing/2014/main" id="{0EA44A33-796B-71BF-87DC-BBE918C42794}"/>
               </a:ext>
             </a:extLst>
           </p:cNvPr>
@@ -17830,8 +17858,8 @@
         </p:nvSpPr>
         <p:spPr>
           <a:xfrm>
-            <a:off x="1917291" y="1559542"/>
-            <a:ext cx="7413522" cy="4401205"/>
+            <a:off x="1877961" y="1573163"/>
+            <a:ext cx="7944465" cy="2862322"/>
           </a:xfrm>
           <a:prstGeom prst="rect">
             <a:avLst/>
@@ -17845,43 +17873,306 @@
           <a:lstStyle/>
           <a:p>
             <a:r>
-              <a:rPr lang="en-ZA" sz="2000" b="1" dirty="0">
+              <a:rPr lang="en-US" b="0" i="0" dirty="0" err="1">
+                <a:solidFill>
+                  <a:schemeClr val="bg1"/>
+                </a:solidFill>
+                <a:effectLst/>
+                <a:latin typeface="Lato" panose="020F0502020204030204" pitchFamily="34" charset="0"/>
+              </a:rPr>
+              <a:t>LightFM</a:t>
+            </a:r>
+            <a:r>
+              <a:rPr lang="en-US" b="0" i="0" dirty="0">
+                <a:solidFill>
+                  <a:schemeClr val="bg1"/>
+                </a:solidFill>
+                <a:effectLst/>
+                <a:latin typeface="Lato" panose="020F0502020204030204" pitchFamily="34" charset="0"/>
+              </a:rPr>
+              <a:t> is a Python implementation of a number of popular recommendation algorithms for both implicit and explicit feedback.</a:t>
+            </a:r>
+          </a:p>
+          <a:p>
+            <a:r>
+              <a:rPr lang="en-US" b="0" i="0" dirty="0">
+                <a:solidFill>
+                  <a:schemeClr val="bg1"/>
+                </a:solidFill>
+                <a:effectLst/>
+                <a:latin typeface="Lato" panose="020F0502020204030204" pitchFamily="34" charset="0"/>
+              </a:rPr>
+              <a:t>It also makes it possible to incorporate both item and user metadata into the traditional matrix factorization algorithms. It represents each user and item as the sum of the latent representations of their features, thus allowing recommendations to </a:t>
+            </a:r>
+            <a:r>
+              <a:rPr lang="en-US" b="0" i="0" dirty="0" err="1">
+                <a:solidFill>
+                  <a:schemeClr val="bg1"/>
+                </a:solidFill>
+                <a:effectLst/>
+                <a:latin typeface="Lato" panose="020F0502020204030204" pitchFamily="34" charset="0"/>
+              </a:rPr>
+              <a:t>generalise</a:t>
+            </a:r>
+            <a:r>
+              <a:rPr lang="en-US" b="0" i="0" dirty="0">
+                <a:solidFill>
+                  <a:schemeClr val="bg1"/>
+                </a:solidFill>
+                <a:effectLst/>
+                <a:latin typeface="Lato" panose="020F0502020204030204" pitchFamily="34" charset="0"/>
+              </a:rPr>
+              <a:t> to new items (via item features) and to new users (via user features)</a:t>
+            </a:r>
+          </a:p>
+          <a:p>
+            <a:endParaRPr lang="en-US" u="sng" dirty="0">
+              <a:solidFill>
+                <a:schemeClr val="bg1"/>
+              </a:solidFill>
+              <a:latin typeface="Lato" panose="020F0502020204030204" pitchFamily="34" charset="0"/>
+            </a:endParaRPr>
+          </a:p>
+          <a:p>
+            <a:r>
+              <a:rPr lang="en-ZA" dirty="0">
                 <a:solidFill>
                   <a:schemeClr val="bg1"/>
                 </a:solidFill>
               </a:rPr>
-              <a:t>From </a:t>
-            </a:r>
-            <a:r>
-              <a:rPr lang="en-ZA" sz="2000" b="1" dirty="0" err="1">
+              <a:t>			-  </a:t>
+            </a:r>
+            <a:r>
+              <a:rPr lang="en-ZA" dirty="0">
+                <a:solidFill>
+                  <a:schemeClr val="bg1"/>
+                </a:solidFill>
+                <a:hlinkClick r:id="rId4"/>
+              </a:rPr>
+              <a:t>https://making.lyst.com/lightfm/docs/home.html</a:t>
+            </a:r>
+            <a:endParaRPr lang="en-ZA" dirty="0">
+              <a:solidFill>
+                <a:schemeClr val="bg1"/>
+              </a:solidFill>
+            </a:endParaRPr>
+          </a:p>
+          <a:p>
+            <a:endParaRPr lang="en-US" b="0" i="0" dirty="0">
+              <a:solidFill>
+                <a:schemeClr val="bg1"/>
+              </a:solidFill>
+              <a:effectLst/>
+              <a:latin typeface="Lato" panose="020F0502020204030204" pitchFamily="34" charset="0"/>
+            </a:endParaRPr>
+          </a:p>
+        </p:txBody>
+      </p:sp>
+      <p:sp>
+        <p:nvSpPr>
+          <p:cNvPr id="7" name="TextBox 6">
+            <a:extLst>
+              <a:ext uri="{FF2B5EF4-FFF2-40B4-BE49-F238E27FC236}">
+                <a16:creationId xmlns:a16="http://schemas.microsoft.com/office/drawing/2014/main" id="{E19F5259-0999-C573-04B4-FA4BA43DCA64}"/>
+              </a:ext>
+            </a:extLst>
+          </p:cNvPr>
+          <p:cNvSpPr txBox="1"/>
+          <p:nvPr/>
+        </p:nvSpPr>
+        <p:spPr>
+          <a:xfrm>
+            <a:off x="1877960" y="5314205"/>
+            <a:ext cx="6096000" cy="615553"/>
+          </a:xfrm>
+          <a:prstGeom prst="rect">
+            <a:avLst/>
+          </a:prstGeom>
+          <a:noFill/>
+        </p:spPr>
+        <p:txBody>
+          <a:bodyPr wrap="square">
+            <a:spAutoFit/>
+          </a:bodyPr>
+          <a:lstStyle/>
+          <a:p>
+            <a:r>
+              <a:rPr lang="en-ZA" dirty="0">
+                <a:solidFill>
+                  <a:schemeClr val="bg1"/>
+                </a:solidFill>
+                <a:hlinkClick r:id="rId5"/>
+              </a:rPr>
+              <a:t>https://doi.org/10.48550/arXiv.1507.08439</a:t>
+            </a:r>
+            <a:endParaRPr lang="en-ZA" dirty="0">
+              <a:solidFill>
+                <a:schemeClr val="bg1"/>
+              </a:solidFill>
+            </a:endParaRPr>
+          </a:p>
+          <a:p>
+            <a:r>
+              <a:rPr lang="en-ZA" sz="1600" dirty="0">
                 <a:solidFill>
                   <a:schemeClr val="bg1"/>
                 </a:solidFill>
               </a:rPr>
-              <a:t>LightFM’s</a:t>
-            </a:r>
-            <a:r>
-              <a:rPr lang="en-ZA" sz="2000" b="1" dirty="0">
+              <a:t>Maciej Kula</a:t>
+            </a:r>
+          </a:p>
+        </p:txBody>
+      </p:sp>
+      <p:sp>
+        <p:nvSpPr>
+          <p:cNvPr id="8" name="TextBox 7">
+            <a:extLst>
+              <a:ext uri="{FF2B5EF4-FFF2-40B4-BE49-F238E27FC236}">
+                <a16:creationId xmlns:a16="http://schemas.microsoft.com/office/drawing/2014/main" id="{FB24D7E0-AE33-C1FD-A43F-E9EEB6559DF1}"/>
+              </a:ext>
+            </a:extLst>
+          </p:cNvPr>
+          <p:cNvSpPr txBox="1"/>
+          <p:nvPr/>
+        </p:nvSpPr>
+        <p:spPr>
+          <a:xfrm>
+            <a:off x="1637071" y="1356955"/>
+            <a:ext cx="776747" cy="584775"/>
+          </a:xfrm>
+          <a:prstGeom prst="rect">
+            <a:avLst/>
+          </a:prstGeom>
+          <a:noFill/>
+        </p:spPr>
+        <p:txBody>
+          <a:bodyPr wrap="square" rtlCol="0">
+            <a:spAutoFit/>
+          </a:bodyPr>
+          <a:lstStyle/>
+          <a:p>
+            <a:r>
+              <a:rPr lang="en-ZA" sz="3200" dirty="0">
                 <a:solidFill>
                   <a:schemeClr val="bg1"/>
                 </a:solidFill>
               </a:rPr>
-              <a:t> paper:</a:t>
-            </a:r>
-          </a:p>
-          <a:p>
-            <a:endParaRPr lang="en-ZA" sz="2000" b="1" dirty="0">
-              <a:solidFill>
-                <a:schemeClr val="bg1"/>
-              </a:solidFill>
-            </a:endParaRPr>
-          </a:p>
-          <a:p>
-            <a:pPr marL="800100" lvl="1" indent="-342900">
-              <a:buAutoNum type="arabicPeriod"/>
-            </a:pPr>
-            <a:r>
-              <a:rPr lang="en-ZA" sz="2000" dirty="0" err="1">
+              <a:t>“</a:t>
+            </a:r>
+          </a:p>
+        </p:txBody>
+      </p:sp>
+      <p:sp>
+        <p:nvSpPr>
+          <p:cNvPr id="9" name="TextBox 8">
+            <a:extLst>
+              <a:ext uri="{FF2B5EF4-FFF2-40B4-BE49-F238E27FC236}">
+                <a16:creationId xmlns:a16="http://schemas.microsoft.com/office/drawing/2014/main" id="{F8C5A3D5-4A94-A265-1DA8-DE88BEEF2378}"/>
+              </a:ext>
+            </a:extLst>
+          </p:cNvPr>
+          <p:cNvSpPr txBox="1"/>
+          <p:nvPr/>
+        </p:nvSpPr>
+        <p:spPr>
+          <a:xfrm>
+            <a:off x="4336026" y="3125287"/>
+            <a:ext cx="776747" cy="584775"/>
+          </a:xfrm>
+          <a:prstGeom prst="rect">
+            <a:avLst/>
+          </a:prstGeom>
+          <a:noFill/>
+        </p:spPr>
+        <p:txBody>
+          <a:bodyPr wrap="square" rtlCol="0">
+            <a:spAutoFit/>
+          </a:bodyPr>
+          <a:lstStyle/>
+          <a:p>
+            <a:r>
+              <a:rPr lang="en-ZA" sz="3200" dirty="0">
+                <a:solidFill>
+                  <a:schemeClr val="bg1"/>
+                </a:solidFill>
+              </a:rPr>
+              <a:t> ”</a:t>
+            </a:r>
+          </a:p>
+        </p:txBody>
+      </p:sp>
+      <p:sp>
+        <p:nvSpPr>
+          <p:cNvPr id="11" name="TextBox 10">
+            <a:extLst>
+              <a:ext uri="{FF2B5EF4-FFF2-40B4-BE49-F238E27FC236}">
+                <a16:creationId xmlns:a16="http://schemas.microsoft.com/office/drawing/2014/main" id="{6FEE2D34-4BA7-8F51-6477-BB50A68C713C}"/>
+              </a:ext>
+            </a:extLst>
+          </p:cNvPr>
+          <p:cNvSpPr txBox="1"/>
+          <p:nvPr/>
+        </p:nvSpPr>
+        <p:spPr>
+          <a:xfrm>
+            <a:off x="1877960" y="4918706"/>
+            <a:ext cx="7708491" cy="338554"/>
+          </a:xfrm>
+          <a:prstGeom prst="rect">
+            <a:avLst/>
+          </a:prstGeom>
+          <a:noFill/>
+        </p:spPr>
+        <p:txBody>
+          <a:bodyPr wrap="square">
+            <a:spAutoFit/>
+          </a:bodyPr>
+          <a:lstStyle/>
+          <a:p>
+            <a:pPr algn="l"/>
+            <a:r>
+              <a:rPr lang="en-US" sz="1600" i="1" dirty="0">
+                <a:solidFill>
+                  <a:schemeClr val="bg1"/>
+                </a:solidFill>
+                <a:effectLst/>
+                <a:latin typeface="Lucida Grande"/>
+              </a:rPr>
+              <a:t>Metadata Embeddings for User and Item Cold-start Recommendations</a:t>
+            </a:r>
+          </a:p>
+        </p:txBody>
+      </p:sp>
+      <p:sp>
+        <p:nvSpPr>
+          <p:cNvPr id="13" name="TextBox 12">
+            <a:extLst>
+              <a:ext uri="{FF2B5EF4-FFF2-40B4-BE49-F238E27FC236}">
+                <a16:creationId xmlns:a16="http://schemas.microsoft.com/office/drawing/2014/main" id="{1043CEA5-DE7D-9F23-BDA6-B8A64488C3D2}"/>
+              </a:ext>
+            </a:extLst>
+          </p:cNvPr>
+          <p:cNvSpPr txBox="1"/>
+          <p:nvPr/>
+        </p:nvSpPr>
+        <p:spPr>
+          <a:xfrm>
+            <a:off x="1288026" y="4492429"/>
+            <a:ext cx="6096000" cy="369332"/>
+          </a:xfrm>
+          <a:prstGeom prst="rect">
+            <a:avLst/>
+          </a:prstGeom>
+          <a:noFill/>
+        </p:spPr>
+        <p:txBody>
+          <a:bodyPr wrap="square">
+            <a:spAutoFit/>
+          </a:bodyPr>
+          <a:lstStyle/>
+          <a:p>
+            <a:r>
+              <a:rPr lang="en-US" sz="1800" b="1" dirty="0" err="1">
                 <a:solidFill>
                   <a:schemeClr val="bg1"/>
                 </a:solidFill>
@@ -17889,75 +18180,21 @@
               <a:t>LightFM</a:t>
             </a:r>
             <a:r>
-              <a:rPr lang="en-ZA" sz="2000" dirty="0">
+              <a:rPr lang="en-US" sz="1800" b="1" dirty="0">
                 <a:solidFill>
                   <a:schemeClr val="bg1"/>
                 </a:solidFill>
               </a:rPr>
-              <a:t> performs at least as well as a specialised model across a wide range of collaborative data sparsity scenarios. It outperforms existing content-based and hybrid models in cold-start scenarios where collaborative data is abundant or where user metadata is available.</a:t>
-            </a:r>
-          </a:p>
-          <a:p>
-            <a:pPr marL="800100" lvl="1" indent="-342900">
-              <a:buAutoNum type="arabicPeriod"/>
-            </a:pPr>
-            <a:r>
-              <a:rPr lang="en-ZA" sz="2000" dirty="0">
-                <a:solidFill>
-                  <a:schemeClr val="bg1"/>
-                </a:solidFill>
-              </a:rPr>
-              <a:t>It produces high-quality content feature embeddings that capture important semantic information about the problem domain, and can be used for related tasks such as tag recommendations.</a:t>
-            </a:r>
-          </a:p>
-          <a:p>
-            <a:pPr marL="800100" lvl="1" indent="-342900">
-              <a:buAutoNum type="arabicPeriod"/>
-            </a:pPr>
-            <a:endParaRPr lang="en-ZA" sz="2000" dirty="0">
-              <a:solidFill>
-                <a:schemeClr val="bg1"/>
-              </a:solidFill>
-            </a:endParaRPr>
-          </a:p>
-          <a:p>
-            <a:pPr lvl="1"/>
-            <a:r>
-              <a:rPr lang="en-US" sz="2000" dirty="0">
-                <a:solidFill>
-                  <a:schemeClr val="bg1"/>
-                </a:solidFill>
-              </a:rPr>
-              <a:t>Both properties make </a:t>
-            </a:r>
-            <a:r>
-              <a:rPr lang="en-US" sz="2000" dirty="0" err="1">
-                <a:solidFill>
-                  <a:schemeClr val="bg1"/>
-                </a:solidFill>
-              </a:rPr>
-              <a:t>LightFM</a:t>
-            </a:r>
-            <a:r>
-              <a:rPr lang="en-US" sz="2000" dirty="0">
-                <a:solidFill>
-                  <a:schemeClr val="bg1"/>
-                </a:solidFill>
-              </a:rPr>
-              <a:t> an attractive model, applicable both in cold- and warm-start settings.</a:t>
-            </a:r>
-            <a:endParaRPr lang="en-ZA" sz="2000" dirty="0">
-              <a:solidFill>
-                <a:schemeClr val="bg1"/>
-              </a:solidFill>
-            </a:endParaRPr>
+              <a:t> Paper:</a:t>
+            </a:r>
+            <a:endParaRPr lang="en-ZA" dirty="0"/>
           </a:p>
         </p:txBody>
       </p:sp>
     </p:spTree>
     <p:extLst>
       <p:ext uri="{BB962C8B-B14F-4D97-AF65-F5344CB8AC3E}">
-        <p14:creationId xmlns:p14="http://schemas.microsoft.com/office/powerpoint/2010/main" val="715635747"/>
+        <p14:creationId xmlns:p14="http://schemas.microsoft.com/office/powerpoint/2010/main" val="3768656342"/>
       </p:ext>
     </p:extLst>
   </p:cSld>
@@ -18090,6 +18327,266 @@
         </p:nvSpPr>
         <p:spPr>
           <a:xfrm>
+            <a:off x="1917291" y="1559542"/>
+            <a:ext cx="7413522" cy="4401205"/>
+          </a:xfrm>
+          <a:prstGeom prst="rect">
+            <a:avLst/>
+          </a:prstGeom>
+          <a:noFill/>
+        </p:spPr>
+        <p:txBody>
+          <a:bodyPr wrap="square">
+            <a:spAutoFit/>
+          </a:bodyPr>
+          <a:lstStyle/>
+          <a:p>
+            <a:r>
+              <a:rPr lang="en-ZA" sz="2000" b="1" dirty="0">
+                <a:solidFill>
+                  <a:schemeClr val="bg1"/>
+                </a:solidFill>
+              </a:rPr>
+              <a:t>From </a:t>
+            </a:r>
+            <a:r>
+              <a:rPr lang="en-ZA" sz="2000" b="1" dirty="0" err="1">
+                <a:solidFill>
+                  <a:schemeClr val="bg1"/>
+                </a:solidFill>
+              </a:rPr>
+              <a:t>LightFM’s</a:t>
+            </a:r>
+            <a:r>
+              <a:rPr lang="en-ZA" sz="2000" b="1" dirty="0">
+                <a:solidFill>
+                  <a:schemeClr val="bg1"/>
+                </a:solidFill>
+              </a:rPr>
+              <a:t> paper:</a:t>
+            </a:r>
+          </a:p>
+          <a:p>
+            <a:endParaRPr lang="en-ZA" sz="2000" b="1" dirty="0">
+              <a:solidFill>
+                <a:schemeClr val="bg1"/>
+              </a:solidFill>
+            </a:endParaRPr>
+          </a:p>
+          <a:p>
+            <a:pPr marL="800100" lvl="1" indent="-342900">
+              <a:buAutoNum type="arabicPeriod"/>
+            </a:pPr>
+            <a:r>
+              <a:rPr lang="en-ZA" sz="2000" dirty="0" err="1">
+                <a:solidFill>
+                  <a:schemeClr val="bg1"/>
+                </a:solidFill>
+              </a:rPr>
+              <a:t>LightFM</a:t>
+            </a:r>
+            <a:r>
+              <a:rPr lang="en-ZA" sz="2000" dirty="0">
+                <a:solidFill>
+                  <a:schemeClr val="bg1"/>
+                </a:solidFill>
+              </a:rPr>
+              <a:t> performs at least as well as a specialised model across a wide range of collaborative data sparsity scenarios. It outperforms existing content-based and hybrid models in cold-start scenarios where collaborative data is abundant or where user metadata is available.</a:t>
+            </a:r>
+          </a:p>
+          <a:p>
+            <a:pPr marL="800100" lvl="1" indent="-342900">
+              <a:buAutoNum type="arabicPeriod"/>
+            </a:pPr>
+            <a:r>
+              <a:rPr lang="en-ZA" sz="2000" dirty="0">
+                <a:solidFill>
+                  <a:schemeClr val="bg1"/>
+                </a:solidFill>
+              </a:rPr>
+              <a:t>It produces high-quality content feature embeddings that capture important semantic information about the problem domain, and can be used for related tasks such as tag recommendations.</a:t>
+            </a:r>
+          </a:p>
+          <a:p>
+            <a:pPr marL="800100" lvl="1" indent="-342900">
+              <a:buAutoNum type="arabicPeriod"/>
+            </a:pPr>
+            <a:endParaRPr lang="en-ZA" sz="2000" dirty="0">
+              <a:solidFill>
+                <a:schemeClr val="bg1"/>
+              </a:solidFill>
+            </a:endParaRPr>
+          </a:p>
+          <a:p>
+            <a:pPr lvl="1"/>
+            <a:r>
+              <a:rPr lang="en-US" sz="2000" dirty="0">
+                <a:solidFill>
+                  <a:schemeClr val="bg1"/>
+                </a:solidFill>
+              </a:rPr>
+              <a:t>Both properties make </a:t>
+            </a:r>
+            <a:r>
+              <a:rPr lang="en-US" sz="2000" dirty="0" err="1">
+                <a:solidFill>
+                  <a:schemeClr val="bg1"/>
+                </a:solidFill>
+              </a:rPr>
+              <a:t>LightFM</a:t>
+            </a:r>
+            <a:r>
+              <a:rPr lang="en-US" sz="2000" dirty="0">
+                <a:solidFill>
+                  <a:schemeClr val="bg1"/>
+                </a:solidFill>
+              </a:rPr>
+              <a:t> an attractive model, applicable both in cold- and warm-start settings.</a:t>
+            </a:r>
+            <a:endParaRPr lang="en-ZA" sz="2000" dirty="0">
+              <a:solidFill>
+                <a:schemeClr val="bg1"/>
+              </a:solidFill>
+            </a:endParaRPr>
+          </a:p>
+        </p:txBody>
+      </p:sp>
+    </p:spTree>
+    <p:extLst>
+      <p:ext uri="{BB962C8B-B14F-4D97-AF65-F5344CB8AC3E}">
+        <p14:creationId xmlns:p14="http://schemas.microsoft.com/office/powerpoint/2010/main" val="715635747"/>
+      </p:ext>
+    </p:extLst>
+  </p:cSld>
+  <p:clrMapOvr>
+    <a:masterClrMapping/>
+  </p:clrMapOvr>
+</p:sld>
+</file>
+
+<file path=ppt/slides/slide22.xml><?xml version="1.0" encoding="utf-8"?>
+<p:sld xmlns:a="http://schemas.openxmlformats.org/drawingml/2006/main" xmlns:r="http://schemas.openxmlformats.org/officeDocument/2006/relationships" xmlns:p="http://schemas.openxmlformats.org/presentationml/2006/main">
+  <p:cSld>
+    <p:bg>
+      <p:bgPr>
+        <a:blipFill dpi="0" rotWithShape="1">
+          <a:blip r:embed="rId2">
+            <a:extLst>
+              <a:ext uri="{BEBA8EAE-BF5A-486C-A8C5-ECC9F3942E4B}">
+                <a14:imgProps xmlns:a14="http://schemas.microsoft.com/office/drawing/2010/main">
+                  <a14:imgLayer r:embed="rId3">
+                    <a14:imgEffect>
+                      <a14:brightnessContrast bright="-20000"/>
+                    </a14:imgEffect>
+                  </a14:imgLayer>
+                </a14:imgProps>
+              </a:ext>
+            </a:extLst>
+          </a:blip>
+          <a:srcRect/>
+          <a:stretch>
+            <a:fillRect l="-9000" t="-39000" b="-11000"/>
+          </a:stretch>
+        </a:blipFill>
+        <a:effectLst/>
+      </p:bgPr>
+    </p:bg>
+    <p:spTree>
+      <p:nvGrpSpPr>
+        <p:cNvPr id="1" name=""/>
+        <p:cNvGrpSpPr/>
+        <p:nvPr/>
+      </p:nvGrpSpPr>
+      <p:grpSpPr>
+        <a:xfrm>
+          <a:off x="0" y="0"/>
+          <a:ext cx="0" cy="0"/>
+          <a:chOff x="0" y="0"/>
+          <a:chExt cx="0" cy="0"/>
+        </a:xfrm>
+      </p:grpSpPr>
+      <p:sp>
+        <p:nvSpPr>
+          <p:cNvPr id="4" name="TextBox 3">
+            <a:extLst>
+              <a:ext uri="{FF2B5EF4-FFF2-40B4-BE49-F238E27FC236}">
+                <a16:creationId xmlns:a16="http://schemas.microsoft.com/office/drawing/2014/main" id="{B216AF57-F29C-D05C-D5C9-C32762A12133}"/>
+              </a:ext>
+            </a:extLst>
+          </p:cNvPr>
+          <p:cNvSpPr txBox="1"/>
+          <p:nvPr/>
+        </p:nvSpPr>
+        <p:spPr>
+          <a:xfrm>
+            <a:off x="835743" y="526372"/>
+            <a:ext cx="5663381" cy="584775"/>
+          </a:xfrm>
+          <a:prstGeom prst="rect">
+            <a:avLst/>
+          </a:prstGeom>
+          <a:noFill/>
+        </p:spPr>
+        <p:txBody>
+          <a:bodyPr wrap="square" rtlCol="0">
+            <a:spAutoFit/>
+          </a:bodyPr>
+          <a:lstStyle/>
+          <a:p>
+            <a:r>
+              <a:rPr lang="en-US" sz="3200" b="1" dirty="0">
+                <a:solidFill>
+                  <a:schemeClr val="bg1"/>
+                </a:solidFill>
+              </a:rPr>
+              <a:t>Why we chose </a:t>
+            </a:r>
+            <a:r>
+              <a:rPr lang="en-US" sz="3200" b="1" dirty="0" err="1">
+                <a:solidFill>
+                  <a:schemeClr val="bg1"/>
+                </a:solidFill>
+              </a:rPr>
+              <a:t>LightFM</a:t>
+            </a:r>
+            <a:r>
+              <a:rPr lang="en-US" sz="3200" b="1" dirty="0">
+                <a:solidFill>
+                  <a:schemeClr val="bg1"/>
+                </a:solidFill>
+              </a:rPr>
+              <a:t>:</a:t>
+            </a:r>
+            <a:r>
+              <a:rPr lang="en-US" sz="2800" b="1" dirty="0">
+                <a:solidFill>
+                  <a:schemeClr val="bg1"/>
+                </a:solidFill>
+              </a:rPr>
+              <a:t> </a:t>
+            </a:r>
+            <a:endParaRPr lang="en-ZA" sz="2800" b="1" dirty="0">
+              <a:solidFill>
+                <a:schemeClr val="bg1"/>
+              </a:solidFill>
+            </a:endParaRPr>
+          </a:p>
+        </p:txBody>
+      </p:sp>
+      <p:sp>
+        <p:nvSpPr>
+          <p:cNvPr id="3" name="TextBox 2">
+            <a:extLst>
+              <a:ext uri="{FF2B5EF4-FFF2-40B4-BE49-F238E27FC236}">
+                <a16:creationId xmlns:a16="http://schemas.microsoft.com/office/drawing/2014/main" id="{8881192E-822B-6516-7DAA-BD41B953AFFC}"/>
+              </a:ext>
+            </a:extLst>
+          </p:cNvPr>
+          <p:cNvSpPr txBox="1"/>
+          <p:nvPr/>
+        </p:nvSpPr>
+        <p:spPr>
+          <a:xfrm>
             <a:off x="1976283" y="1705451"/>
             <a:ext cx="8239433" cy="3754874"/>
           </a:xfrm>
@@ -18243,7 +18740,7 @@
 </p:sld>
 </file>
 
-<file path=ppt/slides/slide22.xml><?xml version="1.0" encoding="utf-8"?>
+<file path=ppt/slides/slide23.xml><?xml version="1.0" encoding="utf-8"?>
 <p:sld xmlns:a="http://schemas.openxmlformats.org/drawingml/2006/main" xmlns:r="http://schemas.openxmlformats.org/officeDocument/2006/relationships" xmlns:p="http://schemas.openxmlformats.org/presentationml/2006/main">
   <p:cSld>
     <p:bg>
@@ -18540,7 +19037,7 @@
 </p:sld>
 </file>
 
-<file path=ppt/slides/slide23.xml><?xml version="1.0" encoding="utf-8"?>
+<file path=ppt/slides/slide24.xml><?xml version="1.0" encoding="utf-8"?>
 <p:sld xmlns:a="http://schemas.openxmlformats.org/drawingml/2006/main" xmlns:r="http://schemas.openxmlformats.org/officeDocument/2006/relationships" xmlns:p="http://schemas.openxmlformats.org/presentationml/2006/main">
   <p:cSld>
     <p:bg>
@@ -18781,7 +19278,7 @@
 </p:sld>
 </file>
 
-<file path=ppt/slides/slide24.xml><?xml version="1.0" encoding="utf-8"?>
+<file path=ppt/slides/slide25.xml><?xml version="1.0" encoding="utf-8"?>
 <p:sld xmlns:a="http://schemas.openxmlformats.org/drawingml/2006/main" xmlns:r="http://schemas.openxmlformats.org/officeDocument/2006/relationships" xmlns:p="http://schemas.openxmlformats.org/presentationml/2006/main">
   <p:cSld>
     <p:bg>
@@ -23508,7 +24005,7 @@
 </p:sld>
 </file>
 
-<file path=ppt/slides/slide25.xml><?xml version="1.0" encoding="utf-8"?>
+<file path=ppt/slides/slide26.xml><?xml version="1.0" encoding="utf-8"?>
 <p:sld xmlns:a="http://schemas.openxmlformats.org/drawingml/2006/main" xmlns:r="http://schemas.openxmlformats.org/officeDocument/2006/relationships" xmlns:p="http://schemas.openxmlformats.org/presentationml/2006/main">
   <p:cSld>
     <p:bg>
@@ -23805,7 +24302,7 @@
 </p:sld>
 </file>
 
-<file path=ppt/slides/slide26.xml><?xml version="1.0" encoding="utf-8"?>
+<file path=ppt/slides/slide27.xml><?xml version="1.0" encoding="utf-8"?>
 <p:sld xmlns:a="http://schemas.openxmlformats.org/drawingml/2006/main" xmlns:r="http://schemas.openxmlformats.org/officeDocument/2006/relationships" xmlns:p="http://schemas.openxmlformats.org/presentationml/2006/main">
   <p:cSld>
     <p:bg>
@@ -24281,531 +24778,6 @@
 </p:sld>
 </file>
 
-<file path=ppt/slides/slide27.xml><?xml version="1.0" encoding="utf-8"?>
-<p:sld xmlns:a="http://schemas.openxmlformats.org/drawingml/2006/main" xmlns:r="http://schemas.openxmlformats.org/officeDocument/2006/relationships" xmlns:p="http://schemas.openxmlformats.org/presentationml/2006/main">
-  <p:cSld>
-    <p:bg>
-      <p:bgPr>
-        <a:blipFill dpi="0" rotWithShape="1">
-          <a:blip r:embed="rId2">
-            <a:extLst>
-              <a:ext uri="{BEBA8EAE-BF5A-486C-A8C5-ECC9F3942E4B}">
-                <a14:imgProps xmlns:a14="http://schemas.microsoft.com/office/drawing/2010/main">
-                  <a14:imgLayer r:embed="rId3">
-                    <a14:imgEffect>
-                      <a14:brightnessContrast bright="-20000"/>
-                    </a14:imgEffect>
-                  </a14:imgLayer>
-                </a14:imgProps>
-              </a:ext>
-            </a:extLst>
-          </a:blip>
-          <a:srcRect/>
-          <a:stretch>
-            <a:fillRect l="-9000" t="-39000" b="-11000"/>
-          </a:stretch>
-        </a:blipFill>
-        <a:effectLst/>
-      </p:bgPr>
-    </p:bg>
-    <p:spTree>
-      <p:nvGrpSpPr>
-        <p:cNvPr id="1" name=""/>
-        <p:cNvGrpSpPr/>
-        <p:nvPr/>
-      </p:nvGrpSpPr>
-      <p:grpSpPr>
-        <a:xfrm>
-          <a:off x="0" y="0"/>
-          <a:ext cx="0" cy="0"/>
-          <a:chOff x="0" y="0"/>
-          <a:chExt cx="0" cy="0"/>
-        </a:xfrm>
-      </p:grpSpPr>
-      <p:sp>
-        <p:nvSpPr>
-          <p:cNvPr id="8" name="TextBox 7">
-            <a:extLst>
-              <a:ext uri="{FF2B5EF4-FFF2-40B4-BE49-F238E27FC236}">
-                <a16:creationId xmlns:a16="http://schemas.microsoft.com/office/drawing/2014/main" id="{C0882B99-1574-09ED-8ED5-42D1D668A3BD}"/>
-              </a:ext>
-            </a:extLst>
-          </p:cNvPr>
-          <p:cNvSpPr txBox="1"/>
-          <p:nvPr/>
-        </p:nvSpPr>
-        <p:spPr>
-          <a:xfrm>
-            <a:off x="275303" y="211620"/>
-            <a:ext cx="6096000" cy="461665"/>
-          </a:xfrm>
-          <a:prstGeom prst="rect">
-            <a:avLst/>
-          </a:prstGeom>
-          <a:noFill/>
-        </p:spPr>
-        <p:txBody>
-          <a:bodyPr wrap="square">
-            <a:spAutoFit/>
-          </a:bodyPr>
-          <a:lstStyle/>
-          <a:p>
-            <a:pPr marR="0" lvl="0" algn="l" defTabSz="914400" rtl="0" eaLnBrk="1" fontAlgn="auto" latinLnBrk="0" hangingPunct="1">
-              <a:lnSpc>
-                <a:spcPct val="100000"/>
-              </a:lnSpc>
-              <a:spcBef>
-                <a:spcPts val="0"/>
-              </a:spcBef>
-              <a:spcAft>
-                <a:spcPts val="0"/>
-              </a:spcAft>
-              <a:buClrTx/>
-              <a:buSzTx/>
-              <a:tabLst/>
-              <a:defRPr/>
-            </a:pPr>
-            <a:r>
-              <a:rPr kumimoji="0" lang="en-ZA" sz="2400" b="1" i="0" u="none" strike="noStrike" kern="1200" cap="none" spc="0" normalizeH="0" baseline="0" noProof="0" dirty="0">
-                <a:ln>
-                  <a:noFill/>
-                </a:ln>
-                <a:solidFill>
-                  <a:prstClr val="white"/>
-                </a:solidFill>
-                <a:effectLst/>
-                <a:uLnTx/>
-                <a:uFillTx/>
-                <a:latin typeface="Aptos" panose="02110004020202020204"/>
-                <a:ea typeface="+mn-ea"/>
-                <a:cs typeface="+mn-cs"/>
-              </a:rPr>
-              <a:t>2. User Features</a:t>
-            </a:r>
-          </a:p>
-        </p:txBody>
-      </p:sp>
-      <p:sp>
-        <p:nvSpPr>
-          <p:cNvPr id="2" name="TextBox 1">
-            <a:extLst>
-              <a:ext uri="{FF2B5EF4-FFF2-40B4-BE49-F238E27FC236}">
-                <a16:creationId xmlns:a16="http://schemas.microsoft.com/office/drawing/2014/main" id="{36536420-2259-FDCB-A3D7-C1AD14ED1FC9}"/>
-              </a:ext>
-            </a:extLst>
-          </p:cNvPr>
-          <p:cNvSpPr txBox="1"/>
-          <p:nvPr/>
-        </p:nvSpPr>
-        <p:spPr>
-          <a:xfrm>
-            <a:off x="688257" y="807287"/>
-            <a:ext cx="9429135" cy="4247317"/>
-          </a:xfrm>
-          <a:prstGeom prst="rect">
-            <a:avLst/>
-          </a:prstGeom>
-          <a:noFill/>
-        </p:spPr>
-        <p:txBody>
-          <a:bodyPr wrap="square">
-            <a:spAutoFit/>
-          </a:bodyPr>
-          <a:lstStyle/>
-          <a:p>
-            <a:pPr marL="285750" indent="-285750">
-              <a:buFont typeface="Arial" panose="020B0604020202020204" pitchFamily="34" charset="0"/>
-              <a:buChar char="•"/>
-            </a:pPr>
-            <a:r>
-              <a:rPr lang="en-ZA" dirty="0">
-                <a:solidFill>
-                  <a:schemeClr val="bg1"/>
-                </a:solidFill>
-              </a:rPr>
-              <a:t>Income Segment:</a:t>
-            </a:r>
-          </a:p>
-          <a:p>
-            <a:pPr marL="285750" indent="-285750">
-              <a:buFont typeface="Arial" panose="020B0604020202020204" pitchFamily="34" charset="0"/>
-              <a:buChar char="•"/>
-            </a:pPr>
-            <a:endParaRPr lang="en-ZA" dirty="0">
-              <a:solidFill>
-                <a:schemeClr val="bg1"/>
-              </a:solidFill>
-            </a:endParaRPr>
-          </a:p>
-          <a:p>
-            <a:pPr marL="285750" indent="-285750">
-              <a:buFont typeface="Arial" panose="020B0604020202020204" pitchFamily="34" charset="0"/>
-              <a:buChar char="•"/>
-            </a:pPr>
-            <a:endParaRPr lang="en-ZA" dirty="0">
-              <a:solidFill>
-                <a:schemeClr val="bg1"/>
-              </a:solidFill>
-            </a:endParaRPr>
-          </a:p>
-          <a:p>
-            <a:pPr marL="285750" indent="-285750">
-              <a:buFont typeface="Arial" panose="020B0604020202020204" pitchFamily="34" charset="0"/>
-              <a:buChar char="•"/>
-            </a:pPr>
-            <a:endParaRPr lang="en-ZA" dirty="0">
-              <a:solidFill>
-                <a:schemeClr val="bg1"/>
-              </a:solidFill>
-            </a:endParaRPr>
-          </a:p>
-          <a:p>
-            <a:pPr marL="285750" indent="-285750">
-              <a:buFont typeface="Arial" panose="020B0604020202020204" pitchFamily="34" charset="0"/>
-              <a:buChar char="•"/>
-            </a:pPr>
-            <a:endParaRPr lang="en-ZA" dirty="0">
-              <a:solidFill>
-                <a:schemeClr val="bg1"/>
-              </a:solidFill>
-            </a:endParaRPr>
-          </a:p>
-          <a:p>
-            <a:pPr marL="285750" indent="-285750">
-              <a:buFont typeface="Arial" panose="020B0604020202020204" pitchFamily="34" charset="0"/>
-              <a:buChar char="•"/>
-            </a:pPr>
-            <a:r>
-              <a:rPr lang="en-ZA" dirty="0">
-                <a:solidFill>
-                  <a:schemeClr val="bg1"/>
-                </a:solidFill>
-              </a:rPr>
-              <a:t>Behavioural segment</a:t>
-            </a:r>
-          </a:p>
-          <a:p>
-            <a:pPr marL="285750" indent="-285750">
-              <a:buFont typeface="Arial" panose="020B0604020202020204" pitchFamily="34" charset="0"/>
-              <a:buChar char="•"/>
-            </a:pPr>
-            <a:r>
-              <a:rPr lang="en-ZA" dirty="0">
-                <a:solidFill>
-                  <a:schemeClr val="bg1"/>
-                </a:solidFill>
-              </a:rPr>
-              <a:t>Activity index</a:t>
-            </a:r>
-          </a:p>
-          <a:p>
-            <a:pPr marL="285750" indent="-285750">
-              <a:buFont typeface="Arial" panose="020B0604020202020204" pitchFamily="34" charset="0"/>
-              <a:buChar char="•"/>
-            </a:pPr>
-            <a:r>
-              <a:rPr lang="en-ZA" dirty="0">
-                <a:solidFill>
-                  <a:schemeClr val="bg1"/>
-                </a:solidFill>
-              </a:rPr>
-              <a:t>Time of day </a:t>
-            </a:r>
-          </a:p>
-          <a:p>
-            <a:pPr marL="285750" indent="-285750">
-              <a:buFont typeface="Arial" panose="020B0604020202020204" pitchFamily="34" charset="0"/>
-              <a:buChar char="•"/>
-            </a:pPr>
-            <a:r>
-              <a:rPr lang="en-ZA" dirty="0">
-                <a:solidFill>
-                  <a:schemeClr val="bg1"/>
-                </a:solidFill>
-              </a:rPr>
-              <a:t>Most interacted item type</a:t>
-            </a:r>
-          </a:p>
-          <a:p>
-            <a:pPr marL="285750" indent="-285750">
-              <a:buFont typeface="Arial" panose="020B0604020202020204" pitchFamily="34" charset="0"/>
-              <a:buChar char="•"/>
-            </a:pPr>
-            <a:r>
-              <a:rPr lang="en-ZA" dirty="0">
-                <a:solidFill>
-                  <a:schemeClr val="bg1"/>
-                </a:solidFill>
-              </a:rPr>
-              <a:t>Most interacted item</a:t>
-            </a:r>
-          </a:p>
-          <a:p>
-            <a:pPr marL="285750" indent="-285750">
-              <a:buFont typeface="Arial" panose="020B0604020202020204" pitchFamily="34" charset="0"/>
-              <a:buChar char="•"/>
-            </a:pPr>
-            <a:r>
-              <a:rPr lang="en-ZA" dirty="0">
-                <a:solidFill>
-                  <a:schemeClr val="bg1"/>
-                </a:solidFill>
-              </a:rPr>
-              <a:t>Activity score bin</a:t>
-            </a:r>
-          </a:p>
-          <a:p>
-            <a:pPr marL="285750" indent="-285750">
-              <a:buFont typeface="Arial" panose="020B0604020202020204" pitchFamily="34" charset="0"/>
-              <a:buChar char="•"/>
-            </a:pPr>
-            <a:r>
-              <a:rPr lang="en-ZA" dirty="0">
-                <a:solidFill>
-                  <a:schemeClr val="bg1"/>
-                </a:solidFill>
-              </a:rPr>
-              <a:t>Activity rate bin</a:t>
-            </a:r>
-          </a:p>
-          <a:p>
-            <a:pPr marL="285750" indent="-285750">
-              <a:buFont typeface="Arial" panose="020B0604020202020204" pitchFamily="34" charset="0"/>
-              <a:buChar char="•"/>
-            </a:pPr>
-            <a:r>
-              <a:rPr lang="en-ZA" dirty="0">
-                <a:solidFill>
-                  <a:schemeClr val="bg1"/>
-                </a:solidFill>
-              </a:rPr>
-              <a:t>Amount of interactions</a:t>
-            </a:r>
-          </a:p>
-          <a:p>
-            <a:pPr marL="285750" indent="-285750">
-              <a:buFont typeface="Arial" panose="020B0604020202020204" pitchFamily="34" charset="0"/>
-              <a:buChar char="•"/>
-            </a:pPr>
-            <a:r>
-              <a:rPr lang="en-ZA" dirty="0">
-                <a:solidFill>
-                  <a:schemeClr val="bg1"/>
-                </a:solidFill>
-              </a:rPr>
-              <a:t>Most frequent day of week interacted</a:t>
-            </a:r>
-          </a:p>
-          <a:p>
-            <a:pPr marL="285750" indent="-285750">
-              <a:buFont typeface="Arial" panose="020B0604020202020204" pitchFamily="34" charset="0"/>
-              <a:buChar char="•"/>
-            </a:pPr>
-            <a:endParaRPr lang="en-ZA" dirty="0"/>
-          </a:p>
-        </p:txBody>
-      </p:sp>
-      <p:graphicFrame>
-        <p:nvGraphicFramePr>
-          <p:cNvPr id="3" name="Table 2">
-            <a:extLst>
-              <a:ext uri="{FF2B5EF4-FFF2-40B4-BE49-F238E27FC236}">
-                <a16:creationId xmlns:a16="http://schemas.microsoft.com/office/drawing/2014/main" id="{76ADA40C-7CB6-AA4E-B662-08350974E915}"/>
-              </a:ext>
-            </a:extLst>
-          </p:cNvPr>
-          <p:cNvGraphicFramePr>
-            <a:graphicFrameLocks noGrp="1"/>
-          </p:cNvGraphicFramePr>
-          <p:nvPr/>
-        </p:nvGraphicFramePr>
-        <p:xfrm>
-          <a:off x="1074994" y="1267913"/>
-          <a:ext cx="4693264" cy="741680"/>
-        </p:xfrm>
-        <a:graphic>
-          <a:graphicData uri="http://schemas.openxmlformats.org/drawingml/2006/table">
-            <a:tbl>
-              <a:tblPr firstRow="1" bandRow="1">
-                <a:tableStyleId>{EB9631B5-78F2-41C9-869B-9F39066F8104}</a:tableStyleId>
-              </a:tblPr>
-              <a:tblGrid>
-                <a:gridCol w="1173316">
-                  <a:extLst>
-                    <a:ext uri="{9D8B030D-6E8A-4147-A177-3AD203B41FA5}">
-                      <a16:colId xmlns:a16="http://schemas.microsoft.com/office/drawing/2014/main" val="3400634612"/>
-                    </a:ext>
-                  </a:extLst>
-                </a:gridCol>
-                <a:gridCol w="1173316">
-                  <a:extLst>
-                    <a:ext uri="{9D8B030D-6E8A-4147-A177-3AD203B41FA5}">
-                      <a16:colId xmlns:a16="http://schemas.microsoft.com/office/drawing/2014/main" val="701412954"/>
-                    </a:ext>
-                  </a:extLst>
-                </a:gridCol>
-                <a:gridCol w="1173316">
-                  <a:extLst>
-                    <a:ext uri="{9D8B030D-6E8A-4147-A177-3AD203B41FA5}">
-                      <a16:colId xmlns:a16="http://schemas.microsoft.com/office/drawing/2014/main" val="224371639"/>
-                    </a:ext>
-                  </a:extLst>
-                </a:gridCol>
-                <a:gridCol w="1173316">
-                  <a:extLst>
-                    <a:ext uri="{9D8B030D-6E8A-4147-A177-3AD203B41FA5}">
-                      <a16:colId xmlns:a16="http://schemas.microsoft.com/office/drawing/2014/main" val="3317639608"/>
-                    </a:ext>
-                  </a:extLst>
-                </a:gridCol>
-              </a:tblGrid>
-              <a:tr h="370840">
-                <a:tc>
-                  <a:txBody>
-                    <a:bodyPr/>
-                    <a:lstStyle/>
-                    <a:p>
-                      <a:r>
-                        <a:rPr lang="en-ZA" sz="1600" dirty="0"/>
-                        <a:t>Segment 1</a:t>
-                      </a:r>
-                    </a:p>
-                  </a:txBody>
-                  <a:tcPr/>
-                </a:tc>
-                <a:tc>
-                  <a:txBody>
-                    <a:bodyPr/>
-                    <a:lstStyle/>
-                    <a:p>
-                      <a:r>
-                        <a:rPr lang="en-ZA" sz="1600" dirty="0"/>
-                        <a:t>Segment 2</a:t>
-                      </a:r>
-                    </a:p>
-                  </a:txBody>
-                  <a:tcPr/>
-                </a:tc>
-                <a:tc>
-                  <a:txBody>
-                    <a:bodyPr/>
-                    <a:lstStyle/>
-                    <a:p>
-                      <a:r>
-                        <a:rPr lang="en-ZA" sz="1600" dirty="0"/>
-                        <a:t>Segment 3</a:t>
-                      </a:r>
-                    </a:p>
-                  </a:txBody>
-                  <a:tcPr/>
-                </a:tc>
-                <a:tc>
-                  <a:txBody>
-                    <a:bodyPr/>
-                    <a:lstStyle/>
-                    <a:p>
-                      <a:r>
-                        <a:rPr lang="en-ZA" sz="1600" dirty="0"/>
-                        <a:t>Segment 4</a:t>
-                      </a:r>
-                    </a:p>
-                  </a:txBody>
-                  <a:tcPr/>
-                </a:tc>
-                <a:extLst>
-                  <a:ext uri="{0D108BD9-81ED-4DB2-BD59-A6C34878D82A}">
-                    <a16:rowId xmlns:a16="http://schemas.microsoft.com/office/drawing/2014/main" val="2245114912"/>
-                  </a:ext>
-                </a:extLst>
-              </a:tr>
-              <a:tr h="370840">
-                <a:tc>
-                  <a:txBody>
-                    <a:bodyPr/>
-                    <a:lstStyle/>
-                    <a:p>
-                      <a:r>
-                        <a:rPr lang="en-ZA" sz="1600" dirty="0"/>
-                        <a:t>0</a:t>
-                      </a:r>
-                    </a:p>
-                  </a:txBody>
-                  <a:tcPr/>
-                </a:tc>
-                <a:tc>
-                  <a:txBody>
-                    <a:bodyPr/>
-                    <a:lstStyle/>
-                    <a:p>
-                      <a:r>
-                        <a:rPr lang="en-ZA" sz="1600" dirty="0"/>
-                        <a:t>0</a:t>
-                      </a:r>
-                    </a:p>
-                  </a:txBody>
-                  <a:tcPr/>
-                </a:tc>
-                <a:tc>
-                  <a:txBody>
-                    <a:bodyPr/>
-                    <a:lstStyle/>
-                    <a:p>
-                      <a:r>
-                        <a:rPr lang="en-ZA" sz="1600" dirty="0"/>
-                        <a:t>1</a:t>
-                      </a:r>
-                    </a:p>
-                  </a:txBody>
-                  <a:tcPr/>
-                </a:tc>
-                <a:tc>
-                  <a:txBody>
-                    <a:bodyPr/>
-                    <a:lstStyle/>
-                    <a:p>
-                      <a:r>
-                        <a:rPr lang="en-ZA" sz="1600" dirty="0"/>
-                        <a:t>0</a:t>
-                      </a:r>
-                    </a:p>
-                  </a:txBody>
-                  <a:tcPr/>
-                </a:tc>
-                <a:extLst>
-                  <a:ext uri="{0D108BD9-81ED-4DB2-BD59-A6C34878D82A}">
-                    <a16:rowId xmlns:a16="http://schemas.microsoft.com/office/drawing/2014/main" val="294810486"/>
-                  </a:ext>
-                </a:extLst>
-              </a:tr>
-            </a:tbl>
-          </a:graphicData>
-        </a:graphic>
-      </p:graphicFrame>
-    </p:spTree>
-    <p:extLst>
-      <p:ext uri="{BB962C8B-B14F-4D97-AF65-F5344CB8AC3E}">
-        <p14:creationId xmlns:p14="http://schemas.microsoft.com/office/powerpoint/2010/main" val="96080187"/>
-      </p:ext>
-    </p:extLst>
-  </p:cSld>
-  <p:clrMapOvr>
-    <a:masterClrMapping/>
-  </p:clrMapOvr>
-  <mc:AlternateContent xmlns:mc="http://schemas.openxmlformats.org/markup-compatibility/2006" xmlns:p14="http://schemas.microsoft.com/office/powerpoint/2010/main">
-    <mc:Choice Requires="p14">
-      <p:transition spd="med" p14:dur="700">
-        <p:fade/>
-      </p:transition>
-    </mc:Choice>
-    <mc:Fallback xmlns="">
-      <p:transition spd="med">
-        <p:fade/>
-      </p:transition>
-    </mc:Fallback>
-  </mc:AlternateContent>
-</p:sld>
-</file>
-
 <file path=ppt/slides/slide28.xml><?xml version="1.0" encoding="utf-8"?>
 <p:sld xmlns:a="http://schemas.openxmlformats.org/drawingml/2006/main" xmlns:r="http://schemas.openxmlformats.org/officeDocument/2006/relationships" xmlns:p="http://schemas.openxmlformats.org/presentationml/2006/main">
   <p:cSld>
@@ -24948,21 +24920,7 @@
                   <a:schemeClr val="bg1"/>
                 </a:solidFill>
               </a:rPr>
-              <a:t>Income Segment</a:t>
-            </a:r>
-          </a:p>
-          <a:p>
-            <a:pPr marL="285750" indent="-285750">
-              <a:buFont typeface="Arial" panose="020B0604020202020204" pitchFamily="34" charset="0"/>
-              <a:buChar char="•"/>
-            </a:pPr>
-            <a:r>
-              <a:rPr lang="en-ZA" dirty="0">
-                <a:solidFill>
-                  <a:schemeClr val="bg1"/>
-                </a:solidFill>
-              </a:rPr>
-              <a:t>Behavioural segment:</a:t>
+              <a:t>Income Segment:</a:t>
             </a:r>
           </a:p>
           <a:p>
@@ -25020,7 +24978,21 @@
                   <a:schemeClr val="bg1"/>
                 </a:solidFill>
               </a:rPr>
-              <a:t>Activity index </a:t>
+              <a:t>Behavioural segment</a:t>
+            </a:r>
+          </a:p>
+          <a:p>
+            <a:pPr marL="285750" indent="-285750">
+              <a:buFont typeface="Arial" panose="020B0604020202020204" pitchFamily="34" charset="0"/>
+              <a:buChar char="•"/>
+            </a:pPr>
+            <a:r>
+              <a:rPr lang="en-ZA" dirty="0">
+                <a:solidFill>
+                  <a:schemeClr val="bg1"/>
+                </a:solidFill>
+              </a:rPr>
+              <a:t>Activity index</a:t>
             </a:r>
           </a:p>
           <a:p>
@@ -25142,17 +25114,11 @@
           <p:cNvGraphicFramePr>
             <a:graphicFrameLocks noGrp="1"/>
           </p:cNvGraphicFramePr>
-          <p:nvPr>
-            <p:extLst>
-              <p:ext uri="{D42A27DB-BD31-4B8C-83A1-F6EECF244321}">
-                <p14:modId xmlns:p14="http://schemas.microsoft.com/office/powerpoint/2010/main" val="894919126"/>
-              </p:ext>
-            </p:extLst>
-          </p:nvPr>
+          <p:nvPr/>
         </p:nvGraphicFramePr>
         <p:xfrm>
-          <a:off x="1074994" y="1524327"/>
-          <a:ext cx="4693269" cy="741680"/>
+          <a:off x="1074994" y="1267913"/>
+          <a:ext cx="4693264" cy="741680"/>
         </p:xfrm>
         <a:graphic>
           <a:graphicData uri="http://schemas.openxmlformats.org/drawingml/2006/table">
@@ -25161,55 +25127,34 @@
                 <a:tableStyleId>{EB9631B5-78F2-41C9-869B-9F39066F8104}</a:tableStyleId>
               </a:tblPr>
               <a:tblGrid>
-                <a:gridCol w="670467">
+                <a:gridCol w="1173316">
                   <a:extLst>
                     <a:ext uri="{9D8B030D-6E8A-4147-A177-3AD203B41FA5}">
                       <a16:colId xmlns:a16="http://schemas.microsoft.com/office/drawing/2014/main" val="3400634612"/>
                     </a:ext>
                   </a:extLst>
                 </a:gridCol>
-                <a:gridCol w="670467">
+                <a:gridCol w="1173316">
                   <a:extLst>
                     <a:ext uri="{9D8B030D-6E8A-4147-A177-3AD203B41FA5}">
                       <a16:colId xmlns:a16="http://schemas.microsoft.com/office/drawing/2014/main" val="701412954"/>
                     </a:ext>
                   </a:extLst>
                 </a:gridCol>
-                <a:gridCol w="670467">
+                <a:gridCol w="1173316">
                   <a:extLst>
                     <a:ext uri="{9D8B030D-6E8A-4147-A177-3AD203B41FA5}">
                       <a16:colId xmlns:a16="http://schemas.microsoft.com/office/drawing/2014/main" val="224371639"/>
                     </a:ext>
                   </a:extLst>
                 </a:gridCol>
-                <a:gridCol w="670467">
+                <a:gridCol w="1173316">
                   <a:extLst>
                     <a:ext uri="{9D8B030D-6E8A-4147-A177-3AD203B41FA5}">
                       <a16:colId xmlns:a16="http://schemas.microsoft.com/office/drawing/2014/main" val="3317639608"/>
                     </a:ext>
                   </a:extLst>
                 </a:gridCol>
-                <a:gridCol w="670467">
-                  <a:extLst>
-                    <a:ext uri="{9D8B030D-6E8A-4147-A177-3AD203B41FA5}">
-                      <a16:colId xmlns:a16="http://schemas.microsoft.com/office/drawing/2014/main" val="2721267651"/>
-                    </a:ext>
-                  </a:extLst>
-                </a:gridCol>
-                <a:gridCol w="670467">
-                  <a:extLst>
-                    <a:ext uri="{9D8B030D-6E8A-4147-A177-3AD203B41FA5}">
-                      <a16:colId xmlns:a16="http://schemas.microsoft.com/office/drawing/2014/main" val="1500200790"/>
-                    </a:ext>
-                  </a:extLst>
-                </a:gridCol>
-                <a:gridCol w="670467">
-                  <a:extLst>
-                    <a:ext uri="{9D8B030D-6E8A-4147-A177-3AD203B41FA5}">
-                      <a16:colId xmlns:a16="http://schemas.microsoft.com/office/drawing/2014/main" val="3707198262"/>
-                    </a:ext>
-                  </a:extLst>
-                </a:gridCol>
               </a:tblGrid>
               <a:tr h="370840">
                 <a:tc>
@@ -25219,7 +25164,7 @@
                     <a:p>
                       <a:r>
                         <a:rPr lang="en-ZA" sz="1600" dirty="0"/>
-                        <a:t>B01</a:t>
+                        <a:t>Segment 1</a:t>
                       </a:r>
                     </a:p>
                   </a:txBody>
@@ -25232,7 +25177,7 @@
                     <a:p>
                       <a:r>
                         <a:rPr lang="en-ZA" sz="1600" dirty="0"/>
-                        <a:t>B02</a:t>
+                        <a:t>Segment 2</a:t>
                       </a:r>
                     </a:p>
                   </a:txBody>
@@ -25245,7 +25190,7 @@
                     <a:p>
                       <a:r>
                         <a:rPr lang="en-ZA" sz="1600" dirty="0"/>
-                        <a:t>B03</a:t>
+                        <a:t>Segment 3</a:t>
                       </a:r>
                     </a:p>
                   </a:txBody>
@@ -25258,47 +25203,7 @@
                     <a:p>
                       <a:r>
                         <a:rPr lang="en-ZA" sz="1600" dirty="0"/>
-                        <a:t>B04</a:t>
-                      </a:r>
-                    </a:p>
-                  </a:txBody>
-                  <a:tcPr/>
-                </a:tc>
-                <a:tc>
-                  <a:txBody>
-                    <a:bodyPr/>
-                    <a:lstStyle/>
-                    <a:p>
-                      <a:r>
-                        <a:rPr lang="en-ZA" sz="1600" dirty="0"/>
-                        <a:t>B05</a:t>
-                      </a:r>
-                    </a:p>
-                  </a:txBody>
-                  <a:tcPr/>
-                </a:tc>
-                <a:tc>
-                  <a:txBody>
-                    <a:bodyPr/>
-                    <a:lstStyle/>
-                    <a:p>
-                      <a:pPr algn="ctr"/>
-                      <a:r>
-                        <a:rPr lang="en-ZA" sz="1600" dirty="0"/>
-                        <a:t>. . .</a:t>
-                      </a:r>
-                    </a:p>
-                  </a:txBody>
-                  <a:tcPr/>
-                </a:tc>
-                <a:tc>
-                  <a:txBody>
-                    <a:bodyPr/>
-                    <a:lstStyle/>
-                    <a:p>
-                      <a:r>
-                        <a:rPr lang="en-ZA" sz="1600" dirty="0"/>
-                        <a:t>B50</a:t>
+                        <a:t>Segment 4</a:t>
                       </a:r>
                     </a:p>
                   </a:txBody>
@@ -25345,46 +25250,6 @@
                       <a:r>
                         <a:rPr lang="en-ZA" sz="1600" dirty="0"/>
                         <a:t>1</a:t>
-                      </a:r>
-                    </a:p>
-                  </a:txBody>
-                  <a:tcPr/>
-                </a:tc>
-                <a:tc>
-                  <a:txBody>
-                    <a:bodyPr/>
-                    <a:lstStyle/>
-                    <a:p>
-                      <a:r>
-                        <a:rPr lang="en-ZA" sz="1600" dirty="0"/>
-                        <a:t>0</a:t>
-                      </a:r>
-                    </a:p>
-                  </a:txBody>
-                  <a:tcPr/>
-                </a:tc>
-                <a:tc>
-                  <a:txBody>
-                    <a:bodyPr/>
-                    <a:lstStyle/>
-                    <a:p>
-                      <a:r>
-                        <a:rPr lang="en-ZA" sz="1600" dirty="0"/>
-                        <a:t>0</a:t>
-                      </a:r>
-                    </a:p>
-                  </a:txBody>
-                  <a:tcPr/>
-                </a:tc>
-                <a:tc>
-                  <a:txBody>
-                    <a:bodyPr/>
-                    <a:lstStyle/>
-                    <a:p>
-                      <a:pPr algn="ctr"/>
-                      <a:r>
-                        <a:rPr lang="en-ZA" sz="1600" dirty="0"/>
-                        <a:t>. . .</a:t>
                       </a:r>
                     </a:p>
                   </a:txBody>
@@ -25416,7 +25281,7 @@
     </p:spTree>
     <p:extLst>
       <p:ext uri="{BB962C8B-B14F-4D97-AF65-F5344CB8AC3E}">
-        <p14:creationId xmlns:p14="http://schemas.microsoft.com/office/powerpoint/2010/main" val="535843785"/>
+        <p14:creationId xmlns:p14="http://schemas.microsoft.com/office/powerpoint/2010/main" val="96080187"/>
       </p:ext>
     </p:extLst>
   </p:cSld>
@@ -25594,21 +25459,7 @@
                   <a:schemeClr val="bg1"/>
                 </a:solidFill>
               </a:rPr>
-              <a:t>Behavioural segment</a:t>
-            </a:r>
-          </a:p>
-          <a:p>
-            <a:pPr marL="285750" indent="-285750">
-              <a:buFont typeface="Arial" panose="020B0604020202020204" pitchFamily="34" charset="0"/>
-              <a:buChar char="•"/>
-            </a:pPr>
-            <a:r>
-              <a:rPr lang="en-ZA" dirty="0">
-                <a:solidFill>
-                  <a:schemeClr val="bg1"/>
-                </a:solidFill>
-              </a:rPr>
-              <a:t>Activity index:</a:t>
+              <a:t>Behavioural segment:</a:t>
             </a:r>
           </a:p>
           <a:p>
@@ -25666,7 +25517,21 @@
                   <a:schemeClr val="bg1"/>
                 </a:solidFill>
               </a:rPr>
-              <a:t>Time of day</a:t>
+              <a:t>Activity index </a:t>
+            </a:r>
+          </a:p>
+          <a:p>
+            <a:pPr marL="285750" indent="-285750">
+              <a:buFont typeface="Arial" panose="020B0604020202020204" pitchFamily="34" charset="0"/>
+              <a:buChar char="•"/>
+            </a:pPr>
+            <a:r>
+              <a:rPr lang="en-ZA" dirty="0">
+                <a:solidFill>
+                  <a:schemeClr val="bg1"/>
+                </a:solidFill>
+              </a:rPr>
+              <a:t>Time of day </a:t>
             </a:r>
           </a:p>
           <a:p>
@@ -25764,10 +25629,10 @@
       </p:sp>
       <p:graphicFrame>
         <p:nvGraphicFramePr>
-          <p:cNvPr id="4" name="Table 3">
+          <p:cNvPr id="3" name="Table 2">
             <a:extLst>
               <a:ext uri="{FF2B5EF4-FFF2-40B4-BE49-F238E27FC236}">
-                <a16:creationId xmlns:a16="http://schemas.microsoft.com/office/drawing/2014/main" id="{D7B3C7A9-8A63-D447-C46A-4E2DDC810983}"/>
+                <a16:creationId xmlns:a16="http://schemas.microsoft.com/office/drawing/2014/main" id="{76ADA40C-7CB6-AA4E-B662-08350974E915}"/>
               </a:ext>
             </a:extLst>
           </p:cNvPr>
@@ -25777,14 +25642,14 @@
           <p:nvPr>
             <p:extLst>
               <p:ext uri="{D42A27DB-BD31-4B8C-83A1-F6EECF244321}">
-                <p14:modId xmlns:p14="http://schemas.microsoft.com/office/powerpoint/2010/main" val="2517606476"/>
+                <p14:modId xmlns:p14="http://schemas.microsoft.com/office/powerpoint/2010/main" val="894919126"/>
               </p:ext>
             </p:extLst>
           </p:nvPr>
         </p:nvGraphicFramePr>
         <p:xfrm>
-          <a:off x="1065161" y="1818519"/>
-          <a:ext cx="3998451" cy="741680"/>
+          <a:off x="1074994" y="1524327"/>
+          <a:ext cx="4693269" cy="741680"/>
         </p:xfrm>
         <a:graphic>
           <a:graphicData uri="http://schemas.openxmlformats.org/drawingml/2006/table">
@@ -25793,27 +25658,55 @@
                 <a:tableStyleId>{EB9631B5-78F2-41C9-869B-9F39066F8104}</a:tableStyleId>
               </a:tblPr>
               <a:tblGrid>
-                <a:gridCol w="1332817">
+                <a:gridCol w="670467">
                   <a:extLst>
                     <a:ext uri="{9D8B030D-6E8A-4147-A177-3AD203B41FA5}">
                       <a16:colId xmlns:a16="http://schemas.microsoft.com/office/drawing/2014/main" val="3400634612"/>
                     </a:ext>
                   </a:extLst>
                 </a:gridCol>
-                <a:gridCol w="1332817">
+                <a:gridCol w="670467">
                   <a:extLst>
                     <a:ext uri="{9D8B030D-6E8A-4147-A177-3AD203B41FA5}">
                       <a16:colId xmlns:a16="http://schemas.microsoft.com/office/drawing/2014/main" val="701412954"/>
                     </a:ext>
                   </a:extLst>
                 </a:gridCol>
-                <a:gridCol w="1332817">
+                <a:gridCol w="670467">
                   <a:extLst>
                     <a:ext uri="{9D8B030D-6E8A-4147-A177-3AD203B41FA5}">
                       <a16:colId xmlns:a16="http://schemas.microsoft.com/office/drawing/2014/main" val="224371639"/>
                     </a:ext>
                   </a:extLst>
                 </a:gridCol>
+                <a:gridCol w="670467">
+                  <a:extLst>
+                    <a:ext uri="{9D8B030D-6E8A-4147-A177-3AD203B41FA5}">
+                      <a16:colId xmlns:a16="http://schemas.microsoft.com/office/drawing/2014/main" val="3317639608"/>
+                    </a:ext>
+                  </a:extLst>
+                </a:gridCol>
+                <a:gridCol w="670467">
+                  <a:extLst>
+                    <a:ext uri="{9D8B030D-6E8A-4147-A177-3AD203B41FA5}">
+                      <a16:colId xmlns:a16="http://schemas.microsoft.com/office/drawing/2014/main" val="2721267651"/>
+                    </a:ext>
+                  </a:extLst>
+                </a:gridCol>
+                <a:gridCol w="670467">
+                  <a:extLst>
+                    <a:ext uri="{9D8B030D-6E8A-4147-A177-3AD203B41FA5}">
+                      <a16:colId xmlns:a16="http://schemas.microsoft.com/office/drawing/2014/main" val="1500200790"/>
+                    </a:ext>
+                  </a:extLst>
+                </a:gridCol>
+                <a:gridCol w="670467">
+                  <a:extLst>
+                    <a:ext uri="{9D8B030D-6E8A-4147-A177-3AD203B41FA5}">
+                      <a16:colId xmlns:a16="http://schemas.microsoft.com/office/drawing/2014/main" val="3707198262"/>
+                    </a:ext>
+                  </a:extLst>
+                </a:gridCol>
               </a:tblGrid>
               <a:tr h="370840">
                 <a:tc>
@@ -25823,7 +25716,7 @@
                     <a:p>
                       <a:r>
                         <a:rPr lang="en-ZA" sz="1600" dirty="0"/>
-                        <a:t>Cold start</a:t>
+                        <a:t>B01</a:t>
                       </a:r>
                     </a:p>
                   </a:txBody>
@@ -25836,7 +25729,7 @@
                     <a:p>
                       <a:r>
                         <a:rPr lang="en-ZA" sz="1600" dirty="0"/>
-                        <a:t>Semi Active</a:t>
+                        <a:t>B02</a:t>
                       </a:r>
                     </a:p>
                   </a:txBody>
@@ -25849,7 +25742,60 @@
                     <a:p>
                       <a:r>
                         <a:rPr lang="en-ZA" sz="1600" dirty="0"/>
-                        <a:t>Active</a:t>
+                        <a:t>B03</a:t>
+                      </a:r>
+                    </a:p>
+                  </a:txBody>
+                  <a:tcPr/>
+                </a:tc>
+                <a:tc>
+                  <a:txBody>
+                    <a:bodyPr/>
+                    <a:lstStyle/>
+                    <a:p>
+                      <a:r>
+                        <a:rPr lang="en-ZA" sz="1600" dirty="0"/>
+                        <a:t>B04</a:t>
+                      </a:r>
+                    </a:p>
+                  </a:txBody>
+                  <a:tcPr/>
+                </a:tc>
+                <a:tc>
+                  <a:txBody>
+                    <a:bodyPr/>
+                    <a:lstStyle/>
+                    <a:p>
+                      <a:r>
+                        <a:rPr lang="en-ZA" sz="1600" dirty="0"/>
+                        <a:t>B05</a:t>
+                      </a:r>
+                    </a:p>
+                  </a:txBody>
+                  <a:tcPr/>
+                </a:tc>
+                <a:tc>
+                  <a:txBody>
+                    <a:bodyPr/>
+                    <a:lstStyle/>
+                    <a:p>
+                      <a:pPr algn="ctr"/>
+                      <a:r>
+                        <a:rPr lang="en-ZA" sz="1600" dirty="0"/>
+                        <a:t>. . .</a:t>
+                      </a:r>
+                    </a:p>
+                  </a:txBody>
+                  <a:tcPr/>
+                </a:tc>
+                <a:tc>
+                  <a:txBody>
+                    <a:bodyPr/>
+                    <a:lstStyle/>
+                    <a:p>
+                      <a:r>
+                        <a:rPr lang="en-ZA" sz="1600" dirty="0"/>
+                        <a:t>B50</a:t>
                       </a:r>
                     </a:p>
                   </a:txBody>
@@ -25882,7 +25828,60 @@
                     <a:p>
                       <a:r>
                         <a:rPr lang="en-ZA" sz="1600" dirty="0"/>
+                        <a:t>0</a:t>
+                      </a:r>
+                    </a:p>
+                  </a:txBody>
+                  <a:tcPr/>
+                </a:tc>
+                <a:tc>
+                  <a:txBody>
+                    <a:bodyPr/>
+                    <a:lstStyle/>
+                    <a:p>
+                      <a:r>
+                        <a:rPr lang="en-ZA" sz="1600" dirty="0"/>
                         <a:t>1</a:t>
+                      </a:r>
+                    </a:p>
+                  </a:txBody>
+                  <a:tcPr/>
+                </a:tc>
+                <a:tc>
+                  <a:txBody>
+                    <a:bodyPr/>
+                    <a:lstStyle/>
+                    <a:p>
+                      <a:r>
+                        <a:rPr lang="en-ZA" sz="1600" dirty="0"/>
+                        <a:t>0</a:t>
+                      </a:r>
+                    </a:p>
+                  </a:txBody>
+                  <a:tcPr/>
+                </a:tc>
+                <a:tc>
+                  <a:txBody>
+                    <a:bodyPr/>
+                    <a:lstStyle/>
+                    <a:p>
+                      <a:r>
+                        <a:rPr lang="en-ZA" sz="1600" dirty="0"/>
+                        <a:t>0</a:t>
+                      </a:r>
+                    </a:p>
+                  </a:txBody>
+                  <a:tcPr/>
+                </a:tc>
+                <a:tc>
+                  <a:txBody>
+                    <a:bodyPr/>
+                    <a:lstStyle/>
+                    <a:p>
+                      <a:pPr algn="ctr"/>
+                      <a:r>
+                        <a:rPr lang="en-ZA" sz="1600" dirty="0"/>
+                        <a:t>. . .</a:t>
                       </a:r>
                     </a:p>
                   </a:txBody>
@@ -25914,7 +25913,7 @@
     </p:spTree>
     <p:extLst>
       <p:ext uri="{BB962C8B-B14F-4D97-AF65-F5344CB8AC3E}">
-        <p14:creationId xmlns:p14="http://schemas.microsoft.com/office/powerpoint/2010/main" val="953317750"/>
+        <p14:creationId xmlns:p14="http://schemas.microsoft.com/office/powerpoint/2010/main" val="535843785"/>
       </p:ext>
     </p:extLst>
   </p:cSld>
@@ -27514,21 +27513,7 @@
                   <a:schemeClr val="bg1"/>
                 </a:solidFill>
               </a:rPr>
-              <a:t>Activity index</a:t>
-            </a:r>
-          </a:p>
-          <a:p>
-            <a:pPr marL="285750" indent="-285750">
-              <a:buFont typeface="Arial" panose="020B0604020202020204" pitchFamily="34" charset="0"/>
-              <a:buChar char="•"/>
-            </a:pPr>
-            <a:r>
-              <a:rPr lang="en-ZA" dirty="0">
-                <a:solidFill>
-                  <a:schemeClr val="bg1"/>
-                </a:solidFill>
-              </a:rPr>
-              <a:t>Time of day :</a:t>
+              <a:t>Activity index:</a:t>
             </a:r>
           </a:p>
           <a:p>
@@ -27574,6 +27559,20 @@
                 <a:schemeClr val="bg1"/>
               </a:solidFill>
             </a:endParaRPr>
+          </a:p>
+          <a:p>
+            <a:pPr marL="285750" indent="-285750">
+              <a:buFont typeface="Arial" panose="020B0604020202020204" pitchFamily="34" charset="0"/>
+              <a:buChar char="•"/>
+            </a:pPr>
+            <a:r>
+              <a:rPr lang="en-ZA" dirty="0">
+                <a:solidFill>
+                  <a:schemeClr val="bg1"/>
+                </a:solidFill>
+              </a:rPr>
+              <a:t>Time of day</a:t>
+            </a:r>
           </a:p>
           <a:p>
             <a:pPr marL="285750" indent="-285750">
@@ -27680,11 +27679,17 @@
           <p:cNvGraphicFramePr>
             <a:graphicFrameLocks noGrp="1"/>
           </p:cNvGraphicFramePr>
-          <p:nvPr/>
+          <p:nvPr>
+            <p:extLst>
+              <p:ext uri="{D42A27DB-BD31-4B8C-83A1-F6EECF244321}">
+                <p14:modId xmlns:p14="http://schemas.microsoft.com/office/powerpoint/2010/main" val="2517606476"/>
+              </p:ext>
+            </p:extLst>
+          </p:nvPr>
         </p:nvGraphicFramePr>
         <p:xfrm>
-          <a:off x="1055330" y="2113487"/>
-          <a:ext cx="4693264" cy="741680"/>
+          <a:off x="1065161" y="1818519"/>
+          <a:ext cx="3998451" cy="741680"/>
         </p:xfrm>
         <a:graphic>
           <a:graphicData uri="http://schemas.openxmlformats.org/drawingml/2006/table">
@@ -27693,34 +27698,27 @@
                 <a:tableStyleId>{EB9631B5-78F2-41C9-869B-9F39066F8104}</a:tableStyleId>
               </a:tblPr>
               <a:tblGrid>
-                <a:gridCol w="1173316">
+                <a:gridCol w="1332817">
                   <a:extLst>
                     <a:ext uri="{9D8B030D-6E8A-4147-A177-3AD203B41FA5}">
                       <a16:colId xmlns:a16="http://schemas.microsoft.com/office/drawing/2014/main" val="3400634612"/>
                     </a:ext>
                   </a:extLst>
                 </a:gridCol>
-                <a:gridCol w="1173316">
+                <a:gridCol w="1332817">
                   <a:extLst>
                     <a:ext uri="{9D8B030D-6E8A-4147-A177-3AD203B41FA5}">
                       <a16:colId xmlns:a16="http://schemas.microsoft.com/office/drawing/2014/main" val="701412954"/>
                     </a:ext>
                   </a:extLst>
                 </a:gridCol>
-                <a:gridCol w="1173316">
+                <a:gridCol w="1332817">
                   <a:extLst>
                     <a:ext uri="{9D8B030D-6E8A-4147-A177-3AD203B41FA5}">
                       <a16:colId xmlns:a16="http://schemas.microsoft.com/office/drawing/2014/main" val="224371639"/>
                     </a:ext>
                   </a:extLst>
                 </a:gridCol>
-                <a:gridCol w="1173316">
-                  <a:extLst>
-                    <a:ext uri="{9D8B030D-6E8A-4147-A177-3AD203B41FA5}">
-                      <a16:colId xmlns:a16="http://schemas.microsoft.com/office/drawing/2014/main" val="3317639608"/>
-                    </a:ext>
-                  </a:extLst>
-                </a:gridCol>
               </a:tblGrid>
               <a:tr h="370840">
                 <a:tc>
@@ -27730,7 +27728,7 @@
                     <a:p>
                       <a:r>
                         <a:rPr lang="en-ZA" sz="1600" dirty="0"/>
-                        <a:t>Early</a:t>
+                        <a:t>Cold start</a:t>
                       </a:r>
                     </a:p>
                   </a:txBody>
@@ -27743,7 +27741,7 @@
                     <a:p>
                       <a:r>
                         <a:rPr lang="en-ZA" sz="1600" dirty="0"/>
-                        <a:t>Morning</a:t>
+                        <a:t>Semi Active</a:t>
                       </a:r>
                     </a:p>
                   </a:txBody>
@@ -27756,20 +27754,7 @@
                     <a:p>
                       <a:r>
                         <a:rPr lang="en-ZA" sz="1600" dirty="0"/>
-                        <a:t>Afternoon</a:t>
-                      </a:r>
-                    </a:p>
-                  </a:txBody>
-                  <a:tcPr/>
-                </a:tc>
-                <a:tc>
-                  <a:txBody>
-                    <a:bodyPr/>
-                    <a:lstStyle/>
-                    <a:p>
-                      <a:r>
-                        <a:rPr lang="en-ZA" sz="1600" dirty="0"/>
-                        <a:t>Evening</a:t>
+                        <a:t>Active</a:t>
                       </a:r>
                     </a:p>
                   </a:txBody>
@@ -27803,19 +27788,6 @@
                       <a:r>
                         <a:rPr lang="en-ZA" sz="1600" dirty="0"/>
                         <a:t>1</a:t>
-                      </a:r>
-                    </a:p>
-                  </a:txBody>
-                  <a:tcPr/>
-                </a:tc>
-                <a:tc>
-                  <a:txBody>
-                    <a:bodyPr/>
-                    <a:lstStyle/>
-                    <a:p>
-                      <a:r>
-                        <a:rPr lang="en-ZA" sz="1600" dirty="0"/>
-                        <a:t>0</a:t>
                       </a:r>
                     </a:p>
                   </a:txBody>
@@ -27847,7 +27819,7 @@
     </p:spTree>
     <p:extLst>
       <p:ext uri="{BB962C8B-B14F-4D97-AF65-F5344CB8AC3E}">
-        <p14:creationId xmlns:p14="http://schemas.microsoft.com/office/powerpoint/2010/main" val="1267132980"/>
+        <p14:creationId xmlns:p14="http://schemas.microsoft.com/office/powerpoint/2010/main" val="953317750"/>
       </p:ext>
     </p:extLst>
   </p:cSld>
@@ -27856,13 +27828,13 @@
   </p:clrMapOvr>
   <mc:AlternateContent xmlns:mc="http://schemas.openxmlformats.org/markup-compatibility/2006" xmlns:p14="http://schemas.microsoft.com/office/powerpoint/2010/main">
     <mc:Choice Requires="p14">
-      <p:transition p14:dur="100">
-        <p:cut/>
+      <p:transition spd="med" p14:dur="700">
+        <p:fade/>
       </p:transition>
     </mc:Choice>
     <mc:Fallback xmlns="">
-      <p:transition>
-        <p:cut/>
+      <p:transition spd="med">
+        <p:fade/>
       </p:transition>
     </mc:Fallback>
   </mc:AlternateContent>
@@ -28053,21 +28025,7 @@
                   <a:schemeClr val="bg1"/>
                 </a:solidFill>
               </a:rPr>
-              <a:t>Time of day </a:t>
-            </a:r>
-          </a:p>
-          <a:p>
-            <a:pPr marL="285750" indent="-285750">
-              <a:buFont typeface="Arial" panose="020B0604020202020204" pitchFamily="34" charset="0"/>
-              <a:buChar char="•"/>
-            </a:pPr>
-            <a:r>
-              <a:rPr lang="en-ZA" dirty="0">
-                <a:solidFill>
-                  <a:schemeClr val="bg1"/>
-                </a:solidFill>
-              </a:rPr>
-              <a:t>Most interacted item type:</a:t>
+              <a:t>Time of day :</a:t>
             </a:r>
           </a:p>
           <a:p>
@@ -28125,6 +28083,20 @@
                   <a:schemeClr val="bg1"/>
                 </a:solidFill>
               </a:rPr>
+              <a:t>Most interacted item type</a:t>
+            </a:r>
+          </a:p>
+          <a:p>
+            <a:pPr marL="285750" indent="-285750">
+              <a:buFont typeface="Arial" panose="020B0604020202020204" pitchFamily="34" charset="0"/>
+              <a:buChar char="•"/>
+            </a:pPr>
+            <a:r>
+              <a:rPr lang="en-ZA" dirty="0">
+                <a:solidFill>
+                  <a:schemeClr val="bg1"/>
+                </a:solidFill>
+              </a:rPr>
               <a:t>Most interacted item</a:t>
             </a:r>
           </a:p>
@@ -28195,27 +28167,21 @@
       </p:sp>
       <p:graphicFrame>
         <p:nvGraphicFramePr>
-          <p:cNvPr id="3" name="Table 2">
+          <p:cNvPr id="4" name="Table 3">
             <a:extLst>
               <a:ext uri="{FF2B5EF4-FFF2-40B4-BE49-F238E27FC236}">
-                <a16:creationId xmlns:a16="http://schemas.microsoft.com/office/drawing/2014/main" id="{D0E297A8-0FE5-EB8E-39DF-308D2C8DEFA4}"/>
+                <a16:creationId xmlns:a16="http://schemas.microsoft.com/office/drawing/2014/main" id="{D7B3C7A9-8A63-D447-C46A-4E2DDC810983}"/>
               </a:ext>
             </a:extLst>
           </p:cNvPr>
           <p:cNvGraphicFramePr>
             <a:graphicFrameLocks noGrp="1"/>
           </p:cNvGraphicFramePr>
-          <p:nvPr>
-            <p:extLst>
-              <p:ext uri="{D42A27DB-BD31-4B8C-83A1-F6EECF244321}">
-                <p14:modId xmlns:p14="http://schemas.microsoft.com/office/powerpoint/2010/main" val="451708208"/>
-              </p:ext>
-            </p:extLst>
-          </p:nvPr>
+          <p:nvPr/>
         </p:nvGraphicFramePr>
         <p:xfrm>
-          <a:off x="1055329" y="2369901"/>
-          <a:ext cx="7075950" cy="741680"/>
+          <a:off x="1055330" y="2113487"/>
+          <a:ext cx="4693264" cy="741680"/>
         </p:xfrm>
         <a:graphic>
           <a:graphicData uri="http://schemas.openxmlformats.org/drawingml/2006/table">
@@ -28224,48 +28190,34 @@
                 <a:tableStyleId>{EB9631B5-78F2-41C9-869B-9F39066F8104}</a:tableStyleId>
               </a:tblPr>
               <a:tblGrid>
-                <a:gridCol w="1179325">
+                <a:gridCol w="1173316">
                   <a:extLst>
                     <a:ext uri="{9D8B030D-6E8A-4147-A177-3AD203B41FA5}">
                       <a16:colId xmlns:a16="http://schemas.microsoft.com/office/drawing/2014/main" val="3400634612"/>
                     </a:ext>
                   </a:extLst>
                 </a:gridCol>
-                <a:gridCol w="1179325">
+                <a:gridCol w="1173316">
                   <a:extLst>
                     <a:ext uri="{9D8B030D-6E8A-4147-A177-3AD203B41FA5}">
                       <a16:colId xmlns:a16="http://schemas.microsoft.com/office/drawing/2014/main" val="701412954"/>
                     </a:ext>
                   </a:extLst>
                 </a:gridCol>
-                <a:gridCol w="1179325">
+                <a:gridCol w="1173316">
                   <a:extLst>
                     <a:ext uri="{9D8B030D-6E8A-4147-A177-3AD203B41FA5}">
                       <a16:colId xmlns:a16="http://schemas.microsoft.com/office/drawing/2014/main" val="224371639"/>
                     </a:ext>
                   </a:extLst>
                 </a:gridCol>
-                <a:gridCol w="1179325">
+                <a:gridCol w="1173316">
                   <a:extLst>
                     <a:ext uri="{9D8B030D-6E8A-4147-A177-3AD203B41FA5}">
                       <a16:colId xmlns:a16="http://schemas.microsoft.com/office/drawing/2014/main" val="3317639608"/>
                     </a:ext>
                   </a:extLst>
                 </a:gridCol>
-                <a:gridCol w="1179325">
-                  <a:extLst>
-                    <a:ext uri="{9D8B030D-6E8A-4147-A177-3AD203B41FA5}">
-                      <a16:colId xmlns:a16="http://schemas.microsoft.com/office/drawing/2014/main" val="2721267651"/>
-                    </a:ext>
-                  </a:extLst>
-                </a:gridCol>
-                <a:gridCol w="1179325">
-                  <a:extLst>
-                    <a:ext uri="{9D8B030D-6E8A-4147-A177-3AD203B41FA5}">
-                      <a16:colId xmlns:a16="http://schemas.microsoft.com/office/drawing/2014/main" val="1500200790"/>
-                    </a:ext>
-                  </a:extLst>
-                </a:gridCol>
               </a:tblGrid>
               <a:tr h="370840">
                 <a:tc>
@@ -28274,18 +28226,9 @@
                     <a:lstStyle/>
                     <a:p>
                       <a:r>
-                        <a:rPr lang="en-US" sz="1800" b="1" i="0" kern="1200" dirty="0">
-                          <a:solidFill>
-                            <a:schemeClr val="lt1"/>
-                          </a:solidFill>
-                          <a:effectLst/>
-                          <a:latin typeface="+mn-lt"/>
-                          <a:ea typeface="+mn-ea"/>
-                          <a:cs typeface="+mn-cs"/>
-                        </a:rPr>
-                        <a:t>INSURE</a:t>
-                      </a:r>
-                      <a:endParaRPr lang="en-ZA" sz="1600" b="1" dirty="0"/>
+                        <a:rPr lang="en-ZA" sz="1600" dirty="0"/>
+                        <a:t>Early</a:t>
+                      </a:r>
                     </a:p>
                   </a:txBody>
                   <a:tcPr/>
@@ -28296,18 +28239,9 @@
                     <a:lstStyle/>
                     <a:p>
                       <a:r>
-                        <a:rPr lang="en-US" sz="1600" b="1" i="0" kern="1200" dirty="0">
-                          <a:solidFill>
-                            <a:schemeClr val="lt1"/>
-                          </a:solidFill>
-                          <a:effectLst/>
-                          <a:latin typeface="+mn-lt"/>
-                          <a:ea typeface="+mn-ea"/>
-                          <a:cs typeface="+mn-cs"/>
-                        </a:rPr>
-                        <a:t>TRANSACT </a:t>
-                      </a:r>
-                      <a:endParaRPr lang="en-ZA" sz="1600" b="1" dirty="0"/>
+                        <a:rPr lang="en-ZA" sz="1600" dirty="0"/>
+                        <a:t>Morning</a:t>
+                      </a:r>
                     </a:p>
                   </a:txBody>
                   <a:tcPr/>
@@ -28318,18 +28252,9 @@
                     <a:lstStyle/>
                     <a:p>
                       <a:r>
-                        <a:rPr lang="en-US" sz="1600" b="1" i="0" kern="1200" dirty="0">
-                          <a:solidFill>
-                            <a:schemeClr val="lt1"/>
-                          </a:solidFill>
-                          <a:effectLst/>
-                          <a:latin typeface="+mn-lt"/>
-                          <a:ea typeface="+mn-ea"/>
-                          <a:cs typeface="+mn-cs"/>
-                        </a:rPr>
-                        <a:t>LEND</a:t>
-                      </a:r>
-                      <a:endParaRPr lang="en-ZA" sz="1600" b="1" dirty="0"/>
+                        <a:rPr lang="en-ZA" sz="1600" dirty="0"/>
+                        <a:t>Afternoon</a:t>
+                      </a:r>
                     </a:p>
                   </a:txBody>
                   <a:tcPr/>
@@ -28340,63 +28265,9 @@
                     <a:lstStyle/>
                     <a:p>
                       <a:r>
-                        <a:rPr lang="en-US" sz="1600" b="1" i="0" kern="1200" dirty="0">
-                          <a:solidFill>
-                            <a:schemeClr val="lt1"/>
-                          </a:solidFill>
-                          <a:effectLst/>
-                          <a:latin typeface="+mn-lt"/>
-                          <a:ea typeface="+mn-ea"/>
-                          <a:cs typeface="+mn-cs"/>
-                        </a:rPr>
-                        <a:t>INVEST</a:t>
-                      </a:r>
-                      <a:endParaRPr lang="en-ZA" sz="1600" b="1" dirty="0"/>
-                    </a:p>
-                  </a:txBody>
-                  <a:tcPr/>
-                </a:tc>
-                <a:tc>
-                  <a:txBody>
-                    <a:bodyPr/>
-                    <a:lstStyle/>
-                    <a:p>
-                      <a:r>
-                        <a:rPr lang="en-US" sz="1600" b="1" i="0" kern="1200" dirty="0">
-                          <a:solidFill>
-                            <a:schemeClr val="lt1"/>
-                          </a:solidFill>
-                          <a:effectLst/>
-                          <a:latin typeface="+mn-lt"/>
-                          <a:ea typeface="+mn-ea"/>
-                          <a:cs typeface="+mn-cs"/>
-                        </a:rPr>
-                        <a:t>LIFESTYLE</a:t>
-                      </a:r>
-                      <a:endParaRPr lang="en-ZA" sz="1600" b="1" dirty="0"/>
-                    </a:p>
-                  </a:txBody>
-                  <a:tcPr/>
-                </a:tc>
-                <a:tc>
-                  <a:txBody>
-                    <a:bodyPr/>
-                    <a:lstStyle/>
-                    <a:p>
-                      <a:pPr algn="l"/>
-                      <a:r>
-                        <a:rPr lang="en-US" sz="1600" b="1" i="0" kern="1200" dirty="0">
-                          <a:solidFill>
-                            <a:schemeClr val="lt1"/>
-                          </a:solidFill>
-                          <a:effectLst/>
-                          <a:latin typeface="+mn-lt"/>
-                          <a:ea typeface="+mn-ea"/>
-                          <a:cs typeface="+mn-cs"/>
-                        </a:rPr>
-                        <a:t>CONNECT</a:t>
-                      </a:r>
-                      <a:endParaRPr lang="en-ZA" sz="1600" b="1" dirty="0"/>
+                        <a:rPr lang="en-ZA" sz="1600" dirty="0"/>
+                        <a:t>Evening</a:t>
+                      </a:r>
                     </a:p>
                   </a:txBody>
                   <a:tcPr/>
@@ -28428,7 +28299,7 @@
                     <a:p>
                       <a:r>
                         <a:rPr lang="en-ZA" sz="1600" dirty="0"/>
-                        <a:t>0</a:t>
+                        <a:t>1</a:t>
                       </a:r>
                     </a:p>
                   </a:txBody>
@@ -28455,33 +28326,6 @@
                       <a:r>
                         <a:rPr lang="en-ZA" sz="1600" dirty="0"/>
                         <a:t>0</a:t>
-                      </a:r>
-                    </a:p>
-                  </a:txBody>
-                  <a:tcPr/>
-                </a:tc>
-                <a:tc>
-                  <a:txBody>
-                    <a:bodyPr/>
-                    <a:lstStyle/>
-                    <a:p>
-                      <a:r>
-                        <a:rPr lang="en-ZA" sz="1600" dirty="0"/>
-                        <a:t>0</a:t>
-                      </a:r>
-                    </a:p>
-                  </a:txBody>
-                  <a:tcPr/>
-                </a:tc>
-                <a:tc>
-                  <a:txBody>
-                    <a:bodyPr/>
-                    <a:lstStyle/>
-                    <a:p>
-                      <a:pPr algn="l"/>
-                      <a:r>
-                        <a:rPr lang="en-ZA" sz="1600" dirty="0"/>
-                        <a:t>1</a:t>
                       </a:r>
                     </a:p>
                   </a:txBody>
@@ -28500,7 +28344,7 @@
     </p:spTree>
     <p:extLst>
       <p:ext uri="{BB962C8B-B14F-4D97-AF65-F5344CB8AC3E}">
-        <p14:creationId xmlns:p14="http://schemas.microsoft.com/office/powerpoint/2010/main" val="2369026690"/>
+        <p14:creationId xmlns:p14="http://schemas.microsoft.com/office/powerpoint/2010/main" val="1267132980"/>
       </p:ext>
     </p:extLst>
   </p:cSld>
@@ -28720,6 +28564,659 @@
                   <a:schemeClr val="bg1"/>
                 </a:solidFill>
               </a:rPr>
+              <a:t>Most interacted item type:</a:t>
+            </a:r>
+          </a:p>
+          <a:p>
+            <a:pPr marL="285750" indent="-285750">
+              <a:buFont typeface="Arial" panose="020B0604020202020204" pitchFamily="34" charset="0"/>
+              <a:buChar char="•"/>
+            </a:pPr>
+            <a:endParaRPr lang="en-ZA" dirty="0">
+              <a:solidFill>
+                <a:schemeClr val="bg1"/>
+              </a:solidFill>
+            </a:endParaRPr>
+          </a:p>
+          <a:p>
+            <a:pPr marL="285750" indent="-285750">
+              <a:buFont typeface="Arial" panose="020B0604020202020204" pitchFamily="34" charset="0"/>
+              <a:buChar char="•"/>
+            </a:pPr>
+            <a:endParaRPr lang="en-ZA" dirty="0">
+              <a:solidFill>
+                <a:schemeClr val="bg1"/>
+              </a:solidFill>
+            </a:endParaRPr>
+          </a:p>
+          <a:p>
+            <a:pPr marL="285750" indent="-285750">
+              <a:buFont typeface="Arial" panose="020B0604020202020204" pitchFamily="34" charset="0"/>
+              <a:buChar char="•"/>
+            </a:pPr>
+            <a:endParaRPr lang="en-ZA" dirty="0">
+              <a:solidFill>
+                <a:schemeClr val="bg1"/>
+              </a:solidFill>
+            </a:endParaRPr>
+          </a:p>
+          <a:p>
+            <a:pPr marL="285750" indent="-285750">
+              <a:buFont typeface="Arial" panose="020B0604020202020204" pitchFamily="34" charset="0"/>
+              <a:buChar char="•"/>
+            </a:pPr>
+            <a:endParaRPr lang="en-ZA" dirty="0">
+              <a:solidFill>
+                <a:schemeClr val="bg1"/>
+              </a:solidFill>
+            </a:endParaRPr>
+          </a:p>
+          <a:p>
+            <a:pPr marL="285750" indent="-285750">
+              <a:buFont typeface="Arial" panose="020B0604020202020204" pitchFamily="34" charset="0"/>
+              <a:buChar char="•"/>
+            </a:pPr>
+            <a:r>
+              <a:rPr lang="en-ZA" dirty="0">
+                <a:solidFill>
+                  <a:schemeClr val="bg1"/>
+                </a:solidFill>
+              </a:rPr>
+              <a:t>Most interacted item</a:t>
+            </a:r>
+          </a:p>
+          <a:p>
+            <a:pPr marL="285750" indent="-285750">
+              <a:buFont typeface="Arial" panose="020B0604020202020204" pitchFamily="34" charset="0"/>
+              <a:buChar char="•"/>
+            </a:pPr>
+            <a:r>
+              <a:rPr lang="en-ZA" dirty="0">
+                <a:solidFill>
+                  <a:schemeClr val="bg1"/>
+                </a:solidFill>
+              </a:rPr>
+              <a:t>Activity score bin</a:t>
+            </a:r>
+          </a:p>
+          <a:p>
+            <a:pPr marL="285750" indent="-285750">
+              <a:buFont typeface="Arial" panose="020B0604020202020204" pitchFamily="34" charset="0"/>
+              <a:buChar char="•"/>
+            </a:pPr>
+            <a:r>
+              <a:rPr lang="en-ZA" dirty="0">
+                <a:solidFill>
+                  <a:schemeClr val="bg1"/>
+                </a:solidFill>
+              </a:rPr>
+              <a:t>Activity rate bin</a:t>
+            </a:r>
+          </a:p>
+          <a:p>
+            <a:pPr marL="285750" indent="-285750">
+              <a:buFont typeface="Arial" panose="020B0604020202020204" pitchFamily="34" charset="0"/>
+              <a:buChar char="•"/>
+            </a:pPr>
+            <a:r>
+              <a:rPr lang="en-ZA" dirty="0">
+                <a:solidFill>
+                  <a:schemeClr val="bg1"/>
+                </a:solidFill>
+              </a:rPr>
+              <a:t>Amount of interactions</a:t>
+            </a:r>
+          </a:p>
+          <a:p>
+            <a:pPr marL="285750" indent="-285750">
+              <a:buFont typeface="Arial" panose="020B0604020202020204" pitchFamily="34" charset="0"/>
+              <a:buChar char="•"/>
+            </a:pPr>
+            <a:r>
+              <a:rPr lang="en-ZA" dirty="0">
+                <a:solidFill>
+                  <a:schemeClr val="bg1"/>
+                </a:solidFill>
+              </a:rPr>
+              <a:t>Most frequent day of week interacted</a:t>
+            </a:r>
+          </a:p>
+          <a:p>
+            <a:pPr marL="285750" indent="-285750">
+              <a:buFont typeface="Arial" panose="020B0604020202020204" pitchFamily="34" charset="0"/>
+              <a:buChar char="•"/>
+            </a:pPr>
+            <a:endParaRPr lang="en-ZA" dirty="0"/>
+          </a:p>
+        </p:txBody>
+      </p:sp>
+      <p:graphicFrame>
+        <p:nvGraphicFramePr>
+          <p:cNvPr id="3" name="Table 2">
+            <a:extLst>
+              <a:ext uri="{FF2B5EF4-FFF2-40B4-BE49-F238E27FC236}">
+                <a16:creationId xmlns:a16="http://schemas.microsoft.com/office/drawing/2014/main" id="{D0E297A8-0FE5-EB8E-39DF-308D2C8DEFA4}"/>
+              </a:ext>
+            </a:extLst>
+          </p:cNvPr>
+          <p:cNvGraphicFramePr>
+            <a:graphicFrameLocks noGrp="1"/>
+          </p:cNvGraphicFramePr>
+          <p:nvPr>
+            <p:extLst>
+              <p:ext uri="{D42A27DB-BD31-4B8C-83A1-F6EECF244321}">
+                <p14:modId xmlns:p14="http://schemas.microsoft.com/office/powerpoint/2010/main" val="451708208"/>
+              </p:ext>
+            </p:extLst>
+          </p:nvPr>
+        </p:nvGraphicFramePr>
+        <p:xfrm>
+          <a:off x="1055329" y="2369901"/>
+          <a:ext cx="7075950" cy="741680"/>
+        </p:xfrm>
+        <a:graphic>
+          <a:graphicData uri="http://schemas.openxmlformats.org/drawingml/2006/table">
+            <a:tbl>
+              <a:tblPr firstRow="1" bandRow="1">
+                <a:tableStyleId>{EB9631B5-78F2-41C9-869B-9F39066F8104}</a:tableStyleId>
+              </a:tblPr>
+              <a:tblGrid>
+                <a:gridCol w="1179325">
+                  <a:extLst>
+                    <a:ext uri="{9D8B030D-6E8A-4147-A177-3AD203B41FA5}">
+                      <a16:colId xmlns:a16="http://schemas.microsoft.com/office/drawing/2014/main" val="3400634612"/>
+                    </a:ext>
+                  </a:extLst>
+                </a:gridCol>
+                <a:gridCol w="1179325">
+                  <a:extLst>
+                    <a:ext uri="{9D8B030D-6E8A-4147-A177-3AD203B41FA5}">
+                      <a16:colId xmlns:a16="http://schemas.microsoft.com/office/drawing/2014/main" val="701412954"/>
+                    </a:ext>
+                  </a:extLst>
+                </a:gridCol>
+                <a:gridCol w="1179325">
+                  <a:extLst>
+                    <a:ext uri="{9D8B030D-6E8A-4147-A177-3AD203B41FA5}">
+                      <a16:colId xmlns:a16="http://schemas.microsoft.com/office/drawing/2014/main" val="224371639"/>
+                    </a:ext>
+                  </a:extLst>
+                </a:gridCol>
+                <a:gridCol w="1179325">
+                  <a:extLst>
+                    <a:ext uri="{9D8B030D-6E8A-4147-A177-3AD203B41FA5}">
+                      <a16:colId xmlns:a16="http://schemas.microsoft.com/office/drawing/2014/main" val="3317639608"/>
+                    </a:ext>
+                  </a:extLst>
+                </a:gridCol>
+                <a:gridCol w="1179325">
+                  <a:extLst>
+                    <a:ext uri="{9D8B030D-6E8A-4147-A177-3AD203B41FA5}">
+                      <a16:colId xmlns:a16="http://schemas.microsoft.com/office/drawing/2014/main" val="2721267651"/>
+                    </a:ext>
+                  </a:extLst>
+                </a:gridCol>
+                <a:gridCol w="1179325">
+                  <a:extLst>
+                    <a:ext uri="{9D8B030D-6E8A-4147-A177-3AD203B41FA5}">
+                      <a16:colId xmlns:a16="http://schemas.microsoft.com/office/drawing/2014/main" val="1500200790"/>
+                    </a:ext>
+                  </a:extLst>
+                </a:gridCol>
+              </a:tblGrid>
+              <a:tr h="370840">
+                <a:tc>
+                  <a:txBody>
+                    <a:bodyPr/>
+                    <a:lstStyle/>
+                    <a:p>
+                      <a:r>
+                        <a:rPr lang="en-US" sz="1800" b="1" i="0" kern="1200" dirty="0">
+                          <a:solidFill>
+                            <a:schemeClr val="lt1"/>
+                          </a:solidFill>
+                          <a:effectLst/>
+                          <a:latin typeface="+mn-lt"/>
+                          <a:ea typeface="+mn-ea"/>
+                          <a:cs typeface="+mn-cs"/>
+                        </a:rPr>
+                        <a:t>INSURE</a:t>
+                      </a:r>
+                      <a:endParaRPr lang="en-ZA" sz="1600" b="1" dirty="0"/>
+                    </a:p>
+                  </a:txBody>
+                  <a:tcPr/>
+                </a:tc>
+                <a:tc>
+                  <a:txBody>
+                    <a:bodyPr/>
+                    <a:lstStyle/>
+                    <a:p>
+                      <a:r>
+                        <a:rPr lang="en-US" sz="1600" b="1" i="0" kern="1200" dirty="0">
+                          <a:solidFill>
+                            <a:schemeClr val="lt1"/>
+                          </a:solidFill>
+                          <a:effectLst/>
+                          <a:latin typeface="+mn-lt"/>
+                          <a:ea typeface="+mn-ea"/>
+                          <a:cs typeface="+mn-cs"/>
+                        </a:rPr>
+                        <a:t>TRANSACT </a:t>
+                      </a:r>
+                      <a:endParaRPr lang="en-ZA" sz="1600" b="1" dirty="0"/>
+                    </a:p>
+                  </a:txBody>
+                  <a:tcPr/>
+                </a:tc>
+                <a:tc>
+                  <a:txBody>
+                    <a:bodyPr/>
+                    <a:lstStyle/>
+                    <a:p>
+                      <a:r>
+                        <a:rPr lang="en-US" sz="1600" b="1" i="0" kern="1200" dirty="0">
+                          <a:solidFill>
+                            <a:schemeClr val="lt1"/>
+                          </a:solidFill>
+                          <a:effectLst/>
+                          <a:latin typeface="+mn-lt"/>
+                          <a:ea typeface="+mn-ea"/>
+                          <a:cs typeface="+mn-cs"/>
+                        </a:rPr>
+                        <a:t>LEND</a:t>
+                      </a:r>
+                      <a:endParaRPr lang="en-ZA" sz="1600" b="1" dirty="0"/>
+                    </a:p>
+                  </a:txBody>
+                  <a:tcPr/>
+                </a:tc>
+                <a:tc>
+                  <a:txBody>
+                    <a:bodyPr/>
+                    <a:lstStyle/>
+                    <a:p>
+                      <a:r>
+                        <a:rPr lang="en-US" sz="1600" b="1" i="0" kern="1200" dirty="0">
+                          <a:solidFill>
+                            <a:schemeClr val="lt1"/>
+                          </a:solidFill>
+                          <a:effectLst/>
+                          <a:latin typeface="+mn-lt"/>
+                          <a:ea typeface="+mn-ea"/>
+                          <a:cs typeface="+mn-cs"/>
+                        </a:rPr>
+                        <a:t>INVEST</a:t>
+                      </a:r>
+                      <a:endParaRPr lang="en-ZA" sz="1600" b="1" dirty="0"/>
+                    </a:p>
+                  </a:txBody>
+                  <a:tcPr/>
+                </a:tc>
+                <a:tc>
+                  <a:txBody>
+                    <a:bodyPr/>
+                    <a:lstStyle/>
+                    <a:p>
+                      <a:r>
+                        <a:rPr lang="en-US" sz="1600" b="1" i="0" kern="1200" dirty="0">
+                          <a:solidFill>
+                            <a:schemeClr val="lt1"/>
+                          </a:solidFill>
+                          <a:effectLst/>
+                          <a:latin typeface="+mn-lt"/>
+                          <a:ea typeface="+mn-ea"/>
+                          <a:cs typeface="+mn-cs"/>
+                        </a:rPr>
+                        <a:t>LIFESTYLE</a:t>
+                      </a:r>
+                      <a:endParaRPr lang="en-ZA" sz="1600" b="1" dirty="0"/>
+                    </a:p>
+                  </a:txBody>
+                  <a:tcPr/>
+                </a:tc>
+                <a:tc>
+                  <a:txBody>
+                    <a:bodyPr/>
+                    <a:lstStyle/>
+                    <a:p>
+                      <a:pPr algn="l"/>
+                      <a:r>
+                        <a:rPr lang="en-US" sz="1600" b="1" i="0" kern="1200" dirty="0">
+                          <a:solidFill>
+                            <a:schemeClr val="lt1"/>
+                          </a:solidFill>
+                          <a:effectLst/>
+                          <a:latin typeface="+mn-lt"/>
+                          <a:ea typeface="+mn-ea"/>
+                          <a:cs typeface="+mn-cs"/>
+                        </a:rPr>
+                        <a:t>CONNECT</a:t>
+                      </a:r>
+                      <a:endParaRPr lang="en-ZA" sz="1600" b="1" dirty="0"/>
+                    </a:p>
+                  </a:txBody>
+                  <a:tcPr/>
+                </a:tc>
+                <a:extLst>
+                  <a:ext uri="{0D108BD9-81ED-4DB2-BD59-A6C34878D82A}">
+                    <a16:rowId xmlns:a16="http://schemas.microsoft.com/office/drawing/2014/main" val="2245114912"/>
+                  </a:ext>
+                </a:extLst>
+              </a:tr>
+              <a:tr h="370840">
+                <a:tc>
+                  <a:txBody>
+                    <a:bodyPr/>
+                    <a:lstStyle/>
+                    <a:p>
+                      <a:r>
+                        <a:rPr lang="en-ZA" sz="1600" dirty="0"/>
+                        <a:t>0</a:t>
+                      </a:r>
+                    </a:p>
+                  </a:txBody>
+                  <a:tcPr/>
+                </a:tc>
+                <a:tc>
+                  <a:txBody>
+                    <a:bodyPr/>
+                    <a:lstStyle/>
+                    <a:p>
+                      <a:r>
+                        <a:rPr lang="en-ZA" sz="1600" dirty="0"/>
+                        <a:t>0</a:t>
+                      </a:r>
+                    </a:p>
+                  </a:txBody>
+                  <a:tcPr/>
+                </a:tc>
+                <a:tc>
+                  <a:txBody>
+                    <a:bodyPr/>
+                    <a:lstStyle/>
+                    <a:p>
+                      <a:r>
+                        <a:rPr lang="en-ZA" sz="1600" dirty="0"/>
+                        <a:t>0</a:t>
+                      </a:r>
+                    </a:p>
+                  </a:txBody>
+                  <a:tcPr/>
+                </a:tc>
+                <a:tc>
+                  <a:txBody>
+                    <a:bodyPr/>
+                    <a:lstStyle/>
+                    <a:p>
+                      <a:r>
+                        <a:rPr lang="en-ZA" sz="1600" dirty="0"/>
+                        <a:t>0</a:t>
+                      </a:r>
+                    </a:p>
+                  </a:txBody>
+                  <a:tcPr/>
+                </a:tc>
+                <a:tc>
+                  <a:txBody>
+                    <a:bodyPr/>
+                    <a:lstStyle/>
+                    <a:p>
+                      <a:r>
+                        <a:rPr lang="en-ZA" sz="1600" dirty="0"/>
+                        <a:t>0</a:t>
+                      </a:r>
+                    </a:p>
+                  </a:txBody>
+                  <a:tcPr/>
+                </a:tc>
+                <a:tc>
+                  <a:txBody>
+                    <a:bodyPr/>
+                    <a:lstStyle/>
+                    <a:p>
+                      <a:pPr algn="l"/>
+                      <a:r>
+                        <a:rPr lang="en-ZA" sz="1600" dirty="0"/>
+                        <a:t>1</a:t>
+                      </a:r>
+                    </a:p>
+                  </a:txBody>
+                  <a:tcPr/>
+                </a:tc>
+                <a:extLst>
+                  <a:ext uri="{0D108BD9-81ED-4DB2-BD59-A6C34878D82A}">
+                    <a16:rowId xmlns:a16="http://schemas.microsoft.com/office/drawing/2014/main" val="294810486"/>
+                  </a:ext>
+                </a:extLst>
+              </a:tr>
+            </a:tbl>
+          </a:graphicData>
+        </a:graphic>
+      </p:graphicFrame>
+    </p:spTree>
+    <p:extLst>
+      <p:ext uri="{BB962C8B-B14F-4D97-AF65-F5344CB8AC3E}">
+        <p14:creationId xmlns:p14="http://schemas.microsoft.com/office/powerpoint/2010/main" val="2369026690"/>
+      </p:ext>
+    </p:extLst>
+  </p:cSld>
+  <p:clrMapOvr>
+    <a:masterClrMapping/>
+  </p:clrMapOvr>
+  <mc:AlternateContent xmlns:mc="http://schemas.openxmlformats.org/markup-compatibility/2006" xmlns:p14="http://schemas.microsoft.com/office/powerpoint/2010/main">
+    <mc:Choice Requires="p14">
+      <p:transition p14:dur="100">
+        <p:cut/>
+      </p:transition>
+    </mc:Choice>
+    <mc:Fallback xmlns="">
+      <p:transition>
+        <p:cut/>
+      </p:transition>
+    </mc:Fallback>
+  </mc:AlternateContent>
+</p:sld>
+</file>
+
+<file path=ppt/slides/slide33.xml><?xml version="1.0" encoding="utf-8"?>
+<p:sld xmlns:a="http://schemas.openxmlformats.org/drawingml/2006/main" xmlns:r="http://schemas.openxmlformats.org/officeDocument/2006/relationships" xmlns:p="http://schemas.openxmlformats.org/presentationml/2006/main">
+  <p:cSld>
+    <p:bg>
+      <p:bgPr>
+        <a:blipFill dpi="0" rotWithShape="1">
+          <a:blip r:embed="rId2">
+            <a:extLst>
+              <a:ext uri="{BEBA8EAE-BF5A-486C-A8C5-ECC9F3942E4B}">
+                <a14:imgProps xmlns:a14="http://schemas.microsoft.com/office/drawing/2010/main">
+                  <a14:imgLayer r:embed="rId3">
+                    <a14:imgEffect>
+                      <a14:brightnessContrast bright="-20000"/>
+                    </a14:imgEffect>
+                  </a14:imgLayer>
+                </a14:imgProps>
+              </a:ext>
+            </a:extLst>
+          </a:blip>
+          <a:srcRect/>
+          <a:stretch>
+            <a:fillRect l="-9000" t="-39000" b="-11000"/>
+          </a:stretch>
+        </a:blipFill>
+        <a:effectLst/>
+      </p:bgPr>
+    </p:bg>
+    <p:spTree>
+      <p:nvGrpSpPr>
+        <p:cNvPr id="1" name=""/>
+        <p:cNvGrpSpPr/>
+        <p:nvPr/>
+      </p:nvGrpSpPr>
+      <p:grpSpPr>
+        <a:xfrm>
+          <a:off x="0" y="0"/>
+          <a:ext cx="0" cy="0"/>
+          <a:chOff x="0" y="0"/>
+          <a:chExt cx="0" cy="0"/>
+        </a:xfrm>
+      </p:grpSpPr>
+      <p:sp>
+        <p:nvSpPr>
+          <p:cNvPr id="8" name="TextBox 7">
+            <a:extLst>
+              <a:ext uri="{FF2B5EF4-FFF2-40B4-BE49-F238E27FC236}">
+                <a16:creationId xmlns:a16="http://schemas.microsoft.com/office/drawing/2014/main" id="{C0882B99-1574-09ED-8ED5-42D1D668A3BD}"/>
+              </a:ext>
+            </a:extLst>
+          </p:cNvPr>
+          <p:cNvSpPr txBox="1"/>
+          <p:nvPr/>
+        </p:nvSpPr>
+        <p:spPr>
+          <a:xfrm>
+            <a:off x="275303" y="211620"/>
+            <a:ext cx="6096000" cy="461665"/>
+          </a:xfrm>
+          <a:prstGeom prst="rect">
+            <a:avLst/>
+          </a:prstGeom>
+          <a:noFill/>
+        </p:spPr>
+        <p:txBody>
+          <a:bodyPr wrap="square">
+            <a:spAutoFit/>
+          </a:bodyPr>
+          <a:lstStyle/>
+          <a:p>
+            <a:pPr marR="0" lvl="0" algn="l" defTabSz="914400" rtl="0" eaLnBrk="1" fontAlgn="auto" latinLnBrk="0" hangingPunct="1">
+              <a:lnSpc>
+                <a:spcPct val="100000"/>
+              </a:lnSpc>
+              <a:spcBef>
+                <a:spcPts val="0"/>
+              </a:spcBef>
+              <a:spcAft>
+                <a:spcPts val="0"/>
+              </a:spcAft>
+              <a:buClrTx/>
+              <a:buSzTx/>
+              <a:tabLst/>
+              <a:defRPr/>
+            </a:pPr>
+            <a:r>
+              <a:rPr kumimoji="0" lang="en-ZA" sz="2400" b="1" i="0" u="none" strike="noStrike" kern="1200" cap="none" spc="0" normalizeH="0" baseline="0" noProof="0" dirty="0">
+                <a:ln>
+                  <a:noFill/>
+                </a:ln>
+                <a:solidFill>
+                  <a:prstClr val="white"/>
+                </a:solidFill>
+                <a:effectLst/>
+                <a:uLnTx/>
+                <a:uFillTx/>
+                <a:latin typeface="Aptos" panose="02110004020202020204"/>
+                <a:ea typeface="+mn-ea"/>
+                <a:cs typeface="+mn-cs"/>
+              </a:rPr>
+              <a:t>2. User Features</a:t>
+            </a:r>
+          </a:p>
+        </p:txBody>
+      </p:sp>
+      <p:sp>
+        <p:nvSpPr>
+          <p:cNvPr id="2" name="TextBox 1">
+            <a:extLst>
+              <a:ext uri="{FF2B5EF4-FFF2-40B4-BE49-F238E27FC236}">
+                <a16:creationId xmlns:a16="http://schemas.microsoft.com/office/drawing/2014/main" id="{36536420-2259-FDCB-A3D7-C1AD14ED1FC9}"/>
+              </a:ext>
+            </a:extLst>
+          </p:cNvPr>
+          <p:cNvSpPr txBox="1"/>
+          <p:nvPr/>
+        </p:nvSpPr>
+        <p:spPr>
+          <a:xfrm>
+            <a:off x="688257" y="807287"/>
+            <a:ext cx="9429135" cy="4247317"/>
+          </a:xfrm>
+          <a:prstGeom prst="rect">
+            <a:avLst/>
+          </a:prstGeom>
+          <a:noFill/>
+        </p:spPr>
+        <p:txBody>
+          <a:bodyPr wrap="square">
+            <a:spAutoFit/>
+          </a:bodyPr>
+          <a:lstStyle/>
+          <a:p>
+            <a:pPr marL="285750" indent="-285750">
+              <a:buFont typeface="Arial" panose="020B0604020202020204" pitchFamily="34" charset="0"/>
+              <a:buChar char="•"/>
+            </a:pPr>
+            <a:r>
+              <a:rPr lang="en-ZA" dirty="0">
+                <a:solidFill>
+                  <a:schemeClr val="bg1"/>
+                </a:solidFill>
+              </a:rPr>
+              <a:t>Income Segment</a:t>
+            </a:r>
+          </a:p>
+          <a:p>
+            <a:pPr marL="285750" indent="-285750">
+              <a:buFont typeface="Arial" panose="020B0604020202020204" pitchFamily="34" charset="0"/>
+              <a:buChar char="•"/>
+            </a:pPr>
+            <a:r>
+              <a:rPr lang="en-ZA" dirty="0">
+                <a:solidFill>
+                  <a:schemeClr val="bg1"/>
+                </a:solidFill>
+              </a:rPr>
+              <a:t>Behavioural segment</a:t>
+            </a:r>
+          </a:p>
+          <a:p>
+            <a:pPr marL="285750" indent="-285750">
+              <a:buFont typeface="Arial" panose="020B0604020202020204" pitchFamily="34" charset="0"/>
+              <a:buChar char="•"/>
+            </a:pPr>
+            <a:r>
+              <a:rPr lang="en-ZA" dirty="0">
+                <a:solidFill>
+                  <a:schemeClr val="bg1"/>
+                </a:solidFill>
+              </a:rPr>
+              <a:t>Activity index</a:t>
+            </a:r>
+          </a:p>
+          <a:p>
+            <a:pPr marL="285750" indent="-285750">
+              <a:buFont typeface="Arial" panose="020B0604020202020204" pitchFamily="34" charset="0"/>
+              <a:buChar char="•"/>
+            </a:pPr>
+            <a:r>
+              <a:rPr lang="en-ZA" dirty="0">
+                <a:solidFill>
+                  <a:schemeClr val="bg1"/>
+                </a:solidFill>
+              </a:rPr>
+              <a:t>Time of day </a:t>
+            </a:r>
+          </a:p>
+          <a:p>
+            <a:pPr marL="285750" indent="-285750">
+              <a:buFont typeface="Arial" panose="020B0604020202020204" pitchFamily="34" charset="0"/>
+              <a:buChar char="•"/>
+            </a:pPr>
+            <a:r>
+              <a:rPr lang="en-ZA" dirty="0">
+                <a:solidFill>
+                  <a:schemeClr val="bg1"/>
+                </a:solidFill>
+              </a:rPr>
               <a:t>Most interacted item type</a:t>
             </a:r>
           </a:p>
@@ -29231,7 +29728,7 @@
 </p:sld>
 </file>
 
-<file path=ppt/slides/slide33.xml><?xml version="1.0" encoding="utf-8"?>
+<file path=ppt/slides/slide34.xml><?xml version="1.0" encoding="utf-8"?>
 <p:sld xmlns:a="http://schemas.openxmlformats.org/drawingml/2006/main" xmlns:r="http://schemas.openxmlformats.org/officeDocument/2006/relationships" xmlns:p="http://schemas.openxmlformats.org/presentationml/2006/main">
   <p:cSld>
     <p:bg>
@@ -30810,7 +31307,7 @@
 </p:sld>
 </file>
 
-<file path=ppt/slides/slide34.xml><?xml version="1.0" encoding="utf-8"?>
+<file path=ppt/slides/slide35.xml><?xml version="1.0" encoding="utf-8"?>
 <p:sld xmlns:a="http://schemas.openxmlformats.org/drawingml/2006/main" xmlns:r="http://schemas.openxmlformats.org/officeDocument/2006/relationships" xmlns:p="http://schemas.openxmlformats.org/presentationml/2006/main">
   <p:cSld>
     <p:bg>
@@ -31418,7 +31915,7 @@
 </p:sld>
 </file>
 
-<file path=ppt/slides/slide35.xml><?xml version="1.0" encoding="utf-8"?>
+<file path=ppt/slides/slide36.xml><?xml version="1.0" encoding="utf-8"?>
 <p:sld xmlns:a="http://schemas.openxmlformats.org/drawingml/2006/main" xmlns:r="http://schemas.openxmlformats.org/officeDocument/2006/relationships" xmlns:p="http://schemas.openxmlformats.org/presentationml/2006/main">
   <p:cSld>
     <p:bg>
@@ -31709,7 +32206,7 @@
 </p:sld>
 </file>
 
-<file path=ppt/slides/slide36.xml><?xml version="1.0" encoding="utf-8"?>
+<file path=ppt/slides/slide37.xml><?xml version="1.0" encoding="utf-8"?>
 <p:sld xmlns:a="http://schemas.openxmlformats.org/drawingml/2006/main" xmlns:r="http://schemas.openxmlformats.org/officeDocument/2006/relationships" xmlns:p="http://schemas.openxmlformats.org/presentationml/2006/main">
   <p:cSld>
     <p:bg>
@@ -31985,220 +32482,6 @@
     <p:extLst>
       <p:ext uri="{BB962C8B-B14F-4D97-AF65-F5344CB8AC3E}">
         <p14:creationId xmlns:p14="http://schemas.microsoft.com/office/powerpoint/2010/main" val="270213799"/>
-      </p:ext>
-    </p:extLst>
-  </p:cSld>
-  <p:clrMapOvr>
-    <a:masterClrMapping/>
-  </p:clrMapOvr>
-  <mc:AlternateContent xmlns:mc="http://schemas.openxmlformats.org/markup-compatibility/2006" xmlns:p159="http://schemas.microsoft.com/office/powerpoint/2015/09/main">
-    <mc:Choice Requires="p159">
-      <p:transition xmlns:p14="http://schemas.microsoft.com/office/powerpoint/2010/main" spd="slow" p14:dur="2000">
-        <p159:morph option="byObject"/>
-      </p:transition>
-    </mc:Choice>
-    <mc:Fallback xmlns="">
-      <p:transition spd="slow">
-        <p:fade/>
-      </p:transition>
-    </mc:Fallback>
-  </mc:AlternateContent>
-</p:sld>
-</file>
-
-<file path=ppt/slides/slide37.xml><?xml version="1.0" encoding="utf-8"?>
-<p:sld xmlns:a="http://schemas.openxmlformats.org/drawingml/2006/main" xmlns:r="http://schemas.openxmlformats.org/officeDocument/2006/relationships" xmlns:p="http://schemas.openxmlformats.org/presentationml/2006/main">
-  <p:cSld>
-    <p:bg>
-      <p:bgPr>
-        <a:blipFill dpi="0" rotWithShape="1">
-          <a:blip r:embed="rId2">
-            <a:extLst>
-              <a:ext uri="{BEBA8EAE-BF5A-486C-A8C5-ECC9F3942E4B}">
-                <a14:imgProps xmlns:a14="http://schemas.microsoft.com/office/drawing/2010/main">
-                  <a14:imgLayer r:embed="rId3">
-                    <a14:imgEffect>
-                      <a14:brightnessContrast bright="-20000"/>
-                    </a14:imgEffect>
-                  </a14:imgLayer>
-                </a14:imgProps>
-              </a:ext>
-            </a:extLst>
-          </a:blip>
-          <a:srcRect/>
-          <a:stretch>
-            <a:fillRect l="-9000" t="-39000" b="-11000"/>
-          </a:stretch>
-        </a:blipFill>
-        <a:effectLst/>
-      </p:bgPr>
-    </p:bg>
-    <p:spTree>
-      <p:nvGrpSpPr>
-        <p:cNvPr id="1" name=""/>
-        <p:cNvGrpSpPr/>
-        <p:nvPr/>
-      </p:nvGrpSpPr>
-      <p:grpSpPr>
-        <a:xfrm>
-          <a:off x="0" y="0"/>
-          <a:ext cx="0" cy="0"/>
-          <a:chOff x="0" y="0"/>
-          <a:chExt cx="0" cy="0"/>
-        </a:xfrm>
-      </p:grpSpPr>
-      <p:sp>
-        <p:nvSpPr>
-          <p:cNvPr id="10" name="TextBox 9">
-            <a:extLst>
-              <a:ext uri="{FF2B5EF4-FFF2-40B4-BE49-F238E27FC236}">
-                <a16:creationId xmlns:a16="http://schemas.microsoft.com/office/drawing/2014/main" id="{23CF3E7A-ECD7-7CD8-E2D4-C69062F5E0B5}"/>
-              </a:ext>
-            </a:extLst>
-          </p:cNvPr>
-          <p:cNvSpPr txBox="1"/>
-          <p:nvPr/>
-        </p:nvSpPr>
-        <p:spPr>
-          <a:xfrm>
-            <a:off x="235974" y="181672"/>
-            <a:ext cx="6096000" cy="461665"/>
-          </a:xfrm>
-          <a:prstGeom prst="rect">
-            <a:avLst/>
-          </a:prstGeom>
-          <a:noFill/>
-        </p:spPr>
-        <p:txBody>
-          <a:bodyPr wrap="square">
-            <a:spAutoFit/>
-          </a:bodyPr>
-          <a:lstStyle/>
-          <a:p>
-            <a:pPr marR="0" lvl="0" algn="l" defTabSz="914400" rtl="0" eaLnBrk="1" fontAlgn="auto" latinLnBrk="0" hangingPunct="1">
-              <a:lnSpc>
-                <a:spcPct val="100000"/>
-              </a:lnSpc>
-              <a:spcBef>
-                <a:spcPts val="0"/>
-              </a:spcBef>
-              <a:spcAft>
-                <a:spcPts val="0"/>
-              </a:spcAft>
-              <a:buClrTx/>
-              <a:buSzTx/>
-              <a:tabLst/>
-              <a:defRPr/>
-            </a:pPr>
-            <a:r>
-              <a:rPr kumimoji="0" lang="en-ZA" sz="2400" b="1" i="0" u="none" strike="noStrike" kern="1200" cap="none" spc="0" normalizeH="0" baseline="0" noProof="0" dirty="0">
-                <a:ln>
-                  <a:noFill/>
-                </a:ln>
-                <a:solidFill>
-                  <a:prstClr val="white"/>
-                </a:solidFill>
-                <a:effectLst/>
-                <a:uLnTx/>
-                <a:uFillTx/>
-                <a:latin typeface="Aptos" panose="02110004020202020204"/>
-                <a:ea typeface="+mn-ea"/>
-                <a:cs typeface="+mn-cs"/>
-              </a:rPr>
-              <a:t>3. Item features</a:t>
-            </a:r>
-            <a:endParaRPr kumimoji="0" lang="en-ZA" sz="1800" b="0" i="0" u="none" strike="noStrike" kern="1200" cap="none" spc="0" normalizeH="0" baseline="0" noProof="0" dirty="0">
-              <a:ln>
-                <a:noFill/>
-              </a:ln>
-              <a:solidFill>
-                <a:prstClr val="white"/>
-              </a:solidFill>
-              <a:effectLst/>
-              <a:uLnTx/>
-              <a:uFillTx/>
-              <a:latin typeface="Aptos" panose="02110004020202020204"/>
-              <a:ea typeface="+mn-ea"/>
-              <a:cs typeface="+mn-cs"/>
-            </a:endParaRPr>
-          </a:p>
-        </p:txBody>
-      </p:sp>
-      <p:sp>
-        <p:nvSpPr>
-          <p:cNvPr id="3" name="TextBox 2">
-            <a:extLst>
-              <a:ext uri="{FF2B5EF4-FFF2-40B4-BE49-F238E27FC236}">
-                <a16:creationId xmlns:a16="http://schemas.microsoft.com/office/drawing/2014/main" id="{BF6288A0-0DCE-A954-D203-697CFCF9752E}"/>
-              </a:ext>
-            </a:extLst>
-          </p:cNvPr>
-          <p:cNvSpPr txBox="1"/>
-          <p:nvPr/>
-        </p:nvSpPr>
-        <p:spPr>
-          <a:xfrm>
-            <a:off x="304800" y="752448"/>
-            <a:ext cx="6096000" cy="923330"/>
-          </a:xfrm>
-          <a:prstGeom prst="rect">
-            <a:avLst/>
-          </a:prstGeom>
-          <a:noFill/>
-        </p:spPr>
-        <p:txBody>
-          <a:bodyPr wrap="square">
-            <a:spAutoFit/>
-          </a:bodyPr>
-          <a:lstStyle/>
-          <a:p>
-            <a:pPr marL="285750" indent="-285750">
-              <a:buFont typeface="Arial" panose="020B0604020202020204" pitchFamily="34" charset="0"/>
-              <a:buChar char="•"/>
-            </a:pPr>
-            <a:r>
-              <a:rPr lang="en-ZA" dirty="0">
-                <a:solidFill>
-                  <a:schemeClr val="bg1"/>
-                </a:solidFill>
-              </a:rPr>
-              <a:t>Item type</a:t>
-            </a:r>
-          </a:p>
-          <a:p>
-            <a:pPr marL="285750" indent="-285750">
-              <a:buFont typeface="Arial" panose="020B0604020202020204" pitchFamily="34" charset="0"/>
-              <a:buChar char="•"/>
-            </a:pPr>
-            <a:r>
-              <a:rPr lang="en-ZA" dirty="0">
-                <a:solidFill>
-                  <a:schemeClr val="bg1"/>
-                </a:solidFill>
-              </a:rPr>
-              <a:t>Most frequent day interacted on</a:t>
-            </a:r>
-          </a:p>
-          <a:p>
-            <a:pPr marL="285750" indent="-285750">
-              <a:buFont typeface="Arial" panose="020B0604020202020204" pitchFamily="34" charset="0"/>
-              <a:buChar char="•"/>
-            </a:pPr>
-            <a:r>
-              <a:rPr lang="en-ZA" dirty="0">
-                <a:solidFill>
-                  <a:schemeClr val="bg1"/>
-                </a:solidFill>
-              </a:rPr>
-              <a:t>Amount of unique users bin</a:t>
-            </a:r>
-          </a:p>
-        </p:txBody>
-      </p:sp>
-    </p:spTree>
-    <p:extLst>
-      <p:ext uri="{BB962C8B-B14F-4D97-AF65-F5344CB8AC3E}">
-        <p14:creationId xmlns:p14="http://schemas.microsoft.com/office/powerpoint/2010/main" val="2224103638"/>
       </p:ext>
     </p:extLst>
   </p:cSld>
@@ -32353,7 +32636,7 @@
         <p:spPr>
           <a:xfrm>
             <a:off x="304800" y="752448"/>
-            <a:ext cx="6096000" cy="2031325"/>
+            <a:ext cx="6096000" cy="923330"/>
           </a:xfrm>
           <a:prstGeom prst="rect">
             <a:avLst/>
@@ -32376,41 +32659,8 @@
                   <a:schemeClr val="bg1"/>
                 </a:solidFill>
               </a:rPr>
-              <a:t>Item type:</a:t>
-            </a:r>
-          </a:p>
-          <a:p>
-            <a:pPr marL="285750" indent="-285750">
-              <a:buFont typeface="Arial" panose="020B0604020202020204" pitchFamily="34" charset="0"/>
-              <a:buChar char="•"/>
-            </a:pPr>
-            <a:endParaRPr lang="en-ZA" dirty="0">
-              <a:solidFill>
-                <a:schemeClr val="bg1"/>
-              </a:solidFill>
-            </a:endParaRPr>
-          </a:p>
-          <a:p>
-            <a:pPr marL="285750" indent="-285750">
-              <a:buFont typeface="Arial" panose="020B0604020202020204" pitchFamily="34" charset="0"/>
-              <a:buChar char="•"/>
-            </a:pPr>
-            <a:endParaRPr lang="en-ZA" dirty="0">
-              <a:solidFill>
-                <a:schemeClr val="bg1"/>
-              </a:solidFill>
-            </a:endParaRPr>
-          </a:p>
-          <a:p>
-            <a:pPr marL="285750" indent="-285750">
-              <a:buFont typeface="Arial" panose="020B0604020202020204" pitchFamily="34" charset="0"/>
-              <a:buChar char="•"/>
-            </a:pPr>
-            <a:endParaRPr lang="en-ZA" dirty="0">
-              <a:solidFill>
-                <a:schemeClr val="bg1"/>
-              </a:solidFill>
-            </a:endParaRPr>
+              <a:t>Item type</a:t>
+            </a:r>
           </a:p>
           <a:p>
             <a:pPr marL="285750" indent="-285750">
@@ -32437,324 +32687,15 @@
                   <a:schemeClr val="bg1"/>
                 </a:solidFill>
               </a:rPr>
-              <a:t>Amount of unique users</a:t>
-            </a:r>
-          </a:p>
-          <a:p>
-            <a:pPr marL="285750" indent="-285750">
-              <a:buFont typeface="Arial" panose="020B0604020202020204" pitchFamily="34" charset="0"/>
-              <a:buChar char="•"/>
-            </a:pPr>
-            <a:endParaRPr lang="en-ZA" dirty="0">
-              <a:solidFill>
-                <a:schemeClr val="bg1"/>
-              </a:solidFill>
-            </a:endParaRPr>
+              <a:t>Amount of unique users bin</a:t>
+            </a:r>
           </a:p>
         </p:txBody>
       </p:sp>
-      <p:graphicFrame>
-        <p:nvGraphicFramePr>
-          <p:cNvPr id="2" name="Table 1">
-            <a:extLst>
-              <a:ext uri="{FF2B5EF4-FFF2-40B4-BE49-F238E27FC236}">
-                <a16:creationId xmlns:a16="http://schemas.microsoft.com/office/drawing/2014/main" id="{53833DAA-A7DB-F45A-C952-C7A56FD4C60F}"/>
-              </a:ext>
-            </a:extLst>
-          </p:cNvPr>
-          <p:cNvGraphicFramePr>
-            <a:graphicFrameLocks noGrp="1"/>
-          </p:cNvGraphicFramePr>
-          <p:nvPr/>
-        </p:nvGraphicFramePr>
-        <p:xfrm>
-          <a:off x="652207" y="1120272"/>
-          <a:ext cx="7075950" cy="741680"/>
-        </p:xfrm>
-        <a:graphic>
-          <a:graphicData uri="http://schemas.openxmlformats.org/drawingml/2006/table">
-            <a:tbl>
-              <a:tblPr firstRow="1" bandRow="1">
-                <a:tableStyleId>{EB9631B5-78F2-41C9-869B-9F39066F8104}</a:tableStyleId>
-              </a:tblPr>
-              <a:tblGrid>
-                <a:gridCol w="1179325">
-                  <a:extLst>
-                    <a:ext uri="{9D8B030D-6E8A-4147-A177-3AD203B41FA5}">
-                      <a16:colId xmlns:a16="http://schemas.microsoft.com/office/drawing/2014/main" val="3400634612"/>
-                    </a:ext>
-                  </a:extLst>
-                </a:gridCol>
-                <a:gridCol w="1179325">
-                  <a:extLst>
-                    <a:ext uri="{9D8B030D-6E8A-4147-A177-3AD203B41FA5}">
-                      <a16:colId xmlns:a16="http://schemas.microsoft.com/office/drawing/2014/main" val="701412954"/>
-                    </a:ext>
-                  </a:extLst>
-                </a:gridCol>
-                <a:gridCol w="1179325">
-                  <a:extLst>
-                    <a:ext uri="{9D8B030D-6E8A-4147-A177-3AD203B41FA5}">
-                      <a16:colId xmlns:a16="http://schemas.microsoft.com/office/drawing/2014/main" val="224371639"/>
-                    </a:ext>
-                  </a:extLst>
-                </a:gridCol>
-                <a:gridCol w="1179325">
-                  <a:extLst>
-                    <a:ext uri="{9D8B030D-6E8A-4147-A177-3AD203B41FA5}">
-                      <a16:colId xmlns:a16="http://schemas.microsoft.com/office/drawing/2014/main" val="3317639608"/>
-                    </a:ext>
-                  </a:extLst>
-                </a:gridCol>
-                <a:gridCol w="1179325">
-                  <a:extLst>
-                    <a:ext uri="{9D8B030D-6E8A-4147-A177-3AD203B41FA5}">
-                      <a16:colId xmlns:a16="http://schemas.microsoft.com/office/drawing/2014/main" val="2721267651"/>
-                    </a:ext>
-                  </a:extLst>
-                </a:gridCol>
-                <a:gridCol w="1179325">
-                  <a:extLst>
-                    <a:ext uri="{9D8B030D-6E8A-4147-A177-3AD203B41FA5}">
-                      <a16:colId xmlns:a16="http://schemas.microsoft.com/office/drawing/2014/main" val="1500200790"/>
-                    </a:ext>
-                  </a:extLst>
-                </a:gridCol>
-              </a:tblGrid>
-              <a:tr h="370840">
-                <a:tc>
-                  <a:txBody>
-                    <a:bodyPr/>
-                    <a:lstStyle/>
-                    <a:p>
-                      <a:r>
-                        <a:rPr lang="en-US" sz="1800" b="1" i="0" kern="1200" dirty="0">
-                          <a:solidFill>
-                            <a:schemeClr val="lt1"/>
-                          </a:solidFill>
-                          <a:effectLst/>
-                          <a:latin typeface="+mn-lt"/>
-                          <a:ea typeface="+mn-ea"/>
-                          <a:cs typeface="+mn-cs"/>
-                        </a:rPr>
-                        <a:t>INSURE</a:t>
-                      </a:r>
-                      <a:endParaRPr lang="en-ZA" sz="1600" b="1" dirty="0"/>
-                    </a:p>
-                  </a:txBody>
-                  <a:tcPr/>
-                </a:tc>
-                <a:tc>
-                  <a:txBody>
-                    <a:bodyPr/>
-                    <a:lstStyle/>
-                    <a:p>
-                      <a:r>
-                        <a:rPr lang="en-US" sz="1600" b="1" i="0" kern="1200" dirty="0">
-                          <a:solidFill>
-                            <a:schemeClr val="lt1"/>
-                          </a:solidFill>
-                          <a:effectLst/>
-                          <a:latin typeface="+mn-lt"/>
-                          <a:ea typeface="+mn-ea"/>
-                          <a:cs typeface="+mn-cs"/>
-                        </a:rPr>
-                        <a:t>TRANSACT </a:t>
-                      </a:r>
-                      <a:endParaRPr lang="en-ZA" sz="1600" b="1" dirty="0"/>
-                    </a:p>
-                  </a:txBody>
-                  <a:tcPr/>
-                </a:tc>
-                <a:tc>
-                  <a:txBody>
-                    <a:bodyPr/>
-                    <a:lstStyle/>
-                    <a:p>
-                      <a:r>
-                        <a:rPr lang="en-US" sz="1600" b="1" i="0" kern="1200" dirty="0">
-                          <a:solidFill>
-                            <a:schemeClr val="lt1"/>
-                          </a:solidFill>
-                          <a:effectLst/>
-                          <a:latin typeface="+mn-lt"/>
-                          <a:ea typeface="+mn-ea"/>
-                          <a:cs typeface="+mn-cs"/>
-                        </a:rPr>
-                        <a:t>LEND</a:t>
-                      </a:r>
-                      <a:endParaRPr lang="en-ZA" sz="1600" b="1" dirty="0"/>
-                    </a:p>
-                  </a:txBody>
-                  <a:tcPr/>
-                </a:tc>
-                <a:tc>
-                  <a:txBody>
-                    <a:bodyPr/>
-                    <a:lstStyle/>
-                    <a:p>
-                      <a:r>
-                        <a:rPr lang="en-US" sz="1600" b="1" i="0" kern="1200" dirty="0">
-                          <a:solidFill>
-                            <a:schemeClr val="lt1"/>
-                          </a:solidFill>
-                          <a:effectLst/>
-                          <a:latin typeface="+mn-lt"/>
-                          <a:ea typeface="+mn-ea"/>
-                          <a:cs typeface="+mn-cs"/>
-                        </a:rPr>
-                        <a:t>INVEST</a:t>
-                      </a:r>
-                      <a:endParaRPr lang="en-ZA" sz="1600" b="1" dirty="0"/>
-                    </a:p>
-                  </a:txBody>
-                  <a:tcPr/>
-                </a:tc>
-                <a:tc>
-                  <a:txBody>
-                    <a:bodyPr/>
-                    <a:lstStyle/>
-                    <a:p>
-                      <a:r>
-                        <a:rPr lang="en-US" sz="1600" b="1" i="0" kern="1200" dirty="0">
-                          <a:solidFill>
-                            <a:schemeClr val="lt1"/>
-                          </a:solidFill>
-                          <a:effectLst/>
-                          <a:latin typeface="+mn-lt"/>
-                          <a:ea typeface="+mn-ea"/>
-                          <a:cs typeface="+mn-cs"/>
-                        </a:rPr>
-                        <a:t>LIFESTYLE</a:t>
-                      </a:r>
-                      <a:endParaRPr lang="en-ZA" sz="1600" b="1" dirty="0"/>
-                    </a:p>
-                  </a:txBody>
-                  <a:tcPr/>
-                </a:tc>
-                <a:tc>
-                  <a:txBody>
-                    <a:bodyPr/>
-                    <a:lstStyle/>
-                    <a:p>
-                      <a:pPr algn="l"/>
-                      <a:r>
-                        <a:rPr lang="en-US" sz="1600" b="1" i="0" kern="1200" dirty="0">
-                          <a:solidFill>
-                            <a:schemeClr val="lt1"/>
-                          </a:solidFill>
-                          <a:effectLst/>
-                          <a:latin typeface="+mn-lt"/>
-                          <a:ea typeface="+mn-ea"/>
-                          <a:cs typeface="+mn-cs"/>
-                        </a:rPr>
-                        <a:t>CONNECT</a:t>
-                      </a:r>
-                      <a:endParaRPr lang="en-ZA" sz="1600" b="1" dirty="0"/>
-                    </a:p>
-                  </a:txBody>
-                  <a:tcPr/>
-                </a:tc>
-                <a:extLst>
-                  <a:ext uri="{0D108BD9-81ED-4DB2-BD59-A6C34878D82A}">
-                    <a16:rowId xmlns:a16="http://schemas.microsoft.com/office/drawing/2014/main" val="2245114912"/>
-                  </a:ext>
-                </a:extLst>
-              </a:tr>
-              <a:tr h="370840">
-                <a:tc>
-                  <a:txBody>
-                    <a:bodyPr/>
-                    <a:lstStyle/>
-                    <a:p>
-                      <a:r>
-                        <a:rPr lang="en-ZA" sz="1600" dirty="0"/>
-                        <a:t>0</a:t>
-                      </a:r>
-                    </a:p>
-                  </a:txBody>
-                  <a:tcPr/>
-                </a:tc>
-                <a:tc>
-                  <a:txBody>
-                    <a:bodyPr/>
-                    <a:lstStyle/>
-                    <a:p>
-                      <a:r>
-                        <a:rPr lang="en-ZA" sz="1600" dirty="0"/>
-                        <a:t>0</a:t>
-                      </a:r>
-                    </a:p>
-                  </a:txBody>
-                  <a:tcPr/>
-                </a:tc>
-                <a:tc>
-                  <a:txBody>
-                    <a:bodyPr/>
-                    <a:lstStyle/>
-                    <a:p>
-                      <a:r>
-                        <a:rPr lang="en-ZA" sz="1600" dirty="0"/>
-                        <a:t>0</a:t>
-                      </a:r>
-                    </a:p>
-                  </a:txBody>
-                  <a:tcPr/>
-                </a:tc>
-                <a:tc>
-                  <a:txBody>
-                    <a:bodyPr/>
-                    <a:lstStyle/>
-                    <a:p>
-                      <a:r>
-                        <a:rPr lang="en-ZA" sz="1600" dirty="0"/>
-                        <a:t>0</a:t>
-                      </a:r>
-                    </a:p>
-                  </a:txBody>
-                  <a:tcPr/>
-                </a:tc>
-                <a:tc>
-                  <a:txBody>
-                    <a:bodyPr/>
-                    <a:lstStyle/>
-                    <a:p>
-                      <a:r>
-                        <a:rPr lang="en-ZA" sz="1600" dirty="0"/>
-                        <a:t>0</a:t>
-                      </a:r>
-                    </a:p>
-                  </a:txBody>
-                  <a:tcPr/>
-                </a:tc>
-                <a:tc>
-                  <a:txBody>
-                    <a:bodyPr/>
-                    <a:lstStyle/>
-                    <a:p>
-                      <a:pPr algn="l"/>
-                      <a:r>
-                        <a:rPr lang="en-ZA" sz="1600" dirty="0"/>
-                        <a:t>1</a:t>
-                      </a:r>
-                    </a:p>
-                  </a:txBody>
-                  <a:tcPr/>
-                </a:tc>
-                <a:extLst>
-                  <a:ext uri="{0D108BD9-81ED-4DB2-BD59-A6C34878D82A}">
-                    <a16:rowId xmlns:a16="http://schemas.microsoft.com/office/drawing/2014/main" val="294810486"/>
-                  </a:ext>
-                </a:extLst>
-              </a:tr>
-            </a:tbl>
-          </a:graphicData>
-        </a:graphic>
-      </p:graphicFrame>
     </p:spTree>
     <p:extLst>
       <p:ext uri="{BB962C8B-B14F-4D97-AF65-F5344CB8AC3E}">
-        <p14:creationId xmlns:p14="http://schemas.microsoft.com/office/powerpoint/2010/main" val="784048404"/>
+        <p14:creationId xmlns:p14="http://schemas.microsoft.com/office/powerpoint/2010/main" val="2224103638"/>
       </p:ext>
     </p:extLst>
   </p:cSld>
@@ -32932,21 +32873,7 @@
                   <a:schemeClr val="bg1"/>
                 </a:solidFill>
               </a:rPr>
-              <a:t>Item type</a:t>
-            </a:r>
-          </a:p>
-          <a:p>
-            <a:pPr marL="285750" indent="-285750">
-              <a:buFont typeface="Arial" panose="020B0604020202020204" pitchFamily="34" charset="0"/>
-              <a:buChar char="•"/>
-            </a:pPr>
-            <a:r>
-              <a:rPr lang="en-ZA" dirty="0">
-                <a:solidFill>
-                  <a:schemeClr val="bg1"/>
-                </a:solidFill>
-              </a:rPr>
-              <a:t>Most frequent day interacted on:</a:t>
+              <a:t>Item type:</a:t>
             </a:r>
           </a:p>
           <a:p>
@@ -32987,11 +32914,14 @@
               <a:buFont typeface="Arial" panose="020B0604020202020204" pitchFamily="34" charset="0"/>
               <a:buChar char="•"/>
             </a:pPr>
-            <a:endParaRPr lang="en-ZA" dirty="0">
-              <a:solidFill>
-                <a:schemeClr val="bg1"/>
-              </a:solidFill>
-            </a:endParaRPr>
+            <a:r>
+              <a:rPr lang="en-ZA" dirty="0">
+                <a:solidFill>
+                  <a:schemeClr val="bg1"/>
+                </a:solidFill>
+              </a:rPr>
+              <a:t>Most frequent day interacted on</a:t>
+            </a:r>
           </a:p>
           <a:p>
             <a:pPr marL="285750" indent="-285750">
@@ -33007,31 +32937,36 @@
               <a:t>Amount of unique users</a:t>
             </a:r>
           </a:p>
+          <a:p>
+            <a:pPr marL="285750" indent="-285750">
+              <a:buFont typeface="Arial" panose="020B0604020202020204" pitchFamily="34" charset="0"/>
+              <a:buChar char="•"/>
+            </a:pPr>
+            <a:endParaRPr lang="en-ZA" dirty="0">
+              <a:solidFill>
+                <a:schemeClr val="bg1"/>
+              </a:solidFill>
+            </a:endParaRPr>
+          </a:p>
         </p:txBody>
       </p:sp>
       <p:graphicFrame>
         <p:nvGraphicFramePr>
-          <p:cNvPr id="4" name="Table 3">
+          <p:cNvPr id="2" name="Table 1">
             <a:extLst>
               <a:ext uri="{FF2B5EF4-FFF2-40B4-BE49-F238E27FC236}">
-                <a16:creationId xmlns:a16="http://schemas.microsoft.com/office/drawing/2014/main" id="{B3320DAF-154E-BD64-3146-F21A31416485}"/>
+                <a16:creationId xmlns:a16="http://schemas.microsoft.com/office/drawing/2014/main" id="{53833DAA-A7DB-F45A-C952-C7A56FD4C60F}"/>
               </a:ext>
             </a:extLst>
           </p:cNvPr>
           <p:cNvGraphicFramePr>
             <a:graphicFrameLocks noGrp="1"/>
           </p:cNvGraphicFramePr>
-          <p:nvPr>
-            <p:extLst>
-              <p:ext uri="{D42A27DB-BD31-4B8C-83A1-F6EECF244321}">
-                <p14:modId xmlns:p14="http://schemas.microsoft.com/office/powerpoint/2010/main" val="1735747866"/>
-              </p:ext>
-            </p:extLst>
-          </p:nvPr>
+          <p:nvPr/>
         </p:nvGraphicFramePr>
         <p:xfrm>
-          <a:off x="694812" y="1505159"/>
-          <a:ext cx="5512619" cy="741680"/>
+          <a:off x="652207" y="1120272"/>
+          <a:ext cx="7075950" cy="741680"/>
         </p:xfrm>
         <a:graphic>
           <a:graphicData uri="http://schemas.openxmlformats.org/drawingml/2006/table">
@@ -33040,55 +32975,48 @@
                 <a:tableStyleId>{EB9631B5-78F2-41C9-869B-9F39066F8104}</a:tableStyleId>
               </a:tblPr>
               <a:tblGrid>
-                <a:gridCol w="787517">
+                <a:gridCol w="1179325">
                   <a:extLst>
                     <a:ext uri="{9D8B030D-6E8A-4147-A177-3AD203B41FA5}">
                       <a16:colId xmlns:a16="http://schemas.microsoft.com/office/drawing/2014/main" val="3400634612"/>
                     </a:ext>
                   </a:extLst>
                 </a:gridCol>
-                <a:gridCol w="787517">
+                <a:gridCol w="1179325">
                   <a:extLst>
                     <a:ext uri="{9D8B030D-6E8A-4147-A177-3AD203B41FA5}">
                       <a16:colId xmlns:a16="http://schemas.microsoft.com/office/drawing/2014/main" val="701412954"/>
                     </a:ext>
                   </a:extLst>
                 </a:gridCol>
-                <a:gridCol w="787517">
+                <a:gridCol w="1179325">
                   <a:extLst>
                     <a:ext uri="{9D8B030D-6E8A-4147-A177-3AD203B41FA5}">
                       <a16:colId xmlns:a16="http://schemas.microsoft.com/office/drawing/2014/main" val="224371639"/>
                     </a:ext>
                   </a:extLst>
                 </a:gridCol>
-                <a:gridCol w="787517">
+                <a:gridCol w="1179325">
                   <a:extLst>
                     <a:ext uri="{9D8B030D-6E8A-4147-A177-3AD203B41FA5}">
                       <a16:colId xmlns:a16="http://schemas.microsoft.com/office/drawing/2014/main" val="3317639608"/>
                     </a:ext>
                   </a:extLst>
                 </a:gridCol>
-                <a:gridCol w="787517">
+                <a:gridCol w="1179325">
                   <a:extLst>
                     <a:ext uri="{9D8B030D-6E8A-4147-A177-3AD203B41FA5}">
                       <a16:colId xmlns:a16="http://schemas.microsoft.com/office/drawing/2014/main" val="2721267651"/>
                     </a:ext>
                   </a:extLst>
                 </a:gridCol>
-                <a:gridCol w="787517">
+                <a:gridCol w="1179325">
                   <a:extLst>
                     <a:ext uri="{9D8B030D-6E8A-4147-A177-3AD203B41FA5}">
                       <a16:colId xmlns:a16="http://schemas.microsoft.com/office/drawing/2014/main" val="1500200790"/>
                     </a:ext>
                   </a:extLst>
                 </a:gridCol>
-                <a:gridCol w="787517">
-                  <a:extLst>
-                    <a:ext uri="{9D8B030D-6E8A-4147-A177-3AD203B41FA5}">
-                      <a16:colId xmlns:a16="http://schemas.microsoft.com/office/drawing/2014/main" val="461007544"/>
-                    </a:ext>
-                  </a:extLst>
-                </a:gridCol>
               </a:tblGrid>
               <a:tr h="370840">
                 <a:tc>
@@ -33097,7 +33025,7 @@
                     <a:lstStyle/>
                     <a:p>
                       <a:r>
-                        <a:rPr lang="en-ZA" sz="1800" b="1" i="0" kern="1200" dirty="0">
+                        <a:rPr lang="en-US" sz="1800" b="1" i="0" kern="1200" dirty="0">
                           <a:solidFill>
                             <a:schemeClr val="lt1"/>
                           </a:solidFill>
@@ -33106,7 +33034,7 @@
                           <a:ea typeface="+mn-ea"/>
                           <a:cs typeface="+mn-cs"/>
                         </a:rPr>
-                        <a:t>Mon</a:t>
+                        <a:t>INSURE</a:t>
                       </a:r>
                       <a:endParaRPr lang="en-ZA" sz="1600" b="1" dirty="0"/>
                     </a:p>
@@ -33128,7 +33056,7 @@
                           <a:ea typeface="+mn-ea"/>
                           <a:cs typeface="+mn-cs"/>
                         </a:rPr>
-                        <a:t>Tue </a:t>
+                        <a:t>TRANSACT </a:t>
                       </a:r>
                       <a:endParaRPr lang="en-ZA" sz="1600" b="1" dirty="0"/>
                     </a:p>
@@ -33141,9 +33069,18 @@
                     <a:lstStyle/>
                     <a:p>
                       <a:r>
-                        <a:rPr lang="en-ZA" sz="1600" b="1" dirty="0"/>
-                        <a:t>Wed</a:t>
-                      </a:r>
+                        <a:rPr lang="en-US" sz="1600" b="1" i="0" kern="1200" dirty="0">
+                          <a:solidFill>
+                            <a:schemeClr val="lt1"/>
+                          </a:solidFill>
+                          <a:effectLst/>
+                          <a:latin typeface="+mn-lt"/>
+                          <a:ea typeface="+mn-ea"/>
+                          <a:cs typeface="+mn-cs"/>
+                        </a:rPr>
+                        <a:t>LEND</a:t>
+                      </a:r>
+                      <a:endParaRPr lang="en-ZA" sz="1600" b="1" dirty="0"/>
                     </a:p>
                   </a:txBody>
                   <a:tcPr/>
@@ -33154,9 +33091,18 @@
                     <a:lstStyle/>
                     <a:p>
                       <a:r>
-                        <a:rPr lang="en-ZA" sz="1600" b="1" dirty="0"/>
-                        <a:t>Thu</a:t>
-                      </a:r>
+                        <a:rPr lang="en-US" sz="1600" b="1" i="0" kern="1200" dirty="0">
+                          <a:solidFill>
+                            <a:schemeClr val="lt1"/>
+                          </a:solidFill>
+                          <a:effectLst/>
+                          <a:latin typeface="+mn-lt"/>
+                          <a:ea typeface="+mn-ea"/>
+                          <a:cs typeface="+mn-cs"/>
+                        </a:rPr>
+                        <a:t>INVEST</a:t>
+                      </a:r>
+                      <a:endParaRPr lang="en-ZA" sz="1600" b="1" dirty="0"/>
                     </a:p>
                   </a:txBody>
                   <a:tcPr/>
@@ -33167,9 +33113,18 @@
                     <a:lstStyle/>
                     <a:p>
                       <a:r>
-                        <a:rPr lang="en-ZA" sz="1600" b="1" dirty="0"/>
-                        <a:t>Fri</a:t>
-                      </a:r>
+                        <a:rPr lang="en-US" sz="1600" b="1" i="0" kern="1200" dirty="0">
+                          <a:solidFill>
+                            <a:schemeClr val="lt1"/>
+                          </a:solidFill>
+                          <a:effectLst/>
+                          <a:latin typeface="+mn-lt"/>
+                          <a:ea typeface="+mn-ea"/>
+                          <a:cs typeface="+mn-cs"/>
+                        </a:rPr>
+                        <a:t>LIFESTYLE</a:t>
+                      </a:r>
+                      <a:endParaRPr lang="en-ZA" sz="1600" b="1" dirty="0"/>
                     </a:p>
                   </a:txBody>
                   <a:tcPr/>
@@ -33181,23 +33136,18 @@
                     <a:p>
                       <a:pPr algn="l"/>
                       <a:r>
-                        <a:rPr lang="en-ZA" sz="1600" b="1" dirty="0"/>
-                        <a:t>Sat</a:t>
-                      </a:r>
-                    </a:p>
-                  </a:txBody>
-                  <a:tcPr/>
-                </a:tc>
-                <a:tc>
-                  <a:txBody>
-                    <a:bodyPr/>
-                    <a:lstStyle/>
-                    <a:p>
-                      <a:pPr algn="l"/>
-                      <a:r>
-                        <a:rPr lang="en-ZA" sz="1600" b="1" dirty="0"/>
-                        <a:t>Sun</a:t>
-                      </a:r>
+                        <a:rPr lang="en-US" sz="1600" b="1" i="0" kern="1200" dirty="0">
+                          <a:solidFill>
+                            <a:schemeClr val="lt1"/>
+                          </a:solidFill>
+                          <a:effectLst/>
+                          <a:latin typeface="+mn-lt"/>
+                          <a:ea typeface="+mn-ea"/>
+                          <a:cs typeface="+mn-cs"/>
+                        </a:rPr>
+                        <a:t>CONNECT</a:t>
+                      </a:r>
+                      <a:endParaRPr lang="en-ZA" sz="1600" b="1" dirty="0"/>
                     </a:p>
                   </a:txBody>
                   <a:tcPr/>
@@ -33283,20 +33233,6 @@
                       <a:r>
                         <a:rPr lang="en-ZA" sz="1600" dirty="0"/>
                         <a:t>1</a:t>
-                      </a:r>
-                    </a:p>
-                  </a:txBody>
-                  <a:tcPr/>
-                </a:tc>
-                <a:tc>
-                  <a:txBody>
-                    <a:bodyPr/>
-                    <a:lstStyle/>
-                    <a:p>
-                      <a:pPr algn="l"/>
-                      <a:r>
-                        <a:rPr lang="en-ZA" sz="1600" dirty="0"/>
-                        <a:t>0</a:t>
                       </a:r>
                     </a:p>
                   </a:txBody>
@@ -33315,7 +33251,7 @@
     </p:spTree>
     <p:extLst>
       <p:ext uri="{BB962C8B-B14F-4D97-AF65-F5344CB8AC3E}">
-        <p14:creationId xmlns:p14="http://schemas.microsoft.com/office/powerpoint/2010/main" val="2011482338"/>
+        <p14:creationId xmlns:p14="http://schemas.microsoft.com/office/powerpoint/2010/main" val="784048404"/>
       </p:ext>
     </p:extLst>
   </p:cSld>
@@ -33670,7 +33606,7 @@
         <p:spPr>
           <a:xfrm>
             <a:off x="304800" y="752448"/>
-            <a:ext cx="6096000" cy="923330"/>
+            <a:ext cx="6096000" cy="2031325"/>
           </a:xfrm>
           <a:prstGeom prst="rect">
             <a:avLst/>
@@ -33715,6 +33651,50 @@
               <a:buFont typeface="Arial" panose="020B0604020202020204" pitchFamily="34" charset="0"/>
               <a:buChar char="•"/>
             </a:pPr>
+            <a:endParaRPr lang="en-ZA" dirty="0">
+              <a:solidFill>
+                <a:schemeClr val="bg1"/>
+              </a:solidFill>
+            </a:endParaRPr>
+          </a:p>
+          <a:p>
+            <a:pPr marL="285750" indent="-285750">
+              <a:buFont typeface="Arial" panose="020B0604020202020204" pitchFamily="34" charset="0"/>
+              <a:buChar char="•"/>
+            </a:pPr>
+            <a:endParaRPr lang="en-ZA" dirty="0">
+              <a:solidFill>
+                <a:schemeClr val="bg1"/>
+              </a:solidFill>
+            </a:endParaRPr>
+          </a:p>
+          <a:p>
+            <a:pPr marL="285750" indent="-285750">
+              <a:buFont typeface="Arial" panose="020B0604020202020204" pitchFamily="34" charset="0"/>
+              <a:buChar char="•"/>
+            </a:pPr>
+            <a:endParaRPr lang="en-ZA" dirty="0">
+              <a:solidFill>
+                <a:schemeClr val="bg1"/>
+              </a:solidFill>
+            </a:endParaRPr>
+          </a:p>
+          <a:p>
+            <a:pPr marL="285750" indent="-285750">
+              <a:buFont typeface="Arial" panose="020B0604020202020204" pitchFamily="34" charset="0"/>
+              <a:buChar char="•"/>
+            </a:pPr>
+            <a:endParaRPr lang="en-ZA" dirty="0">
+              <a:solidFill>
+                <a:schemeClr val="bg1"/>
+              </a:solidFill>
+            </a:endParaRPr>
+          </a:p>
+          <a:p>
+            <a:pPr marL="285750" indent="-285750">
+              <a:buFont typeface="Arial" panose="020B0604020202020204" pitchFamily="34" charset="0"/>
+              <a:buChar char="•"/>
+            </a:pPr>
             <a:r>
               <a:rPr lang="en-ZA" dirty="0">
                 <a:solidFill>
@@ -33728,10 +33708,10 @@
       </p:sp>
       <p:graphicFrame>
         <p:nvGraphicFramePr>
-          <p:cNvPr id="2" name="Table 1">
+          <p:cNvPr id="4" name="Table 3">
             <a:extLst>
               <a:ext uri="{FF2B5EF4-FFF2-40B4-BE49-F238E27FC236}">
-                <a16:creationId xmlns:a16="http://schemas.microsoft.com/office/drawing/2014/main" id="{CFEE1B6C-D330-AD53-E4ED-1E829BC87353}"/>
+                <a16:creationId xmlns:a16="http://schemas.microsoft.com/office/drawing/2014/main" id="{B3320DAF-154E-BD64-3146-F21A31416485}"/>
               </a:ext>
             </a:extLst>
           </p:cNvPr>
@@ -33741,13 +33721,13 @@
           <p:nvPr>
             <p:extLst>
               <p:ext uri="{D42A27DB-BD31-4B8C-83A1-F6EECF244321}">
-                <p14:modId xmlns:p14="http://schemas.microsoft.com/office/powerpoint/2010/main" val="1035052119"/>
+                <p14:modId xmlns:p14="http://schemas.microsoft.com/office/powerpoint/2010/main" val="1735747866"/>
               </p:ext>
             </p:extLst>
           </p:nvPr>
         </p:nvGraphicFramePr>
         <p:xfrm>
-          <a:off x="688259" y="1784889"/>
+          <a:off x="694812" y="1505159"/>
           <a:ext cx="5512619" cy="741680"/>
         </p:xfrm>
         <a:graphic>
@@ -33823,7 +33803,7 @@
                           <a:ea typeface="+mn-ea"/>
                           <a:cs typeface="+mn-cs"/>
                         </a:rPr>
-                        <a:t>Bin 1</a:t>
+                        <a:t>Mon</a:t>
                       </a:r>
                       <a:endParaRPr lang="en-ZA" sz="1600" b="1" dirty="0"/>
                     </a:p>
@@ -33835,18 +33815,6 @@
                     <a:bodyPr/>
                     <a:lstStyle/>
                     <a:p>
-                      <a:r>
-                        <a:rPr lang="en-ZA" sz="1600" b="1" i="0" kern="1200" dirty="0">
-                          <a:solidFill>
-                            <a:schemeClr val="lt1"/>
-                          </a:solidFill>
-                          <a:effectLst/>
-                          <a:latin typeface="+mn-lt"/>
-                          <a:ea typeface="+mn-ea"/>
-                          <a:cs typeface="+mn-cs"/>
-                        </a:rPr>
-                        <a:t>Bin 2</a:t>
-                      </a:r>
                       <a:r>
                         <a:rPr lang="en-US" sz="1600" b="1" i="0" kern="1200" dirty="0">
                           <a:solidFill>
@@ -33857,7 +33825,7 @@
                           <a:ea typeface="+mn-ea"/>
                           <a:cs typeface="+mn-cs"/>
                         </a:rPr>
-                        <a:t> </a:t>
+                        <a:t>Tue </a:t>
                       </a:r>
                       <a:endParaRPr lang="en-ZA" sz="1600" b="1" dirty="0"/>
                     </a:p>
@@ -33870,18 +33838,9 @@
                     <a:lstStyle/>
                     <a:p>
                       <a:r>
-                        <a:rPr lang="en-ZA" sz="1600" b="1" i="0" kern="1200" dirty="0">
-                          <a:solidFill>
-                            <a:schemeClr val="lt1"/>
-                          </a:solidFill>
-                          <a:effectLst/>
-                          <a:latin typeface="+mn-lt"/>
-                          <a:ea typeface="+mn-ea"/>
-                          <a:cs typeface="+mn-cs"/>
-                        </a:rPr>
-                        <a:t>Bin 3</a:t>
-                      </a:r>
-                      <a:endParaRPr lang="en-ZA" sz="1600" b="1" dirty="0"/>
+                        <a:rPr lang="en-ZA" sz="1600" b="1" dirty="0"/>
+                        <a:t>Wed</a:t>
+                      </a:r>
                     </a:p>
                   </a:txBody>
                   <a:tcPr/>
@@ -33892,18 +33851,9 @@
                     <a:lstStyle/>
                     <a:p>
                       <a:r>
-                        <a:rPr lang="en-ZA" sz="1600" b="1" i="0" kern="1200" dirty="0">
-                          <a:solidFill>
-                            <a:schemeClr val="lt1"/>
-                          </a:solidFill>
-                          <a:effectLst/>
-                          <a:latin typeface="+mn-lt"/>
-                          <a:ea typeface="+mn-ea"/>
-                          <a:cs typeface="+mn-cs"/>
-                        </a:rPr>
-                        <a:t>Bin 4</a:t>
-                      </a:r>
-                      <a:endParaRPr lang="en-ZA" sz="1600" b="1" dirty="0"/>
+                        <a:rPr lang="en-ZA" sz="1600" b="1" dirty="0"/>
+                        <a:t>Thu</a:t>
+                      </a:r>
                     </a:p>
                   </a:txBody>
                   <a:tcPr/>
@@ -33914,18 +33864,9 @@
                     <a:lstStyle/>
                     <a:p>
                       <a:r>
-                        <a:rPr lang="en-ZA" sz="1600" b="1" i="0" kern="1200" dirty="0">
-                          <a:solidFill>
-                            <a:schemeClr val="lt1"/>
-                          </a:solidFill>
-                          <a:effectLst/>
-                          <a:latin typeface="+mn-lt"/>
-                          <a:ea typeface="+mn-ea"/>
-                          <a:cs typeface="+mn-cs"/>
-                        </a:rPr>
-                        <a:t>Bin 5</a:t>
-                      </a:r>
-                      <a:endParaRPr lang="en-ZA" sz="1600" b="1" dirty="0"/>
+                        <a:rPr lang="en-ZA" sz="1600" b="1" dirty="0"/>
+                        <a:t>Fri</a:t>
+                      </a:r>
                     </a:p>
                   </a:txBody>
                   <a:tcPr/>
@@ -33937,18 +33878,9 @@
                     <a:p>
                       <a:pPr algn="l"/>
                       <a:r>
-                        <a:rPr lang="en-US" sz="1600" b="1" i="0" kern="1200" dirty="0">
-                          <a:solidFill>
-                            <a:schemeClr val="lt1"/>
-                          </a:solidFill>
-                          <a:effectLst/>
-                          <a:latin typeface="+mn-lt"/>
-                          <a:ea typeface="+mn-ea"/>
-                          <a:cs typeface="+mn-cs"/>
-                        </a:rPr>
-                        <a:t>. . .</a:t>
-                      </a:r>
-                      <a:endParaRPr lang="en-ZA" sz="1600" b="1" dirty="0"/>
+                        <a:rPr lang="en-ZA" sz="1600" b="1" dirty="0"/>
+                        <a:t>Sat</a:t>
+                      </a:r>
                     </a:p>
                   </a:txBody>
                   <a:tcPr/>
@@ -33960,18 +33892,9 @@
                     <a:p>
                       <a:pPr algn="l"/>
                       <a:r>
-                        <a:rPr lang="en-ZA" sz="1800" b="1" i="0" kern="1200" dirty="0">
-                          <a:solidFill>
-                            <a:schemeClr val="lt1"/>
-                          </a:solidFill>
-                          <a:effectLst/>
-                          <a:latin typeface="+mn-lt"/>
-                          <a:ea typeface="+mn-ea"/>
-                          <a:cs typeface="+mn-cs"/>
-                        </a:rPr>
-                        <a:t>Bin x</a:t>
-                      </a:r>
-                      <a:endParaRPr lang="en-ZA" sz="1600" b="1" dirty="0"/>
+                        <a:rPr lang="en-ZA" sz="1600" b="1" dirty="0"/>
+                        <a:t>Sun</a:t>
+                      </a:r>
                     </a:p>
                   </a:txBody>
                   <a:tcPr/>
@@ -34029,7 +33952,7 @@
                     <a:p>
                       <a:r>
                         <a:rPr lang="en-ZA" sz="1600" dirty="0"/>
-                        <a:t>1</a:t>
+                        <a:t>0</a:t>
                       </a:r>
                     </a:p>
                   </a:txBody>
@@ -34056,7 +33979,7 @@
                       <a:pPr algn="l"/>
                       <a:r>
                         <a:rPr lang="en-ZA" sz="1600" dirty="0"/>
-                        <a:t>. . .</a:t>
+                        <a:t>1</a:t>
                       </a:r>
                     </a:p>
                   </a:txBody>
@@ -34086,94 +34009,10 @@
           </a:graphicData>
         </a:graphic>
       </p:graphicFrame>
-      <p:sp>
-        <p:nvSpPr>
-          <p:cNvPr id="5" name="TextBox 4">
-            <a:extLst>
-              <a:ext uri="{FF2B5EF4-FFF2-40B4-BE49-F238E27FC236}">
-                <a16:creationId xmlns:a16="http://schemas.microsoft.com/office/drawing/2014/main" id="{16E14432-3A04-9085-19D2-0CC04DD99CDB}"/>
-              </a:ext>
-            </a:extLst>
-          </p:cNvPr>
-          <p:cNvSpPr txBox="1"/>
-          <p:nvPr/>
-        </p:nvSpPr>
-        <p:spPr>
-          <a:xfrm>
-            <a:off x="7590503" y="1710814"/>
-            <a:ext cx="3814916" cy="3139321"/>
-          </a:xfrm>
-          <a:prstGeom prst="rect">
-            <a:avLst/>
-          </a:prstGeom>
-          <a:noFill/>
-        </p:spPr>
-        <p:txBody>
-          <a:bodyPr wrap="square">
-            <a:spAutoFit/>
-          </a:bodyPr>
-          <a:lstStyle/>
-          <a:p>
-            <a:r>
-              <a:rPr lang="en-ZA" b="1" dirty="0">
-                <a:solidFill>
-                  <a:schemeClr val="bg1"/>
-                </a:solidFill>
-              </a:rPr>
-              <a:t>*BINS:</a:t>
-            </a:r>
-          </a:p>
-          <a:p>
-            <a:r>
-              <a:rPr lang="en-ZA" dirty="0">
-                <a:solidFill>
-                  <a:schemeClr val="bg1"/>
-                </a:solidFill>
-              </a:rPr>
-              <a:t>For these features we use Doane’s formula to divide user’s score between X number of different bins. </a:t>
-            </a:r>
-          </a:p>
-          <a:p>
-            <a:endParaRPr lang="en-ZA" dirty="0">
-              <a:solidFill>
-                <a:schemeClr val="bg1"/>
-              </a:solidFill>
-            </a:endParaRPr>
-          </a:p>
-          <a:p>
-            <a:r>
-              <a:rPr lang="en-ZA" dirty="0">
-                <a:solidFill>
-                  <a:schemeClr val="bg1"/>
-                </a:solidFill>
-              </a:rPr>
-              <a:t>The number is based on the distribution of the data.</a:t>
-            </a:r>
-          </a:p>
-          <a:p>
-            <a:endParaRPr lang="en-ZA" dirty="0">
-              <a:solidFill>
-                <a:schemeClr val="bg1"/>
-              </a:solidFill>
-            </a:endParaRPr>
-          </a:p>
-          <a:p>
-            <a:r>
-              <a:rPr lang="en-ZA" dirty="0">
-                <a:solidFill>
-                  <a:schemeClr val="bg1"/>
-                </a:solidFill>
-              </a:rPr>
-              <a:t>This allows us to one-hot- encode our features, which suits our model best.</a:t>
-            </a:r>
-            <a:endParaRPr lang="en-ZA" dirty="0"/>
-          </a:p>
-        </p:txBody>
-      </p:sp>
     </p:spTree>
     <p:extLst>
       <p:ext uri="{BB962C8B-B14F-4D97-AF65-F5344CB8AC3E}">
-        <p14:creationId xmlns:p14="http://schemas.microsoft.com/office/powerpoint/2010/main" val="1773097009"/>
+        <p14:creationId xmlns:p14="http://schemas.microsoft.com/office/powerpoint/2010/main" val="2011482338"/>
       </p:ext>
     </p:extLst>
   </p:cSld>
@@ -34365,6 +34204,664 @@
                   <a:schemeClr val="bg1"/>
                 </a:solidFill>
               </a:rPr>
+              <a:t>Most frequent day interacted on:</a:t>
+            </a:r>
+          </a:p>
+          <a:p>
+            <a:pPr marL="285750" indent="-285750">
+              <a:buFont typeface="Arial" panose="020B0604020202020204" pitchFamily="34" charset="0"/>
+              <a:buChar char="•"/>
+            </a:pPr>
+            <a:r>
+              <a:rPr lang="en-ZA" dirty="0">
+                <a:solidFill>
+                  <a:schemeClr val="bg1"/>
+                </a:solidFill>
+              </a:rPr>
+              <a:t>Amount of unique users</a:t>
+            </a:r>
+          </a:p>
+        </p:txBody>
+      </p:sp>
+      <p:graphicFrame>
+        <p:nvGraphicFramePr>
+          <p:cNvPr id="2" name="Table 1">
+            <a:extLst>
+              <a:ext uri="{FF2B5EF4-FFF2-40B4-BE49-F238E27FC236}">
+                <a16:creationId xmlns:a16="http://schemas.microsoft.com/office/drawing/2014/main" id="{CFEE1B6C-D330-AD53-E4ED-1E829BC87353}"/>
+              </a:ext>
+            </a:extLst>
+          </p:cNvPr>
+          <p:cNvGraphicFramePr>
+            <a:graphicFrameLocks noGrp="1"/>
+          </p:cNvGraphicFramePr>
+          <p:nvPr>
+            <p:extLst>
+              <p:ext uri="{D42A27DB-BD31-4B8C-83A1-F6EECF244321}">
+                <p14:modId xmlns:p14="http://schemas.microsoft.com/office/powerpoint/2010/main" val="1035052119"/>
+              </p:ext>
+            </p:extLst>
+          </p:nvPr>
+        </p:nvGraphicFramePr>
+        <p:xfrm>
+          <a:off x="688259" y="1784889"/>
+          <a:ext cx="5512619" cy="741680"/>
+        </p:xfrm>
+        <a:graphic>
+          <a:graphicData uri="http://schemas.openxmlformats.org/drawingml/2006/table">
+            <a:tbl>
+              <a:tblPr firstRow="1" bandRow="1">
+                <a:tableStyleId>{EB9631B5-78F2-41C9-869B-9F39066F8104}</a:tableStyleId>
+              </a:tblPr>
+              <a:tblGrid>
+                <a:gridCol w="787517">
+                  <a:extLst>
+                    <a:ext uri="{9D8B030D-6E8A-4147-A177-3AD203B41FA5}">
+                      <a16:colId xmlns:a16="http://schemas.microsoft.com/office/drawing/2014/main" val="3400634612"/>
+                    </a:ext>
+                  </a:extLst>
+                </a:gridCol>
+                <a:gridCol w="787517">
+                  <a:extLst>
+                    <a:ext uri="{9D8B030D-6E8A-4147-A177-3AD203B41FA5}">
+                      <a16:colId xmlns:a16="http://schemas.microsoft.com/office/drawing/2014/main" val="701412954"/>
+                    </a:ext>
+                  </a:extLst>
+                </a:gridCol>
+                <a:gridCol w="787517">
+                  <a:extLst>
+                    <a:ext uri="{9D8B030D-6E8A-4147-A177-3AD203B41FA5}">
+                      <a16:colId xmlns:a16="http://schemas.microsoft.com/office/drawing/2014/main" val="224371639"/>
+                    </a:ext>
+                  </a:extLst>
+                </a:gridCol>
+                <a:gridCol w="787517">
+                  <a:extLst>
+                    <a:ext uri="{9D8B030D-6E8A-4147-A177-3AD203B41FA5}">
+                      <a16:colId xmlns:a16="http://schemas.microsoft.com/office/drawing/2014/main" val="3317639608"/>
+                    </a:ext>
+                  </a:extLst>
+                </a:gridCol>
+                <a:gridCol w="787517">
+                  <a:extLst>
+                    <a:ext uri="{9D8B030D-6E8A-4147-A177-3AD203B41FA5}">
+                      <a16:colId xmlns:a16="http://schemas.microsoft.com/office/drawing/2014/main" val="2721267651"/>
+                    </a:ext>
+                  </a:extLst>
+                </a:gridCol>
+                <a:gridCol w="787517">
+                  <a:extLst>
+                    <a:ext uri="{9D8B030D-6E8A-4147-A177-3AD203B41FA5}">
+                      <a16:colId xmlns:a16="http://schemas.microsoft.com/office/drawing/2014/main" val="1500200790"/>
+                    </a:ext>
+                  </a:extLst>
+                </a:gridCol>
+                <a:gridCol w="787517">
+                  <a:extLst>
+                    <a:ext uri="{9D8B030D-6E8A-4147-A177-3AD203B41FA5}">
+                      <a16:colId xmlns:a16="http://schemas.microsoft.com/office/drawing/2014/main" val="461007544"/>
+                    </a:ext>
+                  </a:extLst>
+                </a:gridCol>
+              </a:tblGrid>
+              <a:tr h="370840">
+                <a:tc>
+                  <a:txBody>
+                    <a:bodyPr/>
+                    <a:lstStyle/>
+                    <a:p>
+                      <a:r>
+                        <a:rPr lang="en-ZA" sz="1800" b="1" i="0" kern="1200" dirty="0">
+                          <a:solidFill>
+                            <a:schemeClr val="lt1"/>
+                          </a:solidFill>
+                          <a:effectLst/>
+                          <a:latin typeface="+mn-lt"/>
+                          <a:ea typeface="+mn-ea"/>
+                          <a:cs typeface="+mn-cs"/>
+                        </a:rPr>
+                        <a:t>Bin 1</a:t>
+                      </a:r>
+                      <a:endParaRPr lang="en-ZA" sz="1600" b="1" dirty="0"/>
+                    </a:p>
+                  </a:txBody>
+                  <a:tcPr/>
+                </a:tc>
+                <a:tc>
+                  <a:txBody>
+                    <a:bodyPr/>
+                    <a:lstStyle/>
+                    <a:p>
+                      <a:r>
+                        <a:rPr lang="en-ZA" sz="1600" b="1" i="0" kern="1200" dirty="0">
+                          <a:solidFill>
+                            <a:schemeClr val="lt1"/>
+                          </a:solidFill>
+                          <a:effectLst/>
+                          <a:latin typeface="+mn-lt"/>
+                          <a:ea typeface="+mn-ea"/>
+                          <a:cs typeface="+mn-cs"/>
+                        </a:rPr>
+                        <a:t>Bin 2</a:t>
+                      </a:r>
+                      <a:r>
+                        <a:rPr lang="en-US" sz="1600" b="1" i="0" kern="1200" dirty="0">
+                          <a:solidFill>
+                            <a:schemeClr val="lt1"/>
+                          </a:solidFill>
+                          <a:effectLst/>
+                          <a:latin typeface="+mn-lt"/>
+                          <a:ea typeface="+mn-ea"/>
+                          <a:cs typeface="+mn-cs"/>
+                        </a:rPr>
+                        <a:t> </a:t>
+                      </a:r>
+                      <a:endParaRPr lang="en-ZA" sz="1600" b="1" dirty="0"/>
+                    </a:p>
+                  </a:txBody>
+                  <a:tcPr/>
+                </a:tc>
+                <a:tc>
+                  <a:txBody>
+                    <a:bodyPr/>
+                    <a:lstStyle/>
+                    <a:p>
+                      <a:r>
+                        <a:rPr lang="en-ZA" sz="1600" b="1" i="0" kern="1200" dirty="0">
+                          <a:solidFill>
+                            <a:schemeClr val="lt1"/>
+                          </a:solidFill>
+                          <a:effectLst/>
+                          <a:latin typeface="+mn-lt"/>
+                          <a:ea typeface="+mn-ea"/>
+                          <a:cs typeface="+mn-cs"/>
+                        </a:rPr>
+                        <a:t>Bin 3</a:t>
+                      </a:r>
+                      <a:endParaRPr lang="en-ZA" sz="1600" b="1" dirty="0"/>
+                    </a:p>
+                  </a:txBody>
+                  <a:tcPr/>
+                </a:tc>
+                <a:tc>
+                  <a:txBody>
+                    <a:bodyPr/>
+                    <a:lstStyle/>
+                    <a:p>
+                      <a:r>
+                        <a:rPr lang="en-ZA" sz="1600" b="1" i="0" kern="1200" dirty="0">
+                          <a:solidFill>
+                            <a:schemeClr val="lt1"/>
+                          </a:solidFill>
+                          <a:effectLst/>
+                          <a:latin typeface="+mn-lt"/>
+                          <a:ea typeface="+mn-ea"/>
+                          <a:cs typeface="+mn-cs"/>
+                        </a:rPr>
+                        <a:t>Bin 4</a:t>
+                      </a:r>
+                      <a:endParaRPr lang="en-ZA" sz="1600" b="1" dirty="0"/>
+                    </a:p>
+                  </a:txBody>
+                  <a:tcPr/>
+                </a:tc>
+                <a:tc>
+                  <a:txBody>
+                    <a:bodyPr/>
+                    <a:lstStyle/>
+                    <a:p>
+                      <a:r>
+                        <a:rPr lang="en-ZA" sz="1600" b="1" i="0" kern="1200" dirty="0">
+                          <a:solidFill>
+                            <a:schemeClr val="lt1"/>
+                          </a:solidFill>
+                          <a:effectLst/>
+                          <a:latin typeface="+mn-lt"/>
+                          <a:ea typeface="+mn-ea"/>
+                          <a:cs typeface="+mn-cs"/>
+                        </a:rPr>
+                        <a:t>Bin 5</a:t>
+                      </a:r>
+                      <a:endParaRPr lang="en-ZA" sz="1600" b="1" dirty="0"/>
+                    </a:p>
+                  </a:txBody>
+                  <a:tcPr/>
+                </a:tc>
+                <a:tc>
+                  <a:txBody>
+                    <a:bodyPr/>
+                    <a:lstStyle/>
+                    <a:p>
+                      <a:pPr algn="l"/>
+                      <a:r>
+                        <a:rPr lang="en-US" sz="1600" b="1" i="0" kern="1200" dirty="0">
+                          <a:solidFill>
+                            <a:schemeClr val="lt1"/>
+                          </a:solidFill>
+                          <a:effectLst/>
+                          <a:latin typeface="+mn-lt"/>
+                          <a:ea typeface="+mn-ea"/>
+                          <a:cs typeface="+mn-cs"/>
+                        </a:rPr>
+                        <a:t>. . .</a:t>
+                      </a:r>
+                      <a:endParaRPr lang="en-ZA" sz="1600" b="1" dirty="0"/>
+                    </a:p>
+                  </a:txBody>
+                  <a:tcPr/>
+                </a:tc>
+                <a:tc>
+                  <a:txBody>
+                    <a:bodyPr/>
+                    <a:lstStyle/>
+                    <a:p>
+                      <a:pPr algn="l"/>
+                      <a:r>
+                        <a:rPr lang="en-ZA" sz="1800" b="1" i="0" kern="1200" dirty="0">
+                          <a:solidFill>
+                            <a:schemeClr val="lt1"/>
+                          </a:solidFill>
+                          <a:effectLst/>
+                          <a:latin typeface="+mn-lt"/>
+                          <a:ea typeface="+mn-ea"/>
+                          <a:cs typeface="+mn-cs"/>
+                        </a:rPr>
+                        <a:t>Bin x</a:t>
+                      </a:r>
+                      <a:endParaRPr lang="en-ZA" sz="1600" b="1" dirty="0"/>
+                    </a:p>
+                  </a:txBody>
+                  <a:tcPr/>
+                </a:tc>
+                <a:extLst>
+                  <a:ext uri="{0D108BD9-81ED-4DB2-BD59-A6C34878D82A}">
+                    <a16:rowId xmlns:a16="http://schemas.microsoft.com/office/drawing/2014/main" val="2245114912"/>
+                  </a:ext>
+                </a:extLst>
+              </a:tr>
+              <a:tr h="370840">
+                <a:tc>
+                  <a:txBody>
+                    <a:bodyPr/>
+                    <a:lstStyle/>
+                    <a:p>
+                      <a:r>
+                        <a:rPr lang="en-ZA" sz="1600" dirty="0"/>
+                        <a:t>0</a:t>
+                      </a:r>
+                    </a:p>
+                  </a:txBody>
+                  <a:tcPr/>
+                </a:tc>
+                <a:tc>
+                  <a:txBody>
+                    <a:bodyPr/>
+                    <a:lstStyle/>
+                    <a:p>
+                      <a:r>
+                        <a:rPr lang="en-ZA" sz="1600" dirty="0"/>
+                        <a:t>0</a:t>
+                      </a:r>
+                    </a:p>
+                  </a:txBody>
+                  <a:tcPr/>
+                </a:tc>
+                <a:tc>
+                  <a:txBody>
+                    <a:bodyPr/>
+                    <a:lstStyle/>
+                    <a:p>
+                      <a:r>
+                        <a:rPr lang="en-ZA" sz="1600" dirty="0"/>
+                        <a:t>0</a:t>
+                      </a:r>
+                    </a:p>
+                  </a:txBody>
+                  <a:tcPr/>
+                </a:tc>
+                <a:tc>
+                  <a:txBody>
+                    <a:bodyPr/>
+                    <a:lstStyle/>
+                    <a:p>
+                      <a:r>
+                        <a:rPr lang="en-ZA" sz="1600" dirty="0"/>
+                        <a:t>1</a:t>
+                      </a:r>
+                    </a:p>
+                  </a:txBody>
+                  <a:tcPr/>
+                </a:tc>
+                <a:tc>
+                  <a:txBody>
+                    <a:bodyPr/>
+                    <a:lstStyle/>
+                    <a:p>
+                      <a:r>
+                        <a:rPr lang="en-ZA" sz="1600" dirty="0"/>
+                        <a:t>0</a:t>
+                      </a:r>
+                    </a:p>
+                  </a:txBody>
+                  <a:tcPr/>
+                </a:tc>
+                <a:tc>
+                  <a:txBody>
+                    <a:bodyPr/>
+                    <a:lstStyle/>
+                    <a:p>
+                      <a:pPr algn="l"/>
+                      <a:r>
+                        <a:rPr lang="en-ZA" sz="1600" dirty="0"/>
+                        <a:t>. . .</a:t>
+                      </a:r>
+                    </a:p>
+                  </a:txBody>
+                  <a:tcPr/>
+                </a:tc>
+                <a:tc>
+                  <a:txBody>
+                    <a:bodyPr/>
+                    <a:lstStyle/>
+                    <a:p>
+                      <a:pPr algn="l"/>
+                      <a:r>
+                        <a:rPr lang="en-ZA" sz="1600" dirty="0"/>
+                        <a:t>0</a:t>
+                      </a:r>
+                    </a:p>
+                  </a:txBody>
+                  <a:tcPr/>
+                </a:tc>
+                <a:extLst>
+                  <a:ext uri="{0D108BD9-81ED-4DB2-BD59-A6C34878D82A}">
+                    <a16:rowId xmlns:a16="http://schemas.microsoft.com/office/drawing/2014/main" val="294810486"/>
+                  </a:ext>
+                </a:extLst>
+              </a:tr>
+            </a:tbl>
+          </a:graphicData>
+        </a:graphic>
+      </p:graphicFrame>
+      <p:sp>
+        <p:nvSpPr>
+          <p:cNvPr id="5" name="TextBox 4">
+            <a:extLst>
+              <a:ext uri="{FF2B5EF4-FFF2-40B4-BE49-F238E27FC236}">
+                <a16:creationId xmlns:a16="http://schemas.microsoft.com/office/drawing/2014/main" id="{16E14432-3A04-9085-19D2-0CC04DD99CDB}"/>
+              </a:ext>
+            </a:extLst>
+          </p:cNvPr>
+          <p:cNvSpPr txBox="1"/>
+          <p:nvPr/>
+        </p:nvSpPr>
+        <p:spPr>
+          <a:xfrm>
+            <a:off x="7590503" y="1710814"/>
+            <a:ext cx="3814916" cy="3139321"/>
+          </a:xfrm>
+          <a:prstGeom prst="rect">
+            <a:avLst/>
+          </a:prstGeom>
+          <a:noFill/>
+        </p:spPr>
+        <p:txBody>
+          <a:bodyPr wrap="square">
+            <a:spAutoFit/>
+          </a:bodyPr>
+          <a:lstStyle/>
+          <a:p>
+            <a:r>
+              <a:rPr lang="en-ZA" b="1" dirty="0">
+                <a:solidFill>
+                  <a:schemeClr val="bg1"/>
+                </a:solidFill>
+              </a:rPr>
+              <a:t>*BINS:</a:t>
+            </a:r>
+          </a:p>
+          <a:p>
+            <a:r>
+              <a:rPr lang="en-ZA" dirty="0">
+                <a:solidFill>
+                  <a:schemeClr val="bg1"/>
+                </a:solidFill>
+              </a:rPr>
+              <a:t>For these features we use Doane’s formula to divide user’s score between X number of different bins. </a:t>
+            </a:r>
+          </a:p>
+          <a:p>
+            <a:endParaRPr lang="en-ZA" dirty="0">
+              <a:solidFill>
+                <a:schemeClr val="bg1"/>
+              </a:solidFill>
+            </a:endParaRPr>
+          </a:p>
+          <a:p>
+            <a:r>
+              <a:rPr lang="en-ZA" dirty="0">
+                <a:solidFill>
+                  <a:schemeClr val="bg1"/>
+                </a:solidFill>
+              </a:rPr>
+              <a:t>The number is based on the distribution of the data.</a:t>
+            </a:r>
+          </a:p>
+          <a:p>
+            <a:endParaRPr lang="en-ZA" dirty="0">
+              <a:solidFill>
+                <a:schemeClr val="bg1"/>
+              </a:solidFill>
+            </a:endParaRPr>
+          </a:p>
+          <a:p>
+            <a:r>
+              <a:rPr lang="en-ZA" dirty="0">
+                <a:solidFill>
+                  <a:schemeClr val="bg1"/>
+                </a:solidFill>
+              </a:rPr>
+              <a:t>This allows us to one-hot- encode our features, which suits our model best.</a:t>
+            </a:r>
+            <a:endParaRPr lang="en-ZA" dirty="0"/>
+          </a:p>
+        </p:txBody>
+      </p:sp>
+    </p:spTree>
+    <p:extLst>
+      <p:ext uri="{BB962C8B-B14F-4D97-AF65-F5344CB8AC3E}">
+        <p14:creationId xmlns:p14="http://schemas.microsoft.com/office/powerpoint/2010/main" val="1773097009"/>
+      </p:ext>
+    </p:extLst>
+  </p:cSld>
+  <p:clrMapOvr>
+    <a:masterClrMapping/>
+  </p:clrMapOvr>
+  <mc:AlternateContent xmlns:mc="http://schemas.openxmlformats.org/markup-compatibility/2006" xmlns:p159="http://schemas.microsoft.com/office/powerpoint/2015/09/main">
+    <mc:Choice Requires="p159">
+      <p:transition xmlns:p14="http://schemas.microsoft.com/office/powerpoint/2010/main" spd="slow" p14:dur="2000">
+        <p159:morph option="byObject"/>
+      </p:transition>
+    </mc:Choice>
+    <mc:Fallback xmlns="">
+      <p:transition spd="slow">
+        <p:fade/>
+      </p:transition>
+    </mc:Fallback>
+  </mc:AlternateContent>
+</p:sld>
+</file>
+
+<file path=ppt/slides/slide42.xml><?xml version="1.0" encoding="utf-8"?>
+<p:sld xmlns:a="http://schemas.openxmlformats.org/drawingml/2006/main" xmlns:r="http://schemas.openxmlformats.org/officeDocument/2006/relationships" xmlns:p="http://schemas.openxmlformats.org/presentationml/2006/main">
+  <p:cSld>
+    <p:bg>
+      <p:bgPr>
+        <a:blipFill dpi="0" rotWithShape="1">
+          <a:blip r:embed="rId2">
+            <a:extLst>
+              <a:ext uri="{BEBA8EAE-BF5A-486C-A8C5-ECC9F3942E4B}">
+                <a14:imgProps xmlns:a14="http://schemas.microsoft.com/office/drawing/2010/main">
+                  <a14:imgLayer r:embed="rId3">
+                    <a14:imgEffect>
+                      <a14:brightnessContrast bright="-20000"/>
+                    </a14:imgEffect>
+                  </a14:imgLayer>
+                </a14:imgProps>
+              </a:ext>
+            </a:extLst>
+          </a:blip>
+          <a:srcRect/>
+          <a:stretch>
+            <a:fillRect l="-9000" t="-39000" b="-11000"/>
+          </a:stretch>
+        </a:blipFill>
+        <a:effectLst/>
+      </p:bgPr>
+    </p:bg>
+    <p:spTree>
+      <p:nvGrpSpPr>
+        <p:cNvPr id="1" name=""/>
+        <p:cNvGrpSpPr/>
+        <p:nvPr/>
+      </p:nvGrpSpPr>
+      <p:grpSpPr>
+        <a:xfrm>
+          <a:off x="0" y="0"/>
+          <a:ext cx="0" cy="0"/>
+          <a:chOff x="0" y="0"/>
+          <a:chExt cx="0" cy="0"/>
+        </a:xfrm>
+      </p:grpSpPr>
+      <p:sp>
+        <p:nvSpPr>
+          <p:cNvPr id="10" name="TextBox 9">
+            <a:extLst>
+              <a:ext uri="{FF2B5EF4-FFF2-40B4-BE49-F238E27FC236}">
+                <a16:creationId xmlns:a16="http://schemas.microsoft.com/office/drawing/2014/main" id="{23CF3E7A-ECD7-7CD8-E2D4-C69062F5E0B5}"/>
+              </a:ext>
+            </a:extLst>
+          </p:cNvPr>
+          <p:cNvSpPr txBox="1"/>
+          <p:nvPr/>
+        </p:nvSpPr>
+        <p:spPr>
+          <a:xfrm>
+            <a:off x="235974" y="181672"/>
+            <a:ext cx="6096000" cy="461665"/>
+          </a:xfrm>
+          <a:prstGeom prst="rect">
+            <a:avLst/>
+          </a:prstGeom>
+          <a:noFill/>
+        </p:spPr>
+        <p:txBody>
+          <a:bodyPr wrap="square">
+            <a:spAutoFit/>
+          </a:bodyPr>
+          <a:lstStyle/>
+          <a:p>
+            <a:pPr marR="0" lvl="0" algn="l" defTabSz="914400" rtl="0" eaLnBrk="1" fontAlgn="auto" latinLnBrk="0" hangingPunct="1">
+              <a:lnSpc>
+                <a:spcPct val="100000"/>
+              </a:lnSpc>
+              <a:spcBef>
+                <a:spcPts val="0"/>
+              </a:spcBef>
+              <a:spcAft>
+                <a:spcPts val="0"/>
+              </a:spcAft>
+              <a:buClrTx/>
+              <a:buSzTx/>
+              <a:tabLst/>
+              <a:defRPr/>
+            </a:pPr>
+            <a:r>
+              <a:rPr kumimoji="0" lang="en-ZA" sz="2400" b="1" i="0" u="none" strike="noStrike" kern="1200" cap="none" spc="0" normalizeH="0" baseline="0" noProof="0" dirty="0">
+                <a:ln>
+                  <a:noFill/>
+                </a:ln>
+                <a:solidFill>
+                  <a:prstClr val="white"/>
+                </a:solidFill>
+                <a:effectLst/>
+                <a:uLnTx/>
+                <a:uFillTx/>
+                <a:latin typeface="Aptos" panose="02110004020202020204"/>
+                <a:ea typeface="+mn-ea"/>
+                <a:cs typeface="+mn-cs"/>
+              </a:rPr>
+              <a:t>3. Item features</a:t>
+            </a:r>
+            <a:endParaRPr kumimoji="0" lang="en-ZA" sz="1800" b="0" i="0" u="none" strike="noStrike" kern="1200" cap="none" spc="0" normalizeH="0" baseline="0" noProof="0" dirty="0">
+              <a:ln>
+                <a:noFill/>
+              </a:ln>
+              <a:solidFill>
+                <a:prstClr val="white"/>
+              </a:solidFill>
+              <a:effectLst/>
+              <a:uLnTx/>
+              <a:uFillTx/>
+              <a:latin typeface="Aptos" panose="02110004020202020204"/>
+              <a:ea typeface="+mn-ea"/>
+              <a:cs typeface="+mn-cs"/>
+            </a:endParaRPr>
+          </a:p>
+        </p:txBody>
+      </p:sp>
+      <p:sp>
+        <p:nvSpPr>
+          <p:cNvPr id="3" name="TextBox 2">
+            <a:extLst>
+              <a:ext uri="{FF2B5EF4-FFF2-40B4-BE49-F238E27FC236}">
+                <a16:creationId xmlns:a16="http://schemas.microsoft.com/office/drawing/2014/main" id="{BF6288A0-0DCE-A954-D203-697CFCF9752E}"/>
+              </a:ext>
+            </a:extLst>
+          </p:cNvPr>
+          <p:cNvSpPr txBox="1"/>
+          <p:nvPr/>
+        </p:nvSpPr>
+        <p:spPr>
+          <a:xfrm>
+            <a:off x="304800" y="752448"/>
+            <a:ext cx="6096000" cy="923330"/>
+          </a:xfrm>
+          <a:prstGeom prst="rect">
+            <a:avLst/>
+          </a:prstGeom>
+          <a:noFill/>
+        </p:spPr>
+        <p:txBody>
+          <a:bodyPr wrap="square">
+            <a:spAutoFit/>
+          </a:bodyPr>
+          <a:lstStyle/>
+          <a:p>
+            <a:pPr marL="285750" indent="-285750">
+              <a:buFont typeface="Arial" panose="020B0604020202020204" pitchFamily="34" charset="0"/>
+              <a:buChar char="•"/>
+            </a:pPr>
+            <a:r>
+              <a:rPr lang="en-ZA" dirty="0">
+                <a:solidFill>
+                  <a:schemeClr val="bg1"/>
+                </a:solidFill>
+              </a:rPr>
+              <a:t>Item type</a:t>
+            </a:r>
+          </a:p>
+          <a:p>
+            <a:pPr marL="285750" indent="-285750">
+              <a:buFont typeface="Arial" panose="020B0604020202020204" pitchFamily="34" charset="0"/>
+              <a:buChar char="•"/>
+            </a:pPr>
+            <a:r>
+              <a:rPr lang="en-ZA" dirty="0">
+                <a:solidFill>
+                  <a:schemeClr val="bg1"/>
+                </a:solidFill>
+              </a:rPr>
               <a:t>Most frequent day interacted on</a:t>
             </a:r>
           </a:p>
@@ -34409,7 +34906,7 @@
 </p:sld>
 </file>
 
-<file path=ppt/slides/slide42.xml><?xml version="1.0" encoding="utf-8"?>
+<file path=ppt/slides/slide43.xml><?xml version="1.0" encoding="utf-8"?>
 <p:sld xmlns:a="http://schemas.openxmlformats.org/drawingml/2006/main" xmlns:r="http://schemas.openxmlformats.org/officeDocument/2006/relationships" xmlns:p="http://schemas.openxmlformats.org/presentationml/2006/main">
   <p:cSld>
     <p:bg>
@@ -34706,7 +35203,7 @@
 </p:sld>
 </file>
 
-<file path=ppt/slides/slide43.xml><?xml version="1.0" encoding="utf-8"?>
+<file path=ppt/slides/slide44.xml><?xml version="1.0" encoding="utf-8"?>
 <p:sld xmlns:a="http://schemas.openxmlformats.org/drawingml/2006/main" xmlns:r="http://schemas.openxmlformats.org/officeDocument/2006/relationships" xmlns:p="http://schemas.openxmlformats.org/presentationml/2006/main">
   <p:cSld>
     <p:bg>
@@ -35337,7 +35834,7 @@
 </p:sld>
 </file>
 
-<file path=ppt/slides/slide44.xml><?xml version="1.0" encoding="utf-8"?>
+<file path=ppt/slides/slide45.xml><?xml version="1.0" encoding="utf-8"?>
 <p:sld xmlns:a="http://schemas.openxmlformats.org/drawingml/2006/main" xmlns:r="http://schemas.openxmlformats.org/officeDocument/2006/relationships" xmlns:p="http://schemas.openxmlformats.org/presentationml/2006/main">
   <p:cSld>
     <p:bg>
@@ -35808,7 +36305,7 @@
 </p:sld>
 </file>
 
-<file path=ppt/slides/slide45.xml><?xml version="1.0" encoding="utf-8"?>
+<file path=ppt/slides/slide46.xml><?xml version="1.0" encoding="utf-8"?>
 <p:sld xmlns:a="http://schemas.openxmlformats.org/drawingml/2006/main" xmlns:r="http://schemas.openxmlformats.org/officeDocument/2006/relationships" xmlns:p="http://schemas.openxmlformats.org/presentationml/2006/main">
   <p:cSld>
     <p:bg>
@@ -36390,7 +36887,7 @@
 </p:sld>
 </file>
 
-<file path=ppt/slides/slide46.xml><?xml version="1.0" encoding="utf-8"?>
+<file path=ppt/slides/slide47.xml><?xml version="1.0" encoding="utf-8"?>
 <p:sld xmlns:a="http://schemas.openxmlformats.org/drawingml/2006/main" xmlns:r="http://schemas.openxmlformats.org/officeDocument/2006/relationships" xmlns:p="http://schemas.openxmlformats.org/presentationml/2006/main">
   <p:cSld>
     <p:bg>
@@ -37516,7 +38013,7 @@
 </p:sld>
 </file>
 
-<file path=ppt/slides/slide47.xml><?xml version="1.0" encoding="utf-8"?>
+<file path=ppt/slides/slide48.xml><?xml version="1.0" encoding="utf-8"?>
 <p:sld xmlns:a="http://schemas.openxmlformats.org/drawingml/2006/main" xmlns:r="http://schemas.openxmlformats.org/officeDocument/2006/relationships" xmlns:p="http://schemas.openxmlformats.org/presentationml/2006/main">
   <p:cSld>
     <p:bg>
@@ -38329,7 +38826,7 @@
 </p:sld>
 </file>
 
-<file path=ppt/slides/slide48.xml><?xml version="1.0" encoding="utf-8"?>
+<file path=ppt/slides/slide49.xml><?xml version="1.0" encoding="utf-8"?>
 <p:sld xmlns:a="http://schemas.openxmlformats.org/drawingml/2006/main" xmlns:r="http://schemas.openxmlformats.org/officeDocument/2006/relationships" xmlns:p="http://schemas.openxmlformats.org/presentationml/2006/main">
   <p:cSld>
     <p:bg>
@@ -38797,663 +39294,6 @@
 </p:sld>
 </file>
 
-<file path=ppt/slides/slide49.xml><?xml version="1.0" encoding="utf-8"?>
-<p:sld xmlns:a="http://schemas.openxmlformats.org/drawingml/2006/main" xmlns:r="http://schemas.openxmlformats.org/officeDocument/2006/relationships" xmlns:p="http://schemas.openxmlformats.org/presentationml/2006/main">
-  <p:cSld>
-    <p:bg>
-      <p:bgPr>
-        <a:blipFill dpi="0" rotWithShape="1">
-          <a:blip r:embed="rId2">
-            <a:extLst>
-              <a:ext uri="{BEBA8EAE-BF5A-486C-A8C5-ECC9F3942E4B}">
-                <a14:imgProps xmlns:a14="http://schemas.microsoft.com/office/drawing/2010/main">
-                  <a14:imgLayer r:embed="rId3">
-                    <a14:imgEffect>
-                      <a14:brightnessContrast bright="-20000"/>
-                    </a14:imgEffect>
-                  </a14:imgLayer>
-                </a14:imgProps>
-              </a:ext>
-            </a:extLst>
-          </a:blip>
-          <a:srcRect/>
-          <a:stretch>
-            <a:fillRect l="-9000" t="-39000" b="-11000"/>
-          </a:stretch>
-        </a:blipFill>
-        <a:effectLst/>
-      </p:bgPr>
-    </p:bg>
-    <p:spTree>
-      <p:nvGrpSpPr>
-        <p:cNvPr id="1" name=""/>
-        <p:cNvGrpSpPr/>
-        <p:nvPr/>
-      </p:nvGrpSpPr>
-      <p:grpSpPr>
-        <a:xfrm>
-          <a:off x="0" y="0"/>
-          <a:ext cx="0" cy="0"/>
-          <a:chOff x="0" y="0"/>
-          <a:chExt cx="0" cy="0"/>
-        </a:xfrm>
-      </p:grpSpPr>
-      <p:sp>
-        <p:nvSpPr>
-          <p:cNvPr id="4" name="TextBox 3">
-            <a:extLst>
-              <a:ext uri="{FF2B5EF4-FFF2-40B4-BE49-F238E27FC236}">
-                <a16:creationId xmlns:a16="http://schemas.microsoft.com/office/drawing/2014/main" id="{B216AF57-F29C-D05C-D5C9-C32762A12133}"/>
-              </a:ext>
-            </a:extLst>
-          </p:cNvPr>
-          <p:cNvSpPr txBox="1"/>
-          <p:nvPr/>
-        </p:nvSpPr>
-        <p:spPr>
-          <a:xfrm>
-            <a:off x="835743" y="526372"/>
-            <a:ext cx="7580670" cy="584775"/>
-          </a:xfrm>
-          <a:prstGeom prst="rect">
-            <a:avLst/>
-          </a:prstGeom>
-          <a:noFill/>
-        </p:spPr>
-        <p:txBody>
-          <a:bodyPr wrap="square" rtlCol="0">
-            <a:spAutoFit/>
-          </a:bodyPr>
-          <a:lstStyle/>
-          <a:p>
-            <a:r>
-              <a:rPr lang="en-US" sz="3200" b="1" dirty="0">
-                <a:solidFill>
-                  <a:schemeClr val="bg1"/>
-                </a:solidFill>
-              </a:rPr>
-              <a:t>Model Evaluation Summary:</a:t>
-            </a:r>
-            <a:r>
-              <a:rPr lang="en-US" sz="2800" b="1" dirty="0">
-                <a:solidFill>
-                  <a:schemeClr val="bg1"/>
-                </a:solidFill>
-              </a:rPr>
-              <a:t> </a:t>
-            </a:r>
-            <a:endParaRPr lang="en-ZA" sz="2800" b="1" dirty="0">
-              <a:solidFill>
-                <a:schemeClr val="bg1"/>
-              </a:solidFill>
-            </a:endParaRPr>
-          </a:p>
-        </p:txBody>
-      </p:sp>
-      <p:graphicFrame>
-        <p:nvGraphicFramePr>
-          <p:cNvPr id="6" name="Table 5">
-            <a:extLst>
-              <a:ext uri="{FF2B5EF4-FFF2-40B4-BE49-F238E27FC236}">
-                <a16:creationId xmlns:a16="http://schemas.microsoft.com/office/drawing/2014/main" id="{C447EA82-F229-1341-3B58-1CD5F15BAA03}"/>
-              </a:ext>
-            </a:extLst>
-          </p:cNvPr>
-          <p:cNvGraphicFramePr>
-            <a:graphicFrameLocks noGrp="1"/>
-          </p:cNvGraphicFramePr>
-          <p:nvPr>
-            <p:extLst>
-              <p:ext uri="{D42A27DB-BD31-4B8C-83A1-F6EECF244321}">
-                <p14:modId xmlns:p14="http://schemas.microsoft.com/office/powerpoint/2010/main" val="1842786710"/>
-              </p:ext>
-            </p:extLst>
-          </p:nvPr>
-        </p:nvGraphicFramePr>
-        <p:xfrm>
-          <a:off x="707923" y="1612490"/>
-          <a:ext cx="10491021" cy="3958325"/>
-        </p:xfrm>
-        <a:graphic>
-          <a:graphicData uri="http://schemas.openxmlformats.org/drawingml/2006/table">
-            <a:tbl>
-              <a:tblPr firstRow="1" bandRow="1">
-                <a:tableStyleId>{EB9631B5-78F2-41C9-869B-9F39066F8104}</a:tableStyleId>
-              </a:tblPr>
-              <a:tblGrid>
-                <a:gridCol w="2106069">
-                  <a:extLst>
-                    <a:ext uri="{9D8B030D-6E8A-4147-A177-3AD203B41FA5}">
-                      <a16:colId xmlns:a16="http://schemas.microsoft.com/office/drawing/2014/main" val="3419785081"/>
-                    </a:ext>
-                  </a:extLst>
-                </a:gridCol>
-                <a:gridCol w="2096238">
-                  <a:extLst>
-                    <a:ext uri="{9D8B030D-6E8A-4147-A177-3AD203B41FA5}">
-                      <a16:colId xmlns:a16="http://schemas.microsoft.com/office/drawing/2014/main" val="3484393436"/>
-                    </a:ext>
-                  </a:extLst>
-                </a:gridCol>
-                <a:gridCol w="2096238">
-                  <a:extLst>
-                    <a:ext uri="{9D8B030D-6E8A-4147-A177-3AD203B41FA5}">
-                      <a16:colId xmlns:a16="http://schemas.microsoft.com/office/drawing/2014/main" val="1814214063"/>
-                    </a:ext>
-                  </a:extLst>
-                </a:gridCol>
-                <a:gridCol w="2096238">
-                  <a:extLst>
-                    <a:ext uri="{9D8B030D-6E8A-4147-A177-3AD203B41FA5}">
-                      <a16:colId xmlns:a16="http://schemas.microsoft.com/office/drawing/2014/main" val="2438988768"/>
-                    </a:ext>
-                  </a:extLst>
-                </a:gridCol>
-                <a:gridCol w="2096238">
-                  <a:extLst>
-                    <a:ext uri="{9D8B030D-6E8A-4147-A177-3AD203B41FA5}">
-                      <a16:colId xmlns:a16="http://schemas.microsoft.com/office/drawing/2014/main" val="2177993718"/>
-                    </a:ext>
-                  </a:extLst>
-                </a:gridCol>
-              </a:tblGrid>
-              <a:tr h="529537">
-                <a:tc>
-                  <a:txBody>
-                    <a:bodyPr/>
-                    <a:lstStyle/>
-                    <a:p>
-                      <a:r>
-                        <a:rPr lang="en-ZA" dirty="0"/>
-                        <a:t>Metric</a:t>
-                      </a:r>
-                    </a:p>
-                  </a:txBody>
-                  <a:tcPr/>
-                </a:tc>
-                <a:tc>
-                  <a:txBody>
-                    <a:bodyPr/>
-                    <a:lstStyle/>
-                    <a:p>
-                      <a:r>
-                        <a:rPr lang="en-ZA" dirty="0"/>
-                        <a:t>Test Score</a:t>
-                      </a:r>
-                    </a:p>
-                  </a:txBody>
-                  <a:tcPr/>
-                </a:tc>
-                <a:tc>
-                  <a:txBody>
-                    <a:bodyPr/>
-                    <a:lstStyle/>
-                    <a:p>
-                      <a:r>
-                        <a:rPr lang="en-ZA" dirty="0"/>
-                        <a:t>Train Score</a:t>
-                      </a:r>
-                    </a:p>
-                  </a:txBody>
-                  <a:tcPr/>
-                </a:tc>
-                <a:tc>
-                  <a:txBody>
-                    <a:bodyPr/>
-                    <a:lstStyle/>
-                    <a:p>
-                      <a:r>
-                        <a:rPr lang="en-ZA" dirty="0"/>
-                        <a:t>Data used</a:t>
-                      </a:r>
-                    </a:p>
-                  </a:txBody>
-                  <a:tcPr/>
-                </a:tc>
-                <a:tc>
-                  <a:txBody>
-                    <a:bodyPr/>
-                    <a:lstStyle/>
-                    <a:p>
-                      <a:r>
-                        <a:rPr lang="en-ZA" dirty="0"/>
-                        <a:t>Conclusions</a:t>
-                      </a:r>
-                    </a:p>
-                  </a:txBody>
-                  <a:tcPr/>
-                </a:tc>
-                <a:extLst>
-                  <a:ext uri="{0D108BD9-81ED-4DB2-BD59-A6C34878D82A}">
-                    <a16:rowId xmlns:a16="http://schemas.microsoft.com/office/drawing/2014/main" val="976059334"/>
-                  </a:ext>
-                </a:extLst>
-              </a:tr>
-              <a:tr h="529537">
-                <a:tc>
-                  <a:txBody>
-                    <a:bodyPr/>
-                    <a:lstStyle/>
-                    <a:p>
-                      <a:r>
-                        <a:rPr lang="en-ZA" dirty="0"/>
-                        <a:t>AUC</a:t>
-                      </a:r>
-                    </a:p>
-                  </a:txBody>
-                  <a:tcPr/>
-                </a:tc>
-                <a:tc>
-                  <a:txBody>
-                    <a:bodyPr/>
-                    <a:lstStyle/>
-                    <a:p>
-                      <a:pPr algn="ctr"/>
-                      <a:r>
-                        <a:rPr lang="en-ZA" dirty="0"/>
-                        <a:t>0.9029</a:t>
-                      </a:r>
-                    </a:p>
-                  </a:txBody>
-                  <a:tcPr/>
-                </a:tc>
-                <a:tc>
-                  <a:txBody>
-                    <a:bodyPr/>
-                    <a:lstStyle/>
-                    <a:p>
-                      <a:pPr algn="ctr"/>
-                      <a:r>
-                        <a:rPr lang="en-ZA" dirty="0"/>
-                        <a:t>0.9988</a:t>
-                      </a:r>
-                    </a:p>
-                  </a:txBody>
-                  <a:tcPr/>
-                </a:tc>
-                <a:tc>
-                  <a:txBody>
-                    <a:bodyPr/>
-                    <a:lstStyle/>
-                    <a:p>
-                      <a:endParaRPr lang="en-ZA" dirty="0"/>
-                    </a:p>
-                  </a:txBody>
-                  <a:tcPr/>
-                </a:tc>
-                <a:tc>
-                  <a:txBody>
-                    <a:bodyPr/>
-                    <a:lstStyle/>
-                    <a:p>
-                      <a:endParaRPr lang="en-ZA" dirty="0"/>
-                    </a:p>
-                  </a:txBody>
-                  <a:tcPr/>
-                </a:tc>
-                <a:extLst>
-                  <a:ext uri="{0D108BD9-81ED-4DB2-BD59-A6C34878D82A}">
-                    <a16:rowId xmlns:a16="http://schemas.microsoft.com/office/drawing/2014/main" val="2248818717"/>
-                  </a:ext>
-                </a:extLst>
-              </a:tr>
-              <a:tr h="529537">
-                <a:tc>
-                  <a:txBody>
-                    <a:bodyPr/>
-                    <a:lstStyle/>
-                    <a:p>
-                      <a:r>
-                        <a:rPr lang="en-ZA" dirty="0" err="1"/>
-                        <a:t>Precision@k</a:t>
-                      </a:r>
-                      <a:endParaRPr lang="en-ZA" dirty="0"/>
-                    </a:p>
-                  </a:txBody>
-                  <a:tcPr/>
-                </a:tc>
-                <a:tc>
-                  <a:txBody>
-                    <a:bodyPr/>
-                    <a:lstStyle/>
-                    <a:p>
-                      <a:pPr algn="ctr"/>
-                      <a:r>
-                        <a:rPr lang="en-ZA" dirty="0"/>
-                        <a:t>0.1501</a:t>
-                      </a:r>
-                    </a:p>
-                  </a:txBody>
-                  <a:tcPr/>
-                </a:tc>
-                <a:tc>
-                  <a:txBody>
-                    <a:bodyPr/>
-                    <a:lstStyle/>
-                    <a:p>
-                      <a:pPr marL="0" marR="0" lvl="0" indent="0" algn="ctr" defTabSz="914400" rtl="0" eaLnBrk="1" fontAlgn="auto" latinLnBrk="0" hangingPunct="1">
-                        <a:lnSpc>
-                          <a:spcPct val="100000"/>
-                        </a:lnSpc>
-                        <a:spcBef>
-                          <a:spcPts val="0"/>
-                        </a:spcBef>
-                        <a:spcAft>
-                          <a:spcPts val="0"/>
-                        </a:spcAft>
-                        <a:buClrTx/>
-                        <a:buSzTx/>
-                        <a:buFontTx/>
-                        <a:buNone/>
-                        <a:tabLst/>
-                        <a:defRPr/>
-                      </a:pPr>
-                      <a:r>
-                        <a:rPr lang="en-ZA" dirty="0"/>
-                        <a:t>0.3723</a:t>
-                      </a:r>
-                    </a:p>
-                  </a:txBody>
-                  <a:tcPr/>
-                </a:tc>
-                <a:tc>
-                  <a:txBody>
-                    <a:bodyPr/>
-                    <a:lstStyle/>
-                    <a:p>
-                      <a:r>
-                        <a:rPr lang="en-ZA" sz="1600" dirty="0"/>
-                        <a:t>Mean </a:t>
-                      </a:r>
-                      <a:r>
-                        <a:rPr lang="en-ZA" sz="1600" dirty="0" err="1"/>
-                        <a:t>precision@k</a:t>
-                      </a:r>
-                      <a:r>
-                        <a:rPr lang="en-ZA" sz="1600" dirty="0"/>
-                        <a:t> only for users with recorded interactions across the entire dataset</a:t>
-                      </a:r>
-                    </a:p>
-                  </a:txBody>
-                  <a:tcPr/>
-                </a:tc>
-                <a:tc>
-                  <a:txBody>
-                    <a:bodyPr/>
-                    <a:lstStyle/>
-                    <a:p>
-                      <a:endParaRPr lang="en-ZA" dirty="0"/>
-                    </a:p>
-                  </a:txBody>
-                  <a:tcPr/>
-                </a:tc>
-                <a:extLst>
-                  <a:ext uri="{0D108BD9-81ED-4DB2-BD59-A6C34878D82A}">
-                    <a16:rowId xmlns:a16="http://schemas.microsoft.com/office/drawing/2014/main" val="2717578898"/>
-                  </a:ext>
-                </a:extLst>
-              </a:tr>
-              <a:tr h="529537">
-                <a:tc>
-                  <a:txBody>
-                    <a:bodyPr/>
-                    <a:lstStyle/>
-                    <a:p>
-                      <a:r>
-                        <a:rPr lang="en-ZA" dirty="0"/>
-                        <a:t>Reciprocal rank</a:t>
-                      </a:r>
-                    </a:p>
-                  </a:txBody>
-                  <a:tcPr/>
-                </a:tc>
-                <a:tc>
-                  <a:txBody>
-                    <a:bodyPr/>
-                    <a:lstStyle/>
-                    <a:p>
-                      <a:pPr algn="ctr"/>
-                      <a:r>
-                        <a:rPr lang="en-ZA" dirty="0"/>
-                        <a:t>0.6512</a:t>
-                      </a:r>
-                    </a:p>
-                  </a:txBody>
-                  <a:tcPr/>
-                </a:tc>
-                <a:tc>
-                  <a:txBody>
-                    <a:bodyPr/>
-                    <a:lstStyle/>
-                    <a:p>
-                      <a:pPr algn="ctr"/>
-                      <a:r>
-                        <a:rPr lang="en-ZA" dirty="0"/>
-                        <a:t>0.9859</a:t>
-                      </a:r>
-                    </a:p>
-                  </a:txBody>
-                  <a:tcPr/>
-                </a:tc>
-                <a:tc>
-                  <a:txBody>
-                    <a:bodyPr/>
-                    <a:lstStyle/>
-                    <a:p>
-                      <a:endParaRPr lang="en-ZA" dirty="0"/>
-                    </a:p>
-                  </a:txBody>
-                  <a:tcPr/>
-                </a:tc>
-                <a:tc>
-                  <a:txBody>
-                    <a:bodyPr/>
-                    <a:lstStyle/>
-                    <a:p>
-                      <a:endParaRPr lang="en-ZA" dirty="0"/>
-                    </a:p>
-                  </a:txBody>
-                  <a:tcPr/>
-                </a:tc>
-                <a:extLst>
-                  <a:ext uri="{0D108BD9-81ED-4DB2-BD59-A6C34878D82A}">
-                    <a16:rowId xmlns:a16="http://schemas.microsoft.com/office/drawing/2014/main" val="2260216570"/>
-                  </a:ext>
-                </a:extLst>
-              </a:tr>
-              <a:tr h="529537">
-                <a:tc>
-                  <a:txBody>
-                    <a:bodyPr/>
-                    <a:lstStyle/>
-                    <a:p>
-                      <a:r>
-                        <a:rPr lang="en-ZA" dirty="0"/>
-                        <a:t>User similarity</a:t>
-                      </a:r>
-                    </a:p>
-                  </a:txBody>
-                  <a:tcPr/>
-                </a:tc>
-                <a:tc>
-                  <a:txBody>
-                    <a:bodyPr/>
-                    <a:lstStyle/>
-                    <a:p>
-                      <a:pPr algn="ctr"/>
-                      <a:endParaRPr lang="en-ZA"/>
-                    </a:p>
-                  </a:txBody>
-                  <a:tcPr/>
-                </a:tc>
-                <a:tc>
-                  <a:txBody>
-                    <a:bodyPr/>
-                    <a:lstStyle/>
-                    <a:p>
-                      <a:pPr algn="ctr"/>
-                      <a:endParaRPr lang="en-ZA" dirty="0"/>
-                    </a:p>
-                  </a:txBody>
-                  <a:tcPr/>
-                </a:tc>
-                <a:tc>
-                  <a:txBody>
-                    <a:bodyPr/>
-                    <a:lstStyle/>
-                    <a:p>
-                      <a:endParaRPr lang="en-ZA" dirty="0"/>
-                    </a:p>
-                  </a:txBody>
-                  <a:tcPr/>
-                </a:tc>
-                <a:tc>
-                  <a:txBody>
-                    <a:bodyPr/>
-                    <a:lstStyle/>
-                    <a:p>
-                      <a:endParaRPr lang="en-ZA" dirty="0"/>
-                    </a:p>
-                  </a:txBody>
-                  <a:tcPr/>
-                </a:tc>
-                <a:extLst>
-                  <a:ext uri="{0D108BD9-81ED-4DB2-BD59-A6C34878D82A}">
-                    <a16:rowId xmlns:a16="http://schemas.microsoft.com/office/drawing/2014/main" val="3505271116"/>
-                  </a:ext>
-                </a:extLst>
-              </a:tr>
-              <a:tr h="529537">
-                <a:tc>
-                  <a:txBody>
-                    <a:bodyPr/>
-                    <a:lstStyle/>
-                    <a:p>
-                      <a:r>
-                        <a:rPr lang="en-ZA" dirty="0"/>
-                        <a:t>Item Similarity</a:t>
-                      </a:r>
-                    </a:p>
-                  </a:txBody>
-                  <a:tcPr/>
-                </a:tc>
-                <a:tc>
-                  <a:txBody>
-                    <a:bodyPr/>
-                    <a:lstStyle/>
-                    <a:p>
-                      <a:pPr algn="ctr"/>
-                      <a:endParaRPr lang="en-ZA"/>
-                    </a:p>
-                  </a:txBody>
-                  <a:tcPr/>
-                </a:tc>
-                <a:tc>
-                  <a:txBody>
-                    <a:bodyPr/>
-                    <a:lstStyle/>
-                    <a:p>
-                      <a:pPr algn="ctr"/>
-                      <a:endParaRPr lang="en-ZA" dirty="0"/>
-                    </a:p>
-                  </a:txBody>
-                  <a:tcPr/>
-                </a:tc>
-                <a:tc>
-                  <a:txBody>
-                    <a:bodyPr/>
-                    <a:lstStyle/>
-                    <a:p>
-                      <a:endParaRPr lang="en-ZA" dirty="0"/>
-                    </a:p>
-                  </a:txBody>
-                  <a:tcPr/>
-                </a:tc>
-                <a:tc>
-                  <a:txBody>
-                    <a:bodyPr/>
-                    <a:lstStyle/>
-                    <a:p>
-                      <a:endParaRPr lang="en-ZA" dirty="0"/>
-                    </a:p>
-                  </a:txBody>
-                  <a:tcPr/>
-                </a:tc>
-                <a:extLst>
-                  <a:ext uri="{0D108BD9-81ED-4DB2-BD59-A6C34878D82A}">
-                    <a16:rowId xmlns:a16="http://schemas.microsoft.com/office/drawing/2014/main" val="1884899802"/>
-                  </a:ext>
-                </a:extLst>
-              </a:tr>
-            </a:tbl>
-          </a:graphicData>
-        </a:graphic>
-      </p:graphicFrame>
-      <p:sp>
-        <p:nvSpPr>
-          <p:cNvPr id="8" name="TextBox 7">
-            <a:extLst>
-              <a:ext uri="{FF2B5EF4-FFF2-40B4-BE49-F238E27FC236}">
-                <a16:creationId xmlns:a16="http://schemas.microsoft.com/office/drawing/2014/main" id="{E4DDD67B-5696-6971-ED85-097513B8B033}"/>
-              </a:ext>
-            </a:extLst>
-          </p:cNvPr>
-          <p:cNvSpPr txBox="1"/>
-          <p:nvPr/>
-        </p:nvSpPr>
-        <p:spPr>
-          <a:xfrm>
-            <a:off x="717754" y="1243158"/>
-            <a:ext cx="6096000" cy="369332"/>
-          </a:xfrm>
-          <a:prstGeom prst="rect">
-            <a:avLst/>
-          </a:prstGeom>
-          <a:noFill/>
-        </p:spPr>
-        <p:txBody>
-          <a:bodyPr wrap="square">
-            <a:spAutoFit/>
-          </a:bodyPr>
-          <a:lstStyle/>
-          <a:p>
-            <a:r>
-              <a:rPr lang="en-ZA" b="1" dirty="0">
-                <a:solidFill>
-                  <a:schemeClr val="bg1"/>
-                </a:solidFill>
-              </a:rPr>
-              <a:t>*@ 80/20 random train test split</a:t>
-            </a:r>
-            <a:endParaRPr lang="en-ZA" b="1" dirty="0"/>
-          </a:p>
-        </p:txBody>
-      </p:sp>
-    </p:spTree>
-    <p:extLst>
-      <p:ext uri="{BB962C8B-B14F-4D97-AF65-F5344CB8AC3E}">
-        <p14:creationId xmlns:p14="http://schemas.microsoft.com/office/powerpoint/2010/main" val="1700196433"/>
-      </p:ext>
-    </p:extLst>
-  </p:cSld>
-  <p:clrMapOvr>
-    <a:masterClrMapping/>
-  </p:clrMapOvr>
-  <mc:AlternateContent xmlns:mc="http://schemas.openxmlformats.org/markup-compatibility/2006" xmlns:p159="http://schemas.microsoft.com/office/powerpoint/2015/09/main">
-    <mc:Choice Requires="p159">
-      <p:transition xmlns:p14="http://schemas.microsoft.com/office/powerpoint/2010/main" spd="slow" p14:dur="2000">
-        <p159:morph option="byObject"/>
-      </p:transition>
-    </mc:Choice>
-    <mc:Fallback xmlns="">
-      <p:transition spd="slow">
-        <p:fade/>
-      </p:transition>
-    </mc:Fallback>
-  </mc:AlternateContent>
-</p:sld>
-</file>
-
 <file path=ppt/slides/slide5.xml><?xml version="1.0" encoding="utf-8"?>
 <p:sld xmlns:a="http://schemas.openxmlformats.org/drawingml/2006/main" xmlns:r="http://schemas.openxmlformats.org/officeDocument/2006/relationships" xmlns:p="http://schemas.openxmlformats.org/presentationml/2006/main">
   <p:cSld>
@@ -39628,7 +39468,7 @@
                   <a:schemeClr val="bg1"/>
                 </a:solidFill>
               </a:rPr>
-              <a:t>Model Evaluation :</a:t>
+              <a:t>Model Evaluation Summary:</a:t>
             </a:r>
             <a:r>
               <a:rPr lang="en-US" sz="2800" b="1" dirty="0">
@@ -39646,12 +39486,511 @@
           </a:p>
         </p:txBody>
       </p:sp>
+      <p:graphicFrame>
+        <p:nvGraphicFramePr>
+          <p:cNvPr id="6" name="Table 5">
+            <a:extLst>
+              <a:ext uri="{FF2B5EF4-FFF2-40B4-BE49-F238E27FC236}">
+                <a16:creationId xmlns:a16="http://schemas.microsoft.com/office/drawing/2014/main" id="{C447EA82-F229-1341-3B58-1CD5F15BAA03}"/>
+              </a:ext>
+            </a:extLst>
+          </p:cNvPr>
+          <p:cNvGraphicFramePr>
+            <a:graphicFrameLocks noGrp="1"/>
+          </p:cNvGraphicFramePr>
+          <p:nvPr>
+            <p:extLst>
+              <p:ext uri="{D42A27DB-BD31-4B8C-83A1-F6EECF244321}">
+                <p14:modId xmlns:p14="http://schemas.microsoft.com/office/powerpoint/2010/main" val="1842786710"/>
+              </p:ext>
+            </p:extLst>
+          </p:nvPr>
+        </p:nvGraphicFramePr>
+        <p:xfrm>
+          <a:off x="707923" y="1612490"/>
+          <a:ext cx="10491021" cy="3958325"/>
+        </p:xfrm>
+        <a:graphic>
+          <a:graphicData uri="http://schemas.openxmlformats.org/drawingml/2006/table">
+            <a:tbl>
+              <a:tblPr firstRow="1" bandRow="1">
+                <a:tableStyleId>{EB9631B5-78F2-41C9-869B-9F39066F8104}</a:tableStyleId>
+              </a:tblPr>
+              <a:tblGrid>
+                <a:gridCol w="2106069">
+                  <a:extLst>
+                    <a:ext uri="{9D8B030D-6E8A-4147-A177-3AD203B41FA5}">
+                      <a16:colId xmlns:a16="http://schemas.microsoft.com/office/drawing/2014/main" val="3419785081"/>
+                    </a:ext>
+                  </a:extLst>
+                </a:gridCol>
+                <a:gridCol w="2096238">
+                  <a:extLst>
+                    <a:ext uri="{9D8B030D-6E8A-4147-A177-3AD203B41FA5}">
+                      <a16:colId xmlns:a16="http://schemas.microsoft.com/office/drawing/2014/main" val="3484393436"/>
+                    </a:ext>
+                  </a:extLst>
+                </a:gridCol>
+                <a:gridCol w="2096238">
+                  <a:extLst>
+                    <a:ext uri="{9D8B030D-6E8A-4147-A177-3AD203B41FA5}">
+                      <a16:colId xmlns:a16="http://schemas.microsoft.com/office/drawing/2014/main" val="1814214063"/>
+                    </a:ext>
+                  </a:extLst>
+                </a:gridCol>
+                <a:gridCol w="2096238">
+                  <a:extLst>
+                    <a:ext uri="{9D8B030D-6E8A-4147-A177-3AD203B41FA5}">
+                      <a16:colId xmlns:a16="http://schemas.microsoft.com/office/drawing/2014/main" val="2438988768"/>
+                    </a:ext>
+                  </a:extLst>
+                </a:gridCol>
+                <a:gridCol w="2096238">
+                  <a:extLst>
+                    <a:ext uri="{9D8B030D-6E8A-4147-A177-3AD203B41FA5}">
+                      <a16:colId xmlns:a16="http://schemas.microsoft.com/office/drawing/2014/main" val="2177993718"/>
+                    </a:ext>
+                  </a:extLst>
+                </a:gridCol>
+              </a:tblGrid>
+              <a:tr h="529537">
+                <a:tc>
+                  <a:txBody>
+                    <a:bodyPr/>
+                    <a:lstStyle/>
+                    <a:p>
+                      <a:r>
+                        <a:rPr lang="en-ZA" dirty="0"/>
+                        <a:t>Metric</a:t>
+                      </a:r>
+                    </a:p>
+                  </a:txBody>
+                  <a:tcPr/>
+                </a:tc>
+                <a:tc>
+                  <a:txBody>
+                    <a:bodyPr/>
+                    <a:lstStyle/>
+                    <a:p>
+                      <a:r>
+                        <a:rPr lang="en-ZA" dirty="0"/>
+                        <a:t>Test Score</a:t>
+                      </a:r>
+                    </a:p>
+                  </a:txBody>
+                  <a:tcPr/>
+                </a:tc>
+                <a:tc>
+                  <a:txBody>
+                    <a:bodyPr/>
+                    <a:lstStyle/>
+                    <a:p>
+                      <a:r>
+                        <a:rPr lang="en-ZA" dirty="0"/>
+                        <a:t>Train Score</a:t>
+                      </a:r>
+                    </a:p>
+                  </a:txBody>
+                  <a:tcPr/>
+                </a:tc>
+                <a:tc>
+                  <a:txBody>
+                    <a:bodyPr/>
+                    <a:lstStyle/>
+                    <a:p>
+                      <a:r>
+                        <a:rPr lang="en-ZA" dirty="0"/>
+                        <a:t>Data used</a:t>
+                      </a:r>
+                    </a:p>
+                  </a:txBody>
+                  <a:tcPr/>
+                </a:tc>
+                <a:tc>
+                  <a:txBody>
+                    <a:bodyPr/>
+                    <a:lstStyle/>
+                    <a:p>
+                      <a:r>
+                        <a:rPr lang="en-ZA" dirty="0"/>
+                        <a:t>Conclusions</a:t>
+                      </a:r>
+                    </a:p>
+                  </a:txBody>
+                  <a:tcPr/>
+                </a:tc>
+                <a:extLst>
+                  <a:ext uri="{0D108BD9-81ED-4DB2-BD59-A6C34878D82A}">
+                    <a16:rowId xmlns:a16="http://schemas.microsoft.com/office/drawing/2014/main" val="976059334"/>
+                  </a:ext>
+                </a:extLst>
+              </a:tr>
+              <a:tr h="529537">
+                <a:tc>
+                  <a:txBody>
+                    <a:bodyPr/>
+                    <a:lstStyle/>
+                    <a:p>
+                      <a:r>
+                        <a:rPr lang="en-ZA" dirty="0"/>
+                        <a:t>AUC</a:t>
+                      </a:r>
+                    </a:p>
+                  </a:txBody>
+                  <a:tcPr/>
+                </a:tc>
+                <a:tc>
+                  <a:txBody>
+                    <a:bodyPr/>
+                    <a:lstStyle/>
+                    <a:p>
+                      <a:pPr algn="ctr"/>
+                      <a:r>
+                        <a:rPr lang="en-ZA" dirty="0"/>
+                        <a:t>0.9029</a:t>
+                      </a:r>
+                    </a:p>
+                  </a:txBody>
+                  <a:tcPr/>
+                </a:tc>
+                <a:tc>
+                  <a:txBody>
+                    <a:bodyPr/>
+                    <a:lstStyle/>
+                    <a:p>
+                      <a:pPr algn="ctr"/>
+                      <a:r>
+                        <a:rPr lang="en-ZA" dirty="0"/>
+                        <a:t>0.9988</a:t>
+                      </a:r>
+                    </a:p>
+                  </a:txBody>
+                  <a:tcPr/>
+                </a:tc>
+                <a:tc>
+                  <a:txBody>
+                    <a:bodyPr/>
+                    <a:lstStyle/>
+                    <a:p>
+                      <a:endParaRPr lang="en-ZA" dirty="0"/>
+                    </a:p>
+                  </a:txBody>
+                  <a:tcPr/>
+                </a:tc>
+                <a:tc>
+                  <a:txBody>
+                    <a:bodyPr/>
+                    <a:lstStyle/>
+                    <a:p>
+                      <a:endParaRPr lang="en-ZA" dirty="0"/>
+                    </a:p>
+                  </a:txBody>
+                  <a:tcPr/>
+                </a:tc>
+                <a:extLst>
+                  <a:ext uri="{0D108BD9-81ED-4DB2-BD59-A6C34878D82A}">
+                    <a16:rowId xmlns:a16="http://schemas.microsoft.com/office/drawing/2014/main" val="2248818717"/>
+                  </a:ext>
+                </a:extLst>
+              </a:tr>
+              <a:tr h="529537">
+                <a:tc>
+                  <a:txBody>
+                    <a:bodyPr/>
+                    <a:lstStyle/>
+                    <a:p>
+                      <a:r>
+                        <a:rPr lang="en-ZA" dirty="0" err="1"/>
+                        <a:t>Precision@k</a:t>
+                      </a:r>
+                      <a:endParaRPr lang="en-ZA" dirty="0"/>
+                    </a:p>
+                  </a:txBody>
+                  <a:tcPr/>
+                </a:tc>
+                <a:tc>
+                  <a:txBody>
+                    <a:bodyPr/>
+                    <a:lstStyle/>
+                    <a:p>
+                      <a:pPr algn="ctr"/>
+                      <a:r>
+                        <a:rPr lang="en-ZA" dirty="0"/>
+                        <a:t>0.1501</a:t>
+                      </a:r>
+                    </a:p>
+                  </a:txBody>
+                  <a:tcPr/>
+                </a:tc>
+                <a:tc>
+                  <a:txBody>
+                    <a:bodyPr/>
+                    <a:lstStyle/>
+                    <a:p>
+                      <a:pPr marL="0" marR="0" lvl="0" indent="0" algn="ctr" defTabSz="914400" rtl="0" eaLnBrk="1" fontAlgn="auto" latinLnBrk="0" hangingPunct="1">
+                        <a:lnSpc>
+                          <a:spcPct val="100000"/>
+                        </a:lnSpc>
+                        <a:spcBef>
+                          <a:spcPts val="0"/>
+                        </a:spcBef>
+                        <a:spcAft>
+                          <a:spcPts val="0"/>
+                        </a:spcAft>
+                        <a:buClrTx/>
+                        <a:buSzTx/>
+                        <a:buFontTx/>
+                        <a:buNone/>
+                        <a:tabLst/>
+                        <a:defRPr/>
+                      </a:pPr>
+                      <a:r>
+                        <a:rPr lang="en-ZA" dirty="0"/>
+                        <a:t>0.3723</a:t>
+                      </a:r>
+                    </a:p>
+                  </a:txBody>
+                  <a:tcPr/>
+                </a:tc>
+                <a:tc>
+                  <a:txBody>
+                    <a:bodyPr/>
+                    <a:lstStyle/>
+                    <a:p>
+                      <a:r>
+                        <a:rPr lang="en-ZA" sz="1600" dirty="0"/>
+                        <a:t>Mean </a:t>
+                      </a:r>
+                      <a:r>
+                        <a:rPr lang="en-ZA" sz="1600" dirty="0" err="1"/>
+                        <a:t>precision@k</a:t>
+                      </a:r>
+                      <a:r>
+                        <a:rPr lang="en-ZA" sz="1600" dirty="0"/>
+                        <a:t> only for users with recorded interactions across the entire dataset</a:t>
+                      </a:r>
+                    </a:p>
+                  </a:txBody>
+                  <a:tcPr/>
+                </a:tc>
+                <a:tc>
+                  <a:txBody>
+                    <a:bodyPr/>
+                    <a:lstStyle/>
+                    <a:p>
+                      <a:endParaRPr lang="en-ZA" dirty="0"/>
+                    </a:p>
+                  </a:txBody>
+                  <a:tcPr/>
+                </a:tc>
+                <a:extLst>
+                  <a:ext uri="{0D108BD9-81ED-4DB2-BD59-A6C34878D82A}">
+                    <a16:rowId xmlns:a16="http://schemas.microsoft.com/office/drawing/2014/main" val="2717578898"/>
+                  </a:ext>
+                </a:extLst>
+              </a:tr>
+              <a:tr h="529537">
+                <a:tc>
+                  <a:txBody>
+                    <a:bodyPr/>
+                    <a:lstStyle/>
+                    <a:p>
+                      <a:r>
+                        <a:rPr lang="en-ZA" dirty="0"/>
+                        <a:t>Reciprocal rank</a:t>
+                      </a:r>
+                    </a:p>
+                  </a:txBody>
+                  <a:tcPr/>
+                </a:tc>
+                <a:tc>
+                  <a:txBody>
+                    <a:bodyPr/>
+                    <a:lstStyle/>
+                    <a:p>
+                      <a:pPr algn="ctr"/>
+                      <a:r>
+                        <a:rPr lang="en-ZA" dirty="0"/>
+                        <a:t>0.6512</a:t>
+                      </a:r>
+                    </a:p>
+                  </a:txBody>
+                  <a:tcPr/>
+                </a:tc>
+                <a:tc>
+                  <a:txBody>
+                    <a:bodyPr/>
+                    <a:lstStyle/>
+                    <a:p>
+                      <a:pPr algn="ctr"/>
+                      <a:r>
+                        <a:rPr lang="en-ZA" dirty="0"/>
+                        <a:t>0.9859</a:t>
+                      </a:r>
+                    </a:p>
+                  </a:txBody>
+                  <a:tcPr/>
+                </a:tc>
+                <a:tc>
+                  <a:txBody>
+                    <a:bodyPr/>
+                    <a:lstStyle/>
+                    <a:p>
+                      <a:endParaRPr lang="en-ZA" dirty="0"/>
+                    </a:p>
+                  </a:txBody>
+                  <a:tcPr/>
+                </a:tc>
+                <a:tc>
+                  <a:txBody>
+                    <a:bodyPr/>
+                    <a:lstStyle/>
+                    <a:p>
+                      <a:endParaRPr lang="en-ZA" dirty="0"/>
+                    </a:p>
+                  </a:txBody>
+                  <a:tcPr/>
+                </a:tc>
+                <a:extLst>
+                  <a:ext uri="{0D108BD9-81ED-4DB2-BD59-A6C34878D82A}">
+                    <a16:rowId xmlns:a16="http://schemas.microsoft.com/office/drawing/2014/main" val="2260216570"/>
+                  </a:ext>
+                </a:extLst>
+              </a:tr>
+              <a:tr h="529537">
+                <a:tc>
+                  <a:txBody>
+                    <a:bodyPr/>
+                    <a:lstStyle/>
+                    <a:p>
+                      <a:r>
+                        <a:rPr lang="en-ZA" dirty="0"/>
+                        <a:t>User similarity</a:t>
+                      </a:r>
+                    </a:p>
+                  </a:txBody>
+                  <a:tcPr/>
+                </a:tc>
+                <a:tc>
+                  <a:txBody>
+                    <a:bodyPr/>
+                    <a:lstStyle/>
+                    <a:p>
+                      <a:pPr algn="ctr"/>
+                      <a:endParaRPr lang="en-ZA"/>
+                    </a:p>
+                  </a:txBody>
+                  <a:tcPr/>
+                </a:tc>
+                <a:tc>
+                  <a:txBody>
+                    <a:bodyPr/>
+                    <a:lstStyle/>
+                    <a:p>
+                      <a:pPr algn="ctr"/>
+                      <a:endParaRPr lang="en-ZA" dirty="0"/>
+                    </a:p>
+                  </a:txBody>
+                  <a:tcPr/>
+                </a:tc>
+                <a:tc>
+                  <a:txBody>
+                    <a:bodyPr/>
+                    <a:lstStyle/>
+                    <a:p>
+                      <a:endParaRPr lang="en-ZA" dirty="0"/>
+                    </a:p>
+                  </a:txBody>
+                  <a:tcPr/>
+                </a:tc>
+                <a:tc>
+                  <a:txBody>
+                    <a:bodyPr/>
+                    <a:lstStyle/>
+                    <a:p>
+                      <a:endParaRPr lang="en-ZA" dirty="0"/>
+                    </a:p>
+                  </a:txBody>
+                  <a:tcPr/>
+                </a:tc>
+                <a:extLst>
+                  <a:ext uri="{0D108BD9-81ED-4DB2-BD59-A6C34878D82A}">
+                    <a16:rowId xmlns:a16="http://schemas.microsoft.com/office/drawing/2014/main" val="3505271116"/>
+                  </a:ext>
+                </a:extLst>
+              </a:tr>
+              <a:tr h="529537">
+                <a:tc>
+                  <a:txBody>
+                    <a:bodyPr/>
+                    <a:lstStyle/>
+                    <a:p>
+                      <a:r>
+                        <a:rPr lang="en-ZA" dirty="0"/>
+                        <a:t>Item Similarity</a:t>
+                      </a:r>
+                    </a:p>
+                  </a:txBody>
+                  <a:tcPr/>
+                </a:tc>
+                <a:tc>
+                  <a:txBody>
+                    <a:bodyPr/>
+                    <a:lstStyle/>
+                    <a:p>
+                      <a:pPr algn="ctr"/>
+                      <a:endParaRPr lang="en-ZA"/>
+                    </a:p>
+                  </a:txBody>
+                  <a:tcPr/>
+                </a:tc>
+                <a:tc>
+                  <a:txBody>
+                    <a:bodyPr/>
+                    <a:lstStyle/>
+                    <a:p>
+                      <a:pPr algn="ctr"/>
+                      <a:endParaRPr lang="en-ZA" dirty="0"/>
+                    </a:p>
+                  </a:txBody>
+                  <a:tcPr/>
+                </a:tc>
+                <a:tc>
+                  <a:txBody>
+                    <a:bodyPr/>
+                    <a:lstStyle/>
+                    <a:p>
+                      <a:endParaRPr lang="en-ZA" dirty="0"/>
+                    </a:p>
+                  </a:txBody>
+                  <a:tcPr/>
+                </a:tc>
+                <a:tc>
+                  <a:txBody>
+                    <a:bodyPr/>
+                    <a:lstStyle/>
+                    <a:p>
+                      <a:endParaRPr lang="en-ZA" dirty="0"/>
+                    </a:p>
+                  </a:txBody>
+                  <a:tcPr/>
+                </a:tc>
+                <a:extLst>
+                  <a:ext uri="{0D108BD9-81ED-4DB2-BD59-A6C34878D82A}">
+                    <a16:rowId xmlns:a16="http://schemas.microsoft.com/office/drawing/2014/main" val="1884899802"/>
+                  </a:ext>
+                </a:extLst>
+              </a:tr>
+            </a:tbl>
+          </a:graphicData>
+        </a:graphic>
+      </p:graphicFrame>
       <p:sp>
         <p:nvSpPr>
-          <p:cNvPr id="3" name="TextBox 2">
+          <p:cNvPr id="8" name="TextBox 7">
             <a:extLst>
               <a:ext uri="{FF2B5EF4-FFF2-40B4-BE49-F238E27FC236}">
-                <a16:creationId xmlns:a16="http://schemas.microsoft.com/office/drawing/2014/main" id="{3E98D95D-B15A-D7C1-D8F0-E477F9AC3C0F}"/>
+                <a16:creationId xmlns:a16="http://schemas.microsoft.com/office/drawing/2014/main" id="{E4DDD67B-5696-6971-ED85-097513B8B033}"/>
               </a:ext>
             </a:extLst>
           </p:cNvPr>
@@ -39660,7 +39999,7 @@
         </p:nvSpPr>
         <p:spPr>
           <a:xfrm>
-            <a:off x="1229032" y="1762121"/>
+            <a:off x="717754" y="1243158"/>
             <a:ext cx="6096000" cy="369332"/>
           </a:xfrm>
           <a:prstGeom prst="rect">
@@ -39675,21 +40014,21 @@
           <a:lstStyle/>
           <a:p>
             <a:r>
-              <a:rPr lang="en-ZA" dirty="0">
+              <a:rPr lang="en-ZA" b="1" dirty="0">
                 <a:solidFill>
                   <a:schemeClr val="bg1"/>
                 </a:solidFill>
               </a:rPr>
-              <a:t>80/20 random train test split</a:t>
-            </a:r>
-            <a:endParaRPr lang="en-ZA" dirty="0"/>
+              <a:t>*@ 80/20 random train test split</a:t>
+            </a:r>
+            <a:endParaRPr lang="en-ZA" b="1" dirty="0"/>
           </a:p>
         </p:txBody>
       </p:sp>
     </p:spTree>
     <p:extLst>
       <p:ext uri="{BB962C8B-B14F-4D97-AF65-F5344CB8AC3E}">
-        <p14:creationId xmlns:p14="http://schemas.microsoft.com/office/powerpoint/2010/main" val="698835099"/>
+        <p14:creationId xmlns:p14="http://schemas.microsoft.com/office/powerpoint/2010/main" val="1700196433"/>
       </p:ext>
     </p:extLst>
   </p:cSld>
@@ -39786,6 +40125,164 @@
                   <a:schemeClr val="bg1"/>
                 </a:solidFill>
               </a:rPr>
+              <a:t>Model Evaluation :</a:t>
+            </a:r>
+            <a:r>
+              <a:rPr lang="en-US" sz="2800" b="1" dirty="0">
+                <a:solidFill>
+                  <a:schemeClr val="bg1"/>
+                </a:solidFill>
+              </a:rPr>
+              <a:t> </a:t>
+            </a:r>
+            <a:endParaRPr lang="en-ZA" sz="2800" b="1" dirty="0">
+              <a:solidFill>
+                <a:schemeClr val="bg1"/>
+              </a:solidFill>
+            </a:endParaRPr>
+          </a:p>
+        </p:txBody>
+      </p:sp>
+      <p:sp>
+        <p:nvSpPr>
+          <p:cNvPr id="3" name="TextBox 2">
+            <a:extLst>
+              <a:ext uri="{FF2B5EF4-FFF2-40B4-BE49-F238E27FC236}">
+                <a16:creationId xmlns:a16="http://schemas.microsoft.com/office/drawing/2014/main" id="{3E98D95D-B15A-D7C1-D8F0-E477F9AC3C0F}"/>
+              </a:ext>
+            </a:extLst>
+          </p:cNvPr>
+          <p:cNvSpPr txBox="1"/>
+          <p:nvPr/>
+        </p:nvSpPr>
+        <p:spPr>
+          <a:xfrm>
+            <a:off x="1229032" y="1762121"/>
+            <a:ext cx="6096000" cy="369332"/>
+          </a:xfrm>
+          <a:prstGeom prst="rect">
+            <a:avLst/>
+          </a:prstGeom>
+          <a:noFill/>
+        </p:spPr>
+        <p:txBody>
+          <a:bodyPr wrap="square">
+            <a:spAutoFit/>
+          </a:bodyPr>
+          <a:lstStyle/>
+          <a:p>
+            <a:r>
+              <a:rPr lang="en-ZA" dirty="0">
+                <a:solidFill>
+                  <a:schemeClr val="bg1"/>
+                </a:solidFill>
+              </a:rPr>
+              <a:t>80/20 random train test split</a:t>
+            </a:r>
+            <a:endParaRPr lang="en-ZA" dirty="0"/>
+          </a:p>
+        </p:txBody>
+      </p:sp>
+    </p:spTree>
+    <p:extLst>
+      <p:ext uri="{BB962C8B-B14F-4D97-AF65-F5344CB8AC3E}">
+        <p14:creationId xmlns:p14="http://schemas.microsoft.com/office/powerpoint/2010/main" val="698835099"/>
+      </p:ext>
+    </p:extLst>
+  </p:cSld>
+  <p:clrMapOvr>
+    <a:masterClrMapping/>
+  </p:clrMapOvr>
+  <mc:AlternateContent xmlns:mc="http://schemas.openxmlformats.org/markup-compatibility/2006" xmlns:p159="http://schemas.microsoft.com/office/powerpoint/2015/09/main">
+    <mc:Choice Requires="p159">
+      <p:transition xmlns:p14="http://schemas.microsoft.com/office/powerpoint/2010/main" spd="slow" p14:dur="2000">
+        <p159:morph option="byObject"/>
+      </p:transition>
+    </mc:Choice>
+    <mc:Fallback xmlns="">
+      <p:transition spd="slow">
+        <p:fade/>
+      </p:transition>
+    </mc:Fallback>
+  </mc:AlternateContent>
+</p:sld>
+</file>
+
+<file path=ppt/slides/slide52.xml><?xml version="1.0" encoding="utf-8"?>
+<p:sld xmlns:a="http://schemas.openxmlformats.org/drawingml/2006/main" xmlns:r="http://schemas.openxmlformats.org/officeDocument/2006/relationships" xmlns:p="http://schemas.openxmlformats.org/presentationml/2006/main">
+  <p:cSld>
+    <p:bg>
+      <p:bgPr>
+        <a:blipFill dpi="0" rotWithShape="1">
+          <a:blip r:embed="rId2">
+            <a:extLst>
+              <a:ext uri="{BEBA8EAE-BF5A-486C-A8C5-ECC9F3942E4B}">
+                <a14:imgProps xmlns:a14="http://schemas.microsoft.com/office/drawing/2010/main">
+                  <a14:imgLayer r:embed="rId3">
+                    <a14:imgEffect>
+                      <a14:brightnessContrast bright="-20000"/>
+                    </a14:imgEffect>
+                  </a14:imgLayer>
+                </a14:imgProps>
+              </a:ext>
+            </a:extLst>
+          </a:blip>
+          <a:srcRect/>
+          <a:stretch>
+            <a:fillRect l="-9000" t="-39000" b="-11000"/>
+          </a:stretch>
+        </a:blipFill>
+        <a:effectLst/>
+      </p:bgPr>
+    </p:bg>
+    <p:spTree>
+      <p:nvGrpSpPr>
+        <p:cNvPr id="1" name=""/>
+        <p:cNvGrpSpPr/>
+        <p:nvPr/>
+      </p:nvGrpSpPr>
+      <p:grpSpPr>
+        <a:xfrm>
+          <a:off x="0" y="0"/>
+          <a:ext cx="0" cy="0"/>
+          <a:chOff x="0" y="0"/>
+          <a:chExt cx="0" cy="0"/>
+        </a:xfrm>
+      </p:grpSpPr>
+      <p:sp>
+        <p:nvSpPr>
+          <p:cNvPr id="4" name="TextBox 3">
+            <a:extLst>
+              <a:ext uri="{FF2B5EF4-FFF2-40B4-BE49-F238E27FC236}">
+                <a16:creationId xmlns:a16="http://schemas.microsoft.com/office/drawing/2014/main" id="{B216AF57-F29C-D05C-D5C9-C32762A12133}"/>
+              </a:ext>
+            </a:extLst>
+          </p:cNvPr>
+          <p:cNvSpPr txBox="1"/>
+          <p:nvPr/>
+        </p:nvSpPr>
+        <p:spPr>
+          <a:xfrm>
+            <a:off x="835743" y="526372"/>
+            <a:ext cx="7580670" cy="584775"/>
+          </a:xfrm>
+          <a:prstGeom prst="rect">
+            <a:avLst/>
+          </a:prstGeom>
+          <a:noFill/>
+        </p:spPr>
+        <p:txBody>
+          <a:bodyPr wrap="square" rtlCol="0">
+            <a:spAutoFit/>
+          </a:bodyPr>
+          <a:lstStyle/>
+          <a:p>
+            <a:r>
+              <a:rPr lang="en-US" sz="3200" b="1" dirty="0">
+                <a:solidFill>
+                  <a:schemeClr val="bg1"/>
+                </a:solidFill>
+              </a:rPr>
               <a:t>Cold start problem:</a:t>
             </a:r>
             <a:r>
@@ -39903,7 +40400,7 @@
 </p:sld>
 </file>
 
-<file path=ppt/slides/slide52.xml><?xml version="1.0" encoding="utf-8"?>
+<file path=ppt/slides/slide53.xml><?xml version="1.0" encoding="utf-8"?>
 <p:sld xmlns:a="http://schemas.openxmlformats.org/drawingml/2006/main" xmlns:r="http://schemas.openxmlformats.org/officeDocument/2006/relationships" xmlns:p="http://schemas.openxmlformats.org/presentationml/2006/main">
   <p:cSld>
     <p:bg>

--- a/Presentation1bkp.pptx
+++ b/Presentation1bkp.pptx
@@ -21,42 +21,44 @@
     <p:sldId id="307" r:id="rId15"/>
     <p:sldId id="287" r:id="rId16"/>
     <p:sldId id="347" r:id="rId17"/>
-    <p:sldId id="348" r:id="rId18"/>
-    <p:sldId id="285" r:id="rId19"/>
-    <p:sldId id="308" r:id="rId20"/>
-    <p:sldId id="310" r:id="rId21"/>
-    <p:sldId id="311" r:id="rId22"/>
-    <p:sldId id="312" r:id="rId23"/>
-    <p:sldId id="313" r:id="rId24"/>
-    <p:sldId id="315" r:id="rId25"/>
-    <p:sldId id="329" r:id="rId26"/>
-    <p:sldId id="316" r:id="rId27"/>
-    <p:sldId id="317" r:id="rId28"/>
-    <p:sldId id="327" r:id="rId29"/>
-    <p:sldId id="322" r:id="rId30"/>
-    <p:sldId id="323" r:id="rId31"/>
-    <p:sldId id="324" r:id="rId32"/>
-    <p:sldId id="325" r:id="rId33"/>
-    <p:sldId id="326" r:id="rId34"/>
-    <p:sldId id="339" r:id="rId35"/>
-    <p:sldId id="340" r:id="rId36"/>
-    <p:sldId id="321" r:id="rId37"/>
-    <p:sldId id="318" r:id="rId38"/>
-    <p:sldId id="319" r:id="rId39"/>
-    <p:sldId id="342" r:id="rId40"/>
-    <p:sldId id="341" r:id="rId41"/>
-    <p:sldId id="343" r:id="rId42"/>
-    <p:sldId id="345" r:id="rId43"/>
-    <p:sldId id="344" r:id="rId44"/>
-    <p:sldId id="328" r:id="rId45"/>
-    <p:sldId id="330" r:id="rId46"/>
-    <p:sldId id="331" r:id="rId47"/>
-    <p:sldId id="333" r:id="rId48"/>
-    <p:sldId id="335" r:id="rId49"/>
-    <p:sldId id="334" r:id="rId50"/>
-    <p:sldId id="336" r:id="rId51"/>
-    <p:sldId id="337" r:id="rId52"/>
-    <p:sldId id="338" r:id="rId53"/>
+    <p:sldId id="352" r:id="rId18"/>
+    <p:sldId id="348" r:id="rId19"/>
+    <p:sldId id="285" r:id="rId20"/>
+    <p:sldId id="308" r:id="rId21"/>
+    <p:sldId id="310" r:id="rId22"/>
+    <p:sldId id="311" r:id="rId23"/>
+    <p:sldId id="312" r:id="rId24"/>
+    <p:sldId id="313" r:id="rId25"/>
+    <p:sldId id="315" r:id="rId26"/>
+    <p:sldId id="329" r:id="rId27"/>
+    <p:sldId id="316" r:id="rId28"/>
+    <p:sldId id="317" r:id="rId29"/>
+    <p:sldId id="327" r:id="rId30"/>
+    <p:sldId id="322" r:id="rId31"/>
+    <p:sldId id="323" r:id="rId32"/>
+    <p:sldId id="324" r:id="rId33"/>
+    <p:sldId id="325" r:id="rId34"/>
+    <p:sldId id="326" r:id="rId35"/>
+    <p:sldId id="339" r:id="rId36"/>
+    <p:sldId id="340" r:id="rId37"/>
+    <p:sldId id="321" r:id="rId38"/>
+    <p:sldId id="318" r:id="rId39"/>
+    <p:sldId id="319" r:id="rId40"/>
+    <p:sldId id="342" r:id="rId41"/>
+    <p:sldId id="341" r:id="rId42"/>
+    <p:sldId id="343" r:id="rId43"/>
+    <p:sldId id="345" r:id="rId44"/>
+    <p:sldId id="344" r:id="rId45"/>
+    <p:sldId id="328" r:id="rId46"/>
+    <p:sldId id="330" r:id="rId47"/>
+    <p:sldId id="331" r:id="rId48"/>
+    <p:sldId id="333" r:id="rId49"/>
+    <p:sldId id="335" r:id="rId50"/>
+    <p:sldId id="351" r:id="rId51"/>
+    <p:sldId id="334" r:id="rId52"/>
+    <p:sldId id="336" r:id="rId53"/>
+    <p:sldId id="337" r:id="rId54"/>
+    <p:sldId id="338" r:id="rId55"/>
   </p:sldIdLst>
   <p:sldSz cx="12192000" cy="6858000"/>
   <p:notesSz cx="6858000" cy="9144000"/>
@@ -8774,6 +8776,376 @@
             <a:schemeClr val="bg1"/>
           </a:solidFill>
         </a:defRPr>
+      </a:pPr>
+      <a:endParaRPr lang="en-US"/>
+    </a:p>
+  </c:txPr>
+  <c:externalData r:id="rId1">
+    <c:autoUpdate val="0"/>
+  </c:externalData>
+</c:chartSpace>
+</file>
+
+<file path=ppt/charts/chart36.xml><?xml version="1.0" encoding="utf-8"?>
+<c:chartSpace xmlns:c="http://schemas.openxmlformats.org/drawingml/2006/chart" xmlns:a="http://schemas.openxmlformats.org/drawingml/2006/main" xmlns:r="http://schemas.openxmlformats.org/officeDocument/2006/relationships" xmlns:c16r2="http://schemas.microsoft.com/office/drawing/2015/06/chart">
+  <c:date1904 val="0"/>
+  <c:lang val="en-US"/>
+  <c:roundedCorners val="1"/>
+  <mc:AlternateContent xmlns:mc="http://schemas.openxmlformats.org/markup-compatibility/2006">
+    <mc:Choice xmlns:c14="http://schemas.microsoft.com/office/drawing/2007/8/2/chart" Requires="c14">
+      <c14:style val="102"/>
+    </mc:Choice>
+    <mc:Fallback>
+      <c:style val="2"/>
+    </mc:Fallback>
+  </mc:AlternateContent>
+  <c:chart>
+    <c:title>
+      <c:tx>
+        <c:rich>
+          <a:bodyPr/>
+          <a:lstStyle/>
+          <a:p>
+            <a:r>
+              <a:rPr lang="en-US">
+                <a:solidFill>
+                  <a:schemeClr val="bg1"/>
+                </a:solidFill>
+              </a:rPr>
+              <a:t>Daily Activity Score per Segment</a:t>
+            </a:r>
+          </a:p>
+        </c:rich>
+      </c:tx>
+      <c:overlay val="0"/>
+    </c:title>
+    <c:autoTitleDeleted val="0"/>
+    <c:plotArea>
+      <c:layout/>
+      <c:barChart>
+        <c:barDir val="col"/>
+        <c:grouping val="clustered"/>
+        <c:varyColors val="1"/>
+        <c:ser>
+          <c:idx val="0"/>
+          <c:order val="0"/>
+          <c:tx>
+            <c:strRef>
+              <c:f>Sheet1!$B$1</c:f>
+              <c:strCache>
+                <c:ptCount val="1"/>
+                <c:pt idx="0">
+                  <c:v>Normalized Frequency</c:v>
+                </c:pt>
+              </c:strCache>
+            </c:strRef>
+          </c:tx>
+          <c:invertIfNegative val="1"/>
+          <c:cat>
+            <c:strRef>
+              <c:f>Sheet1!$A$2:$A$5</c:f>
+              <c:strCache>
+                <c:ptCount val="4"/>
+                <c:pt idx="0">
+                  <c:v>segment1</c:v>
+                </c:pt>
+                <c:pt idx="1">
+                  <c:v>segment2</c:v>
+                </c:pt>
+                <c:pt idx="2">
+                  <c:v>segment3</c:v>
+                </c:pt>
+                <c:pt idx="3">
+                  <c:v>segment4</c:v>
+                </c:pt>
+              </c:strCache>
+            </c:strRef>
+          </c:cat>
+          <c:val>
+            <c:numRef>
+              <c:f>Sheet1!$B$2:$B$5</c:f>
+              <c:numCache>
+                <c:formatCode>General</c:formatCode>
+                <c:ptCount val="4"/>
+                <c:pt idx="0">
+                  <c:v>1.9124503287942076</c:v>
+                </c:pt>
+                <c:pt idx="1">
+                  <c:v>1.7629376557059053</c:v>
+                </c:pt>
+                <c:pt idx="2">
+                  <c:v>1.6789408194384026</c:v>
+                </c:pt>
+                <c:pt idx="3">
+                  <c:v>1.5542256039964475</c:v>
+                </c:pt>
+              </c:numCache>
+            </c:numRef>
+          </c:val>
+          <c:extLst>
+            <c:ext xmlns:c16="http://schemas.microsoft.com/office/drawing/2014/chart" uri="{C3380CC4-5D6E-409C-BE32-E72D297353CC}">
+              <c16:uniqueId val="{00000000-F8C9-4CF2-B676-21C87B481706}"/>
+            </c:ext>
+          </c:extLst>
+        </c:ser>
+        <c:dLbls>
+          <c:showLegendKey val="0"/>
+          <c:showVal val="0"/>
+          <c:showCatName val="0"/>
+          <c:showSerName val="0"/>
+          <c:showPercent val="0"/>
+          <c:showBubbleSize val="0"/>
+        </c:dLbls>
+        <c:gapWidth val="50"/>
+        <c:axId val="-2068027336"/>
+        <c:axId val="-2113994440"/>
+      </c:barChart>
+      <c:catAx>
+        <c:axId val="-2068027336"/>
+        <c:scaling>
+          <c:orientation val="minMax"/>
+        </c:scaling>
+        <c:delete val="0"/>
+        <c:axPos val="b"/>
+        <c:numFmt formatCode="General" sourceLinked="0"/>
+        <c:majorTickMark val="out"/>
+        <c:minorTickMark val="none"/>
+        <c:tickLblPos val="nextTo"/>
+        <c:crossAx val="-2113994440"/>
+        <c:crosses val="autoZero"/>
+        <c:auto val="1"/>
+        <c:lblAlgn val="ctr"/>
+        <c:lblOffset val="100"/>
+        <c:noMultiLvlLbl val="0"/>
+      </c:catAx>
+      <c:valAx>
+        <c:axId val="-2113994440"/>
+        <c:scaling>
+          <c:orientation val="minMax"/>
+        </c:scaling>
+        <c:delete val="0"/>
+        <c:axPos val="l"/>
+        <c:majorGridlines/>
+        <c:numFmt formatCode="General" sourceLinked="1"/>
+        <c:majorTickMark val="out"/>
+        <c:minorTickMark val="none"/>
+        <c:tickLblPos val="nextTo"/>
+        <c:crossAx val="-2068027336"/>
+        <c:crosses val="autoZero"/>
+        <c:crossBetween val="between"/>
+      </c:valAx>
+    </c:plotArea>
+    <c:plotVisOnly val="1"/>
+    <c:dispBlanksAs val="gap"/>
+    <c:showDLblsOverMax val="1"/>
+  </c:chart>
+  <c:txPr>
+    <a:bodyPr/>
+    <a:lstStyle/>
+    <a:p>
+      <a:pPr>
+        <a:defRPr sz="1800">
+          <a:solidFill>
+            <a:schemeClr val="bg1"/>
+          </a:solidFill>
+        </a:defRPr>
+      </a:pPr>
+      <a:endParaRPr lang="en-US"/>
+    </a:p>
+  </c:txPr>
+  <c:externalData r:id="rId1">
+    <c:autoUpdate val="0"/>
+  </c:externalData>
+</c:chartSpace>
+</file>
+
+<file path=ppt/charts/chart37.xml><?xml version="1.0" encoding="utf-8"?>
+<c:chartSpace xmlns:c="http://schemas.openxmlformats.org/drawingml/2006/chart" xmlns:a="http://schemas.openxmlformats.org/drawingml/2006/main" xmlns:r="http://schemas.openxmlformats.org/officeDocument/2006/relationships" xmlns:c16r2="http://schemas.microsoft.com/office/drawing/2015/06/chart">
+  <c:date1904 val="0"/>
+  <c:lang val="en-US"/>
+  <c:roundedCorners val="1"/>
+  <mc:AlternateContent xmlns:mc="http://schemas.openxmlformats.org/markup-compatibility/2006">
+    <mc:Choice xmlns:c14="http://schemas.microsoft.com/office/drawing/2007/8/2/chart" Requires="c14">
+      <c14:style val="102"/>
+    </mc:Choice>
+    <mc:Fallback>
+      <c:style val="2"/>
+    </mc:Fallback>
+  </mc:AlternateContent>
+  <c:chart>
+    <c:title>
+      <c:tx>
+        <c:rich>
+          <a:bodyPr/>
+          <a:lstStyle/>
+          <a:p>
+            <a:r>
+              <a:rPr lang="en-ZA">
+                <a:solidFill>
+                  <a:schemeClr val="bg1"/>
+                </a:solidFill>
+              </a:rPr>
+              <a:t>Activity Rate per Segment</a:t>
+            </a:r>
+          </a:p>
+        </c:rich>
+      </c:tx>
+      <c:overlay val="0"/>
+    </c:title>
+    <c:autoTitleDeleted val="0"/>
+    <c:plotArea>
+      <c:layout/>
+      <c:barChart>
+        <c:barDir val="col"/>
+        <c:grouping val="clustered"/>
+        <c:varyColors val="1"/>
+        <c:ser>
+          <c:idx val="0"/>
+          <c:order val="0"/>
+          <c:tx>
+            <c:strRef>
+              <c:f>Sheet1!$B$1</c:f>
+              <c:strCache>
+                <c:ptCount val="1"/>
+                <c:pt idx="0">
+                  <c:v>Nananas</c:v>
+                </c:pt>
+              </c:strCache>
+            </c:strRef>
+          </c:tx>
+          <c:invertIfNegative val="1"/>
+          <c:cat>
+            <c:strRef>
+              <c:f>Sheet1!$A$2:$A$5</c:f>
+              <c:strCache>
+                <c:ptCount val="4"/>
+                <c:pt idx="0">
+                  <c:v>segment1</c:v>
+                </c:pt>
+                <c:pt idx="1">
+                  <c:v>segment2</c:v>
+                </c:pt>
+                <c:pt idx="2">
+                  <c:v>segment3</c:v>
+                </c:pt>
+                <c:pt idx="3">
+                  <c:v>segment4</c:v>
+                </c:pt>
+              </c:strCache>
+            </c:strRef>
+          </c:cat>
+          <c:val>
+            <c:numRef>
+              <c:f>Sheet1!$B$2:$B$5</c:f>
+              <c:numCache>
+                <c:formatCode>General</c:formatCode>
+                <c:ptCount val="4"/>
+                <c:pt idx="0">
+                  <c:v>6.8520555859449425E-2</c:v>
+                </c:pt>
+                <c:pt idx="1">
+                  <c:v>6.6796450454529352E-2</c:v>
+                </c:pt>
+                <c:pt idx="2">
+                  <c:v>6.9818341370334311E-2</c:v>
+                </c:pt>
+                <c:pt idx="3">
+                  <c:v>6.4230278377805539E-2</c:v>
+                </c:pt>
+              </c:numCache>
+            </c:numRef>
+          </c:val>
+          <c:extLst>
+            <c:ext xmlns:c16="http://schemas.microsoft.com/office/drawing/2014/chart" uri="{C3380CC4-5D6E-409C-BE32-E72D297353CC}">
+              <c16:uniqueId val="{00000000-DB21-4951-ACD2-33DC172D6D7C}"/>
+            </c:ext>
+          </c:extLst>
+        </c:ser>
+        <c:dLbls>
+          <c:showLegendKey val="0"/>
+          <c:showVal val="0"/>
+          <c:showCatName val="0"/>
+          <c:showSerName val="0"/>
+          <c:showPercent val="0"/>
+          <c:showBubbleSize val="0"/>
+        </c:dLbls>
+        <c:gapWidth val="50"/>
+        <c:axId val="-2068027336"/>
+        <c:axId val="-2113994440"/>
+      </c:barChart>
+      <c:catAx>
+        <c:axId val="-2068027336"/>
+        <c:scaling>
+          <c:orientation val="minMax"/>
+        </c:scaling>
+        <c:delete val="0"/>
+        <c:axPos val="b"/>
+        <c:numFmt formatCode="General" sourceLinked="0"/>
+        <c:majorTickMark val="out"/>
+        <c:minorTickMark val="none"/>
+        <c:tickLblPos val="nextTo"/>
+        <c:txPr>
+          <a:bodyPr/>
+          <a:lstStyle/>
+          <a:p>
+            <a:pPr>
+              <a:defRPr>
+                <a:solidFill>
+                  <a:schemeClr val="bg1"/>
+                </a:solidFill>
+              </a:defRPr>
+            </a:pPr>
+            <a:endParaRPr lang="en-US"/>
+          </a:p>
+        </c:txPr>
+        <c:crossAx val="-2113994440"/>
+        <c:crosses val="autoZero"/>
+        <c:auto val="1"/>
+        <c:lblAlgn val="ctr"/>
+        <c:lblOffset val="100"/>
+        <c:noMultiLvlLbl val="0"/>
+      </c:catAx>
+      <c:valAx>
+        <c:axId val="-2113994440"/>
+        <c:scaling>
+          <c:orientation val="minMax"/>
+        </c:scaling>
+        <c:delete val="0"/>
+        <c:axPos val="l"/>
+        <c:majorGridlines/>
+        <c:numFmt formatCode="General" sourceLinked="1"/>
+        <c:majorTickMark val="out"/>
+        <c:minorTickMark val="none"/>
+        <c:tickLblPos val="nextTo"/>
+        <c:txPr>
+          <a:bodyPr/>
+          <a:lstStyle/>
+          <a:p>
+            <a:pPr>
+              <a:defRPr>
+                <a:solidFill>
+                  <a:schemeClr val="bg1"/>
+                </a:solidFill>
+              </a:defRPr>
+            </a:pPr>
+            <a:endParaRPr lang="en-US"/>
+          </a:p>
+        </c:txPr>
+        <c:crossAx val="-2068027336"/>
+        <c:crosses val="autoZero"/>
+        <c:crossBetween val="between"/>
+      </c:valAx>
+    </c:plotArea>
+    <c:plotVisOnly val="1"/>
+    <c:dispBlanksAs val="gap"/>
+    <c:showDLblsOverMax val="1"/>
+  </c:chart>
+  <c:txPr>
+    <a:bodyPr/>
+    <a:lstStyle/>
+    <a:p>
+      <a:pPr>
+        <a:defRPr sz="1800"/>
       </a:pPr>
       <a:endParaRPr lang="en-US"/>
     </a:p>
@@ -17179,13 +17551,13 @@
   <p:clrMapOvr>
     <a:masterClrMapping/>
   </p:clrMapOvr>
-  <mc:AlternateContent xmlns:mc="http://schemas.openxmlformats.org/markup-compatibility/2006">
-    <mc:Choice xmlns:p159="http://schemas.microsoft.com/office/powerpoint/2015/09/main" Requires="p159">
+  <mc:AlternateContent xmlns:mc="http://schemas.openxmlformats.org/markup-compatibility/2006" xmlns:p159="http://schemas.microsoft.com/office/powerpoint/2015/09/main">
+    <mc:Choice Requires="p159">
       <p:transition xmlns:p14="http://schemas.microsoft.com/office/powerpoint/2010/main" spd="slow" p14:dur="2000">
         <p159:morph option="byObject"/>
       </p:transition>
     </mc:Choice>
-    <mc:Fallback>
+    <mc:Fallback xmlns="">
       <p:transition spd="slow">
         <p:fade/>
       </p:transition>
@@ -17364,6 +17736,392 @@
           <p:cNvPr id="2" name="TextBox 1">
             <a:extLst>
               <a:ext uri="{FF2B5EF4-FFF2-40B4-BE49-F238E27FC236}">
+                <a16:creationId xmlns:a16="http://schemas.microsoft.com/office/drawing/2014/main" id="{D344A9EB-8552-6F62-3FA6-E62E8415A9A0}"/>
+              </a:ext>
+            </a:extLst>
+          </p:cNvPr>
+          <p:cNvSpPr txBox="1"/>
+          <p:nvPr/>
+        </p:nvSpPr>
+        <p:spPr>
+          <a:xfrm>
+            <a:off x="403123" y="402066"/>
+            <a:ext cx="7305368" cy="646331"/>
+          </a:xfrm>
+          <a:prstGeom prst="rect">
+            <a:avLst/>
+          </a:prstGeom>
+          <a:noFill/>
+        </p:spPr>
+        <p:txBody>
+          <a:bodyPr wrap="square" rtlCol="0">
+            <a:spAutoFit/>
+          </a:bodyPr>
+          <a:lstStyle/>
+          <a:p>
+            <a:r>
+              <a:rPr lang="en-US" sz="3600" b="1" dirty="0">
+                <a:solidFill>
+                  <a:schemeClr val="bg1"/>
+                </a:solidFill>
+              </a:rPr>
+              <a:t>Engineering our own features: </a:t>
+            </a:r>
+            <a:endParaRPr lang="en-ZA" sz="3600" b="1" dirty="0">
+              <a:solidFill>
+                <a:schemeClr val="bg1"/>
+              </a:solidFill>
+            </a:endParaRPr>
+          </a:p>
+        </p:txBody>
+      </p:sp>
+      <p:sp>
+        <p:nvSpPr>
+          <p:cNvPr id="5" name="TextBox 4">
+            <a:extLst>
+              <a:ext uri="{FF2B5EF4-FFF2-40B4-BE49-F238E27FC236}">
+                <a16:creationId xmlns:a16="http://schemas.microsoft.com/office/drawing/2014/main" id="{751078E4-4E22-81F5-4398-BE436CBA061B}"/>
+              </a:ext>
+            </a:extLst>
+          </p:cNvPr>
+          <p:cNvSpPr txBox="1"/>
+          <p:nvPr/>
+        </p:nvSpPr>
+        <p:spPr>
+          <a:xfrm>
+            <a:off x="786581" y="1199536"/>
+            <a:ext cx="9281651" cy="707886"/>
+          </a:xfrm>
+          <a:prstGeom prst="rect">
+            <a:avLst/>
+          </a:prstGeom>
+          <a:noFill/>
+        </p:spPr>
+        <p:txBody>
+          <a:bodyPr wrap="square">
+            <a:spAutoFit/>
+          </a:bodyPr>
+          <a:lstStyle/>
+          <a:p>
+            <a:r>
+              <a:rPr lang="en-ZA" sz="2000" b="1" dirty="0">
+                <a:highlight>
+                  <a:srgbClr val="55D2B0"/>
+                </a:highlight>
+              </a:rPr>
+              <a:t>Activity Score:</a:t>
+            </a:r>
+          </a:p>
+          <a:p>
+            <a:r>
+              <a:rPr lang="en-ZA" sz="2000" dirty="0"/>
+              <a:t>	</a:t>
+            </a:r>
+            <a:endParaRPr lang="en-ZA" sz="2000" b="1" dirty="0"/>
+          </a:p>
+        </p:txBody>
+      </p:sp>
+      <p:sp>
+        <p:nvSpPr>
+          <p:cNvPr id="4" name="TextBox 3">
+            <a:extLst>
+              <a:ext uri="{FF2B5EF4-FFF2-40B4-BE49-F238E27FC236}">
+                <a16:creationId xmlns:a16="http://schemas.microsoft.com/office/drawing/2014/main" id="{126F75D3-6A54-C725-56E2-F3C23B23E1B4}"/>
+              </a:ext>
+            </a:extLst>
+          </p:cNvPr>
+          <p:cNvSpPr txBox="1"/>
+          <p:nvPr/>
+        </p:nvSpPr>
+        <p:spPr>
+          <a:xfrm>
+            <a:off x="786580" y="3102031"/>
+            <a:ext cx="8967019" cy="707886"/>
+          </a:xfrm>
+          <a:prstGeom prst="rect">
+            <a:avLst/>
+          </a:prstGeom>
+          <a:noFill/>
+        </p:spPr>
+        <p:txBody>
+          <a:bodyPr wrap="square">
+            <a:spAutoFit/>
+          </a:bodyPr>
+          <a:lstStyle/>
+          <a:p>
+            <a:r>
+              <a:rPr lang="en-ZA" sz="2000" b="1" dirty="0">
+                <a:highlight>
+                  <a:srgbClr val="55D2B0"/>
+                </a:highlight>
+              </a:rPr>
+              <a:t>Activity Rate:</a:t>
+            </a:r>
+          </a:p>
+          <a:p>
+            <a:r>
+              <a:rPr lang="en-ZA" sz="2000" dirty="0"/>
+              <a:t>	</a:t>
+            </a:r>
+            <a:endParaRPr lang="en-ZA" sz="2000" b="1" dirty="0"/>
+          </a:p>
+        </p:txBody>
+      </p:sp>
+      <p:graphicFrame>
+        <p:nvGraphicFramePr>
+          <p:cNvPr id="3" name="Chart 2">
+            <a:extLst>
+              <a:ext uri="{FF2B5EF4-FFF2-40B4-BE49-F238E27FC236}">
+                <a16:creationId xmlns:a16="http://schemas.microsoft.com/office/drawing/2014/main" id="{C3C2A9A8-C903-A75C-D371-0CD4AB3C421D}"/>
+              </a:ext>
+            </a:extLst>
+          </p:cNvPr>
+          <p:cNvGraphicFramePr>
+            <a:graphicFrameLocks noGrp="1"/>
+          </p:cNvGraphicFramePr>
+          <p:nvPr>
+            <p:extLst>
+              <p:ext uri="{D42A27DB-BD31-4B8C-83A1-F6EECF244321}">
+                <p14:modId xmlns:p14="http://schemas.microsoft.com/office/powerpoint/2010/main" val="1648214379"/>
+              </p:ext>
+            </p:extLst>
+          </p:nvPr>
+        </p:nvGraphicFramePr>
+        <p:xfrm>
+          <a:off x="3185650" y="1025013"/>
+          <a:ext cx="5653550" cy="2403987"/>
+        </p:xfrm>
+        <a:graphic>
+          <a:graphicData uri="http://schemas.openxmlformats.org/drawingml/2006/chart">
+            <c:chart xmlns:c="http://schemas.openxmlformats.org/drawingml/2006/chart" xmlns:r="http://schemas.openxmlformats.org/officeDocument/2006/relationships" r:id="rId4"/>
+          </a:graphicData>
+        </a:graphic>
+      </p:graphicFrame>
+      <p:graphicFrame>
+        <p:nvGraphicFramePr>
+          <p:cNvPr id="6" name="Chart 5">
+            <a:extLst>
+              <a:ext uri="{FF2B5EF4-FFF2-40B4-BE49-F238E27FC236}">
+                <a16:creationId xmlns:a16="http://schemas.microsoft.com/office/drawing/2014/main" id="{75925D98-1BA2-368D-11F4-19F76B80E1F2}"/>
+              </a:ext>
+            </a:extLst>
+          </p:cNvPr>
+          <p:cNvGraphicFramePr>
+            <a:graphicFrameLocks noGrp="1"/>
+          </p:cNvGraphicFramePr>
+          <p:nvPr>
+            <p:extLst>
+              <p:ext uri="{D42A27DB-BD31-4B8C-83A1-F6EECF244321}">
+                <p14:modId xmlns:p14="http://schemas.microsoft.com/office/powerpoint/2010/main" val="1771029934"/>
+              </p:ext>
+            </p:extLst>
+          </p:nvPr>
+        </p:nvGraphicFramePr>
+        <p:xfrm>
+          <a:off x="2890682" y="3809917"/>
+          <a:ext cx="5948518" cy="2340077"/>
+        </p:xfrm>
+        <a:graphic>
+          <a:graphicData uri="http://schemas.openxmlformats.org/drawingml/2006/chart">
+            <c:chart xmlns:c="http://schemas.openxmlformats.org/drawingml/2006/chart" xmlns:r="http://schemas.openxmlformats.org/officeDocument/2006/relationships" r:id="rId5"/>
+          </a:graphicData>
+        </a:graphic>
+      </p:graphicFrame>
+    </p:spTree>
+    <p:extLst>
+      <p:ext uri="{BB962C8B-B14F-4D97-AF65-F5344CB8AC3E}">
+        <p14:creationId xmlns:p14="http://schemas.microsoft.com/office/powerpoint/2010/main" val="2578826398"/>
+      </p:ext>
+    </p:extLst>
+  </p:cSld>
+  <p:clrMapOvr>
+    <a:masterClrMapping/>
+  </p:clrMapOvr>
+  <mc:AlternateContent xmlns:mc="http://schemas.openxmlformats.org/markup-compatibility/2006">
+    <mc:Choice xmlns:p159="http://schemas.microsoft.com/office/powerpoint/2015/09/main" Requires="p159">
+      <p:transition xmlns:p14="http://schemas.microsoft.com/office/powerpoint/2010/main" spd="slow" p14:dur="2000">
+        <p159:morph option="byObject"/>
+      </p:transition>
+    </mc:Choice>
+    <mc:Fallback>
+      <p:transition spd="slow">
+        <p:fade/>
+      </p:transition>
+    </mc:Fallback>
+  </mc:AlternateContent>
+  <p:timing>
+    <p:tnLst>
+      <p:par>
+        <p:cTn id="1" dur="indefinite" restart="never" nodeType="tmRoot">
+          <p:childTnLst>
+            <p:seq concurrent="1" nextAc="seek">
+              <p:cTn id="2" dur="indefinite" nodeType="mainSeq">
+                <p:childTnLst>
+                  <p:par>
+                    <p:cTn id="3" fill="hold">
+                      <p:stCondLst>
+                        <p:cond delay="indefinite"/>
+                      </p:stCondLst>
+                      <p:childTnLst>
+                        <p:par>
+                          <p:cTn id="4" fill="hold">
+                            <p:stCondLst>
+                              <p:cond delay="0"/>
+                            </p:stCondLst>
+                            <p:childTnLst>
+                              <p:par>
+                                <p:cTn id="5" presetID="1" presetClass="entr" presetSubtype="0" fill="hold" grpId="0" nodeType="clickEffect">
+                                  <p:stCondLst>
+                                    <p:cond delay="0"/>
+                                  </p:stCondLst>
+                                  <p:childTnLst>
+                                    <p:set>
+                                      <p:cBhvr>
+                                        <p:cTn id="6" dur="1" fill="hold">
+                                          <p:stCondLst>
+                                            <p:cond delay="0"/>
+                                          </p:stCondLst>
+                                        </p:cTn>
+                                        <p:tgtEl>
+                                          <p:spTgt spid="5"/>
+                                        </p:tgtEl>
+                                        <p:attrNameLst>
+                                          <p:attrName>style.visibility</p:attrName>
+                                        </p:attrNameLst>
+                                      </p:cBhvr>
+                                      <p:to>
+                                        <p:strVal val="visible"/>
+                                      </p:to>
+                                    </p:set>
+                                  </p:childTnLst>
+                                </p:cTn>
+                              </p:par>
+                            </p:childTnLst>
+                          </p:cTn>
+                        </p:par>
+                      </p:childTnLst>
+                    </p:cTn>
+                  </p:par>
+                  <p:par>
+                    <p:cTn id="7" fill="hold">
+                      <p:stCondLst>
+                        <p:cond delay="indefinite"/>
+                      </p:stCondLst>
+                      <p:childTnLst>
+                        <p:par>
+                          <p:cTn id="8" fill="hold">
+                            <p:stCondLst>
+                              <p:cond delay="0"/>
+                            </p:stCondLst>
+                            <p:childTnLst>
+                              <p:par>
+                                <p:cTn id="9" presetID="1" presetClass="entr" presetSubtype="0" fill="hold" grpId="0" nodeType="clickEffect">
+                                  <p:stCondLst>
+                                    <p:cond delay="0"/>
+                                  </p:stCondLst>
+                                  <p:childTnLst>
+                                    <p:set>
+                                      <p:cBhvr>
+                                        <p:cTn id="10" dur="1" fill="hold">
+                                          <p:stCondLst>
+                                            <p:cond delay="0"/>
+                                          </p:stCondLst>
+                                        </p:cTn>
+                                        <p:tgtEl>
+                                          <p:spTgt spid="4"/>
+                                        </p:tgtEl>
+                                        <p:attrNameLst>
+                                          <p:attrName>style.visibility</p:attrName>
+                                        </p:attrNameLst>
+                                      </p:cBhvr>
+                                      <p:to>
+                                        <p:strVal val="visible"/>
+                                      </p:to>
+                                    </p:set>
+                                  </p:childTnLst>
+                                </p:cTn>
+                              </p:par>
+                            </p:childTnLst>
+                          </p:cTn>
+                        </p:par>
+                      </p:childTnLst>
+                    </p:cTn>
+                  </p:par>
+                </p:childTnLst>
+              </p:cTn>
+              <p:prevCondLst>
+                <p:cond evt="onPrev" delay="0">
+                  <p:tgtEl>
+                    <p:sldTgt/>
+                  </p:tgtEl>
+                </p:cond>
+              </p:prevCondLst>
+              <p:nextCondLst>
+                <p:cond evt="onNext" delay="0">
+                  <p:tgtEl>
+                    <p:sldTgt/>
+                  </p:tgtEl>
+                </p:cond>
+              </p:nextCondLst>
+            </p:seq>
+          </p:childTnLst>
+        </p:cTn>
+      </p:par>
+    </p:tnLst>
+    <p:bldLst>
+      <p:bldP spid="5" grpId="0"/>
+      <p:bldP spid="4" grpId="0"/>
+    </p:bldLst>
+  </p:timing>
+</p:sld>
+</file>
+
+<file path=ppt/slides/slide18.xml><?xml version="1.0" encoding="utf-8"?>
+<p:sld xmlns:a="http://schemas.openxmlformats.org/drawingml/2006/main" xmlns:r="http://schemas.openxmlformats.org/officeDocument/2006/relationships" xmlns:p="http://schemas.openxmlformats.org/presentationml/2006/main">
+  <p:cSld>
+    <p:bg>
+      <p:bgPr>
+        <a:blipFill dpi="0" rotWithShape="1">
+          <a:blip r:embed="rId2">
+            <a:extLst>
+              <a:ext uri="{BEBA8EAE-BF5A-486C-A8C5-ECC9F3942E4B}">
+                <a14:imgProps xmlns:a14="http://schemas.microsoft.com/office/drawing/2010/main">
+                  <a14:imgLayer r:embed="rId3">
+                    <a14:imgEffect>
+                      <a14:brightnessContrast bright="-20000"/>
+                    </a14:imgEffect>
+                  </a14:imgLayer>
+                </a14:imgProps>
+              </a:ext>
+            </a:extLst>
+          </a:blip>
+          <a:srcRect/>
+          <a:stretch>
+            <a:fillRect l="-9000" t="-39000" b="-11000"/>
+          </a:stretch>
+        </a:blipFill>
+        <a:effectLst/>
+      </p:bgPr>
+    </p:bg>
+    <p:spTree>
+      <p:nvGrpSpPr>
+        <p:cNvPr id="1" name=""/>
+        <p:cNvGrpSpPr/>
+        <p:nvPr/>
+      </p:nvGrpSpPr>
+      <p:grpSpPr>
+        <a:xfrm>
+          <a:off x="0" y="0"/>
+          <a:ext cx="0" cy="0"/>
+          <a:chOff x="0" y="0"/>
+          <a:chExt cx="0" cy="0"/>
+        </a:xfrm>
+      </p:grpSpPr>
+      <p:sp>
+        <p:nvSpPr>
+          <p:cNvPr id="2" name="TextBox 1">
+            <a:extLst>
+              <a:ext uri="{FF2B5EF4-FFF2-40B4-BE49-F238E27FC236}">
                 <a16:creationId xmlns:a16="http://schemas.microsoft.com/office/drawing/2014/main" id="{9CC12499-9330-7886-DFDA-A5AD96DB331F}"/>
               </a:ext>
             </a:extLst>
@@ -17420,7 +18178,7 @@
 </p:sld>
 </file>
 
-<file path=ppt/slides/slide18.xml><?xml version="1.0" encoding="utf-8"?>
+<file path=ppt/slides/slide19.xml><?xml version="1.0" encoding="utf-8"?>
 <p:sld xmlns:a="http://schemas.openxmlformats.org/drawingml/2006/main" xmlns:r="http://schemas.openxmlformats.org/officeDocument/2006/relationships" xmlns:p="http://schemas.openxmlformats.org/presentationml/2006/main">
   <p:cSld>
     <p:bg>
@@ -18453,108 +19211,6 @@
 </p:sld>
 </file>
 
-<file path=ppt/slides/slide19.xml><?xml version="1.0" encoding="utf-8"?>
-<p:sld xmlns:a="http://schemas.openxmlformats.org/drawingml/2006/main" xmlns:r="http://schemas.openxmlformats.org/officeDocument/2006/relationships" xmlns:p="http://schemas.openxmlformats.org/presentationml/2006/main">
-  <p:cSld>
-    <p:bg>
-      <p:bgPr>
-        <a:blipFill dpi="0" rotWithShape="1">
-          <a:blip r:embed="rId2">
-            <a:extLst>
-              <a:ext uri="{BEBA8EAE-BF5A-486C-A8C5-ECC9F3942E4B}">
-                <a14:imgProps xmlns:a14="http://schemas.microsoft.com/office/drawing/2010/main">
-                  <a14:imgLayer r:embed="rId3">
-                    <a14:imgEffect>
-                      <a14:brightnessContrast bright="-20000"/>
-                    </a14:imgEffect>
-                  </a14:imgLayer>
-                </a14:imgProps>
-              </a:ext>
-            </a:extLst>
-          </a:blip>
-          <a:srcRect/>
-          <a:stretch>
-            <a:fillRect l="-9000" t="-39000" b="-11000"/>
-          </a:stretch>
-        </a:blipFill>
-        <a:effectLst/>
-      </p:bgPr>
-    </p:bg>
-    <p:spTree>
-      <p:nvGrpSpPr>
-        <p:cNvPr id="1" name=""/>
-        <p:cNvGrpSpPr/>
-        <p:nvPr/>
-      </p:nvGrpSpPr>
-      <p:grpSpPr>
-        <a:xfrm>
-          <a:off x="0" y="0"/>
-          <a:ext cx="0" cy="0"/>
-          <a:chOff x="0" y="0"/>
-          <a:chExt cx="0" cy="0"/>
-        </a:xfrm>
-      </p:grpSpPr>
-      <p:sp>
-        <p:nvSpPr>
-          <p:cNvPr id="2" name="TextBox 1">
-            <a:extLst>
-              <a:ext uri="{FF2B5EF4-FFF2-40B4-BE49-F238E27FC236}">
-                <a16:creationId xmlns:a16="http://schemas.microsoft.com/office/drawing/2014/main" id="{9CC12499-9330-7886-DFDA-A5AD96DB331F}"/>
-              </a:ext>
-            </a:extLst>
-          </p:cNvPr>
-          <p:cNvSpPr txBox="1"/>
-          <p:nvPr/>
-        </p:nvSpPr>
-        <p:spPr>
-          <a:xfrm>
-            <a:off x="3264309" y="2905780"/>
-            <a:ext cx="5663381" cy="523220"/>
-          </a:xfrm>
-          <a:prstGeom prst="rect">
-            <a:avLst/>
-          </a:prstGeom>
-          <a:noFill/>
-        </p:spPr>
-        <p:txBody>
-          <a:bodyPr wrap="square" rtlCol="0">
-            <a:spAutoFit/>
-          </a:bodyPr>
-          <a:lstStyle/>
-          <a:p>
-            <a:pPr algn="ctr"/>
-            <a:r>
-              <a:rPr lang="en-US" sz="2800" b="1" dirty="0">
-                <a:solidFill>
-                  <a:schemeClr val="bg1"/>
-                </a:solidFill>
-              </a:rPr>
-              <a:t>The Recommender System </a:t>
-            </a:r>
-            <a:endParaRPr lang="en-ZA" sz="2800" b="1" dirty="0">
-              <a:solidFill>
-                <a:schemeClr val="bg1"/>
-              </a:solidFill>
-            </a:endParaRPr>
-          </a:p>
-        </p:txBody>
-      </p:sp>
-    </p:spTree>
-    <p:extLst>
-      <p:ext uri="{BB962C8B-B14F-4D97-AF65-F5344CB8AC3E}">
-        <p14:creationId xmlns:p14="http://schemas.microsoft.com/office/powerpoint/2010/main" val="666776614"/>
-      </p:ext>
-    </p:extLst>
-  </p:cSld>
-  <p:clrMapOvr>
-    <a:masterClrMapping/>
-  </p:clrMapOvr>
-  <p:transition spd="slow">
-    <p:push dir="u"/>
-  </p:transition>
-</p:sld>
-</file>
-
 <file path=ppt/slides/slide2.xml><?xml version="1.0" encoding="utf-8"?>
 <p:sld xmlns:a="http://schemas.openxmlformats.org/drawingml/2006/main" xmlns:r="http://schemas.openxmlformats.org/officeDocument/2006/relationships" xmlns:p="http://schemas.openxmlformats.org/presentationml/2006/main">
   <p:cSld>
@@ -18771,10 +19427,10 @@
       </p:grpSpPr>
       <p:sp>
         <p:nvSpPr>
-          <p:cNvPr id="4" name="TextBox 3">
+          <p:cNvPr id="2" name="TextBox 1">
             <a:extLst>
               <a:ext uri="{FF2B5EF4-FFF2-40B4-BE49-F238E27FC236}">
-                <a16:creationId xmlns:a16="http://schemas.microsoft.com/office/drawing/2014/main" id="{B216AF57-F29C-D05C-D5C9-C32762A12133}"/>
+                <a16:creationId xmlns:a16="http://schemas.microsoft.com/office/drawing/2014/main" id="{9CC12499-9330-7886-DFDA-A5AD96DB331F}"/>
               </a:ext>
             </a:extLst>
           </p:cNvPr>
@@ -18783,8 +19439,8 @@
         </p:nvSpPr>
         <p:spPr>
           <a:xfrm>
-            <a:off x="835743" y="526372"/>
-            <a:ext cx="5663381" cy="584775"/>
+            <a:off x="3264309" y="2905780"/>
+            <a:ext cx="5663381" cy="523220"/>
           </a:xfrm>
           <a:prstGeom prst="rect">
             <a:avLst/>
@@ -18797,21 +19453,14 @@
           </a:bodyPr>
           <a:lstStyle/>
           <a:p>
-            <a:r>
-              <a:rPr lang="en-US" sz="3200" b="1" dirty="0" err="1">
-                <a:solidFill>
-                  <a:schemeClr val="bg1"/>
-                </a:solidFill>
-              </a:rPr>
-              <a:t>LightFM</a:t>
-            </a:r>
+            <a:pPr algn="ctr"/>
             <a:r>
               <a:rPr lang="en-US" sz="2800" b="1" dirty="0">
                 <a:solidFill>
                   <a:schemeClr val="bg1"/>
                 </a:solidFill>
               </a:rPr>
-              <a:t> </a:t>
+              <a:t>The Recommender System </a:t>
             </a:r>
             <a:endParaRPr lang="en-ZA" sz="2800" b="1" dirty="0">
               <a:solidFill>
@@ -18821,357 +19470,10 @@
           </a:p>
         </p:txBody>
       </p:sp>
-      <p:sp>
-        <p:nvSpPr>
-          <p:cNvPr id="5" name="TextBox 4">
-            <a:extLst>
-              <a:ext uri="{FF2B5EF4-FFF2-40B4-BE49-F238E27FC236}">
-                <a16:creationId xmlns:a16="http://schemas.microsoft.com/office/drawing/2014/main" id="{0EA44A33-796B-71BF-87DC-BBE918C42794}"/>
-              </a:ext>
-            </a:extLst>
-          </p:cNvPr>
-          <p:cNvSpPr txBox="1"/>
-          <p:nvPr/>
-        </p:nvSpPr>
-        <p:spPr>
-          <a:xfrm>
-            <a:off x="1877961" y="1573163"/>
-            <a:ext cx="7944465" cy="2862322"/>
-          </a:xfrm>
-          <a:prstGeom prst="rect">
-            <a:avLst/>
-          </a:prstGeom>
-          <a:noFill/>
-        </p:spPr>
-        <p:txBody>
-          <a:bodyPr wrap="square">
-            <a:spAutoFit/>
-          </a:bodyPr>
-          <a:lstStyle/>
-          <a:p>
-            <a:r>
-              <a:rPr lang="en-US" b="0" i="0" dirty="0" err="1">
-                <a:solidFill>
-                  <a:schemeClr val="bg1"/>
-                </a:solidFill>
-                <a:effectLst/>
-                <a:latin typeface="Lato" panose="020F0502020204030204" pitchFamily="34" charset="0"/>
-              </a:rPr>
-              <a:t>LightFM</a:t>
-            </a:r>
-            <a:r>
-              <a:rPr lang="en-US" b="0" i="0" dirty="0">
-                <a:solidFill>
-                  <a:schemeClr val="bg1"/>
-                </a:solidFill>
-                <a:effectLst/>
-                <a:latin typeface="Lato" panose="020F0502020204030204" pitchFamily="34" charset="0"/>
-              </a:rPr>
-              <a:t> is a Python implementation of a number of popular recommendation algorithms for both implicit and explicit feedback.</a:t>
-            </a:r>
-          </a:p>
-          <a:p>
-            <a:r>
-              <a:rPr lang="en-US" b="0" i="0" dirty="0">
-                <a:solidFill>
-                  <a:schemeClr val="bg1"/>
-                </a:solidFill>
-                <a:effectLst/>
-                <a:latin typeface="Lato" panose="020F0502020204030204" pitchFamily="34" charset="0"/>
-              </a:rPr>
-              <a:t>It also makes it possible to incorporate both item and user metadata into the traditional matrix factorization algorithms. It represents each user and item as the sum of the latent representations of their features, thus allowing recommendations to </a:t>
-            </a:r>
-            <a:r>
-              <a:rPr lang="en-US" b="0" i="0" dirty="0" err="1">
-                <a:solidFill>
-                  <a:schemeClr val="bg1"/>
-                </a:solidFill>
-                <a:effectLst/>
-                <a:latin typeface="Lato" panose="020F0502020204030204" pitchFamily="34" charset="0"/>
-              </a:rPr>
-              <a:t>generalise</a:t>
-            </a:r>
-            <a:r>
-              <a:rPr lang="en-US" b="0" i="0" dirty="0">
-                <a:solidFill>
-                  <a:schemeClr val="bg1"/>
-                </a:solidFill>
-                <a:effectLst/>
-                <a:latin typeface="Lato" panose="020F0502020204030204" pitchFamily="34" charset="0"/>
-              </a:rPr>
-              <a:t> to new items (via item features) and to new users (via user features)</a:t>
-            </a:r>
-          </a:p>
-          <a:p>
-            <a:endParaRPr lang="en-US" u="sng" dirty="0">
-              <a:solidFill>
-                <a:schemeClr val="bg1"/>
-              </a:solidFill>
-              <a:latin typeface="Lato" panose="020F0502020204030204" pitchFamily="34" charset="0"/>
-            </a:endParaRPr>
-          </a:p>
-          <a:p>
-            <a:r>
-              <a:rPr lang="en-ZA" dirty="0">
-                <a:solidFill>
-                  <a:schemeClr val="bg1"/>
-                </a:solidFill>
-              </a:rPr>
-              <a:t>			-  </a:t>
-            </a:r>
-            <a:r>
-              <a:rPr lang="en-ZA" dirty="0">
-                <a:solidFill>
-                  <a:schemeClr val="bg1"/>
-                </a:solidFill>
-                <a:hlinkClick r:id="rId4"/>
-              </a:rPr>
-              <a:t>https://making.lyst.com/lightfm/docs/home.html</a:t>
-            </a:r>
-            <a:endParaRPr lang="en-ZA" dirty="0">
-              <a:solidFill>
-                <a:schemeClr val="bg1"/>
-              </a:solidFill>
-            </a:endParaRPr>
-          </a:p>
-          <a:p>
-            <a:endParaRPr lang="en-US" b="0" i="0" dirty="0">
-              <a:solidFill>
-                <a:schemeClr val="bg1"/>
-              </a:solidFill>
-              <a:effectLst/>
-              <a:latin typeface="Lato" panose="020F0502020204030204" pitchFamily="34" charset="0"/>
-            </a:endParaRPr>
-          </a:p>
-        </p:txBody>
-      </p:sp>
-      <p:sp>
-        <p:nvSpPr>
-          <p:cNvPr id="7" name="TextBox 6">
-            <a:extLst>
-              <a:ext uri="{FF2B5EF4-FFF2-40B4-BE49-F238E27FC236}">
-                <a16:creationId xmlns:a16="http://schemas.microsoft.com/office/drawing/2014/main" id="{E19F5259-0999-C573-04B4-FA4BA43DCA64}"/>
-              </a:ext>
-            </a:extLst>
-          </p:cNvPr>
-          <p:cNvSpPr txBox="1"/>
-          <p:nvPr/>
-        </p:nvSpPr>
-        <p:spPr>
-          <a:xfrm>
-            <a:off x="1877960" y="5314205"/>
-            <a:ext cx="6096000" cy="615553"/>
-          </a:xfrm>
-          <a:prstGeom prst="rect">
-            <a:avLst/>
-          </a:prstGeom>
-          <a:noFill/>
-        </p:spPr>
-        <p:txBody>
-          <a:bodyPr wrap="square">
-            <a:spAutoFit/>
-          </a:bodyPr>
-          <a:lstStyle/>
-          <a:p>
-            <a:r>
-              <a:rPr lang="en-ZA" dirty="0">
-                <a:solidFill>
-                  <a:schemeClr val="bg1"/>
-                </a:solidFill>
-                <a:hlinkClick r:id="rId5"/>
-              </a:rPr>
-              <a:t>https://doi.org/10.48550/arXiv.1507.08439</a:t>
-            </a:r>
-            <a:endParaRPr lang="en-ZA" dirty="0">
-              <a:solidFill>
-                <a:schemeClr val="bg1"/>
-              </a:solidFill>
-            </a:endParaRPr>
-          </a:p>
-          <a:p>
-            <a:r>
-              <a:rPr lang="en-ZA" sz="1600" dirty="0">
-                <a:solidFill>
-                  <a:schemeClr val="bg1"/>
-                </a:solidFill>
-              </a:rPr>
-              <a:t>Maciej Kula</a:t>
-            </a:r>
-          </a:p>
-        </p:txBody>
-      </p:sp>
-      <p:sp>
-        <p:nvSpPr>
-          <p:cNvPr id="8" name="TextBox 7">
-            <a:extLst>
-              <a:ext uri="{FF2B5EF4-FFF2-40B4-BE49-F238E27FC236}">
-                <a16:creationId xmlns:a16="http://schemas.microsoft.com/office/drawing/2014/main" id="{FB24D7E0-AE33-C1FD-A43F-E9EEB6559DF1}"/>
-              </a:ext>
-            </a:extLst>
-          </p:cNvPr>
-          <p:cNvSpPr txBox="1"/>
-          <p:nvPr/>
-        </p:nvSpPr>
-        <p:spPr>
-          <a:xfrm>
-            <a:off x="1637071" y="1356955"/>
-            <a:ext cx="776747" cy="584775"/>
-          </a:xfrm>
-          <a:prstGeom prst="rect">
-            <a:avLst/>
-          </a:prstGeom>
-          <a:noFill/>
-        </p:spPr>
-        <p:txBody>
-          <a:bodyPr wrap="square" rtlCol="0">
-            <a:spAutoFit/>
-          </a:bodyPr>
-          <a:lstStyle/>
-          <a:p>
-            <a:r>
-              <a:rPr lang="en-ZA" sz="3200" dirty="0">
-                <a:solidFill>
-                  <a:schemeClr val="bg1"/>
-                </a:solidFill>
-              </a:rPr>
-              <a:t>“</a:t>
-            </a:r>
-          </a:p>
-        </p:txBody>
-      </p:sp>
-      <p:sp>
-        <p:nvSpPr>
-          <p:cNvPr id="9" name="TextBox 8">
-            <a:extLst>
-              <a:ext uri="{FF2B5EF4-FFF2-40B4-BE49-F238E27FC236}">
-                <a16:creationId xmlns:a16="http://schemas.microsoft.com/office/drawing/2014/main" id="{F8C5A3D5-4A94-A265-1DA8-DE88BEEF2378}"/>
-              </a:ext>
-            </a:extLst>
-          </p:cNvPr>
-          <p:cNvSpPr txBox="1"/>
-          <p:nvPr/>
-        </p:nvSpPr>
-        <p:spPr>
-          <a:xfrm>
-            <a:off x="4336026" y="3125287"/>
-            <a:ext cx="776747" cy="584775"/>
-          </a:xfrm>
-          <a:prstGeom prst="rect">
-            <a:avLst/>
-          </a:prstGeom>
-          <a:noFill/>
-        </p:spPr>
-        <p:txBody>
-          <a:bodyPr wrap="square" rtlCol="0">
-            <a:spAutoFit/>
-          </a:bodyPr>
-          <a:lstStyle/>
-          <a:p>
-            <a:r>
-              <a:rPr lang="en-ZA" sz="3200" dirty="0">
-                <a:solidFill>
-                  <a:schemeClr val="bg1"/>
-                </a:solidFill>
-              </a:rPr>
-              <a:t> ”</a:t>
-            </a:r>
-          </a:p>
-        </p:txBody>
-      </p:sp>
-      <p:sp>
-        <p:nvSpPr>
-          <p:cNvPr id="11" name="TextBox 10">
-            <a:extLst>
-              <a:ext uri="{FF2B5EF4-FFF2-40B4-BE49-F238E27FC236}">
-                <a16:creationId xmlns:a16="http://schemas.microsoft.com/office/drawing/2014/main" id="{6FEE2D34-4BA7-8F51-6477-BB50A68C713C}"/>
-              </a:ext>
-            </a:extLst>
-          </p:cNvPr>
-          <p:cNvSpPr txBox="1"/>
-          <p:nvPr/>
-        </p:nvSpPr>
-        <p:spPr>
-          <a:xfrm>
-            <a:off x="1877960" y="4918706"/>
-            <a:ext cx="7708491" cy="338554"/>
-          </a:xfrm>
-          <a:prstGeom prst="rect">
-            <a:avLst/>
-          </a:prstGeom>
-          <a:noFill/>
-        </p:spPr>
-        <p:txBody>
-          <a:bodyPr wrap="square">
-            <a:spAutoFit/>
-          </a:bodyPr>
-          <a:lstStyle/>
-          <a:p>
-            <a:pPr algn="l"/>
-            <a:r>
-              <a:rPr lang="en-US" sz="1600" i="1" dirty="0">
-                <a:solidFill>
-                  <a:schemeClr val="bg1"/>
-                </a:solidFill>
-                <a:effectLst/>
-                <a:latin typeface="Lucida Grande"/>
-              </a:rPr>
-              <a:t>Metadata Embeddings for User and Item Cold-start Recommendations</a:t>
-            </a:r>
-          </a:p>
-        </p:txBody>
-      </p:sp>
-      <p:sp>
-        <p:nvSpPr>
-          <p:cNvPr id="13" name="TextBox 12">
-            <a:extLst>
-              <a:ext uri="{FF2B5EF4-FFF2-40B4-BE49-F238E27FC236}">
-                <a16:creationId xmlns:a16="http://schemas.microsoft.com/office/drawing/2014/main" id="{1043CEA5-DE7D-9F23-BDA6-B8A64488C3D2}"/>
-              </a:ext>
-            </a:extLst>
-          </p:cNvPr>
-          <p:cNvSpPr txBox="1"/>
-          <p:nvPr/>
-        </p:nvSpPr>
-        <p:spPr>
-          <a:xfrm>
-            <a:off x="1288026" y="4492429"/>
-            <a:ext cx="6096000" cy="369332"/>
-          </a:xfrm>
-          <a:prstGeom prst="rect">
-            <a:avLst/>
-          </a:prstGeom>
-          <a:noFill/>
-        </p:spPr>
-        <p:txBody>
-          <a:bodyPr wrap="square">
-            <a:spAutoFit/>
-          </a:bodyPr>
-          <a:lstStyle/>
-          <a:p>
-            <a:r>
-              <a:rPr lang="en-US" sz="1800" b="1" dirty="0" err="1">
-                <a:solidFill>
-                  <a:schemeClr val="bg1"/>
-                </a:solidFill>
-              </a:rPr>
-              <a:t>LightFM</a:t>
-            </a:r>
-            <a:r>
-              <a:rPr lang="en-US" sz="1800" b="1" dirty="0">
-                <a:solidFill>
-                  <a:schemeClr val="bg1"/>
-                </a:solidFill>
-              </a:rPr>
-              <a:t> Paper:</a:t>
-            </a:r>
-            <a:endParaRPr lang="en-ZA" dirty="0"/>
-          </a:p>
-        </p:txBody>
-      </p:sp>
     </p:spTree>
     <p:extLst>
       <p:ext uri="{BB962C8B-B14F-4D97-AF65-F5344CB8AC3E}">
-        <p14:creationId xmlns:p14="http://schemas.microsoft.com/office/powerpoint/2010/main" val="3768656342"/>
+        <p14:creationId xmlns:p14="http://schemas.microsoft.com/office/powerpoint/2010/main" val="666776614"/>
       </p:ext>
     </p:extLst>
   </p:cSld>
@@ -19254,6 +19556,462 @@
           <a:lstStyle/>
           <a:p>
             <a:r>
+              <a:rPr lang="en-US" sz="3200" b="1" dirty="0" err="1">
+                <a:solidFill>
+                  <a:schemeClr val="bg1"/>
+                </a:solidFill>
+              </a:rPr>
+              <a:t>LightFM</a:t>
+            </a:r>
+            <a:r>
+              <a:rPr lang="en-US" sz="2800" b="1" dirty="0">
+                <a:solidFill>
+                  <a:schemeClr val="bg1"/>
+                </a:solidFill>
+              </a:rPr>
+              <a:t> </a:t>
+            </a:r>
+            <a:endParaRPr lang="en-ZA" sz="2800" b="1" dirty="0">
+              <a:solidFill>
+                <a:schemeClr val="bg1"/>
+              </a:solidFill>
+            </a:endParaRPr>
+          </a:p>
+        </p:txBody>
+      </p:sp>
+      <p:sp>
+        <p:nvSpPr>
+          <p:cNvPr id="5" name="TextBox 4">
+            <a:extLst>
+              <a:ext uri="{FF2B5EF4-FFF2-40B4-BE49-F238E27FC236}">
+                <a16:creationId xmlns:a16="http://schemas.microsoft.com/office/drawing/2014/main" id="{0EA44A33-796B-71BF-87DC-BBE918C42794}"/>
+              </a:ext>
+            </a:extLst>
+          </p:cNvPr>
+          <p:cNvSpPr txBox="1"/>
+          <p:nvPr/>
+        </p:nvSpPr>
+        <p:spPr>
+          <a:xfrm>
+            <a:off x="1877961" y="1573163"/>
+            <a:ext cx="7944465" cy="2862322"/>
+          </a:xfrm>
+          <a:prstGeom prst="rect">
+            <a:avLst/>
+          </a:prstGeom>
+          <a:noFill/>
+        </p:spPr>
+        <p:txBody>
+          <a:bodyPr wrap="square">
+            <a:spAutoFit/>
+          </a:bodyPr>
+          <a:lstStyle/>
+          <a:p>
+            <a:r>
+              <a:rPr lang="en-US" b="0" i="0" dirty="0" err="1">
+                <a:solidFill>
+                  <a:schemeClr val="bg1"/>
+                </a:solidFill>
+                <a:effectLst/>
+                <a:latin typeface="Lato" panose="020F0502020204030204" pitchFamily="34" charset="0"/>
+              </a:rPr>
+              <a:t>LightFM</a:t>
+            </a:r>
+            <a:r>
+              <a:rPr lang="en-US" b="0" i="0" dirty="0">
+                <a:solidFill>
+                  <a:schemeClr val="bg1"/>
+                </a:solidFill>
+                <a:effectLst/>
+                <a:latin typeface="Lato" panose="020F0502020204030204" pitchFamily="34" charset="0"/>
+              </a:rPr>
+              <a:t> is a Python implementation of a number of popular recommendation algorithms for both implicit and explicit feedback.</a:t>
+            </a:r>
+          </a:p>
+          <a:p>
+            <a:r>
+              <a:rPr lang="en-US" b="0" i="0" dirty="0">
+                <a:solidFill>
+                  <a:schemeClr val="bg1"/>
+                </a:solidFill>
+                <a:effectLst/>
+                <a:latin typeface="Lato" panose="020F0502020204030204" pitchFamily="34" charset="0"/>
+              </a:rPr>
+              <a:t>It also makes it possible to incorporate both item and user metadata into the traditional matrix factorization algorithms. It represents each user and item as the sum of the latent representations of their features, thus allowing recommendations to </a:t>
+            </a:r>
+            <a:r>
+              <a:rPr lang="en-US" b="0" i="0" dirty="0" err="1">
+                <a:solidFill>
+                  <a:schemeClr val="bg1"/>
+                </a:solidFill>
+                <a:effectLst/>
+                <a:latin typeface="Lato" panose="020F0502020204030204" pitchFamily="34" charset="0"/>
+              </a:rPr>
+              <a:t>generalise</a:t>
+            </a:r>
+            <a:r>
+              <a:rPr lang="en-US" b="0" i="0" dirty="0">
+                <a:solidFill>
+                  <a:schemeClr val="bg1"/>
+                </a:solidFill>
+                <a:effectLst/>
+                <a:latin typeface="Lato" panose="020F0502020204030204" pitchFamily="34" charset="0"/>
+              </a:rPr>
+              <a:t> to new items (via item features) and to new users (via user features)</a:t>
+            </a:r>
+          </a:p>
+          <a:p>
+            <a:endParaRPr lang="en-US" u="sng" dirty="0">
+              <a:solidFill>
+                <a:schemeClr val="bg1"/>
+              </a:solidFill>
+              <a:latin typeface="Lato" panose="020F0502020204030204" pitchFamily="34" charset="0"/>
+            </a:endParaRPr>
+          </a:p>
+          <a:p>
+            <a:r>
+              <a:rPr lang="en-ZA" dirty="0">
+                <a:solidFill>
+                  <a:schemeClr val="bg1"/>
+                </a:solidFill>
+              </a:rPr>
+              <a:t>			-  </a:t>
+            </a:r>
+            <a:r>
+              <a:rPr lang="en-ZA" dirty="0">
+                <a:solidFill>
+                  <a:schemeClr val="bg1"/>
+                </a:solidFill>
+                <a:hlinkClick r:id="rId4"/>
+              </a:rPr>
+              <a:t>https://making.lyst.com/lightfm/docs/home.html</a:t>
+            </a:r>
+            <a:endParaRPr lang="en-ZA" dirty="0">
+              <a:solidFill>
+                <a:schemeClr val="bg1"/>
+              </a:solidFill>
+            </a:endParaRPr>
+          </a:p>
+          <a:p>
+            <a:endParaRPr lang="en-US" b="0" i="0" dirty="0">
+              <a:solidFill>
+                <a:schemeClr val="bg1"/>
+              </a:solidFill>
+              <a:effectLst/>
+              <a:latin typeface="Lato" panose="020F0502020204030204" pitchFamily="34" charset="0"/>
+            </a:endParaRPr>
+          </a:p>
+        </p:txBody>
+      </p:sp>
+      <p:sp>
+        <p:nvSpPr>
+          <p:cNvPr id="7" name="TextBox 6">
+            <a:extLst>
+              <a:ext uri="{FF2B5EF4-FFF2-40B4-BE49-F238E27FC236}">
+                <a16:creationId xmlns:a16="http://schemas.microsoft.com/office/drawing/2014/main" id="{E19F5259-0999-C573-04B4-FA4BA43DCA64}"/>
+              </a:ext>
+            </a:extLst>
+          </p:cNvPr>
+          <p:cNvSpPr txBox="1"/>
+          <p:nvPr/>
+        </p:nvSpPr>
+        <p:spPr>
+          <a:xfrm>
+            <a:off x="1877960" y="5314205"/>
+            <a:ext cx="6096000" cy="615553"/>
+          </a:xfrm>
+          <a:prstGeom prst="rect">
+            <a:avLst/>
+          </a:prstGeom>
+          <a:noFill/>
+        </p:spPr>
+        <p:txBody>
+          <a:bodyPr wrap="square">
+            <a:spAutoFit/>
+          </a:bodyPr>
+          <a:lstStyle/>
+          <a:p>
+            <a:r>
+              <a:rPr lang="en-ZA" dirty="0">
+                <a:solidFill>
+                  <a:schemeClr val="bg1"/>
+                </a:solidFill>
+                <a:hlinkClick r:id="rId5"/>
+              </a:rPr>
+              <a:t>https://doi.org/10.48550/arXiv.1507.08439</a:t>
+            </a:r>
+            <a:endParaRPr lang="en-ZA" dirty="0">
+              <a:solidFill>
+                <a:schemeClr val="bg1"/>
+              </a:solidFill>
+            </a:endParaRPr>
+          </a:p>
+          <a:p>
+            <a:r>
+              <a:rPr lang="en-ZA" sz="1600" dirty="0">
+                <a:solidFill>
+                  <a:schemeClr val="bg1"/>
+                </a:solidFill>
+              </a:rPr>
+              <a:t>Maciej Kula</a:t>
+            </a:r>
+          </a:p>
+        </p:txBody>
+      </p:sp>
+      <p:sp>
+        <p:nvSpPr>
+          <p:cNvPr id="8" name="TextBox 7">
+            <a:extLst>
+              <a:ext uri="{FF2B5EF4-FFF2-40B4-BE49-F238E27FC236}">
+                <a16:creationId xmlns:a16="http://schemas.microsoft.com/office/drawing/2014/main" id="{FB24D7E0-AE33-C1FD-A43F-E9EEB6559DF1}"/>
+              </a:ext>
+            </a:extLst>
+          </p:cNvPr>
+          <p:cNvSpPr txBox="1"/>
+          <p:nvPr/>
+        </p:nvSpPr>
+        <p:spPr>
+          <a:xfrm>
+            <a:off x="1637071" y="1356955"/>
+            <a:ext cx="776747" cy="584775"/>
+          </a:xfrm>
+          <a:prstGeom prst="rect">
+            <a:avLst/>
+          </a:prstGeom>
+          <a:noFill/>
+        </p:spPr>
+        <p:txBody>
+          <a:bodyPr wrap="square" rtlCol="0">
+            <a:spAutoFit/>
+          </a:bodyPr>
+          <a:lstStyle/>
+          <a:p>
+            <a:r>
+              <a:rPr lang="en-ZA" sz="3200" dirty="0">
+                <a:solidFill>
+                  <a:schemeClr val="bg1"/>
+                </a:solidFill>
+              </a:rPr>
+              <a:t>“</a:t>
+            </a:r>
+          </a:p>
+        </p:txBody>
+      </p:sp>
+      <p:sp>
+        <p:nvSpPr>
+          <p:cNvPr id="9" name="TextBox 8">
+            <a:extLst>
+              <a:ext uri="{FF2B5EF4-FFF2-40B4-BE49-F238E27FC236}">
+                <a16:creationId xmlns:a16="http://schemas.microsoft.com/office/drawing/2014/main" id="{F8C5A3D5-4A94-A265-1DA8-DE88BEEF2378}"/>
+              </a:ext>
+            </a:extLst>
+          </p:cNvPr>
+          <p:cNvSpPr txBox="1"/>
+          <p:nvPr/>
+        </p:nvSpPr>
+        <p:spPr>
+          <a:xfrm>
+            <a:off x="4336026" y="3125287"/>
+            <a:ext cx="776747" cy="584775"/>
+          </a:xfrm>
+          <a:prstGeom prst="rect">
+            <a:avLst/>
+          </a:prstGeom>
+          <a:noFill/>
+        </p:spPr>
+        <p:txBody>
+          <a:bodyPr wrap="square" rtlCol="0">
+            <a:spAutoFit/>
+          </a:bodyPr>
+          <a:lstStyle/>
+          <a:p>
+            <a:r>
+              <a:rPr lang="en-ZA" sz="3200" dirty="0">
+                <a:solidFill>
+                  <a:schemeClr val="bg1"/>
+                </a:solidFill>
+              </a:rPr>
+              <a:t> ”</a:t>
+            </a:r>
+          </a:p>
+        </p:txBody>
+      </p:sp>
+      <p:sp>
+        <p:nvSpPr>
+          <p:cNvPr id="11" name="TextBox 10">
+            <a:extLst>
+              <a:ext uri="{FF2B5EF4-FFF2-40B4-BE49-F238E27FC236}">
+                <a16:creationId xmlns:a16="http://schemas.microsoft.com/office/drawing/2014/main" id="{6FEE2D34-4BA7-8F51-6477-BB50A68C713C}"/>
+              </a:ext>
+            </a:extLst>
+          </p:cNvPr>
+          <p:cNvSpPr txBox="1"/>
+          <p:nvPr/>
+        </p:nvSpPr>
+        <p:spPr>
+          <a:xfrm>
+            <a:off x="1877960" y="4918706"/>
+            <a:ext cx="7708491" cy="338554"/>
+          </a:xfrm>
+          <a:prstGeom prst="rect">
+            <a:avLst/>
+          </a:prstGeom>
+          <a:noFill/>
+        </p:spPr>
+        <p:txBody>
+          <a:bodyPr wrap="square">
+            <a:spAutoFit/>
+          </a:bodyPr>
+          <a:lstStyle/>
+          <a:p>
+            <a:pPr algn="l"/>
+            <a:r>
+              <a:rPr lang="en-US" sz="1600" i="1" dirty="0">
+                <a:solidFill>
+                  <a:schemeClr val="bg1"/>
+                </a:solidFill>
+                <a:effectLst/>
+                <a:latin typeface="Lucida Grande"/>
+              </a:rPr>
+              <a:t>Metadata Embeddings for User and Item Cold-start Recommendations</a:t>
+            </a:r>
+          </a:p>
+        </p:txBody>
+      </p:sp>
+      <p:sp>
+        <p:nvSpPr>
+          <p:cNvPr id="13" name="TextBox 12">
+            <a:extLst>
+              <a:ext uri="{FF2B5EF4-FFF2-40B4-BE49-F238E27FC236}">
+                <a16:creationId xmlns:a16="http://schemas.microsoft.com/office/drawing/2014/main" id="{1043CEA5-DE7D-9F23-BDA6-B8A64488C3D2}"/>
+              </a:ext>
+            </a:extLst>
+          </p:cNvPr>
+          <p:cNvSpPr txBox="1"/>
+          <p:nvPr/>
+        </p:nvSpPr>
+        <p:spPr>
+          <a:xfrm>
+            <a:off x="1288026" y="4492429"/>
+            <a:ext cx="6096000" cy="369332"/>
+          </a:xfrm>
+          <a:prstGeom prst="rect">
+            <a:avLst/>
+          </a:prstGeom>
+          <a:noFill/>
+        </p:spPr>
+        <p:txBody>
+          <a:bodyPr wrap="square">
+            <a:spAutoFit/>
+          </a:bodyPr>
+          <a:lstStyle/>
+          <a:p>
+            <a:r>
+              <a:rPr lang="en-US" sz="1800" b="1" dirty="0" err="1">
+                <a:solidFill>
+                  <a:schemeClr val="bg1"/>
+                </a:solidFill>
+              </a:rPr>
+              <a:t>LightFM</a:t>
+            </a:r>
+            <a:r>
+              <a:rPr lang="en-US" sz="1800" b="1" dirty="0">
+                <a:solidFill>
+                  <a:schemeClr val="bg1"/>
+                </a:solidFill>
+              </a:rPr>
+              <a:t> Paper:</a:t>
+            </a:r>
+            <a:endParaRPr lang="en-ZA" dirty="0"/>
+          </a:p>
+        </p:txBody>
+      </p:sp>
+    </p:spTree>
+    <p:extLst>
+      <p:ext uri="{BB962C8B-B14F-4D97-AF65-F5344CB8AC3E}">
+        <p14:creationId xmlns:p14="http://schemas.microsoft.com/office/powerpoint/2010/main" val="3768656342"/>
+      </p:ext>
+    </p:extLst>
+  </p:cSld>
+  <p:clrMapOvr>
+    <a:masterClrMapping/>
+  </p:clrMapOvr>
+  <p:transition spd="slow">
+    <p:push dir="u"/>
+  </p:transition>
+</p:sld>
+</file>
+
+<file path=ppt/slides/slide22.xml><?xml version="1.0" encoding="utf-8"?>
+<p:sld xmlns:a="http://schemas.openxmlformats.org/drawingml/2006/main" xmlns:r="http://schemas.openxmlformats.org/officeDocument/2006/relationships" xmlns:p="http://schemas.openxmlformats.org/presentationml/2006/main">
+  <p:cSld>
+    <p:bg>
+      <p:bgPr>
+        <a:blipFill dpi="0" rotWithShape="1">
+          <a:blip r:embed="rId2">
+            <a:extLst>
+              <a:ext uri="{BEBA8EAE-BF5A-486C-A8C5-ECC9F3942E4B}">
+                <a14:imgProps xmlns:a14="http://schemas.microsoft.com/office/drawing/2010/main">
+                  <a14:imgLayer r:embed="rId3">
+                    <a14:imgEffect>
+                      <a14:brightnessContrast bright="-20000"/>
+                    </a14:imgEffect>
+                  </a14:imgLayer>
+                </a14:imgProps>
+              </a:ext>
+            </a:extLst>
+          </a:blip>
+          <a:srcRect/>
+          <a:stretch>
+            <a:fillRect l="-9000" t="-39000" b="-11000"/>
+          </a:stretch>
+        </a:blipFill>
+        <a:effectLst/>
+      </p:bgPr>
+    </p:bg>
+    <p:spTree>
+      <p:nvGrpSpPr>
+        <p:cNvPr id="1" name=""/>
+        <p:cNvGrpSpPr/>
+        <p:nvPr/>
+      </p:nvGrpSpPr>
+      <p:grpSpPr>
+        <a:xfrm>
+          <a:off x="0" y="0"/>
+          <a:ext cx="0" cy="0"/>
+          <a:chOff x="0" y="0"/>
+          <a:chExt cx="0" cy="0"/>
+        </a:xfrm>
+      </p:grpSpPr>
+      <p:sp>
+        <p:nvSpPr>
+          <p:cNvPr id="4" name="TextBox 3">
+            <a:extLst>
+              <a:ext uri="{FF2B5EF4-FFF2-40B4-BE49-F238E27FC236}">
+                <a16:creationId xmlns:a16="http://schemas.microsoft.com/office/drawing/2014/main" id="{B216AF57-F29C-D05C-D5C9-C32762A12133}"/>
+              </a:ext>
+            </a:extLst>
+          </p:cNvPr>
+          <p:cNvSpPr txBox="1"/>
+          <p:nvPr/>
+        </p:nvSpPr>
+        <p:spPr>
+          <a:xfrm>
+            <a:off x="835743" y="526372"/>
+            <a:ext cx="5663381" cy="584775"/>
+          </a:xfrm>
+          <a:prstGeom prst="rect">
+            <a:avLst/>
+          </a:prstGeom>
+          <a:noFill/>
+        </p:spPr>
+        <p:txBody>
+          <a:bodyPr wrap="square" rtlCol="0">
+            <a:spAutoFit/>
+          </a:bodyPr>
+          <a:lstStyle/>
+          <a:p>
+            <a:r>
               <a:rPr lang="en-US" sz="3200" b="1" dirty="0">
                 <a:solidFill>
                   <a:schemeClr val="bg1"/>
@@ -19447,7 +20205,7 @@
 </p:sld>
 </file>
 
-<file path=ppt/slides/slide22.xml><?xml version="1.0" encoding="utf-8"?>
+<file path=ppt/slides/slide23.xml><?xml version="1.0" encoding="utf-8"?>
 <p:sld xmlns:a="http://schemas.openxmlformats.org/drawingml/2006/main" xmlns:r="http://schemas.openxmlformats.org/officeDocument/2006/relationships" xmlns:p="http://schemas.openxmlformats.org/presentationml/2006/main">
   <p:cSld>
     <p:bg>
@@ -20099,7 +20857,7 @@
 </p:sld>
 </file>
 
-<file path=ppt/slides/slide23.xml><?xml version="1.0" encoding="utf-8"?>
+<file path=ppt/slides/slide24.xml><?xml version="1.0" encoding="utf-8"?>
 <p:sld xmlns:a="http://schemas.openxmlformats.org/drawingml/2006/main" xmlns:r="http://schemas.openxmlformats.org/officeDocument/2006/relationships" xmlns:p="http://schemas.openxmlformats.org/presentationml/2006/main">
   <p:cSld>
     <p:bg>
@@ -20695,7 +21453,7 @@
 </p:sld>
 </file>
 
-<file path=ppt/slides/slide24.xml><?xml version="1.0" encoding="utf-8"?>
+<file path=ppt/slides/slide25.xml><?xml version="1.0" encoding="utf-8"?>
 <p:sld xmlns:a="http://schemas.openxmlformats.org/drawingml/2006/main" xmlns:r="http://schemas.openxmlformats.org/officeDocument/2006/relationships" xmlns:p="http://schemas.openxmlformats.org/presentationml/2006/main">
   <p:cSld>
     <p:bg>
@@ -21060,7 +21818,7 @@
 </p:sld>
 </file>
 
-<file path=ppt/slides/slide25.xml><?xml version="1.0" encoding="utf-8"?>
+<file path=ppt/slides/slide26.xml><?xml version="1.0" encoding="utf-8"?>
 <p:sld xmlns:a="http://schemas.openxmlformats.org/drawingml/2006/main" xmlns:r="http://schemas.openxmlformats.org/officeDocument/2006/relationships" xmlns:p="http://schemas.openxmlformats.org/presentationml/2006/main">
   <p:cSld>
     <p:bg>
@@ -26011,7 +26769,7 @@
 </p:sld>
 </file>
 
-<file path=ppt/slides/slide26.xml><?xml version="1.0" encoding="utf-8"?>
+<file path=ppt/slides/slide27.xml><?xml version="1.0" encoding="utf-8"?>
 <p:sld xmlns:a="http://schemas.openxmlformats.org/drawingml/2006/main" xmlns:r="http://schemas.openxmlformats.org/officeDocument/2006/relationships" xmlns:p="http://schemas.openxmlformats.org/presentationml/2006/main">
   <p:cSld>
     <p:bg>
@@ -26308,7 +27066,7 @@
 </p:sld>
 </file>
 
-<file path=ppt/slides/slide27.xml><?xml version="1.0" encoding="utf-8"?>
+<file path=ppt/slides/slide28.xml><?xml version="1.0" encoding="utf-8"?>
 <p:sld xmlns:a="http://schemas.openxmlformats.org/drawingml/2006/main" xmlns:r="http://schemas.openxmlformats.org/officeDocument/2006/relationships" xmlns:p="http://schemas.openxmlformats.org/presentationml/2006/main">
   <p:cSld>
     <p:bg>
@@ -26822,531 +27580,6 @@
 </p:sld>
 </file>
 
-<file path=ppt/slides/slide28.xml><?xml version="1.0" encoding="utf-8"?>
-<p:sld xmlns:a="http://schemas.openxmlformats.org/drawingml/2006/main" xmlns:r="http://schemas.openxmlformats.org/officeDocument/2006/relationships" xmlns:p="http://schemas.openxmlformats.org/presentationml/2006/main">
-  <p:cSld>
-    <p:bg>
-      <p:bgPr>
-        <a:blipFill dpi="0" rotWithShape="1">
-          <a:blip r:embed="rId2">
-            <a:extLst>
-              <a:ext uri="{BEBA8EAE-BF5A-486C-A8C5-ECC9F3942E4B}">
-                <a14:imgProps xmlns:a14="http://schemas.microsoft.com/office/drawing/2010/main">
-                  <a14:imgLayer r:embed="rId3">
-                    <a14:imgEffect>
-                      <a14:brightnessContrast bright="-20000"/>
-                    </a14:imgEffect>
-                  </a14:imgLayer>
-                </a14:imgProps>
-              </a:ext>
-            </a:extLst>
-          </a:blip>
-          <a:srcRect/>
-          <a:stretch>
-            <a:fillRect l="-9000" t="-39000" b="-11000"/>
-          </a:stretch>
-        </a:blipFill>
-        <a:effectLst/>
-      </p:bgPr>
-    </p:bg>
-    <p:spTree>
-      <p:nvGrpSpPr>
-        <p:cNvPr id="1" name=""/>
-        <p:cNvGrpSpPr/>
-        <p:nvPr/>
-      </p:nvGrpSpPr>
-      <p:grpSpPr>
-        <a:xfrm>
-          <a:off x="0" y="0"/>
-          <a:ext cx="0" cy="0"/>
-          <a:chOff x="0" y="0"/>
-          <a:chExt cx="0" cy="0"/>
-        </a:xfrm>
-      </p:grpSpPr>
-      <p:sp>
-        <p:nvSpPr>
-          <p:cNvPr id="8" name="TextBox 7">
-            <a:extLst>
-              <a:ext uri="{FF2B5EF4-FFF2-40B4-BE49-F238E27FC236}">
-                <a16:creationId xmlns:a16="http://schemas.microsoft.com/office/drawing/2014/main" id="{C0882B99-1574-09ED-8ED5-42D1D668A3BD}"/>
-              </a:ext>
-            </a:extLst>
-          </p:cNvPr>
-          <p:cNvSpPr txBox="1"/>
-          <p:nvPr/>
-        </p:nvSpPr>
-        <p:spPr>
-          <a:xfrm>
-            <a:off x="275303" y="211620"/>
-            <a:ext cx="6096000" cy="461665"/>
-          </a:xfrm>
-          <a:prstGeom prst="rect">
-            <a:avLst/>
-          </a:prstGeom>
-          <a:noFill/>
-        </p:spPr>
-        <p:txBody>
-          <a:bodyPr wrap="square">
-            <a:spAutoFit/>
-          </a:bodyPr>
-          <a:lstStyle/>
-          <a:p>
-            <a:pPr marR="0" lvl="0" algn="l" defTabSz="914400" rtl="0" eaLnBrk="1" fontAlgn="auto" latinLnBrk="0" hangingPunct="1">
-              <a:lnSpc>
-                <a:spcPct val="100000"/>
-              </a:lnSpc>
-              <a:spcBef>
-                <a:spcPts val="0"/>
-              </a:spcBef>
-              <a:spcAft>
-                <a:spcPts val="0"/>
-              </a:spcAft>
-              <a:buClrTx/>
-              <a:buSzTx/>
-              <a:tabLst/>
-              <a:defRPr/>
-            </a:pPr>
-            <a:r>
-              <a:rPr kumimoji="0" lang="en-ZA" sz="2400" b="1" i="0" u="none" strike="noStrike" kern="1200" cap="none" spc="0" normalizeH="0" baseline="0" noProof="0" dirty="0">
-                <a:ln>
-                  <a:noFill/>
-                </a:ln>
-                <a:solidFill>
-                  <a:prstClr val="white"/>
-                </a:solidFill>
-                <a:effectLst/>
-                <a:uLnTx/>
-                <a:uFillTx/>
-                <a:latin typeface="Aptos" panose="02110004020202020204"/>
-                <a:ea typeface="+mn-ea"/>
-                <a:cs typeface="+mn-cs"/>
-              </a:rPr>
-              <a:t>2. User Features</a:t>
-            </a:r>
-          </a:p>
-        </p:txBody>
-      </p:sp>
-      <p:sp>
-        <p:nvSpPr>
-          <p:cNvPr id="2" name="TextBox 1">
-            <a:extLst>
-              <a:ext uri="{FF2B5EF4-FFF2-40B4-BE49-F238E27FC236}">
-                <a16:creationId xmlns:a16="http://schemas.microsoft.com/office/drawing/2014/main" id="{36536420-2259-FDCB-A3D7-C1AD14ED1FC9}"/>
-              </a:ext>
-            </a:extLst>
-          </p:cNvPr>
-          <p:cNvSpPr txBox="1"/>
-          <p:nvPr/>
-        </p:nvSpPr>
-        <p:spPr>
-          <a:xfrm>
-            <a:off x="688257" y="807287"/>
-            <a:ext cx="9429135" cy="4247317"/>
-          </a:xfrm>
-          <a:prstGeom prst="rect">
-            <a:avLst/>
-          </a:prstGeom>
-          <a:noFill/>
-        </p:spPr>
-        <p:txBody>
-          <a:bodyPr wrap="square">
-            <a:spAutoFit/>
-          </a:bodyPr>
-          <a:lstStyle/>
-          <a:p>
-            <a:pPr marL="285750" indent="-285750">
-              <a:buFont typeface="Arial" panose="020B0604020202020204" pitchFamily="34" charset="0"/>
-              <a:buChar char="•"/>
-            </a:pPr>
-            <a:r>
-              <a:rPr lang="en-ZA" dirty="0">
-                <a:solidFill>
-                  <a:schemeClr val="bg1"/>
-                </a:solidFill>
-              </a:rPr>
-              <a:t>Income Segment:</a:t>
-            </a:r>
-          </a:p>
-          <a:p>
-            <a:pPr marL="285750" indent="-285750">
-              <a:buFont typeface="Arial" panose="020B0604020202020204" pitchFamily="34" charset="0"/>
-              <a:buChar char="•"/>
-            </a:pPr>
-            <a:endParaRPr lang="en-ZA" dirty="0">
-              <a:solidFill>
-                <a:schemeClr val="bg1"/>
-              </a:solidFill>
-            </a:endParaRPr>
-          </a:p>
-          <a:p>
-            <a:pPr marL="285750" indent="-285750">
-              <a:buFont typeface="Arial" panose="020B0604020202020204" pitchFamily="34" charset="0"/>
-              <a:buChar char="•"/>
-            </a:pPr>
-            <a:endParaRPr lang="en-ZA" dirty="0">
-              <a:solidFill>
-                <a:schemeClr val="bg1"/>
-              </a:solidFill>
-            </a:endParaRPr>
-          </a:p>
-          <a:p>
-            <a:pPr marL="285750" indent="-285750">
-              <a:buFont typeface="Arial" panose="020B0604020202020204" pitchFamily="34" charset="0"/>
-              <a:buChar char="•"/>
-            </a:pPr>
-            <a:endParaRPr lang="en-ZA" dirty="0">
-              <a:solidFill>
-                <a:schemeClr val="bg1"/>
-              </a:solidFill>
-            </a:endParaRPr>
-          </a:p>
-          <a:p>
-            <a:pPr marL="285750" indent="-285750">
-              <a:buFont typeface="Arial" panose="020B0604020202020204" pitchFamily="34" charset="0"/>
-              <a:buChar char="•"/>
-            </a:pPr>
-            <a:endParaRPr lang="en-ZA" dirty="0">
-              <a:solidFill>
-                <a:schemeClr val="bg1"/>
-              </a:solidFill>
-            </a:endParaRPr>
-          </a:p>
-          <a:p>
-            <a:pPr marL="285750" indent="-285750">
-              <a:buFont typeface="Arial" panose="020B0604020202020204" pitchFamily="34" charset="0"/>
-              <a:buChar char="•"/>
-            </a:pPr>
-            <a:r>
-              <a:rPr lang="en-ZA" dirty="0">
-                <a:solidFill>
-                  <a:schemeClr val="bg1"/>
-                </a:solidFill>
-              </a:rPr>
-              <a:t>Behavioural segment</a:t>
-            </a:r>
-          </a:p>
-          <a:p>
-            <a:pPr marL="285750" indent="-285750">
-              <a:buFont typeface="Arial" panose="020B0604020202020204" pitchFamily="34" charset="0"/>
-              <a:buChar char="•"/>
-            </a:pPr>
-            <a:r>
-              <a:rPr lang="en-ZA" dirty="0">
-                <a:solidFill>
-                  <a:schemeClr val="bg1"/>
-                </a:solidFill>
-              </a:rPr>
-              <a:t>Activity index</a:t>
-            </a:r>
-          </a:p>
-          <a:p>
-            <a:pPr marL="285750" indent="-285750">
-              <a:buFont typeface="Arial" panose="020B0604020202020204" pitchFamily="34" charset="0"/>
-              <a:buChar char="•"/>
-            </a:pPr>
-            <a:r>
-              <a:rPr lang="en-ZA" dirty="0">
-                <a:solidFill>
-                  <a:schemeClr val="bg1"/>
-                </a:solidFill>
-              </a:rPr>
-              <a:t>Time of day </a:t>
-            </a:r>
-          </a:p>
-          <a:p>
-            <a:pPr marL="285750" indent="-285750">
-              <a:buFont typeface="Arial" panose="020B0604020202020204" pitchFamily="34" charset="0"/>
-              <a:buChar char="•"/>
-            </a:pPr>
-            <a:r>
-              <a:rPr lang="en-ZA" dirty="0">
-                <a:solidFill>
-                  <a:schemeClr val="bg1"/>
-                </a:solidFill>
-              </a:rPr>
-              <a:t>Most interacted item type</a:t>
-            </a:r>
-          </a:p>
-          <a:p>
-            <a:pPr marL="285750" indent="-285750">
-              <a:buFont typeface="Arial" panose="020B0604020202020204" pitchFamily="34" charset="0"/>
-              <a:buChar char="•"/>
-            </a:pPr>
-            <a:r>
-              <a:rPr lang="en-ZA" dirty="0">
-                <a:solidFill>
-                  <a:schemeClr val="bg1"/>
-                </a:solidFill>
-              </a:rPr>
-              <a:t>Most interacted item</a:t>
-            </a:r>
-          </a:p>
-          <a:p>
-            <a:pPr marL="285750" indent="-285750">
-              <a:buFont typeface="Arial" panose="020B0604020202020204" pitchFamily="34" charset="0"/>
-              <a:buChar char="•"/>
-            </a:pPr>
-            <a:r>
-              <a:rPr lang="en-ZA" dirty="0">
-                <a:solidFill>
-                  <a:schemeClr val="bg1"/>
-                </a:solidFill>
-              </a:rPr>
-              <a:t>Activity score bin</a:t>
-            </a:r>
-          </a:p>
-          <a:p>
-            <a:pPr marL="285750" indent="-285750">
-              <a:buFont typeface="Arial" panose="020B0604020202020204" pitchFamily="34" charset="0"/>
-              <a:buChar char="•"/>
-            </a:pPr>
-            <a:r>
-              <a:rPr lang="en-ZA" dirty="0">
-                <a:solidFill>
-                  <a:schemeClr val="bg1"/>
-                </a:solidFill>
-              </a:rPr>
-              <a:t>Activity rate bin</a:t>
-            </a:r>
-          </a:p>
-          <a:p>
-            <a:pPr marL="285750" indent="-285750">
-              <a:buFont typeface="Arial" panose="020B0604020202020204" pitchFamily="34" charset="0"/>
-              <a:buChar char="•"/>
-            </a:pPr>
-            <a:r>
-              <a:rPr lang="en-ZA" dirty="0">
-                <a:solidFill>
-                  <a:schemeClr val="bg1"/>
-                </a:solidFill>
-              </a:rPr>
-              <a:t>Amount of interactions</a:t>
-            </a:r>
-          </a:p>
-          <a:p>
-            <a:pPr marL="285750" indent="-285750">
-              <a:buFont typeface="Arial" panose="020B0604020202020204" pitchFamily="34" charset="0"/>
-              <a:buChar char="•"/>
-            </a:pPr>
-            <a:r>
-              <a:rPr lang="en-ZA" dirty="0">
-                <a:solidFill>
-                  <a:schemeClr val="bg1"/>
-                </a:solidFill>
-              </a:rPr>
-              <a:t>Most frequent day of week interacted</a:t>
-            </a:r>
-          </a:p>
-          <a:p>
-            <a:pPr marL="285750" indent="-285750">
-              <a:buFont typeface="Arial" panose="020B0604020202020204" pitchFamily="34" charset="0"/>
-              <a:buChar char="•"/>
-            </a:pPr>
-            <a:endParaRPr lang="en-ZA" dirty="0"/>
-          </a:p>
-        </p:txBody>
-      </p:sp>
-      <p:graphicFrame>
-        <p:nvGraphicFramePr>
-          <p:cNvPr id="3" name="Table 2">
-            <a:extLst>
-              <a:ext uri="{FF2B5EF4-FFF2-40B4-BE49-F238E27FC236}">
-                <a16:creationId xmlns:a16="http://schemas.microsoft.com/office/drawing/2014/main" id="{76ADA40C-7CB6-AA4E-B662-08350974E915}"/>
-              </a:ext>
-            </a:extLst>
-          </p:cNvPr>
-          <p:cNvGraphicFramePr>
-            <a:graphicFrameLocks noGrp="1"/>
-          </p:cNvGraphicFramePr>
-          <p:nvPr/>
-        </p:nvGraphicFramePr>
-        <p:xfrm>
-          <a:off x="1074994" y="1267913"/>
-          <a:ext cx="4693264" cy="741680"/>
-        </p:xfrm>
-        <a:graphic>
-          <a:graphicData uri="http://schemas.openxmlformats.org/drawingml/2006/table">
-            <a:tbl>
-              <a:tblPr firstRow="1" bandRow="1">
-                <a:tableStyleId>{EB9631B5-78F2-41C9-869B-9F39066F8104}</a:tableStyleId>
-              </a:tblPr>
-              <a:tblGrid>
-                <a:gridCol w="1173316">
-                  <a:extLst>
-                    <a:ext uri="{9D8B030D-6E8A-4147-A177-3AD203B41FA5}">
-                      <a16:colId xmlns:a16="http://schemas.microsoft.com/office/drawing/2014/main" val="3400634612"/>
-                    </a:ext>
-                  </a:extLst>
-                </a:gridCol>
-                <a:gridCol w="1173316">
-                  <a:extLst>
-                    <a:ext uri="{9D8B030D-6E8A-4147-A177-3AD203B41FA5}">
-                      <a16:colId xmlns:a16="http://schemas.microsoft.com/office/drawing/2014/main" val="701412954"/>
-                    </a:ext>
-                  </a:extLst>
-                </a:gridCol>
-                <a:gridCol w="1173316">
-                  <a:extLst>
-                    <a:ext uri="{9D8B030D-6E8A-4147-A177-3AD203B41FA5}">
-                      <a16:colId xmlns:a16="http://schemas.microsoft.com/office/drawing/2014/main" val="224371639"/>
-                    </a:ext>
-                  </a:extLst>
-                </a:gridCol>
-                <a:gridCol w="1173316">
-                  <a:extLst>
-                    <a:ext uri="{9D8B030D-6E8A-4147-A177-3AD203B41FA5}">
-                      <a16:colId xmlns:a16="http://schemas.microsoft.com/office/drawing/2014/main" val="3317639608"/>
-                    </a:ext>
-                  </a:extLst>
-                </a:gridCol>
-              </a:tblGrid>
-              <a:tr h="370840">
-                <a:tc>
-                  <a:txBody>
-                    <a:bodyPr/>
-                    <a:lstStyle/>
-                    <a:p>
-                      <a:r>
-                        <a:rPr lang="en-ZA" sz="1600" dirty="0"/>
-                        <a:t>Segment 1</a:t>
-                      </a:r>
-                    </a:p>
-                  </a:txBody>
-                  <a:tcPr/>
-                </a:tc>
-                <a:tc>
-                  <a:txBody>
-                    <a:bodyPr/>
-                    <a:lstStyle/>
-                    <a:p>
-                      <a:r>
-                        <a:rPr lang="en-ZA" sz="1600" dirty="0"/>
-                        <a:t>Segment 2</a:t>
-                      </a:r>
-                    </a:p>
-                  </a:txBody>
-                  <a:tcPr/>
-                </a:tc>
-                <a:tc>
-                  <a:txBody>
-                    <a:bodyPr/>
-                    <a:lstStyle/>
-                    <a:p>
-                      <a:r>
-                        <a:rPr lang="en-ZA" sz="1600" dirty="0"/>
-                        <a:t>Segment 3</a:t>
-                      </a:r>
-                    </a:p>
-                  </a:txBody>
-                  <a:tcPr/>
-                </a:tc>
-                <a:tc>
-                  <a:txBody>
-                    <a:bodyPr/>
-                    <a:lstStyle/>
-                    <a:p>
-                      <a:r>
-                        <a:rPr lang="en-ZA" sz="1600" dirty="0"/>
-                        <a:t>Segment 4</a:t>
-                      </a:r>
-                    </a:p>
-                  </a:txBody>
-                  <a:tcPr/>
-                </a:tc>
-                <a:extLst>
-                  <a:ext uri="{0D108BD9-81ED-4DB2-BD59-A6C34878D82A}">
-                    <a16:rowId xmlns:a16="http://schemas.microsoft.com/office/drawing/2014/main" val="2245114912"/>
-                  </a:ext>
-                </a:extLst>
-              </a:tr>
-              <a:tr h="370840">
-                <a:tc>
-                  <a:txBody>
-                    <a:bodyPr/>
-                    <a:lstStyle/>
-                    <a:p>
-                      <a:r>
-                        <a:rPr lang="en-ZA" sz="1600" dirty="0"/>
-                        <a:t>0</a:t>
-                      </a:r>
-                    </a:p>
-                  </a:txBody>
-                  <a:tcPr/>
-                </a:tc>
-                <a:tc>
-                  <a:txBody>
-                    <a:bodyPr/>
-                    <a:lstStyle/>
-                    <a:p>
-                      <a:r>
-                        <a:rPr lang="en-ZA" sz="1600" dirty="0"/>
-                        <a:t>0</a:t>
-                      </a:r>
-                    </a:p>
-                  </a:txBody>
-                  <a:tcPr/>
-                </a:tc>
-                <a:tc>
-                  <a:txBody>
-                    <a:bodyPr/>
-                    <a:lstStyle/>
-                    <a:p>
-                      <a:r>
-                        <a:rPr lang="en-ZA" sz="1600" dirty="0"/>
-                        <a:t>1</a:t>
-                      </a:r>
-                    </a:p>
-                  </a:txBody>
-                  <a:tcPr/>
-                </a:tc>
-                <a:tc>
-                  <a:txBody>
-                    <a:bodyPr/>
-                    <a:lstStyle/>
-                    <a:p>
-                      <a:r>
-                        <a:rPr lang="en-ZA" sz="1600" dirty="0"/>
-                        <a:t>0</a:t>
-                      </a:r>
-                    </a:p>
-                  </a:txBody>
-                  <a:tcPr/>
-                </a:tc>
-                <a:extLst>
-                  <a:ext uri="{0D108BD9-81ED-4DB2-BD59-A6C34878D82A}">
-                    <a16:rowId xmlns:a16="http://schemas.microsoft.com/office/drawing/2014/main" val="294810486"/>
-                  </a:ext>
-                </a:extLst>
-              </a:tr>
-            </a:tbl>
-          </a:graphicData>
-        </a:graphic>
-      </p:graphicFrame>
-    </p:spTree>
-    <p:extLst>
-      <p:ext uri="{BB962C8B-B14F-4D97-AF65-F5344CB8AC3E}">
-        <p14:creationId xmlns:p14="http://schemas.microsoft.com/office/powerpoint/2010/main" val="96080187"/>
-      </p:ext>
-    </p:extLst>
-  </p:cSld>
-  <p:clrMapOvr>
-    <a:masterClrMapping/>
-  </p:clrMapOvr>
-  <mc:AlternateContent xmlns:mc="http://schemas.openxmlformats.org/markup-compatibility/2006">
-    <mc:Choice xmlns:p14="http://schemas.microsoft.com/office/powerpoint/2010/main" Requires="p14">
-      <p:transition p14:dur="100">
-        <p:cut/>
-      </p:transition>
-    </mc:Choice>
-    <mc:Fallback>
-      <p:transition>
-        <p:cut/>
-      </p:transition>
-    </mc:Fallback>
-  </mc:AlternateContent>
-</p:sld>
-</file>
-
 <file path=ppt/slides/slide29.xml><?xml version="1.0" encoding="utf-8"?>
 <p:sld xmlns:a="http://schemas.openxmlformats.org/drawingml/2006/main" xmlns:r="http://schemas.openxmlformats.org/officeDocument/2006/relationships" xmlns:p="http://schemas.openxmlformats.org/presentationml/2006/main">
   <p:cSld>
@@ -27489,8 +27722,52 @@
                   <a:schemeClr val="bg1"/>
                 </a:solidFill>
               </a:rPr>
-              <a:t>Income Segment</a:t>
+              <a:t>Income Segment:</a:t>
             </a:r>
+          </a:p>
+          <a:p>
+            <a:pPr marL="285750" indent="-285750">
+              <a:buFont typeface="Arial" panose="020B0604020202020204" pitchFamily="34" charset="0"/>
+              <a:buChar char="•"/>
+            </a:pPr>
+            <a:endParaRPr lang="en-ZA" dirty="0">
+              <a:solidFill>
+                <a:schemeClr val="bg1"/>
+              </a:solidFill>
+            </a:endParaRPr>
+          </a:p>
+          <a:p>
+            <a:pPr marL="285750" indent="-285750">
+              <a:buFont typeface="Arial" panose="020B0604020202020204" pitchFamily="34" charset="0"/>
+              <a:buChar char="•"/>
+            </a:pPr>
+            <a:endParaRPr lang="en-ZA" dirty="0">
+              <a:solidFill>
+                <a:schemeClr val="bg1"/>
+              </a:solidFill>
+            </a:endParaRPr>
+          </a:p>
+          <a:p>
+            <a:pPr marL="285750" indent="-285750">
+              <a:buFont typeface="Arial" panose="020B0604020202020204" pitchFamily="34" charset="0"/>
+              <a:buChar char="•"/>
+            </a:pPr>
+            <a:endParaRPr lang="en-ZA" dirty="0">
+              <a:solidFill>
+                <a:schemeClr val="bg1"/>
+              </a:solidFill>
+            </a:endParaRPr>
+          </a:p>
+          <a:p>
+            <a:pPr marL="285750" indent="-285750">
+              <a:buFont typeface="Arial" panose="020B0604020202020204" pitchFamily="34" charset="0"/>
+              <a:buChar char="•"/>
+            </a:pPr>
+            <a:endParaRPr lang="en-ZA" dirty="0">
+              <a:solidFill>
+                <a:schemeClr val="bg1"/>
+              </a:solidFill>
+            </a:endParaRPr>
           </a:p>
           <a:p>
             <a:pPr marL="285750" indent="-285750">
@@ -27503,52 +27780,8 @@
                   <a:schemeClr val="bg1"/>
                 </a:solidFill>
               </a:rPr>
-              <a:t>Behavioural segment:</a:t>
+              <a:t>Behavioural segment</a:t>
             </a:r>
-          </a:p>
-          <a:p>
-            <a:pPr marL="285750" indent="-285750">
-              <a:buFont typeface="Arial" panose="020B0604020202020204" pitchFamily="34" charset="0"/>
-              <a:buChar char="•"/>
-            </a:pPr>
-            <a:endParaRPr lang="en-ZA" dirty="0">
-              <a:solidFill>
-                <a:schemeClr val="bg1"/>
-              </a:solidFill>
-            </a:endParaRPr>
-          </a:p>
-          <a:p>
-            <a:pPr marL="285750" indent="-285750">
-              <a:buFont typeface="Arial" panose="020B0604020202020204" pitchFamily="34" charset="0"/>
-              <a:buChar char="•"/>
-            </a:pPr>
-            <a:endParaRPr lang="en-ZA" dirty="0">
-              <a:solidFill>
-                <a:schemeClr val="bg1"/>
-              </a:solidFill>
-            </a:endParaRPr>
-          </a:p>
-          <a:p>
-            <a:pPr marL="285750" indent="-285750">
-              <a:buFont typeface="Arial" panose="020B0604020202020204" pitchFamily="34" charset="0"/>
-              <a:buChar char="•"/>
-            </a:pPr>
-            <a:endParaRPr lang="en-ZA" dirty="0">
-              <a:solidFill>
-                <a:schemeClr val="bg1"/>
-              </a:solidFill>
-            </a:endParaRPr>
-          </a:p>
-          <a:p>
-            <a:pPr marL="285750" indent="-285750">
-              <a:buFont typeface="Arial" panose="020B0604020202020204" pitchFamily="34" charset="0"/>
-              <a:buChar char="•"/>
-            </a:pPr>
-            <a:endParaRPr lang="en-ZA" dirty="0">
-              <a:solidFill>
-                <a:schemeClr val="bg1"/>
-              </a:solidFill>
-            </a:endParaRPr>
           </a:p>
           <a:p>
             <a:pPr marL="285750" indent="-285750">
@@ -27561,7 +27794,7 @@
                   <a:schemeClr val="bg1"/>
                 </a:solidFill>
               </a:rPr>
-              <a:t>Activity index </a:t>
+              <a:t>Activity index</a:t>
             </a:r>
           </a:p>
           <a:p>
@@ -27683,17 +27916,11 @@
           <p:cNvGraphicFramePr>
             <a:graphicFrameLocks noGrp="1"/>
           </p:cNvGraphicFramePr>
-          <p:nvPr>
-            <p:extLst>
-              <p:ext uri="{D42A27DB-BD31-4B8C-83A1-F6EECF244321}">
-                <p14:modId xmlns:p14="http://schemas.microsoft.com/office/powerpoint/2010/main" val="894919126"/>
-              </p:ext>
-            </p:extLst>
-          </p:nvPr>
+          <p:nvPr/>
         </p:nvGraphicFramePr>
         <p:xfrm>
-          <a:off x="1074994" y="1524327"/>
-          <a:ext cx="4693269" cy="741680"/>
+          <a:off x="1074994" y="1267913"/>
+          <a:ext cx="4693264" cy="741680"/>
         </p:xfrm>
         <a:graphic>
           <a:graphicData uri="http://schemas.openxmlformats.org/drawingml/2006/table">
@@ -27702,55 +27929,34 @@
                 <a:tableStyleId>{EB9631B5-78F2-41C9-869B-9F39066F8104}</a:tableStyleId>
               </a:tblPr>
               <a:tblGrid>
-                <a:gridCol w="670467">
+                <a:gridCol w="1173316">
                   <a:extLst>
                     <a:ext uri="{9D8B030D-6E8A-4147-A177-3AD203B41FA5}">
                       <a16:colId xmlns:a16="http://schemas.microsoft.com/office/drawing/2014/main" val="3400634612"/>
                     </a:ext>
                   </a:extLst>
                 </a:gridCol>
-                <a:gridCol w="670467">
+                <a:gridCol w="1173316">
                   <a:extLst>
                     <a:ext uri="{9D8B030D-6E8A-4147-A177-3AD203B41FA5}">
                       <a16:colId xmlns:a16="http://schemas.microsoft.com/office/drawing/2014/main" val="701412954"/>
                     </a:ext>
                   </a:extLst>
                 </a:gridCol>
-                <a:gridCol w="670467">
+                <a:gridCol w="1173316">
                   <a:extLst>
                     <a:ext uri="{9D8B030D-6E8A-4147-A177-3AD203B41FA5}">
                       <a16:colId xmlns:a16="http://schemas.microsoft.com/office/drawing/2014/main" val="224371639"/>
                     </a:ext>
                   </a:extLst>
                 </a:gridCol>
-                <a:gridCol w="670467">
+                <a:gridCol w="1173316">
                   <a:extLst>
                     <a:ext uri="{9D8B030D-6E8A-4147-A177-3AD203B41FA5}">
                       <a16:colId xmlns:a16="http://schemas.microsoft.com/office/drawing/2014/main" val="3317639608"/>
                     </a:ext>
                   </a:extLst>
                 </a:gridCol>
-                <a:gridCol w="670467">
-                  <a:extLst>
-                    <a:ext uri="{9D8B030D-6E8A-4147-A177-3AD203B41FA5}">
-                      <a16:colId xmlns:a16="http://schemas.microsoft.com/office/drawing/2014/main" val="2721267651"/>
-                    </a:ext>
-                  </a:extLst>
-                </a:gridCol>
-                <a:gridCol w="670467">
-                  <a:extLst>
-                    <a:ext uri="{9D8B030D-6E8A-4147-A177-3AD203B41FA5}">
-                      <a16:colId xmlns:a16="http://schemas.microsoft.com/office/drawing/2014/main" val="1500200790"/>
-                    </a:ext>
-                  </a:extLst>
-                </a:gridCol>
-                <a:gridCol w="670467">
-                  <a:extLst>
-                    <a:ext uri="{9D8B030D-6E8A-4147-A177-3AD203B41FA5}">
-                      <a16:colId xmlns:a16="http://schemas.microsoft.com/office/drawing/2014/main" val="3707198262"/>
-                    </a:ext>
-                  </a:extLst>
-                </a:gridCol>
               </a:tblGrid>
               <a:tr h="370840">
                 <a:tc>
@@ -27760,7 +27966,7 @@
                     <a:p>
                       <a:r>
                         <a:rPr lang="en-ZA" sz="1600" dirty="0"/>
-                        <a:t>B01</a:t>
+                        <a:t>Segment 1</a:t>
                       </a:r>
                     </a:p>
                   </a:txBody>
@@ -27773,7 +27979,7 @@
                     <a:p>
                       <a:r>
                         <a:rPr lang="en-ZA" sz="1600" dirty="0"/>
-                        <a:t>B02</a:t>
+                        <a:t>Segment 2</a:t>
                       </a:r>
                     </a:p>
                   </a:txBody>
@@ -27786,7 +27992,7 @@
                     <a:p>
                       <a:r>
                         <a:rPr lang="en-ZA" sz="1600" dirty="0"/>
-                        <a:t>B03</a:t>
+                        <a:t>Segment 3</a:t>
                       </a:r>
                     </a:p>
                   </a:txBody>
@@ -27799,47 +28005,7 @@
                     <a:p>
                       <a:r>
                         <a:rPr lang="en-ZA" sz="1600" dirty="0"/>
-                        <a:t>B04</a:t>
-                      </a:r>
-                    </a:p>
-                  </a:txBody>
-                  <a:tcPr/>
-                </a:tc>
-                <a:tc>
-                  <a:txBody>
-                    <a:bodyPr/>
-                    <a:lstStyle/>
-                    <a:p>
-                      <a:r>
-                        <a:rPr lang="en-ZA" sz="1600" dirty="0"/>
-                        <a:t>B05</a:t>
-                      </a:r>
-                    </a:p>
-                  </a:txBody>
-                  <a:tcPr/>
-                </a:tc>
-                <a:tc>
-                  <a:txBody>
-                    <a:bodyPr/>
-                    <a:lstStyle/>
-                    <a:p>
-                      <a:pPr algn="ctr"/>
-                      <a:r>
-                        <a:rPr lang="en-ZA" sz="1600" dirty="0"/>
-                        <a:t>. . .</a:t>
-                      </a:r>
-                    </a:p>
-                  </a:txBody>
-                  <a:tcPr/>
-                </a:tc>
-                <a:tc>
-                  <a:txBody>
-                    <a:bodyPr/>
-                    <a:lstStyle/>
-                    <a:p>
-                      <a:r>
-                        <a:rPr lang="en-ZA" sz="1600" dirty="0"/>
-                        <a:t>B50</a:t>
+                        <a:t>Segment 4</a:t>
                       </a:r>
                     </a:p>
                   </a:txBody>
@@ -27886,46 +28052,6 @@
                       <a:r>
                         <a:rPr lang="en-ZA" sz="1600" dirty="0"/>
                         <a:t>1</a:t>
-                      </a:r>
-                    </a:p>
-                  </a:txBody>
-                  <a:tcPr/>
-                </a:tc>
-                <a:tc>
-                  <a:txBody>
-                    <a:bodyPr/>
-                    <a:lstStyle/>
-                    <a:p>
-                      <a:r>
-                        <a:rPr lang="en-ZA" sz="1600" dirty="0"/>
-                        <a:t>0</a:t>
-                      </a:r>
-                    </a:p>
-                  </a:txBody>
-                  <a:tcPr/>
-                </a:tc>
-                <a:tc>
-                  <a:txBody>
-                    <a:bodyPr/>
-                    <a:lstStyle/>
-                    <a:p>
-                      <a:r>
-                        <a:rPr lang="en-ZA" sz="1600" dirty="0"/>
-                        <a:t>0</a:t>
-                      </a:r>
-                    </a:p>
-                  </a:txBody>
-                  <a:tcPr/>
-                </a:tc>
-                <a:tc>
-                  <a:txBody>
-                    <a:bodyPr/>
-                    <a:lstStyle/>
-                    <a:p>
-                      <a:pPr algn="ctr"/>
-                      <a:r>
-                        <a:rPr lang="en-ZA" sz="1600" dirty="0"/>
-                        <a:t>. . .</a:t>
                       </a:r>
                     </a:p>
                   </a:txBody>
@@ -27957,20 +28083,20 @@
     </p:spTree>
     <p:extLst>
       <p:ext uri="{BB962C8B-B14F-4D97-AF65-F5344CB8AC3E}">
-        <p14:creationId xmlns:p14="http://schemas.microsoft.com/office/powerpoint/2010/main" val="535843785"/>
+        <p14:creationId xmlns:p14="http://schemas.microsoft.com/office/powerpoint/2010/main" val="96080187"/>
       </p:ext>
     </p:extLst>
   </p:cSld>
   <p:clrMapOvr>
     <a:masterClrMapping/>
   </p:clrMapOvr>
-  <mc:AlternateContent xmlns:mc="http://schemas.openxmlformats.org/markup-compatibility/2006">
-    <mc:Choice xmlns:p14="http://schemas.microsoft.com/office/powerpoint/2010/main" Requires="p14">
+  <mc:AlternateContent xmlns:mc="http://schemas.openxmlformats.org/markup-compatibility/2006" xmlns:p14="http://schemas.microsoft.com/office/powerpoint/2010/main">
+    <mc:Choice Requires="p14">
       <p:transition p14:dur="100">
         <p:cut/>
       </p:transition>
     </mc:Choice>
-    <mc:Fallback>
+    <mc:Fallback xmlns="">
       <p:transition>
         <p:cut/>
       </p:transition>
@@ -28297,8 +28423,52 @@
                   <a:schemeClr val="bg1"/>
                 </a:solidFill>
               </a:rPr>
-              <a:t>Behavioural segment</a:t>
+              <a:t>Behavioural segment:</a:t>
             </a:r>
+          </a:p>
+          <a:p>
+            <a:pPr marL="285750" indent="-285750">
+              <a:buFont typeface="Arial" panose="020B0604020202020204" pitchFamily="34" charset="0"/>
+              <a:buChar char="•"/>
+            </a:pPr>
+            <a:endParaRPr lang="en-ZA" dirty="0">
+              <a:solidFill>
+                <a:schemeClr val="bg1"/>
+              </a:solidFill>
+            </a:endParaRPr>
+          </a:p>
+          <a:p>
+            <a:pPr marL="285750" indent="-285750">
+              <a:buFont typeface="Arial" panose="020B0604020202020204" pitchFamily="34" charset="0"/>
+              <a:buChar char="•"/>
+            </a:pPr>
+            <a:endParaRPr lang="en-ZA" dirty="0">
+              <a:solidFill>
+                <a:schemeClr val="bg1"/>
+              </a:solidFill>
+            </a:endParaRPr>
+          </a:p>
+          <a:p>
+            <a:pPr marL="285750" indent="-285750">
+              <a:buFont typeface="Arial" panose="020B0604020202020204" pitchFamily="34" charset="0"/>
+              <a:buChar char="•"/>
+            </a:pPr>
+            <a:endParaRPr lang="en-ZA" dirty="0">
+              <a:solidFill>
+                <a:schemeClr val="bg1"/>
+              </a:solidFill>
+            </a:endParaRPr>
+          </a:p>
+          <a:p>
+            <a:pPr marL="285750" indent="-285750">
+              <a:buFont typeface="Arial" panose="020B0604020202020204" pitchFamily="34" charset="0"/>
+              <a:buChar char="•"/>
+            </a:pPr>
+            <a:endParaRPr lang="en-ZA" dirty="0">
+              <a:solidFill>
+                <a:schemeClr val="bg1"/>
+              </a:solidFill>
+            </a:endParaRPr>
           </a:p>
           <a:p>
             <a:pPr marL="285750" indent="-285750">
@@ -28311,52 +28481,8 @@
                   <a:schemeClr val="bg1"/>
                 </a:solidFill>
               </a:rPr>
-              <a:t>Activity index:</a:t>
+              <a:t>Activity index </a:t>
             </a:r>
-          </a:p>
-          <a:p>
-            <a:pPr marL="285750" indent="-285750">
-              <a:buFont typeface="Arial" panose="020B0604020202020204" pitchFamily="34" charset="0"/>
-              <a:buChar char="•"/>
-            </a:pPr>
-            <a:endParaRPr lang="en-ZA" dirty="0">
-              <a:solidFill>
-                <a:schemeClr val="bg1"/>
-              </a:solidFill>
-            </a:endParaRPr>
-          </a:p>
-          <a:p>
-            <a:pPr marL="285750" indent="-285750">
-              <a:buFont typeface="Arial" panose="020B0604020202020204" pitchFamily="34" charset="0"/>
-              <a:buChar char="•"/>
-            </a:pPr>
-            <a:endParaRPr lang="en-ZA" dirty="0">
-              <a:solidFill>
-                <a:schemeClr val="bg1"/>
-              </a:solidFill>
-            </a:endParaRPr>
-          </a:p>
-          <a:p>
-            <a:pPr marL="285750" indent="-285750">
-              <a:buFont typeface="Arial" panose="020B0604020202020204" pitchFamily="34" charset="0"/>
-              <a:buChar char="•"/>
-            </a:pPr>
-            <a:endParaRPr lang="en-ZA" dirty="0">
-              <a:solidFill>
-                <a:schemeClr val="bg1"/>
-              </a:solidFill>
-            </a:endParaRPr>
-          </a:p>
-          <a:p>
-            <a:pPr marL="285750" indent="-285750">
-              <a:buFont typeface="Arial" panose="020B0604020202020204" pitchFamily="34" charset="0"/>
-              <a:buChar char="•"/>
-            </a:pPr>
-            <a:endParaRPr lang="en-ZA" dirty="0">
-              <a:solidFill>
-                <a:schemeClr val="bg1"/>
-              </a:solidFill>
-            </a:endParaRPr>
           </a:p>
           <a:p>
             <a:pPr marL="285750" indent="-285750">
@@ -28369,7 +28495,7 @@
                   <a:schemeClr val="bg1"/>
                 </a:solidFill>
               </a:rPr>
-              <a:t>Time of day</a:t>
+              <a:t>Time of day </a:t>
             </a:r>
           </a:p>
           <a:p>
@@ -28467,10 +28593,10 @@
       </p:sp>
       <p:graphicFrame>
         <p:nvGraphicFramePr>
-          <p:cNvPr id="4" name="Table 3">
+          <p:cNvPr id="3" name="Table 2">
             <a:extLst>
               <a:ext uri="{FF2B5EF4-FFF2-40B4-BE49-F238E27FC236}">
-                <a16:creationId xmlns:a16="http://schemas.microsoft.com/office/drawing/2014/main" id="{D7B3C7A9-8A63-D447-C46A-4E2DDC810983}"/>
+                <a16:creationId xmlns:a16="http://schemas.microsoft.com/office/drawing/2014/main" id="{76ADA40C-7CB6-AA4E-B662-08350974E915}"/>
               </a:ext>
             </a:extLst>
           </p:cNvPr>
@@ -28480,14 +28606,14 @@
           <p:nvPr>
             <p:extLst>
               <p:ext uri="{D42A27DB-BD31-4B8C-83A1-F6EECF244321}">
-                <p14:modId xmlns:p14="http://schemas.microsoft.com/office/powerpoint/2010/main" val="2517606476"/>
+                <p14:modId xmlns:p14="http://schemas.microsoft.com/office/powerpoint/2010/main" val="894919126"/>
               </p:ext>
             </p:extLst>
           </p:nvPr>
         </p:nvGraphicFramePr>
         <p:xfrm>
-          <a:off x="1065161" y="1818519"/>
-          <a:ext cx="3998451" cy="741680"/>
+          <a:off x="1074994" y="1524327"/>
+          <a:ext cx="4693269" cy="741680"/>
         </p:xfrm>
         <a:graphic>
           <a:graphicData uri="http://schemas.openxmlformats.org/drawingml/2006/table">
@@ -28496,27 +28622,55 @@
                 <a:tableStyleId>{EB9631B5-78F2-41C9-869B-9F39066F8104}</a:tableStyleId>
               </a:tblPr>
               <a:tblGrid>
-                <a:gridCol w="1332817">
+                <a:gridCol w="670467">
                   <a:extLst>
                     <a:ext uri="{9D8B030D-6E8A-4147-A177-3AD203B41FA5}">
                       <a16:colId xmlns:a16="http://schemas.microsoft.com/office/drawing/2014/main" val="3400634612"/>
                     </a:ext>
                   </a:extLst>
                 </a:gridCol>
-                <a:gridCol w="1332817">
+                <a:gridCol w="670467">
                   <a:extLst>
                     <a:ext uri="{9D8B030D-6E8A-4147-A177-3AD203B41FA5}">
                       <a16:colId xmlns:a16="http://schemas.microsoft.com/office/drawing/2014/main" val="701412954"/>
                     </a:ext>
                   </a:extLst>
                 </a:gridCol>
-                <a:gridCol w="1332817">
+                <a:gridCol w="670467">
                   <a:extLst>
                     <a:ext uri="{9D8B030D-6E8A-4147-A177-3AD203B41FA5}">
                       <a16:colId xmlns:a16="http://schemas.microsoft.com/office/drawing/2014/main" val="224371639"/>
                     </a:ext>
                   </a:extLst>
                 </a:gridCol>
+                <a:gridCol w="670467">
+                  <a:extLst>
+                    <a:ext uri="{9D8B030D-6E8A-4147-A177-3AD203B41FA5}">
+                      <a16:colId xmlns:a16="http://schemas.microsoft.com/office/drawing/2014/main" val="3317639608"/>
+                    </a:ext>
+                  </a:extLst>
+                </a:gridCol>
+                <a:gridCol w="670467">
+                  <a:extLst>
+                    <a:ext uri="{9D8B030D-6E8A-4147-A177-3AD203B41FA5}">
+                      <a16:colId xmlns:a16="http://schemas.microsoft.com/office/drawing/2014/main" val="2721267651"/>
+                    </a:ext>
+                  </a:extLst>
+                </a:gridCol>
+                <a:gridCol w="670467">
+                  <a:extLst>
+                    <a:ext uri="{9D8B030D-6E8A-4147-A177-3AD203B41FA5}">
+                      <a16:colId xmlns:a16="http://schemas.microsoft.com/office/drawing/2014/main" val="1500200790"/>
+                    </a:ext>
+                  </a:extLst>
+                </a:gridCol>
+                <a:gridCol w="670467">
+                  <a:extLst>
+                    <a:ext uri="{9D8B030D-6E8A-4147-A177-3AD203B41FA5}">
+                      <a16:colId xmlns:a16="http://schemas.microsoft.com/office/drawing/2014/main" val="3707198262"/>
+                    </a:ext>
+                  </a:extLst>
+                </a:gridCol>
               </a:tblGrid>
               <a:tr h="370840">
                 <a:tc>
@@ -28526,7 +28680,7 @@
                     <a:p>
                       <a:r>
                         <a:rPr lang="en-ZA" sz="1600" dirty="0"/>
-                        <a:t>Cold start</a:t>
+                        <a:t>B01</a:t>
                       </a:r>
                     </a:p>
                   </a:txBody>
@@ -28539,7 +28693,7 @@
                     <a:p>
                       <a:r>
                         <a:rPr lang="en-ZA" sz="1600" dirty="0"/>
-                        <a:t>Semi Active</a:t>
+                        <a:t>B02</a:t>
                       </a:r>
                     </a:p>
                   </a:txBody>
@@ -28552,7 +28706,60 @@
                     <a:p>
                       <a:r>
                         <a:rPr lang="en-ZA" sz="1600" dirty="0"/>
-                        <a:t>Active</a:t>
+                        <a:t>B03</a:t>
+                      </a:r>
+                    </a:p>
+                  </a:txBody>
+                  <a:tcPr/>
+                </a:tc>
+                <a:tc>
+                  <a:txBody>
+                    <a:bodyPr/>
+                    <a:lstStyle/>
+                    <a:p>
+                      <a:r>
+                        <a:rPr lang="en-ZA" sz="1600" dirty="0"/>
+                        <a:t>B04</a:t>
+                      </a:r>
+                    </a:p>
+                  </a:txBody>
+                  <a:tcPr/>
+                </a:tc>
+                <a:tc>
+                  <a:txBody>
+                    <a:bodyPr/>
+                    <a:lstStyle/>
+                    <a:p>
+                      <a:r>
+                        <a:rPr lang="en-ZA" sz="1600" dirty="0"/>
+                        <a:t>B05</a:t>
+                      </a:r>
+                    </a:p>
+                  </a:txBody>
+                  <a:tcPr/>
+                </a:tc>
+                <a:tc>
+                  <a:txBody>
+                    <a:bodyPr/>
+                    <a:lstStyle/>
+                    <a:p>
+                      <a:pPr algn="ctr"/>
+                      <a:r>
+                        <a:rPr lang="en-ZA" sz="1600" dirty="0"/>
+                        <a:t>. . .</a:t>
+                      </a:r>
+                    </a:p>
+                  </a:txBody>
+                  <a:tcPr/>
+                </a:tc>
+                <a:tc>
+                  <a:txBody>
+                    <a:bodyPr/>
+                    <a:lstStyle/>
+                    <a:p>
+                      <a:r>
+                        <a:rPr lang="en-ZA" sz="1600" dirty="0"/>
+                        <a:t>B50</a:t>
                       </a:r>
                     </a:p>
                   </a:txBody>
@@ -28585,7 +28792,60 @@
                     <a:p>
                       <a:r>
                         <a:rPr lang="en-ZA" sz="1600" dirty="0"/>
+                        <a:t>0</a:t>
+                      </a:r>
+                    </a:p>
+                  </a:txBody>
+                  <a:tcPr/>
+                </a:tc>
+                <a:tc>
+                  <a:txBody>
+                    <a:bodyPr/>
+                    <a:lstStyle/>
+                    <a:p>
+                      <a:r>
+                        <a:rPr lang="en-ZA" sz="1600" dirty="0"/>
                         <a:t>1</a:t>
+                      </a:r>
+                    </a:p>
+                  </a:txBody>
+                  <a:tcPr/>
+                </a:tc>
+                <a:tc>
+                  <a:txBody>
+                    <a:bodyPr/>
+                    <a:lstStyle/>
+                    <a:p>
+                      <a:r>
+                        <a:rPr lang="en-ZA" sz="1600" dirty="0"/>
+                        <a:t>0</a:t>
+                      </a:r>
+                    </a:p>
+                  </a:txBody>
+                  <a:tcPr/>
+                </a:tc>
+                <a:tc>
+                  <a:txBody>
+                    <a:bodyPr/>
+                    <a:lstStyle/>
+                    <a:p>
+                      <a:r>
+                        <a:rPr lang="en-ZA" sz="1600" dirty="0"/>
+                        <a:t>0</a:t>
+                      </a:r>
+                    </a:p>
+                  </a:txBody>
+                  <a:tcPr/>
+                </a:tc>
+                <a:tc>
+                  <a:txBody>
+                    <a:bodyPr/>
+                    <a:lstStyle/>
+                    <a:p>
+                      <a:pPr algn="ctr"/>
+                      <a:r>
+                        <a:rPr lang="en-ZA" sz="1600" dirty="0"/>
+                        <a:t>. . .</a:t>
                       </a:r>
                     </a:p>
                   </a:txBody>
@@ -28617,20 +28877,20 @@
     </p:spTree>
     <p:extLst>
       <p:ext uri="{BB962C8B-B14F-4D97-AF65-F5344CB8AC3E}">
-        <p14:creationId xmlns:p14="http://schemas.microsoft.com/office/powerpoint/2010/main" val="953317750"/>
+        <p14:creationId xmlns:p14="http://schemas.microsoft.com/office/powerpoint/2010/main" val="535843785"/>
       </p:ext>
     </p:extLst>
   </p:cSld>
   <p:clrMapOvr>
     <a:masterClrMapping/>
   </p:clrMapOvr>
-  <mc:AlternateContent xmlns:mc="http://schemas.openxmlformats.org/markup-compatibility/2006">
-    <mc:Choice xmlns:p14="http://schemas.microsoft.com/office/powerpoint/2010/main" Requires="p14">
+  <mc:AlternateContent xmlns:mc="http://schemas.openxmlformats.org/markup-compatibility/2006" xmlns:p14="http://schemas.microsoft.com/office/powerpoint/2010/main">
+    <mc:Choice Requires="p14">
       <p:transition p14:dur="100">
         <p:cut/>
       </p:transition>
     </mc:Choice>
-    <mc:Fallback>
+    <mc:Fallback xmlns="">
       <p:transition>
         <p:cut/>
       </p:transition>
@@ -28809,8 +29069,52 @@
                   <a:schemeClr val="bg1"/>
                 </a:solidFill>
               </a:rPr>
-              <a:t>Activity index</a:t>
+              <a:t>Activity index:</a:t>
             </a:r>
+          </a:p>
+          <a:p>
+            <a:pPr marL="285750" indent="-285750">
+              <a:buFont typeface="Arial" panose="020B0604020202020204" pitchFamily="34" charset="0"/>
+              <a:buChar char="•"/>
+            </a:pPr>
+            <a:endParaRPr lang="en-ZA" dirty="0">
+              <a:solidFill>
+                <a:schemeClr val="bg1"/>
+              </a:solidFill>
+            </a:endParaRPr>
+          </a:p>
+          <a:p>
+            <a:pPr marL="285750" indent="-285750">
+              <a:buFont typeface="Arial" panose="020B0604020202020204" pitchFamily="34" charset="0"/>
+              <a:buChar char="•"/>
+            </a:pPr>
+            <a:endParaRPr lang="en-ZA" dirty="0">
+              <a:solidFill>
+                <a:schemeClr val="bg1"/>
+              </a:solidFill>
+            </a:endParaRPr>
+          </a:p>
+          <a:p>
+            <a:pPr marL="285750" indent="-285750">
+              <a:buFont typeface="Arial" panose="020B0604020202020204" pitchFamily="34" charset="0"/>
+              <a:buChar char="•"/>
+            </a:pPr>
+            <a:endParaRPr lang="en-ZA" dirty="0">
+              <a:solidFill>
+                <a:schemeClr val="bg1"/>
+              </a:solidFill>
+            </a:endParaRPr>
+          </a:p>
+          <a:p>
+            <a:pPr marL="285750" indent="-285750">
+              <a:buFont typeface="Arial" panose="020B0604020202020204" pitchFamily="34" charset="0"/>
+              <a:buChar char="•"/>
+            </a:pPr>
+            <a:endParaRPr lang="en-ZA" dirty="0">
+              <a:solidFill>
+                <a:schemeClr val="bg1"/>
+              </a:solidFill>
+            </a:endParaRPr>
           </a:p>
           <a:p>
             <a:pPr marL="285750" indent="-285750">
@@ -28823,52 +29127,8 @@
                   <a:schemeClr val="bg1"/>
                 </a:solidFill>
               </a:rPr>
-              <a:t>Time of day :</a:t>
+              <a:t>Time of day</a:t>
             </a:r>
-          </a:p>
-          <a:p>
-            <a:pPr marL="285750" indent="-285750">
-              <a:buFont typeface="Arial" panose="020B0604020202020204" pitchFamily="34" charset="0"/>
-              <a:buChar char="•"/>
-            </a:pPr>
-            <a:endParaRPr lang="en-ZA" dirty="0">
-              <a:solidFill>
-                <a:schemeClr val="bg1"/>
-              </a:solidFill>
-            </a:endParaRPr>
-          </a:p>
-          <a:p>
-            <a:pPr marL="285750" indent="-285750">
-              <a:buFont typeface="Arial" panose="020B0604020202020204" pitchFamily="34" charset="0"/>
-              <a:buChar char="•"/>
-            </a:pPr>
-            <a:endParaRPr lang="en-ZA" dirty="0">
-              <a:solidFill>
-                <a:schemeClr val="bg1"/>
-              </a:solidFill>
-            </a:endParaRPr>
-          </a:p>
-          <a:p>
-            <a:pPr marL="285750" indent="-285750">
-              <a:buFont typeface="Arial" panose="020B0604020202020204" pitchFamily="34" charset="0"/>
-              <a:buChar char="•"/>
-            </a:pPr>
-            <a:endParaRPr lang="en-ZA" dirty="0">
-              <a:solidFill>
-                <a:schemeClr val="bg1"/>
-              </a:solidFill>
-            </a:endParaRPr>
-          </a:p>
-          <a:p>
-            <a:pPr marL="285750" indent="-285750">
-              <a:buFont typeface="Arial" panose="020B0604020202020204" pitchFamily="34" charset="0"/>
-              <a:buChar char="•"/>
-            </a:pPr>
-            <a:endParaRPr lang="en-ZA" dirty="0">
-              <a:solidFill>
-                <a:schemeClr val="bg1"/>
-              </a:solidFill>
-            </a:endParaRPr>
           </a:p>
           <a:p>
             <a:pPr marL="285750" indent="-285750">
@@ -28975,11 +29235,17 @@
           <p:cNvGraphicFramePr>
             <a:graphicFrameLocks noGrp="1"/>
           </p:cNvGraphicFramePr>
-          <p:nvPr/>
+          <p:nvPr>
+            <p:extLst>
+              <p:ext uri="{D42A27DB-BD31-4B8C-83A1-F6EECF244321}">
+                <p14:modId xmlns:p14="http://schemas.microsoft.com/office/powerpoint/2010/main" val="2517606476"/>
+              </p:ext>
+            </p:extLst>
+          </p:nvPr>
         </p:nvGraphicFramePr>
         <p:xfrm>
-          <a:off x="1055330" y="2113487"/>
-          <a:ext cx="4693264" cy="741680"/>
+          <a:off x="1065161" y="1818519"/>
+          <a:ext cx="3998451" cy="741680"/>
         </p:xfrm>
         <a:graphic>
           <a:graphicData uri="http://schemas.openxmlformats.org/drawingml/2006/table">
@@ -28988,34 +29254,27 @@
                 <a:tableStyleId>{EB9631B5-78F2-41C9-869B-9F39066F8104}</a:tableStyleId>
               </a:tblPr>
               <a:tblGrid>
-                <a:gridCol w="1173316">
+                <a:gridCol w="1332817">
                   <a:extLst>
                     <a:ext uri="{9D8B030D-6E8A-4147-A177-3AD203B41FA5}">
                       <a16:colId xmlns:a16="http://schemas.microsoft.com/office/drawing/2014/main" val="3400634612"/>
                     </a:ext>
                   </a:extLst>
                 </a:gridCol>
-                <a:gridCol w="1173316">
+                <a:gridCol w="1332817">
                   <a:extLst>
                     <a:ext uri="{9D8B030D-6E8A-4147-A177-3AD203B41FA5}">
                       <a16:colId xmlns:a16="http://schemas.microsoft.com/office/drawing/2014/main" val="701412954"/>
                     </a:ext>
                   </a:extLst>
                 </a:gridCol>
-                <a:gridCol w="1173316">
+                <a:gridCol w="1332817">
                   <a:extLst>
                     <a:ext uri="{9D8B030D-6E8A-4147-A177-3AD203B41FA5}">
                       <a16:colId xmlns:a16="http://schemas.microsoft.com/office/drawing/2014/main" val="224371639"/>
                     </a:ext>
                   </a:extLst>
                 </a:gridCol>
-                <a:gridCol w="1173316">
-                  <a:extLst>
-                    <a:ext uri="{9D8B030D-6E8A-4147-A177-3AD203B41FA5}">
-                      <a16:colId xmlns:a16="http://schemas.microsoft.com/office/drawing/2014/main" val="3317639608"/>
-                    </a:ext>
-                  </a:extLst>
-                </a:gridCol>
               </a:tblGrid>
               <a:tr h="370840">
                 <a:tc>
@@ -29025,7 +29284,7 @@
                     <a:p>
                       <a:r>
                         <a:rPr lang="en-ZA" sz="1600" dirty="0"/>
-                        <a:t>Early</a:t>
+                        <a:t>Cold start</a:t>
                       </a:r>
                     </a:p>
                   </a:txBody>
@@ -29038,7 +29297,7 @@
                     <a:p>
                       <a:r>
                         <a:rPr lang="en-ZA" sz="1600" dirty="0"/>
-                        <a:t>Morning</a:t>
+                        <a:t>Semi Active</a:t>
                       </a:r>
                     </a:p>
                   </a:txBody>
@@ -29051,20 +29310,7 @@
                     <a:p>
                       <a:r>
                         <a:rPr lang="en-ZA" sz="1600" dirty="0"/>
-                        <a:t>Afternoon</a:t>
-                      </a:r>
-                    </a:p>
-                  </a:txBody>
-                  <a:tcPr/>
-                </a:tc>
-                <a:tc>
-                  <a:txBody>
-                    <a:bodyPr/>
-                    <a:lstStyle/>
-                    <a:p>
-                      <a:r>
-                        <a:rPr lang="en-ZA" sz="1600" dirty="0"/>
-                        <a:t>Evening</a:t>
+                        <a:t>Active</a:t>
                       </a:r>
                     </a:p>
                   </a:txBody>
@@ -29098,19 +29344,6 @@
                       <a:r>
                         <a:rPr lang="en-ZA" sz="1600" dirty="0"/>
                         <a:t>1</a:t>
-                      </a:r>
-                    </a:p>
-                  </a:txBody>
-                  <a:tcPr/>
-                </a:tc>
-                <a:tc>
-                  <a:txBody>
-                    <a:bodyPr/>
-                    <a:lstStyle/>
-                    <a:p>
-                      <a:r>
-                        <a:rPr lang="en-ZA" sz="1600" dirty="0"/>
-                        <a:t>0</a:t>
                       </a:r>
                     </a:p>
                   </a:txBody>
@@ -29142,7 +29375,7 @@
     </p:spTree>
     <p:extLst>
       <p:ext uri="{BB962C8B-B14F-4D97-AF65-F5344CB8AC3E}">
-        <p14:creationId xmlns:p14="http://schemas.microsoft.com/office/powerpoint/2010/main" val="1267132980"/>
+        <p14:creationId xmlns:p14="http://schemas.microsoft.com/office/powerpoint/2010/main" val="953317750"/>
       </p:ext>
     </p:extLst>
   </p:cSld>
@@ -29348,8 +29581,52 @@
                   <a:schemeClr val="bg1"/>
                 </a:solidFill>
               </a:rPr>
-              <a:t>Time of day </a:t>
+              <a:t>Time of day :</a:t>
             </a:r>
+          </a:p>
+          <a:p>
+            <a:pPr marL="285750" indent="-285750">
+              <a:buFont typeface="Arial" panose="020B0604020202020204" pitchFamily="34" charset="0"/>
+              <a:buChar char="•"/>
+            </a:pPr>
+            <a:endParaRPr lang="en-ZA" dirty="0">
+              <a:solidFill>
+                <a:schemeClr val="bg1"/>
+              </a:solidFill>
+            </a:endParaRPr>
+          </a:p>
+          <a:p>
+            <a:pPr marL="285750" indent="-285750">
+              <a:buFont typeface="Arial" panose="020B0604020202020204" pitchFamily="34" charset="0"/>
+              <a:buChar char="•"/>
+            </a:pPr>
+            <a:endParaRPr lang="en-ZA" dirty="0">
+              <a:solidFill>
+                <a:schemeClr val="bg1"/>
+              </a:solidFill>
+            </a:endParaRPr>
+          </a:p>
+          <a:p>
+            <a:pPr marL="285750" indent="-285750">
+              <a:buFont typeface="Arial" panose="020B0604020202020204" pitchFamily="34" charset="0"/>
+              <a:buChar char="•"/>
+            </a:pPr>
+            <a:endParaRPr lang="en-ZA" dirty="0">
+              <a:solidFill>
+                <a:schemeClr val="bg1"/>
+              </a:solidFill>
+            </a:endParaRPr>
+          </a:p>
+          <a:p>
+            <a:pPr marL="285750" indent="-285750">
+              <a:buFont typeface="Arial" panose="020B0604020202020204" pitchFamily="34" charset="0"/>
+              <a:buChar char="•"/>
+            </a:pPr>
+            <a:endParaRPr lang="en-ZA" dirty="0">
+              <a:solidFill>
+                <a:schemeClr val="bg1"/>
+              </a:solidFill>
+            </a:endParaRPr>
           </a:p>
           <a:p>
             <a:pPr marL="285750" indent="-285750">
@@ -29362,52 +29639,8 @@
                   <a:schemeClr val="bg1"/>
                 </a:solidFill>
               </a:rPr>
-              <a:t>Most interacted item type:</a:t>
+              <a:t>Most interacted item type</a:t>
             </a:r>
-          </a:p>
-          <a:p>
-            <a:pPr marL="285750" indent="-285750">
-              <a:buFont typeface="Arial" panose="020B0604020202020204" pitchFamily="34" charset="0"/>
-              <a:buChar char="•"/>
-            </a:pPr>
-            <a:endParaRPr lang="en-ZA" dirty="0">
-              <a:solidFill>
-                <a:schemeClr val="bg1"/>
-              </a:solidFill>
-            </a:endParaRPr>
-          </a:p>
-          <a:p>
-            <a:pPr marL="285750" indent="-285750">
-              <a:buFont typeface="Arial" panose="020B0604020202020204" pitchFamily="34" charset="0"/>
-              <a:buChar char="•"/>
-            </a:pPr>
-            <a:endParaRPr lang="en-ZA" dirty="0">
-              <a:solidFill>
-                <a:schemeClr val="bg1"/>
-              </a:solidFill>
-            </a:endParaRPr>
-          </a:p>
-          <a:p>
-            <a:pPr marL="285750" indent="-285750">
-              <a:buFont typeface="Arial" panose="020B0604020202020204" pitchFamily="34" charset="0"/>
-              <a:buChar char="•"/>
-            </a:pPr>
-            <a:endParaRPr lang="en-ZA" dirty="0">
-              <a:solidFill>
-                <a:schemeClr val="bg1"/>
-              </a:solidFill>
-            </a:endParaRPr>
-          </a:p>
-          <a:p>
-            <a:pPr marL="285750" indent="-285750">
-              <a:buFont typeface="Arial" panose="020B0604020202020204" pitchFamily="34" charset="0"/>
-              <a:buChar char="•"/>
-            </a:pPr>
-            <a:endParaRPr lang="en-ZA" dirty="0">
-              <a:solidFill>
-                <a:schemeClr val="bg1"/>
-              </a:solidFill>
-            </a:endParaRPr>
           </a:p>
           <a:p>
             <a:pPr marL="285750" indent="-285750">
@@ -29490,27 +29723,21 @@
       </p:sp>
       <p:graphicFrame>
         <p:nvGraphicFramePr>
-          <p:cNvPr id="3" name="Table 2">
+          <p:cNvPr id="4" name="Table 3">
             <a:extLst>
               <a:ext uri="{FF2B5EF4-FFF2-40B4-BE49-F238E27FC236}">
-                <a16:creationId xmlns:a16="http://schemas.microsoft.com/office/drawing/2014/main" id="{D0E297A8-0FE5-EB8E-39DF-308D2C8DEFA4}"/>
+                <a16:creationId xmlns:a16="http://schemas.microsoft.com/office/drawing/2014/main" id="{D7B3C7A9-8A63-D447-C46A-4E2DDC810983}"/>
               </a:ext>
             </a:extLst>
           </p:cNvPr>
           <p:cNvGraphicFramePr>
             <a:graphicFrameLocks noGrp="1"/>
           </p:cNvGraphicFramePr>
-          <p:nvPr>
-            <p:extLst>
-              <p:ext uri="{D42A27DB-BD31-4B8C-83A1-F6EECF244321}">
-                <p14:modId xmlns:p14="http://schemas.microsoft.com/office/powerpoint/2010/main" val="451708208"/>
-              </p:ext>
-            </p:extLst>
-          </p:nvPr>
+          <p:nvPr/>
         </p:nvGraphicFramePr>
         <p:xfrm>
-          <a:off x="1055329" y="2369901"/>
-          <a:ext cx="7075950" cy="741680"/>
+          <a:off x="1055330" y="2113487"/>
+          <a:ext cx="4693264" cy="741680"/>
         </p:xfrm>
         <a:graphic>
           <a:graphicData uri="http://schemas.openxmlformats.org/drawingml/2006/table">
@@ -29519,48 +29746,34 @@
                 <a:tableStyleId>{EB9631B5-78F2-41C9-869B-9F39066F8104}</a:tableStyleId>
               </a:tblPr>
               <a:tblGrid>
-                <a:gridCol w="1179325">
+                <a:gridCol w="1173316">
                   <a:extLst>
                     <a:ext uri="{9D8B030D-6E8A-4147-A177-3AD203B41FA5}">
                       <a16:colId xmlns:a16="http://schemas.microsoft.com/office/drawing/2014/main" val="3400634612"/>
                     </a:ext>
                   </a:extLst>
                 </a:gridCol>
-                <a:gridCol w="1179325">
+                <a:gridCol w="1173316">
                   <a:extLst>
                     <a:ext uri="{9D8B030D-6E8A-4147-A177-3AD203B41FA5}">
                       <a16:colId xmlns:a16="http://schemas.microsoft.com/office/drawing/2014/main" val="701412954"/>
                     </a:ext>
                   </a:extLst>
                 </a:gridCol>
-                <a:gridCol w="1179325">
+                <a:gridCol w="1173316">
                   <a:extLst>
                     <a:ext uri="{9D8B030D-6E8A-4147-A177-3AD203B41FA5}">
                       <a16:colId xmlns:a16="http://schemas.microsoft.com/office/drawing/2014/main" val="224371639"/>
                     </a:ext>
                   </a:extLst>
                 </a:gridCol>
-                <a:gridCol w="1179325">
+                <a:gridCol w="1173316">
                   <a:extLst>
                     <a:ext uri="{9D8B030D-6E8A-4147-A177-3AD203B41FA5}">
                       <a16:colId xmlns:a16="http://schemas.microsoft.com/office/drawing/2014/main" val="3317639608"/>
                     </a:ext>
                   </a:extLst>
                 </a:gridCol>
-                <a:gridCol w="1179325">
-                  <a:extLst>
-                    <a:ext uri="{9D8B030D-6E8A-4147-A177-3AD203B41FA5}">
-                      <a16:colId xmlns:a16="http://schemas.microsoft.com/office/drawing/2014/main" val="2721267651"/>
-                    </a:ext>
-                  </a:extLst>
-                </a:gridCol>
-                <a:gridCol w="1179325">
-                  <a:extLst>
-                    <a:ext uri="{9D8B030D-6E8A-4147-A177-3AD203B41FA5}">
-                      <a16:colId xmlns:a16="http://schemas.microsoft.com/office/drawing/2014/main" val="1500200790"/>
-                    </a:ext>
-                  </a:extLst>
-                </a:gridCol>
               </a:tblGrid>
               <a:tr h="370840">
                 <a:tc>
@@ -29569,129 +29782,48 @@
                     <a:lstStyle/>
                     <a:p>
                       <a:r>
-                        <a:rPr lang="en-US" sz="1800" b="1" i="0" kern="1200" dirty="0">
-                          <a:solidFill>
-                            <a:schemeClr val="lt1"/>
-                          </a:solidFill>
-                          <a:effectLst/>
-                          <a:latin typeface="+mn-lt"/>
-                          <a:ea typeface="+mn-ea"/>
-                          <a:cs typeface="+mn-cs"/>
-                        </a:rPr>
-                        <a:t>INSURE</a:t>
-                      </a:r>
-                      <a:endParaRPr lang="en-ZA" sz="1600" b="1" dirty="0"/>
-                    </a:p>
-                  </a:txBody>
-                  <a:tcPr/>
-                </a:tc>
-                <a:tc>
-                  <a:txBody>
-                    <a:bodyPr/>
-                    <a:lstStyle/>
-                    <a:p>
-                      <a:r>
-                        <a:rPr lang="en-US" sz="1600" b="1" i="0" kern="1200" dirty="0">
-                          <a:solidFill>
-                            <a:schemeClr val="lt1"/>
-                          </a:solidFill>
-                          <a:effectLst/>
-                          <a:latin typeface="+mn-lt"/>
-                          <a:ea typeface="+mn-ea"/>
-                          <a:cs typeface="+mn-cs"/>
-                        </a:rPr>
-                        <a:t>TRANSACT </a:t>
-                      </a:r>
-                      <a:endParaRPr lang="en-ZA" sz="1600" b="1" dirty="0"/>
-                    </a:p>
-                  </a:txBody>
-                  <a:tcPr/>
-                </a:tc>
-                <a:tc>
-                  <a:txBody>
-                    <a:bodyPr/>
-                    <a:lstStyle/>
-                    <a:p>
-                      <a:r>
-                        <a:rPr lang="en-US" sz="1600" b="1" i="0" kern="1200" dirty="0">
-                          <a:solidFill>
-                            <a:schemeClr val="lt1"/>
-                          </a:solidFill>
-                          <a:effectLst/>
-                          <a:latin typeface="+mn-lt"/>
-                          <a:ea typeface="+mn-ea"/>
-                          <a:cs typeface="+mn-cs"/>
-                        </a:rPr>
-                        <a:t>LEND</a:t>
-                      </a:r>
-                      <a:endParaRPr lang="en-ZA" sz="1600" b="1" dirty="0"/>
-                    </a:p>
-                  </a:txBody>
-                  <a:tcPr/>
-                </a:tc>
-                <a:tc>
-                  <a:txBody>
-                    <a:bodyPr/>
-                    <a:lstStyle/>
-                    <a:p>
-                      <a:r>
-                        <a:rPr lang="en-US" sz="1600" b="1" i="0" kern="1200" dirty="0">
-                          <a:solidFill>
-                            <a:schemeClr val="lt1"/>
-                          </a:solidFill>
-                          <a:effectLst/>
-                          <a:latin typeface="+mn-lt"/>
-                          <a:ea typeface="+mn-ea"/>
-                          <a:cs typeface="+mn-cs"/>
-                        </a:rPr>
-                        <a:t>INVEST</a:t>
-                      </a:r>
-                      <a:endParaRPr lang="en-ZA" sz="1600" b="1" dirty="0"/>
-                    </a:p>
-                  </a:txBody>
-                  <a:tcPr/>
-                </a:tc>
-                <a:tc>
-                  <a:txBody>
-                    <a:bodyPr/>
-                    <a:lstStyle/>
-                    <a:p>
-                      <a:r>
-                        <a:rPr lang="en-US" sz="1600" b="1" i="0" kern="1200" dirty="0">
-                          <a:solidFill>
-                            <a:schemeClr val="lt1"/>
-                          </a:solidFill>
-                          <a:effectLst/>
-                          <a:latin typeface="+mn-lt"/>
-                          <a:ea typeface="+mn-ea"/>
-                          <a:cs typeface="+mn-cs"/>
-                        </a:rPr>
-                        <a:t>LIFESTYLE</a:t>
-                      </a:r>
-                      <a:endParaRPr lang="en-ZA" sz="1600" b="1" dirty="0"/>
-                    </a:p>
-                  </a:txBody>
-                  <a:tcPr/>
-                </a:tc>
-                <a:tc>
-                  <a:txBody>
-                    <a:bodyPr/>
-                    <a:lstStyle/>
-                    <a:p>
-                      <a:pPr algn="l"/>
-                      <a:r>
-                        <a:rPr lang="en-US" sz="1600" b="1" i="0" kern="1200" dirty="0">
-                          <a:solidFill>
-                            <a:schemeClr val="lt1"/>
-                          </a:solidFill>
-                          <a:effectLst/>
-                          <a:latin typeface="+mn-lt"/>
-                          <a:ea typeface="+mn-ea"/>
-                          <a:cs typeface="+mn-cs"/>
-                        </a:rPr>
-                        <a:t>CONNECT</a:t>
-                      </a:r>
-                      <a:endParaRPr lang="en-ZA" sz="1600" b="1" dirty="0"/>
+                        <a:rPr lang="en-ZA" sz="1600" dirty="0"/>
+                        <a:t>Early</a:t>
+                      </a:r>
+                    </a:p>
+                  </a:txBody>
+                  <a:tcPr/>
+                </a:tc>
+                <a:tc>
+                  <a:txBody>
+                    <a:bodyPr/>
+                    <a:lstStyle/>
+                    <a:p>
+                      <a:r>
+                        <a:rPr lang="en-ZA" sz="1600" dirty="0"/>
+                        <a:t>Morning</a:t>
+                      </a:r>
+                    </a:p>
+                  </a:txBody>
+                  <a:tcPr/>
+                </a:tc>
+                <a:tc>
+                  <a:txBody>
+                    <a:bodyPr/>
+                    <a:lstStyle/>
+                    <a:p>
+                      <a:r>
+                        <a:rPr lang="en-ZA" sz="1600" dirty="0"/>
+                        <a:t>Afternoon</a:t>
+                      </a:r>
+                    </a:p>
+                  </a:txBody>
+                  <a:tcPr/>
+                </a:tc>
+                <a:tc>
+                  <a:txBody>
+                    <a:bodyPr/>
+                    <a:lstStyle/>
+                    <a:p>
+                      <a:r>
+                        <a:rPr lang="en-ZA" sz="1600" dirty="0"/>
+                        <a:t>Evening</a:t>
+                      </a:r>
                     </a:p>
                   </a:txBody>
                   <a:tcPr/>
@@ -29723,7 +29855,7 @@
                     <a:p>
                       <a:r>
                         <a:rPr lang="en-ZA" sz="1600" dirty="0"/>
-                        <a:t>0</a:t>
+                        <a:t>1</a:t>
                       </a:r>
                     </a:p>
                   </a:txBody>
@@ -29750,33 +29882,6 @@
                       <a:r>
                         <a:rPr lang="en-ZA" sz="1600" dirty="0"/>
                         <a:t>0</a:t>
-                      </a:r>
-                    </a:p>
-                  </a:txBody>
-                  <a:tcPr/>
-                </a:tc>
-                <a:tc>
-                  <a:txBody>
-                    <a:bodyPr/>
-                    <a:lstStyle/>
-                    <a:p>
-                      <a:r>
-                        <a:rPr lang="en-ZA" sz="1600" dirty="0"/>
-                        <a:t>0</a:t>
-                      </a:r>
-                    </a:p>
-                  </a:txBody>
-                  <a:tcPr/>
-                </a:tc>
-                <a:tc>
-                  <a:txBody>
-                    <a:bodyPr/>
-                    <a:lstStyle/>
-                    <a:p>
-                      <a:pPr algn="l"/>
-                      <a:r>
-                        <a:rPr lang="en-ZA" sz="1600" dirty="0"/>
-                        <a:t>1</a:t>
                       </a:r>
                     </a:p>
                   </a:txBody>
@@ -29795,7 +29900,7 @@
     </p:spTree>
     <p:extLst>
       <p:ext uri="{BB962C8B-B14F-4D97-AF65-F5344CB8AC3E}">
-        <p14:creationId xmlns:p14="http://schemas.microsoft.com/office/powerpoint/2010/main" val="2369026690"/>
+        <p14:creationId xmlns:p14="http://schemas.microsoft.com/office/powerpoint/2010/main" val="1267132980"/>
       </p:ext>
     </p:extLst>
   </p:cSld>
@@ -30015,6 +30120,659 @@
                   <a:schemeClr val="bg1"/>
                 </a:solidFill>
               </a:rPr>
+              <a:t>Most interacted item type:</a:t>
+            </a:r>
+          </a:p>
+          <a:p>
+            <a:pPr marL="285750" indent="-285750">
+              <a:buFont typeface="Arial" panose="020B0604020202020204" pitchFamily="34" charset="0"/>
+              <a:buChar char="•"/>
+            </a:pPr>
+            <a:endParaRPr lang="en-ZA" dirty="0">
+              <a:solidFill>
+                <a:schemeClr val="bg1"/>
+              </a:solidFill>
+            </a:endParaRPr>
+          </a:p>
+          <a:p>
+            <a:pPr marL="285750" indent="-285750">
+              <a:buFont typeface="Arial" panose="020B0604020202020204" pitchFamily="34" charset="0"/>
+              <a:buChar char="•"/>
+            </a:pPr>
+            <a:endParaRPr lang="en-ZA" dirty="0">
+              <a:solidFill>
+                <a:schemeClr val="bg1"/>
+              </a:solidFill>
+            </a:endParaRPr>
+          </a:p>
+          <a:p>
+            <a:pPr marL="285750" indent="-285750">
+              <a:buFont typeface="Arial" panose="020B0604020202020204" pitchFamily="34" charset="0"/>
+              <a:buChar char="•"/>
+            </a:pPr>
+            <a:endParaRPr lang="en-ZA" dirty="0">
+              <a:solidFill>
+                <a:schemeClr val="bg1"/>
+              </a:solidFill>
+            </a:endParaRPr>
+          </a:p>
+          <a:p>
+            <a:pPr marL="285750" indent="-285750">
+              <a:buFont typeface="Arial" panose="020B0604020202020204" pitchFamily="34" charset="0"/>
+              <a:buChar char="•"/>
+            </a:pPr>
+            <a:endParaRPr lang="en-ZA" dirty="0">
+              <a:solidFill>
+                <a:schemeClr val="bg1"/>
+              </a:solidFill>
+            </a:endParaRPr>
+          </a:p>
+          <a:p>
+            <a:pPr marL="285750" indent="-285750">
+              <a:buFont typeface="Arial" panose="020B0604020202020204" pitchFamily="34" charset="0"/>
+              <a:buChar char="•"/>
+            </a:pPr>
+            <a:r>
+              <a:rPr lang="en-ZA" dirty="0">
+                <a:solidFill>
+                  <a:schemeClr val="bg1"/>
+                </a:solidFill>
+              </a:rPr>
+              <a:t>Most interacted item</a:t>
+            </a:r>
+          </a:p>
+          <a:p>
+            <a:pPr marL="285750" indent="-285750">
+              <a:buFont typeface="Arial" panose="020B0604020202020204" pitchFamily="34" charset="0"/>
+              <a:buChar char="•"/>
+            </a:pPr>
+            <a:r>
+              <a:rPr lang="en-ZA" dirty="0">
+                <a:solidFill>
+                  <a:schemeClr val="bg1"/>
+                </a:solidFill>
+              </a:rPr>
+              <a:t>Activity score bin</a:t>
+            </a:r>
+          </a:p>
+          <a:p>
+            <a:pPr marL="285750" indent="-285750">
+              <a:buFont typeface="Arial" panose="020B0604020202020204" pitchFamily="34" charset="0"/>
+              <a:buChar char="•"/>
+            </a:pPr>
+            <a:r>
+              <a:rPr lang="en-ZA" dirty="0">
+                <a:solidFill>
+                  <a:schemeClr val="bg1"/>
+                </a:solidFill>
+              </a:rPr>
+              <a:t>Activity rate bin</a:t>
+            </a:r>
+          </a:p>
+          <a:p>
+            <a:pPr marL="285750" indent="-285750">
+              <a:buFont typeface="Arial" panose="020B0604020202020204" pitchFamily="34" charset="0"/>
+              <a:buChar char="•"/>
+            </a:pPr>
+            <a:r>
+              <a:rPr lang="en-ZA" dirty="0">
+                <a:solidFill>
+                  <a:schemeClr val="bg1"/>
+                </a:solidFill>
+              </a:rPr>
+              <a:t>Amount of interactions</a:t>
+            </a:r>
+          </a:p>
+          <a:p>
+            <a:pPr marL="285750" indent="-285750">
+              <a:buFont typeface="Arial" panose="020B0604020202020204" pitchFamily="34" charset="0"/>
+              <a:buChar char="•"/>
+            </a:pPr>
+            <a:r>
+              <a:rPr lang="en-ZA" dirty="0">
+                <a:solidFill>
+                  <a:schemeClr val="bg1"/>
+                </a:solidFill>
+              </a:rPr>
+              <a:t>Most frequent day of week interacted</a:t>
+            </a:r>
+          </a:p>
+          <a:p>
+            <a:pPr marL="285750" indent="-285750">
+              <a:buFont typeface="Arial" panose="020B0604020202020204" pitchFamily="34" charset="0"/>
+              <a:buChar char="•"/>
+            </a:pPr>
+            <a:endParaRPr lang="en-ZA" dirty="0"/>
+          </a:p>
+        </p:txBody>
+      </p:sp>
+      <p:graphicFrame>
+        <p:nvGraphicFramePr>
+          <p:cNvPr id="3" name="Table 2">
+            <a:extLst>
+              <a:ext uri="{FF2B5EF4-FFF2-40B4-BE49-F238E27FC236}">
+                <a16:creationId xmlns:a16="http://schemas.microsoft.com/office/drawing/2014/main" id="{D0E297A8-0FE5-EB8E-39DF-308D2C8DEFA4}"/>
+              </a:ext>
+            </a:extLst>
+          </p:cNvPr>
+          <p:cNvGraphicFramePr>
+            <a:graphicFrameLocks noGrp="1"/>
+          </p:cNvGraphicFramePr>
+          <p:nvPr>
+            <p:extLst>
+              <p:ext uri="{D42A27DB-BD31-4B8C-83A1-F6EECF244321}">
+                <p14:modId xmlns:p14="http://schemas.microsoft.com/office/powerpoint/2010/main" val="451708208"/>
+              </p:ext>
+            </p:extLst>
+          </p:nvPr>
+        </p:nvGraphicFramePr>
+        <p:xfrm>
+          <a:off x="1055329" y="2369901"/>
+          <a:ext cx="7075950" cy="741680"/>
+        </p:xfrm>
+        <a:graphic>
+          <a:graphicData uri="http://schemas.openxmlformats.org/drawingml/2006/table">
+            <a:tbl>
+              <a:tblPr firstRow="1" bandRow="1">
+                <a:tableStyleId>{EB9631B5-78F2-41C9-869B-9F39066F8104}</a:tableStyleId>
+              </a:tblPr>
+              <a:tblGrid>
+                <a:gridCol w="1179325">
+                  <a:extLst>
+                    <a:ext uri="{9D8B030D-6E8A-4147-A177-3AD203B41FA5}">
+                      <a16:colId xmlns:a16="http://schemas.microsoft.com/office/drawing/2014/main" val="3400634612"/>
+                    </a:ext>
+                  </a:extLst>
+                </a:gridCol>
+                <a:gridCol w="1179325">
+                  <a:extLst>
+                    <a:ext uri="{9D8B030D-6E8A-4147-A177-3AD203B41FA5}">
+                      <a16:colId xmlns:a16="http://schemas.microsoft.com/office/drawing/2014/main" val="701412954"/>
+                    </a:ext>
+                  </a:extLst>
+                </a:gridCol>
+                <a:gridCol w="1179325">
+                  <a:extLst>
+                    <a:ext uri="{9D8B030D-6E8A-4147-A177-3AD203B41FA5}">
+                      <a16:colId xmlns:a16="http://schemas.microsoft.com/office/drawing/2014/main" val="224371639"/>
+                    </a:ext>
+                  </a:extLst>
+                </a:gridCol>
+                <a:gridCol w="1179325">
+                  <a:extLst>
+                    <a:ext uri="{9D8B030D-6E8A-4147-A177-3AD203B41FA5}">
+                      <a16:colId xmlns:a16="http://schemas.microsoft.com/office/drawing/2014/main" val="3317639608"/>
+                    </a:ext>
+                  </a:extLst>
+                </a:gridCol>
+                <a:gridCol w="1179325">
+                  <a:extLst>
+                    <a:ext uri="{9D8B030D-6E8A-4147-A177-3AD203B41FA5}">
+                      <a16:colId xmlns:a16="http://schemas.microsoft.com/office/drawing/2014/main" val="2721267651"/>
+                    </a:ext>
+                  </a:extLst>
+                </a:gridCol>
+                <a:gridCol w="1179325">
+                  <a:extLst>
+                    <a:ext uri="{9D8B030D-6E8A-4147-A177-3AD203B41FA5}">
+                      <a16:colId xmlns:a16="http://schemas.microsoft.com/office/drawing/2014/main" val="1500200790"/>
+                    </a:ext>
+                  </a:extLst>
+                </a:gridCol>
+              </a:tblGrid>
+              <a:tr h="370840">
+                <a:tc>
+                  <a:txBody>
+                    <a:bodyPr/>
+                    <a:lstStyle/>
+                    <a:p>
+                      <a:r>
+                        <a:rPr lang="en-US" sz="1800" b="1" i="0" kern="1200" dirty="0">
+                          <a:solidFill>
+                            <a:schemeClr val="lt1"/>
+                          </a:solidFill>
+                          <a:effectLst/>
+                          <a:latin typeface="+mn-lt"/>
+                          <a:ea typeface="+mn-ea"/>
+                          <a:cs typeface="+mn-cs"/>
+                        </a:rPr>
+                        <a:t>INSURE</a:t>
+                      </a:r>
+                      <a:endParaRPr lang="en-ZA" sz="1600" b="1" dirty="0"/>
+                    </a:p>
+                  </a:txBody>
+                  <a:tcPr/>
+                </a:tc>
+                <a:tc>
+                  <a:txBody>
+                    <a:bodyPr/>
+                    <a:lstStyle/>
+                    <a:p>
+                      <a:r>
+                        <a:rPr lang="en-US" sz="1600" b="1" i="0" kern="1200" dirty="0">
+                          <a:solidFill>
+                            <a:schemeClr val="lt1"/>
+                          </a:solidFill>
+                          <a:effectLst/>
+                          <a:latin typeface="+mn-lt"/>
+                          <a:ea typeface="+mn-ea"/>
+                          <a:cs typeface="+mn-cs"/>
+                        </a:rPr>
+                        <a:t>TRANSACT </a:t>
+                      </a:r>
+                      <a:endParaRPr lang="en-ZA" sz="1600" b="1" dirty="0"/>
+                    </a:p>
+                  </a:txBody>
+                  <a:tcPr/>
+                </a:tc>
+                <a:tc>
+                  <a:txBody>
+                    <a:bodyPr/>
+                    <a:lstStyle/>
+                    <a:p>
+                      <a:r>
+                        <a:rPr lang="en-US" sz="1600" b="1" i="0" kern="1200" dirty="0">
+                          <a:solidFill>
+                            <a:schemeClr val="lt1"/>
+                          </a:solidFill>
+                          <a:effectLst/>
+                          <a:latin typeface="+mn-lt"/>
+                          <a:ea typeface="+mn-ea"/>
+                          <a:cs typeface="+mn-cs"/>
+                        </a:rPr>
+                        <a:t>LEND</a:t>
+                      </a:r>
+                      <a:endParaRPr lang="en-ZA" sz="1600" b="1" dirty="0"/>
+                    </a:p>
+                  </a:txBody>
+                  <a:tcPr/>
+                </a:tc>
+                <a:tc>
+                  <a:txBody>
+                    <a:bodyPr/>
+                    <a:lstStyle/>
+                    <a:p>
+                      <a:r>
+                        <a:rPr lang="en-US" sz="1600" b="1" i="0" kern="1200" dirty="0">
+                          <a:solidFill>
+                            <a:schemeClr val="lt1"/>
+                          </a:solidFill>
+                          <a:effectLst/>
+                          <a:latin typeface="+mn-lt"/>
+                          <a:ea typeface="+mn-ea"/>
+                          <a:cs typeface="+mn-cs"/>
+                        </a:rPr>
+                        <a:t>INVEST</a:t>
+                      </a:r>
+                      <a:endParaRPr lang="en-ZA" sz="1600" b="1" dirty="0"/>
+                    </a:p>
+                  </a:txBody>
+                  <a:tcPr/>
+                </a:tc>
+                <a:tc>
+                  <a:txBody>
+                    <a:bodyPr/>
+                    <a:lstStyle/>
+                    <a:p>
+                      <a:r>
+                        <a:rPr lang="en-US" sz="1600" b="1" i="0" kern="1200" dirty="0">
+                          <a:solidFill>
+                            <a:schemeClr val="lt1"/>
+                          </a:solidFill>
+                          <a:effectLst/>
+                          <a:latin typeface="+mn-lt"/>
+                          <a:ea typeface="+mn-ea"/>
+                          <a:cs typeface="+mn-cs"/>
+                        </a:rPr>
+                        <a:t>LIFESTYLE</a:t>
+                      </a:r>
+                      <a:endParaRPr lang="en-ZA" sz="1600" b="1" dirty="0"/>
+                    </a:p>
+                  </a:txBody>
+                  <a:tcPr/>
+                </a:tc>
+                <a:tc>
+                  <a:txBody>
+                    <a:bodyPr/>
+                    <a:lstStyle/>
+                    <a:p>
+                      <a:pPr algn="l"/>
+                      <a:r>
+                        <a:rPr lang="en-US" sz="1600" b="1" i="0" kern="1200" dirty="0">
+                          <a:solidFill>
+                            <a:schemeClr val="lt1"/>
+                          </a:solidFill>
+                          <a:effectLst/>
+                          <a:latin typeface="+mn-lt"/>
+                          <a:ea typeface="+mn-ea"/>
+                          <a:cs typeface="+mn-cs"/>
+                        </a:rPr>
+                        <a:t>CONNECT</a:t>
+                      </a:r>
+                      <a:endParaRPr lang="en-ZA" sz="1600" b="1" dirty="0"/>
+                    </a:p>
+                  </a:txBody>
+                  <a:tcPr/>
+                </a:tc>
+                <a:extLst>
+                  <a:ext uri="{0D108BD9-81ED-4DB2-BD59-A6C34878D82A}">
+                    <a16:rowId xmlns:a16="http://schemas.microsoft.com/office/drawing/2014/main" val="2245114912"/>
+                  </a:ext>
+                </a:extLst>
+              </a:tr>
+              <a:tr h="370840">
+                <a:tc>
+                  <a:txBody>
+                    <a:bodyPr/>
+                    <a:lstStyle/>
+                    <a:p>
+                      <a:r>
+                        <a:rPr lang="en-ZA" sz="1600" dirty="0"/>
+                        <a:t>0</a:t>
+                      </a:r>
+                    </a:p>
+                  </a:txBody>
+                  <a:tcPr/>
+                </a:tc>
+                <a:tc>
+                  <a:txBody>
+                    <a:bodyPr/>
+                    <a:lstStyle/>
+                    <a:p>
+                      <a:r>
+                        <a:rPr lang="en-ZA" sz="1600" dirty="0"/>
+                        <a:t>0</a:t>
+                      </a:r>
+                    </a:p>
+                  </a:txBody>
+                  <a:tcPr/>
+                </a:tc>
+                <a:tc>
+                  <a:txBody>
+                    <a:bodyPr/>
+                    <a:lstStyle/>
+                    <a:p>
+                      <a:r>
+                        <a:rPr lang="en-ZA" sz="1600" dirty="0"/>
+                        <a:t>0</a:t>
+                      </a:r>
+                    </a:p>
+                  </a:txBody>
+                  <a:tcPr/>
+                </a:tc>
+                <a:tc>
+                  <a:txBody>
+                    <a:bodyPr/>
+                    <a:lstStyle/>
+                    <a:p>
+                      <a:r>
+                        <a:rPr lang="en-ZA" sz="1600" dirty="0"/>
+                        <a:t>0</a:t>
+                      </a:r>
+                    </a:p>
+                  </a:txBody>
+                  <a:tcPr/>
+                </a:tc>
+                <a:tc>
+                  <a:txBody>
+                    <a:bodyPr/>
+                    <a:lstStyle/>
+                    <a:p>
+                      <a:r>
+                        <a:rPr lang="en-ZA" sz="1600" dirty="0"/>
+                        <a:t>0</a:t>
+                      </a:r>
+                    </a:p>
+                  </a:txBody>
+                  <a:tcPr/>
+                </a:tc>
+                <a:tc>
+                  <a:txBody>
+                    <a:bodyPr/>
+                    <a:lstStyle/>
+                    <a:p>
+                      <a:pPr algn="l"/>
+                      <a:r>
+                        <a:rPr lang="en-ZA" sz="1600" dirty="0"/>
+                        <a:t>1</a:t>
+                      </a:r>
+                    </a:p>
+                  </a:txBody>
+                  <a:tcPr/>
+                </a:tc>
+                <a:extLst>
+                  <a:ext uri="{0D108BD9-81ED-4DB2-BD59-A6C34878D82A}">
+                    <a16:rowId xmlns:a16="http://schemas.microsoft.com/office/drawing/2014/main" val="294810486"/>
+                  </a:ext>
+                </a:extLst>
+              </a:tr>
+            </a:tbl>
+          </a:graphicData>
+        </a:graphic>
+      </p:graphicFrame>
+    </p:spTree>
+    <p:extLst>
+      <p:ext uri="{BB962C8B-B14F-4D97-AF65-F5344CB8AC3E}">
+        <p14:creationId xmlns:p14="http://schemas.microsoft.com/office/powerpoint/2010/main" val="2369026690"/>
+      </p:ext>
+    </p:extLst>
+  </p:cSld>
+  <p:clrMapOvr>
+    <a:masterClrMapping/>
+  </p:clrMapOvr>
+  <mc:AlternateContent xmlns:mc="http://schemas.openxmlformats.org/markup-compatibility/2006" xmlns:p14="http://schemas.microsoft.com/office/powerpoint/2010/main">
+    <mc:Choice Requires="p14">
+      <p:transition p14:dur="100">
+        <p:cut/>
+      </p:transition>
+    </mc:Choice>
+    <mc:Fallback xmlns="">
+      <p:transition>
+        <p:cut/>
+      </p:transition>
+    </mc:Fallback>
+  </mc:AlternateContent>
+</p:sld>
+</file>
+
+<file path=ppt/slides/slide34.xml><?xml version="1.0" encoding="utf-8"?>
+<p:sld xmlns:a="http://schemas.openxmlformats.org/drawingml/2006/main" xmlns:r="http://schemas.openxmlformats.org/officeDocument/2006/relationships" xmlns:p="http://schemas.openxmlformats.org/presentationml/2006/main">
+  <p:cSld>
+    <p:bg>
+      <p:bgPr>
+        <a:blipFill dpi="0" rotWithShape="1">
+          <a:blip r:embed="rId2">
+            <a:extLst>
+              <a:ext uri="{BEBA8EAE-BF5A-486C-A8C5-ECC9F3942E4B}">
+                <a14:imgProps xmlns:a14="http://schemas.microsoft.com/office/drawing/2010/main">
+                  <a14:imgLayer r:embed="rId3">
+                    <a14:imgEffect>
+                      <a14:brightnessContrast bright="-20000"/>
+                    </a14:imgEffect>
+                  </a14:imgLayer>
+                </a14:imgProps>
+              </a:ext>
+            </a:extLst>
+          </a:blip>
+          <a:srcRect/>
+          <a:stretch>
+            <a:fillRect l="-9000" t="-39000" b="-11000"/>
+          </a:stretch>
+        </a:blipFill>
+        <a:effectLst/>
+      </p:bgPr>
+    </p:bg>
+    <p:spTree>
+      <p:nvGrpSpPr>
+        <p:cNvPr id="1" name=""/>
+        <p:cNvGrpSpPr/>
+        <p:nvPr/>
+      </p:nvGrpSpPr>
+      <p:grpSpPr>
+        <a:xfrm>
+          <a:off x="0" y="0"/>
+          <a:ext cx="0" cy="0"/>
+          <a:chOff x="0" y="0"/>
+          <a:chExt cx="0" cy="0"/>
+        </a:xfrm>
+      </p:grpSpPr>
+      <p:sp>
+        <p:nvSpPr>
+          <p:cNvPr id="8" name="TextBox 7">
+            <a:extLst>
+              <a:ext uri="{FF2B5EF4-FFF2-40B4-BE49-F238E27FC236}">
+                <a16:creationId xmlns:a16="http://schemas.microsoft.com/office/drawing/2014/main" id="{C0882B99-1574-09ED-8ED5-42D1D668A3BD}"/>
+              </a:ext>
+            </a:extLst>
+          </p:cNvPr>
+          <p:cNvSpPr txBox="1"/>
+          <p:nvPr/>
+        </p:nvSpPr>
+        <p:spPr>
+          <a:xfrm>
+            <a:off x="275303" y="211620"/>
+            <a:ext cx="6096000" cy="461665"/>
+          </a:xfrm>
+          <a:prstGeom prst="rect">
+            <a:avLst/>
+          </a:prstGeom>
+          <a:noFill/>
+        </p:spPr>
+        <p:txBody>
+          <a:bodyPr wrap="square">
+            <a:spAutoFit/>
+          </a:bodyPr>
+          <a:lstStyle/>
+          <a:p>
+            <a:pPr marR="0" lvl="0" algn="l" defTabSz="914400" rtl="0" eaLnBrk="1" fontAlgn="auto" latinLnBrk="0" hangingPunct="1">
+              <a:lnSpc>
+                <a:spcPct val="100000"/>
+              </a:lnSpc>
+              <a:spcBef>
+                <a:spcPts val="0"/>
+              </a:spcBef>
+              <a:spcAft>
+                <a:spcPts val="0"/>
+              </a:spcAft>
+              <a:buClrTx/>
+              <a:buSzTx/>
+              <a:tabLst/>
+              <a:defRPr/>
+            </a:pPr>
+            <a:r>
+              <a:rPr kumimoji="0" lang="en-ZA" sz="2400" b="1" i="0" u="none" strike="noStrike" kern="1200" cap="none" spc="0" normalizeH="0" baseline="0" noProof="0" dirty="0">
+                <a:ln>
+                  <a:noFill/>
+                </a:ln>
+                <a:solidFill>
+                  <a:prstClr val="white"/>
+                </a:solidFill>
+                <a:effectLst/>
+                <a:uLnTx/>
+                <a:uFillTx/>
+                <a:latin typeface="Aptos" panose="02110004020202020204"/>
+                <a:ea typeface="+mn-ea"/>
+                <a:cs typeface="+mn-cs"/>
+              </a:rPr>
+              <a:t>2. User Features</a:t>
+            </a:r>
+          </a:p>
+        </p:txBody>
+      </p:sp>
+      <p:sp>
+        <p:nvSpPr>
+          <p:cNvPr id="2" name="TextBox 1">
+            <a:extLst>
+              <a:ext uri="{FF2B5EF4-FFF2-40B4-BE49-F238E27FC236}">
+                <a16:creationId xmlns:a16="http://schemas.microsoft.com/office/drawing/2014/main" id="{36536420-2259-FDCB-A3D7-C1AD14ED1FC9}"/>
+              </a:ext>
+            </a:extLst>
+          </p:cNvPr>
+          <p:cNvSpPr txBox="1"/>
+          <p:nvPr/>
+        </p:nvSpPr>
+        <p:spPr>
+          <a:xfrm>
+            <a:off x="688257" y="807287"/>
+            <a:ext cx="9429135" cy="4247317"/>
+          </a:xfrm>
+          <a:prstGeom prst="rect">
+            <a:avLst/>
+          </a:prstGeom>
+          <a:noFill/>
+        </p:spPr>
+        <p:txBody>
+          <a:bodyPr wrap="square">
+            <a:spAutoFit/>
+          </a:bodyPr>
+          <a:lstStyle/>
+          <a:p>
+            <a:pPr marL="285750" indent="-285750">
+              <a:buFont typeface="Arial" panose="020B0604020202020204" pitchFamily="34" charset="0"/>
+              <a:buChar char="•"/>
+            </a:pPr>
+            <a:r>
+              <a:rPr lang="en-ZA" dirty="0">
+                <a:solidFill>
+                  <a:schemeClr val="bg1"/>
+                </a:solidFill>
+              </a:rPr>
+              <a:t>Income Segment</a:t>
+            </a:r>
+          </a:p>
+          <a:p>
+            <a:pPr marL="285750" indent="-285750">
+              <a:buFont typeface="Arial" panose="020B0604020202020204" pitchFamily="34" charset="0"/>
+              <a:buChar char="•"/>
+            </a:pPr>
+            <a:r>
+              <a:rPr lang="en-ZA" dirty="0">
+                <a:solidFill>
+                  <a:schemeClr val="bg1"/>
+                </a:solidFill>
+              </a:rPr>
+              <a:t>Behavioural segment</a:t>
+            </a:r>
+          </a:p>
+          <a:p>
+            <a:pPr marL="285750" indent="-285750">
+              <a:buFont typeface="Arial" panose="020B0604020202020204" pitchFamily="34" charset="0"/>
+              <a:buChar char="•"/>
+            </a:pPr>
+            <a:r>
+              <a:rPr lang="en-ZA" dirty="0">
+                <a:solidFill>
+                  <a:schemeClr val="bg1"/>
+                </a:solidFill>
+              </a:rPr>
+              <a:t>Activity index</a:t>
+            </a:r>
+          </a:p>
+          <a:p>
+            <a:pPr marL="285750" indent="-285750">
+              <a:buFont typeface="Arial" panose="020B0604020202020204" pitchFamily="34" charset="0"/>
+              <a:buChar char="•"/>
+            </a:pPr>
+            <a:r>
+              <a:rPr lang="en-ZA" dirty="0">
+                <a:solidFill>
+                  <a:schemeClr val="bg1"/>
+                </a:solidFill>
+              </a:rPr>
+              <a:t>Time of day </a:t>
+            </a:r>
+          </a:p>
+          <a:p>
+            <a:pPr marL="285750" indent="-285750">
+              <a:buFont typeface="Arial" panose="020B0604020202020204" pitchFamily="34" charset="0"/>
+              <a:buChar char="•"/>
+            </a:pPr>
+            <a:r>
+              <a:rPr lang="en-ZA" dirty="0">
+                <a:solidFill>
+                  <a:schemeClr val="bg1"/>
+                </a:solidFill>
+              </a:rPr>
               <a:t>Most interacted item type</a:t>
             </a:r>
           </a:p>
@@ -30526,7 +31284,7 @@
 </p:sld>
 </file>
 
-<file path=ppt/slides/slide34.xml><?xml version="1.0" encoding="utf-8"?>
+<file path=ppt/slides/slide35.xml><?xml version="1.0" encoding="utf-8"?>
 <p:sld xmlns:a="http://schemas.openxmlformats.org/drawingml/2006/main" xmlns:r="http://schemas.openxmlformats.org/officeDocument/2006/relationships" xmlns:p="http://schemas.openxmlformats.org/presentationml/2006/main">
   <p:cSld>
     <p:bg>
@@ -32183,7 +32941,7 @@
 </p:sld>
 </file>
 
-<file path=ppt/slides/slide35.xml><?xml version="1.0" encoding="utf-8"?>
+<file path=ppt/slides/slide36.xml><?xml version="1.0" encoding="utf-8"?>
 <p:sld xmlns:a="http://schemas.openxmlformats.org/drawingml/2006/main" xmlns:r="http://schemas.openxmlformats.org/officeDocument/2006/relationships" xmlns:p="http://schemas.openxmlformats.org/presentationml/2006/main">
   <p:cSld>
     <p:bg>
@@ -32791,7 +33549,7 @@
 </p:sld>
 </file>
 
-<file path=ppt/slides/slide36.xml><?xml version="1.0" encoding="utf-8"?>
+<file path=ppt/slides/slide37.xml><?xml version="1.0" encoding="utf-8"?>
 <p:sld xmlns:a="http://schemas.openxmlformats.org/drawingml/2006/main" xmlns:r="http://schemas.openxmlformats.org/officeDocument/2006/relationships" xmlns:p="http://schemas.openxmlformats.org/presentationml/2006/main">
   <p:cSld>
     <p:bg>
@@ -33067,13 +33825,13 @@
   <p:clrMapOvr>
     <a:masterClrMapping/>
   </p:clrMapOvr>
-  <mc:AlternateContent xmlns:mc="http://schemas.openxmlformats.org/markup-compatibility/2006">
-    <mc:Choice xmlns:p14="http://schemas.microsoft.com/office/powerpoint/2010/main" Requires="p14">
+  <mc:AlternateContent xmlns:mc="http://schemas.openxmlformats.org/markup-compatibility/2006" xmlns:p14="http://schemas.microsoft.com/office/powerpoint/2010/main">
+    <mc:Choice Requires="p14">
       <p:transition p14:dur="100">
         <p:cut/>
       </p:transition>
     </mc:Choice>
-    <mc:Fallback>
+    <mc:Fallback xmlns="">
       <p:transition>
         <p:cut/>
       </p:transition>
@@ -33082,7 +33840,7 @@
 </p:sld>
 </file>
 
-<file path=ppt/slides/slide37.xml><?xml version="1.0" encoding="utf-8"?>
+<file path=ppt/slides/slide38.xml><?xml version="1.0" encoding="utf-8"?>
 <p:sld xmlns:a="http://schemas.openxmlformats.org/drawingml/2006/main" xmlns:r="http://schemas.openxmlformats.org/officeDocument/2006/relationships" xmlns:p="http://schemas.openxmlformats.org/presentationml/2006/main">
   <p:cSld>
     <p:bg>
@@ -33371,220 +34129,6 @@
       </p:transition>
     </mc:Choice>
     <mc:Fallback xmlns="">
-      <p:transition spd="slow">
-        <p:fade/>
-      </p:transition>
-    </mc:Fallback>
-  </mc:AlternateContent>
-</p:sld>
-</file>
-
-<file path=ppt/slides/slide38.xml><?xml version="1.0" encoding="utf-8"?>
-<p:sld xmlns:a="http://schemas.openxmlformats.org/drawingml/2006/main" xmlns:r="http://schemas.openxmlformats.org/officeDocument/2006/relationships" xmlns:p="http://schemas.openxmlformats.org/presentationml/2006/main">
-  <p:cSld>
-    <p:bg>
-      <p:bgPr>
-        <a:blipFill dpi="0" rotWithShape="1">
-          <a:blip r:embed="rId2">
-            <a:extLst>
-              <a:ext uri="{BEBA8EAE-BF5A-486C-A8C5-ECC9F3942E4B}">
-                <a14:imgProps xmlns:a14="http://schemas.microsoft.com/office/drawing/2010/main">
-                  <a14:imgLayer r:embed="rId3">
-                    <a14:imgEffect>
-                      <a14:brightnessContrast bright="-20000"/>
-                    </a14:imgEffect>
-                  </a14:imgLayer>
-                </a14:imgProps>
-              </a:ext>
-            </a:extLst>
-          </a:blip>
-          <a:srcRect/>
-          <a:stretch>
-            <a:fillRect l="-9000" t="-39000" b="-11000"/>
-          </a:stretch>
-        </a:blipFill>
-        <a:effectLst/>
-      </p:bgPr>
-    </p:bg>
-    <p:spTree>
-      <p:nvGrpSpPr>
-        <p:cNvPr id="1" name=""/>
-        <p:cNvGrpSpPr/>
-        <p:nvPr/>
-      </p:nvGrpSpPr>
-      <p:grpSpPr>
-        <a:xfrm>
-          <a:off x="0" y="0"/>
-          <a:ext cx="0" cy="0"/>
-          <a:chOff x="0" y="0"/>
-          <a:chExt cx="0" cy="0"/>
-        </a:xfrm>
-      </p:grpSpPr>
-      <p:sp>
-        <p:nvSpPr>
-          <p:cNvPr id="10" name="TextBox 9">
-            <a:extLst>
-              <a:ext uri="{FF2B5EF4-FFF2-40B4-BE49-F238E27FC236}">
-                <a16:creationId xmlns:a16="http://schemas.microsoft.com/office/drawing/2014/main" id="{23CF3E7A-ECD7-7CD8-E2D4-C69062F5E0B5}"/>
-              </a:ext>
-            </a:extLst>
-          </p:cNvPr>
-          <p:cNvSpPr txBox="1"/>
-          <p:nvPr/>
-        </p:nvSpPr>
-        <p:spPr>
-          <a:xfrm>
-            <a:off x="235974" y="181672"/>
-            <a:ext cx="6096000" cy="461665"/>
-          </a:xfrm>
-          <a:prstGeom prst="rect">
-            <a:avLst/>
-          </a:prstGeom>
-          <a:noFill/>
-        </p:spPr>
-        <p:txBody>
-          <a:bodyPr wrap="square">
-            <a:spAutoFit/>
-          </a:bodyPr>
-          <a:lstStyle/>
-          <a:p>
-            <a:pPr marR="0" lvl="0" algn="l" defTabSz="914400" rtl="0" eaLnBrk="1" fontAlgn="auto" latinLnBrk="0" hangingPunct="1">
-              <a:lnSpc>
-                <a:spcPct val="100000"/>
-              </a:lnSpc>
-              <a:spcBef>
-                <a:spcPts val="0"/>
-              </a:spcBef>
-              <a:spcAft>
-                <a:spcPts val="0"/>
-              </a:spcAft>
-              <a:buClrTx/>
-              <a:buSzTx/>
-              <a:tabLst/>
-              <a:defRPr/>
-            </a:pPr>
-            <a:r>
-              <a:rPr kumimoji="0" lang="en-ZA" sz="2400" b="1" i="0" u="none" strike="noStrike" kern="1200" cap="none" spc="0" normalizeH="0" baseline="0" noProof="0" dirty="0">
-                <a:ln>
-                  <a:noFill/>
-                </a:ln>
-                <a:solidFill>
-                  <a:prstClr val="white"/>
-                </a:solidFill>
-                <a:effectLst/>
-                <a:uLnTx/>
-                <a:uFillTx/>
-                <a:latin typeface="Aptos" panose="02110004020202020204"/>
-                <a:ea typeface="+mn-ea"/>
-                <a:cs typeface="+mn-cs"/>
-              </a:rPr>
-              <a:t>3. Item features</a:t>
-            </a:r>
-            <a:endParaRPr kumimoji="0" lang="en-ZA" sz="1800" b="0" i="0" u="none" strike="noStrike" kern="1200" cap="none" spc="0" normalizeH="0" baseline="0" noProof="0" dirty="0">
-              <a:ln>
-                <a:noFill/>
-              </a:ln>
-              <a:solidFill>
-                <a:prstClr val="white"/>
-              </a:solidFill>
-              <a:effectLst/>
-              <a:uLnTx/>
-              <a:uFillTx/>
-              <a:latin typeface="Aptos" panose="02110004020202020204"/>
-              <a:ea typeface="+mn-ea"/>
-              <a:cs typeface="+mn-cs"/>
-            </a:endParaRPr>
-          </a:p>
-        </p:txBody>
-      </p:sp>
-      <p:sp>
-        <p:nvSpPr>
-          <p:cNvPr id="3" name="TextBox 2">
-            <a:extLst>
-              <a:ext uri="{FF2B5EF4-FFF2-40B4-BE49-F238E27FC236}">
-                <a16:creationId xmlns:a16="http://schemas.microsoft.com/office/drawing/2014/main" id="{BF6288A0-0DCE-A954-D203-697CFCF9752E}"/>
-              </a:ext>
-            </a:extLst>
-          </p:cNvPr>
-          <p:cNvSpPr txBox="1"/>
-          <p:nvPr/>
-        </p:nvSpPr>
-        <p:spPr>
-          <a:xfrm>
-            <a:off x="304800" y="752448"/>
-            <a:ext cx="6096000" cy="923330"/>
-          </a:xfrm>
-          <a:prstGeom prst="rect">
-            <a:avLst/>
-          </a:prstGeom>
-          <a:noFill/>
-        </p:spPr>
-        <p:txBody>
-          <a:bodyPr wrap="square">
-            <a:spAutoFit/>
-          </a:bodyPr>
-          <a:lstStyle/>
-          <a:p>
-            <a:pPr marL="285750" indent="-285750">
-              <a:buFont typeface="Arial" panose="020B0604020202020204" pitchFamily="34" charset="0"/>
-              <a:buChar char="•"/>
-            </a:pPr>
-            <a:r>
-              <a:rPr lang="en-ZA" dirty="0">
-                <a:solidFill>
-                  <a:schemeClr val="bg1"/>
-                </a:solidFill>
-              </a:rPr>
-              <a:t>Item type</a:t>
-            </a:r>
-          </a:p>
-          <a:p>
-            <a:pPr marL="285750" indent="-285750">
-              <a:buFont typeface="Arial" panose="020B0604020202020204" pitchFamily="34" charset="0"/>
-              <a:buChar char="•"/>
-            </a:pPr>
-            <a:r>
-              <a:rPr lang="en-ZA" dirty="0">
-                <a:solidFill>
-                  <a:schemeClr val="bg1"/>
-                </a:solidFill>
-              </a:rPr>
-              <a:t>Most frequent day interacted on</a:t>
-            </a:r>
-          </a:p>
-          <a:p>
-            <a:pPr marL="285750" indent="-285750">
-              <a:buFont typeface="Arial" panose="020B0604020202020204" pitchFamily="34" charset="0"/>
-              <a:buChar char="•"/>
-            </a:pPr>
-            <a:r>
-              <a:rPr lang="en-ZA" dirty="0">
-                <a:solidFill>
-                  <a:schemeClr val="bg1"/>
-                </a:solidFill>
-              </a:rPr>
-              <a:t>Amount of unique users bin</a:t>
-            </a:r>
-          </a:p>
-        </p:txBody>
-      </p:sp>
-    </p:spTree>
-    <p:extLst>
-      <p:ext uri="{BB962C8B-B14F-4D97-AF65-F5344CB8AC3E}">
-        <p14:creationId xmlns:p14="http://schemas.microsoft.com/office/powerpoint/2010/main" val="2224103638"/>
-      </p:ext>
-    </p:extLst>
-  </p:cSld>
-  <p:clrMapOvr>
-    <a:masterClrMapping/>
-  </p:clrMapOvr>
-  <mc:AlternateContent xmlns:mc="http://schemas.openxmlformats.org/markup-compatibility/2006">
-    <mc:Choice xmlns:p159="http://schemas.microsoft.com/office/powerpoint/2015/09/main" Requires="p159">
-      <p:transition xmlns:p14="http://schemas.microsoft.com/office/powerpoint/2010/main" spd="slow" p14:dur="2000">
-        <p159:morph option="byObject"/>
-      </p:transition>
-    </mc:Choice>
-    <mc:Fallback>
       <p:transition spd="slow">
         <p:fade/>
       </p:transition>
@@ -33726,7 +34270,7 @@
         <p:spPr>
           <a:xfrm>
             <a:off x="304800" y="752448"/>
-            <a:ext cx="6096000" cy="2031325"/>
+            <a:ext cx="6096000" cy="923330"/>
           </a:xfrm>
           <a:prstGeom prst="rect">
             <a:avLst/>
@@ -33749,41 +34293,8 @@
                   <a:schemeClr val="bg1"/>
                 </a:solidFill>
               </a:rPr>
-              <a:t>Item type:</a:t>
+              <a:t>Item type</a:t>
             </a:r>
-          </a:p>
-          <a:p>
-            <a:pPr marL="285750" indent="-285750">
-              <a:buFont typeface="Arial" panose="020B0604020202020204" pitchFamily="34" charset="0"/>
-              <a:buChar char="•"/>
-            </a:pPr>
-            <a:endParaRPr lang="en-ZA" dirty="0">
-              <a:solidFill>
-                <a:schemeClr val="bg1"/>
-              </a:solidFill>
-            </a:endParaRPr>
-          </a:p>
-          <a:p>
-            <a:pPr marL="285750" indent="-285750">
-              <a:buFont typeface="Arial" panose="020B0604020202020204" pitchFamily="34" charset="0"/>
-              <a:buChar char="•"/>
-            </a:pPr>
-            <a:endParaRPr lang="en-ZA" dirty="0">
-              <a:solidFill>
-                <a:schemeClr val="bg1"/>
-              </a:solidFill>
-            </a:endParaRPr>
-          </a:p>
-          <a:p>
-            <a:pPr marL="285750" indent="-285750">
-              <a:buFont typeface="Arial" panose="020B0604020202020204" pitchFamily="34" charset="0"/>
-              <a:buChar char="•"/>
-            </a:pPr>
-            <a:endParaRPr lang="en-ZA" dirty="0">
-              <a:solidFill>
-                <a:schemeClr val="bg1"/>
-              </a:solidFill>
-            </a:endParaRPr>
           </a:p>
           <a:p>
             <a:pPr marL="285750" indent="-285750">
@@ -33810,339 +34321,30 @@
                   <a:schemeClr val="bg1"/>
                 </a:solidFill>
               </a:rPr>
-              <a:t>Amount of unique users</a:t>
+              <a:t>Amount of unique users bin</a:t>
             </a:r>
-          </a:p>
-          <a:p>
-            <a:pPr marL="285750" indent="-285750">
-              <a:buFont typeface="Arial" panose="020B0604020202020204" pitchFamily="34" charset="0"/>
-              <a:buChar char="•"/>
-            </a:pPr>
-            <a:endParaRPr lang="en-ZA" dirty="0">
-              <a:solidFill>
-                <a:schemeClr val="bg1"/>
-              </a:solidFill>
-            </a:endParaRPr>
           </a:p>
         </p:txBody>
       </p:sp>
-      <p:graphicFrame>
-        <p:nvGraphicFramePr>
-          <p:cNvPr id="2" name="Table 1">
-            <a:extLst>
-              <a:ext uri="{FF2B5EF4-FFF2-40B4-BE49-F238E27FC236}">
-                <a16:creationId xmlns:a16="http://schemas.microsoft.com/office/drawing/2014/main" id="{53833DAA-A7DB-F45A-C952-C7A56FD4C60F}"/>
-              </a:ext>
-            </a:extLst>
-          </p:cNvPr>
-          <p:cNvGraphicFramePr>
-            <a:graphicFrameLocks noGrp="1"/>
-          </p:cNvGraphicFramePr>
-          <p:nvPr/>
-        </p:nvGraphicFramePr>
-        <p:xfrm>
-          <a:off x="652207" y="1120272"/>
-          <a:ext cx="7075950" cy="741680"/>
-        </p:xfrm>
-        <a:graphic>
-          <a:graphicData uri="http://schemas.openxmlformats.org/drawingml/2006/table">
-            <a:tbl>
-              <a:tblPr firstRow="1" bandRow="1">
-                <a:tableStyleId>{EB9631B5-78F2-41C9-869B-9F39066F8104}</a:tableStyleId>
-              </a:tblPr>
-              <a:tblGrid>
-                <a:gridCol w="1179325">
-                  <a:extLst>
-                    <a:ext uri="{9D8B030D-6E8A-4147-A177-3AD203B41FA5}">
-                      <a16:colId xmlns:a16="http://schemas.microsoft.com/office/drawing/2014/main" val="3400634612"/>
-                    </a:ext>
-                  </a:extLst>
-                </a:gridCol>
-                <a:gridCol w="1179325">
-                  <a:extLst>
-                    <a:ext uri="{9D8B030D-6E8A-4147-A177-3AD203B41FA5}">
-                      <a16:colId xmlns:a16="http://schemas.microsoft.com/office/drawing/2014/main" val="701412954"/>
-                    </a:ext>
-                  </a:extLst>
-                </a:gridCol>
-                <a:gridCol w="1179325">
-                  <a:extLst>
-                    <a:ext uri="{9D8B030D-6E8A-4147-A177-3AD203B41FA5}">
-                      <a16:colId xmlns:a16="http://schemas.microsoft.com/office/drawing/2014/main" val="224371639"/>
-                    </a:ext>
-                  </a:extLst>
-                </a:gridCol>
-                <a:gridCol w="1179325">
-                  <a:extLst>
-                    <a:ext uri="{9D8B030D-6E8A-4147-A177-3AD203B41FA5}">
-                      <a16:colId xmlns:a16="http://schemas.microsoft.com/office/drawing/2014/main" val="3317639608"/>
-                    </a:ext>
-                  </a:extLst>
-                </a:gridCol>
-                <a:gridCol w="1179325">
-                  <a:extLst>
-                    <a:ext uri="{9D8B030D-6E8A-4147-A177-3AD203B41FA5}">
-                      <a16:colId xmlns:a16="http://schemas.microsoft.com/office/drawing/2014/main" val="2721267651"/>
-                    </a:ext>
-                  </a:extLst>
-                </a:gridCol>
-                <a:gridCol w="1179325">
-                  <a:extLst>
-                    <a:ext uri="{9D8B030D-6E8A-4147-A177-3AD203B41FA5}">
-                      <a16:colId xmlns:a16="http://schemas.microsoft.com/office/drawing/2014/main" val="1500200790"/>
-                    </a:ext>
-                  </a:extLst>
-                </a:gridCol>
-              </a:tblGrid>
-              <a:tr h="370840">
-                <a:tc>
-                  <a:txBody>
-                    <a:bodyPr/>
-                    <a:lstStyle/>
-                    <a:p>
-                      <a:r>
-                        <a:rPr lang="en-US" sz="1800" b="1" i="0" kern="1200" dirty="0">
-                          <a:solidFill>
-                            <a:schemeClr val="lt1"/>
-                          </a:solidFill>
-                          <a:effectLst/>
-                          <a:latin typeface="+mn-lt"/>
-                          <a:ea typeface="+mn-ea"/>
-                          <a:cs typeface="+mn-cs"/>
-                        </a:rPr>
-                        <a:t>INSURE</a:t>
-                      </a:r>
-                      <a:endParaRPr lang="en-ZA" sz="1600" b="1" dirty="0"/>
-                    </a:p>
-                  </a:txBody>
-                  <a:tcPr/>
-                </a:tc>
-                <a:tc>
-                  <a:txBody>
-                    <a:bodyPr/>
-                    <a:lstStyle/>
-                    <a:p>
-                      <a:r>
-                        <a:rPr lang="en-US" sz="1600" b="1" i="0" kern="1200" dirty="0">
-                          <a:solidFill>
-                            <a:schemeClr val="lt1"/>
-                          </a:solidFill>
-                          <a:effectLst/>
-                          <a:latin typeface="+mn-lt"/>
-                          <a:ea typeface="+mn-ea"/>
-                          <a:cs typeface="+mn-cs"/>
-                        </a:rPr>
-                        <a:t>TRANSACT </a:t>
-                      </a:r>
-                      <a:endParaRPr lang="en-ZA" sz="1600" b="1" dirty="0"/>
-                    </a:p>
-                  </a:txBody>
-                  <a:tcPr/>
-                </a:tc>
-                <a:tc>
-                  <a:txBody>
-                    <a:bodyPr/>
-                    <a:lstStyle/>
-                    <a:p>
-                      <a:r>
-                        <a:rPr lang="en-US" sz="1600" b="1" i="0" kern="1200" dirty="0">
-                          <a:solidFill>
-                            <a:schemeClr val="lt1"/>
-                          </a:solidFill>
-                          <a:effectLst/>
-                          <a:latin typeface="+mn-lt"/>
-                          <a:ea typeface="+mn-ea"/>
-                          <a:cs typeface="+mn-cs"/>
-                        </a:rPr>
-                        <a:t>LEND</a:t>
-                      </a:r>
-                      <a:endParaRPr lang="en-ZA" sz="1600" b="1" dirty="0"/>
-                    </a:p>
-                  </a:txBody>
-                  <a:tcPr/>
-                </a:tc>
-                <a:tc>
-                  <a:txBody>
-                    <a:bodyPr/>
-                    <a:lstStyle/>
-                    <a:p>
-                      <a:r>
-                        <a:rPr lang="en-US" sz="1600" b="1" i="0" kern="1200" dirty="0">
-                          <a:solidFill>
-                            <a:schemeClr val="lt1"/>
-                          </a:solidFill>
-                          <a:effectLst/>
-                          <a:latin typeface="+mn-lt"/>
-                          <a:ea typeface="+mn-ea"/>
-                          <a:cs typeface="+mn-cs"/>
-                        </a:rPr>
-                        <a:t>INVEST</a:t>
-                      </a:r>
-                      <a:endParaRPr lang="en-ZA" sz="1600" b="1" dirty="0"/>
-                    </a:p>
-                  </a:txBody>
-                  <a:tcPr/>
-                </a:tc>
-                <a:tc>
-                  <a:txBody>
-                    <a:bodyPr/>
-                    <a:lstStyle/>
-                    <a:p>
-                      <a:r>
-                        <a:rPr lang="en-US" sz="1600" b="1" i="0" kern="1200" dirty="0">
-                          <a:solidFill>
-                            <a:schemeClr val="lt1"/>
-                          </a:solidFill>
-                          <a:effectLst/>
-                          <a:latin typeface="+mn-lt"/>
-                          <a:ea typeface="+mn-ea"/>
-                          <a:cs typeface="+mn-cs"/>
-                        </a:rPr>
-                        <a:t>LIFESTYLE</a:t>
-                      </a:r>
-                      <a:endParaRPr lang="en-ZA" sz="1600" b="1" dirty="0"/>
-                    </a:p>
-                  </a:txBody>
-                  <a:tcPr/>
-                </a:tc>
-                <a:tc>
-                  <a:txBody>
-                    <a:bodyPr/>
-                    <a:lstStyle/>
-                    <a:p>
-                      <a:pPr algn="l"/>
-                      <a:r>
-                        <a:rPr lang="en-US" sz="1600" b="1" i="0" kern="1200" dirty="0">
-                          <a:solidFill>
-                            <a:schemeClr val="lt1"/>
-                          </a:solidFill>
-                          <a:effectLst/>
-                          <a:latin typeface="+mn-lt"/>
-                          <a:ea typeface="+mn-ea"/>
-                          <a:cs typeface="+mn-cs"/>
-                        </a:rPr>
-                        <a:t>CONNECT</a:t>
-                      </a:r>
-                      <a:endParaRPr lang="en-ZA" sz="1600" b="1" dirty="0"/>
-                    </a:p>
-                  </a:txBody>
-                  <a:tcPr/>
-                </a:tc>
-                <a:extLst>
-                  <a:ext uri="{0D108BD9-81ED-4DB2-BD59-A6C34878D82A}">
-                    <a16:rowId xmlns:a16="http://schemas.microsoft.com/office/drawing/2014/main" val="2245114912"/>
-                  </a:ext>
-                </a:extLst>
-              </a:tr>
-              <a:tr h="370840">
-                <a:tc>
-                  <a:txBody>
-                    <a:bodyPr/>
-                    <a:lstStyle/>
-                    <a:p>
-                      <a:r>
-                        <a:rPr lang="en-ZA" sz="1600" dirty="0"/>
-                        <a:t>0</a:t>
-                      </a:r>
-                    </a:p>
-                  </a:txBody>
-                  <a:tcPr/>
-                </a:tc>
-                <a:tc>
-                  <a:txBody>
-                    <a:bodyPr/>
-                    <a:lstStyle/>
-                    <a:p>
-                      <a:r>
-                        <a:rPr lang="en-ZA" sz="1600" dirty="0"/>
-                        <a:t>0</a:t>
-                      </a:r>
-                    </a:p>
-                  </a:txBody>
-                  <a:tcPr/>
-                </a:tc>
-                <a:tc>
-                  <a:txBody>
-                    <a:bodyPr/>
-                    <a:lstStyle/>
-                    <a:p>
-                      <a:r>
-                        <a:rPr lang="en-ZA" sz="1600" dirty="0"/>
-                        <a:t>0</a:t>
-                      </a:r>
-                    </a:p>
-                  </a:txBody>
-                  <a:tcPr/>
-                </a:tc>
-                <a:tc>
-                  <a:txBody>
-                    <a:bodyPr/>
-                    <a:lstStyle/>
-                    <a:p>
-                      <a:r>
-                        <a:rPr lang="en-ZA" sz="1600" dirty="0"/>
-                        <a:t>0</a:t>
-                      </a:r>
-                    </a:p>
-                  </a:txBody>
-                  <a:tcPr/>
-                </a:tc>
-                <a:tc>
-                  <a:txBody>
-                    <a:bodyPr/>
-                    <a:lstStyle/>
-                    <a:p>
-                      <a:r>
-                        <a:rPr lang="en-ZA" sz="1600" dirty="0"/>
-                        <a:t>0</a:t>
-                      </a:r>
-                    </a:p>
-                  </a:txBody>
-                  <a:tcPr/>
-                </a:tc>
-                <a:tc>
-                  <a:txBody>
-                    <a:bodyPr/>
-                    <a:lstStyle/>
-                    <a:p>
-                      <a:pPr algn="l"/>
-                      <a:r>
-                        <a:rPr lang="en-ZA" sz="1600" dirty="0"/>
-                        <a:t>1</a:t>
-                      </a:r>
-                    </a:p>
-                  </a:txBody>
-                  <a:tcPr/>
-                </a:tc>
-                <a:extLst>
-                  <a:ext uri="{0D108BD9-81ED-4DB2-BD59-A6C34878D82A}">
-                    <a16:rowId xmlns:a16="http://schemas.microsoft.com/office/drawing/2014/main" val="294810486"/>
-                  </a:ext>
-                </a:extLst>
-              </a:tr>
-            </a:tbl>
-          </a:graphicData>
-        </a:graphic>
-      </p:graphicFrame>
     </p:spTree>
     <p:extLst>
       <p:ext uri="{BB962C8B-B14F-4D97-AF65-F5344CB8AC3E}">
-        <p14:creationId xmlns:p14="http://schemas.microsoft.com/office/powerpoint/2010/main" val="784048404"/>
+        <p14:creationId xmlns:p14="http://schemas.microsoft.com/office/powerpoint/2010/main" val="2224103638"/>
       </p:ext>
     </p:extLst>
   </p:cSld>
   <p:clrMapOvr>
     <a:masterClrMapping/>
   </p:clrMapOvr>
-  <mc:AlternateContent xmlns:mc="http://schemas.openxmlformats.org/markup-compatibility/2006">
-    <mc:Choice xmlns:p14="http://schemas.microsoft.com/office/powerpoint/2010/main" Requires="p14">
-      <p:transition p14:dur="100">
-        <p:cut/>
+  <mc:AlternateContent xmlns:mc="http://schemas.openxmlformats.org/markup-compatibility/2006" xmlns:p159="http://schemas.microsoft.com/office/powerpoint/2015/09/main">
+    <mc:Choice Requires="p159">
+      <p:transition xmlns:p14="http://schemas.microsoft.com/office/powerpoint/2010/main" spd="slow" p14:dur="2000">
+        <p159:morph option="byObject"/>
       </p:transition>
     </mc:Choice>
-    <mc:Fallback>
-      <p:transition>
-        <p:cut/>
+    <mc:Fallback xmlns="">
+      <p:transition spd="slow">
+        <p:fade/>
       </p:transition>
     </mc:Fallback>
   </mc:AlternateContent>
@@ -35716,6 +35918,562 @@
                   <a:schemeClr val="bg1"/>
                 </a:solidFill>
               </a:rPr>
+              <a:t>Item type:</a:t>
+            </a:r>
+          </a:p>
+          <a:p>
+            <a:pPr marL="285750" indent="-285750">
+              <a:buFont typeface="Arial" panose="020B0604020202020204" pitchFamily="34" charset="0"/>
+              <a:buChar char="•"/>
+            </a:pPr>
+            <a:endParaRPr lang="en-ZA" dirty="0">
+              <a:solidFill>
+                <a:schemeClr val="bg1"/>
+              </a:solidFill>
+            </a:endParaRPr>
+          </a:p>
+          <a:p>
+            <a:pPr marL="285750" indent="-285750">
+              <a:buFont typeface="Arial" panose="020B0604020202020204" pitchFamily="34" charset="0"/>
+              <a:buChar char="•"/>
+            </a:pPr>
+            <a:endParaRPr lang="en-ZA" dirty="0">
+              <a:solidFill>
+                <a:schemeClr val="bg1"/>
+              </a:solidFill>
+            </a:endParaRPr>
+          </a:p>
+          <a:p>
+            <a:pPr marL="285750" indent="-285750">
+              <a:buFont typeface="Arial" panose="020B0604020202020204" pitchFamily="34" charset="0"/>
+              <a:buChar char="•"/>
+            </a:pPr>
+            <a:endParaRPr lang="en-ZA" dirty="0">
+              <a:solidFill>
+                <a:schemeClr val="bg1"/>
+              </a:solidFill>
+            </a:endParaRPr>
+          </a:p>
+          <a:p>
+            <a:pPr marL="285750" indent="-285750">
+              <a:buFont typeface="Arial" panose="020B0604020202020204" pitchFamily="34" charset="0"/>
+              <a:buChar char="•"/>
+            </a:pPr>
+            <a:r>
+              <a:rPr lang="en-ZA" dirty="0">
+                <a:solidFill>
+                  <a:schemeClr val="bg1"/>
+                </a:solidFill>
+              </a:rPr>
+              <a:t>Most frequent day interacted on</a:t>
+            </a:r>
+          </a:p>
+          <a:p>
+            <a:pPr marL="285750" indent="-285750">
+              <a:buFont typeface="Arial" panose="020B0604020202020204" pitchFamily="34" charset="0"/>
+              <a:buChar char="•"/>
+            </a:pPr>
+            <a:r>
+              <a:rPr lang="en-ZA" dirty="0">
+                <a:solidFill>
+                  <a:schemeClr val="bg1"/>
+                </a:solidFill>
+              </a:rPr>
+              <a:t>Amount of unique users</a:t>
+            </a:r>
+          </a:p>
+          <a:p>
+            <a:pPr marL="285750" indent="-285750">
+              <a:buFont typeface="Arial" panose="020B0604020202020204" pitchFamily="34" charset="0"/>
+              <a:buChar char="•"/>
+            </a:pPr>
+            <a:endParaRPr lang="en-ZA" dirty="0">
+              <a:solidFill>
+                <a:schemeClr val="bg1"/>
+              </a:solidFill>
+            </a:endParaRPr>
+          </a:p>
+        </p:txBody>
+      </p:sp>
+      <p:graphicFrame>
+        <p:nvGraphicFramePr>
+          <p:cNvPr id="2" name="Table 1">
+            <a:extLst>
+              <a:ext uri="{FF2B5EF4-FFF2-40B4-BE49-F238E27FC236}">
+                <a16:creationId xmlns:a16="http://schemas.microsoft.com/office/drawing/2014/main" id="{53833DAA-A7DB-F45A-C952-C7A56FD4C60F}"/>
+              </a:ext>
+            </a:extLst>
+          </p:cNvPr>
+          <p:cNvGraphicFramePr>
+            <a:graphicFrameLocks noGrp="1"/>
+          </p:cNvGraphicFramePr>
+          <p:nvPr/>
+        </p:nvGraphicFramePr>
+        <p:xfrm>
+          <a:off x="652207" y="1120272"/>
+          <a:ext cx="7075950" cy="741680"/>
+        </p:xfrm>
+        <a:graphic>
+          <a:graphicData uri="http://schemas.openxmlformats.org/drawingml/2006/table">
+            <a:tbl>
+              <a:tblPr firstRow="1" bandRow="1">
+                <a:tableStyleId>{EB9631B5-78F2-41C9-869B-9F39066F8104}</a:tableStyleId>
+              </a:tblPr>
+              <a:tblGrid>
+                <a:gridCol w="1179325">
+                  <a:extLst>
+                    <a:ext uri="{9D8B030D-6E8A-4147-A177-3AD203B41FA5}">
+                      <a16:colId xmlns:a16="http://schemas.microsoft.com/office/drawing/2014/main" val="3400634612"/>
+                    </a:ext>
+                  </a:extLst>
+                </a:gridCol>
+                <a:gridCol w="1179325">
+                  <a:extLst>
+                    <a:ext uri="{9D8B030D-6E8A-4147-A177-3AD203B41FA5}">
+                      <a16:colId xmlns:a16="http://schemas.microsoft.com/office/drawing/2014/main" val="701412954"/>
+                    </a:ext>
+                  </a:extLst>
+                </a:gridCol>
+                <a:gridCol w="1179325">
+                  <a:extLst>
+                    <a:ext uri="{9D8B030D-6E8A-4147-A177-3AD203B41FA5}">
+                      <a16:colId xmlns:a16="http://schemas.microsoft.com/office/drawing/2014/main" val="224371639"/>
+                    </a:ext>
+                  </a:extLst>
+                </a:gridCol>
+                <a:gridCol w="1179325">
+                  <a:extLst>
+                    <a:ext uri="{9D8B030D-6E8A-4147-A177-3AD203B41FA5}">
+                      <a16:colId xmlns:a16="http://schemas.microsoft.com/office/drawing/2014/main" val="3317639608"/>
+                    </a:ext>
+                  </a:extLst>
+                </a:gridCol>
+                <a:gridCol w="1179325">
+                  <a:extLst>
+                    <a:ext uri="{9D8B030D-6E8A-4147-A177-3AD203B41FA5}">
+                      <a16:colId xmlns:a16="http://schemas.microsoft.com/office/drawing/2014/main" val="2721267651"/>
+                    </a:ext>
+                  </a:extLst>
+                </a:gridCol>
+                <a:gridCol w="1179325">
+                  <a:extLst>
+                    <a:ext uri="{9D8B030D-6E8A-4147-A177-3AD203B41FA5}">
+                      <a16:colId xmlns:a16="http://schemas.microsoft.com/office/drawing/2014/main" val="1500200790"/>
+                    </a:ext>
+                  </a:extLst>
+                </a:gridCol>
+              </a:tblGrid>
+              <a:tr h="370840">
+                <a:tc>
+                  <a:txBody>
+                    <a:bodyPr/>
+                    <a:lstStyle/>
+                    <a:p>
+                      <a:r>
+                        <a:rPr lang="en-US" sz="1800" b="1" i="0" kern="1200" dirty="0">
+                          <a:solidFill>
+                            <a:schemeClr val="lt1"/>
+                          </a:solidFill>
+                          <a:effectLst/>
+                          <a:latin typeface="+mn-lt"/>
+                          <a:ea typeface="+mn-ea"/>
+                          <a:cs typeface="+mn-cs"/>
+                        </a:rPr>
+                        <a:t>INSURE</a:t>
+                      </a:r>
+                      <a:endParaRPr lang="en-ZA" sz="1600" b="1" dirty="0"/>
+                    </a:p>
+                  </a:txBody>
+                  <a:tcPr/>
+                </a:tc>
+                <a:tc>
+                  <a:txBody>
+                    <a:bodyPr/>
+                    <a:lstStyle/>
+                    <a:p>
+                      <a:r>
+                        <a:rPr lang="en-US" sz="1600" b="1" i="0" kern="1200" dirty="0">
+                          <a:solidFill>
+                            <a:schemeClr val="lt1"/>
+                          </a:solidFill>
+                          <a:effectLst/>
+                          <a:latin typeface="+mn-lt"/>
+                          <a:ea typeface="+mn-ea"/>
+                          <a:cs typeface="+mn-cs"/>
+                        </a:rPr>
+                        <a:t>TRANSACT </a:t>
+                      </a:r>
+                      <a:endParaRPr lang="en-ZA" sz="1600" b="1" dirty="0"/>
+                    </a:p>
+                  </a:txBody>
+                  <a:tcPr/>
+                </a:tc>
+                <a:tc>
+                  <a:txBody>
+                    <a:bodyPr/>
+                    <a:lstStyle/>
+                    <a:p>
+                      <a:r>
+                        <a:rPr lang="en-US" sz="1600" b="1" i="0" kern="1200" dirty="0">
+                          <a:solidFill>
+                            <a:schemeClr val="lt1"/>
+                          </a:solidFill>
+                          <a:effectLst/>
+                          <a:latin typeface="+mn-lt"/>
+                          <a:ea typeface="+mn-ea"/>
+                          <a:cs typeface="+mn-cs"/>
+                        </a:rPr>
+                        <a:t>LEND</a:t>
+                      </a:r>
+                      <a:endParaRPr lang="en-ZA" sz="1600" b="1" dirty="0"/>
+                    </a:p>
+                  </a:txBody>
+                  <a:tcPr/>
+                </a:tc>
+                <a:tc>
+                  <a:txBody>
+                    <a:bodyPr/>
+                    <a:lstStyle/>
+                    <a:p>
+                      <a:r>
+                        <a:rPr lang="en-US" sz="1600" b="1" i="0" kern="1200" dirty="0">
+                          <a:solidFill>
+                            <a:schemeClr val="lt1"/>
+                          </a:solidFill>
+                          <a:effectLst/>
+                          <a:latin typeface="+mn-lt"/>
+                          <a:ea typeface="+mn-ea"/>
+                          <a:cs typeface="+mn-cs"/>
+                        </a:rPr>
+                        <a:t>INVEST</a:t>
+                      </a:r>
+                      <a:endParaRPr lang="en-ZA" sz="1600" b="1" dirty="0"/>
+                    </a:p>
+                  </a:txBody>
+                  <a:tcPr/>
+                </a:tc>
+                <a:tc>
+                  <a:txBody>
+                    <a:bodyPr/>
+                    <a:lstStyle/>
+                    <a:p>
+                      <a:r>
+                        <a:rPr lang="en-US" sz="1600" b="1" i="0" kern="1200" dirty="0">
+                          <a:solidFill>
+                            <a:schemeClr val="lt1"/>
+                          </a:solidFill>
+                          <a:effectLst/>
+                          <a:latin typeface="+mn-lt"/>
+                          <a:ea typeface="+mn-ea"/>
+                          <a:cs typeface="+mn-cs"/>
+                        </a:rPr>
+                        <a:t>LIFESTYLE</a:t>
+                      </a:r>
+                      <a:endParaRPr lang="en-ZA" sz="1600" b="1" dirty="0"/>
+                    </a:p>
+                  </a:txBody>
+                  <a:tcPr/>
+                </a:tc>
+                <a:tc>
+                  <a:txBody>
+                    <a:bodyPr/>
+                    <a:lstStyle/>
+                    <a:p>
+                      <a:pPr algn="l"/>
+                      <a:r>
+                        <a:rPr lang="en-US" sz="1600" b="1" i="0" kern="1200" dirty="0">
+                          <a:solidFill>
+                            <a:schemeClr val="lt1"/>
+                          </a:solidFill>
+                          <a:effectLst/>
+                          <a:latin typeface="+mn-lt"/>
+                          <a:ea typeface="+mn-ea"/>
+                          <a:cs typeface="+mn-cs"/>
+                        </a:rPr>
+                        <a:t>CONNECT</a:t>
+                      </a:r>
+                      <a:endParaRPr lang="en-ZA" sz="1600" b="1" dirty="0"/>
+                    </a:p>
+                  </a:txBody>
+                  <a:tcPr/>
+                </a:tc>
+                <a:extLst>
+                  <a:ext uri="{0D108BD9-81ED-4DB2-BD59-A6C34878D82A}">
+                    <a16:rowId xmlns:a16="http://schemas.microsoft.com/office/drawing/2014/main" val="2245114912"/>
+                  </a:ext>
+                </a:extLst>
+              </a:tr>
+              <a:tr h="370840">
+                <a:tc>
+                  <a:txBody>
+                    <a:bodyPr/>
+                    <a:lstStyle/>
+                    <a:p>
+                      <a:r>
+                        <a:rPr lang="en-ZA" sz="1600" dirty="0"/>
+                        <a:t>0</a:t>
+                      </a:r>
+                    </a:p>
+                  </a:txBody>
+                  <a:tcPr/>
+                </a:tc>
+                <a:tc>
+                  <a:txBody>
+                    <a:bodyPr/>
+                    <a:lstStyle/>
+                    <a:p>
+                      <a:r>
+                        <a:rPr lang="en-ZA" sz="1600" dirty="0"/>
+                        <a:t>0</a:t>
+                      </a:r>
+                    </a:p>
+                  </a:txBody>
+                  <a:tcPr/>
+                </a:tc>
+                <a:tc>
+                  <a:txBody>
+                    <a:bodyPr/>
+                    <a:lstStyle/>
+                    <a:p>
+                      <a:r>
+                        <a:rPr lang="en-ZA" sz="1600" dirty="0"/>
+                        <a:t>0</a:t>
+                      </a:r>
+                    </a:p>
+                  </a:txBody>
+                  <a:tcPr/>
+                </a:tc>
+                <a:tc>
+                  <a:txBody>
+                    <a:bodyPr/>
+                    <a:lstStyle/>
+                    <a:p>
+                      <a:r>
+                        <a:rPr lang="en-ZA" sz="1600" dirty="0"/>
+                        <a:t>0</a:t>
+                      </a:r>
+                    </a:p>
+                  </a:txBody>
+                  <a:tcPr/>
+                </a:tc>
+                <a:tc>
+                  <a:txBody>
+                    <a:bodyPr/>
+                    <a:lstStyle/>
+                    <a:p>
+                      <a:r>
+                        <a:rPr lang="en-ZA" sz="1600" dirty="0"/>
+                        <a:t>0</a:t>
+                      </a:r>
+                    </a:p>
+                  </a:txBody>
+                  <a:tcPr/>
+                </a:tc>
+                <a:tc>
+                  <a:txBody>
+                    <a:bodyPr/>
+                    <a:lstStyle/>
+                    <a:p>
+                      <a:pPr algn="l"/>
+                      <a:r>
+                        <a:rPr lang="en-ZA" sz="1600" dirty="0"/>
+                        <a:t>1</a:t>
+                      </a:r>
+                    </a:p>
+                  </a:txBody>
+                  <a:tcPr/>
+                </a:tc>
+                <a:extLst>
+                  <a:ext uri="{0D108BD9-81ED-4DB2-BD59-A6C34878D82A}">
+                    <a16:rowId xmlns:a16="http://schemas.microsoft.com/office/drawing/2014/main" val="294810486"/>
+                  </a:ext>
+                </a:extLst>
+              </a:tr>
+            </a:tbl>
+          </a:graphicData>
+        </a:graphic>
+      </p:graphicFrame>
+    </p:spTree>
+    <p:extLst>
+      <p:ext uri="{BB962C8B-B14F-4D97-AF65-F5344CB8AC3E}">
+        <p14:creationId xmlns:p14="http://schemas.microsoft.com/office/powerpoint/2010/main" val="784048404"/>
+      </p:ext>
+    </p:extLst>
+  </p:cSld>
+  <p:clrMapOvr>
+    <a:masterClrMapping/>
+  </p:clrMapOvr>
+  <mc:AlternateContent xmlns:mc="http://schemas.openxmlformats.org/markup-compatibility/2006" xmlns:p14="http://schemas.microsoft.com/office/powerpoint/2010/main">
+    <mc:Choice Requires="p14">
+      <p:transition p14:dur="100">
+        <p:cut/>
+      </p:transition>
+    </mc:Choice>
+    <mc:Fallback xmlns="">
+      <p:transition>
+        <p:cut/>
+      </p:transition>
+    </mc:Fallback>
+  </mc:AlternateContent>
+</p:sld>
+</file>
+
+<file path=ppt/slides/slide41.xml><?xml version="1.0" encoding="utf-8"?>
+<p:sld xmlns:a="http://schemas.openxmlformats.org/drawingml/2006/main" xmlns:r="http://schemas.openxmlformats.org/officeDocument/2006/relationships" xmlns:p="http://schemas.openxmlformats.org/presentationml/2006/main">
+  <p:cSld>
+    <p:bg>
+      <p:bgPr>
+        <a:blipFill dpi="0" rotWithShape="1">
+          <a:blip r:embed="rId2">
+            <a:extLst>
+              <a:ext uri="{BEBA8EAE-BF5A-486C-A8C5-ECC9F3942E4B}">
+                <a14:imgProps xmlns:a14="http://schemas.microsoft.com/office/drawing/2010/main">
+                  <a14:imgLayer r:embed="rId3">
+                    <a14:imgEffect>
+                      <a14:brightnessContrast bright="-20000"/>
+                    </a14:imgEffect>
+                  </a14:imgLayer>
+                </a14:imgProps>
+              </a:ext>
+            </a:extLst>
+          </a:blip>
+          <a:srcRect/>
+          <a:stretch>
+            <a:fillRect l="-9000" t="-39000" b="-11000"/>
+          </a:stretch>
+        </a:blipFill>
+        <a:effectLst/>
+      </p:bgPr>
+    </p:bg>
+    <p:spTree>
+      <p:nvGrpSpPr>
+        <p:cNvPr id="1" name=""/>
+        <p:cNvGrpSpPr/>
+        <p:nvPr/>
+      </p:nvGrpSpPr>
+      <p:grpSpPr>
+        <a:xfrm>
+          <a:off x="0" y="0"/>
+          <a:ext cx="0" cy="0"/>
+          <a:chOff x="0" y="0"/>
+          <a:chExt cx="0" cy="0"/>
+        </a:xfrm>
+      </p:grpSpPr>
+      <p:sp>
+        <p:nvSpPr>
+          <p:cNvPr id="10" name="TextBox 9">
+            <a:extLst>
+              <a:ext uri="{FF2B5EF4-FFF2-40B4-BE49-F238E27FC236}">
+                <a16:creationId xmlns:a16="http://schemas.microsoft.com/office/drawing/2014/main" id="{23CF3E7A-ECD7-7CD8-E2D4-C69062F5E0B5}"/>
+              </a:ext>
+            </a:extLst>
+          </p:cNvPr>
+          <p:cNvSpPr txBox="1"/>
+          <p:nvPr/>
+        </p:nvSpPr>
+        <p:spPr>
+          <a:xfrm>
+            <a:off x="235974" y="181672"/>
+            <a:ext cx="6096000" cy="461665"/>
+          </a:xfrm>
+          <a:prstGeom prst="rect">
+            <a:avLst/>
+          </a:prstGeom>
+          <a:noFill/>
+        </p:spPr>
+        <p:txBody>
+          <a:bodyPr wrap="square">
+            <a:spAutoFit/>
+          </a:bodyPr>
+          <a:lstStyle/>
+          <a:p>
+            <a:pPr marR="0" lvl="0" algn="l" defTabSz="914400" rtl="0" eaLnBrk="1" fontAlgn="auto" latinLnBrk="0" hangingPunct="1">
+              <a:lnSpc>
+                <a:spcPct val="100000"/>
+              </a:lnSpc>
+              <a:spcBef>
+                <a:spcPts val="0"/>
+              </a:spcBef>
+              <a:spcAft>
+                <a:spcPts val="0"/>
+              </a:spcAft>
+              <a:buClrTx/>
+              <a:buSzTx/>
+              <a:tabLst/>
+              <a:defRPr/>
+            </a:pPr>
+            <a:r>
+              <a:rPr kumimoji="0" lang="en-ZA" sz="2400" b="1" i="0" u="none" strike="noStrike" kern="1200" cap="none" spc="0" normalizeH="0" baseline="0" noProof="0" dirty="0">
+                <a:ln>
+                  <a:noFill/>
+                </a:ln>
+                <a:solidFill>
+                  <a:prstClr val="white"/>
+                </a:solidFill>
+                <a:effectLst/>
+                <a:uLnTx/>
+                <a:uFillTx/>
+                <a:latin typeface="Aptos" panose="02110004020202020204"/>
+                <a:ea typeface="+mn-ea"/>
+                <a:cs typeface="+mn-cs"/>
+              </a:rPr>
+              <a:t>3. Item features</a:t>
+            </a:r>
+            <a:endParaRPr kumimoji="0" lang="en-ZA" sz="1800" b="0" i="0" u="none" strike="noStrike" kern="1200" cap="none" spc="0" normalizeH="0" baseline="0" noProof="0" dirty="0">
+              <a:ln>
+                <a:noFill/>
+              </a:ln>
+              <a:solidFill>
+                <a:prstClr val="white"/>
+              </a:solidFill>
+              <a:effectLst/>
+              <a:uLnTx/>
+              <a:uFillTx/>
+              <a:latin typeface="Aptos" panose="02110004020202020204"/>
+              <a:ea typeface="+mn-ea"/>
+              <a:cs typeface="+mn-cs"/>
+            </a:endParaRPr>
+          </a:p>
+        </p:txBody>
+      </p:sp>
+      <p:sp>
+        <p:nvSpPr>
+          <p:cNvPr id="3" name="TextBox 2">
+            <a:extLst>
+              <a:ext uri="{FF2B5EF4-FFF2-40B4-BE49-F238E27FC236}">
+                <a16:creationId xmlns:a16="http://schemas.microsoft.com/office/drawing/2014/main" id="{BF6288A0-0DCE-A954-D203-697CFCF9752E}"/>
+              </a:ext>
+            </a:extLst>
+          </p:cNvPr>
+          <p:cNvSpPr txBox="1"/>
+          <p:nvPr/>
+        </p:nvSpPr>
+        <p:spPr>
+          <a:xfrm>
+            <a:off x="304800" y="752448"/>
+            <a:ext cx="6096000" cy="2031325"/>
+          </a:xfrm>
+          <a:prstGeom prst="rect">
+            <a:avLst/>
+          </a:prstGeom>
+          <a:noFill/>
+        </p:spPr>
+        <p:txBody>
+          <a:bodyPr wrap="square">
+            <a:spAutoFit/>
+          </a:bodyPr>
+          <a:lstStyle/>
+          <a:p>
+            <a:pPr marL="285750" indent="-285750">
+              <a:buFont typeface="Arial" panose="020B0604020202020204" pitchFamily="34" charset="0"/>
+              <a:buChar char="•"/>
+            </a:pPr>
+            <a:r>
+              <a:rPr lang="en-ZA" dirty="0">
+                <a:solidFill>
+                  <a:schemeClr val="bg1"/>
+                </a:solidFill>
+              </a:rPr>
               <a:t>Item type</a:t>
             </a:r>
           </a:p>
@@ -36106,13 +36864,13 @@
   <p:clrMapOvr>
     <a:masterClrMapping/>
   </p:clrMapOvr>
-  <mc:AlternateContent xmlns:mc="http://schemas.openxmlformats.org/markup-compatibility/2006">
-    <mc:Choice xmlns:p14="http://schemas.microsoft.com/office/powerpoint/2010/main" Requires="p14">
+  <mc:AlternateContent xmlns:mc="http://schemas.openxmlformats.org/markup-compatibility/2006" xmlns:p14="http://schemas.microsoft.com/office/powerpoint/2010/main">
+    <mc:Choice Requires="p14">
       <p:transition p14:dur="100">
         <p:cut/>
       </p:transition>
     </mc:Choice>
-    <mc:Fallback>
+    <mc:Fallback xmlns="">
       <p:transition>
         <p:cut/>
       </p:transition>
@@ -36121,7 +36879,7 @@
 </p:sld>
 </file>
 
-<file path=ppt/slides/slide41.xml><?xml version="1.0" encoding="utf-8"?>
+<file path=ppt/slides/slide42.xml><?xml version="1.0" encoding="utf-8"?>
 <p:sld xmlns:a="http://schemas.openxmlformats.org/drawingml/2006/main" xmlns:r="http://schemas.openxmlformats.org/officeDocument/2006/relationships" xmlns:p="http://schemas.openxmlformats.org/presentationml/2006/main">
   <p:cSld>
     <p:bg>
@@ -36764,13 +37522,13 @@
   <p:clrMapOvr>
     <a:masterClrMapping/>
   </p:clrMapOvr>
-  <mc:AlternateContent xmlns:mc="http://schemas.openxmlformats.org/markup-compatibility/2006">
-    <mc:Choice xmlns:p14="http://schemas.microsoft.com/office/powerpoint/2010/main" Requires="p14">
+  <mc:AlternateContent xmlns:mc="http://schemas.openxmlformats.org/markup-compatibility/2006" xmlns:p14="http://schemas.microsoft.com/office/powerpoint/2010/main">
+    <mc:Choice Requires="p14">
       <p:transition p14:dur="100">
         <p:cut/>
       </p:transition>
     </mc:Choice>
-    <mc:Fallback>
+    <mc:Fallback xmlns="">
       <p:transition>
         <p:cut/>
       </p:transition>
@@ -36857,7 +37615,7 @@
 </p:sld>
 </file>
 
-<file path=ppt/slides/slide42.xml><?xml version="1.0" encoding="utf-8"?>
+<file path=ppt/slides/slide43.xml><?xml version="1.0" encoding="utf-8"?>
 <p:sld xmlns:a="http://schemas.openxmlformats.org/drawingml/2006/main" xmlns:r="http://schemas.openxmlformats.org/officeDocument/2006/relationships" xmlns:p="http://schemas.openxmlformats.org/presentationml/2006/main">
   <p:cSld>
     <p:bg>
@@ -37071,7 +37829,7 @@
 </p:sld>
 </file>
 
-<file path=ppt/slides/slide43.xml><?xml version="1.0" encoding="utf-8"?>
+<file path=ppt/slides/slide44.xml><?xml version="1.0" encoding="utf-8"?>
 <p:sld xmlns:a="http://schemas.openxmlformats.org/drawingml/2006/main" xmlns:r="http://schemas.openxmlformats.org/officeDocument/2006/relationships" xmlns:p="http://schemas.openxmlformats.org/presentationml/2006/main">
   <p:cSld>
     <p:bg>
@@ -37368,7 +38126,7 @@
 </p:sld>
 </file>
 
-<file path=ppt/slides/slide44.xml><?xml version="1.0" encoding="utf-8"?>
+<file path=ppt/slides/slide45.xml><?xml version="1.0" encoding="utf-8"?>
 <p:sld xmlns:a="http://schemas.openxmlformats.org/drawingml/2006/main" xmlns:r="http://schemas.openxmlformats.org/officeDocument/2006/relationships" xmlns:p="http://schemas.openxmlformats.org/presentationml/2006/main">
   <p:cSld>
     <p:bg>
@@ -37990,7 +38748,7 @@
 </p:sld>
 </file>
 
-<file path=ppt/slides/slide45.xml><?xml version="1.0" encoding="utf-8"?>
+<file path=ppt/slides/slide46.xml><?xml version="1.0" encoding="utf-8"?>
 <p:sld xmlns:a="http://schemas.openxmlformats.org/drawingml/2006/main" xmlns:r="http://schemas.openxmlformats.org/officeDocument/2006/relationships" xmlns:p="http://schemas.openxmlformats.org/presentationml/2006/main">
   <p:cSld>
     <p:bg>
@@ -38507,7 +39265,7 @@
 </p:sld>
 </file>
 
-<file path=ppt/slides/slide46.xml><?xml version="1.0" encoding="utf-8"?>
+<file path=ppt/slides/slide47.xml><?xml version="1.0" encoding="utf-8"?>
 <p:sld xmlns:a="http://schemas.openxmlformats.org/drawingml/2006/main" xmlns:r="http://schemas.openxmlformats.org/officeDocument/2006/relationships" xmlns:p="http://schemas.openxmlformats.org/presentationml/2006/main">
   <p:cSld>
     <p:bg>
@@ -39483,7 +40241,7 @@
 </p:sld>
 </file>
 
-<file path=ppt/slides/slide47.xml><?xml version="1.0" encoding="utf-8"?>
+<file path=ppt/slides/slide48.xml><?xml version="1.0" encoding="utf-8"?>
 <p:sld xmlns:a="http://schemas.openxmlformats.org/drawingml/2006/main" xmlns:r="http://schemas.openxmlformats.org/officeDocument/2006/relationships" xmlns:p="http://schemas.openxmlformats.org/presentationml/2006/main">
   <p:cSld>
     <p:bg>
@@ -40195,7 +40953,7 @@
 </p:sld>
 </file>
 
-<file path=ppt/slides/slide48.xml><?xml version="1.0" encoding="utf-8"?>
+<file path=ppt/slides/slide49.xml><?xml version="1.0" encoding="utf-8"?>
 <p:sld xmlns:a="http://schemas.openxmlformats.org/drawingml/2006/main" xmlns:r="http://schemas.openxmlformats.org/officeDocument/2006/relationships" xmlns:p="http://schemas.openxmlformats.org/presentationml/2006/main">
   <p:cSld>
     <p:bg>
@@ -40356,61 +41114,6 @@
       </p:sp>
       <p:sp>
         <p:nvSpPr>
-          <p:cNvPr id="3" name="TextBox 2">
-            <a:extLst>
-              <a:ext uri="{FF2B5EF4-FFF2-40B4-BE49-F238E27FC236}">
-                <a16:creationId xmlns:a16="http://schemas.microsoft.com/office/drawing/2014/main" id="{8EA6462B-4C12-564E-D07A-E8FB99F8A068}"/>
-              </a:ext>
-            </a:extLst>
-          </p:cNvPr>
-          <p:cNvSpPr txBox="1"/>
-          <p:nvPr/>
-        </p:nvSpPr>
-        <p:spPr>
-          <a:xfrm>
-            <a:off x="2330245" y="3076989"/>
-            <a:ext cx="7354529" cy="646331"/>
-          </a:xfrm>
-          <a:prstGeom prst="rect">
-            <a:avLst/>
-          </a:prstGeom>
-          <a:noFill/>
-        </p:spPr>
-        <p:txBody>
-          <a:bodyPr wrap="square">
-            <a:spAutoFit/>
-          </a:bodyPr>
-          <a:lstStyle/>
-          <a:p>
-            <a:pPr marL="285750" indent="-285750" algn="l">
-              <a:buFont typeface="Arial" panose="020B0604020202020204" pitchFamily="34" charset="0"/>
-              <a:buChar char="•"/>
-            </a:pPr>
-            <a:r>
-              <a:rPr lang="en-US" b="1" i="0" dirty="0">
-                <a:effectLst/>
-                <a:highlight>
-                  <a:srgbClr val="55D2B0"/>
-                </a:highlight>
-                <a:latin typeface="ui-sans-serif"/>
-              </a:rPr>
-              <a:t> Relative scores: </a:t>
-            </a:r>
-            <a:r>
-              <a:rPr lang="en-US" b="0" i="0" dirty="0">
-                <a:solidFill>
-                  <a:srgbClr val="ECECEC"/>
-                </a:solidFill>
-                <a:effectLst/>
-                <a:latin typeface="ui-sans-serif"/>
-              </a:rPr>
-              <a:t> A user is given a similarity score for each user in the dataset. The highest value is an indication of the most similar user. </a:t>
-            </a:r>
-          </a:p>
-        </p:txBody>
-      </p:sp>
-      <p:sp>
-        <p:nvSpPr>
           <p:cNvPr id="8" name="TextBox 7">
             <a:extLst>
               <a:ext uri="{FF2B5EF4-FFF2-40B4-BE49-F238E27FC236}">
@@ -40423,7 +41126,7 @@
         </p:nvSpPr>
         <p:spPr>
           <a:xfrm>
-            <a:off x="973394" y="4274940"/>
+            <a:off x="904568" y="3657838"/>
             <a:ext cx="9606116" cy="923330"/>
           </a:xfrm>
           <a:prstGeom prst="rect">
@@ -40537,51 +41240,6 @@
                       </p:childTnLst>
                     </p:cTn>
                   </p:par>
-                  <p:par>
-                    <p:cTn id="7" fill="hold">
-                      <p:stCondLst>
-                        <p:cond delay="indefinite"/>
-                      </p:stCondLst>
-                      <p:childTnLst>
-                        <p:par>
-                          <p:cTn id="8" fill="hold">
-                            <p:stCondLst>
-                              <p:cond delay="0"/>
-                            </p:stCondLst>
-                            <p:childTnLst>
-                              <p:par>
-                                <p:cTn id="9" presetID="1" presetClass="entr" presetSubtype="0" fill="hold" grpId="0" nodeType="clickEffect">
-                                  <p:stCondLst>
-                                    <p:cond delay="0"/>
-                                  </p:stCondLst>
-                                  <p:childTnLst>
-                                    <p:set>
-                                      <p:cBhvr>
-                                        <p:cTn id="10" dur="1" fill="hold">
-                                          <p:stCondLst>
-                                            <p:cond delay="0"/>
-                                          </p:stCondLst>
-                                        </p:cTn>
-                                        <p:tgtEl>
-                                          <p:spTgt spid="3"/>
-                                        </p:tgtEl>
-                                        <p:attrNameLst>
-                                          <p:attrName>style.visibility</p:attrName>
-                                        </p:attrNameLst>
-                                      </p:cBhvr>
-                                      <p:to>
-                                        <p:strVal val="visible"/>
-                                      </p:to>
-                                    </p:set>
-                                  </p:childTnLst>
-                                </p:cTn>
-                              </p:par>
-                            </p:childTnLst>
-                          </p:cTn>
-                        </p:par>
-                      </p:childTnLst>
-                    </p:cTn>
-                  </p:par>
                 </p:childTnLst>
               </p:cTn>
               <p:prevCondLst>
@@ -40605,657 +41263,8 @@
     </p:tnLst>
     <p:bldLst>
       <p:bldP spid="5" grpId="0" uiExpand="1" build="p"/>
-      <p:bldP spid="3" grpId="0"/>
     </p:bldLst>
   </p:timing>
-</p:sld>
-</file>
-
-<file path=ppt/slides/slide49.xml><?xml version="1.0" encoding="utf-8"?>
-<p:sld xmlns:a="http://schemas.openxmlformats.org/drawingml/2006/main" xmlns:r="http://schemas.openxmlformats.org/officeDocument/2006/relationships" xmlns:p="http://schemas.openxmlformats.org/presentationml/2006/main">
-  <p:cSld>
-    <p:bg>
-      <p:bgPr>
-        <a:blipFill dpi="0" rotWithShape="1">
-          <a:blip r:embed="rId2">
-            <a:extLst>
-              <a:ext uri="{BEBA8EAE-BF5A-486C-A8C5-ECC9F3942E4B}">
-                <a14:imgProps xmlns:a14="http://schemas.microsoft.com/office/drawing/2010/main">
-                  <a14:imgLayer r:embed="rId3">
-                    <a14:imgEffect>
-                      <a14:brightnessContrast bright="-20000"/>
-                    </a14:imgEffect>
-                  </a14:imgLayer>
-                </a14:imgProps>
-              </a:ext>
-            </a:extLst>
-          </a:blip>
-          <a:srcRect/>
-          <a:stretch>
-            <a:fillRect l="-9000" t="-39000" b="-11000"/>
-          </a:stretch>
-        </a:blipFill>
-        <a:effectLst/>
-      </p:bgPr>
-    </p:bg>
-    <p:spTree>
-      <p:nvGrpSpPr>
-        <p:cNvPr id="1" name=""/>
-        <p:cNvGrpSpPr/>
-        <p:nvPr/>
-      </p:nvGrpSpPr>
-      <p:grpSpPr>
-        <a:xfrm>
-          <a:off x="0" y="0"/>
-          <a:ext cx="0" cy="0"/>
-          <a:chOff x="0" y="0"/>
-          <a:chExt cx="0" cy="0"/>
-        </a:xfrm>
-      </p:grpSpPr>
-      <p:sp>
-        <p:nvSpPr>
-          <p:cNvPr id="4" name="TextBox 3">
-            <a:extLst>
-              <a:ext uri="{FF2B5EF4-FFF2-40B4-BE49-F238E27FC236}">
-                <a16:creationId xmlns:a16="http://schemas.microsoft.com/office/drawing/2014/main" id="{B216AF57-F29C-D05C-D5C9-C32762A12133}"/>
-              </a:ext>
-            </a:extLst>
-          </p:cNvPr>
-          <p:cNvSpPr txBox="1"/>
-          <p:nvPr/>
-        </p:nvSpPr>
-        <p:spPr>
-          <a:xfrm>
-            <a:off x="835743" y="526372"/>
-            <a:ext cx="7580670" cy="584775"/>
-          </a:xfrm>
-          <a:prstGeom prst="rect">
-            <a:avLst/>
-          </a:prstGeom>
-          <a:noFill/>
-        </p:spPr>
-        <p:txBody>
-          <a:bodyPr wrap="square" rtlCol="0">
-            <a:spAutoFit/>
-          </a:bodyPr>
-          <a:lstStyle/>
-          <a:p>
-            <a:r>
-              <a:rPr lang="en-US" sz="3200" b="1" dirty="0">
-                <a:solidFill>
-                  <a:schemeClr val="bg1"/>
-                </a:solidFill>
-              </a:rPr>
-              <a:t>Model Evaluation Summary:</a:t>
-            </a:r>
-            <a:r>
-              <a:rPr lang="en-US" sz="2800" b="1" dirty="0">
-                <a:solidFill>
-                  <a:schemeClr val="bg1"/>
-                </a:solidFill>
-              </a:rPr>
-              <a:t> </a:t>
-            </a:r>
-            <a:endParaRPr lang="en-ZA" sz="2800" b="1" dirty="0">
-              <a:solidFill>
-                <a:schemeClr val="bg1"/>
-              </a:solidFill>
-            </a:endParaRPr>
-          </a:p>
-        </p:txBody>
-      </p:sp>
-      <p:graphicFrame>
-        <p:nvGraphicFramePr>
-          <p:cNvPr id="6" name="Table 5">
-            <a:extLst>
-              <a:ext uri="{FF2B5EF4-FFF2-40B4-BE49-F238E27FC236}">
-                <a16:creationId xmlns:a16="http://schemas.microsoft.com/office/drawing/2014/main" id="{C447EA82-F229-1341-3B58-1CD5F15BAA03}"/>
-              </a:ext>
-            </a:extLst>
-          </p:cNvPr>
-          <p:cNvGraphicFramePr>
-            <a:graphicFrameLocks noGrp="1"/>
-          </p:cNvGraphicFramePr>
-          <p:nvPr>
-            <p:extLst>
-              <p:ext uri="{D42A27DB-BD31-4B8C-83A1-F6EECF244321}">
-                <p14:modId xmlns:p14="http://schemas.microsoft.com/office/powerpoint/2010/main" val="1842786710"/>
-              </p:ext>
-            </p:extLst>
-          </p:nvPr>
-        </p:nvGraphicFramePr>
-        <p:xfrm>
-          <a:off x="707923" y="1612490"/>
-          <a:ext cx="10491021" cy="3958325"/>
-        </p:xfrm>
-        <a:graphic>
-          <a:graphicData uri="http://schemas.openxmlformats.org/drawingml/2006/table">
-            <a:tbl>
-              <a:tblPr firstRow="1" bandRow="1">
-                <a:tableStyleId>{EB9631B5-78F2-41C9-869B-9F39066F8104}</a:tableStyleId>
-              </a:tblPr>
-              <a:tblGrid>
-                <a:gridCol w="2106069">
-                  <a:extLst>
-                    <a:ext uri="{9D8B030D-6E8A-4147-A177-3AD203B41FA5}">
-                      <a16:colId xmlns:a16="http://schemas.microsoft.com/office/drawing/2014/main" val="3419785081"/>
-                    </a:ext>
-                  </a:extLst>
-                </a:gridCol>
-                <a:gridCol w="2096238">
-                  <a:extLst>
-                    <a:ext uri="{9D8B030D-6E8A-4147-A177-3AD203B41FA5}">
-                      <a16:colId xmlns:a16="http://schemas.microsoft.com/office/drawing/2014/main" val="3484393436"/>
-                    </a:ext>
-                  </a:extLst>
-                </a:gridCol>
-                <a:gridCol w="2096238">
-                  <a:extLst>
-                    <a:ext uri="{9D8B030D-6E8A-4147-A177-3AD203B41FA5}">
-                      <a16:colId xmlns:a16="http://schemas.microsoft.com/office/drawing/2014/main" val="1814214063"/>
-                    </a:ext>
-                  </a:extLst>
-                </a:gridCol>
-                <a:gridCol w="2096238">
-                  <a:extLst>
-                    <a:ext uri="{9D8B030D-6E8A-4147-A177-3AD203B41FA5}">
-                      <a16:colId xmlns:a16="http://schemas.microsoft.com/office/drawing/2014/main" val="2438988768"/>
-                    </a:ext>
-                  </a:extLst>
-                </a:gridCol>
-                <a:gridCol w="2096238">
-                  <a:extLst>
-                    <a:ext uri="{9D8B030D-6E8A-4147-A177-3AD203B41FA5}">
-                      <a16:colId xmlns:a16="http://schemas.microsoft.com/office/drawing/2014/main" val="2177993718"/>
-                    </a:ext>
-                  </a:extLst>
-                </a:gridCol>
-              </a:tblGrid>
-              <a:tr h="529537">
-                <a:tc>
-                  <a:txBody>
-                    <a:bodyPr/>
-                    <a:lstStyle/>
-                    <a:p>
-                      <a:r>
-                        <a:rPr lang="en-ZA" dirty="0"/>
-                        <a:t>Metric</a:t>
-                      </a:r>
-                    </a:p>
-                  </a:txBody>
-                  <a:tcPr/>
-                </a:tc>
-                <a:tc>
-                  <a:txBody>
-                    <a:bodyPr/>
-                    <a:lstStyle/>
-                    <a:p>
-                      <a:r>
-                        <a:rPr lang="en-ZA" dirty="0"/>
-                        <a:t>Test Score</a:t>
-                      </a:r>
-                    </a:p>
-                  </a:txBody>
-                  <a:tcPr/>
-                </a:tc>
-                <a:tc>
-                  <a:txBody>
-                    <a:bodyPr/>
-                    <a:lstStyle/>
-                    <a:p>
-                      <a:r>
-                        <a:rPr lang="en-ZA" dirty="0"/>
-                        <a:t>Train Score</a:t>
-                      </a:r>
-                    </a:p>
-                  </a:txBody>
-                  <a:tcPr/>
-                </a:tc>
-                <a:tc>
-                  <a:txBody>
-                    <a:bodyPr/>
-                    <a:lstStyle/>
-                    <a:p>
-                      <a:r>
-                        <a:rPr lang="en-ZA" dirty="0"/>
-                        <a:t>Data used</a:t>
-                      </a:r>
-                    </a:p>
-                  </a:txBody>
-                  <a:tcPr/>
-                </a:tc>
-                <a:tc>
-                  <a:txBody>
-                    <a:bodyPr/>
-                    <a:lstStyle/>
-                    <a:p>
-                      <a:r>
-                        <a:rPr lang="en-ZA" dirty="0"/>
-                        <a:t>Conclusions</a:t>
-                      </a:r>
-                    </a:p>
-                  </a:txBody>
-                  <a:tcPr/>
-                </a:tc>
-                <a:extLst>
-                  <a:ext uri="{0D108BD9-81ED-4DB2-BD59-A6C34878D82A}">
-                    <a16:rowId xmlns:a16="http://schemas.microsoft.com/office/drawing/2014/main" val="976059334"/>
-                  </a:ext>
-                </a:extLst>
-              </a:tr>
-              <a:tr h="529537">
-                <a:tc>
-                  <a:txBody>
-                    <a:bodyPr/>
-                    <a:lstStyle/>
-                    <a:p>
-                      <a:r>
-                        <a:rPr lang="en-ZA" dirty="0"/>
-                        <a:t>AUC</a:t>
-                      </a:r>
-                    </a:p>
-                  </a:txBody>
-                  <a:tcPr/>
-                </a:tc>
-                <a:tc>
-                  <a:txBody>
-                    <a:bodyPr/>
-                    <a:lstStyle/>
-                    <a:p>
-                      <a:pPr algn="ctr"/>
-                      <a:r>
-                        <a:rPr lang="en-ZA" dirty="0"/>
-                        <a:t>0.9029</a:t>
-                      </a:r>
-                    </a:p>
-                  </a:txBody>
-                  <a:tcPr/>
-                </a:tc>
-                <a:tc>
-                  <a:txBody>
-                    <a:bodyPr/>
-                    <a:lstStyle/>
-                    <a:p>
-                      <a:pPr algn="ctr"/>
-                      <a:r>
-                        <a:rPr lang="en-ZA" dirty="0"/>
-                        <a:t>0.9988</a:t>
-                      </a:r>
-                    </a:p>
-                  </a:txBody>
-                  <a:tcPr/>
-                </a:tc>
-                <a:tc>
-                  <a:txBody>
-                    <a:bodyPr/>
-                    <a:lstStyle/>
-                    <a:p>
-                      <a:endParaRPr lang="en-ZA" dirty="0"/>
-                    </a:p>
-                  </a:txBody>
-                  <a:tcPr/>
-                </a:tc>
-                <a:tc>
-                  <a:txBody>
-                    <a:bodyPr/>
-                    <a:lstStyle/>
-                    <a:p>
-                      <a:endParaRPr lang="en-ZA" dirty="0"/>
-                    </a:p>
-                  </a:txBody>
-                  <a:tcPr/>
-                </a:tc>
-                <a:extLst>
-                  <a:ext uri="{0D108BD9-81ED-4DB2-BD59-A6C34878D82A}">
-                    <a16:rowId xmlns:a16="http://schemas.microsoft.com/office/drawing/2014/main" val="2248818717"/>
-                  </a:ext>
-                </a:extLst>
-              </a:tr>
-              <a:tr h="529537">
-                <a:tc>
-                  <a:txBody>
-                    <a:bodyPr/>
-                    <a:lstStyle/>
-                    <a:p>
-                      <a:r>
-                        <a:rPr lang="en-ZA" dirty="0" err="1"/>
-                        <a:t>Precision@k</a:t>
-                      </a:r>
-                      <a:endParaRPr lang="en-ZA" dirty="0"/>
-                    </a:p>
-                  </a:txBody>
-                  <a:tcPr/>
-                </a:tc>
-                <a:tc>
-                  <a:txBody>
-                    <a:bodyPr/>
-                    <a:lstStyle/>
-                    <a:p>
-                      <a:pPr algn="ctr"/>
-                      <a:r>
-                        <a:rPr lang="en-ZA" dirty="0"/>
-                        <a:t>0.1501</a:t>
-                      </a:r>
-                    </a:p>
-                  </a:txBody>
-                  <a:tcPr/>
-                </a:tc>
-                <a:tc>
-                  <a:txBody>
-                    <a:bodyPr/>
-                    <a:lstStyle/>
-                    <a:p>
-                      <a:pPr marL="0" marR="0" lvl="0" indent="0" algn="ctr" defTabSz="914400" rtl="0" eaLnBrk="1" fontAlgn="auto" latinLnBrk="0" hangingPunct="1">
-                        <a:lnSpc>
-                          <a:spcPct val="100000"/>
-                        </a:lnSpc>
-                        <a:spcBef>
-                          <a:spcPts val="0"/>
-                        </a:spcBef>
-                        <a:spcAft>
-                          <a:spcPts val="0"/>
-                        </a:spcAft>
-                        <a:buClrTx/>
-                        <a:buSzTx/>
-                        <a:buFontTx/>
-                        <a:buNone/>
-                        <a:tabLst/>
-                        <a:defRPr/>
-                      </a:pPr>
-                      <a:r>
-                        <a:rPr lang="en-ZA" dirty="0"/>
-                        <a:t>0.3723</a:t>
-                      </a:r>
-                    </a:p>
-                  </a:txBody>
-                  <a:tcPr/>
-                </a:tc>
-                <a:tc>
-                  <a:txBody>
-                    <a:bodyPr/>
-                    <a:lstStyle/>
-                    <a:p>
-                      <a:r>
-                        <a:rPr lang="en-ZA" sz="1600" dirty="0"/>
-                        <a:t>Mean </a:t>
-                      </a:r>
-                      <a:r>
-                        <a:rPr lang="en-ZA" sz="1600" dirty="0" err="1"/>
-                        <a:t>precision@k</a:t>
-                      </a:r>
-                      <a:r>
-                        <a:rPr lang="en-ZA" sz="1600" dirty="0"/>
-                        <a:t> only for users with recorded interactions across the entire dataset</a:t>
-                      </a:r>
-                    </a:p>
-                  </a:txBody>
-                  <a:tcPr/>
-                </a:tc>
-                <a:tc>
-                  <a:txBody>
-                    <a:bodyPr/>
-                    <a:lstStyle/>
-                    <a:p>
-                      <a:endParaRPr lang="en-ZA" dirty="0"/>
-                    </a:p>
-                  </a:txBody>
-                  <a:tcPr/>
-                </a:tc>
-                <a:extLst>
-                  <a:ext uri="{0D108BD9-81ED-4DB2-BD59-A6C34878D82A}">
-                    <a16:rowId xmlns:a16="http://schemas.microsoft.com/office/drawing/2014/main" val="2717578898"/>
-                  </a:ext>
-                </a:extLst>
-              </a:tr>
-              <a:tr h="529537">
-                <a:tc>
-                  <a:txBody>
-                    <a:bodyPr/>
-                    <a:lstStyle/>
-                    <a:p>
-                      <a:r>
-                        <a:rPr lang="en-ZA" dirty="0"/>
-                        <a:t>Reciprocal rank</a:t>
-                      </a:r>
-                    </a:p>
-                  </a:txBody>
-                  <a:tcPr/>
-                </a:tc>
-                <a:tc>
-                  <a:txBody>
-                    <a:bodyPr/>
-                    <a:lstStyle/>
-                    <a:p>
-                      <a:pPr algn="ctr"/>
-                      <a:r>
-                        <a:rPr lang="en-ZA" dirty="0"/>
-                        <a:t>0.6512</a:t>
-                      </a:r>
-                    </a:p>
-                  </a:txBody>
-                  <a:tcPr/>
-                </a:tc>
-                <a:tc>
-                  <a:txBody>
-                    <a:bodyPr/>
-                    <a:lstStyle/>
-                    <a:p>
-                      <a:pPr algn="ctr"/>
-                      <a:r>
-                        <a:rPr lang="en-ZA" dirty="0"/>
-                        <a:t>0.9859</a:t>
-                      </a:r>
-                    </a:p>
-                  </a:txBody>
-                  <a:tcPr/>
-                </a:tc>
-                <a:tc>
-                  <a:txBody>
-                    <a:bodyPr/>
-                    <a:lstStyle/>
-                    <a:p>
-                      <a:endParaRPr lang="en-ZA" dirty="0"/>
-                    </a:p>
-                  </a:txBody>
-                  <a:tcPr/>
-                </a:tc>
-                <a:tc>
-                  <a:txBody>
-                    <a:bodyPr/>
-                    <a:lstStyle/>
-                    <a:p>
-                      <a:endParaRPr lang="en-ZA" dirty="0"/>
-                    </a:p>
-                  </a:txBody>
-                  <a:tcPr/>
-                </a:tc>
-                <a:extLst>
-                  <a:ext uri="{0D108BD9-81ED-4DB2-BD59-A6C34878D82A}">
-                    <a16:rowId xmlns:a16="http://schemas.microsoft.com/office/drawing/2014/main" val="2260216570"/>
-                  </a:ext>
-                </a:extLst>
-              </a:tr>
-              <a:tr h="529537">
-                <a:tc>
-                  <a:txBody>
-                    <a:bodyPr/>
-                    <a:lstStyle/>
-                    <a:p>
-                      <a:r>
-                        <a:rPr lang="en-ZA" dirty="0"/>
-                        <a:t>User similarity</a:t>
-                      </a:r>
-                    </a:p>
-                  </a:txBody>
-                  <a:tcPr/>
-                </a:tc>
-                <a:tc>
-                  <a:txBody>
-                    <a:bodyPr/>
-                    <a:lstStyle/>
-                    <a:p>
-                      <a:pPr algn="ctr"/>
-                      <a:endParaRPr lang="en-ZA"/>
-                    </a:p>
-                  </a:txBody>
-                  <a:tcPr/>
-                </a:tc>
-                <a:tc>
-                  <a:txBody>
-                    <a:bodyPr/>
-                    <a:lstStyle/>
-                    <a:p>
-                      <a:pPr algn="ctr"/>
-                      <a:endParaRPr lang="en-ZA" dirty="0"/>
-                    </a:p>
-                  </a:txBody>
-                  <a:tcPr/>
-                </a:tc>
-                <a:tc>
-                  <a:txBody>
-                    <a:bodyPr/>
-                    <a:lstStyle/>
-                    <a:p>
-                      <a:endParaRPr lang="en-ZA" dirty="0"/>
-                    </a:p>
-                  </a:txBody>
-                  <a:tcPr/>
-                </a:tc>
-                <a:tc>
-                  <a:txBody>
-                    <a:bodyPr/>
-                    <a:lstStyle/>
-                    <a:p>
-                      <a:endParaRPr lang="en-ZA" dirty="0"/>
-                    </a:p>
-                  </a:txBody>
-                  <a:tcPr/>
-                </a:tc>
-                <a:extLst>
-                  <a:ext uri="{0D108BD9-81ED-4DB2-BD59-A6C34878D82A}">
-                    <a16:rowId xmlns:a16="http://schemas.microsoft.com/office/drawing/2014/main" val="3505271116"/>
-                  </a:ext>
-                </a:extLst>
-              </a:tr>
-              <a:tr h="529537">
-                <a:tc>
-                  <a:txBody>
-                    <a:bodyPr/>
-                    <a:lstStyle/>
-                    <a:p>
-                      <a:r>
-                        <a:rPr lang="en-ZA" dirty="0"/>
-                        <a:t>Item Similarity</a:t>
-                      </a:r>
-                    </a:p>
-                  </a:txBody>
-                  <a:tcPr/>
-                </a:tc>
-                <a:tc>
-                  <a:txBody>
-                    <a:bodyPr/>
-                    <a:lstStyle/>
-                    <a:p>
-                      <a:pPr algn="ctr"/>
-                      <a:endParaRPr lang="en-ZA"/>
-                    </a:p>
-                  </a:txBody>
-                  <a:tcPr/>
-                </a:tc>
-                <a:tc>
-                  <a:txBody>
-                    <a:bodyPr/>
-                    <a:lstStyle/>
-                    <a:p>
-                      <a:pPr algn="ctr"/>
-                      <a:endParaRPr lang="en-ZA" dirty="0"/>
-                    </a:p>
-                  </a:txBody>
-                  <a:tcPr/>
-                </a:tc>
-                <a:tc>
-                  <a:txBody>
-                    <a:bodyPr/>
-                    <a:lstStyle/>
-                    <a:p>
-                      <a:endParaRPr lang="en-ZA" dirty="0"/>
-                    </a:p>
-                  </a:txBody>
-                  <a:tcPr/>
-                </a:tc>
-                <a:tc>
-                  <a:txBody>
-                    <a:bodyPr/>
-                    <a:lstStyle/>
-                    <a:p>
-                      <a:endParaRPr lang="en-ZA" dirty="0"/>
-                    </a:p>
-                  </a:txBody>
-                  <a:tcPr/>
-                </a:tc>
-                <a:extLst>
-                  <a:ext uri="{0D108BD9-81ED-4DB2-BD59-A6C34878D82A}">
-                    <a16:rowId xmlns:a16="http://schemas.microsoft.com/office/drawing/2014/main" val="1884899802"/>
-                  </a:ext>
-                </a:extLst>
-              </a:tr>
-            </a:tbl>
-          </a:graphicData>
-        </a:graphic>
-      </p:graphicFrame>
-      <p:sp>
-        <p:nvSpPr>
-          <p:cNvPr id="8" name="TextBox 7">
-            <a:extLst>
-              <a:ext uri="{FF2B5EF4-FFF2-40B4-BE49-F238E27FC236}">
-                <a16:creationId xmlns:a16="http://schemas.microsoft.com/office/drawing/2014/main" id="{E4DDD67B-5696-6971-ED85-097513B8B033}"/>
-              </a:ext>
-            </a:extLst>
-          </p:cNvPr>
-          <p:cNvSpPr txBox="1"/>
-          <p:nvPr/>
-        </p:nvSpPr>
-        <p:spPr>
-          <a:xfrm>
-            <a:off x="717754" y="1243158"/>
-            <a:ext cx="6096000" cy="369332"/>
-          </a:xfrm>
-          <a:prstGeom prst="rect">
-            <a:avLst/>
-          </a:prstGeom>
-          <a:noFill/>
-        </p:spPr>
-        <p:txBody>
-          <a:bodyPr wrap="square">
-            <a:spAutoFit/>
-          </a:bodyPr>
-          <a:lstStyle/>
-          <a:p>
-            <a:r>
-              <a:rPr lang="en-ZA" b="1" dirty="0">
-                <a:solidFill>
-                  <a:schemeClr val="bg1"/>
-                </a:solidFill>
-              </a:rPr>
-              <a:t>*@ 80/20 random train test split</a:t>
-            </a:r>
-            <a:endParaRPr lang="en-ZA" b="1" dirty="0"/>
-          </a:p>
-        </p:txBody>
-      </p:sp>
-    </p:spTree>
-    <p:extLst>
-      <p:ext uri="{BB962C8B-B14F-4D97-AF65-F5344CB8AC3E}">
-        <p14:creationId xmlns:p14="http://schemas.microsoft.com/office/powerpoint/2010/main" val="1700196433"/>
-      </p:ext>
-    </p:extLst>
-  </p:cSld>
-  <p:clrMapOvr>
-    <a:masterClrMapping/>
-  </p:clrMapOvr>
-  <p:transition spd="slow">
-    <p:push dir="u"/>
-  </p:transition>
 </p:sld>
 </file>
 
@@ -42410,7 +42419,7 @@
                   <a:schemeClr val="bg1"/>
                 </a:solidFill>
               </a:rPr>
-              <a:t>Model Evaluation :</a:t>
+              <a:t>How we evaluate our model:</a:t>
             </a:r>
             <a:r>
               <a:rPr lang="en-US" sz="2800" b="1" dirty="0">
@@ -42430,10 +42439,10 @@
       </p:sp>
       <p:sp>
         <p:nvSpPr>
-          <p:cNvPr id="3" name="TextBox 2">
+          <p:cNvPr id="5" name="TextBox 4">
             <a:extLst>
               <a:ext uri="{FF2B5EF4-FFF2-40B4-BE49-F238E27FC236}">
-                <a16:creationId xmlns:a16="http://schemas.microsoft.com/office/drawing/2014/main" id="{3E98D95D-B15A-D7C1-D8F0-E477F9AC3C0F}"/>
+                <a16:creationId xmlns:a16="http://schemas.microsoft.com/office/drawing/2014/main" id="{B0DB9611-E3A2-AB52-D887-E2CE76F4CE3C}"/>
               </a:ext>
             </a:extLst>
           </p:cNvPr>
@@ -42442,8 +42451,8 @@
         </p:nvSpPr>
         <p:spPr>
           <a:xfrm>
-            <a:off x="1229032" y="1762121"/>
-            <a:ext cx="6096000" cy="369332"/>
+            <a:off x="973394" y="1368830"/>
+            <a:ext cx="9537290" cy="2031325"/>
           </a:xfrm>
           <a:prstGeom prst="rect">
             <a:avLst/>
@@ -42457,39 +42466,1142 @@
           <a:lstStyle/>
           <a:p>
             <a:r>
+              <a:rPr lang="en-ZA" b="1" dirty="0">
+                <a:highlight>
+                  <a:srgbClr val="55D2B0"/>
+                </a:highlight>
+              </a:rPr>
+              <a:t>User Similarity :</a:t>
+            </a:r>
+          </a:p>
+          <a:p>
+            <a:r>
               <a:rPr lang="en-ZA" dirty="0">
                 <a:solidFill>
                   <a:schemeClr val="bg1"/>
                 </a:solidFill>
               </a:rPr>
-              <a:t>80/20 random train test split</a:t>
+              <a:t>	The dot product of the learned user representations and the chosen user’s 	representations. Where the model learns latent representations based on the user 	features). Cosine similarity is used to assign a similarity score.</a:t>
             </a:r>
-            <a:endParaRPr lang="en-ZA" dirty="0"/>
+          </a:p>
+          <a:p>
+            <a:endParaRPr lang="en-ZA" dirty="0">
+              <a:solidFill>
+                <a:schemeClr val="bg1"/>
+              </a:solidFill>
+            </a:endParaRPr>
+          </a:p>
+          <a:p>
+            <a:br>
+              <a:rPr lang="en-ZA" dirty="0"/>
+            </a:br>
+            <a:endParaRPr lang="en-ZA" b="1" dirty="0">
+              <a:solidFill>
+                <a:schemeClr val="bg1"/>
+              </a:solidFill>
+            </a:endParaRPr>
           </a:p>
         </p:txBody>
       </p:sp>
+      <p:graphicFrame>
+        <p:nvGraphicFramePr>
+          <p:cNvPr id="2" name="Table 1">
+            <a:extLst>
+              <a:ext uri="{FF2B5EF4-FFF2-40B4-BE49-F238E27FC236}">
+                <a16:creationId xmlns:a16="http://schemas.microsoft.com/office/drawing/2014/main" id="{C561DAF3-1970-C093-90D0-14B0263075E2}"/>
+              </a:ext>
+            </a:extLst>
+          </p:cNvPr>
+          <p:cNvGraphicFramePr>
+            <a:graphicFrameLocks noGrp="1"/>
+          </p:cNvGraphicFramePr>
+          <p:nvPr>
+            <p:extLst>
+              <p:ext uri="{D42A27DB-BD31-4B8C-83A1-F6EECF244321}">
+                <p14:modId xmlns:p14="http://schemas.microsoft.com/office/powerpoint/2010/main" val="725486353"/>
+              </p:ext>
+            </p:extLst>
+          </p:nvPr>
+        </p:nvGraphicFramePr>
+        <p:xfrm>
+          <a:off x="1091381" y="2625211"/>
+          <a:ext cx="10337415" cy="3926456"/>
+        </p:xfrm>
+        <a:graphic>
+          <a:graphicData uri="http://schemas.openxmlformats.org/drawingml/2006/table">
+            <a:tbl>
+              <a:tblPr firstRow="1" bandRow="1">
+                <a:tableStyleId>{EB9631B5-78F2-41C9-869B-9F39066F8104}</a:tableStyleId>
+              </a:tblPr>
+              <a:tblGrid>
+                <a:gridCol w="1197399">
+                  <a:extLst>
+                    <a:ext uri="{9D8B030D-6E8A-4147-A177-3AD203B41FA5}">
+                      <a16:colId xmlns:a16="http://schemas.microsoft.com/office/drawing/2014/main" val="20001"/>
+                    </a:ext>
+                  </a:extLst>
+                </a:gridCol>
+                <a:gridCol w="962056">
+                  <a:extLst>
+                    <a:ext uri="{9D8B030D-6E8A-4147-A177-3AD203B41FA5}">
+                      <a16:colId xmlns:a16="http://schemas.microsoft.com/office/drawing/2014/main" val="20002"/>
+                    </a:ext>
+                  </a:extLst>
+                </a:gridCol>
+                <a:gridCol w="1317943">
+                  <a:extLst>
+                    <a:ext uri="{9D8B030D-6E8A-4147-A177-3AD203B41FA5}">
+                      <a16:colId xmlns:a16="http://schemas.microsoft.com/office/drawing/2014/main" val="20003"/>
+                    </a:ext>
+                  </a:extLst>
+                </a:gridCol>
+                <a:gridCol w="1142853">
+                  <a:extLst>
+                    <a:ext uri="{9D8B030D-6E8A-4147-A177-3AD203B41FA5}">
+                      <a16:colId xmlns:a16="http://schemas.microsoft.com/office/drawing/2014/main" val="20004"/>
+                    </a:ext>
+                  </a:extLst>
+                </a:gridCol>
+                <a:gridCol w="1245908">
+                  <a:extLst>
+                    <a:ext uri="{9D8B030D-6E8A-4147-A177-3AD203B41FA5}">
+                      <a16:colId xmlns:a16="http://schemas.microsoft.com/office/drawing/2014/main" val="20005"/>
+                    </a:ext>
+                  </a:extLst>
+                </a:gridCol>
+                <a:gridCol w="1454768">
+                  <a:extLst>
+                    <a:ext uri="{9D8B030D-6E8A-4147-A177-3AD203B41FA5}">
+                      <a16:colId xmlns:a16="http://schemas.microsoft.com/office/drawing/2014/main" val="20006"/>
+                    </a:ext>
+                  </a:extLst>
+                </a:gridCol>
+                <a:gridCol w="962056">
+                  <a:extLst>
+                    <a:ext uri="{9D8B030D-6E8A-4147-A177-3AD203B41FA5}">
+                      <a16:colId xmlns:a16="http://schemas.microsoft.com/office/drawing/2014/main" val="20007"/>
+                    </a:ext>
+                  </a:extLst>
+                </a:gridCol>
+                <a:gridCol w="1092376">
+                  <a:extLst>
+                    <a:ext uri="{9D8B030D-6E8A-4147-A177-3AD203B41FA5}">
+                      <a16:colId xmlns:a16="http://schemas.microsoft.com/office/drawing/2014/main" val="20008"/>
+                    </a:ext>
+                  </a:extLst>
+                </a:gridCol>
+                <a:gridCol w="962056">
+                  <a:extLst>
+                    <a:ext uri="{9D8B030D-6E8A-4147-A177-3AD203B41FA5}">
+                      <a16:colId xmlns:a16="http://schemas.microsoft.com/office/drawing/2014/main" val="20009"/>
+                    </a:ext>
+                  </a:extLst>
+                </a:gridCol>
+              </a:tblGrid>
+              <a:tr h="847522">
+                <a:tc>
+                  <a:txBody>
+                    <a:bodyPr/>
+                    <a:lstStyle/>
+                    <a:p>
+                      <a:r>
+                        <a:rPr lang="en-ZA" sz="1400" dirty="0" err="1"/>
+                        <a:t>Id_col</a:t>
+                      </a:r>
+                      <a:endParaRPr sz="1400" dirty="0"/>
+                    </a:p>
+                  </a:txBody>
+                  <a:tcPr/>
+                </a:tc>
+                <a:tc>
+                  <a:txBody>
+                    <a:bodyPr/>
+                    <a:lstStyle/>
+                    <a:p>
+                      <a:r>
+                        <a:rPr lang="en-ZA" sz="1400" dirty="0"/>
+                        <a:t>segment</a:t>
+                      </a:r>
+                      <a:endParaRPr sz="1400" dirty="0"/>
+                    </a:p>
+                  </a:txBody>
+                  <a:tcPr/>
+                </a:tc>
+                <a:tc>
+                  <a:txBody>
+                    <a:bodyPr/>
+                    <a:lstStyle/>
+                    <a:p>
+                      <a:r>
+                        <a:rPr lang="en-ZA" sz="1400" dirty="0" err="1"/>
+                        <a:t>Beh_segment</a:t>
+                      </a:r>
+                      <a:endParaRPr sz="1400" dirty="0"/>
+                    </a:p>
+                  </a:txBody>
+                  <a:tcPr/>
+                </a:tc>
+                <a:tc>
+                  <a:txBody>
+                    <a:bodyPr/>
+                    <a:lstStyle/>
+                    <a:p>
+                      <a:r>
+                        <a:rPr lang="en-ZA" sz="1400" dirty="0" err="1"/>
+                        <a:t>Active_ind</a:t>
+                      </a:r>
+                      <a:endParaRPr sz="1400" dirty="0"/>
+                    </a:p>
+                  </a:txBody>
+                  <a:tcPr/>
+                </a:tc>
+                <a:tc>
+                  <a:txBody>
+                    <a:bodyPr/>
+                    <a:lstStyle/>
+                    <a:p>
+                      <a:r>
+                        <a:rPr lang="en-ZA" sz="1400" dirty="0"/>
+                        <a:t>activity score bin</a:t>
+                      </a:r>
+                      <a:endParaRPr sz="1400" dirty="0"/>
+                    </a:p>
+                  </a:txBody>
+                  <a:tcPr/>
+                </a:tc>
+                <a:tc>
+                  <a:txBody>
+                    <a:bodyPr/>
+                    <a:lstStyle/>
+                    <a:p>
+                      <a:pPr marL="0" marR="0" lvl="0" indent="0" algn="l" defTabSz="914400" rtl="0" eaLnBrk="1" fontAlgn="auto" latinLnBrk="0" hangingPunct="1">
+                        <a:lnSpc>
+                          <a:spcPct val="100000"/>
+                        </a:lnSpc>
+                        <a:spcBef>
+                          <a:spcPts val="0"/>
+                        </a:spcBef>
+                        <a:spcAft>
+                          <a:spcPts val="0"/>
+                        </a:spcAft>
+                        <a:buClrTx/>
+                        <a:buSzTx/>
+                        <a:buFontTx/>
+                        <a:buNone/>
+                        <a:tabLst/>
+                        <a:defRPr/>
+                      </a:pPr>
+                      <a:r>
+                        <a:rPr lang="en-ZA" sz="1400" dirty="0"/>
+                        <a:t>activity rate bin</a:t>
+                      </a:r>
+                    </a:p>
+                    <a:p>
+                      <a:endParaRPr sz="1400" dirty="0"/>
+                    </a:p>
+                  </a:txBody>
+                  <a:tcPr/>
+                </a:tc>
+                <a:tc>
+                  <a:txBody>
+                    <a:bodyPr/>
+                    <a:lstStyle/>
+                    <a:p>
+                      <a:r>
+                        <a:rPr lang="en-ZA" sz="1400" dirty="0"/>
+                        <a:t>User interaction count bin</a:t>
+                      </a:r>
+                      <a:endParaRPr sz="1400" dirty="0"/>
+                    </a:p>
+                  </a:txBody>
+                  <a:tcPr/>
+                </a:tc>
+                <a:tc>
+                  <a:txBody>
+                    <a:bodyPr/>
+                    <a:lstStyle/>
+                    <a:p>
+                      <a:r>
+                        <a:rPr lang="en-ZA" sz="1400" dirty="0"/>
+                        <a:t>Active day of week</a:t>
+                      </a:r>
+                      <a:endParaRPr sz="1400" dirty="0"/>
+                    </a:p>
+                  </a:txBody>
+                  <a:tcPr/>
+                </a:tc>
+                <a:tc>
+                  <a:txBody>
+                    <a:bodyPr/>
+                    <a:lstStyle/>
+                    <a:p>
+                      <a:r>
+                        <a:rPr lang="en-ZA" sz="1400" dirty="0"/>
+                        <a:t>Similarity score</a:t>
+                      </a:r>
+                      <a:endParaRPr sz="1400" dirty="0"/>
+                    </a:p>
+                  </a:txBody>
+                  <a:tcPr/>
+                </a:tc>
+                <a:extLst>
+                  <a:ext uri="{0D108BD9-81ED-4DB2-BD59-A6C34878D82A}">
+                    <a16:rowId xmlns:a16="http://schemas.microsoft.com/office/drawing/2014/main" val="2383799771"/>
+                  </a:ext>
+                </a:extLst>
+              </a:tr>
+              <a:tr h="486314">
+                <a:tc>
+                  <a:txBody>
+                    <a:bodyPr/>
+                    <a:lstStyle/>
+                    <a:p>
+                      <a:r>
+                        <a:rPr sz="1400" dirty="0"/>
+                        <a:t>446620663</a:t>
+                      </a:r>
+                    </a:p>
+                  </a:txBody>
+                  <a:tcPr/>
+                </a:tc>
+                <a:tc>
+                  <a:txBody>
+                    <a:bodyPr/>
+                    <a:lstStyle/>
+                    <a:p>
+                      <a:r>
+                        <a:rPr sz="1400"/>
+                        <a:t>segment1</a:t>
+                      </a:r>
+                    </a:p>
+                  </a:txBody>
+                  <a:tcPr/>
+                </a:tc>
+                <a:tc>
+                  <a:txBody>
+                    <a:bodyPr/>
+                    <a:lstStyle/>
+                    <a:p>
+                      <a:r>
+                        <a:rPr sz="1400"/>
+                        <a:t>B18</a:t>
+                      </a:r>
+                    </a:p>
+                  </a:txBody>
+                  <a:tcPr/>
+                </a:tc>
+                <a:tc>
+                  <a:txBody>
+                    <a:bodyPr/>
+                    <a:lstStyle/>
+                    <a:p>
+                      <a:r>
+                        <a:rPr sz="1400"/>
+                        <a:t>Semi Active</a:t>
+                      </a:r>
+                    </a:p>
+                  </a:txBody>
+                  <a:tcPr/>
+                </a:tc>
+                <a:tc>
+                  <a:txBody>
+                    <a:bodyPr/>
+                    <a:lstStyle/>
+                    <a:p>
+                      <a:r>
+                        <a:rPr sz="1400" dirty="0"/>
+                        <a:t>(1.833, 2.0]</a:t>
+                      </a:r>
+                    </a:p>
+                  </a:txBody>
+                  <a:tcPr/>
+                </a:tc>
+                <a:tc>
+                  <a:txBody>
+                    <a:bodyPr/>
+                    <a:lstStyle/>
+                    <a:p>
+                      <a:r>
+                        <a:rPr sz="1400"/>
+                        <a:t>(0.0455, 0.0568]</a:t>
+                      </a:r>
+                    </a:p>
+                  </a:txBody>
+                  <a:tcPr/>
+                </a:tc>
+                <a:tc>
+                  <a:txBody>
+                    <a:bodyPr/>
+                    <a:lstStyle/>
+                    <a:p>
+                      <a:r>
+                        <a:rPr sz="1400"/>
+                        <a:t>(9.0, 11.0]</a:t>
+                      </a:r>
+                    </a:p>
+                  </a:txBody>
+                  <a:tcPr/>
+                </a:tc>
+                <a:tc>
+                  <a:txBody>
+                    <a:bodyPr/>
+                    <a:lstStyle/>
+                    <a:p>
+                      <a:r>
+                        <a:rPr sz="1400"/>
+                        <a:t>Monday</a:t>
+                      </a:r>
+                    </a:p>
+                  </a:txBody>
+                  <a:tcPr/>
+                </a:tc>
+                <a:tc>
+                  <a:txBody>
+                    <a:bodyPr/>
+                    <a:lstStyle/>
+                    <a:p>
+                      <a:r>
+                        <a:rPr sz="1400"/>
+                        <a:t>1.0</a:t>
+                      </a:r>
+                    </a:p>
+                  </a:txBody>
+                  <a:tcPr/>
+                </a:tc>
+                <a:extLst>
+                  <a:ext uri="{0D108BD9-81ED-4DB2-BD59-A6C34878D82A}">
+                    <a16:rowId xmlns:a16="http://schemas.microsoft.com/office/drawing/2014/main" val="10000"/>
+                  </a:ext>
+                </a:extLst>
+              </a:tr>
+              <a:tr h="486314">
+                <a:tc>
+                  <a:txBody>
+                    <a:bodyPr/>
+                    <a:lstStyle/>
+                    <a:p>
+                      <a:r>
+                        <a:rPr sz="1400"/>
+                        <a:t>200005707</a:t>
+                      </a:r>
+                    </a:p>
+                  </a:txBody>
+                  <a:tcPr/>
+                </a:tc>
+                <a:tc>
+                  <a:txBody>
+                    <a:bodyPr/>
+                    <a:lstStyle/>
+                    <a:p>
+                      <a:r>
+                        <a:rPr sz="1400" dirty="0"/>
+                        <a:t>segment1</a:t>
+                      </a:r>
+                    </a:p>
+                  </a:txBody>
+                  <a:tcPr/>
+                </a:tc>
+                <a:tc>
+                  <a:txBody>
+                    <a:bodyPr/>
+                    <a:lstStyle/>
+                    <a:p>
+                      <a:r>
+                        <a:rPr sz="1400" dirty="0"/>
+                        <a:t>B18</a:t>
+                      </a:r>
+                    </a:p>
+                  </a:txBody>
+                  <a:tcPr/>
+                </a:tc>
+                <a:tc>
+                  <a:txBody>
+                    <a:bodyPr/>
+                    <a:lstStyle/>
+                    <a:p>
+                      <a:r>
+                        <a:rPr sz="1400" dirty="0"/>
+                        <a:t>Active</a:t>
+                      </a:r>
+                    </a:p>
+                  </a:txBody>
+                  <a:tcPr/>
+                </a:tc>
+                <a:tc>
+                  <a:txBody>
+                    <a:bodyPr/>
+                    <a:lstStyle/>
+                    <a:p>
+                      <a:r>
+                        <a:rPr sz="1400"/>
+                        <a:t>(1.667, 1.833]</a:t>
+                      </a:r>
+                    </a:p>
+                  </a:txBody>
+                  <a:tcPr/>
+                </a:tc>
+                <a:tc>
+                  <a:txBody>
+                    <a:bodyPr/>
+                    <a:lstStyle/>
+                    <a:p>
+                      <a:r>
+                        <a:rPr sz="1400"/>
+                        <a:t>(0.0341, 0.0455]</a:t>
+                      </a:r>
+                    </a:p>
+                  </a:txBody>
+                  <a:tcPr/>
+                </a:tc>
+                <a:tc>
+                  <a:txBody>
+                    <a:bodyPr/>
+                    <a:lstStyle/>
+                    <a:p>
+                      <a:r>
+                        <a:rPr sz="1400"/>
+                        <a:t>(6.0, 7.0]</a:t>
+                      </a:r>
+                    </a:p>
+                  </a:txBody>
+                  <a:tcPr/>
+                </a:tc>
+                <a:tc>
+                  <a:txBody>
+                    <a:bodyPr/>
+                    <a:lstStyle/>
+                    <a:p>
+                      <a:r>
+                        <a:rPr sz="1400"/>
+                        <a:t>Monday</a:t>
+                      </a:r>
+                    </a:p>
+                  </a:txBody>
+                  <a:tcPr/>
+                </a:tc>
+                <a:tc>
+                  <a:txBody>
+                    <a:bodyPr/>
+                    <a:lstStyle/>
+                    <a:p>
+                      <a:r>
+                        <a:rPr sz="1400"/>
+                        <a:t>0.933203</a:t>
+                      </a:r>
+                    </a:p>
+                  </a:txBody>
+                  <a:tcPr/>
+                </a:tc>
+                <a:extLst>
+                  <a:ext uri="{0D108BD9-81ED-4DB2-BD59-A6C34878D82A}">
+                    <a16:rowId xmlns:a16="http://schemas.microsoft.com/office/drawing/2014/main" val="10001"/>
+                  </a:ext>
+                </a:extLst>
+              </a:tr>
+              <a:tr h="486314">
+                <a:tc>
+                  <a:txBody>
+                    <a:bodyPr/>
+                    <a:lstStyle/>
+                    <a:p>
+                      <a:r>
+                        <a:rPr sz="1400"/>
+                        <a:t>168281826</a:t>
+                      </a:r>
+                    </a:p>
+                  </a:txBody>
+                  <a:tcPr/>
+                </a:tc>
+                <a:tc>
+                  <a:txBody>
+                    <a:bodyPr/>
+                    <a:lstStyle/>
+                    <a:p>
+                      <a:r>
+                        <a:rPr sz="1400"/>
+                        <a:t>segment1</a:t>
+                      </a:r>
+                    </a:p>
+                  </a:txBody>
+                  <a:tcPr/>
+                </a:tc>
+                <a:tc>
+                  <a:txBody>
+                    <a:bodyPr/>
+                    <a:lstStyle/>
+                    <a:p>
+                      <a:r>
+                        <a:rPr sz="1400"/>
+                        <a:t>B08</a:t>
+                      </a:r>
+                    </a:p>
+                  </a:txBody>
+                  <a:tcPr/>
+                </a:tc>
+                <a:tc>
+                  <a:txBody>
+                    <a:bodyPr/>
+                    <a:lstStyle/>
+                    <a:p>
+                      <a:r>
+                        <a:rPr sz="1400"/>
+                        <a:t>Semi Active</a:t>
+                      </a:r>
+                    </a:p>
+                  </a:txBody>
+                  <a:tcPr/>
+                </a:tc>
+                <a:tc>
+                  <a:txBody>
+                    <a:bodyPr/>
+                    <a:lstStyle/>
+                    <a:p>
+                      <a:r>
+                        <a:rPr sz="1400" dirty="0"/>
+                        <a:t>(2.833, 3.0]</a:t>
+                      </a:r>
+                    </a:p>
+                  </a:txBody>
+                  <a:tcPr/>
+                </a:tc>
+                <a:tc>
+                  <a:txBody>
+                    <a:bodyPr/>
+                    <a:lstStyle/>
+                    <a:p>
+                      <a:r>
+                        <a:rPr sz="1400" dirty="0"/>
+                        <a:t>(0.0104, 0.0227]</a:t>
+                      </a:r>
+                    </a:p>
+                  </a:txBody>
+                  <a:tcPr/>
+                </a:tc>
+                <a:tc>
+                  <a:txBody>
+                    <a:bodyPr/>
+                    <a:lstStyle/>
+                    <a:p>
+                      <a:r>
+                        <a:rPr sz="1400"/>
+                        <a:t>(5.0, 6.0]</a:t>
+                      </a:r>
+                    </a:p>
+                  </a:txBody>
+                  <a:tcPr/>
+                </a:tc>
+                <a:tc>
+                  <a:txBody>
+                    <a:bodyPr/>
+                    <a:lstStyle/>
+                    <a:p>
+                      <a:r>
+                        <a:rPr sz="1400"/>
+                        <a:t>Thursday</a:t>
+                      </a:r>
+                    </a:p>
+                  </a:txBody>
+                  <a:tcPr/>
+                </a:tc>
+                <a:tc>
+                  <a:txBody>
+                    <a:bodyPr/>
+                    <a:lstStyle/>
+                    <a:p>
+                      <a:r>
+                        <a:rPr sz="1400"/>
+                        <a:t>0.917907</a:t>
+                      </a:r>
+                    </a:p>
+                  </a:txBody>
+                  <a:tcPr/>
+                </a:tc>
+                <a:extLst>
+                  <a:ext uri="{0D108BD9-81ED-4DB2-BD59-A6C34878D82A}">
+                    <a16:rowId xmlns:a16="http://schemas.microsoft.com/office/drawing/2014/main" val="10002"/>
+                  </a:ext>
+                </a:extLst>
+              </a:tr>
+              <a:tr h="486314">
+                <a:tc>
+                  <a:txBody>
+                    <a:bodyPr/>
+                    <a:lstStyle/>
+                    <a:p>
+                      <a:r>
+                        <a:rPr sz="1400"/>
+                        <a:t>259775928</a:t>
+                      </a:r>
+                    </a:p>
+                  </a:txBody>
+                  <a:tcPr/>
+                </a:tc>
+                <a:tc>
+                  <a:txBody>
+                    <a:bodyPr/>
+                    <a:lstStyle/>
+                    <a:p>
+                      <a:r>
+                        <a:rPr sz="1400"/>
+                        <a:t>segment1</a:t>
+                      </a:r>
+                    </a:p>
+                  </a:txBody>
+                  <a:tcPr/>
+                </a:tc>
+                <a:tc>
+                  <a:txBody>
+                    <a:bodyPr/>
+                    <a:lstStyle/>
+                    <a:p>
+                      <a:r>
+                        <a:rPr sz="1400"/>
+                        <a:t>B18</a:t>
+                      </a:r>
+                    </a:p>
+                  </a:txBody>
+                  <a:tcPr/>
+                </a:tc>
+                <a:tc>
+                  <a:txBody>
+                    <a:bodyPr/>
+                    <a:lstStyle/>
+                    <a:p>
+                      <a:r>
+                        <a:rPr sz="1400"/>
+                        <a:t>Active</a:t>
+                      </a:r>
+                    </a:p>
+                  </a:txBody>
+                  <a:tcPr/>
+                </a:tc>
+                <a:tc>
+                  <a:txBody>
+                    <a:bodyPr/>
+                    <a:lstStyle/>
+                    <a:p>
+                      <a:r>
+                        <a:rPr sz="1400"/>
+                        <a:t>(1.5, 1.667]</a:t>
+                      </a:r>
+                    </a:p>
+                  </a:txBody>
+                  <a:tcPr/>
+                </a:tc>
+                <a:tc>
+                  <a:txBody>
+                    <a:bodyPr/>
+                    <a:lstStyle/>
+                    <a:p>
+                      <a:r>
+                        <a:rPr sz="1400"/>
+                        <a:t>(0.0795, 0.557]</a:t>
+                      </a:r>
+                    </a:p>
+                  </a:txBody>
+                  <a:tcPr/>
+                </a:tc>
+                <a:tc>
+                  <a:txBody>
+                    <a:bodyPr/>
+                    <a:lstStyle/>
+                    <a:p>
+                      <a:r>
+                        <a:rPr sz="1400" dirty="0"/>
+                        <a:t>(11.0, 16.0]</a:t>
+                      </a:r>
+                    </a:p>
+                  </a:txBody>
+                  <a:tcPr/>
+                </a:tc>
+                <a:tc>
+                  <a:txBody>
+                    <a:bodyPr/>
+                    <a:lstStyle/>
+                    <a:p>
+                      <a:r>
+                        <a:rPr sz="1400" dirty="0"/>
+                        <a:t>Wednesday</a:t>
+                      </a:r>
+                    </a:p>
+                  </a:txBody>
+                  <a:tcPr/>
+                </a:tc>
+                <a:tc>
+                  <a:txBody>
+                    <a:bodyPr/>
+                    <a:lstStyle/>
+                    <a:p>
+                      <a:r>
+                        <a:rPr sz="1400"/>
+                        <a:t>0.909165</a:t>
+                      </a:r>
+                    </a:p>
+                  </a:txBody>
+                  <a:tcPr/>
+                </a:tc>
+                <a:extLst>
+                  <a:ext uri="{0D108BD9-81ED-4DB2-BD59-A6C34878D82A}">
+                    <a16:rowId xmlns:a16="http://schemas.microsoft.com/office/drawing/2014/main" val="10003"/>
+                  </a:ext>
+                </a:extLst>
+              </a:tr>
+              <a:tr h="486314">
+                <a:tc>
+                  <a:txBody>
+                    <a:bodyPr/>
+                    <a:lstStyle/>
+                    <a:p>
+                      <a:r>
+                        <a:rPr sz="1400"/>
+                        <a:t>483508836</a:t>
+                      </a:r>
+                    </a:p>
+                  </a:txBody>
+                  <a:tcPr/>
+                </a:tc>
+                <a:tc>
+                  <a:txBody>
+                    <a:bodyPr/>
+                    <a:lstStyle/>
+                    <a:p>
+                      <a:r>
+                        <a:rPr sz="1400"/>
+                        <a:t>segment1</a:t>
+                      </a:r>
+                    </a:p>
+                  </a:txBody>
+                  <a:tcPr/>
+                </a:tc>
+                <a:tc>
+                  <a:txBody>
+                    <a:bodyPr/>
+                    <a:lstStyle/>
+                    <a:p>
+                      <a:r>
+                        <a:rPr sz="1400"/>
+                        <a:t>B01</a:t>
+                      </a:r>
+                    </a:p>
+                  </a:txBody>
+                  <a:tcPr/>
+                </a:tc>
+                <a:tc>
+                  <a:txBody>
+                    <a:bodyPr/>
+                    <a:lstStyle/>
+                    <a:p>
+                      <a:r>
+                        <a:rPr sz="1400"/>
+                        <a:t>Active</a:t>
+                      </a:r>
+                    </a:p>
+                  </a:txBody>
+                  <a:tcPr/>
+                </a:tc>
+                <a:tc>
+                  <a:txBody>
+                    <a:bodyPr/>
+                    <a:lstStyle/>
+                    <a:p>
+                      <a:r>
+                        <a:rPr sz="1400"/>
+                        <a:t>(1.25, 1.5]</a:t>
+                      </a:r>
+                    </a:p>
+                  </a:txBody>
+                  <a:tcPr/>
+                </a:tc>
+                <a:tc>
+                  <a:txBody>
+                    <a:bodyPr/>
+                    <a:lstStyle/>
+                    <a:p>
+                      <a:r>
+                        <a:rPr sz="1400"/>
+                        <a:t>(0.0104, 0.0227]</a:t>
+                      </a:r>
+                    </a:p>
+                  </a:txBody>
+                  <a:tcPr/>
+                </a:tc>
+                <a:tc>
+                  <a:txBody>
+                    <a:bodyPr/>
+                    <a:lstStyle/>
+                    <a:p>
+                      <a:r>
+                        <a:rPr sz="1400"/>
+                        <a:t>(2.0, 3.0]</a:t>
+                      </a:r>
+                    </a:p>
+                  </a:txBody>
+                  <a:tcPr/>
+                </a:tc>
+                <a:tc>
+                  <a:txBody>
+                    <a:bodyPr/>
+                    <a:lstStyle/>
+                    <a:p>
+                      <a:r>
+                        <a:rPr sz="1400" dirty="0"/>
+                        <a:t>Monday</a:t>
+                      </a:r>
+                    </a:p>
+                  </a:txBody>
+                  <a:tcPr/>
+                </a:tc>
+                <a:tc>
+                  <a:txBody>
+                    <a:bodyPr/>
+                    <a:lstStyle/>
+                    <a:p>
+                      <a:r>
+                        <a:rPr sz="1400"/>
+                        <a:t>0.89467</a:t>
+                      </a:r>
+                    </a:p>
+                  </a:txBody>
+                  <a:tcPr/>
+                </a:tc>
+                <a:extLst>
+                  <a:ext uri="{0D108BD9-81ED-4DB2-BD59-A6C34878D82A}">
+                    <a16:rowId xmlns:a16="http://schemas.microsoft.com/office/drawing/2014/main" val="10004"/>
+                  </a:ext>
+                </a:extLst>
+              </a:tr>
+              <a:tr h="486314">
+                <a:tc>
+                  <a:txBody>
+                    <a:bodyPr/>
+                    <a:lstStyle/>
+                    <a:p>
+                      <a:r>
+                        <a:rPr sz="1400" dirty="0"/>
+                        <a:t>23050559118</a:t>
+                      </a:r>
+                    </a:p>
+                  </a:txBody>
+                  <a:tcPr/>
+                </a:tc>
+                <a:tc>
+                  <a:txBody>
+                    <a:bodyPr/>
+                    <a:lstStyle/>
+                    <a:p>
+                      <a:r>
+                        <a:rPr sz="1400"/>
+                        <a:t>segment1</a:t>
+                      </a:r>
+                    </a:p>
+                  </a:txBody>
+                  <a:tcPr/>
+                </a:tc>
+                <a:tc>
+                  <a:txBody>
+                    <a:bodyPr/>
+                    <a:lstStyle/>
+                    <a:p>
+                      <a:r>
+                        <a:rPr sz="1400"/>
+                        <a:t>B08</a:t>
+                      </a:r>
+                    </a:p>
+                  </a:txBody>
+                  <a:tcPr/>
+                </a:tc>
+                <a:tc>
+                  <a:txBody>
+                    <a:bodyPr/>
+                    <a:lstStyle/>
+                    <a:p>
+                      <a:r>
+                        <a:rPr sz="1400"/>
+                        <a:t>Semi Active</a:t>
+                      </a:r>
+                    </a:p>
+                  </a:txBody>
+                  <a:tcPr/>
+                </a:tc>
+                <a:tc>
+                  <a:txBody>
+                    <a:bodyPr/>
+                    <a:lstStyle/>
+                    <a:p>
+                      <a:r>
+                        <a:rPr sz="1400"/>
+                        <a:t>(1.25, 1.5]</a:t>
+                      </a:r>
+                    </a:p>
+                  </a:txBody>
+                  <a:tcPr/>
+                </a:tc>
+                <a:tc>
+                  <a:txBody>
+                    <a:bodyPr/>
+                    <a:lstStyle/>
+                    <a:p>
+                      <a:r>
+                        <a:rPr sz="1400"/>
+                        <a:t>(0.0227, 0.0341]</a:t>
+                      </a:r>
+                    </a:p>
+                  </a:txBody>
+                  <a:tcPr/>
+                </a:tc>
+                <a:tc>
+                  <a:txBody>
+                    <a:bodyPr/>
+                    <a:lstStyle/>
+                    <a:p>
+                      <a:r>
+                        <a:rPr sz="1400"/>
+                        <a:t>(3.0, 4.0]</a:t>
+                      </a:r>
+                    </a:p>
+                  </a:txBody>
+                  <a:tcPr/>
+                </a:tc>
+                <a:tc>
+                  <a:txBody>
+                    <a:bodyPr/>
+                    <a:lstStyle/>
+                    <a:p>
+                      <a:r>
+                        <a:rPr sz="1400" dirty="0"/>
+                        <a:t>Thursday</a:t>
+                      </a:r>
+                    </a:p>
+                  </a:txBody>
+                  <a:tcPr/>
+                </a:tc>
+                <a:tc>
+                  <a:txBody>
+                    <a:bodyPr/>
+                    <a:lstStyle/>
+                    <a:p>
+                      <a:r>
+                        <a:rPr sz="1400" dirty="0"/>
+                        <a:t>0.892845</a:t>
+                      </a:r>
+                    </a:p>
+                  </a:txBody>
+                  <a:tcPr/>
+                </a:tc>
+                <a:extLst>
+                  <a:ext uri="{0D108BD9-81ED-4DB2-BD59-A6C34878D82A}">
+                    <a16:rowId xmlns:a16="http://schemas.microsoft.com/office/drawing/2014/main" val="10005"/>
+                  </a:ext>
+                </a:extLst>
+              </a:tr>
+            </a:tbl>
+          </a:graphicData>
+        </a:graphic>
+      </p:graphicFrame>
     </p:spTree>
     <p:extLst>
       <p:ext uri="{BB962C8B-B14F-4D97-AF65-F5344CB8AC3E}">
-        <p14:creationId xmlns:p14="http://schemas.microsoft.com/office/powerpoint/2010/main" val="698835099"/>
+        <p14:creationId xmlns:p14="http://schemas.microsoft.com/office/powerpoint/2010/main" val="1579426455"/>
       </p:ext>
     </p:extLst>
   </p:cSld>
   <p:clrMapOvr>
     <a:masterClrMapping/>
   </p:clrMapOvr>
-  <mc:AlternateContent xmlns:mc="http://schemas.openxmlformats.org/markup-compatibility/2006" xmlns:p159="http://schemas.microsoft.com/office/powerpoint/2015/09/main">
-    <mc:Choice Requires="p159">
+  <mc:AlternateContent xmlns:mc="http://schemas.openxmlformats.org/markup-compatibility/2006">
+    <mc:Choice xmlns:p159="http://schemas.microsoft.com/office/powerpoint/2015/09/main" Requires="p159">
       <p:transition xmlns:p14="http://schemas.microsoft.com/office/powerpoint/2010/main" spd="slow" p14:dur="2000">
         <p159:morph option="byObject"/>
       </p:transition>
     </mc:Choice>
-    <mc:Fallback xmlns="">
+    <mc:Fallback>
       <p:transition spd="slow">
         <p:fade/>
       </p:transition>
     </mc:Fallback>
   </mc:AlternateContent>
+  <p:timing>
+    <p:tnLst>
+      <p:par>
+        <p:cTn id="1" dur="indefinite" restart="never" nodeType="tmRoot">
+          <p:childTnLst>
+            <p:seq concurrent="1" nextAc="seek">
+              <p:cTn id="2" dur="indefinite" nodeType="mainSeq">
+                <p:childTnLst>
+                  <p:par>
+                    <p:cTn id="3" fill="hold">
+                      <p:stCondLst>
+                        <p:cond delay="indefinite"/>
+                      </p:stCondLst>
+                      <p:childTnLst>
+                        <p:par>
+                          <p:cTn id="4" fill="hold">
+                            <p:stCondLst>
+                              <p:cond delay="0"/>
+                            </p:stCondLst>
+                            <p:childTnLst>
+                              <p:par>
+                                <p:cTn id="5" presetID="1" presetClass="entr" presetSubtype="0" fill="hold" grpId="0" nodeType="clickEffect">
+                                  <p:stCondLst>
+                                    <p:cond delay="0"/>
+                                  </p:stCondLst>
+                                  <p:childTnLst>
+                                    <p:set>
+                                      <p:cBhvr>
+                                        <p:cTn id="6" dur="1" fill="hold">
+                                          <p:stCondLst>
+                                            <p:cond delay="0"/>
+                                          </p:stCondLst>
+                                        </p:cTn>
+                                        <p:tgtEl>
+                                          <p:spTgt spid="5">
+                                            <p:txEl>
+                                              <p:pRg st="0" end="0"/>
+                                            </p:txEl>
+                                          </p:spTgt>
+                                        </p:tgtEl>
+                                        <p:attrNameLst>
+                                          <p:attrName>style.visibility</p:attrName>
+                                        </p:attrNameLst>
+                                      </p:cBhvr>
+                                      <p:to>
+                                        <p:strVal val="visible"/>
+                                      </p:to>
+                                    </p:set>
+                                  </p:childTnLst>
+                                </p:cTn>
+                              </p:par>
+                            </p:childTnLst>
+                          </p:cTn>
+                        </p:par>
+                      </p:childTnLst>
+                    </p:cTn>
+                  </p:par>
+                </p:childTnLst>
+              </p:cTn>
+              <p:prevCondLst>
+                <p:cond evt="onPrev" delay="0">
+                  <p:tgtEl>
+                    <p:sldTgt/>
+                  </p:tgtEl>
+                </p:cond>
+              </p:prevCondLst>
+              <p:nextCondLst>
+                <p:cond evt="onNext" delay="0">
+                  <p:tgtEl>
+                    <p:sldTgt/>
+                  </p:tgtEl>
+                </p:cond>
+              </p:nextCondLst>
+            </p:seq>
+          </p:childTnLst>
+        </p:cTn>
+      </p:par>
+    </p:tnLst>
+    <p:bldLst>
+      <p:bldP spid="5" grpId="0" uiExpand="1" build="p"/>
+    </p:bldLst>
+  </p:timing>
 </p:sld>
 </file>
 
@@ -42568,6 +43680,812 @@
                   <a:schemeClr val="bg1"/>
                 </a:solidFill>
               </a:rPr>
+              <a:t>Model Evaluation Summary:</a:t>
+            </a:r>
+            <a:r>
+              <a:rPr lang="en-US" sz="2800" b="1" dirty="0">
+                <a:solidFill>
+                  <a:schemeClr val="bg1"/>
+                </a:solidFill>
+              </a:rPr>
+              <a:t> </a:t>
+            </a:r>
+            <a:endParaRPr lang="en-ZA" sz="2800" b="1" dirty="0">
+              <a:solidFill>
+                <a:schemeClr val="bg1"/>
+              </a:solidFill>
+            </a:endParaRPr>
+          </a:p>
+        </p:txBody>
+      </p:sp>
+      <p:graphicFrame>
+        <p:nvGraphicFramePr>
+          <p:cNvPr id="6" name="Table 5">
+            <a:extLst>
+              <a:ext uri="{FF2B5EF4-FFF2-40B4-BE49-F238E27FC236}">
+                <a16:creationId xmlns:a16="http://schemas.microsoft.com/office/drawing/2014/main" id="{C447EA82-F229-1341-3B58-1CD5F15BAA03}"/>
+              </a:ext>
+            </a:extLst>
+          </p:cNvPr>
+          <p:cNvGraphicFramePr>
+            <a:graphicFrameLocks noGrp="1"/>
+          </p:cNvGraphicFramePr>
+          <p:nvPr>
+            <p:extLst>
+              <p:ext uri="{D42A27DB-BD31-4B8C-83A1-F6EECF244321}">
+                <p14:modId xmlns:p14="http://schemas.microsoft.com/office/powerpoint/2010/main" val="1842786710"/>
+              </p:ext>
+            </p:extLst>
+          </p:nvPr>
+        </p:nvGraphicFramePr>
+        <p:xfrm>
+          <a:off x="707923" y="1612490"/>
+          <a:ext cx="10491021" cy="3958325"/>
+        </p:xfrm>
+        <a:graphic>
+          <a:graphicData uri="http://schemas.openxmlformats.org/drawingml/2006/table">
+            <a:tbl>
+              <a:tblPr firstRow="1" bandRow="1">
+                <a:tableStyleId>{EB9631B5-78F2-41C9-869B-9F39066F8104}</a:tableStyleId>
+              </a:tblPr>
+              <a:tblGrid>
+                <a:gridCol w="2106069">
+                  <a:extLst>
+                    <a:ext uri="{9D8B030D-6E8A-4147-A177-3AD203B41FA5}">
+                      <a16:colId xmlns:a16="http://schemas.microsoft.com/office/drawing/2014/main" val="3419785081"/>
+                    </a:ext>
+                  </a:extLst>
+                </a:gridCol>
+                <a:gridCol w="2096238">
+                  <a:extLst>
+                    <a:ext uri="{9D8B030D-6E8A-4147-A177-3AD203B41FA5}">
+                      <a16:colId xmlns:a16="http://schemas.microsoft.com/office/drawing/2014/main" val="3484393436"/>
+                    </a:ext>
+                  </a:extLst>
+                </a:gridCol>
+                <a:gridCol w="2096238">
+                  <a:extLst>
+                    <a:ext uri="{9D8B030D-6E8A-4147-A177-3AD203B41FA5}">
+                      <a16:colId xmlns:a16="http://schemas.microsoft.com/office/drawing/2014/main" val="1814214063"/>
+                    </a:ext>
+                  </a:extLst>
+                </a:gridCol>
+                <a:gridCol w="2096238">
+                  <a:extLst>
+                    <a:ext uri="{9D8B030D-6E8A-4147-A177-3AD203B41FA5}">
+                      <a16:colId xmlns:a16="http://schemas.microsoft.com/office/drawing/2014/main" val="2438988768"/>
+                    </a:ext>
+                  </a:extLst>
+                </a:gridCol>
+                <a:gridCol w="2096238">
+                  <a:extLst>
+                    <a:ext uri="{9D8B030D-6E8A-4147-A177-3AD203B41FA5}">
+                      <a16:colId xmlns:a16="http://schemas.microsoft.com/office/drawing/2014/main" val="2177993718"/>
+                    </a:ext>
+                  </a:extLst>
+                </a:gridCol>
+              </a:tblGrid>
+              <a:tr h="529537">
+                <a:tc>
+                  <a:txBody>
+                    <a:bodyPr/>
+                    <a:lstStyle/>
+                    <a:p>
+                      <a:r>
+                        <a:rPr lang="en-ZA" dirty="0"/>
+                        <a:t>Metric</a:t>
+                      </a:r>
+                    </a:p>
+                  </a:txBody>
+                  <a:tcPr/>
+                </a:tc>
+                <a:tc>
+                  <a:txBody>
+                    <a:bodyPr/>
+                    <a:lstStyle/>
+                    <a:p>
+                      <a:r>
+                        <a:rPr lang="en-ZA" dirty="0"/>
+                        <a:t>Test Score</a:t>
+                      </a:r>
+                    </a:p>
+                  </a:txBody>
+                  <a:tcPr/>
+                </a:tc>
+                <a:tc>
+                  <a:txBody>
+                    <a:bodyPr/>
+                    <a:lstStyle/>
+                    <a:p>
+                      <a:r>
+                        <a:rPr lang="en-ZA" dirty="0"/>
+                        <a:t>Train Score</a:t>
+                      </a:r>
+                    </a:p>
+                  </a:txBody>
+                  <a:tcPr/>
+                </a:tc>
+                <a:tc>
+                  <a:txBody>
+                    <a:bodyPr/>
+                    <a:lstStyle/>
+                    <a:p>
+                      <a:r>
+                        <a:rPr lang="en-ZA" dirty="0"/>
+                        <a:t>Data used</a:t>
+                      </a:r>
+                    </a:p>
+                  </a:txBody>
+                  <a:tcPr/>
+                </a:tc>
+                <a:tc>
+                  <a:txBody>
+                    <a:bodyPr/>
+                    <a:lstStyle/>
+                    <a:p>
+                      <a:r>
+                        <a:rPr lang="en-ZA" dirty="0"/>
+                        <a:t>Conclusions</a:t>
+                      </a:r>
+                    </a:p>
+                  </a:txBody>
+                  <a:tcPr/>
+                </a:tc>
+                <a:extLst>
+                  <a:ext uri="{0D108BD9-81ED-4DB2-BD59-A6C34878D82A}">
+                    <a16:rowId xmlns:a16="http://schemas.microsoft.com/office/drawing/2014/main" val="976059334"/>
+                  </a:ext>
+                </a:extLst>
+              </a:tr>
+              <a:tr h="529537">
+                <a:tc>
+                  <a:txBody>
+                    <a:bodyPr/>
+                    <a:lstStyle/>
+                    <a:p>
+                      <a:r>
+                        <a:rPr lang="en-ZA" dirty="0"/>
+                        <a:t>AUC</a:t>
+                      </a:r>
+                    </a:p>
+                  </a:txBody>
+                  <a:tcPr/>
+                </a:tc>
+                <a:tc>
+                  <a:txBody>
+                    <a:bodyPr/>
+                    <a:lstStyle/>
+                    <a:p>
+                      <a:pPr algn="ctr"/>
+                      <a:r>
+                        <a:rPr lang="en-ZA" dirty="0"/>
+                        <a:t>0.9029</a:t>
+                      </a:r>
+                    </a:p>
+                  </a:txBody>
+                  <a:tcPr/>
+                </a:tc>
+                <a:tc>
+                  <a:txBody>
+                    <a:bodyPr/>
+                    <a:lstStyle/>
+                    <a:p>
+                      <a:pPr algn="ctr"/>
+                      <a:r>
+                        <a:rPr lang="en-ZA" dirty="0"/>
+                        <a:t>0.9988</a:t>
+                      </a:r>
+                    </a:p>
+                  </a:txBody>
+                  <a:tcPr/>
+                </a:tc>
+                <a:tc>
+                  <a:txBody>
+                    <a:bodyPr/>
+                    <a:lstStyle/>
+                    <a:p>
+                      <a:endParaRPr lang="en-ZA" dirty="0"/>
+                    </a:p>
+                  </a:txBody>
+                  <a:tcPr/>
+                </a:tc>
+                <a:tc>
+                  <a:txBody>
+                    <a:bodyPr/>
+                    <a:lstStyle/>
+                    <a:p>
+                      <a:endParaRPr lang="en-ZA" dirty="0"/>
+                    </a:p>
+                  </a:txBody>
+                  <a:tcPr/>
+                </a:tc>
+                <a:extLst>
+                  <a:ext uri="{0D108BD9-81ED-4DB2-BD59-A6C34878D82A}">
+                    <a16:rowId xmlns:a16="http://schemas.microsoft.com/office/drawing/2014/main" val="2248818717"/>
+                  </a:ext>
+                </a:extLst>
+              </a:tr>
+              <a:tr h="529537">
+                <a:tc>
+                  <a:txBody>
+                    <a:bodyPr/>
+                    <a:lstStyle/>
+                    <a:p>
+                      <a:r>
+                        <a:rPr lang="en-ZA" dirty="0" err="1"/>
+                        <a:t>Precision@k</a:t>
+                      </a:r>
+                      <a:endParaRPr lang="en-ZA" dirty="0"/>
+                    </a:p>
+                  </a:txBody>
+                  <a:tcPr/>
+                </a:tc>
+                <a:tc>
+                  <a:txBody>
+                    <a:bodyPr/>
+                    <a:lstStyle/>
+                    <a:p>
+                      <a:pPr algn="ctr"/>
+                      <a:r>
+                        <a:rPr lang="en-ZA" dirty="0"/>
+                        <a:t>0.1501</a:t>
+                      </a:r>
+                    </a:p>
+                  </a:txBody>
+                  <a:tcPr/>
+                </a:tc>
+                <a:tc>
+                  <a:txBody>
+                    <a:bodyPr/>
+                    <a:lstStyle/>
+                    <a:p>
+                      <a:pPr marL="0" marR="0" lvl="0" indent="0" algn="ctr" defTabSz="914400" rtl="0" eaLnBrk="1" fontAlgn="auto" latinLnBrk="0" hangingPunct="1">
+                        <a:lnSpc>
+                          <a:spcPct val="100000"/>
+                        </a:lnSpc>
+                        <a:spcBef>
+                          <a:spcPts val="0"/>
+                        </a:spcBef>
+                        <a:spcAft>
+                          <a:spcPts val="0"/>
+                        </a:spcAft>
+                        <a:buClrTx/>
+                        <a:buSzTx/>
+                        <a:buFontTx/>
+                        <a:buNone/>
+                        <a:tabLst/>
+                        <a:defRPr/>
+                      </a:pPr>
+                      <a:r>
+                        <a:rPr lang="en-ZA" dirty="0"/>
+                        <a:t>0.3723</a:t>
+                      </a:r>
+                    </a:p>
+                  </a:txBody>
+                  <a:tcPr/>
+                </a:tc>
+                <a:tc>
+                  <a:txBody>
+                    <a:bodyPr/>
+                    <a:lstStyle/>
+                    <a:p>
+                      <a:r>
+                        <a:rPr lang="en-ZA" sz="1600" dirty="0"/>
+                        <a:t>Mean </a:t>
+                      </a:r>
+                      <a:r>
+                        <a:rPr lang="en-ZA" sz="1600" dirty="0" err="1"/>
+                        <a:t>precision@k</a:t>
+                      </a:r>
+                      <a:r>
+                        <a:rPr lang="en-ZA" sz="1600" dirty="0"/>
+                        <a:t> only for users with recorded interactions across the entire dataset</a:t>
+                      </a:r>
+                    </a:p>
+                  </a:txBody>
+                  <a:tcPr/>
+                </a:tc>
+                <a:tc>
+                  <a:txBody>
+                    <a:bodyPr/>
+                    <a:lstStyle/>
+                    <a:p>
+                      <a:endParaRPr lang="en-ZA" dirty="0"/>
+                    </a:p>
+                  </a:txBody>
+                  <a:tcPr/>
+                </a:tc>
+                <a:extLst>
+                  <a:ext uri="{0D108BD9-81ED-4DB2-BD59-A6C34878D82A}">
+                    <a16:rowId xmlns:a16="http://schemas.microsoft.com/office/drawing/2014/main" val="2717578898"/>
+                  </a:ext>
+                </a:extLst>
+              </a:tr>
+              <a:tr h="529537">
+                <a:tc>
+                  <a:txBody>
+                    <a:bodyPr/>
+                    <a:lstStyle/>
+                    <a:p>
+                      <a:r>
+                        <a:rPr lang="en-ZA" dirty="0"/>
+                        <a:t>Reciprocal rank</a:t>
+                      </a:r>
+                    </a:p>
+                  </a:txBody>
+                  <a:tcPr/>
+                </a:tc>
+                <a:tc>
+                  <a:txBody>
+                    <a:bodyPr/>
+                    <a:lstStyle/>
+                    <a:p>
+                      <a:pPr algn="ctr"/>
+                      <a:r>
+                        <a:rPr lang="en-ZA" dirty="0"/>
+                        <a:t>0.6512</a:t>
+                      </a:r>
+                    </a:p>
+                  </a:txBody>
+                  <a:tcPr/>
+                </a:tc>
+                <a:tc>
+                  <a:txBody>
+                    <a:bodyPr/>
+                    <a:lstStyle/>
+                    <a:p>
+                      <a:pPr algn="ctr"/>
+                      <a:r>
+                        <a:rPr lang="en-ZA" dirty="0"/>
+                        <a:t>0.9859</a:t>
+                      </a:r>
+                    </a:p>
+                  </a:txBody>
+                  <a:tcPr/>
+                </a:tc>
+                <a:tc>
+                  <a:txBody>
+                    <a:bodyPr/>
+                    <a:lstStyle/>
+                    <a:p>
+                      <a:endParaRPr lang="en-ZA" dirty="0"/>
+                    </a:p>
+                  </a:txBody>
+                  <a:tcPr/>
+                </a:tc>
+                <a:tc>
+                  <a:txBody>
+                    <a:bodyPr/>
+                    <a:lstStyle/>
+                    <a:p>
+                      <a:endParaRPr lang="en-ZA" dirty="0"/>
+                    </a:p>
+                  </a:txBody>
+                  <a:tcPr/>
+                </a:tc>
+                <a:extLst>
+                  <a:ext uri="{0D108BD9-81ED-4DB2-BD59-A6C34878D82A}">
+                    <a16:rowId xmlns:a16="http://schemas.microsoft.com/office/drawing/2014/main" val="2260216570"/>
+                  </a:ext>
+                </a:extLst>
+              </a:tr>
+              <a:tr h="529537">
+                <a:tc>
+                  <a:txBody>
+                    <a:bodyPr/>
+                    <a:lstStyle/>
+                    <a:p>
+                      <a:r>
+                        <a:rPr lang="en-ZA" dirty="0"/>
+                        <a:t>User similarity</a:t>
+                      </a:r>
+                    </a:p>
+                  </a:txBody>
+                  <a:tcPr/>
+                </a:tc>
+                <a:tc>
+                  <a:txBody>
+                    <a:bodyPr/>
+                    <a:lstStyle/>
+                    <a:p>
+                      <a:pPr algn="ctr"/>
+                      <a:endParaRPr lang="en-ZA"/>
+                    </a:p>
+                  </a:txBody>
+                  <a:tcPr/>
+                </a:tc>
+                <a:tc>
+                  <a:txBody>
+                    <a:bodyPr/>
+                    <a:lstStyle/>
+                    <a:p>
+                      <a:pPr algn="ctr"/>
+                      <a:endParaRPr lang="en-ZA" dirty="0"/>
+                    </a:p>
+                  </a:txBody>
+                  <a:tcPr/>
+                </a:tc>
+                <a:tc>
+                  <a:txBody>
+                    <a:bodyPr/>
+                    <a:lstStyle/>
+                    <a:p>
+                      <a:endParaRPr lang="en-ZA" dirty="0"/>
+                    </a:p>
+                  </a:txBody>
+                  <a:tcPr/>
+                </a:tc>
+                <a:tc>
+                  <a:txBody>
+                    <a:bodyPr/>
+                    <a:lstStyle/>
+                    <a:p>
+                      <a:endParaRPr lang="en-ZA" dirty="0"/>
+                    </a:p>
+                  </a:txBody>
+                  <a:tcPr/>
+                </a:tc>
+                <a:extLst>
+                  <a:ext uri="{0D108BD9-81ED-4DB2-BD59-A6C34878D82A}">
+                    <a16:rowId xmlns:a16="http://schemas.microsoft.com/office/drawing/2014/main" val="3505271116"/>
+                  </a:ext>
+                </a:extLst>
+              </a:tr>
+              <a:tr h="529537">
+                <a:tc>
+                  <a:txBody>
+                    <a:bodyPr/>
+                    <a:lstStyle/>
+                    <a:p>
+                      <a:r>
+                        <a:rPr lang="en-ZA" dirty="0"/>
+                        <a:t>Item Similarity</a:t>
+                      </a:r>
+                    </a:p>
+                  </a:txBody>
+                  <a:tcPr/>
+                </a:tc>
+                <a:tc>
+                  <a:txBody>
+                    <a:bodyPr/>
+                    <a:lstStyle/>
+                    <a:p>
+                      <a:pPr algn="ctr"/>
+                      <a:endParaRPr lang="en-ZA"/>
+                    </a:p>
+                  </a:txBody>
+                  <a:tcPr/>
+                </a:tc>
+                <a:tc>
+                  <a:txBody>
+                    <a:bodyPr/>
+                    <a:lstStyle/>
+                    <a:p>
+                      <a:pPr algn="ctr"/>
+                      <a:endParaRPr lang="en-ZA" dirty="0"/>
+                    </a:p>
+                  </a:txBody>
+                  <a:tcPr/>
+                </a:tc>
+                <a:tc>
+                  <a:txBody>
+                    <a:bodyPr/>
+                    <a:lstStyle/>
+                    <a:p>
+                      <a:endParaRPr lang="en-ZA" dirty="0"/>
+                    </a:p>
+                  </a:txBody>
+                  <a:tcPr/>
+                </a:tc>
+                <a:tc>
+                  <a:txBody>
+                    <a:bodyPr/>
+                    <a:lstStyle/>
+                    <a:p>
+                      <a:endParaRPr lang="en-ZA" dirty="0"/>
+                    </a:p>
+                  </a:txBody>
+                  <a:tcPr/>
+                </a:tc>
+                <a:extLst>
+                  <a:ext uri="{0D108BD9-81ED-4DB2-BD59-A6C34878D82A}">
+                    <a16:rowId xmlns:a16="http://schemas.microsoft.com/office/drawing/2014/main" val="1884899802"/>
+                  </a:ext>
+                </a:extLst>
+              </a:tr>
+            </a:tbl>
+          </a:graphicData>
+        </a:graphic>
+      </p:graphicFrame>
+      <p:sp>
+        <p:nvSpPr>
+          <p:cNvPr id="8" name="TextBox 7">
+            <a:extLst>
+              <a:ext uri="{FF2B5EF4-FFF2-40B4-BE49-F238E27FC236}">
+                <a16:creationId xmlns:a16="http://schemas.microsoft.com/office/drawing/2014/main" id="{E4DDD67B-5696-6971-ED85-097513B8B033}"/>
+              </a:ext>
+            </a:extLst>
+          </p:cNvPr>
+          <p:cNvSpPr txBox="1"/>
+          <p:nvPr/>
+        </p:nvSpPr>
+        <p:spPr>
+          <a:xfrm>
+            <a:off x="717754" y="1243158"/>
+            <a:ext cx="6096000" cy="369332"/>
+          </a:xfrm>
+          <a:prstGeom prst="rect">
+            <a:avLst/>
+          </a:prstGeom>
+          <a:noFill/>
+        </p:spPr>
+        <p:txBody>
+          <a:bodyPr wrap="square">
+            <a:spAutoFit/>
+          </a:bodyPr>
+          <a:lstStyle/>
+          <a:p>
+            <a:r>
+              <a:rPr lang="en-ZA" b="1" dirty="0">
+                <a:solidFill>
+                  <a:schemeClr val="bg1"/>
+                </a:solidFill>
+              </a:rPr>
+              <a:t>*@ 80/20 random train test split</a:t>
+            </a:r>
+            <a:endParaRPr lang="en-ZA" b="1" dirty="0"/>
+          </a:p>
+        </p:txBody>
+      </p:sp>
+    </p:spTree>
+    <p:extLst>
+      <p:ext uri="{BB962C8B-B14F-4D97-AF65-F5344CB8AC3E}">
+        <p14:creationId xmlns:p14="http://schemas.microsoft.com/office/powerpoint/2010/main" val="1700196433"/>
+      </p:ext>
+    </p:extLst>
+  </p:cSld>
+  <p:clrMapOvr>
+    <a:masterClrMapping/>
+  </p:clrMapOvr>
+  <p:transition spd="slow">
+    <p:push dir="u"/>
+  </p:transition>
+</p:sld>
+</file>
+
+<file path=ppt/slides/slide52.xml><?xml version="1.0" encoding="utf-8"?>
+<p:sld xmlns:a="http://schemas.openxmlformats.org/drawingml/2006/main" xmlns:r="http://schemas.openxmlformats.org/officeDocument/2006/relationships" xmlns:p="http://schemas.openxmlformats.org/presentationml/2006/main">
+  <p:cSld>
+    <p:bg>
+      <p:bgPr>
+        <a:blipFill dpi="0" rotWithShape="1">
+          <a:blip r:embed="rId2">
+            <a:extLst>
+              <a:ext uri="{BEBA8EAE-BF5A-486C-A8C5-ECC9F3942E4B}">
+                <a14:imgProps xmlns:a14="http://schemas.microsoft.com/office/drawing/2010/main">
+                  <a14:imgLayer r:embed="rId3">
+                    <a14:imgEffect>
+                      <a14:brightnessContrast bright="-20000"/>
+                    </a14:imgEffect>
+                  </a14:imgLayer>
+                </a14:imgProps>
+              </a:ext>
+            </a:extLst>
+          </a:blip>
+          <a:srcRect/>
+          <a:stretch>
+            <a:fillRect l="-9000" t="-39000" b="-11000"/>
+          </a:stretch>
+        </a:blipFill>
+        <a:effectLst/>
+      </p:bgPr>
+    </p:bg>
+    <p:spTree>
+      <p:nvGrpSpPr>
+        <p:cNvPr id="1" name=""/>
+        <p:cNvGrpSpPr/>
+        <p:nvPr/>
+      </p:nvGrpSpPr>
+      <p:grpSpPr>
+        <a:xfrm>
+          <a:off x="0" y="0"/>
+          <a:ext cx="0" cy="0"/>
+          <a:chOff x="0" y="0"/>
+          <a:chExt cx="0" cy="0"/>
+        </a:xfrm>
+      </p:grpSpPr>
+      <p:sp>
+        <p:nvSpPr>
+          <p:cNvPr id="4" name="TextBox 3">
+            <a:extLst>
+              <a:ext uri="{FF2B5EF4-FFF2-40B4-BE49-F238E27FC236}">
+                <a16:creationId xmlns:a16="http://schemas.microsoft.com/office/drawing/2014/main" id="{B216AF57-F29C-D05C-D5C9-C32762A12133}"/>
+              </a:ext>
+            </a:extLst>
+          </p:cNvPr>
+          <p:cNvSpPr txBox="1"/>
+          <p:nvPr/>
+        </p:nvSpPr>
+        <p:spPr>
+          <a:xfrm>
+            <a:off x="835743" y="526372"/>
+            <a:ext cx="7580670" cy="584775"/>
+          </a:xfrm>
+          <a:prstGeom prst="rect">
+            <a:avLst/>
+          </a:prstGeom>
+          <a:noFill/>
+        </p:spPr>
+        <p:txBody>
+          <a:bodyPr wrap="square" rtlCol="0">
+            <a:spAutoFit/>
+          </a:bodyPr>
+          <a:lstStyle/>
+          <a:p>
+            <a:r>
+              <a:rPr lang="en-US" sz="3200" b="1" dirty="0">
+                <a:solidFill>
+                  <a:schemeClr val="bg1"/>
+                </a:solidFill>
+              </a:rPr>
+              <a:t>Model Evaluation :</a:t>
+            </a:r>
+            <a:r>
+              <a:rPr lang="en-US" sz="2800" b="1" dirty="0">
+                <a:solidFill>
+                  <a:schemeClr val="bg1"/>
+                </a:solidFill>
+              </a:rPr>
+              <a:t> </a:t>
+            </a:r>
+            <a:endParaRPr lang="en-ZA" sz="2800" b="1" dirty="0">
+              <a:solidFill>
+                <a:schemeClr val="bg1"/>
+              </a:solidFill>
+            </a:endParaRPr>
+          </a:p>
+        </p:txBody>
+      </p:sp>
+      <p:sp>
+        <p:nvSpPr>
+          <p:cNvPr id="3" name="TextBox 2">
+            <a:extLst>
+              <a:ext uri="{FF2B5EF4-FFF2-40B4-BE49-F238E27FC236}">
+                <a16:creationId xmlns:a16="http://schemas.microsoft.com/office/drawing/2014/main" id="{3E98D95D-B15A-D7C1-D8F0-E477F9AC3C0F}"/>
+              </a:ext>
+            </a:extLst>
+          </p:cNvPr>
+          <p:cNvSpPr txBox="1"/>
+          <p:nvPr/>
+        </p:nvSpPr>
+        <p:spPr>
+          <a:xfrm>
+            <a:off x="1229032" y="1762121"/>
+            <a:ext cx="6096000" cy="369332"/>
+          </a:xfrm>
+          <a:prstGeom prst="rect">
+            <a:avLst/>
+          </a:prstGeom>
+          <a:noFill/>
+        </p:spPr>
+        <p:txBody>
+          <a:bodyPr wrap="square">
+            <a:spAutoFit/>
+          </a:bodyPr>
+          <a:lstStyle/>
+          <a:p>
+            <a:r>
+              <a:rPr lang="en-ZA" dirty="0">
+                <a:solidFill>
+                  <a:schemeClr val="bg1"/>
+                </a:solidFill>
+              </a:rPr>
+              <a:t>80/20 random train test split</a:t>
+            </a:r>
+            <a:endParaRPr lang="en-ZA" dirty="0"/>
+          </a:p>
+        </p:txBody>
+      </p:sp>
+    </p:spTree>
+    <p:extLst>
+      <p:ext uri="{BB962C8B-B14F-4D97-AF65-F5344CB8AC3E}">
+        <p14:creationId xmlns:p14="http://schemas.microsoft.com/office/powerpoint/2010/main" val="698835099"/>
+      </p:ext>
+    </p:extLst>
+  </p:cSld>
+  <p:clrMapOvr>
+    <a:masterClrMapping/>
+  </p:clrMapOvr>
+  <mc:AlternateContent xmlns:mc="http://schemas.openxmlformats.org/markup-compatibility/2006" xmlns:p159="http://schemas.microsoft.com/office/powerpoint/2015/09/main">
+    <mc:Choice Requires="p159">
+      <p:transition xmlns:p14="http://schemas.microsoft.com/office/powerpoint/2010/main" spd="slow" p14:dur="2000">
+        <p159:morph option="byObject"/>
+      </p:transition>
+    </mc:Choice>
+    <mc:Fallback xmlns="">
+      <p:transition spd="slow">
+        <p:fade/>
+      </p:transition>
+    </mc:Fallback>
+  </mc:AlternateContent>
+</p:sld>
+</file>
+
+<file path=ppt/slides/slide53.xml><?xml version="1.0" encoding="utf-8"?>
+<p:sld xmlns:a="http://schemas.openxmlformats.org/drawingml/2006/main" xmlns:r="http://schemas.openxmlformats.org/officeDocument/2006/relationships" xmlns:p="http://schemas.openxmlformats.org/presentationml/2006/main">
+  <p:cSld>
+    <p:bg>
+      <p:bgPr>
+        <a:blipFill dpi="0" rotWithShape="1">
+          <a:blip r:embed="rId2">
+            <a:extLst>
+              <a:ext uri="{BEBA8EAE-BF5A-486C-A8C5-ECC9F3942E4B}">
+                <a14:imgProps xmlns:a14="http://schemas.microsoft.com/office/drawing/2010/main">
+                  <a14:imgLayer r:embed="rId3">
+                    <a14:imgEffect>
+                      <a14:brightnessContrast bright="-20000"/>
+                    </a14:imgEffect>
+                  </a14:imgLayer>
+                </a14:imgProps>
+              </a:ext>
+            </a:extLst>
+          </a:blip>
+          <a:srcRect/>
+          <a:stretch>
+            <a:fillRect l="-9000" t="-39000" b="-11000"/>
+          </a:stretch>
+        </a:blipFill>
+        <a:effectLst/>
+      </p:bgPr>
+    </p:bg>
+    <p:spTree>
+      <p:nvGrpSpPr>
+        <p:cNvPr id="1" name=""/>
+        <p:cNvGrpSpPr/>
+        <p:nvPr/>
+      </p:nvGrpSpPr>
+      <p:grpSpPr>
+        <a:xfrm>
+          <a:off x="0" y="0"/>
+          <a:ext cx="0" cy="0"/>
+          <a:chOff x="0" y="0"/>
+          <a:chExt cx="0" cy="0"/>
+        </a:xfrm>
+      </p:grpSpPr>
+      <p:sp>
+        <p:nvSpPr>
+          <p:cNvPr id="4" name="TextBox 3">
+            <a:extLst>
+              <a:ext uri="{FF2B5EF4-FFF2-40B4-BE49-F238E27FC236}">
+                <a16:creationId xmlns:a16="http://schemas.microsoft.com/office/drawing/2014/main" id="{B216AF57-F29C-D05C-D5C9-C32762A12133}"/>
+              </a:ext>
+            </a:extLst>
+          </p:cNvPr>
+          <p:cNvSpPr txBox="1"/>
+          <p:nvPr/>
+        </p:nvSpPr>
+        <p:spPr>
+          <a:xfrm>
+            <a:off x="835743" y="526372"/>
+            <a:ext cx="7580670" cy="584775"/>
+          </a:xfrm>
+          <a:prstGeom prst="rect">
+            <a:avLst/>
+          </a:prstGeom>
+          <a:noFill/>
+        </p:spPr>
+        <p:txBody>
+          <a:bodyPr wrap="square" rtlCol="0">
+            <a:spAutoFit/>
+          </a:bodyPr>
+          <a:lstStyle/>
+          <a:p>
+            <a:r>
+              <a:rPr lang="en-US" sz="3200" b="1" dirty="0">
+                <a:solidFill>
+                  <a:schemeClr val="bg1"/>
+                </a:solidFill>
+              </a:rPr>
               <a:t>Cold start problem:</a:t>
             </a:r>
             <a:r>
@@ -42685,7 +44603,7 @@
 </p:sld>
 </file>
 
-<file path=ppt/slides/slide52.xml><?xml version="1.0" encoding="utf-8"?>
+<file path=ppt/slides/slide54.xml><?xml version="1.0" encoding="utf-8"?>
 <p:sld xmlns:a="http://schemas.openxmlformats.org/drawingml/2006/main" xmlns:r="http://schemas.openxmlformats.org/officeDocument/2006/relationships" xmlns:p="http://schemas.openxmlformats.org/presentationml/2006/main">
   <p:cSld>
     <p:bg>
